--- a/授業資料/講義資料：継承とポリモーフィズム.pptx
+++ b/授業資料/講義資料：継承とポリモーフィズム.pptx
@@ -13,6 +13,21 @@
     <p:sldId id="317" r:id="rId7"/>
     <p:sldId id="322" r:id="rId8"/>
     <p:sldId id="324" r:id="rId9"/>
+    <p:sldId id="265" r:id="rId10"/>
+    <p:sldId id="325" r:id="rId11"/>
+    <p:sldId id="327" r:id="rId12"/>
+    <p:sldId id="331" r:id="rId13"/>
+    <p:sldId id="332" r:id="rId14"/>
+    <p:sldId id="328" r:id="rId15"/>
+    <p:sldId id="333" r:id="rId16"/>
+    <p:sldId id="330" r:id="rId17"/>
+    <p:sldId id="334" r:id="rId18"/>
+    <p:sldId id="335" r:id="rId19"/>
+    <p:sldId id="338" r:id="rId20"/>
+    <p:sldId id="336" r:id="rId21"/>
+    <p:sldId id="337" r:id="rId22"/>
+    <p:sldId id="340" r:id="rId23"/>
+    <p:sldId id="339" r:id="rId24"/>
   </p:sldIdLst>
   <p:sldSz cx="12192000" cy="6858000"/>
   <p:notesSz cx="6858000" cy="9144000"/>
@@ -250,7 +265,7 @@
           <a:p>
             <a:fld id="{5B96D3F8-CD2E-4A0D-AC38-517181EABB18}" type="datetimeFigureOut">
               <a:rPr kumimoji="1" lang="ja-JP" altLang="en-US" smtClean="0"/>
-              <a:t>2024/9/10</a:t>
+              <a:t>2024/9/12</a:t>
             </a:fld>
             <a:endParaRPr kumimoji="1" lang="ja-JP" altLang="en-US"/>
           </a:p>
@@ -452,7 +467,7 @@
           <a:p>
             <a:fld id="{5B96D3F8-CD2E-4A0D-AC38-517181EABB18}" type="datetimeFigureOut">
               <a:rPr kumimoji="1" lang="ja-JP" altLang="en-US" smtClean="0"/>
-              <a:t>2024/9/10</a:t>
+              <a:t>2024/9/12</a:t>
             </a:fld>
             <a:endParaRPr kumimoji="1" lang="ja-JP" altLang="en-US"/>
           </a:p>
@@ -664,7 +679,7 @@
           <a:p>
             <a:fld id="{5B96D3F8-CD2E-4A0D-AC38-517181EABB18}" type="datetimeFigureOut">
               <a:rPr kumimoji="1" lang="ja-JP" altLang="en-US" smtClean="0"/>
-              <a:t>2024/9/10</a:t>
+              <a:t>2024/9/12</a:t>
             </a:fld>
             <a:endParaRPr kumimoji="1" lang="ja-JP" altLang="en-US"/>
           </a:p>
@@ -866,7 +881,7 @@
           <a:p>
             <a:fld id="{5B96D3F8-CD2E-4A0D-AC38-517181EABB18}" type="datetimeFigureOut">
               <a:rPr kumimoji="1" lang="ja-JP" altLang="en-US" smtClean="0"/>
-              <a:t>2024/9/10</a:t>
+              <a:t>2024/9/12</a:t>
             </a:fld>
             <a:endParaRPr kumimoji="1" lang="ja-JP" altLang="en-US"/>
           </a:p>
@@ -1112,7 +1127,7 @@
           <a:p>
             <a:fld id="{5B96D3F8-CD2E-4A0D-AC38-517181EABB18}" type="datetimeFigureOut">
               <a:rPr kumimoji="1" lang="ja-JP" altLang="en-US" smtClean="0"/>
-              <a:t>2024/9/10</a:t>
+              <a:t>2024/9/12</a:t>
             </a:fld>
             <a:endParaRPr kumimoji="1" lang="ja-JP" altLang="en-US"/>
           </a:p>
@@ -1408,7 +1423,7 @@
           <a:p>
             <a:fld id="{5B96D3F8-CD2E-4A0D-AC38-517181EABB18}" type="datetimeFigureOut">
               <a:rPr kumimoji="1" lang="ja-JP" altLang="en-US" smtClean="0"/>
-              <a:t>2024/9/10</a:t>
+              <a:t>2024/9/12</a:t>
             </a:fld>
             <a:endParaRPr kumimoji="1" lang="ja-JP" altLang="en-US"/>
           </a:p>
@@ -1839,7 +1854,7 @@
           <a:p>
             <a:fld id="{5B96D3F8-CD2E-4A0D-AC38-517181EABB18}" type="datetimeFigureOut">
               <a:rPr kumimoji="1" lang="ja-JP" altLang="en-US" smtClean="0"/>
-              <a:t>2024/9/10</a:t>
+              <a:t>2024/9/12</a:t>
             </a:fld>
             <a:endParaRPr kumimoji="1" lang="ja-JP" altLang="en-US"/>
           </a:p>
@@ -1957,7 +1972,7 @@
           <a:p>
             <a:fld id="{5B96D3F8-CD2E-4A0D-AC38-517181EABB18}" type="datetimeFigureOut">
               <a:rPr kumimoji="1" lang="ja-JP" altLang="en-US" smtClean="0"/>
-              <a:t>2024/9/10</a:t>
+              <a:t>2024/9/12</a:t>
             </a:fld>
             <a:endParaRPr kumimoji="1" lang="ja-JP" altLang="en-US"/>
           </a:p>
@@ -2052,7 +2067,7 @@
           <a:p>
             <a:fld id="{5B96D3F8-CD2E-4A0D-AC38-517181EABB18}" type="datetimeFigureOut">
               <a:rPr kumimoji="1" lang="ja-JP" altLang="en-US" smtClean="0"/>
-              <a:t>2024/9/10</a:t>
+              <a:t>2024/9/12</a:t>
             </a:fld>
             <a:endParaRPr kumimoji="1" lang="ja-JP" altLang="en-US"/>
           </a:p>
@@ -2361,7 +2376,7 @@
           <a:p>
             <a:fld id="{5B96D3F8-CD2E-4A0D-AC38-517181EABB18}" type="datetimeFigureOut">
               <a:rPr kumimoji="1" lang="ja-JP" altLang="en-US" smtClean="0"/>
-              <a:t>2024/9/10</a:t>
+              <a:t>2024/9/12</a:t>
             </a:fld>
             <a:endParaRPr kumimoji="1" lang="ja-JP" altLang="en-US"/>
           </a:p>
@@ -2618,7 +2633,7 @@
           <a:p>
             <a:fld id="{5B96D3F8-CD2E-4A0D-AC38-517181EABB18}" type="datetimeFigureOut">
               <a:rPr kumimoji="1" lang="ja-JP" altLang="en-US" smtClean="0"/>
-              <a:t>2024/9/10</a:t>
+              <a:t>2024/9/12</a:t>
             </a:fld>
             <a:endParaRPr kumimoji="1" lang="ja-JP" altLang="en-US"/>
           </a:p>
@@ -2863,7 +2878,7 @@
           <a:p>
             <a:fld id="{5B96D3F8-CD2E-4A0D-AC38-517181EABB18}" type="datetimeFigureOut">
               <a:rPr kumimoji="1" lang="ja-JP" altLang="en-US" smtClean="0"/>
-              <a:t>2024/9/10</a:t>
+              <a:t>2024/9/12</a:t>
             </a:fld>
             <a:endParaRPr kumimoji="1" lang="ja-JP" altLang="en-US"/>
           </a:p>
@@ -3521,6 +3536,4562 @@
 </p:sld>
 </file>
 
+<file path=ppt/slides/slide10.xml><?xml version="1.0" encoding="utf-8"?>
+<p:sld xmlns:a="http://schemas.openxmlformats.org/drawingml/2006/main" xmlns:r="http://schemas.openxmlformats.org/officeDocument/2006/relationships" xmlns:p="http://schemas.openxmlformats.org/presentationml/2006/main">
+  <p:cSld>
+    <p:spTree>
+      <p:nvGrpSpPr>
+        <p:cNvPr id="1" name=""/>
+        <p:cNvGrpSpPr/>
+        <p:nvPr/>
+      </p:nvGrpSpPr>
+      <p:grpSpPr>
+        <a:xfrm>
+          <a:off x="0" y="0"/>
+          <a:ext cx="0" cy="0"/>
+          <a:chOff x="0" y="0"/>
+          <a:chExt cx="0" cy="0"/>
+        </a:xfrm>
+      </p:grpSpPr>
+      <p:sp>
+        <p:nvSpPr>
+          <p:cNvPr id="2" name="タイトル 1">
+            <a:extLst>
+              <a:ext uri="{FF2B5EF4-FFF2-40B4-BE49-F238E27FC236}">
+                <a16:creationId xmlns:a16="http://schemas.microsoft.com/office/drawing/2014/main" id="{F11F3668-F205-48C5-AC01-19611EFE561B}"/>
+              </a:ext>
+            </a:extLst>
+          </p:cNvPr>
+          <p:cNvSpPr>
+            <a:spLocks noGrp="1"/>
+          </p:cNvSpPr>
+          <p:nvPr>
+            <p:ph type="title"/>
+          </p:nvPr>
+        </p:nvSpPr>
+        <p:spPr/>
+        <p:txBody>
+          <a:bodyPr/>
+          <a:lstStyle/>
+          <a:p>
+            <a:r>
+              <a:rPr kumimoji="1" lang="ja-JP" altLang="en-US" dirty="0"/>
+              <a:t>継承</a:t>
+            </a:r>
+          </a:p>
+        </p:txBody>
+      </p:sp>
+      <p:sp>
+        <p:nvSpPr>
+          <p:cNvPr id="3" name="コンテンツ プレースホルダー 2">
+            <a:extLst>
+              <a:ext uri="{FF2B5EF4-FFF2-40B4-BE49-F238E27FC236}">
+                <a16:creationId xmlns:a16="http://schemas.microsoft.com/office/drawing/2014/main" id="{64DBE417-57E9-44A6-BB52-B2F9986BB7B2}"/>
+              </a:ext>
+            </a:extLst>
+          </p:cNvPr>
+          <p:cNvSpPr>
+            <a:spLocks noGrp="1"/>
+          </p:cNvSpPr>
+          <p:nvPr>
+            <p:ph idx="1"/>
+          </p:nvPr>
+        </p:nvSpPr>
+        <p:spPr/>
+        <p:txBody>
+          <a:bodyPr>
+            <a:normAutofit/>
+          </a:bodyPr>
+          <a:lstStyle/>
+          <a:p>
+            <a:r>
+              <a:rPr kumimoji="1" lang="en-US" altLang="ja-JP" dirty="0" err="1"/>
+              <a:t>car.h</a:t>
+            </a:r>
+            <a:r>
+              <a:rPr kumimoji="1" lang="ja-JP" altLang="en-US" dirty="0"/>
+              <a:t>　</a:t>
+            </a:r>
+            <a:r>
+              <a:rPr kumimoji="1" lang="en-US" altLang="ja-JP" dirty="0"/>
+              <a:t>(Sample501)</a:t>
+            </a:r>
+            <a:br>
+              <a:rPr lang="en-US" altLang="ja-JP" dirty="0"/>
+            </a:br>
+            <a:endParaRPr lang="en-US" altLang="ja-JP" dirty="0"/>
+          </a:p>
+          <a:p>
+            <a:pPr marL="0" indent="0">
+              <a:buNone/>
+            </a:pPr>
+            <a:br>
+              <a:rPr lang="en-US" altLang="ja-JP" dirty="0"/>
+            </a:br>
+            <a:br>
+              <a:rPr lang="en-US" altLang="ja-JP" dirty="0"/>
+            </a:br>
+            <a:br>
+              <a:rPr lang="en-US" altLang="ja-JP" dirty="0"/>
+            </a:br>
+            <a:br>
+              <a:rPr lang="en-US" altLang="ja-JP" sz="2400" dirty="0"/>
+            </a:br>
+            <a:br>
+              <a:rPr lang="en-US" altLang="ja-JP" sz="2400" dirty="0"/>
+            </a:br>
+            <a:endParaRPr lang="en-US" altLang="ja-JP" sz="2400" dirty="0"/>
+          </a:p>
+          <a:p>
+            <a:pPr marL="0" indent="0">
+              <a:buNone/>
+            </a:pPr>
+            <a:br>
+              <a:rPr lang="en-US" altLang="ja-JP" sz="2400" dirty="0"/>
+            </a:br>
+            <a:endParaRPr lang="en-US" altLang="ja-JP" dirty="0">
+              <a:solidFill>
+                <a:srgbClr val="FF0000"/>
+              </a:solidFill>
+            </a:endParaRPr>
+          </a:p>
+        </p:txBody>
+      </p:sp>
+      <p:sp>
+        <p:nvSpPr>
+          <p:cNvPr id="5" name="テキスト ボックス 4">
+            <a:extLst>
+              <a:ext uri="{FF2B5EF4-FFF2-40B4-BE49-F238E27FC236}">
+                <a16:creationId xmlns:a16="http://schemas.microsoft.com/office/drawing/2014/main" id="{9E32883C-0E37-4F07-9861-27609819CE8C}"/>
+              </a:ext>
+            </a:extLst>
+          </p:cNvPr>
+          <p:cNvSpPr txBox="1"/>
+          <p:nvPr/>
+        </p:nvSpPr>
+        <p:spPr>
+          <a:xfrm>
+            <a:off x="1048255" y="1942532"/>
+            <a:ext cx="10688220" cy="4893647"/>
+          </a:xfrm>
+          <a:prstGeom prst="rect">
+            <a:avLst/>
+          </a:prstGeom>
+          <a:noFill/>
+          <a:ln>
+            <a:solidFill>
+              <a:schemeClr val="tx1"/>
+            </a:solidFill>
+          </a:ln>
+        </p:spPr>
+        <p:txBody>
+          <a:bodyPr wrap="square" rtlCol="0">
+            <a:spAutoFit/>
+          </a:bodyPr>
+          <a:lstStyle/>
+          <a:p>
+            <a:r>
+              <a:rPr kumimoji="1" lang="en-US" altLang="ja-JP" sz="2400" dirty="0"/>
+              <a:t>#pragma once</a:t>
+            </a:r>
+            <a:r>
+              <a:rPr kumimoji="1" lang="ja-JP" altLang="en-US" sz="2400" dirty="0"/>
+              <a:t>　　　　　　</a:t>
+            </a:r>
+            <a:endParaRPr kumimoji="1" lang="en-US" altLang="ja-JP" sz="2400" dirty="0"/>
+          </a:p>
+          <a:p>
+            <a:r>
+              <a:rPr kumimoji="1" lang="en-US" altLang="ja-JP" sz="2400" dirty="0"/>
+              <a:t>class Car {</a:t>
+            </a:r>
+          </a:p>
+          <a:p>
+            <a:r>
+              <a:rPr kumimoji="1" lang="en-US" altLang="ja-JP" sz="2400" dirty="0"/>
+              <a:t>public:</a:t>
+            </a:r>
+          </a:p>
+          <a:p>
+            <a:r>
+              <a:rPr kumimoji="1" lang="ja-JP" altLang="en-US" sz="2400" dirty="0"/>
+              <a:t>　　　　</a:t>
+            </a:r>
+            <a:r>
+              <a:rPr kumimoji="1" lang="en-US" altLang="ja-JP" sz="2400" dirty="0"/>
+              <a:t>Car()</a:t>
+            </a:r>
+            <a:r>
+              <a:rPr kumimoji="1" lang="ja-JP" altLang="en-US" sz="2400" dirty="0"/>
+              <a:t>；</a:t>
+            </a:r>
+            <a:br>
+              <a:rPr kumimoji="1" lang="en-US" altLang="ja-JP" sz="2400" dirty="0"/>
+            </a:br>
+            <a:r>
+              <a:rPr kumimoji="1" lang="ja-JP" altLang="en-US" sz="2400" dirty="0"/>
+              <a:t>　　　　</a:t>
+            </a:r>
+            <a:r>
+              <a:rPr kumimoji="1" lang="en-US" altLang="ja-JP" sz="2400" b="1" dirty="0">
+                <a:solidFill>
+                  <a:srgbClr val="FF0000"/>
+                </a:solidFill>
+              </a:rPr>
+              <a:t>virtual</a:t>
+            </a:r>
+            <a:r>
+              <a:rPr kumimoji="1" lang="en-US" altLang="ja-JP" sz="2400" dirty="0"/>
+              <a:t> ~Car();</a:t>
+            </a:r>
+          </a:p>
+          <a:p>
+            <a:r>
+              <a:rPr kumimoji="1" lang="ja-JP" altLang="en-US" sz="2400" dirty="0"/>
+              <a:t>　　　　</a:t>
+            </a:r>
+            <a:r>
+              <a:rPr kumimoji="1" lang="en-US" altLang="ja-JP" sz="2400" dirty="0"/>
+              <a:t>void </a:t>
+            </a:r>
+            <a:r>
+              <a:rPr kumimoji="1" lang="en-US" altLang="ja-JP" sz="2400" dirty="0" err="1"/>
+              <a:t>setSpeed</a:t>
+            </a:r>
+            <a:r>
+              <a:rPr kumimoji="1" lang="en-US" altLang="ja-JP" sz="2400" dirty="0"/>
+              <a:t>(double speed);</a:t>
+            </a:r>
+          </a:p>
+          <a:p>
+            <a:r>
+              <a:rPr kumimoji="1" lang="ja-JP" altLang="en-US" sz="2400" dirty="0"/>
+              <a:t>　　　　</a:t>
+            </a:r>
+            <a:r>
+              <a:rPr kumimoji="1" lang="en-US" altLang="ja-JP" sz="2400" dirty="0"/>
+              <a:t>double </a:t>
+            </a:r>
+            <a:r>
+              <a:rPr kumimoji="1" lang="en-US" altLang="ja-JP" sz="2400" dirty="0" err="1"/>
+              <a:t>getSpeed</a:t>
+            </a:r>
+            <a:r>
+              <a:rPr kumimoji="1" lang="en-US" altLang="ja-JP" sz="2400" dirty="0"/>
+              <a:t>();</a:t>
+            </a:r>
+          </a:p>
+          <a:p>
+            <a:r>
+              <a:rPr kumimoji="1" lang="ja-JP" altLang="en-US" sz="2400" dirty="0"/>
+              <a:t>　　　　</a:t>
+            </a:r>
+            <a:r>
+              <a:rPr kumimoji="1" lang="en-US" altLang="ja-JP" sz="2400" dirty="0"/>
+              <a:t>double </a:t>
+            </a:r>
+            <a:r>
+              <a:rPr kumimoji="1" lang="en-US" altLang="ja-JP" sz="2400" dirty="0" err="1"/>
+              <a:t>getMigration</a:t>
+            </a:r>
+            <a:r>
+              <a:rPr kumimoji="1" lang="en-US" altLang="ja-JP" sz="2400" dirty="0"/>
+              <a:t>();</a:t>
+            </a:r>
+          </a:p>
+          <a:p>
+            <a:r>
+              <a:rPr kumimoji="1" lang="ja-JP" altLang="en-US" sz="2400" dirty="0"/>
+              <a:t>　　　　</a:t>
+            </a:r>
+            <a:r>
+              <a:rPr kumimoji="1" lang="en-US" altLang="ja-JP" sz="2400" dirty="0"/>
+              <a:t>void drive(double hour);</a:t>
+            </a:r>
+          </a:p>
+          <a:p>
+            <a:r>
+              <a:rPr kumimoji="1" lang="en-US" altLang="ja-JP" sz="2400" dirty="0"/>
+              <a:t>private:</a:t>
+            </a:r>
+          </a:p>
+          <a:p>
+            <a:r>
+              <a:rPr kumimoji="1" lang="en-US" altLang="ja-JP" sz="2400" dirty="0"/>
+              <a:t>    double </a:t>
+            </a:r>
+            <a:r>
+              <a:rPr kumimoji="1" lang="en-US" altLang="ja-JP" sz="2400" dirty="0" err="1"/>
+              <a:t>m_speed</a:t>
+            </a:r>
+            <a:r>
+              <a:rPr kumimoji="1" lang="en-US" altLang="ja-JP" sz="2400" dirty="0"/>
+              <a:t>;</a:t>
+            </a:r>
+          </a:p>
+          <a:p>
+            <a:r>
+              <a:rPr kumimoji="1" lang="en-US" altLang="ja-JP" sz="2400" dirty="0"/>
+              <a:t>    double </a:t>
+            </a:r>
+            <a:r>
+              <a:rPr kumimoji="1" lang="en-US" altLang="ja-JP" sz="2400" dirty="0" err="1"/>
+              <a:t>m_migration</a:t>
+            </a:r>
+            <a:r>
+              <a:rPr kumimoji="1" lang="en-US" altLang="ja-JP" sz="2400" dirty="0"/>
+              <a:t>;</a:t>
+            </a:r>
+          </a:p>
+          <a:p>
+            <a:r>
+              <a:rPr kumimoji="1" lang="en-US" altLang="ja-JP" sz="2400" dirty="0"/>
+              <a:t>};</a:t>
+            </a:r>
+            <a:endParaRPr kumimoji="1" lang="ja-JP" altLang="en-US" sz="2400" dirty="0"/>
+          </a:p>
+        </p:txBody>
+      </p:sp>
+      <p:sp>
+        <p:nvSpPr>
+          <p:cNvPr id="4" name="テキスト ボックス 3">
+            <a:extLst>
+              <a:ext uri="{FF2B5EF4-FFF2-40B4-BE49-F238E27FC236}">
+                <a16:creationId xmlns:a16="http://schemas.microsoft.com/office/drawing/2014/main" id="{66CE7F4B-75FF-4B35-95DF-A25B059D18CF}"/>
+              </a:ext>
+            </a:extLst>
+          </p:cNvPr>
+          <p:cNvSpPr txBox="1"/>
+          <p:nvPr/>
+        </p:nvSpPr>
+        <p:spPr>
+          <a:xfrm>
+            <a:off x="5082988" y="2115671"/>
+            <a:ext cx="5811206" cy="954107"/>
+          </a:xfrm>
+          <a:prstGeom prst="rect">
+            <a:avLst/>
+          </a:prstGeom>
+          <a:solidFill>
+            <a:schemeClr val="bg1"/>
+          </a:solidFill>
+          <a:ln>
+            <a:solidFill>
+              <a:schemeClr val="tx1"/>
+            </a:solidFill>
+          </a:ln>
+          <a:effectLst>
+            <a:outerShdw blurRad="50800" dist="38100" dir="2700000" algn="tl" rotWithShape="0">
+              <a:prstClr val="black">
+                <a:alpha val="40000"/>
+              </a:prstClr>
+            </a:outerShdw>
+          </a:effectLst>
+        </p:spPr>
+        <p:txBody>
+          <a:bodyPr wrap="none" rtlCol="0">
+            <a:spAutoFit/>
+          </a:bodyPr>
+          <a:lstStyle/>
+          <a:p>
+            <a:r>
+              <a:rPr kumimoji="1" lang="ja-JP" altLang="en-US" sz="2800" dirty="0"/>
+              <a:t>デストラクタの前に</a:t>
+            </a:r>
+            <a:r>
+              <a:rPr kumimoji="1" lang="en-US" altLang="ja-JP" sz="2800" dirty="0">
+                <a:solidFill>
+                  <a:srgbClr val="FF0000"/>
+                </a:solidFill>
+              </a:rPr>
+              <a:t>virtual</a:t>
+            </a:r>
+            <a:r>
+              <a:rPr kumimoji="1" lang="ja-JP" altLang="en-US" sz="2800" dirty="0">
+                <a:solidFill>
+                  <a:srgbClr val="FF0000"/>
+                </a:solidFill>
+              </a:rPr>
+              <a:t>修飾子</a:t>
+            </a:r>
+            <a:endParaRPr kumimoji="1" lang="en-US" altLang="ja-JP" sz="2800" dirty="0">
+              <a:solidFill>
+                <a:srgbClr val="FF0000"/>
+              </a:solidFill>
+            </a:endParaRPr>
+          </a:p>
+          <a:p>
+            <a:r>
+              <a:rPr kumimoji="1" lang="ja-JP" altLang="en-US" sz="2800" dirty="0"/>
+              <a:t>を付ける（テキスト</a:t>
+            </a:r>
+            <a:r>
+              <a:rPr kumimoji="1" lang="en-US" altLang="ja-JP" sz="2800" dirty="0"/>
+              <a:t>P.200</a:t>
+            </a:r>
+            <a:r>
+              <a:rPr kumimoji="1" lang="ja-JP" altLang="en-US" sz="2800" dirty="0"/>
+              <a:t>）</a:t>
+            </a:r>
+            <a:endParaRPr kumimoji="1" lang="en-US" altLang="ja-JP" sz="2800" dirty="0"/>
+          </a:p>
+        </p:txBody>
+      </p:sp>
+    </p:spTree>
+    <p:extLst>
+      <p:ext uri="{BB962C8B-B14F-4D97-AF65-F5344CB8AC3E}">
+        <p14:creationId xmlns:p14="http://schemas.microsoft.com/office/powerpoint/2010/main" val="915103115"/>
+      </p:ext>
+    </p:extLst>
+  </p:cSld>
+  <p:clrMapOvr>
+    <a:masterClrMapping/>
+  </p:clrMapOvr>
+</p:sld>
+</file>
+
+<file path=ppt/slides/slide11.xml><?xml version="1.0" encoding="utf-8"?>
+<p:sld xmlns:a="http://schemas.openxmlformats.org/drawingml/2006/main" xmlns:r="http://schemas.openxmlformats.org/officeDocument/2006/relationships" xmlns:p="http://schemas.openxmlformats.org/presentationml/2006/main">
+  <p:cSld>
+    <p:spTree>
+      <p:nvGrpSpPr>
+        <p:cNvPr id="1" name=""/>
+        <p:cNvGrpSpPr/>
+        <p:nvPr/>
+      </p:nvGrpSpPr>
+      <p:grpSpPr>
+        <a:xfrm>
+          <a:off x="0" y="0"/>
+          <a:ext cx="0" cy="0"/>
+          <a:chOff x="0" y="0"/>
+          <a:chExt cx="0" cy="0"/>
+        </a:xfrm>
+      </p:grpSpPr>
+      <p:sp>
+        <p:nvSpPr>
+          <p:cNvPr id="2" name="タイトル 1">
+            <a:extLst>
+              <a:ext uri="{FF2B5EF4-FFF2-40B4-BE49-F238E27FC236}">
+                <a16:creationId xmlns:a16="http://schemas.microsoft.com/office/drawing/2014/main" id="{F11F3668-F205-48C5-AC01-19611EFE561B}"/>
+              </a:ext>
+            </a:extLst>
+          </p:cNvPr>
+          <p:cNvSpPr>
+            <a:spLocks noGrp="1"/>
+          </p:cNvSpPr>
+          <p:nvPr>
+            <p:ph type="title"/>
+          </p:nvPr>
+        </p:nvSpPr>
+        <p:spPr/>
+        <p:txBody>
+          <a:bodyPr/>
+          <a:lstStyle/>
+          <a:p>
+            <a:r>
+              <a:rPr kumimoji="1" lang="ja-JP" altLang="en-US" dirty="0"/>
+              <a:t>継承</a:t>
+            </a:r>
+          </a:p>
+        </p:txBody>
+      </p:sp>
+      <p:sp>
+        <p:nvSpPr>
+          <p:cNvPr id="3" name="コンテンツ プレースホルダー 2">
+            <a:extLst>
+              <a:ext uri="{FF2B5EF4-FFF2-40B4-BE49-F238E27FC236}">
+                <a16:creationId xmlns:a16="http://schemas.microsoft.com/office/drawing/2014/main" id="{64DBE417-57E9-44A6-BB52-B2F9986BB7B2}"/>
+              </a:ext>
+            </a:extLst>
+          </p:cNvPr>
+          <p:cNvSpPr>
+            <a:spLocks noGrp="1"/>
+          </p:cNvSpPr>
+          <p:nvPr>
+            <p:ph idx="1"/>
+          </p:nvPr>
+        </p:nvSpPr>
+        <p:spPr/>
+        <p:txBody>
+          <a:bodyPr>
+            <a:normAutofit/>
+          </a:bodyPr>
+          <a:lstStyle/>
+          <a:p>
+            <a:r>
+              <a:rPr lang="en-US" altLang="ja-JP" dirty="0" err="1"/>
+              <a:t>ambulance</a:t>
+            </a:r>
+            <a:r>
+              <a:rPr kumimoji="1" lang="en-US" altLang="ja-JP" dirty="0" err="1"/>
+              <a:t>.h</a:t>
+            </a:r>
+            <a:r>
+              <a:rPr kumimoji="1" lang="ja-JP" altLang="en-US" dirty="0"/>
+              <a:t>　</a:t>
+            </a:r>
+            <a:r>
+              <a:rPr kumimoji="1" lang="en-US" altLang="ja-JP" dirty="0"/>
+              <a:t>(Sample501)</a:t>
+            </a:r>
+            <a:br>
+              <a:rPr lang="en-US" altLang="ja-JP" dirty="0"/>
+            </a:br>
+            <a:endParaRPr lang="en-US" altLang="ja-JP" dirty="0"/>
+          </a:p>
+          <a:p>
+            <a:pPr marL="0" indent="0">
+              <a:buNone/>
+            </a:pPr>
+            <a:br>
+              <a:rPr lang="en-US" altLang="ja-JP" dirty="0"/>
+            </a:br>
+            <a:br>
+              <a:rPr lang="en-US" altLang="ja-JP" dirty="0"/>
+            </a:br>
+            <a:br>
+              <a:rPr lang="en-US" altLang="ja-JP" dirty="0"/>
+            </a:br>
+            <a:br>
+              <a:rPr lang="en-US" altLang="ja-JP" sz="2400" dirty="0"/>
+            </a:br>
+            <a:br>
+              <a:rPr lang="en-US" altLang="ja-JP" sz="2400" dirty="0"/>
+            </a:br>
+            <a:endParaRPr lang="en-US" altLang="ja-JP" sz="2400" dirty="0"/>
+          </a:p>
+          <a:p>
+            <a:pPr marL="0" indent="0">
+              <a:buNone/>
+            </a:pPr>
+            <a:br>
+              <a:rPr lang="en-US" altLang="ja-JP" sz="2400" dirty="0"/>
+            </a:br>
+            <a:endParaRPr lang="en-US" altLang="ja-JP" dirty="0">
+              <a:solidFill>
+                <a:srgbClr val="FF0000"/>
+              </a:solidFill>
+            </a:endParaRPr>
+          </a:p>
+        </p:txBody>
+      </p:sp>
+      <p:sp>
+        <p:nvSpPr>
+          <p:cNvPr id="5" name="テキスト ボックス 4">
+            <a:extLst>
+              <a:ext uri="{FF2B5EF4-FFF2-40B4-BE49-F238E27FC236}">
+                <a16:creationId xmlns:a16="http://schemas.microsoft.com/office/drawing/2014/main" id="{9E32883C-0E37-4F07-9861-27609819CE8C}"/>
+              </a:ext>
+            </a:extLst>
+          </p:cNvPr>
+          <p:cNvSpPr txBox="1"/>
+          <p:nvPr/>
+        </p:nvSpPr>
+        <p:spPr>
+          <a:xfrm>
+            <a:off x="1048255" y="1942532"/>
+            <a:ext cx="10688220" cy="3416320"/>
+          </a:xfrm>
+          <a:prstGeom prst="rect">
+            <a:avLst/>
+          </a:prstGeom>
+          <a:noFill/>
+          <a:ln>
+            <a:solidFill>
+              <a:schemeClr val="tx1"/>
+            </a:solidFill>
+          </a:ln>
+        </p:spPr>
+        <p:txBody>
+          <a:bodyPr wrap="square" rtlCol="0">
+            <a:spAutoFit/>
+          </a:bodyPr>
+          <a:lstStyle/>
+          <a:p>
+            <a:r>
+              <a:rPr kumimoji="1" lang="en-US" altLang="ja-JP" sz="2400" dirty="0"/>
+              <a:t>#pragma once</a:t>
+            </a:r>
+            <a:r>
+              <a:rPr kumimoji="1" lang="ja-JP" altLang="en-US" sz="2400" dirty="0"/>
+              <a:t>　　　　　　</a:t>
+            </a:r>
+            <a:endParaRPr kumimoji="1" lang="en-US" altLang="ja-JP" sz="2400" dirty="0"/>
+          </a:p>
+          <a:p>
+            <a:r>
+              <a:rPr kumimoji="1" lang="en-US" altLang="ja-JP" sz="2400" dirty="0"/>
+              <a:t>class </a:t>
+            </a:r>
+            <a:r>
+              <a:rPr kumimoji="1" lang="en-US" altLang="ja-JP" sz="2400" dirty="0">
+                <a:solidFill>
+                  <a:srgbClr val="FF0000"/>
+                </a:solidFill>
+              </a:rPr>
+              <a:t>Ambulance</a:t>
+            </a:r>
+            <a:r>
+              <a:rPr kumimoji="1" lang="en-US" altLang="ja-JP" sz="2400" dirty="0"/>
+              <a:t>: public </a:t>
+            </a:r>
+            <a:r>
+              <a:rPr kumimoji="1" lang="en-US" altLang="ja-JP" sz="2400" dirty="0">
+                <a:solidFill>
+                  <a:srgbClr val="00B0F0"/>
+                </a:solidFill>
+              </a:rPr>
+              <a:t>Car</a:t>
+            </a:r>
+            <a:r>
+              <a:rPr kumimoji="1" lang="en-US" altLang="ja-JP" sz="2400" dirty="0"/>
+              <a:t> {</a:t>
+            </a:r>
+          </a:p>
+          <a:p>
+            <a:r>
+              <a:rPr kumimoji="1" lang="en-US" altLang="ja-JP" sz="2400" dirty="0"/>
+              <a:t>public:</a:t>
+            </a:r>
+          </a:p>
+          <a:p>
+            <a:r>
+              <a:rPr kumimoji="1" lang="ja-JP" altLang="en-US" sz="2400" dirty="0"/>
+              <a:t>　　　　</a:t>
+            </a:r>
+            <a:r>
+              <a:rPr kumimoji="1" lang="en-US" altLang="ja-JP" sz="2400" dirty="0"/>
+              <a:t>Ambulance()</a:t>
+            </a:r>
+            <a:r>
+              <a:rPr kumimoji="1" lang="ja-JP" altLang="en-US" sz="2400" dirty="0"/>
+              <a:t>；</a:t>
+            </a:r>
+            <a:br>
+              <a:rPr kumimoji="1" lang="en-US" altLang="ja-JP" sz="2400" dirty="0"/>
+            </a:br>
+            <a:r>
+              <a:rPr kumimoji="1" lang="ja-JP" altLang="en-US" sz="2400" dirty="0"/>
+              <a:t>　　　　</a:t>
+            </a:r>
+            <a:r>
+              <a:rPr kumimoji="1" lang="en-US" altLang="ja-JP" sz="2400" dirty="0"/>
+              <a:t>virtual ~Ambulance();</a:t>
+            </a:r>
+          </a:p>
+          <a:p>
+            <a:r>
+              <a:rPr kumimoji="1" lang="ja-JP" altLang="en-US" sz="2400" dirty="0"/>
+              <a:t>　　　　</a:t>
+            </a:r>
+            <a:r>
+              <a:rPr kumimoji="1" lang="en-US" altLang="ja-JP" sz="2400" dirty="0"/>
+              <a:t>void </a:t>
+            </a:r>
+            <a:r>
+              <a:rPr kumimoji="1" lang="en-US" altLang="ja-JP" sz="2400" dirty="0" err="1"/>
+              <a:t>savePeople</a:t>
+            </a:r>
+            <a:r>
+              <a:rPr kumimoji="1" lang="en-US" altLang="ja-JP" sz="2400" dirty="0"/>
+              <a:t>();</a:t>
+            </a:r>
+          </a:p>
+          <a:p>
+            <a:r>
+              <a:rPr kumimoji="1" lang="en-US" altLang="ja-JP" sz="2400" dirty="0"/>
+              <a:t>private:</a:t>
+            </a:r>
+          </a:p>
+          <a:p>
+            <a:r>
+              <a:rPr kumimoji="1" lang="en-US" altLang="ja-JP" sz="2400" dirty="0"/>
+              <a:t>    int </a:t>
+            </a:r>
+            <a:r>
+              <a:rPr kumimoji="1" lang="en-US" altLang="ja-JP" sz="2400" dirty="0" err="1"/>
+              <a:t>m_number</a:t>
+            </a:r>
+            <a:r>
+              <a:rPr kumimoji="1" lang="en-US" altLang="ja-JP" sz="2400" dirty="0"/>
+              <a:t>;</a:t>
+            </a:r>
+          </a:p>
+          <a:p>
+            <a:r>
+              <a:rPr kumimoji="1" lang="en-US" altLang="ja-JP" sz="2400" dirty="0"/>
+              <a:t>};</a:t>
+            </a:r>
+            <a:endParaRPr kumimoji="1" lang="ja-JP" altLang="en-US" sz="2400" dirty="0"/>
+          </a:p>
+        </p:txBody>
+      </p:sp>
+      <p:sp>
+        <p:nvSpPr>
+          <p:cNvPr id="6" name="テキスト ボックス 5">
+            <a:extLst>
+              <a:ext uri="{FF2B5EF4-FFF2-40B4-BE49-F238E27FC236}">
+                <a16:creationId xmlns:a16="http://schemas.microsoft.com/office/drawing/2014/main" id="{E0710D79-F001-4E7E-AD9E-493CFB699439}"/>
+              </a:ext>
+            </a:extLst>
+          </p:cNvPr>
+          <p:cNvSpPr txBox="1"/>
+          <p:nvPr/>
+        </p:nvSpPr>
+        <p:spPr>
+          <a:xfrm>
+            <a:off x="3202790" y="2996678"/>
+            <a:ext cx="8513869" cy="3108543"/>
+          </a:xfrm>
+          <a:prstGeom prst="rect">
+            <a:avLst/>
+          </a:prstGeom>
+          <a:solidFill>
+            <a:schemeClr val="bg1"/>
+          </a:solidFill>
+          <a:ln>
+            <a:solidFill>
+              <a:schemeClr val="tx1"/>
+            </a:solidFill>
+          </a:ln>
+          <a:effectLst>
+            <a:outerShdw blurRad="50800" dist="38100" dir="2700000" algn="tl" rotWithShape="0">
+              <a:prstClr val="black">
+                <a:alpha val="40000"/>
+              </a:prstClr>
+            </a:outerShdw>
+          </a:effectLst>
+        </p:spPr>
+        <p:txBody>
+          <a:bodyPr wrap="none" rtlCol="0">
+            <a:spAutoFit/>
+          </a:bodyPr>
+          <a:lstStyle/>
+          <a:p>
+            <a:r>
+              <a:rPr kumimoji="1" lang="ja-JP" altLang="en-US" sz="2800" dirty="0"/>
+              <a:t>クラスの継承</a:t>
+            </a:r>
+            <a:endParaRPr kumimoji="1" lang="en-US" altLang="ja-JP" sz="2800" dirty="0"/>
+          </a:p>
+          <a:p>
+            <a:r>
+              <a:rPr kumimoji="1" lang="en-US" altLang="ja-JP" sz="2800" u="sng" dirty="0"/>
+              <a:t>class </a:t>
+            </a:r>
+            <a:r>
+              <a:rPr kumimoji="1" lang="ja-JP" altLang="en-US" sz="2800" u="sng" dirty="0">
+                <a:solidFill>
+                  <a:srgbClr val="FF0000"/>
+                </a:solidFill>
+              </a:rPr>
+              <a:t>子クラス名</a:t>
+            </a:r>
+            <a:r>
+              <a:rPr kumimoji="1" lang="ja-JP" altLang="en-US" sz="2800" u="sng" dirty="0"/>
+              <a:t> </a:t>
+            </a:r>
+            <a:r>
+              <a:rPr kumimoji="1" lang="en-US" altLang="ja-JP" sz="2800" u="sng" dirty="0"/>
+              <a:t>: public </a:t>
+            </a:r>
+            <a:r>
+              <a:rPr kumimoji="1" lang="ja-JP" altLang="en-US" sz="2800" u="sng" dirty="0">
+                <a:solidFill>
+                  <a:srgbClr val="00B0F0"/>
+                </a:solidFill>
+              </a:rPr>
+              <a:t>親クラス名</a:t>
+            </a:r>
+            <a:endParaRPr kumimoji="1" lang="en-US" altLang="ja-JP" sz="2800" u="sng" dirty="0">
+              <a:solidFill>
+                <a:srgbClr val="00B0F0"/>
+              </a:solidFill>
+            </a:endParaRPr>
+          </a:p>
+          <a:p>
+            <a:endParaRPr kumimoji="1" lang="en-US" altLang="ja-JP" sz="2800" dirty="0">
+              <a:solidFill>
+                <a:srgbClr val="00B0F0"/>
+              </a:solidFill>
+            </a:endParaRPr>
+          </a:p>
+          <a:p>
+            <a:r>
+              <a:rPr kumimoji="1" lang="ja-JP" altLang="en-US" sz="2800" dirty="0"/>
+              <a:t>クラスを継承することで、親クラスの持つ</a:t>
+            </a:r>
+            <a:r>
+              <a:rPr kumimoji="1" lang="en-US" altLang="ja-JP" sz="2800" dirty="0"/>
+              <a:t>public</a:t>
+            </a:r>
+            <a:r>
+              <a:rPr kumimoji="1" lang="ja-JP" altLang="en-US" sz="2800" dirty="0"/>
+              <a:t>な</a:t>
+            </a:r>
+            <a:endParaRPr kumimoji="1" lang="en-US" altLang="ja-JP" sz="2800" dirty="0"/>
+          </a:p>
+          <a:p>
+            <a:r>
+              <a:rPr kumimoji="1" lang="ja-JP" altLang="en-US" sz="2800" dirty="0"/>
+              <a:t>メンバを子クラスで使用することができる</a:t>
+            </a:r>
+            <a:endParaRPr kumimoji="1" lang="en-US" altLang="ja-JP" sz="2800" dirty="0"/>
+          </a:p>
+          <a:p>
+            <a:r>
+              <a:rPr kumimoji="1" lang="ja-JP" altLang="en-US" sz="2800" dirty="0"/>
+              <a:t>また、子クラス独自のメンバを追加して、クラスの機能</a:t>
+            </a:r>
+            <a:br>
+              <a:rPr kumimoji="1" lang="en-US" altLang="ja-JP" sz="2800" dirty="0"/>
+            </a:br>
+            <a:r>
+              <a:rPr kumimoji="1" lang="ja-JP" altLang="en-US" sz="2800" dirty="0"/>
+              <a:t>を拡張することも可能</a:t>
+            </a:r>
+            <a:endParaRPr kumimoji="1" lang="en-US" altLang="ja-JP" sz="2800" dirty="0"/>
+          </a:p>
+        </p:txBody>
+      </p:sp>
+    </p:spTree>
+    <p:extLst>
+      <p:ext uri="{BB962C8B-B14F-4D97-AF65-F5344CB8AC3E}">
+        <p14:creationId xmlns:p14="http://schemas.microsoft.com/office/powerpoint/2010/main" val="1292898553"/>
+      </p:ext>
+    </p:extLst>
+  </p:cSld>
+  <p:clrMapOvr>
+    <a:masterClrMapping/>
+  </p:clrMapOvr>
+</p:sld>
+</file>
+
+<file path=ppt/slides/slide12.xml><?xml version="1.0" encoding="utf-8"?>
+<p:sld xmlns:a="http://schemas.openxmlformats.org/drawingml/2006/main" xmlns:r="http://schemas.openxmlformats.org/officeDocument/2006/relationships" xmlns:p="http://schemas.openxmlformats.org/presentationml/2006/main">
+  <p:cSld>
+    <p:spTree>
+      <p:nvGrpSpPr>
+        <p:cNvPr id="1" name=""/>
+        <p:cNvGrpSpPr/>
+        <p:nvPr/>
+      </p:nvGrpSpPr>
+      <p:grpSpPr>
+        <a:xfrm>
+          <a:off x="0" y="0"/>
+          <a:ext cx="0" cy="0"/>
+          <a:chOff x="0" y="0"/>
+          <a:chExt cx="0" cy="0"/>
+        </a:xfrm>
+      </p:grpSpPr>
+      <p:sp>
+        <p:nvSpPr>
+          <p:cNvPr id="2" name="タイトル 1">
+            <a:extLst>
+              <a:ext uri="{FF2B5EF4-FFF2-40B4-BE49-F238E27FC236}">
+                <a16:creationId xmlns:a16="http://schemas.microsoft.com/office/drawing/2014/main" id="{F11F3668-F205-48C5-AC01-19611EFE561B}"/>
+              </a:ext>
+            </a:extLst>
+          </p:cNvPr>
+          <p:cNvSpPr>
+            <a:spLocks noGrp="1"/>
+          </p:cNvSpPr>
+          <p:nvPr>
+            <p:ph type="title"/>
+          </p:nvPr>
+        </p:nvSpPr>
+        <p:spPr/>
+        <p:txBody>
+          <a:bodyPr/>
+          <a:lstStyle/>
+          <a:p>
+            <a:r>
+              <a:rPr kumimoji="1" lang="ja-JP" altLang="en-US" dirty="0"/>
+              <a:t>継承</a:t>
+            </a:r>
+          </a:p>
+        </p:txBody>
+      </p:sp>
+      <p:sp>
+        <p:nvSpPr>
+          <p:cNvPr id="3" name="コンテンツ プレースホルダー 2">
+            <a:extLst>
+              <a:ext uri="{FF2B5EF4-FFF2-40B4-BE49-F238E27FC236}">
+                <a16:creationId xmlns:a16="http://schemas.microsoft.com/office/drawing/2014/main" id="{64DBE417-57E9-44A6-BB52-B2F9986BB7B2}"/>
+              </a:ext>
+            </a:extLst>
+          </p:cNvPr>
+          <p:cNvSpPr>
+            <a:spLocks noGrp="1"/>
+          </p:cNvSpPr>
+          <p:nvPr>
+            <p:ph idx="1"/>
+          </p:nvPr>
+        </p:nvSpPr>
+        <p:spPr/>
+        <p:txBody>
+          <a:bodyPr>
+            <a:normAutofit/>
+          </a:bodyPr>
+          <a:lstStyle/>
+          <a:p>
+            <a:r>
+              <a:rPr lang="en-US" altLang="ja-JP" dirty="0" err="1"/>
+              <a:t>ambulance</a:t>
+            </a:r>
+            <a:r>
+              <a:rPr kumimoji="1" lang="en-US" altLang="ja-JP" dirty="0" err="1"/>
+              <a:t>.h</a:t>
+            </a:r>
+            <a:r>
+              <a:rPr kumimoji="1" lang="ja-JP" altLang="en-US" dirty="0"/>
+              <a:t>　</a:t>
+            </a:r>
+            <a:r>
+              <a:rPr kumimoji="1" lang="en-US" altLang="ja-JP" dirty="0"/>
+              <a:t>(Sample501)</a:t>
+            </a:r>
+            <a:br>
+              <a:rPr lang="en-US" altLang="ja-JP" dirty="0"/>
+            </a:br>
+            <a:endParaRPr lang="en-US" altLang="ja-JP" dirty="0"/>
+          </a:p>
+          <a:p>
+            <a:pPr marL="0" indent="0">
+              <a:buNone/>
+            </a:pPr>
+            <a:br>
+              <a:rPr lang="en-US" altLang="ja-JP" dirty="0"/>
+            </a:br>
+            <a:br>
+              <a:rPr lang="en-US" altLang="ja-JP" dirty="0"/>
+            </a:br>
+            <a:br>
+              <a:rPr lang="en-US" altLang="ja-JP" dirty="0"/>
+            </a:br>
+            <a:br>
+              <a:rPr lang="en-US" altLang="ja-JP" sz="2400" dirty="0"/>
+            </a:br>
+            <a:br>
+              <a:rPr lang="en-US" altLang="ja-JP" sz="2400" dirty="0"/>
+            </a:br>
+            <a:endParaRPr lang="en-US" altLang="ja-JP" sz="2400" dirty="0"/>
+          </a:p>
+          <a:p>
+            <a:pPr marL="0" indent="0">
+              <a:buNone/>
+            </a:pPr>
+            <a:br>
+              <a:rPr lang="en-US" altLang="ja-JP" sz="2400" dirty="0"/>
+            </a:br>
+            <a:endParaRPr lang="en-US" altLang="ja-JP" dirty="0">
+              <a:solidFill>
+                <a:srgbClr val="FF0000"/>
+              </a:solidFill>
+            </a:endParaRPr>
+          </a:p>
+        </p:txBody>
+      </p:sp>
+      <p:sp>
+        <p:nvSpPr>
+          <p:cNvPr id="5" name="テキスト ボックス 4">
+            <a:extLst>
+              <a:ext uri="{FF2B5EF4-FFF2-40B4-BE49-F238E27FC236}">
+                <a16:creationId xmlns:a16="http://schemas.microsoft.com/office/drawing/2014/main" id="{9E32883C-0E37-4F07-9861-27609819CE8C}"/>
+              </a:ext>
+            </a:extLst>
+          </p:cNvPr>
+          <p:cNvSpPr txBox="1"/>
+          <p:nvPr/>
+        </p:nvSpPr>
+        <p:spPr>
+          <a:xfrm>
+            <a:off x="1048255" y="1942532"/>
+            <a:ext cx="10688220" cy="3416320"/>
+          </a:xfrm>
+          <a:prstGeom prst="rect">
+            <a:avLst/>
+          </a:prstGeom>
+          <a:noFill/>
+          <a:ln>
+            <a:solidFill>
+              <a:schemeClr val="tx1"/>
+            </a:solidFill>
+          </a:ln>
+        </p:spPr>
+        <p:txBody>
+          <a:bodyPr wrap="square" rtlCol="0">
+            <a:spAutoFit/>
+          </a:bodyPr>
+          <a:lstStyle/>
+          <a:p>
+            <a:r>
+              <a:rPr kumimoji="1" lang="en-US" altLang="ja-JP" sz="2400" dirty="0"/>
+              <a:t>#pragma once</a:t>
+            </a:r>
+            <a:r>
+              <a:rPr kumimoji="1" lang="ja-JP" altLang="en-US" sz="2400" dirty="0"/>
+              <a:t>　　　　　　</a:t>
+            </a:r>
+            <a:endParaRPr kumimoji="1" lang="en-US" altLang="ja-JP" sz="2400" dirty="0"/>
+          </a:p>
+          <a:p>
+            <a:r>
+              <a:rPr kumimoji="1" lang="en-US" altLang="ja-JP" sz="2400" dirty="0"/>
+              <a:t>class Ambulance: public Car {</a:t>
+            </a:r>
+          </a:p>
+          <a:p>
+            <a:r>
+              <a:rPr kumimoji="1" lang="en-US" altLang="ja-JP" sz="2400" dirty="0"/>
+              <a:t>public:</a:t>
+            </a:r>
+          </a:p>
+          <a:p>
+            <a:r>
+              <a:rPr kumimoji="1" lang="ja-JP" altLang="en-US" sz="2400" dirty="0"/>
+              <a:t>　　　　</a:t>
+            </a:r>
+            <a:r>
+              <a:rPr kumimoji="1" lang="en-US" altLang="ja-JP" sz="2400" dirty="0"/>
+              <a:t>Ambulance()</a:t>
+            </a:r>
+            <a:r>
+              <a:rPr kumimoji="1" lang="ja-JP" altLang="en-US" sz="2400" dirty="0"/>
+              <a:t>；</a:t>
+            </a:r>
+            <a:br>
+              <a:rPr kumimoji="1" lang="en-US" altLang="ja-JP" sz="2400" dirty="0"/>
+            </a:br>
+            <a:r>
+              <a:rPr kumimoji="1" lang="ja-JP" altLang="en-US" sz="2400" dirty="0"/>
+              <a:t>　　　　</a:t>
+            </a:r>
+            <a:r>
+              <a:rPr kumimoji="1" lang="en-US" altLang="ja-JP" sz="2400" dirty="0">
+                <a:solidFill>
+                  <a:srgbClr val="FF0000"/>
+                </a:solidFill>
+              </a:rPr>
+              <a:t>virtual</a:t>
+            </a:r>
+            <a:r>
+              <a:rPr kumimoji="1" lang="en-US" altLang="ja-JP" sz="2400" dirty="0"/>
+              <a:t> ~Ambulance();</a:t>
+            </a:r>
+          </a:p>
+          <a:p>
+            <a:r>
+              <a:rPr kumimoji="1" lang="ja-JP" altLang="en-US" sz="2400" dirty="0"/>
+              <a:t>　　　　</a:t>
+            </a:r>
+            <a:r>
+              <a:rPr kumimoji="1" lang="en-US" altLang="ja-JP" sz="2400" dirty="0"/>
+              <a:t>void </a:t>
+            </a:r>
+            <a:r>
+              <a:rPr kumimoji="1" lang="en-US" altLang="ja-JP" sz="2400" dirty="0" err="1"/>
+              <a:t>savePeople</a:t>
+            </a:r>
+            <a:r>
+              <a:rPr kumimoji="1" lang="en-US" altLang="ja-JP" sz="2400" dirty="0"/>
+              <a:t>();</a:t>
+            </a:r>
+          </a:p>
+          <a:p>
+            <a:r>
+              <a:rPr kumimoji="1" lang="en-US" altLang="ja-JP" sz="2400" dirty="0"/>
+              <a:t>private:</a:t>
+            </a:r>
+          </a:p>
+          <a:p>
+            <a:r>
+              <a:rPr kumimoji="1" lang="en-US" altLang="ja-JP" sz="2400" dirty="0"/>
+              <a:t>    int </a:t>
+            </a:r>
+            <a:r>
+              <a:rPr kumimoji="1" lang="en-US" altLang="ja-JP" sz="2400" dirty="0" err="1"/>
+              <a:t>m_number</a:t>
+            </a:r>
+            <a:r>
+              <a:rPr kumimoji="1" lang="en-US" altLang="ja-JP" sz="2400" dirty="0"/>
+              <a:t>;</a:t>
+            </a:r>
+          </a:p>
+          <a:p>
+            <a:r>
+              <a:rPr kumimoji="1" lang="en-US" altLang="ja-JP" sz="2400" dirty="0"/>
+              <a:t>};</a:t>
+            </a:r>
+            <a:endParaRPr kumimoji="1" lang="ja-JP" altLang="en-US" sz="2400" dirty="0"/>
+          </a:p>
+        </p:txBody>
+      </p:sp>
+      <p:sp>
+        <p:nvSpPr>
+          <p:cNvPr id="7" name="テキスト ボックス 6">
+            <a:extLst>
+              <a:ext uri="{FF2B5EF4-FFF2-40B4-BE49-F238E27FC236}">
+                <a16:creationId xmlns:a16="http://schemas.microsoft.com/office/drawing/2014/main" id="{1D9F2918-E25A-45E7-A28C-579953C33D87}"/>
+              </a:ext>
+            </a:extLst>
+          </p:cNvPr>
+          <p:cNvSpPr txBox="1"/>
+          <p:nvPr/>
+        </p:nvSpPr>
+        <p:spPr>
+          <a:xfrm>
+            <a:off x="4419599" y="2404945"/>
+            <a:ext cx="5811206" cy="954107"/>
+          </a:xfrm>
+          <a:prstGeom prst="rect">
+            <a:avLst/>
+          </a:prstGeom>
+          <a:solidFill>
+            <a:schemeClr val="bg1"/>
+          </a:solidFill>
+          <a:ln>
+            <a:solidFill>
+              <a:schemeClr val="tx1"/>
+            </a:solidFill>
+          </a:ln>
+          <a:effectLst>
+            <a:outerShdw blurRad="50800" dist="38100" dir="2700000" algn="tl" rotWithShape="0">
+              <a:prstClr val="black">
+                <a:alpha val="40000"/>
+              </a:prstClr>
+            </a:outerShdw>
+          </a:effectLst>
+        </p:spPr>
+        <p:txBody>
+          <a:bodyPr wrap="none" rtlCol="0">
+            <a:spAutoFit/>
+          </a:bodyPr>
+          <a:lstStyle/>
+          <a:p>
+            <a:r>
+              <a:rPr kumimoji="1" lang="ja-JP" altLang="en-US" sz="2800" dirty="0"/>
+              <a:t>デストラクタの前に</a:t>
+            </a:r>
+            <a:r>
+              <a:rPr kumimoji="1" lang="en-US" altLang="ja-JP" sz="2800" dirty="0">
+                <a:solidFill>
+                  <a:srgbClr val="FF0000"/>
+                </a:solidFill>
+              </a:rPr>
+              <a:t>virtual</a:t>
+            </a:r>
+            <a:r>
+              <a:rPr kumimoji="1" lang="ja-JP" altLang="en-US" sz="2800" dirty="0">
+                <a:solidFill>
+                  <a:srgbClr val="FF0000"/>
+                </a:solidFill>
+              </a:rPr>
+              <a:t>修飾子</a:t>
+            </a:r>
+            <a:endParaRPr kumimoji="1" lang="en-US" altLang="ja-JP" sz="2800" dirty="0">
+              <a:solidFill>
+                <a:srgbClr val="FF0000"/>
+              </a:solidFill>
+            </a:endParaRPr>
+          </a:p>
+          <a:p>
+            <a:r>
+              <a:rPr kumimoji="1" lang="ja-JP" altLang="en-US" sz="2800" dirty="0"/>
+              <a:t>を付ける（テキスト</a:t>
+            </a:r>
+            <a:r>
+              <a:rPr kumimoji="1" lang="en-US" altLang="ja-JP" sz="2800" dirty="0"/>
+              <a:t>P.200</a:t>
+            </a:r>
+            <a:r>
+              <a:rPr kumimoji="1" lang="ja-JP" altLang="en-US" sz="2800" dirty="0"/>
+              <a:t>）</a:t>
+            </a:r>
+            <a:endParaRPr kumimoji="1" lang="en-US" altLang="ja-JP" sz="2800" dirty="0"/>
+          </a:p>
+        </p:txBody>
+      </p:sp>
+    </p:spTree>
+    <p:extLst>
+      <p:ext uri="{BB962C8B-B14F-4D97-AF65-F5344CB8AC3E}">
+        <p14:creationId xmlns:p14="http://schemas.microsoft.com/office/powerpoint/2010/main" val="1723890601"/>
+      </p:ext>
+    </p:extLst>
+  </p:cSld>
+  <p:clrMapOvr>
+    <a:masterClrMapping/>
+  </p:clrMapOvr>
+</p:sld>
+</file>
+
+<file path=ppt/slides/slide13.xml><?xml version="1.0" encoding="utf-8"?>
+<p:sld xmlns:a="http://schemas.openxmlformats.org/drawingml/2006/main" xmlns:r="http://schemas.openxmlformats.org/officeDocument/2006/relationships" xmlns:p="http://schemas.openxmlformats.org/presentationml/2006/main">
+  <p:cSld>
+    <p:spTree>
+      <p:nvGrpSpPr>
+        <p:cNvPr id="1" name=""/>
+        <p:cNvGrpSpPr/>
+        <p:nvPr/>
+      </p:nvGrpSpPr>
+      <p:grpSpPr>
+        <a:xfrm>
+          <a:off x="0" y="0"/>
+          <a:ext cx="0" cy="0"/>
+          <a:chOff x="0" y="0"/>
+          <a:chExt cx="0" cy="0"/>
+        </a:xfrm>
+      </p:grpSpPr>
+      <p:sp>
+        <p:nvSpPr>
+          <p:cNvPr id="2" name="タイトル 1">
+            <a:extLst>
+              <a:ext uri="{FF2B5EF4-FFF2-40B4-BE49-F238E27FC236}">
+                <a16:creationId xmlns:a16="http://schemas.microsoft.com/office/drawing/2014/main" id="{F11F3668-F205-48C5-AC01-19611EFE561B}"/>
+              </a:ext>
+            </a:extLst>
+          </p:cNvPr>
+          <p:cNvSpPr>
+            <a:spLocks noGrp="1"/>
+          </p:cNvSpPr>
+          <p:nvPr>
+            <p:ph type="title"/>
+          </p:nvPr>
+        </p:nvSpPr>
+        <p:spPr/>
+        <p:txBody>
+          <a:bodyPr/>
+          <a:lstStyle/>
+          <a:p>
+            <a:r>
+              <a:rPr kumimoji="1" lang="ja-JP" altLang="en-US" dirty="0"/>
+              <a:t>継承</a:t>
+            </a:r>
+          </a:p>
+        </p:txBody>
+      </p:sp>
+      <p:sp>
+        <p:nvSpPr>
+          <p:cNvPr id="3" name="コンテンツ プレースホルダー 2">
+            <a:extLst>
+              <a:ext uri="{FF2B5EF4-FFF2-40B4-BE49-F238E27FC236}">
+                <a16:creationId xmlns:a16="http://schemas.microsoft.com/office/drawing/2014/main" id="{64DBE417-57E9-44A6-BB52-B2F9986BB7B2}"/>
+              </a:ext>
+            </a:extLst>
+          </p:cNvPr>
+          <p:cNvSpPr>
+            <a:spLocks noGrp="1"/>
+          </p:cNvSpPr>
+          <p:nvPr>
+            <p:ph idx="1"/>
+          </p:nvPr>
+        </p:nvSpPr>
+        <p:spPr/>
+        <p:txBody>
+          <a:bodyPr>
+            <a:normAutofit/>
+          </a:bodyPr>
+          <a:lstStyle/>
+          <a:p>
+            <a:r>
+              <a:rPr lang="en-US" altLang="ja-JP" dirty="0" err="1"/>
+              <a:t>ambulance</a:t>
+            </a:r>
+            <a:r>
+              <a:rPr kumimoji="1" lang="en-US" altLang="ja-JP" dirty="0" err="1"/>
+              <a:t>.h</a:t>
+            </a:r>
+            <a:r>
+              <a:rPr kumimoji="1" lang="ja-JP" altLang="en-US" dirty="0"/>
+              <a:t>　</a:t>
+            </a:r>
+            <a:r>
+              <a:rPr kumimoji="1" lang="en-US" altLang="ja-JP" dirty="0"/>
+              <a:t>(Sample501)</a:t>
+            </a:r>
+            <a:br>
+              <a:rPr lang="en-US" altLang="ja-JP" dirty="0"/>
+            </a:br>
+            <a:endParaRPr lang="en-US" altLang="ja-JP" dirty="0"/>
+          </a:p>
+          <a:p>
+            <a:pPr marL="0" indent="0">
+              <a:buNone/>
+            </a:pPr>
+            <a:br>
+              <a:rPr lang="en-US" altLang="ja-JP" dirty="0"/>
+            </a:br>
+            <a:br>
+              <a:rPr lang="en-US" altLang="ja-JP" dirty="0"/>
+            </a:br>
+            <a:br>
+              <a:rPr lang="en-US" altLang="ja-JP" dirty="0"/>
+            </a:br>
+            <a:br>
+              <a:rPr lang="en-US" altLang="ja-JP" sz="2400" dirty="0"/>
+            </a:br>
+            <a:br>
+              <a:rPr lang="en-US" altLang="ja-JP" sz="2400" dirty="0"/>
+            </a:br>
+            <a:endParaRPr lang="en-US" altLang="ja-JP" sz="2400" dirty="0"/>
+          </a:p>
+          <a:p>
+            <a:pPr marL="0" indent="0">
+              <a:buNone/>
+            </a:pPr>
+            <a:br>
+              <a:rPr lang="en-US" altLang="ja-JP" sz="2400" dirty="0"/>
+            </a:br>
+            <a:endParaRPr lang="en-US" altLang="ja-JP" dirty="0">
+              <a:solidFill>
+                <a:srgbClr val="FF0000"/>
+              </a:solidFill>
+            </a:endParaRPr>
+          </a:p>
+        </p:txBody>
+      </p:sp>
+      <p:sp>
+        <p:nvSpPr>
+          <p:cNvPr id="5" name="テキスト ボックス 4">
+            <a:extLst>
+              <a:ext uri="{FF2B5EF4-FFF2-40B4-BE49-F238E27FC236}">
+                <a16:creationId xmlns:a16="http://schemas.microsoft.com/office/drawing/2014/main" id="{9E32883C-0E37-4F07-9861-27609819CE8C}"/>
+              </a:ext>
+            </a:extLst>
+          </p:cNvPr>
+          <p:cNvSpPr txBox="1"/>
+          <p:nvPr/>
+        </p:nvSpPr>
+        <p:spPr>
+          <a:xfrm>
+            <a:off x="1048255" y="1942532"/>
+            <a:ext cx="10688220" cy="3416320"/>
+          </a:xfrm>
+          <a:prstGeom prst="rect">
+            <a:avLst/>
+          </a:prstGeom>
+          <a:noFill/>
+          <a:ln>
+            <a:solidFill>
+              <a:schemeClr val="tx1"/>
+            </a:solidFill>
+          </a:ln>
+        </p:spPr>
+        <p:txBody>
+          <a:bodyPr wrap="square" rtlCol="0">
+            <a:spAutoFit/>
+          </a:bodyPr>
+          <a:lstStyle/>
+          <a:p>
+            <a:r>
+              <a:rPr kumimoji="1" lang="en-US" altLang="ja-JP" sz="2400" dirty="0"/>
+              <a:t>#pragma once</a:t>
+            </a:r>
+            <a:r>
+              <a:rPr kumimoji="1" lang="ja-JP" altLang="en-US" sz="2400" dirty="0"/>
+              <a:t>　　　　　　</a:t>
+            </a:r>
+            <a:endParaRPr kumimoji="1" lang="en-US" altLang="ja-JP" sz="2400" dirty="0"/>
+          </a:p>
+          <a:p>
+            <a:r>
+              <a:rPr kumimoji="1" lang="en-US" altLang="ja-JP" sz="2400" dirty="0"/>
+              <a:t>class Ambulance: public Car {</a:t>
+            </a:r>
+          </a:p>
+          <a:p>
+            <a:r>
+              <a:rPr kumimoji="1" lang="en-US" altLang="ja-JP" sz="2400" dirty="0"/>
+              <a:t>public:</a:t>
+            </a:r>
+          </a:p>
+          <a:p>
+            <a:r>
+              <a:rPr kumimoji="1" lang="ja-JP" altLang="en-US" sz="2400" dirty="0"/>
+              <a:t>　　　　</a:t>
+            </a:r>
+            <a:r>
+              <a:rPr kumimoji="1" lang="en-US" altLang="ja-JP" sz="2400" dirty="0"/>
+              <a:t>Ambulance()</a:t>
+            </a:r>
+            <a:r>
+              <a:rPr kumimoji="1" lang="ja-JP" altLang="en-US" sz="2400" dirty="0"/>
+              <a:t>；</a:t>
+            </a:r>
+            <a:br>
+              <a:rPr kumimoji="1" lang="en-US" altLang="ja-JP" sz="2400" dirty="0"/>
+            </a:br>
+            <a:r>
+              <a:rPr kumimoji="1" lang="ja-JP" altLang="en-US" sz="2400" dirty="0"/>
+              <a:t>　　　　</a:t>
+            </a:r>
+            <a:r>
+              <a:rPr kumimoji="1" lang="en-US" altLang="ja-JP" sz="2400" dirty="0"/>
+              <a:t>virtual ~Ambulance();</a:t>
+            </a:r>
+          </a:p>
+          <a:p>
+            <a:r>
+              <a:rPr kumimoji="1" lang="ja-JP" altLang="en-US" sz="2400" dirty="0"/>
+              <a:t>　　　　</a:t>
+            </a:r>
+            <a:r>
+              <a:rPr kumimoji="1" lang="en-US" altLang="ja-JP" sz="2400" dirty="0"/>
+              <a:t>void </a:t>
+            </a:r>
+            <a:r>
+              <a:rPr kumimoji="1" lang="en-US" altLang="ja-JP" sz="2400" dirty="0" err="1">
+                <a:solidFill>
+                  <a:srgbClr val="00B050"/>
+                </a:solidFill>
+              </a:rPr>
+              <a:t>savePeople</a:t>
+            </a:r>
+            <a:r>
+              <a:rPr kumimoji="1" lang="en-US" altLang="ja-JP" sz="2400" dirty="0">
+                <a:solidFill>
+                  <a:srgbClr val="00B050"/>
+                </a:solidFill>
+              </a:rPr>
+              <a:t>()</a:t>
+            </a:r>
+            <a:r>
+              <a:rPr kumimoji="1" lang="en-US" altLang="ja-JP" sz="2400" dirty="0"/>
+              <a:t>;</a:t>
+            </a:r>
+          </a:p>
+          <a:p>
+            <a:r>
+              <a:rPr kumimoji="1" lang="en-US" altLang="ja-JP" sz="2400" dirty="0"/>
+              <a:t>private:</a:t>
+            </a:r>
+          </a:p>
+          <a:p>
+            <a:r>
+              <a:rPr kumimoji="1" lang="en-US" altLang="ja-JP" sz="2400" dirty="0"/>
+              <a:t>    int </a:t>
+            </a:r>
+            <a:r>
+              <a:rPr kumimoji="1" lang="en-US" altLang="ja-JP" sz="2400" dirty="0" err="1">
+                <a:solidFill>
+                  <a:srgbClr val="00B050"/>
+                </a:solidFill>
+              </a:rPr>
+              <a:t>m_number</a:t>
+            </a:r>
+            <a:r>
+              <a:rPr kumimoji="1" lang="en-US" altLang="ja-JP" sz="2400" dirty="0"/>
+              <a:t>;</a:t>
+            </a:r>
+          </a:p>
+          <a:p>
+            <a:r>
+              <a:rPr kumimoji="1" lang="en-US" altLang="ja-JP" sz="2400" dirty="0"/>
+              <a:t>};</a:t>
+            </a:r>
+            <a:endParaRPr kumimoji="1" lang="ja-JP" altLang="en-US" sz="2400" dirty="0"/>
+          </a:p>
+        </p:txBody>
+      </p:sp>
+      <p:sp>
+        <p:nvSpPr>
+          <p:cNvPr id="7" name="テキスト ボックス 6">
+            <a:extLst>
+              <a:ext uri="{FF2B5EF4-FFF2-40B4-BE49-F238E27FC236}">
+                <a16:creationId xmlns:a16="http://schemas.microsoft.com/office/drawing/2014/main" id="{1D9F2918-E25A-45E7-A28C-579953C33D87}"/>
+              </a:ext>
+            </a:extLst>
+          </p:cNvPr>
+          <p:cNvSpPr txBox="1"/>
+          <p:nvPr/>
+        </p:nvSpPr>
+        <p:spPr>
+          <a:xfrm>
+            <a:off x="6024281" y="3384331"/>
+            <a:ext cx="4867038" cy="2923877"/>
+          </a:xfrm>
+          <a:prstGeom prst="rect">
+            <a:avLst/>
+          </a:prstGeom>
+          <a:solidFill>
+            <a:schemeClr val="bg1"/>
+          </a:solidFill>
+          <a:ln>
+            <a:solidFill>
+              <a:schemeClr val="tx1"/>
+            </a:solidFill>
+          </a:ln>
+          <a:effectLst>
+            <a:outerShdw blurRad="50800" dist="38100" dir="2700000" algn="tl" rotWithShape="0">
+              <a:prstClr val="black">
+                <a:alpha val="40000"/>
+              </a:prstClr>
+            </a:outerShdw>
+          </a:effectLst>
+        </p:spPr>
+        <p:txBody>
+          <a:bodyPr wrap="none" rtlCol="0">
+            <a:spAutoFit/>
+          </a:bodyPr>
+          <a:lstStyle/>
+          <a:p>
+            <a:r>
+              <a:rPr kumimoji="1" lang="ja-JP" altLang="en-US" sz="2800" dirty="0"/>
+              <a:t>子クラスで追加した</a:t>
+            </a:r>
+            <a:br>
+              <a:rPr kumimoji="1" lang="en-US" altLang="ja-JP" sz="2800" dirty="0"/>
+            </a:br>
+            <a:r>
+              <a:rPr kumimoji="1" lang="ja-JP" altLang="en-US" sz="2800" dirty="0"/>
+              <a:t>メンバ関数 </a:t>
+            </a:r>
+            <a:r>
+              <a:rPr kumimoji="1" lang="en-US" altLang="ja-JP" sz="2800" dirty="0" err="1">
+                <a:solidFill>
+                  <a:srgbClr val="00B050"/>
+                </a:solidFill>
+              </a:rPr>
+              <a:t>savePeople</a:t>
+            </a:r>
+            <a:r>
+              <a:rPr kumimoji="1" lang="en-US" altLang="ja-JP" sz="2800" dirty="0">
+                <a:solidFill>
+                  <a:srgbClr val="00B050"/>
+                </a:solidFill>
+              </a:rPr>
+              <a:t>()</a:t>
+            </a:r>
+          </a:p>
+          <a:p>
+            <a:r>
+              <a:rPr kumimoji="1" lang="ja-JP" altLang="en-US" sz="2800" dirty="0"/>
+              <a:t>メンバ変数 </a:t>
+            </a:r>
+            <a:r>
+              <a:rPr kumimoji="1" lang="en-US" altLang="ja-JP" sz="2800" dirty="0" err="1">
+                <a:solidFill>
+                  <a:srgbClr val="00B050"/>
+                </a:solidFill>
+              </a:rPr>
+              <a:t>m_number</a:t>
+            </a:r>
+            <a:endParaRPr kumimoji="1" lang="en-US" altLang="ja-JP" sz="2800" dirty="0">
+              <a:solidFill>
+                <a:srgbClr val="00B050"/>
+              </a:solidFill>
+            </a:endParaRPr>
+          </a:p>
+          <a:p>
+            <a:endParaRPr kumimoji="1" lang="en-US" altLang="ja-JP" sz="2800" dirty="0">
+              <a:solidFill>
+                <a:srgbClr val="00B050"/>
+              </a:solidFill>
+            </a:endParaRPr>
+          </a:p>
+          <a:p>
+            <a:r>
+              <a:rPr kumimoji="1" lang="ja-JP" altLang="en-US" sz="2400" dirty="0">
+                <a:solidFill>
+                  <a:srgbClr val="FF0000"/>
+                </a:solidFill>
+              </a:rPr>
+              <a:t>注意！！</a:t>
+            </a:r>
+            <a:br>
+              <a:rPr kumimoji="1" lang="en-US" altLang="ja-JP" sz="2400" dirty="0">
+                <a:solidFill>
+                  <a:srgbClr val="FF0000"/>
+                </a:solidFill>
+              </a:rPr>
+            </a:br>
+            <a:r>
+              <a:rPr kumimoji="1" lang="ja-JP" altLang="en-US" sz="2400" dirty="0">
+                <a:solidFill>
+                  <a:srgbClr val="FF0000"/>
+                </a:solidFill>
+              </a:rPr>
+              <a:t>子クラスで定義したものは親クラス</a:t>
+            </a:r>
+            <a:endParaRPr kumimoji="1" lang="en-US" altLang="ja-JP" sz="2400" dirty="0">
+              <a:solidFill>
+                <a:srgbClr val="FF0000"/>
+              </a:solidFill>
+            </a:endParaRPr>
+          </a:p>
+          <a:p>
+            <a:r>
+              <a:rPr kumimoji="1" lang="ja-JP" altLang="en-US" sz="2400" dirty="0">
+                <a:solidFill>
+                  <a:srgbClr val="FF0000"/>
+                </a:solidFill>
+              </a:rPr>
+              <a:t>からはアクセス不可</a:t>
+            </a:r>
+            <a:endParaRPr kumimoji="1" lang="en-US" altLang="ja-JP" sz="2400" dirty="0">
+              <a:solidFill>
+                <a:srgbClr val="FF0000"/>
+              </a:solidFill>
+            </a:endParaRPr>
+          </a:p>
+        </p:txBody>
+      </p:sp>
+    </p:spTree>
+    <p:extLst>
+      <p:ext uri="{BB962C8B-B14F-4D97-AF65-F5344CB8AC3E}">
+        <p14:creationId xmlns:p14="http://schemas.microsoft.com/office/powerpoint/2010/main" val="2073084723"/>
+      </p:ext>
+    </p:extLst>
+  </p:cSld>
+  <p:clrMapOvr>
+    <a:masterClrMapping/>
+  </p:clrMapOvr>
+</p:sld>
+</file>
+
+<file path=ppt/slides/slide14.xml><?xml version="1.0" encoding="utf-8"?>
+<p:sld xmlns:a="http://schemas.openxmlformats.org/drawingml/2006/main" xmlns:r="http://schemas.openxmlformats.org/officeDocument/2006/relationships" xmlns:p="http://schemas.openxmlformats.org/presentationml/2006/main">
+  <p:cSld>
+    <p:spTree>
+      <p:nvGrpSpPr>
+        <p:cNvPr id="1" name=""/>
+        <p:cNvGrpSpPr/>
+        <p:nvPr/>
+      </p:nvGrpSpPr>
+      <p:grpSpPr>
+        <a:xfrm>
+          <a:off x="0" y="0"/>
+          <a:ext cx="0" cy="0"/>
+          <a:chOff x="0" y="0"/>
+          <a:chExt cx="0" cy="0"/>
+        </a:xfrm>
+      </p:grpSpPr>
+      <p:sp>
+        <p:nvSpPr>
+          <p:cNvPr id="2" name="タイトル 1">
+            <a:extLst>
+              <a:ext uri="{FF2B5EF4-FFF2-40B4-BE49-F238E27FC236}">
+                <a16:creationId xmlns:a16="http://schemas.microsoft.com/office/drawing/2014/main" id="{F11F3668-F205-48C5-AC01-19611EFE561B}"/>
+              </a:ext>
+            </a:extLst>
+          </p:cNvPr>
+          <p:cNvSpPr>
+            <a:spLocks noGrp="1"/>
+          </p:cNvSpPr>
+          <p:nvPr>
+            <p:ph type="title"/>
+          </p:nvPr>
+        </p:nvSpPr>
+        <p:spPr/>
+        <p:txBody>
+          <a:bodyPr/>
+          <a:lstStyle/>
+          <a:p>
+            <a:r>
+              <a:rPr kumimoji="1" lang="ja-JP" altLang="en-US" dirty="0"/>
+              <a:t>継承</a:t>
+            </a:r>
+          </a:p>
+        </p:txBody>
+      </p:sp>
+      <p:sp>
+        <p:nvSpPr>
+          <p:cNvPr id="3" name="コンテンツ プレースホルダー 2">
+            <a:extLst>
+              <a:ext uri="{FF2B5EF4-FFF2-40B4-BE49-F238E27FC236}">
+                <a16:creationId xmlns:a16="http://schemas.microsoft.com/office/drawing/2014/main" id="{64DBE417-57E9-44A6-BB52-B2F9986BB7B2}"/>
+              </a:ext>
+            </a:extLst>
+          </p:cNvPr>
+          <p:cNvSpPr>
+            <a:spLocks noGrp="1"/>
+          </p:cNvSpPr>
+          <p:nvPr>
+            <p:ph idx="1"/>
+          </p:nvPr>
+        </p:nvSpPr>
+        <p:spPr/>
+        <p:txBody>
+          <a:bodyPr>
+            <a:normAutofit/>
+          </a:bodyPr>
+          <a:lstStyle/>
+          <a:p>
+            <a:r>
+              <a:rPr lang="en-US" altLang="ja-JP" dirty="0"/>
+              <a:t>ambulance</a:t>
+            </a:r>
+            <a:r>
+              <a:rPr kumimoji="1" lang="en-US" altLang="ja-JP" dirty="0"/>
+              <a:t>.cpp</a:t>
+            </a:r>
+            <a:r>
+              <a:rPr kumimoji="1" lang="ja-JP" altLang="en-US" dirty="0"/>
+              <a:t>　</a:t>
+            </a:r>
+            <a:r>
+              <a:rPr kumimoji="1" lang="en-US" altLang="ja-JP" dirty="0"/>
+              <a:t>(Sample501)</a:t>
+            </a:r>
+            <a:br>
+              <a:rPr lang="en-US" altLang="ja-JP" dirty="0"/>
+            </a:br>
+            <a:endParaRPr lang="en-US" altLang="ja-JP" dirty="0"/>
+          </a:p>
+          <a:p>
+            <a:pPr marL="0" indent="0">
+              <a:buNone/>
+            </a:pPr>
+            <a:br>
+              <a:rPr lang="en-US" altLang="ja-JP" dirty="0"/>
+            </a:br>
+            <a:br>
+              <a:rPr lang="en-US" altLang="ja-JP" dirty="0"/>
+            </a:br>
+            <a:br>
+              <a:rPr lang="en-US" altLang="ja-JP" dirty="0"/>
+            </a:br>
+            <a:br>
+              <a:rPr lang="en-US" altLang="ja-JP" sz="2400" dirty="0"/>
+            </a:br>
+            <a:br>
+              <a:rPr lang="en-US" altLang="ja-JP" sz="2400" dirty="0"/>
+            </a:br>
+            <a:endParaRPr lang="en-US" altLang="ja-JP" sz="2400" dirty="0"/>
+          </a:p>
+          <a:p>
+            <a:pPr marL="0" indent="0">
+              <a:buNone/>
+            </a:pPr>
+            <a:br>
+              <a:rPr lang="en-US" altLang="ja-JP" sz="2400" dirty="0"/>
+            </a:br>
+            <a:br>
+              <a:rPr lang="en-US" altLang="ja-JP" sz="2400" dirty="0"/>
+            </a:br>
+            <a:endParaRPr lang="en-US" altLang="ja-JP" dirty="0">
+              <a:solidFill>
+                <a:srgbClr val="FF0000"/>
+              </a:solidFill>
+            </a:endParaRPr>
+          </a:p>
+        </p:txBody>
+      </p:sp>
+      <p:sp>
+        <p:nvSpPr>
+          <p:cNvPr id="5" name="テキスト ボックス 4">
+            <a:extLst>
+              <a:ext uri="{FF2B5EF4-FFF2-40B4-BE49-F238E27FC236}">
+                <a16:creationId xmlns:a16="http://schemas.microsoft.com/office/drawing/2014/main" id="{9E32883C-0E37-4F07-9861-27609819CE8C}"/>
+              </a:ext>
+            </a:extLst>
+          </p:cNvPr>
+          <p:cNvSpPr txBox="1"/>
+          <p:nvPr/>
+        </p:nvSpPr>
+        <p:spPr>
+          <a:xfrm>
+            <a:off x="1048254" y="1942532"/>
+            <a:ext cx="10768607" cy="4893647"/>
+          </a:xfrm>
+          <a:prstGeom prst="rect">
+            <a:avLst/>
+          </a:prstGeom>
+          <a:noFill/>
+          <a:ln>
+            <a:solidFill>
+              <a:schemeClr val="tx1"/>
+            </a:solidFill>
+          </a:ln>
+        </p:spPr>
+        <p:txBody>
+          <a:bodyPr wrap="square" rtlCol="0">
+            <a:spAutoFit/>
+          </a:bodyPr>
+          <a:lstStyle/>
+          <a:p>
+            <a:r>
+              <a:rPr kumimoji="1" lang="en-US" altLang="ja-JP" sz="2400" dirty="0"/>
+              <a:t>#include “</a:t>
+            </a:r>
+            <a:r>
+              <a:rPr kumimoji="1" lang="en-US" altLang="ja-JP" sz="2400" dirty="0" err="1"/>
+              <a:t>ambulance.h</a:t>
+            </a:r>
+            <a:r>
+              <a:rPr kumimoji="1" lang="en-US" altLang="ja-JP" sz="2400" dirty="0"/>
+              <a:t>”</a:t>
+            </a:r>
+          </a:p>
+          <a:p>
+            <a:r>
+              <a:rPr kumimoji="1" lang="en-US" altLang="ja-JP" sz="2400" dirty="0"/>
+              <a:t>#include &lt;iostream&gt; </a:t>
+            </a:r>
+            <a:r>
+              <a:rPr kumimoji="1" lang="ja-JP" altLang="en-US" sz="2400" dirty="0"/>
+              <a:t>　　　　　　　</a:t>
+            </a:r>
+            <a:endParaRPr kumimoji="1" lang="en-US" altLang="ja-JP" sz="2400" dirty="0">
+              <a:solidFill>
+                <a:srgbClr val="00B050"/>
+              </a:solidFill>
+            </a:endParaRPr>
+          </a:p>
+          <a:p>
+            <a:r>
+              <a:rPr kumimoji="1" lang="en-US" altLang="ja-JP" sz="2400" dirty="0"/>
+              <a:t>using namespace std;</a:t>
+            </a:r>
+            <a:br>
+              <a:rPr kumimoji="1" lang="en-US" altLang="ja-JP" sz="2400" dirty="0"/>
+            </a:br>
+            <a:r>
+              <a:rPr kumimoji="1" lang="en-US" altLang="ja-JP" sz="2400" dirty="0"/>
+              <a:t>Ambulance::</a:t>
+            </a:r>
+            <a:r>
+              <a:rPr kumimoji="1" lang="en-US" altLang="ja-JP" sz="2400" dirty="0">
+                <a:solidFill>
+                  <a:srgbClr val="00B0F0"/>
+                </a:solidFill>
+              </a:rPr>
+              <a:t>Ambulance()</a:t>
+            </a:r>
+            <a:r>
+              <a:rPr kumimoji="1" lang="en-US" altLang="ja-JP" sz="2400" dirty="0"/>
+              <a:t> : </a:t>
+            </a:r>
+            <a:r>
+              <a:rPr kumimoji="1" lang="en-US" altLang="ja-JP" sz="2400" dirty="0" err="1">
+                <a:solidFill>
+                  <a:srgbClr val="00B050"/>
+                </a:solidFill>
+              </a:rPr>
+              <a:t>m_number</a:t>
+            </a:r>
+            <a:r>
+              <a:rPr kumimoji="1" lang="en-US" altLang="ja-JP" sz="2400" dirty="0">
+                <a:solidFill>
+                  <a:srgbClr val="00B050"/>
+                </a:solidFill>
+              </a:rPr>
+              <a:t>(119) </a:t>
+            </a:r>
+            <a:r>
+              <a:rPr kumimoji="1" lang="en-US" altLang="ja-JP" sz="2400" dirty="0"/>
+              <a:t>{</a:t>
+            </a:r>
+          </a:p>
+          <a:p>
+            <a:r>
+              <a:rPr kumimoji="1" lang="en-US" altLang="ja-JP" sz="2400" dirty="0"/>
+              <a:t>    </a:t>
+            </a:r>
+            <a:r>
+              <a:rPr kumimoji="1" lang="en-US" altLang="ja-JP" sz="2400" dirty="0" err="1"/>
+              <a:t>cout</a:t>
+            </a:r>
+            <a:r>
+              <a:rPr kumimoji="1" lang="en-US" altLang="ja-JP" sz="2400" dirty="0"/>
+              <a:t> &lt;&lt; “Ambulance</a:t>
+            </a:r>
+            <a:r>
+              <a:rPr kumimoji="1" lang="ja-JP" altLang="en-US" sz="2400" dirty="0"/>
+              <a:t>クラスのインスタンス生成</a:t>
+            </a:r>
+            <a:r>
+              <a:rPr kumimoji="1" lang="en-US" altLang="ja-JP" sz="2400" dirty="0"/>
+              <a:t>” &lt;&lt; </a:t>
+            </a:r>
+            <a:r>
+              <a:rPr kumimoji="1" lang="en-US" altLang="ja-JP" sz="2400" dirty="0" err="1"/>
+              <a:t>endl</a:t>
+            </a:r>
+            <a:r>
+              <a:rPr kumimoji="1" lang="en-US" altLang="ja-JP" sz="2400" dirty="0"/>
+              <a:t>;</a:t>
+            </a:r>
+          </a:p>
+          <a:p>
+            <a:r>
+              <a:rPr kumimoji="1" lang="en-US" altLang="ja-JP" sz="2400" dirty="0"/>
+              <a:t>}</a:t>
+            </a:r>
+          </a:p>
+          <a:p>
+            <a:r>
+              <a:rPr kumimoji="1" lang="en-US" altLang="ja-JP" sz="2400" dirty="0"/>
+              <a:t>Ambulance::~Ambulance() {</a:t>
+            </a:r>
+          </a:p>
+          <a:p>
+            <a:r>
+              <a:rPr kumimoji="1" lang="en-US" altLang="ja-JP" sz="2400" dirty="0"/>
+              <a:t>    </a:t>
+            </a:r>
+            <a:r>
+              <a:rPr kumimoji="1" lang="en-US" altLang="ja-JP" sz="2400" dirty="0" err="1"/>
+              <a:t>cout</a:t>
+            </a:r>
+            <a:r>
+              <a:rPr kumimoji="1" lang="en-US" altLang="ja-JP" sz="2400" dirty="0"/>
+              <a:t> &lt;&lt; “Ambulance</a:t>
+            </a:r>
+            <a:r>
+              <a:rPr kumimoji="1" lang="ja-JP" altLang="en-US" sz="2400" dirty="0"/>
+              <a:t>クラスのインスタンス消去</a:t>
+            </a:r>
+            <a:r>
+              <a:rPr kumimoji="1" lang="en-US" altLang="ja-JP" sz="2400" dirty="0"/>
+              <a:t>” &lt;&lt; </a:t>
+            </a:r>
+            <a:r>
+              <a:rPr kumimoji="1" lang="en-US" altLang="ja-JP" sz="2400" dirty="0" err="1"/>
+              <a:t>endl</a:t>
+            </a:r>
+            <a:r>
+              <a:rPr kumimoji="1" lang="en-US" altLang="ja-JP" sz="2400" dirty="0"/>
+              <a:t>;</a:t>
+            </a:r>
+          </a:p>
+          <a:p>
+            <a:r>
+              <a:rPr kumimoji="1" lang="en-US" altLang="ja-JP" sz="2400" dirty="0"/>
+              <a:t>}</a:t>
+            </a:r>
+            <a:br>
+              <a:rPr kumimoji="1" lang="en-US" altLang="ja-JP" sz="2400" dirty="0"/>
+            </a:br>
+            <a:r>
+              <a:rPr kumimoji="1" lang="en-US" altLang="ja-JP" sz="2400" dirty="0"/>
+              <a:t>void Ambulance::</a:t>
+            </a:r>
+            <a:r>
+              <a:rPr kumimoji="1" lang="en-US" altLang="ja-JP" sz="2400" dirty="0" err="1"/>
+              <a:t>savePeople</a:t>
+            </a:r>
+            <a:r>
+              <a:rPr kumimoji="1" lang="en-US" altLang="ja-JP" sz="2400" dirty="0"/>
+              <a:t>(){</a:t>
+            </a:r>
+          </a:p>
+          <a:p>
+            <a:r>
+              <a:rPr kumimoji="1" lang="en-US" altLang="ja-JP" sz="2400" dirty="0"/>
+              <a:t>    </a:t>
+            </a:r>
+            <a:r>
+              <a:rPr kumimoji="1" lang="en-US" altLang="ja-JP" sz="2400" dirty="0" err="1"/>
+              <a:t>cout</a:t>
+            </a:r>
+            <a:r>
+              <a:rPr kumimoji="1" lang="en-US" altLang="ja-JP" sz="2400" dirty="0"/>
+              <a:t> &lt;&lt; “</a:t>
+            </a:r>
+            <a:r>
+              <a:rPr kumimoji="1" lang="ja-JP" altLang="en-US" sz="2400" dirty="0"/>
+              <a:t>救急救命活動</a:t>
+            </a:r>
+            <a:r>
+              <a:rPr kumimoji="1" lang="en-US" altLang="ja-JP" sz="2400" dirty="0"/>
+              <a:t>” &lt;&lt; </a:t>
+            </a:r>
+            <a:r>
+              <a:rPr kumimoji="1" lang="en-US" altLang="ja-JP" sz="2400" dirty="0" err="1"/>
+              <a:t>endl</a:t>
+            </a:r>
+            <a:br>
+              <a:rPr kumimoji="1" lang="en-US" altLang="ja-JP" sz="2400" dirty="0"/>
+            </a:br>
+            <a:r>
+              <a:rPr kumimoji="1" lang="en-US" altLang="ja-JP" sz="2400" dirty="0"/>
+              <a:t>      &lt;&lt; “</a:t>
+            </a:r>
+            <a:r>
+              <a:rPr kumimoji="1" lang="ja-JP" altLang="en-US" sz="2400" dirty="0"/>
+              <a:t>呼び出しは</a:t>
+            </a:r>
+            <a:r>
+              <a:rPr kumimoji="1" lang="en-US" altLang="ja-JP" sz="2400" dirty="0"/>
+              <a:t>” &lt;&lt; </a:t>
+            </a:r>
+            <a:r>
+              <a:rPr kumimoji="1" lang="en-US" altLang="ja-JP" sz="2400" dirty="0" err="1"/>
+              <a:t>m_number</a:t>
+            </a:r>
+            <a:r>
+              <a:rPr kumimoji="1" lang="en-US" altLang="ja-JP" sz="2400" dirty="0"/>
+              <a:t> &lt;&lt; “</a:t>
+            </a:r>
+            <a:r>
+              <a:rPr kumimoji="1" lang="ja-JP" altLang="en-US" sz="2400" dirty="0"/>
+              <a:t>番</a:t>
+            </a:r>
+            <a:r>
+              <a:rPr kumimoji="1" lang="en-US" altLang="ja-JP" sz="2400" dirty="0"/>
+              <a:t>” &lt;&lt; </a:t>
+            </a:r>
+            <a:r>
+              <a:rPr kumimoji="1" lang="en-US" altLang="ja-JP" sz="2400" dirty="0" err="1"/>
+              <a:t>endl</a:t>
+            </a:r>
+            <a:r>
+              <a:rPr kumimoji="1" lang="en-US" altLang="ja-JP" sz="2400" dirty="0"/>
+              <a:t>; </a:t>
+            </a:r>
+          </a:p>
+          <a:p>
+            <a:r>
+              <a:rPr kumimoji="1" lang="en-US" altLang="ja-JP" sz="2400" dirty="0"/>
+              <a:t>}</a:t>
+            </a:r>
+          </a:p>
+        </p:txBody>
+      </p:sp>
+      <p:sp>
+        <p:nvSpPr>
+          <p:cNvPr id="6" name="テキスト ボックス 5">
+            <a:extLst>
+              <a:ext uri="{FF2B5EF4-FFF2-40B4-BE49-F238E27FC236}">
+                <a16:creationId xmlns:a16="http://schemas.microsoft.com/office/drawing/2014/main" id="{4E08CE04-A086-4380-956C-8E250F7390F5}"/>
+              </a:ext>
+            </a:extLst>
+          </p:cNvPr>
+          <p:cNvSpPr txBox="1"/>
+          <p:nvPr/>
+        </p:nvSpPr>
+        <p:spPr>
+          <a:xfrm>
+            <a:off x="4568277" y="1942532"/>
+            <a:ext cx="7458638" cy="954107"/>
+          </a:xfrm>
+          <a:prstGeom prst="rect">
+            <a:avLst/>
+          </a:prstGeom>
+          <a:solidFill>
+            <a:schemeClr val="bg1"/>
+          </a:solidFill>
+          <a:ln>
+            <a:solidFill>
+              <a:schemeClr val="tx1"/>
+            </a:solidFill>
+          </a:ln>
+          <a:effectLst>
+            <a:outerShdw blurRad="50800" dist="38100" dir="2700000" algn="tl" rotWithShape="0">
+              <a:prstClr val="black">
+                <a:alpha val="40000"/>
+              </a:prstClr>
+            </a:outerShdw>
+          </a:effectLst>
+        </p:spPr>
+        <p:txBody>
+          <a:bodyPr wrap="square" rtlCol="0">
+            <a:spAutoFit/>
+          </a:bodyPr>
+          <a:lstStyle/>
+          <a:p>
+            <a:r>
+              <a:rPr kumimoji="1" lang="ja-JP" altLang="en-US" sz="2800" dirty="0">
+                <a:solidFill>
+                  <a:srgbClr val="00B0F0"/>
+                </a:solidFill>
+              </a:rPr>
+              <a:t>コンストラクタ</a:t>
+            </a:r>
+            <a:r>
+              <a:rPr kumimoji="1" lang="ja-JP" altLang="en-US" sz="2800" dirty="0"/>
+              <a:t>で</a:t>
+            </a:r>
+            <a:br>
+              <a:rPr kumimoji="1" lang="en-US" altLang="ja-JP" sz="2800" dirty="0"/>
+            </a:br>
+            <a:r>
+              <a:rPr kumimoji="1" lang="ja-JP" altLang="en-US" sz="2800" dirty="0"/>
+              <a:t>メンバ変数 </a:t>
+            </a:r>
+            <a:r>
+              <a:rPr kumimoji="1" lang="en-US" altLang="ja-JP" sz="2800" dirty="0" err="1">
+                <a:solidFill>
+                  <a:srgbClr val="00B050"/>
+                </a:solidFill>
+              </a:rPr>
+              <a:t>m_number</a:t>
+            </a:r>
+            <a:r>
+              <a:rPr kumimoji="1" lang="ja-JP" altLang="en-US" sz="2800" dirty="0">
+                <a:solidFill>
+                  <a:srgbClr val="00B050"/>
+                </a:solidFill>
+              </a:rPr>
+              <a:t>　</a:t>
+            </a:r>
+            <a:r>
+              <a:rPr kumimoji="1" lang="ja-JP" altLang="en-US" sz="2800" dirty="0"/>
+              <a:t>を </a:t>
+            </a:r>
+            <a:r>
+              <a:rPr kumimoji="1" lang="en-US" altLang="ja-JP" sz="2800" dirty="0">
+                <a:solidFill>
+                  <a:srgbClr val="00B050"/>
+                </a:solidFill>
+              </a:rPr>
+              <a:t>119</a:t>
+            </a:r>
+            <a:r>
+              <a:rPr kumimoji="1" lang="en-US" altLang="ja-JP" sz="2800" dirty="0"/>
+              <a:t> </a:t>
+            </a:r>
+            <a:r>
+              <a:rPr kumimoji="1" lang="ja-JP" altLang="en-US" sz="2800" dirty="0"/>
+              <a:t>で初期化</a:t>
+            </a:r>
+            <a:endParaRPr kumimoji="1" lang="en-US" altLang="ja-JP" sz="2800" dirty="0">
+              <a:solidFill>
+                <a:srgbClr val="00B050"/>
+              </a:solidFill>
+            </a:endParaRPr>
+          </a:p>
+        </p:txBody>
+      </p:sp>
+    </p:spTree>
+    <p:extLst>
+      <p:ext uri="{BB962C8B-B14F-4D97-AF65-F5344CB8AC3E}">
+        <p14:creationId xmlns:p14="http://schemas.microsoft.com/office/powerpoint/2010/main" val="1957396856"/>
+      </p:ext>
+    </p:extLst>
+  </p:cSld>
+  <p:clrMapOvr>
+    <a:masterClrMapping/>
+  </p:clrMapOvr>
+</p:sld>
+</file>
+
+<file path=ppt/slides/slide15.xml><?xml version="1.0" encoding="utf-8"?>
+<p:sld xmlns:a="http://schemas.openxmlformats.org/drawingml/2006/main" xmlns:r="http://schemas.openxmlformats.org/officeDocument/2006/relationships" xmlns:p="http://schemas.openxmlformats.org/presentationml/2006/main">
+  <p:cSld>
+    <p:spTree>
+      <p:nvGrpSpPr>
+        <p:cNvPr id="1" name=""/>
+        <p:cNvGrpSpPr/>
+        <p:nvPr/>
+      </p:nvGrpSpPr>
+      <p:grpSpPr>
+        <a:xfrm>
+          <a:off x="0" y="0"/>
+          <a:ext cx="0" cy="0"/>
+          <a:chOff x="0" y="0"/>
+          <a:chExt cx="0" cy="0"/>
+        </a:xfrm>
+      </p:grpSpPr>
+      <p:sp>
+        <p:nvSpPr>
+          <p:cNvPr id="2" name="タイトル 1">
+            <a:extLst>
+              <a:ext uri="{FF2B5EF4-FFF2-40B4-BE49-F238E27FC236}">
+                <a16:creationId xmlns:a16="http://schemas.microsoft.com/office/drawing/2014/main" id="{F11F3668-F205-48C5-AC01-19611EFE561B}"/>
+              </a:ext>
+            </a:extLst>
+          </p:cNvPr>
+          <p:cNvSpPr>
+            <a:spLocks noGrp="1"/>
+          </p:cNvSpPr>
+          <p:nvPr>
+            <p:ph type="title"/>
+          </p:nvPr>
+        </p:nvSpPr>
+        <p:spPr/>
+        <p:txBody>
+          <a:bodyPr/>
+          <a:lstStyle/>
+          <a:p>
+            <a:r>
+              <a:rPr kumimoji="1" lang="ja-JP" altLang="en-US" dirty="0"/>
+              <a:t>継承</a:t>
+            </a:r>
+          </a:p>
+        </p:txBody>
+      </p:sp>
+      <p:sp>
+        <p:nvSpPr>
+          <p:cNvPr id="3" name="コンテンツ プレースホルダー 2">
+            <a:extLst>
+              <a:ext uri="{FF2B5EF4-FFF2-40B4-BE49-F238E27FC236}">
+                <a16:creationId xmlns:a16="http://schemas.microsoft.com/office/drawing/2014/main" id="{64DBE417-57E9-44A6-BB52-B2F9986BB7B2}"/>
+              </a:ext>
+            </a:extLst>
+          </p:cNvPr>
+          <p:cNvSpPr>
+            <a:spLocks noGrp="1"/>
+          </p:cNvSpPr>
+          <p:nvPr>
+            <p:ph idx="1"/>
+          </p:nvPr>
+        </p:nvSpPr>
+        <p:spPr/>
+        <p:txBody>
+          <a:bodyPr>
+            <a:normAutofit/>
+          </a:bodyPr>
+          <a:lstStyle/>
+          <a:p>
+            <a:r>
+              <a:rPr lang="en-US" altLang="ja-JP" dirty="0"/>
+              <a:t>ambulance</a:t>
+            </a:r>
+            <a:r>
+              <a:rPr kumimoji="1" lang="en-US" altLang="ja-JP" dirty="0"/>
+              <a:t>.cpp</a:t>
+            </a:r>
+            <a:r>
+              <a:rPr kumimoji="1" lang="ja-JP" altLang="en-US" dirty="0"/>
+              <a:t>　</a:t>
+            </a:r>
+            <a:r>
+              <a:rPr kumimoji="1" lang="en-US" altLang="ja-JP" dirty="0"/>
+              <a:t>(Sample501)</a:t>
+            </a:r>
+            <a:br>
+              <a:rPr lang="en-US" altLang="ja-JP" dirty="0"/>
+            </a:br>
+            <a:endParaRPr lang="en-US" altLang="ja-JP" dirty="0"/>
+          </a:p>
+          <a:p>
+            <a:pPr marL="0" indent="0">
+              <a:buNone/>
+            </a:pPr>
+            <a:br>
+              <a:rPr lang="en-US" altLang="ja-JP" dirty="0"/>
+            </a:br>
+            <a:br>
+              <a:rPr lang="en-US" altLang="ja-JP" dirty="0"/>
+            </a:br>
+            <a:br>
+              <a:rPr lang="en-US" altLang="ja-JP" dirty="0"/>
+            </a:br>
+            <a:br>
+              <a:rPr lang="en-US" altLang="ja-JP" sz="2400" dirty="0"/>
+            </a:br>
+            <a:br>
+              <a:rPr lang="en-US" altLang="ja-JP" sz="2400" dirty="0"/>
+            </a:br>
+            <a:endParaRPr lang="en-US" altLang="ja-JP" sz="2400" dirty="0"/>
+          </a:p>
+          <a:p>
+            <a:pPr marL="0" indent="0">
+              <a:buNone/>
+            </a:pPr>
+            <a:br>
+              <a:rPr lang="en-US" altLang="ja-JP" sz="2400" dirty="0"/>
+            </a:br>
+            <a:br>
+              <a:rPr lang="en-US" altLang="ja-JP" sz="2400" dirty="0"/>
+            </a:br>
+            <a:endParaRPr lang="en-US" altLang="ja-JP" dirty="0">
+              <a:solidFill>
+                <a:srgbClr val="FF0000"/>
+              </a:solidFill>
+            </a:endParaRPr>
+          </a:p>
+        </p:txBody>
+      </p:sp>
+      <p:sp>
+        <p:nvSpPr>
+          <p:cNvPr id="5" name="テキスト ボックス 4">
+            <a:extLst>
+              <a:ext uri="{FF2B5EF4-FFF2-40B4-BE49-F238E27FC236}">
+                <a16:creationId xmlns:a16="http://schemas.microsoft.com/office/drawing/2014/main" id="{9E32883C-0E37-4F07-9861-27609819CE8C}"/>
+              </a:ext>
+            </a:extLst>
+          </p:cNvPr>
+          <p:cNvSpPr txBox="1"/>
+          <p:nvPr/>
+        </p:nvSpPr>
+        <p:spPr>
+          <a:xfrm>
+            <a:off x="1048254" y="1942532"/>
+            <a:ext cx="10768607" cy="4893647"/>
+          </a:xfrm>
+          <a:prstGeom prst="rect">
+            <a:avLst/>
+          </a:prstGeom>
+          <a:noFill/>
+          <a:ln>
+            <a:solidFill>
+              <a:schemeClr val="tx1"/>
+            </a:solidFill>
+          </a:ln>
+        </p:spPr>
+        <p:txBody>
+          <a:bodyPr wrap="square" rtlCol="0">
+            <a:spAutoFit/>
+          </a:bodyPr>
+          <a:lstStyle/>
+          <a:p>
+            <a:r>
+              <a:rPr kumimoji="1" lang="en-US" altLang="ja-JP" sz="2400" dirty="0"/>
+              <a:t>#include “</a:t>
+            </a:r>
+            <a:r>
+              <a:rPr kumimoji="1" lang="en-US" altLang="ja-JP" sz="2400" dirty="0" err="1"/>
+              <a:t>ambulance.h</a:t>
+            </a:r>
+            <a:r>
+              <a:rPr kumimoji="1" lang="en-US" altLang="ja-JP" sz="2400" dirty="0"/>
+              <a:t>”</a:t>
+            </a:r>
+          </a:p>
+          <a:p>
+            <a:r>
+              <a:rPr kumimoji="1" lang="en-US" altLang="ja-JP" sz="2400" dirty="0"/>
+              <a:t>#include &lt;iostream&gt; </a:t>
+            </a:r>
+            <a:r>
+              <a:rPr kumimoji="1" lang="ja-JP" altLang="en-US" sz="2400" dirty="0"/>
+              <a:t>　　　　　　　</a:t>
+            </a:r>
+            <a:endParaRPr kumimoji="1" lang="en-US" altLang="ja-JP" sz="2400" dirty="0">
+              <a:solidFill>
+                <a:srgbClr val="00B050"/>
+              </a:solidFill>
+            </a:endParaRPr>
+          </a:p>
+          <a:p>
+            <a:r>
+              <a:rPr kumimoji="1" lang="en-US" altLang="ja-JP" sz="2400" dirty="0"/>
+              <a:t>using namespace std;</a:t>
+            </a:r>
+            <a:br>
+              <a:rPr kumimoji="1" lang="en-US" altLang="ja-JP" sz="2400" dirty="0"/>
+            </a:br>
+            <a:r>
+              <a:rPr kumimoji="1" lang="en-US" altLang="ja-JP" sz="2400" dirty="0"/>
+              <a:t>Ambulance::Ambulance() : </a:t>
+            </a:r>
+            <a:r>
+              <a:rPr kumimoji="1" lang="en-US" altLang="ja-JP" sz="2400" dirty="0" err="1"/>
+              <a:t>m_number</a:t>
+            </a:r>
+            <a:r>
+              <a:rPr kumimoji="1" lang="en-US" altLang="ja-JP" sz="2400" dirty="0"/>
+              <a:t>(119) {</a:t>
+            </a:r>
+          </a:p>
+          <a:p>
+            <a:r>
+              <a:rPr kumimoji="1" lang="en-US" altLang="ja-JP" sz="2400" dirty="0"/>
+              <a:t>    </a:t>
+            </a:r>
+            <a:r>
+              <a:rPr kumimoji="1" lang="en-US" altLang="ja-JP" sz="2400" dirty="0" err="1"/>
+              <a:t>cout</a:t>
+            </a:r>
+            <a:r>
+              <a:rPr kumimoji="1" lang="en-US" altLang="ja-JP" sz="2400" dirty="0"/>
+              <a:t> &lt;&lt; “Ambulance</a:t>
+            </a:r>
+            <a:r>
+              <a:rPr kumimoji="1" lang="ja-JP" altLang="en-US" sz="2400" dirty="0"/>
+              <a:t>クラスのインスタンス生成</a:t>
+            </a:r>
+            <a:r>
+              <a:rPr kumimoji="1" lang="en-US" altLang="ja-JP" sz="2400" dirty="0"/>
+              <a:t>” &lt;&lt; </a:t>
+            </a:r>
+            <a:r>
+              <a:rPr kumimoji="1" lang="en-US" altLang="ja-JP" sz="2400" dirty="0" err="1"/>
+              <a:t>endl</a:t>
+            </a:r>
+            <a:r>
+              <a:rPr kumimoji="1" lang="en-US" altLang="ja-JP" sz="2400" dirty="0"/>
+              <a:t>;</a:t>
+            </a:r>
+          </a:p>
+          <a:p>
+            <a:r>
+              <a:rPr kumimoji="1" lang="en-US" altLang="ja-JP" sz="2400" dirty="0"/>
+              <a:t>}</a:t>
+            </a:r>
+          </a:p>
+          <a:p>
+            <a:r>
+              <a:rPr kumimoji="1" lang="en-US" altLang="ja-JP" sz="2400" dirty="0"/>
+              <a:t>Ambulance::~Ambulance() {</a:t>
+            </a:r>
+          </a:p>
+          <a:p>
+            <a:r>
+              <a:rPr kumimoji="1" lang="en-US" altLang="ja-JP" sz="2400" dirty="0"/>
+              <a:t>    </a:t>
+            </a:r>
+            <a:r>
+              <a:rPr kumimoji="1" lang="en-US" altLang="ja-JP" sz="2400" dirty="0" err="1"/>
+              <a:t>cout</a:t>
+            </a:r>
+            <a:r>
+              <a:rPr kumimoji="1" lang="en-US" altLang="ja-JP" sz="2400" dirty="0"/>
+              <a:t> &lt;&lt; “Ambulance</a:t>
+            </a:r>
+            <a:r>
+              <a:rPr kumimoji="1" lang="ja-JP" altLang="en-US" sz="2400" dirty="0"/>
+              <a:t>クラスのインスタンス消去</a:t>
+            </a:r>
+            <a:r>
+              <a:rPr kumimoji="1" lang="en-US" altLang="ja-JP" sz="2400" dirty="0"/>
+              <a:t>” &lt;&lt; </a:t>
+            </a:r>
+            <a:r>
+              <a:rPr kumimoji="1" lang="en-US" altLang="ja-JP" sz="2400" dirty="0" err="1"/>
+              <a:t>endl</a:t>
+            </a:r>
+            <a:r>
+              <a:rPr kumimoji="1" lang="en-US" altLang="ja-JP" sz="2400" dirty="0"/>
+              <a:t>;</a:t>
+            </a:r>
+          </a:p>
+          <a:p>
+            <a:r>
+              <a:rPr kumimoji="1" lang="en-US" altLang="ja-JP" sz="2400" dirty="0"/>
+              <a:t>}</a:t>
+            </a:r>
+            <a:br>
+              <a:rPr kumimoji="1" lang="en-US" altLang="ja-JP" sz="2400" dirty="0"/>
+            </a:br>
+            <a:r>
+              <a:rPr kumimoji="1" lang="en-US" altLang="ja-JP" sz="2400" dirty="0"/>
+              <a:t>void Ambulance::</a:t>
+            </a:r>
+            <a:r>
+              <a:rPr kumimoji="1" lang="en-US" altLang="ja-JP" sz="2400" dirty="0" err="1">
+                <a:solidFill>
+                  <a:srgbClr val="00B050"/>
+                </a:solidFill>
+              </a:rPr>
+              <a:t>savePeople</a:t>
+            </a:r>
+            <a:r>
+              <a:rPr kumimoji="1" lang="en-US" altLang="ja-JP" sz="2400" dirty="0">
+                <a:solidFill>
+                  <a:srgbClr val="00B050"/>
+                </a:solidFill>
+              </a:rPr>
+              <a:t>()</a:t>
+            </a:r>
+            <a:r>
+              <a:rPr kumimoji="1" lang="en-US" altLang="ja-JP" sz="2400" dirty="0"/>
+              <a:t>{</a:t>
+            </a:r>
+          </a:p>
+          <a:p>
+            <a:r>
+              <a:rPr kumimoji="1" lang="en-US" altLang="ja-JP" sz="2400" dirty="0"/>
+              <a:t>    </a:t>
+            </a:r>
+            <a:r>
+              <a:rPr kumimoji="1" lang="en-US" altLang="ja-JP" sz="2400" dirty="0" err="1"/>
+              <a:t>cout</a:t>
+            </a:r>
+            <a:r>
+              <a:rPr kumimoji="1" lang="en-US" altLang="ja-JP" sz="2400" dirty="0"/>
+              <a:t> &lt;&lt; “</a:t>
+            </a:r>
+            <a:r>
+              <a:rPr kumimoji="1" lang="ja-JP" altLang="en-US" sz="2400" dirty="0"/>
+              <a:t>救急救命活動</a:t>
+            </a:r>
+            <a:r>
+              <a:rPr kumimoji="1" lang="en-US" altLang="ja-JP" sz="2400" dirty="0"/>
+              <a:t>” &lt;&lt; </a:t>
+            </a:r>
+            <a:r>
+              <a:rPr kumimoji="1" lang="en-US" altLang="ja-JP" sz="2400" dirty="0" err="1"/>
+              <a:t>endl</a:t>
+            </a:r>
+            <a:br>
+              <a:rPr kumimoji="1" lang="en-US" altLang="ja-JP" sz="2400" dirty="0"/>
+            </a:br>
+            <a:r>
+              <a:rPr kumimoji="1" lang="en-US" altLang="ja-JP" sz="2400" dirty="0"/>
+              <a:t>      &lt;&lt; “</a:t>
+            </a:r>
+            <a:r>
+              <a:rPr kumimoji="1" lang="ja-JP" altLang="en-US" sz="2400" dirty="0"/>
+              <a:t>呼び出しは</a:t>
+            </a:r>
+            <a:r>
+              <a:rPr kumimoji="1" lang="en-US" altLang="ja-JP" sz="2400" dirty="0"/>
+              <a:t>” &lt;&lt; </a:t>
+            </a:r>
+            <a:r>
+              <a:rPr kumimoji="1" lang="en-US" altLang="ja-JP" sz="2400" dirty="0" err="1"/>
+              <a:t>m_number</a:t>
+            </a:r>
+            <a:r>
+              <a:rPr kumimoji="1" lang="en-US" altLang="ja-JP" sz="2400" dirty="0"/>
+              <a:t> &lt;&lt; “</a:t>
+            </a:r>
+            <a:r>
+              <a:rPr kumimoji="1" lang="ja-JP" altLang="en-US" sz="2400" dirty="0"/>
+              <a:t>番</a:t>
+            </a:r>
+            <a:r>
+              <a:rPr kumimoji="1" lang="en-US" altLang="ja-JP" sz="2400" dirty="0"/>
+              <a:t>” &lt;&lt; </a:t>
+            </a:r>
+            <a:r>
+              <a:rPr kumimoji="1" lang="en-US" altLang="ja-JP" sz="2400" dirty="0" err="1"/>
+              <a:t>endl</a:t>
+            </a:r>
+            <a:r>
+              <a:rPr kumimoji="1" lang="en-US" altLang="ja-JP" sz="2400" dirty="0"/>
+              <a:t>; </a:t>
+            </a:r>
+          </a:p>
+          <a:p>
+            <a:r>
+              <a:rPr kumimoji="1" lang="en-US" altLang="ja-JP" sz="2400" dirty="0"/>
+              <a:t>}</a:t>
+            </a:r>
+          </a:p>
+        </p:txBody>
+      </p:sp>
+      <p:sp>
+        <p:nvSpPr>
+          <p:cNvPr id="6" name="テキスト ボックス 5">
+            <a:extLst>
+              <a:ext uri="{FF2B5EF4-FFF2-40B4-BE49-F238E27FC236}">
+                <a16:creationId xmlns:a16="http://schemas.microsoft.com/office/drawing/2014/main" id="{5E4E352B-E5C9-4187-A35E-093D48E4EDD1}"/>
+              </a:ext>
+            </a:extLst>
+          </p:cNvPr>
+          <p:cNvSpPr txBox="1"/>
+          <p:nvPr/>
+        </p:nvSpPr>
+        <p:spPr>
+          <a:xfrm>
+            <a:off x="6885508" y="4958742"/>
+            <a:ext cx="5046515" cy="523220"/>
+          </a:xfrm>
+          <a:prstGeom prst="rect">
+            <a:avLst/>
+          </a:prstGeom>
+          <a:solidFill>
+            <a:schemeClr val="bg1"/>
+          </a:solidFill>
+          <a:ln>
+            <a:solidFill>
+              <a:schemeClr val="tx1"/>
+            </a:solidFill>
+          </a:ln>
+          <a:effectLst>
+            <a:outerShdw blurRad="50800" dist="38100" dir="2700000" algn="tl" rotWithShape="0">
+              <a:prstClr val="black">
+                <a:alpha val="40000"/>
+              </a:prstClr>
+            </a:outerShdw>
+          </a:effectLst>
+        </p:spPr>
+        <p:txBody>
+          <a:bodyPr wrap="square" rtlCol="0">
+            <a:spAutoFit/>
+          </a:bodyPr>
+          <a:lstStyle/>
+          <a:p>
+            <a:r>
+              <a:rPr kumimoji="1" lang="en-US" altLang="ja-JP" sz="2800" dirty="0" err="1">
+                <a:solidFill>
+                  <a:srgbClr val="00B050"/>
+                </a:solidFill>
+              </a:rPr>
+              <a:t>savePeople</a:t>
+            </a:r>
+            <a:r>
+              <a:rPr kumimoji="1" lang="ja-JP" altLang="en-US" sz="2800" dirty="0"/>
+              <a:t>関数の実装</a:t>
+            </a:r>
+            <a:endParaRPr kumimoji="1" lang="en-US" altLang="ja-JP" sz="2800" dirty="0">
+              <a:solidFill>
+                <a:srgbClr val="00B050"/>
+              </a:solidFill>
+            </a:endParaRPr>
+          </a:p>
+        </p:txBody>
+      </p:sp>
+    </p:spTree>
+    <p:extLst>
+      <p:ext uri="{BB962C8B-B14F-4D97-AF65-F5344CB8AC3E}">
+        <p14:creationId xmlns:p14="http://schemas.microsoft.com/office/powerpoint/2010/main" val="2866675427"/>
+      </p:ext>
+    </p:extLst>
+  </p:cSld>
+  <p:clrMapOvr>
+    <a:masterClrMapping/>
+  </p:clrMapOvr>
+</p:sld>
+</file>
+
+<file path=ppt/slides/slide16.xml><?xml version="1.0" encoding="utf-8"?>
+<p:sld xmlns:a="http://schemas.openxmlformats.org/drawingml/2006/main" xmlns:r="http://schemas.openxmlformats.org/officeDocument/2006/relationships" xmlns:p="http://schemas.openxmlformats.org/presentationml/2006/main">
+  <p:cSld>
+    <p:spTree>
+      <p:nvGrpSpPr>
+        <p:cNvPr id="1" name=""/>
+        <p:cNvGrpSpPr/>
+        <p:nvPr/>
+      </p:nvGrpSpPr>
+      <p:grpSpPr>
+        <a:xfrm>
+          <a:off x="0" y="0"/>
+          <a:ext cx="0" cy="0"/>
+          <a:chOff x="0" y="0"/>
+          <a:chExt cx="0" cy="0"/>
+        </a:xfrm>
+      </p:grpSpPr>
+      <p:sp>
+        <p:nvSpPr>
+          <p:cNvPr id="2" name="タイトル 1">
+            <a:extLst>
+              <a:ext uri="{FF2B5EF4-FFF2-40B4-BE49-F238E27FC236}">
+                <a16:creationId xmlns:a16="http://schemas.microsoft.com/office/drawing/2014/main" id="{F11F3668-F205-48C5-AC01-19611EFE561B}"/>
+              </a:ext>
+            </a:extLst>
+          </p:cNvPr>
+          <p:cNvSpPr>
+            <a:spLocks noGrp="1"/>
+          </p:cNvSpPr>
+          <p:nvPr>
+            <p:ph type="title"/>
+          </p:nvPr>
+        </p:nvSpPr>
+        <p:spPr/>
+        <p:txBody>
+          <a:bodyPr/>
+          <a:lstStyle/>
+          <a:p>
+            <a:r>
+              <a:rPr kumimoji="1" lang="ja-JP" altLang="en-US" dirty="0"/>
+              <a:t>継承</a:t>
+            </a:r>
+          </a:p>
+        </p:txBody>
+      </p:sp>
+      <p:sp>
+        <p:nvSpPr>
+          <p:cNvPr id="3" name="コンテンツ プレースホルダー 2">
+            <a:extLst>
+              <a:ext uri="{FF2B5EF4-FFF2-40B4-BE49-F238E27FC236}">
+                <a16:creationId xmlns:a16="http://schemas.microsoft.com/office/drawing/2014/main" id="{64DBE417-57E9-44A6-BB52-B2F9986BB7B2}"/>
+              </a:ext>
+            </a:extLst>
+          </p:cNvPr>
+          <p:cNvSpPr>
+            <a:spLocks noGrp="1"/>
+          </p:cNvSpPr>
+          <p:nvPr>
+            <p:ph idx="1"/>
+          </p:nvPr>
+        </p:nvSpPr>
+        <p:spPr/>
+        <p:txBody>
+          <a:bodyPr>
+            <a:normAutofit/>
+          </a:bodyPr>
+          <a:lstStyle/>
+          <a:p>
+            <a:r>
+              <a:rPr kumimoji="1" lang="en-US" altLang="ja-JP" dirty="0"/>
+              <a:t>main.cpp</a:t>
+            </a:r>
+            <a:r>
+              <a:rPr kumimoji="1" lang="ja-JP" altLang="en-US" dirty="0"/>
+              <a:t>　</a:t>
+            </a:r>
+            <a:r>
+              <a:rPr kumimoji="1" lang="en-US" altLang="ja-JP" dirty="0"/>
+              <a:t>(Sample501)</a:t>
+            </a:r>
+            <a:br>
+              <a:rPr lang="en-US" altLang="ja-JP" dirty="0"/>
+            </a:br>
+            <a:endParaRPr lang="en-US" altLang="ja-JP" dirty="0"/>
+          </a:p>
+          <a:p>
+            <a:pPr marL="0" indent="0">
+              <a:buNone/>
+            </a:pPr>
+            <a:br>
+              <a:rPr lang="en-US" altLang="ja-JP" dirty="0"/>
+            </a:br>
+            <a:br>
+              <a:rPr lang="en-US" altLang="ja-JP" dirty="0"/>
+            </a:br>
+            <a:br>
+              <a:rPr lang="en-US" altLang="ja-JP" dirty="0"/>
+            </a:br>
+            <a:br>
+              <a:rPr lang="en-US" altLang="ja-JP" sz="2400" dirty="0"/>
+            </a:br>
+            <a:br>
+              <a:rPr lang="en-US" altLang="ja-JP" sz="2400" dirty="0"/>
+            </a:br>
+            <a:endParaRPr lang="en-US" altLang="ja-JP" sz="2400" dirty="0"/>
+          </a:p>
+          <a:p>
+            <a:pPr marL="0" indent="0">
+              <a:buNone/>
+            </a:pPr>
+            <a:br>
+              <a:rPr lang="en-US" altLang="ja-JP" sz="2400" dirty="0"/>
+            </a:br>
+            <a:br>
+              <a:rPr lang="en-US" altLang="ja-JP" sz="2400" dirty="0"/>
+            </a:br>
+            <a:endParaRPr lang="en-US" altLang="ja-JP" dirty="0">
+              <a:solidFill>
+                <a:srgbClr val="FF0000"/>
+              </a:solidFill>
+            </a:endParaRPr>
+          </a:p>
+        </p:txBody>
+      </p:sp>
+      <p:sp>
+        <p:nvSpPr>
+          <p:cNvPr id="5" name="テキスト ボックス 4">
+            <a:extLst>
+              <a:ext uri="{FF2B5EF4-FFF2-40B4-BE49-F238E27FC236}">
+                <a16:creationId xmlns:a16="http://schemas.microsoft.com/office/drawing/2014/main" id="{9E32883C-0E37-4F07-9861-27609819CE8C}"/>
+              </a:ext>
+            </a:extLst>
+          </p:cNvPr>
+          <p:cNvSpPr txBox="1"/>
+          <p:nvPr/>
+        </p:nvSpPr>
+        <p:spPr>
+          <a:xfrm>
+            <a:off x="1048254" y="1942532"/>
+            <a:ext cx="10768607" cy="3785652"/>
+          </a:xfrm>
+          <a:prstGeom prst="rect">
+            <a:avLst/>
+          </a:prstGeom>
+          <a:noFill/>
+          <a:ln>
+            <a:solidFill>
+              <a:schemeClr val="tx1"/>
+            </a:solidFill>
+          </a:ln>
+        </p:spPr>
+        <p:txBody>
+          <a:bodyPr wrap="square" rtlCol="0">
+            <a:spAutoFit/>
+          </a:bodyPr>
+          <a:lstStyle/>
+          <a:p>
+            <a:r>
+              <a:rPr kumimoji="1" lang="en-US" altLang="ja-JP" sz="2400" dirty="0"/>
+              <a:t>    </a:t>
+            </a:r>
+            <a:r>
+              <a:rPr kumimoji="1" lang="en-US" altLang="ja-JP" sz="2400" dirty="0" err="1"/>
+              <a:t>cout</a:t>
+            </a:r>
+            <a:r>
+              <a:rPr kumimoji="1" lang="en-US" altLang="ja-JP" sz="2400" dirty="0"/>
+              <a:t> &lt;&lt; “Ambulance</a:t>
+            </a:r>
+            <a:r>
+              <a:rPr kumimoji="1" lang="ja-JP" altLang="en-US" sz="2400" dirty="0"/>
+              <a:t>クラスの処理</a:t>
+            </a:r>
+            <a:r>
+              <a:rPr kumimoji="1" lang="en-US" altLang="ja-JP" sz="2400" dirty="0"/>
+              <a:t>” &lt;&lt; </a:t>
+            </a:r>
+            <a:r>
+              <a:rPr kumimoji="1" lang="en-US" altLang="ja-JP" sz="2400" dirty="0" err="1"/>
+              <a:t>endl</a:t>
+            </a:r>
+            <a:r>
+              <a:rPr kumimoji="1" lang="en-US" altLang="ja-JP" sz="2400" dirty="0"/>
+              <a:t>;</a:t>
+            </a:r>
+          </a:p>
+          <a:p>
+            <a:r>
+              <a:rPr kumimoji="1" lang="en-US" altLang="ja-JP" sz="2400" dirty="0"/>
+              <a:t>    Ambulance* </a:t>
+            </a:r>
+            <a:r>
+              <a:rPr kumimoji="1" lang="en-US" altLang="ja-JP" sz="2400" dirty="0" err="1"/>
+              <a:t>pAmb</a:t>
+            </a:r>
+            <a:r>
+              <a:rPr kumimoji="1" lang="en-US" altLang="ja-JP" sz="2400" dirty="0"/>
+              <a:t> = new Ambulance();</a:t>
+            </a:r>
+            <a:r>
+              <a:rPr kumimoji="1" lang="ja-JP" altLang="en-US" sz="2400" dirty="0"/>
+              <a:t>　　　　</a:t>
+            </a:r>
+            <a:endParaRPr kumimoji="1" lang="en-US" altLang="ja-JP" sz="2400" dirty="0"/>
+          </a:p>
+          <a:p>
+            <a:r>
+              <a:rPr kumimoji="1" lang="en-US" altLang="ja-JP" sz="2400" dirty="0"/>
+              <a:t>    </a:t>
+            </a:r>
+            <a:r>
+              <a:rPr kumimoji="1" lang="en-US" altLang="ja-JP" sz="2400" dirty="0" err="1"/>
+              <a:t>pAmb</a:t>
+            </a:r>
+            <a:r>
+              <a:rPr kumimoji="1" lang="en-US" altLang="ja-JP" sz="2400" dirty="0"/>
+              <a:t>-&gt;</a:t>
+            </a:r>
+            <a:r>
+              <a:rPr kumimoji="1" lang="en-US" altLang="ja-JP" sz="2400" dirty="0" err="1"/>
+              <a:t>setSpeed</a:t>
+            </a:r>
+            <a:r>
+              <a:rPr kumimoji="1" lang="en-US" altLang="ja-JP" sz="2400" dirty="0"/>
+              <a:t>(60);</a:t>
+            </a:r>
+            <a:br>
+              <a:rPr kumimoji="1" lang="en-US" altLang="ja-JP" sz="2400" dirty="0"/>
+            </a:br>
+            <a:r>
+              <a:rPr kumimoji="1" lang="en-US" altLang="ja-JP" sz="2400" dirty="0"/>
+              <a:t>    </a:t>
+            </a:r>
+            <a:r>
+              <a:rPr kumimoji="1" lang="en-US" altLang="ja-JP" sz="2400" dirty="0" err="1"/>
+              <a:t>pAmb</a:t>
+            </a:r>
+            <a:r>
+              <a:rPr kumimoji="1" lang="en-US" altLang="ja-JP" sz="2400" dirty="0"/>
+              <a:t>-&gt;drive(2);</a:t>
+            </a:r>
+          </a:p>
+          <a:p>
+            <a:r>
+              <a:rPr kumimoji="1" lang="en-US" altLang="ja-JP" sz="2400" dirty="0"/>
+              <a:t>    </a:t>
+            </a:r>
+            <a:r>
+              <a:rPr kumimoji="1" lang="en-US" altLang="ja-JP" sz="2400" dirty="0" err="1"/>
+              <a:t>cout</a:t>
+            </a:r>
+            <a:r>
+              <a:rPr kumimoji="1" lang="en-US" altLang="ja-JP" sz="2400" dirty="0"/>
+              <a:t> &lt;&lt; “</a:t>
+            </a:r>
+            <a:r>
+              <a:rPr kumimoji="1" lang="ja-JP" altLang="en-US" sz="2400" dirty="0"/>
+              <a:t>総移動距離</a:t>
+            </a:r>
+            <a:r>
+              <a:rPr kumimoji="1" lang="en-US" altLang="ja-JP" sz="2400" dirty="0"/>
+              <a:t>:” &lt;&lt; </a:t>
+            </a:r>
+            <a:r>
+              <a:rPr kumimoji="1" lang="en-US" altLang="ja-JP" sz="2400" dirty="0" err="1"/>
+              <a:t>pAmb</a:t>
+            </a:r>
+            <a:r>
+              <a:rPr kumimoji="1" lang="en-US" altLang="ja-JP" sz="2400" dirty="0"/>
+              <a:t>-&gt;</a:t>
+            </a:r>
+            <a:r>
+              <a:rPr kumimoji="1" lang="en-US" altLang="ja-JP" sz="2400" dirty="0" err="1"/>
+              <a:t>getMigration</a:t>
+            </a:r>
+            <a:r>
+              <a:rPr kumimoji="1" lang="en-US" altLang="ja-JP" sz="2400" dirty="0"/>
+              <a:t>() </a:t>
+            </a:r>
+            <a:br>
+              <a:rPr kumimoji="1" lang="en-US" altLang="ja-JP" sz="2400" dirty="0"/>
+            </a:br>
+            <a:r>
+              <a:rPr kumimoji="1" lang="en-US" altLang="ja-JP" sz="2400" dirty="0"/>
+              <a:t>         &lt;&lt; “km” &lt;&lt; </a:t>
+            </a:r>
+            <a:r>
+              <a:rPr kumimoji="1" lang="en-US" altLang="ja-JP" sz="2400" dirty="0" err="1"/>
+              <a:t>endl</a:t>
+            </a:r>
+            <a:r>
+              <a:rPr kumimoji="1" lang="en-US" altLang="ja-JP" sz="2400" dirty="0"/>
+              <a:t>;</a:t>
+            </a:r>
+          </a:p>
+          <a:p>
+            <a:r>
+              <a:rPr kumimoji="1" lang="en-US" altLang="ja-JP" sz="2400" dirty="0"/>
+              <a:t>    </a:t>
+            </a:r>
+            <a:r>
+              <a:rPr kumimoji="1" lang="en-US" altLang="ja-JP" sz="2400" dirty="0" err="1"/>
+              <a:t>pAmb</a:t>
+            </a:r>
+            <a:r>
+              <a:rPr kumimoji="1" lang="en-US" altLang="ja-JP" sz="2400" dirty="0"/>
+              <a:t>-&gt;</a:t>
+            </a:r>
+            <a:r>
+              <a:rPr kumimoji="1" lang="en-US" altLang="ja-JP" sz="2400" dirty="0" err="1">
+                <a:solidFill>
+                  <a:srgbClr val="00B050"/>
+                </a:solidFill>
+              </a:rPr>
+              <a:t>savePeople</a:t>
+            </a:r>
+            <a:r>
+              <a:rPr kumimoji="1" lang="en-US" altLang="ja-JP" sz="2400" dirty="0">
+                <a:solidFill>
+                  <a:srgbClr val="00B050"/>
+                </a:solidFill>
+              </a:rPr>
+              <a:t>()</a:t>
+            </a:r>
+            <a:r>
+              <a:rPr kumimoji="1" lang="en-US" altLang="ja-JP" sz="2400" dirty="0"/>
+              <a:t>;</a:t>
+            </a:r>
+          </a:p>
+          <a:p>
+            <a:r>
+              <a:rPr kumimoji="1" lang="en-US" altLang="ja-JP" sz="2400" dirty="0"/>
+              <a:t>    delete </a:t>
+            </a:r>
+            <a:r>
+              <a:rPr kumimoji="1" lang="en-US" altLang="ja-JP" sz="2400" dirty="0" err="1"/>
+              <a:t>pAmb</a:t>
+            </a:r>
+            <a:r>
+              <a:rPr kumimoji="1" lang="en-US" altLang="ja-JP" sz="2400" dirty="0"/>
+              <a:t>;</a:t>
+            </a:r>
+            <a:br>
+              <a:rPr kumimoji="1" lang="en-US" altLang="ja-JP" sz="2400" dirty="0"/>
+            </a:br>
+            <a:r>
+              <a:rPr kumimoji="1" lang="en-US" altLang="ja-JP" sz="2400" dirty="0"/>
+              <a:t>    return 0;</a:t>
+            </a:r>
+          </a:p>
+          <a:p>
+            <a:r>
+              <a:rPr kumimoji="1" lang="en-US" altLang="ja-JP" sz="2400" dirty="0"/>
+              <a:t>}   </a:t>
+            </a:r>
+          </a:p>
+        </p:txBody>
+      </p:sp>
+      <p:sp>
+        <p:nvSpPr>
+          <p:cNvPr id="6" name="テキスト ボックス 5">
+            <a:extLst>
+              <a:ext uri="{FF2B5EF4-FFF2-40B4-BE49-F238E27FC236}">
+                <a16:creationId xmlns:a16="http://schemas.microsoft.com/office/drawing/2014/main" id="{0B2338BB-FE24-4097-B00E-0816C263E059}"/>
+              </a:ext>
+            </a:extLst>
+          </p:cNvPr>
+          <p:cNvSpPr txBox="1"/>
+          <p:nvPr/>
+        </p:nvSpPr>
+        <p:spPr>
+          <a:xfrm>
+            <a:off x="5621484" y="3658860"/>
+            <a:ext cx="5046515" cy="1384995"/>
+          </a:xfrm>
+          <a:prstGeom prst="rect">
+            <a:avLst/>
+          </a:prstGeom>
+          <a:solidFill>
+            <a:schemeClr val="bg1"/>
+          </a:solidFill>
+          <a:ln>
+            <a:solidFill>
+              <a:schemeClr val="tx1"/>
+            </a:solidFill>
+          </a:ln>
+          <a:effectLst>
+            <a:outerShdw blurRad="50800" dist="38100" dir="2700000" algn="tl" rotWithShape="0">
+              <a:prstClr val="black">
+                <a:alpha val="40000"/>
+              </a:prstClr>
+            </a:outerShdw>
+          </a:effectLst>
+        </p:spPr>
+        <p:txBody>
+          <a:bodyPr wrap="square" rtlCol="0">
+            <a:spAutoFit/>
+          </a:bodyPr>
+          <a:lstStyle/>
+          <a:p>
+            <a:r>
+              <a:rPr kumimoji="1" lang="ja-JP" altLang="en-US" sz="2800" dirty="0"/>
+              <a:t>子クラスで追加した</a:t>
+            </a:r>
+            <a:endParaRPr kumimoji="1" lang="en-US" altLang="ja-JP" sz="2800" dirty="0"/>
+          </a:p>
+          <a:p>
+            <a:r>
+              <a:rPr kumimoji="1" lang="en-US" altLang="ja-JP" sz="2800" dirty="0" err="1">
+                <a:solidFill>
+                  <a:srgbClr val="00B050"/>
+                </a:solidFill>
+              </a:rPr>
+              <a:t>savePeople</a:t>
+            </a:r>
+            <a:r>
+              <a:rPr kumimoji="1" lang="ja-JP" altLang="en-US" sz="2800" dirty="0"/>
+              <a:t>関数を実行</a:t>
+            </a:r>
+            <a:br>
+              <a:rPr kumimoji="1" lang="en-US" altLang="ja-JP" sz="2800" dirty="0"/>
+            </a:br>
+            <a:r>
+              <a:rPr kumimoji="1" lang="ja-JP" altLang="en-US" sz="2800" dirty="0"/>
+              <a:t>　　　　　</a:t>
+            </a:r>
+            <a:r>
+              <a:rPr kumimoji="1" lang="en-US" altLang="ja-JP" sz="2400" dirty="0">
+                <a:solidFill>
+                  <a:srgbClr val="FF0000"/>
+                </a:solidFill>
+              </a:rPr>
+              <a:t>※</a:t>
+            </a:r>
+            <a:r>
+              <a:rPr kumimoji="1" lang="ja-JP" altLang="en-US" sz="2400" dirty="0">
+                <a:solidFill>
+                  <a:srgbClr val="FF0000"/>
+                </a:solidFill>
+              </a:rPr>
+              <a:t>親クラスからは実行不可</a:t>
+            </a:r>
+            <a:endParaRPr kumimoji="1" lang="en-US" altLang="ja-JP" sz="2400" dirty="0">
+              <a:solidFill>
+                <a:srgbClr val="FF0000"/>
+              </a:solidFill>
+            </a:endParaRPr>
+          </a:p>
+        </p:txBody>
+      </p:sp>
+    </p:spTree>
+    <p:extLst>
+      <p:ext uri="{BB962C8B-B14F-4D97-AF65-F5344CB8AC3E}">
+        <p14:creationId xmlns:p14="http://schemas.microsoft.com/office/powerpoint/2010/main" val="2306287571"/>
+      </p:ext>
+    </p:extLst>
+  </p:cSld>
+  <p:clrMapOvr>
+    <a:masterClrMapping/>
+  </p:clrMapOvr>
+</p:sld>
+</file>
+
+<file path=ppt/slides/slide17.xml><?xml version="1.0" encoding="utf-8"?>
+<p:sld xmlns:a="http://schemas.openxmlformats.org/drawingml/2006/main" xmlns:r="http://schemas.openxmlformats.org/officeDocument/2006/relationships" xmlns:p="http://schemas.openxmlformats.org/presentationml/2006/main">
+  <p:cSld>
+    <p:spTree>
+      <p:nvGrpSpPr>
+        <p:cNvPr id="1" name=""/>
+        <p:cNvGrpSpPr/>
+        <p:nvPr/>
+      </p:nvGrpSpPr>
+      <p:grpSpPr>
+        <a:xfrm>
+          <a:off x="0" y="0"/>
+          <a:ext cx="0" cy="0"/>
+          <a:chOff x="0" y="0"/>
+          <a:chExt cx="0" cy="0"/>
+        </a:xfrm>
+      </p:grpSpPr>
+      <p:sp>
+        <p:nvSpPr>
+          <p:cNvPr id="2" name="タイトル 1">
+            <a:extLst>
+              <a:ext uri="{FF2B5EF4-FFF2-40B4-BE49-F238E27FC236}">
+                <a16:creationId xmlns:a16="http://schemas.microsoft.com/office/drawing/2014/main" id="{F11F3668-F205-48C5-AC01-19611EFE561B}"/>
+              </a:ext>
+            </a:extLst>
+          </p:cNvPr>
+          <p:cNvSpPr>
+            <a:spLocks noGrp="1"/>
+          </p:cNvSpPr>
+          <p:nvPr>
+            <p:ph type="title"/>
+          </p:nvPr>
+        </p:nvSpPr>
+        <p:spPr/>
+        <p:txBody>
+          <a:bodyPr/>
+          <a:lstStyle/>
+          <a:p>
+            <a:r>
+              <a:rPr kumimoji="1" lang="ja-JP" altLang="en-US" dirty="0"/>
+              <a:t>継承の特徴</a:t>
+            </a:r>
+          </a:p>
+        </p:txBody>
+      </p:sp>
+      <p:sp>
+        <p:nvSpPr>
+          <p:cNvPr id="4" name="テキスト ボックス 3">
+            <a:extLst>
+              <a:ext uri="{FF2B5EF4-FFF2-40B4-BE49-F238E27FC236}">
+                <a16:creationId xmlns:a16="http://schemas.microsoft.com/office/drawing/2014/main" id="{A0181624-1735-4D7F-B02F-04180A699410}"/>
+              </a:ext>
+            </a:extLst>
+          </p:cNvPr>
+          <p:cNvSpPr txBox="1"/>
+          <p:nvPr/>
+        </p:nvSpPr>
+        <p:spPr>
+          <a:xfrm>
+            <a:off x="901920" y="1608833"/>
+            <a:ext cx="4488729" cy="4524315"/>
+          </a:xfrm>
+          <a:prstGeom prst="rect">
+            <a:avLst/>
+          </a:prstGeom>
+        </p:spPr>
+        <p:style>
+          <a:lnRef idx="1">
+            <a:schemeClr val="accent2"/>
+          </a:lnRef>
+          <a:fillRef idx="3">
+            <a:schemeClr val="accent2"/>
+          </a:fillRef>
+          <a:effectRef idx="2">
+            <a:schemeClr val="accent2"/>
+          </a:effectRef>
+          <a:fontRef idx="minor">
+            <a:schemeClr val="lt1"/>
+          </a:fontRef>
+        </p:style>
+        <p:txBody>
+          <a:bodyPr wrap="none" rtlCol="0">
+            <a:spAutoFit/>
+          </a:bodyPr>
+          <a:lstStyle/>
+          <a:p>
+            <a:r>
+              <a:rPr kumimoji="1" lang="en-US" altLang="ja-JP" sz="3600" b="1" dirty="0"/>
+              <a:t>Car</a:t>
+            </a:r>
+            <a:r>
+              <a:rPr kumimoji="1" lang="ja-JP" altLang="en-US" sz="3600" dirty="0"/>
+              <a:t>クラス</a:t>
+            </a:r>
+            <a:endParaRPr kumimoji="1" lang="en-US" altLang="ja-JP" sz="3600" dirty="0"/>
+          </a:p>
+          <a:p>
+            <a:r>
+              <a:rPr kumimoji="1" lang="en-US" altLang="ja-JP" sz="3600" dirty="0"/>
+              <a:t>public:</a:t>
+            </a:r>
+          </a:p>
+          <a:p>
+            <a:r>
+              <a:rPr kumimoji="1" lang="en-US" altLang="ja-JP" sz="3600" dirty="0"/>
+              <a:t> </a:t>
+            </a:r>
+            <a:r>
+              <a:rPr kumimoji="1" lang="en-US" altLang="ja-JP" sz="3600" dirty="0" err="1"/>
+              <a:t>setSpeed</a:t>
+            </a:r>
+            <a:r>
+              <a:rPr kumimoji="1" lang="en-US" altLang="ja-JP" sz="3600" dirty="0"/>
+              <a:t>()</a:t>
+            </a:r>
+          </a:p>
+          <a:p>
+            <a:r>
+              <a:rPr kumimoji="1" lang="en-US" altLang="ja-JP" sz="3600" dirty="0"/>
+              <a:t> </a:t>
+            </a:r>
+            <a:r>
+              <a:rPr kumimoji="1" lang="en-US" altLang="ja-JP" sz="3600" dirty="0" err="1"/>
+              <a:t>getMigration</a:t>
+            </a:r>
+            <a:r>
+              <a:rPr kumimoji="1" lang="en-US" altLang="ja-JP" sz="3600" dirty="0"/>
+              <a:t>()</a:t>
+            </a:r>
+            <a:br>
+              <a:rPr kumimoji="1" lang="en-US" altLang="ja-JP" sz="3600" dirty="0"/>
+            </a:br>
+            <a:r>
+              <a:rPr kumimoji="1" lang="en-US" altLang="ja-JP" sz="3600" dirty="0"/>
+              <a:t> drive()</a:t>
+            </a:r>
+          </a:p>
+          <a:p>
+            <a:r>
+              <a:rPr kumimoji="1" lang="en-US" altLang="ja-JP" sz="3600" dirty="0">
+                <a:solidFill>
+                  <a:schemeClr val="tx1"/>
+                </a:solidFill>
+              </a:rPr>
+              <a:t>private:</a:t>
+            </a:r>
+          </a:p>
+          <a:p>
+            <a:r>
+              <a:rPr kumimoji="1" lang="en-US" altLang="ja-JP" sz="3600" dirty="0">
+                <a:solidFill>
+                  <a:schemeClr val="tx1"/>
+                </a:solidFill>
+              </a:rPr>
+              <a:t> </a:t>
+            </a:r>
+            <a:r>
+              <a:rPr kumimoji="1" lang="en-US" altLang="ja-JP" sz="3600" dirty="0" err="1">
+                <a:solidFill>
+                  <a:schemeClr val="tx1"/>
+                </a:solidFill>
+              </a:rPr>
+              <a:t>m_speed</a:t>
+            </a:r>
+            <a:endParaRPr kumimoji="1" lang="en-US" altLang="ja-JP" sz="3600" dirty="0">
+              <a:solidFill>
+                <a:schemeClr val="tx1"/>
+              </a:solidFill>
+            </a:endParaRPr>
+          </a:p>
+          <a:p>
+            <a:r>
+              <a:rPr kumimoji="1" lang="ja-JP" altLang="en-US" sz="3600" dirty="0">
+                <a:solidFill>
+                  <a:schemeClr val="tx1"/>
+                </a:solidFill>
+              </a:rPr>
+              <a:t>　</a:t>
+            </a:r>
+            <a:r>
+              <a:rPr kumimoji="1" lang="en-US" altLang="ja-JP" sz="3600" dirty="0" err="1">
+                <a:solidFill>
+                  <a:schemeClr val="tx1"/>
+                </a:solidFill>
+              </a:rPr>
+              <a:t>m_migration</a:t>
+            </a:r>
+            <a:endParaRPr kumimoji="1" lang="ja-JP" altLang="en-US" sz="3600" dirty="0">
+              <a:solidFill>
+                <a:schemeClr val="tx1"/>
+              </a:solidFill>
+            </a:endParaRPr>
+          </a:p>
+        </p:txBody>
+      </p:sp>
+      <p:grpSp>
+        <p:nvGrpSpPr>
+          <p:cNvPr id="9" name="グループ化 8">
+            <a:extLst>
+              <a:ext uri="{FF2B5EF4-FFF2-40B4-BE49-F238E27FC236}">
+                <a16:creationId xmlns:a16="http://schemas.microsoft.com/office/drawing/2014/main" id="{F2000584-CF5E-4431-B6E8-DD854DE61D84}"/>
+              </a:ext>
+            </a:extLst>
+          </p:cNvPr>
+          <p:cNvGrpSpPr/>
+          <p:nvPr/>
+        </p:nvGrpSpPr>
+        <p:grpSpPr>
+          <a:xfrm>
+            <a:off x="7342094" y="2426174"/>
+            <a:ext cx="4488729" cy="3471777"/>
+            <a:chOff x="6956611" y="958927"/>
+            <a:chExt cx="4488729" cy="1096130"/>
+          </a:xfrm>
+        </p:grpSpPr>
+        <p:sp>
+          <p:nvSpPr>
+            <p:cNvPr id="8" name="四角形: 角を丸くする 7">
+              <a:extLst>
+                <a:ext uri="{FF2B5EF4-FFF2-40B4-BE49-F238E27FC236}">
+                  <a16:creationId xmlns:a16="http://schemas.microsoft.com/office/drawing/2014/main" id="{781522BF-2D76-49F3-9C83-87FAD2F28FFD}"/>
+                </a:ext>
+              </a:extLst>
+            </p:cNvPr>
+            <p:cNvSpPr/>
+            <p:nvPr/>
+          </p:nvSpPr>
+          <p:spPr>
+            <a:xfrm>
+              <a:off x="6956611" y="958927"/>
+              <a:ext cx="4488729" cy="1096130"/>
+            </a:xfrm>
+            <a:prstGeom prst="roundRect">
+              <a:avLst/>
+            </a:prstGeom>
+          </p:spPr>
+          <p:style>
+            <a:lnRef idx="2">
+              <a:schemeClr val="accent1">
+                <a:shade val="50000"/>
+              </a:schemeClr>
+            </a:lnRef>
+            <a:fillRef idx="1">
+              <a:schemeClr val="accent1"/>
+            </a:fillRef>
+            <a:effectRef idx="0">
+              <a:schemeClr val="accent1"/>
+            </a:effectRef>
+            <a:fontRef idx="minor">
+              <a:schemeClr val="lt1"/>
+            </a:fontRef>
+          </p:style>
+          <p:txBody>
+            <a:bodyPr rtlCol="0" anchor="ctr"/>
+            <a:lstStyle/>
+            <a:p>
+              <a:pPr algn="ctr"/>
+              <a:endParaRPr kumimoji="1" lang="ja-JP" altLang="en-US"/>
+            </a:p>
+          </p:txBody>
+        </p:sp>
+        <p:sp>
+          <p:nvSpPr>
+            <p:cNvPr id="7" name="テキスト ボックス 6">
+              <a:extLst>
+                <a:ext uri="{FF2B5EF4-FFF2-40B4-BE49-F238E27FC236}">
+                  <a16:creationId xmlns:a16="http://schemas.microsoft.com/office/drawing/2014/main" id="{072E82ED-0B33-449D-952E-6FFB4F63CDB1}"/>
+                </a:ext>
+              </a:extLst>
+            </p:cNvPr>
+            <p:cNvSpPr txBox="1"/>
+            <p:nvPr/>
+          </p:nvSpPr>
+          <p:spPr>
+            <a:xfrm>
+              <a:off x="7261413" y="1387875"/>
+              <a:ext cx="4129657" cy="204063"/>
+            </a:xfrm>
+            <a:prstGeom prst="rect">
+              <a:avLst/>
+            </a:prstGeom>
+            <a:noFill/>
+          </p:spPr>
+          <p:txBody>
+            <a:bodyPr wrap="none" rtlCol="0">
+              <a:spAutoFit/>
+            </a:bodyPr>
+            <a:lstStyle/>
+            <a:p>
+              <a:r>
+                <a:rPr kumimoji="1" lang="en-US" altLang="ja-JP" sz="3600" b="1" dirty="0">
+                  <a:solidFill>
+                    <a:schemeClr val="bg1"/>
+                  </a:solidFill>
+                </a:rPr>
+                <a:t>Ambulance</a:t>
+              </a:r>
+              <a:r>
+                <a:rPr kumimoji="1" lang="ja-JP" altLang="en-US" sz="3600" dirty="0">
+                  <a:solidFill>
+                    <a:schemeClr val="bg1"/>
+                  </a:solidFill>
+                </a:rPr>
+                <a:t>クラス</a:t>
+              </a:r>
+              <a:endParaRPr kumimoji="1" lang="en-US" altLang="ja-JP" sz="3600" dirty="0">
+                <a:solidFill>
+                  <a:schemeClr val="bg1"/>
+                </a:solidFill>
+              </a:endParaRPr>
+            </a:p>
+          </p:txBody>
+        </p:sp>
+      </p:grpSp>
+      <p:sp>
+        <p:nvSpPr>
+          <p:cNvPr id="10" name="矢印: 右 9">
+            <a:extLst>
+              <a:ext uri="{FF2B5EF4-FFF2-40B4-BE49-F238E27FC236}">
+                <a16:creationId xmlns:a16="http://schemas.microsoft.com/office/drawing/2014/main" id="{BBD23D3A-3A3D-4BF4-BD6D-71A42084476F}"/>
+              </a:ext>
+            </a:extLst>
+          </p:cNvPr>
+          <p:cNvSpPr/>
+          <p:nvPr/>
+        </p:nvSpPr>
+        <p:spPr>
+          <a:xfrm flipH="1">
+            <a:off x="4368670" y="2883326"/>
+            <a:ext cx="2907809" cy="374472"/>
+          </a:xfrm>
+          <a:prstGeom prst="rightArrow">
+            <a:avLst/>
+          </a:prstGeom>
+        </p:spPr>
+        <p:style>
+          <a:lnRef idx="3">
+            <a:schemeClr val="lt1"/>
+          </a:lnRef>
+          <a:fillRef idx="1">
+            <a:schemeClr val="accent1"/>
+          </a:fillRef>
+          <a:effectRef idx="1">
+            <a:schemeClr val="accent1"/>
+          </a:effectRef>
+          <a:fontRef idx="minor">
+            <a:schemeClr val="lt1"/>
+          </a:fontRef>
+        </p:style>
+        <p:txBody>
+          <a:bodyPr rtlCol="0" anchor="ctr"/>
+          <a:lstStyle/>
+          <a:p>
+            <a:pPr algn="ctr"/>
+            <a:endParaRPr kumimoji="1" lang="ja-JP" altLang="en-US"/>
+          </a:p>
+        </p:txBody>
+      </p:sp>
+      <p:sp>
+        <p:nvSpPr>
+          <p:cNvPr id="11" name="矢印: 右 10">
+            <a:extLst>
+              <a:ext uri="{FF2B5EF4-FFF2-40B4-BE49-F238E27FC236}">
+                <a16:creationId xmlns:a16="http://schemas.microsoft.com/office/drawing/2014/main" id="{6E4CF149-B49A-4220-95B2-030C9A139F55}"/>
+              </a:ext>
+            </a:extLst>
+          </p:cNvPr>
+          <p:cNvSpPr/>
+          <p:nvPr/>
+        </p:nvSpPr>
+        <p:spPr>
+          <a:xfrm flipH="1">
+            <a:off x="5274105" y="3429000"/>
+            <a:ext cx="2002373" cy="374472"/>
+          </a:xfrm>
+          <a:prstGeom prst="rightArrow">
+            <a:avLst/>
+          </a:prstGeom>
+        </p:spPr>
+        <p:style>
+          <a:lnRef idx="3">
+            <a:schemeClr val="lt1"/>
+          </a:lnRef>
+          <a:fillRef idx="1">
+            <a:schemeClr val="accent1"/>
+          </a:fillRef>
+          <a:effectRef idx="1">
+            <a:schemeClr val="accent1"/>
+          </a:effectRef>
+          <a:fontRef idx="minor">
+            <a:schemeClr val="lt1"/>
+          </a:fontRef>
+        </p:style>
+        <p:txBody>
+          <a:bodyPr rtlCol="0" anchor="ctr"/>
+          <a:lstStyle/>
+          <a:p>
+            <a:pPr algn="ctr"/>
+            <a:endParaRPr kumimoji="1" lang="ja-JP" altLang="en-US"/>
+          </a:p>
+        </p:txBody>
+      </p:sp>
+      <p:sp>
+        <p:nvSpPr>
+          <p:cNvPr id="12" name="矢印: 右 11">
+            <a:extLst>
+              <a:ext uri="{FF2B5EF4-FFF2-40B4-BE49-F238E27FC236}">
+                <a16:creationId xmlns:a16="http://schemas.microsoft.com/office/drawing/2014/main" id="{DC8F1532-27F2-4B70-BF60-EFFC6C2412F4}"/>
+              </a:ext>
+            </a:extLst>
+          </p:cNvPr>
+          <p:cNvSpPr/>
+          <p:nvPr/>
+        </p:nvSpPr>
+        <p:spPr>
+          <a:xfrm flipH="1">
+            <a:off x="3458561" y="5054611"/>
+            <a:ext cx="3817916" cy="374472"/>
+          </a:xfrm>
+          <a:prstGeom prst="rightArrow">
+            <a:avLst/>
+          </a:prstGeom>
+        </p:spPr>
+        <p:style>
+          <a:lnRef idx="3">
+            <a:schemeClr val="lt1"/>
+          </a:lnRef>
+          <a:fillRef idx="1">
+            <a:schemeClr val="accent1"/>
+          </a:fillRef>
+          <a:effectRef idx="1">
+            <a:schemeClr val="accent1"/>
+          </a:effectRef>
+          <a:fontRef idx="minor">
+            <a:schemeClr val="lt1"/>
+          </a:fontRef>
+        </p:style>
+        <p:txBody>
+          <a:bodyPr rtlCol="0" anchor="ctr"/>
+          <a:lstStyle/>
+          <a:p>
+            <a:pPr algn="ctr"/>
+            <a:endParaRPr kumimoji="1" lang="ja-JP" altLang="en-US"/>
+          </a:p>
+        </p:txBody>
+      </p:sp>
+      <p:sp>
+        <p:nvSpPr>
+          <p:cNvPr id="15" name="矢印: 右 14">
+            <a:extLst>
+              <a:ext uri="{FF2B5EF4-FFF2-40B4-BE49-F238E27FC236}">
+                <a16:creationId xmlns:a16="http://schemas.microsoft.com/office/drawing/2014/main" id="{7EFDF679-0586-44A9-8C17-FB5C0B459680}"/>
+              </a:ext>
+            </a:extLst>
+          </p:cNvPr>
+          <p:cNvSpPr/>
+          <p:nvPr/>
+        </p:nvSpPr>
+        <p:spPr>
+          <a:xfrm flipH="1">
+            <a:off x="3366051" y="3968955"/>
+            <a:ext cx="3910425" cy="374472"/>
+          </a:xfrm>
+          <a:prstGeom prst="rightArrow">
+            <a:avLst/>
+          </a:prstGeom>
+        </p:spPr>
+        <p:style>
+          <a:lnRef idx="3">
+            <a:schemeClr val="lt1"/>
+          </a:lnRef>
+          <a:fillRef idx="1">
+            <a:schemeClr val="accent1"/>
+          </a:fillRef>
+          <a:effectRef idx="1">
+            <a:schemeClr val="accent1"/>
+          </a:effectRef>
+          <a:fontRef idx="minor">
+            <a:schemeClr val="lt1"/>
+          </a:fontRef>
+        </p:style>
+        <p:txBody>
+          <a:bodyPr rtlCol="0" anchor="ctr"/>
+          <a:lstStyle/>
+          <a:p>
+            <a:pPr algn="ctr"/>
+            <a:endParaRPr kumimoji="1" lang="ja-JP" altLang="en-US"/>
+          </a:p>
+        </p:txBody>
+      </p:sp>
+      <p:sp>
+        <p:nvSpPr>
+          <p:cNvPr id="14" name="円: 塗りつぶしなし 13">
+            <a:extLst>
+              <a:ext uri="{FF2B5EF4-FFF2-40B4-BE49-F238E27FC236}">
+                <a16:creationId xmlns:a16="http://schemas.microsoft.com/office/drawing/2014/main" id="{5D8616B5-19CC-4EF2-832F-B75A88F35F36}"/>
+              </a:ext>
+            </a:extLst>
+          </p:cNvPr>
+          <p:cNvSpPr/>
+          <p:nvPr/>
+        </p:nvSpPr>
+        <p:spPr>
+          <a:xfrm>
+            <a:off x="5695451" y="2861470"/>
+            <a:ext cx="1477465" cy="1477465"/>
+          </a:xfrm>
+          <a:prstGeom prst="donut">
+            <a:avLst>
+              <a:gd name="adj" fmla="val 9960"/>
+            </a:avLst>
+          </a:prstGeom>
+          <a:solidFill>
+            <a:srgbClr val="00B050"/>
+          </a:solidFill>
+          <a:ln>
+            <a:solidFill>
+              <a:schemeClr val="bg1"/>
+            </a:solidFill>
+          </a:ln>
+        </p:spPr>
+        <p:style>
+          <a:lnRef idx="2">
+            <a:schemeClr val="accent1">
+              <a:shade val="50000"/>
+            </a:schemeClr>
+          </a:lnRef>
+          <a:fillRef idx="1">
+            <a:schemeClr val="accent1"/>
+          </a:fillRef>
+          <a:effectRef idx="0">
+            <a:schemeClr val="accent1"/>
+          </a:effectRef>
+          <a:fontRef idx="minor">
+            <a:schemeClr val="lt1"/>
+          </a:fontRef>
+        </p:style>
+        <p:txBody>
+          <a:bodyPr rtlCol="0" anchor="ctr"/>
+          <a:lstStyle/>
+          <a:p>
+            <a:pPr algn="ctr"/>
+            <a:endParaRPr kumimoji="1" lang="ja-JP" altLang="en-US">
+              <a:solidFill>
+                <a:schemeClr val="tx1"/>
+              </a:solidFill>
+            </a:endParaRPr>
+          </a:p>
+        </p:txBody>
+      </p:sp>
+      <p:sp>
+        <p:nvSpPr>
+          <p:cNvPr id="16" name="テキスト ボックス 15">
+            <a:extLst>
+              <a:ext uri="{FF2B5EF4-FFF2-40B4-BE49-F238E27FC236}">
+                <a16:creationId xmlns:a16="http://schemas.microsoft.com/office/drawing/2014/main" id="{0F9C5CAF-4BBD-42D2-8385-7150683EADAA}"/>
+              </a:ext>
+            </a:extLst>
+          </p:cNvPr>
+          <p:cNvSpPr txBox="1"/>
+          <p:nvPr/>
+        </p:nvSpPr>
+        <p:spPr>
+          <a:xfrm>
+            <a:off x="5607853" y="596322"/>
+            <a:ext cx="6080511" cy="1384995"/>
+          </a:xfrm>
+          <a:prstGeom prst="rect">
+            <a:avLst/>
+          </a:prstGeom>
+          <a:noFill/>
+        </p:spPr>
+        <p:txBody>
+          <a:bodyPr wrap="none" rtlCol="0">
+            <a:spAutoFit/>
+          </a:bodyPr>
+          <a:lstStyle/>
+          <a:p>
+            <a:r>
+              <a:rPr kumimoji="1" lang="en-US" altLang="ja-JP" sz="2800" dirty="0"/>
+              <a:t>Ambulance</a:t>
+            </a:r>
+            <a:r>
+              <a:rPr kumimoji="1" lang="ja-JP" altLang="en-US" sz="2800" dirty="0"/>
+              <a:t>クラスは、</a:t>
+            </a:r>
+            <a:r>
+              <a:rPr kumimoji="1" lang="en-US" altLang="ja-JP" sz="2800" dirty="0"/>
+              <a:t>Car</a:t>
+            </a:r>
+            <a:r>
+              <a:rPr kumimoji="1" lang="ja-JP" altLang="en-US" sz="2800" dirty="0"/>
+              <a:t>クラスで</a:t>
+            </a:r>
+            <a:endParaRPr kumimoji="1" lang="en-US" altLang="ja-JP" sz="2800" dirty="0"/>
+          </a:p>
+          <a:p>
+            <a:r>
+              <a:rPr kumimoji="1" lang="ja-JP" altLang="en-US" sz="2800" dirty="0"/>
+              <a:t>定義されている</a:t>
+            </a:r>
+            <a:r>
+              <a:rPr kumimoji="1" lang="en-US" altLang="ja-JP" sz="2800" dirty="0"/>
+              <a:t>public</a:t>
+            </a:r>
+            <a:r>
+              <a:rPr kumimoji="1" lang="ja-JP" altLang="en-US" sz="2800" dirty="0"/>
+              <a:t>なメンバ関数</a:t>
+            </a:r>
+            <a:endParaRPr kumimoji="1" lang="en-US" altLang="ja-JP" sz="2800" dirty="0"/>
+          </a:p>
+          <a:p>
+            <a:r>
+              <a:rPr kumimoji="1" lang="ja-JP" altLang="en-US" sz="2800" dirty="0"/>
+              <a:t>が継承されているので使用可能</a:t>
+            </a:r>
+          </a:p>
+        </p:txBody>
+      </p:sp>
+      <p:sp>
+        <p:nvSpPr>
+          <p:cNvPr id="17" name="テキスト ボックス 16">
+            <a:extLst>
+              <a:ext uri="{FF2B5EF4-FFF2-40B4-BE49-F238E27FC236}">
+                <a16:creationId xmlns:a16="http://schemas.microsoft.com/office/drawing/2014/main" id="{B3D786E5-5AA8-4332-A308-90722B5E310D}"/>
+              </a:ext>
+            </a:extLst>
+          </p:cNvPr>
+          <p:cNvSpPr txBox="1"/>
+          <p:nvPr/>
+        </p:nvSpPr>
+        <p:spPr>
+          <a:xfrm>
+            <a:off x="4304753" y="6243178"/>
+            <a:ext cx="4902304" cy="523220"/>
+          </a:xfrm>
+          <a:prstGeom prst="rect">
+            <a:avLst/>
+          </a:prstGeom>
+          <a:noFill/>
+        </p:spPr>
+        <p:txBody>
+          <a:bodyPr wrap="none" rtlCol="0">
+            <a:spAutoFit/>
+          </a:bodyPr>
+          <a:lstStyle/>
+          <a:p>
+            <a:r>
+              <a:rPr kumimoji="1" lang="en-US" altLang="ja-JP" sz="2800" dirty="0"/>
+              <a:t>private</a:t>
+            </a:r>
+            <a:r>
+              <a:rPr kumimoji="1" lang="ja-JP" altLang="en-US" sz="2800" dirty="0"/>
+              <a:t>なメンバは使用不可</a:t>
+            </a:r>
+            <a:endParaRPr kumimoji="1" lang="en-US" altLang="ja-JP" sz="2800" dirty="0"/>
+          </a:p>
+        </p:txBody>
+      </p:sp>
+      <p:sp>
+        <p:nvSpPr>
+          <p:cNvPr id="18" name="矢印: 右 17">
+            <a:extLst>
+              <a:ext uri="{FF2B5EF4-FFF2-40B4-BE49-F238E27FC236}">
+                <a16:creationId xmlns:a16="http://schemas.microsoft.com/office/drawing/2014/main" id="{F74BE713-57EB-4DDB-A0D9-C099D73103ED}"/>
+              </a:ext>
+            </a:extLst>
+          </p:cNvPr>
+          <p:cNvSpPr/>
+          <p:nvPr/>
+        </p:nvSpPr>
+        <p:spPr>
+          <a:xfrm flipH="1">
+            <a:off x="4517251" y="5618962"/>
+            <a:ext cx="2759225" cy="374472"/>
+          </a:xfrm>
+          <a:prstGeom prst="rightArrow">
+            <a:avLst/>
+          </a:prstGeom>
+        </p:spPr>
+        <p:style>
+          <a:lnRef idx="3">
+            <a:schemeClr val="lt1"/>
+          </a:lnRef>
+          <a:fillRef idx="1">
+            <a:schemeClr val="accent1"/>
+          </a:fillRef>
+          <a:effectRef idx="1">
+            <a:schemeClr val="accent1"/>
+          </a:effectRef>
+          <a:fontRef idx="minor">
+            <a:schemeClr val="lt1"/>
+          </a:fontRef>
+        </p:style>
+        <p:txBody>
+          <a:bodyPr rtlCol="0" anchor="ctr"/>
+          <a:lstStyle/>
+          <a:p>
+            <a:pPr algn="ctr"/>
+            <a:endParaRPr kumimoji="1" lang="ja-JP" altLang="en-US"/>
+          </a:p>
+        </p:txBody>
+      </p:sp>
+      <p:sp>
+        <p:nvSpPr>
+          <p:cNvPr id="13" name="乗算記号 12">
+            <a:extLst>
+              <a:ext uri="{FF2B5EF4-FFF2-40B4-BE49-F238E27FC236}">
+                <a16:creationId xmlns:a16="http://schemas.microsoft.com/office/drawing/2014/main" id="{90BFA1CF-AFE4-42C4-8646-2B69C9566F62}"/>
+              </a:ext>
+            </a:extLst>
+          </p:cNvPr>
+          <p:cNvSpPr/>
+          <p:nvPr/>
+        </p:nvSpPr>
+        <p:spPr>
+          <a:xfrm>
+            <a:off x="5367519" y="4431113"/>
+            <a:ext cx="2070847" cy="2070847"/>
+          </a:xfrm>
+          <a:prstGeom prst="mathMultiply">
+            <a:avLst>
+              <a:gd name="adj1" fmla="val 7070"/>
+            </a:avLst>
+          </a:prstGeom>
+          <a:solidFill>
+            <a:srgbClr val="FF0000"/>
+          </a:solidFill>
+          <a:ln>
+            <a:solidFill>
+              <a:schemeClr val="bg1"/>
+            </a:solidFill>
+          </a:ln>
+        </p:spPr>
+        <p:style>
+          <a:lnRef idx="2">
+            <a:schemeClr val="accent1">
+              <a:shade val="50000"/>
+            </a:schemeClr>
+          </a:lnRef>
+          <a:fillRef idx="1">
+            <a:schemeClr val="accent1"/>
+          </a:fillRef>
+          <a:effectRef idx="0">
+            <a:schemeClr val="accent1"/>
+          </a:effectRef>
+          <a:fontRef idx="minor">
+            <a:schemeClr val="lt1"/>
+          </a:fontRef>
+        </p:style>
+        <p:txBody>
+          <a:bodyPr rtlCol="0" anchor="ctr"/>
+          <a:lstStyle/>
+          <a:p>
+            <a:pPr algn="ctr"/>
+            <a:endParaRPr kumimoji="1" lang="ja-JP" altLang="en-US"/>
+          </a:p>
+        </p:txBody>
+      </p:sp>
+    </p:spTree>
+    <p:extLst>
+      <p:ext uri="{BB962C8B-B14F-4D97-AF65-F5344CB8AC3E}">
+        <p14:creationId xmlns:p14="http://schemas.microsoft.com/office/powerpoint/2010/main" val="601377696"/>
+      </p:ext>
+    </p:extLst>
+  </p:cSld>
+  <p:clrMapOvr>
+    <a:masterClrMapping/>
+  </p:clrMapOvr>
+</p:sld>
+</file>
+
+<file path=ppt/slides/slide18.xml><?xml version="1.0" encoding="utf-8"?>
+<p:sld xmlns:a="http://schemas.openxmlformats.org/drawingml/2006/main" xmlns:r="http://schemas.openxmlformats.org/officeDocument/2006/relationships" xmlns:p="http://schemas.openxmlformats.org/presentationml/2006/main">
+  <p:cSld>
+    <p:spTree>
+      <p:nvGrpSpPr>
+        <p:cNvPr id="1" name=""/>
+        <p:cNvGrpSpPr/>
+        <p:nvPr/>
+      </p:nvGrpSpPr>
+      <p:grpSpPr>
+        <a:xfrm>
+          <a:off x="0" y="0"/>
+          <a:ext cx="0" cy="0"/>
+          <a:chOff x="0" y="0"/>
+          <a:chExt cx="0" cy="0"/>
+        </a:xfrm>
+      </p:grpSpPr>
+      <p:sp>
+        <p:nvSpPr>
+          <p:cNvPr id="2" name="タイトル 1">
+            <a:extLst>
+              <a:ext uri="{FF2B5EF4-FFF2-40B4-BE49-F238E27FC236}">
+                <a16:creationId xmlns:a16="http://schemas.microsoft.com/office/drawing/2014/main" id="{F11F3668-F205-48C5-AC01-19611EFE561B}"/>
+              </a:ext>
+            </a:extLst>
+          </p:cNvPr>
+          <p:cNvSpPr>
+            <a:spLocks noGrp="1"/>
+          </p:cNvSpPr>
+          <p:nvPr>
+            <p:ph type="title"/>
+          </p:nvPr>
+        </p:nvSpPr>
+        <p:spPr/>
+        <p:txBody>
+          <a:bodyPr/>
+          <a:lstStyle/>
+          <a:p>
+            <a:r>
+              <a:rPr lang="ja-JP" altLang="en-US" dirty="0"/>
+              <a:t>継承の特徴</a:t>
+            </a:r>
+            <a:endParaRPr kumimoji="1" lang="ja-JP" altLang="en-US" dirty="0"/>
+          </a:p>
+        </p:txBody>
+      </p:sp>
+      <p:sp>
+        <p:nvSpPr>
+          <p:cNvPr id="4" name="テキスト ボックス 3">
+            <a:extLst>
+              <a:ext uri="{FF2B5EF4-FFF2-40B4-BE49-F238E27FC236}">
+                <a16:creationId xmlns:a16="http://schemas.microsoft.com/office/drawing/2014/main" id="{A0181624-1735-4D7F-B02F-04180A699410}"/>
+              </a:ext>
+            </a:extLst>
+          </p:cNvPr>
+          <p:cNvSpPr txBox="1"/>
+          <p:nvPr/>
+        </p:nvSpPr>
+        <p:spPr>
+          <a:xfrm>
+            <a:off x="1222946" y="2742408"/>
+            <a:ext cx="4001775" cy="2862322"/>
+          </a:xfrm>
+          <a:prstGeom prst="rect">
+            <a:avLst/>
+          </a:prstGeom>
+        </p:spPr>
+        <p:style>
+          <a:lnRef idx="1">
+            <a:schemeClr val="accent2"/>
+          </a:lnRef>
+          <a:fillRef idx="3">
+            <a:schemeClr val="accent2"/>
+          </a:fillRef>
+          <a:effectRef idx="2">
+            <a:schemeClr val="accent2"/>
+          </a:effectRef>
+          <a:fontRef idx="minor">
+            <a:schemeClr val="lt1"/>
+          </a:fontRef>
+        </p:style>
+        <p:txBody>
+          <a:bodyPr wrap="square" rtlCol="0">
+            <a:spAutoFit/>
+          </a:bodyPr>
+          <a:lstStyle/>
+          <a:p>
+            <a:endParaRPr kumimoji="1" lang="en-US" altLang="ja-JP" sz="3600" b="1" dirty="0"/>
+          </a:p>
+          <a:p>
+            <a:endParaRPr kumimoji="1" lang="en-US" altLang="ja-JP" sz="3600" b="1" dirty="0"/>
+          </a:p>
+          <a:p>
+            <a:r>
+              <a:rPr kumimoji="1" lang="en-US" altLang="ja-JP" sz="3600" b="1" dirty="0"/>
+              <a:t>  Car</a:t>
+            </a:r>
+            <a:r>
+              <a:rPr kumimoji="1" lang="ja-JP" altLang="en-US" sz="3600" dirty="0"/>
+              <a:t>クラス</a:t>
+            </a:r>
+            <a:endParaRPr kumimoji="1" lang="en-US" altLang="ja-JP" sz="3600" dirty="0"/>
+          </a:p>
+          <a:p>
+            <a:r>
+              <a:rPr kumimoji="1" lang="en-US" altLang="ja-JP" sz="3600" dirty="0">
+                <a:solidFill>
+                  <a:schemeClr val="tx1"/>
+                </a:solidFill>
+              </a:rPr>
+              <a:t> </a:t>
+            </a:r>
+          </a:p>
+          <a:p>
+            <a:endParaRPr kumimoji="1" lang="ja-JP" altLang="en-US" sz="3600" dirty="0">
+              <a:solidFill>
+                <a:schemeClr val="tx1"/>
+              </a:solidFill>
+            </a:endParaRPr>
+          </a:p>
+        </p:txBody>
+      </p:sp>
+      <p:grpSp>
+        <p:nvGrpSpPr>
+          <p:cNvPr id="9" name="グループ化 8">
+            <a:extLst>
+              <a:ext uri="{FF2B5EF4-FFF2-40B4-BE49-F238E27FC236}">
+                <a16:creationId xmlns:a16="http://schemas.microsoft.com/office/drawing/2014/main" id="{F2000584-CF5E-4431-B6E8-DD854DE61D84}"/>
+              </a:ext>
+            </a:extLst>
+          </p:cNvPr>
+          <p:cNvGrpSpPr/>
+          <p:nvPr/>
+        </p:nvGrpSpPr>
+        <p:grpSpPr>
+          <a:xfrm>
+            <a:off x="7342094" y="2426174"/>
+            <a:ext cx="4488729" cy="3471777"/>
+            <a:chOff x="6956611" y="958927"/>
+            <a:chExt cx="4488729" cy="1096130"/>
+          </a:xfrm>
+        </p:grpSpPr>
+        <p:sp>
+          <p:nvSpPr>
+            <p:cNvPr id="8" name="四角形: 角を丸くする 7">
+              <a:extLst>
+                <a:ext uri="{FF2B5EF4-FFF2-40B4-BE49-F238E27FC236}">
+                  <a16:creationId xmlns:a16="http://schemas.microsoft.com/office/drawing/2014/main" id="{781522BF-2D76-49F3-9C83-87FAD2F28FFD}"/>
+                </a:ext>
+              </a:extLst>
+            </p:cNvPr>
+            <p:cNvSpPr/>
+            <p:nvPr/>
+          </p:nvSpPr>
+          <p:spPr>
+            <a:xfrm>
+              <a:off x="6956611" y="958927"/>
+              <a:ext cx="4488729" cy="1096130"/>
+            </a:xfrm>
+            <a:prstGeom prst="roundRect">
+              <a:avLst/>
+            </a:prstGeom>
+          </p:spPr>
+          <p:style>
+            <a:lnRef idx="2">
+              <a:schemeClr val="accent1">
+                <a:shade val="50000"/>
+              </a:schemeClr>
+            </a:lnRef>
+            <a:fillRef idx="1">
+              <a:schemeClr val="accent1"/>
+            </a:fillRef>
+            <a:effectRef idx="0">
+              <a:schemeClr val="accent1"/>
+            </a:effectRef>
+            <a:fontRef idx="minor">
+              <a:schemeClr val="lt1"/>
+            </a:fontRef>
+          </p:style>
+          <p:txBody>
+            <a:bodyPr rtlCol="0" anchor="ctr"/>
+            <a:lstStyle/>
+            <a:p>
+              <a:pPr algn="ctr"/>
+              <a:endParaRPr kumimoji="1" lang="ja-JP" altLang="en-US"/>
+            </a:p>
+          </p:txBody>
+        </p:sp>
+        <p:sp>
+          <p:nvSpPr>
+            <p:cNvPr id="7" name="テキスト ボックス 6">
+              <a:extLst>
+                <a:ext uri="{FF2B5EF4-FFF2-40B4-BE49-F238E27FC236}">
+                  <a16:creationId xmlns:a16="http://schemas.microsoft.com/office/drawing/2014/main" id="{072E82ED-0B33-449D-952E-6FFB4F63CDB1}"/>
+                </a:ext>
+              </a:extLst>
+            </p:cNvPr>
+            <p:cNvSpPr txBox="1"/>
+            <p:nvPr/>
+          </p:nvSpPr>
+          <p:spPr>
+            <a:xfrm>
+              <a:off x="7133521" y="1059728"/>
+              <a:ext cx="4129657" cy="903709"/>
+            </a:xfrm>
+            <a:prstGeom prst="rect">
+              <a:avLst/>
+            </a:prstGeom>
+            <a:noFill/>
+          </p:spPr>
+          <p:txBody>
+            <a:bodyPr wrap="none" rtlCol="0">
+              <a:spAutoFit/>
+            </a:bodyPr>
+            <a:lstStyle/>
+            <a:p>
+              <a:r>
+                <a:rPr kumimoji="1" lang="en-US" altLang="ja-JP" sz="3600" b="1" dirty="0">
+                  <a:solidFill>
+                    <a:schemeClr val="bg1"/>
+                  </a:solidFill>
+                </a:rPr>
+                <a:t>Ambulance</a:t>
+              </a:r>
+              <a:r>
+                <a:rPr kumimoji="1" lang="ja-JP" altLang="en-US" sz="3600" dirty="0">
+                  <a:solidFill>
+                    <a:schemeClr val="bg1"/>
+                  </a:solidFill>
+                </a:rPr>
+                <a:t>クラス</a:t>
+              </a:r>
+              <a:endParaRPr kumimoji="1" lang="en-US" altLang="ja-JP" sz="3600" dirty="0">
+                <a:solidFill>
+                  <a:schemeClr val="bg1"/>
+                </a:solidFill>
+              </a:endParaRPr>
+            </a:p>
+            <a:p>
+              <a:r>
+                <a:rPr kumimoji="1" lang="en-US" altLang="ja-JP" sz="3600" dirty="0">
+                  <a:solidFill>
+                    <a:schemeClr val="bg1"/>
+                  </a:solidFill>
+                </a:rPr>
+                <a:t>public:</a:t>
+              </a:r>
+            </a:p>
+            <a:p>
+              <a:r>
+                <a:rPr kumimoji="1" lang="en-US" altLang="ja-JP" sz="3600" dirty="0">
+                  <a:solidFill>
+                    <a:schemeClr val="bg1"/>
+                  </a:solidFill>
+                </a:rPr>
+                <a:t> </a:t>
+              </a:r>
+              <a:r>
+                <a:rPr kumimoji="1" lang="en-US" altLang="ja-JP" sz="3600" dirty="0" err="1">
+                  <a:solidFill>
+                    <a:schemeClr val="bg1"/>
+                  </a:solidFill>
+                </a:rPr>
+                <a:t>savePeople</a:t>
+              </a:r>
+              <a:r>
+                <a:rPr kumimoji="1" lang="en-US" altLang="ja-JP" sz="3600" dirty="0">
+                  <a:solidFill>
+                    <a:schemeClr val="bg1"/>
+                  </a:solidFill>
+                </a:rPr>
+                <a:t>()</a:t>
+              </a:r>
+            </a:p>
+            <a:p>
+              <a:r>
+                <a:rPr kumimoji="1" lang="en-US" altLang="ja-JP" sz="3600" dirty="0"/>
+                <a:t>private:</a:t>
+              </a:r>
+            </a:p>
+            <a:p>
+              <a:r>
+                <a:rPr kumimoji="1" lang="en-US" altLang="ja-JP" sz="3600" dirty="0"/>
+                <a:t> </a:t>
+              </a:r>
+              <a:r>
+                <a:rPr kumimoji="1" lang="en-US" altLang="ja-JP" sz="3600" dirty="0" err="1"/>
+                <a:t>m_number</a:t>
+              </a:r>
+              <a:endParaRPr kumimoji="1" lang="en-US" altLang="ja-JP" sz="3600" dirty="0"/>
+            </a:p>
+          </p:txBody>
+        </p:sp>
+      </p:grpSp>
+      <p:sp>
+        <p:nvSpPr>
+          <p:cNvPr id="15" name="矢印: 右 14">
+            <a:extLst>
+              <a:ext uri="{FF2B5EF4-FFF2-40B4-BE49-F238E27FC236}">
+                <a16:creationId xmlns:a16="http://schemas.microsoft.com/office/drawing/2014/main" id="{7EFDF679-0586-44A9-8C17-FB5C0B459680}"/>
+              </a:ext>
+            </a:extLst>
+          </p:cNvPr>
+          <p:cNvSpPr/>
+          <p:nvPr/>
+        </p:nvSpPr>
+        <p:spPr>
+          <a:xfrm>
+            <a:off x="5325035" y="3974826"/>
+            <a:ext cx="2489847" cy="374472"/>
+          </a:xfrm>
+          <a:prstGeom prst="rightArrow">
+            <a:avLst/>
+          </a:prstGeom>
+        </p:spPr>
+        <p:style>
+          <a:lnRef idx="3">
+            <a:schemeClr val="lt1"/>
+          </a:lnRef>
+          <a:fillRef idx="1">
+            <a:schemeClr val="accent2"/>
+          </a:fillRef>
+          <a:effectRef idx="1">
+            <a:schemeClr val="accent2"/>
+          </a:effectRef>
+          <a:fontRef idx="minor">
+            <a:schemeClr val="lt1"/>
+          </a:fontRef>
+        </p:style>
+        <p:txBody>
+          <a:bodyPr rtlCol="0" anchor="ctr"/>
+          <a:lstStyle/>
+          <a:p>
+            <a:pPr algn="ctr"/>
+            <a:endParaRPr kumimoji="1" lang="ja-JP" altLang="en-US"/>
+          </a:p>
+        </p:txBody>
+      </p:sp>
+      <p:sp>
+        <p:nvSpPr>
+          <p:cNvPr id="16" name="テキスト ボックス 15">
+            <a:extLst>
+              <a:ext uri="{FF2B5EF4-FFF2-40B4-BE49-F238E27FC236}">
+                <a16:creationId xmlns:a16="http://schemas.microsoft.com/office/drawing/2014/main" id="{0F9C5CAF-4BBD-42D2-8385-7150683EADAA}"/>
+              </a:ext>
+            </a:extLst>
+          </p:cNvPr>
+          <p:cNvSpPr txBox="1"/>
+          <p:nvPr/>
+        </p:nvSpPr>
+        <p:spPr>
+          <a:xfrm>
+            <a:off x="2554004" y="1177770"/>
+            <a:ext cx="6747360" cy="1384995"/>
+          </a:xfrm>
+          <a:prstGeom prst="rect">
+            <a:avLst/>
+          </a:prstGeom>
+          <a:noFill/>
+        </p:spPr>
+        <p:txBody>
+          <a:bodyPr wrap="none" rtlCol="0">
+            <a:spAutoFit/>
+          </a:bodyPr>
+          <a:lstStyle/>
+          <a:p>
+            <a:r>
+              <a:rPr kumimoji="1" lang="en-US" altLang="ja-JP" sz="2800" dirty="0"/>
+              <a:t>Car</a:t>
+            </a:r>
+            <a:r>
+              <a:rPr kumimoji="1" lang="ja-JP" altLang="en-US" sz="2800" dirty="0"/>
+              <a:t>クラスからは、</a:t>
+            </a:r>
+            <a:r>
+              <a:rPr kumimoji="1" lang="en-US" altLang="ja-JP" sz="2800" dirty="0"/>
+              <a:t>Ambulance</a:t>
+            </a:r>
+            <a:r>
+              <a:rPr kumimoji="1" lang="ja-JP" altLang="en-US" sz="2800" dirty="0"/>
+              <a:t>クラスで</a:t>
+            </a:r>
+            <a:endParaRPr kumimoji="1" lang="en-US" altLang="ja-JP" sz="2800" dirty="0"/>
+          </a:p>
+          <a:p>
+            <a:r>
+              <a:rPr kumimoji="1" lang="ja-JP" altLang="en-US" sz="2800" dirty="0"/>
+              <a:t>定義されているメンバは</a:t>
+            </a:r>
+            <a:r>
+              <a:rPr kumimoji="1" lang="en-US" altLang="ja-JP" sz="2800" dirty="0"/>
+              <a:t>public</a:t>
+            </a:r>
+            <a:r>
+              <a:rPr kumimoji="1" lang="ja-JP" altLang="en-US" sz="2800" dirty="0"/>
+              <a:t>であった</a:t>
+            </a:r>
+            <a:br>
+              <a:rPr kumimoji="1" lang="en-US" altLang="ja-JP" sz="2800" dirty="0"/>
+            </a:br>
+            <a:r>
+              <a:rPr kumimoji="1" lang="ja-JP" altLang="en-US" sz="2800" dirty="0"/>
+              <a:t>としても使用不可</a:t>
+            </a:r>
+          </a:p>
+        </p:txBody>
+      </p:sp>
+      <p:sp>
+        <p:nvSpPr>
+          <p:cNvPr id="17" name="テキスト ボックス 16">
+            <a:extLst>
+              <a:ext uri="{FF2B5EF4-FFF2-40B4-BE49-F238E27FC236}">
+                <a16:creationId xmlns:a16="http://schemas.microsoft.com/office/drawing/2014/main" id="{B3D786E5-5AA8-4332-A308-90722B5E310D}"/>
+              </a:ext>
+            </a:extLst>
+          </p:cNvPr>
+          <p:cNvSpPr txBox="1"/>
+          <p:nvPr/>
+        </p:nvSpPr>
+        <p:spPr>
+          <a:xfrm>
+            <a:off x="2652448" y="6180894"/>
+            <a:ext cx="7100021" cy="523220"/>
+          </a:xfrm>
+          <a:prstGeom prst="rect">
+            <a:avLst/>
+          </a:prstGeom>
+          <a:noFill/>
+        </p:spPr>
+        <p:txBody>
+          <a:bodyPr wrap="none" rtlCol="0">
+            <a:spAutoFit/>
+          </a:bodyPr>
+          <a:lstStyle/>
+          <a:p>
+            <a:r>
+              <a:rPr kumimoji="1" lang="ja-JP" altLang="en-US" sz="2800" dirty="0">
+                <a:solidFill>
+                  <a:srgbClr val="FF0000"/>
+                </a:solidFill>
+              </a:rPr>
+              <a:t>親クラスからは子クラスの内容は見えない！</a:t>
+            </a:r>
+            <a:endParaRPr kumimoji="1" lang="en-US" altLang="ja-JP" sz="2800" dirty="0">
+              <a:solidFill>
+                <a:srgbClr val="FF0000"/>
+              </a:solidFill>
+            </a:endParaRPr>
+          </a:p>
+        </p:txBody>
+      </p:sp>
+      <p:sp>
+        <p:nvSpPr>
+          <p:cNvPr id="18" name="矢印: 右 17">
+            <a:extLst>
+              <a:ext uri="{FF2B5EF4-FFF2-40B4-BE49-F238E27FC236}">
+                <a16:creationId xmlns:a16="http://schemas.microsoft.com/office/drawing/2014/main" id="{A2DE3603-0839-4EBE-BDFA-5B6D827E64BC}"/>
+              </a:ext>
+            </a:extLst>
+          </p:cNvPr>
+          <p:cNvSpPr/>
+          <p:nvPr/>
+        </p:nvSpPr>
+        <p:spPr>
+          <a:xfrm>
+            <a:off x="5325034" y="5088335"/>
+            <a:ext cx="2489847" cy="374472"/>
+          </a:xfrm>
+          <a:prstGeom prst="rightArrow">
+            <a:avLst/>
+          </a:prstGeom>
+        </p:spPr>
+        <p:style>
+          <a:lnRef idx="3">
+            <a:schemeClr val="lt1"/>
+          </a:lnRef>
+          <a:fillRef idx="1">
+            <a:schemeClr val="accent2"/>
+          </a:fillRef>
+          <a:effectRef idx="1">
+            <a:schemeClr val="accent2"/>
+          </a:effectRef>
+          <a:fontRef idx="minor">
+            <a:schemeClr val="lt1"/>
+          </a:fontRef>
+        </p:style>
+        <p:txBody>
+          <a:bodyPr rtlCol="0" anchor="ctr"/>
+          <a:lstStyle/>
+          <a:p>
+            <a:pPr algn="ctr"/>
+            <a:endParaRPr kumimoji="1" lang="ja-JP" altLang="en-US"/>
+          </a:p>
+        </p:txBody>
+      </p:sp>
+      <p:sp>
+        <p:nvSpPr>
+          <p:cNvPr id="13" name="乗算記号 12">
+            <a:extLst>
+              <a:ext uri="{FF2B5EF4-FFF2-40B4-BE49-F238E27FC236}">
+                <a16:creationId xmlns:a16="http://schemas.microsoft.com/office/drawing/2014/main" id="{90BFA1CF-AFE4-42C4-8646-2B69C9566F62}"/>
+              </a:ext>
+            </a:extLst>
+          </p:cNvPr>
+          <p:cNvSpPr/>
+          <p:nvPr/>
+        </p:nvSpPr>
+        <p:spPr>
+          <a:xfrm>
+            <a:off x="4970629" y="3295621"/>
+            <a:ext cx="2743801" cy="2743801"/>
+          </a:xfrm>
+          <a:prstGeom prst="mathMultiply">
+            <a:avLst>
+              <a:gd name="adj1" fmla="val 7070"/>
+            </a:avLst>
+          </a:prstGeom>
+          <a:solidFill>
+            <a:srgbClr val="FF0000"/>
+          </a:solidFill>
+          <a:ln>
+            <a:solidFill>
+              <a:schemeClr val="bg1"/>
+            </a:solidFill>
+          </a:ln>
+        </p:spPr>
+        <p:style>
+          <a:lnRef idx="2">
+            <a:schemeClr val="accent1">
+              <a:shade val="50000"/>
+            </a:schemeClr>
+          </a:lnRef>
+          <a:fillRef idx="1">
+            <a:schemeClr val="accent1"/>
+          </a:fillRef>
+          <a:effectRef idx="0">
+            <a:schemeClr val="accent1"/>
+          </a:effectRef>
+          <a:fontRef idx="minor">
+            <a:schemeClr val="lt1"/>
+          </a:fontRef>
+        </p:style>
+        <p:txBody>
+          <a:bodyPr rtlCol="0" anchor="ctr"/>
+          <a:lstStyle/>
+          <a:p>
+            <a:pPr algn="ctr"/>
+            <a:endParaRPr kumimoji="1" lang="ja-JP" altLang="en-US"/>
+          </a:p>
+        </p:txBody>
+      </p:sp>
+    </p:spTree>
+    <p:extLst>
+      <p:ext uri="{BB962C8B-B14F-4D97-AF65-F5344CB8AC3E}">
+        <p14:creationId xmlns:p14="http://schemas.microsoft.com/office/powerpoint/2010/main" val="3771329733"/>
+      </p:ext>
+    </p:extLst>
+  </p:cSld>
+  <p:clrMapOvr>
+    <a:masterClrMapping/>
+  </p:clrMapOvr>
+</p:sld>
+</file>
+
+<file path=ppt/slides/slide19.xml><?xml version="1.0" encoding="utf-8"?>
+<p:sld xmlns:a="http://schemas.openxmlformats.org/drawingml/2006/main" xmlns:r="http://schemas.openxmlformats.org/officeDocument/2006/relationships" xmlns:p="http://schemas.openxmlformats.org/presentationml/2006/main">
+  <p:cSld>
+    <p:spTree>
+      <p:nvGrpSpPr>
+        <p:cNvPr id="1" name=""/>
+        <p:cNvGrpSpPr/>
+        <p:nvPr/>
+      </p:nvGrpSpPr>
+      <p:grpSpPr>
+        <a:xfrm>
+          <a:off x="0" y="0"/>
+          <a:ext cx="0" cy="0"/>
+          <a:chOff x="0" y="0"/>
+          <a:chExt cx="0" cy="0"/>
+        </a:xfrm>
+      </p:grpSpPr>
+      <p:sp>
+        <p:nvSpPr>
+          <p:cNvPr id="2" name="タイトル 1">
+            <a:extLst>
+              <a:ext uri="{FF2B5EF4-FFF2-40B4-BE49-F238E27FC236}">
+                <a16:creationId xmlns:a16="http://schemas.microsoft.com/office/drawing/2014/main" id="{9F789731-37C4-49DD-AEE8-78E5514E279E}"/>
+              </a:ext>
+            </a:extLst>
+          </p:cNvPr>
+          <p:cNvSpPr>
+            <a:spLocks noGrp="1"/>
+          </p:cNvSpPr>
+          <p:nvPr>
+            <p:ph type="title"/>
+          </p:nvPr>
+        </p:nvSpPr>
+        <p:spPr/>
+        <p:txBody>
+          <a:bodyPr/>
+          <a:lstStyle/>
+          <a:p>
+            <a:r>
+              <a:rPr kumimoji="1" lang="ja-JP" altLang="en-US" dirty="0"/>
+              <a:t>継承の特徴</a:t>
+            </a:r>
+          </a:p>
+        </p:txBody>
+      </p:sp>
+      <p:sp>
+        <p:nvSpPr>
+          <p:cNvPr id="3" name="コンテンツ プレースホルダー 2">
+            <a:extLst>
+              <a:ext uri="{FF2B5EF4-FFF2-40B4-BE49-F238E27FC236}">
+                <a16:creationId xmlns:a16="http://schemas.microsoft.com/office/drawing/2014/main" id="{39562F0E-6033-40BD-BCB8-F015661306FD}"/>
+              </a:ext>
+            </a:extLst>
+          </p:cNvPr>
+          <p:cNvSpPr>
+            <a:spLocks noGrp="1"/>
+          </p:cNvSpPr>
+          <p:nvPr>
+            <p:ph idx="1"/>
+          </p:nvPr>
+        </p:nvSpPr>
+        <p:spPr/>
+        <p:txBody>
+          <a:bodyPr>
+            <a:normAutofit/>
+          </a:bodyPr>
+          <a:lstStyle/>
+          <a:p>
+            <a:r>
+              <a:rPr lang="ja-JP" altLang="en-US" b="1" dirty="0">
+                <a:solidFill>
+                  <a:srgbClr val="FF0000"/>
+                </a:solidFill>
+              </a:rPr>
+              <a:t>親クラス</a:t>
+            </a:r>
+            <a:br>
+              <a:rPr lang="en-US" altLang="ja-JP" b="1" dirty="0">
+                <a:solidFill>
+                  <a:srgbClr val="FF0000"/>
+                </a:solidFill>
+              </a:rPr>
+            </a:br>
+            <a:r>
+              <a:rPr lang="ja-JP" altLang="en-US" dirty="0"/>
+              <a:t>子クラスでも使用する</a:t>
+            </a:r>
+            <a:r>
+              <a:rPr lang="ja-JP" altLang="en-US" dirty="0">
+                <a:solidFill>
+                  <a:srgbClr val="00B0F0"/>
+                </a:solidFill>
+              </a:rPr>
+              <a:t>必要最低限のメンバを定義</a:t>
+            </a:r>
+            <a:r>
+              <a:rPr lang="ja-JP" altLang="en-US" dirty="0"/>
+              <a:t>しておき、子クラスで使用しないものは定義しない</a:t>
+            </a:r>
+            <a:br>
+              <a:rPr lang="en-US" altLang="ja-JP" dirty="0"/>
+            </a:br>
+            <a:endParaRPr lang="en-US" altLang="ja-JP" dirty="0"/>
+          </a:p>
+          <a:p>
+            <a:r>
+              <a:rPr lang="ja-JP" altLang="en-US" b="1" dirty="0">
+                <a:solidFill>
+                  <a:srgbClr val="00B0F0"/>
+                </a:solidFill>
+              </a:rPr>
+              <a:t>子クラス</a:t>
+            </a:r>
+            <a:br>
+              <a:rPr lang="en-US" altLang="ja-JP" b="1" dirty="0">
+                <a:solidFill>
+                  <a:srgbClr val="00B0F0"/>
+                </a:solidFill>
+              </a:rPr>
+            </a:br>
+            <a:r>
+              <a:rPr lang="ja-JP" altLang="en-US" dirty="0"/>
+              <a:t>継承したメンバ以外に、子クラスで必要な</a:t>
+            </a:r>
+            <a:br>
+              <a:rPr lang="en-US" altLang="ja-JP" dirty="0"/>
+            </a:br>
+            <a:r>
+              <a:rPr lang="ja-JP" altLang="en-US" dirty="0">
+                <a:solidFill>
+                  <a:srgbClr val="00B050"/>
+                </a:solidFill>
+              </a:rPr>
+              <a:t>メンバを追加定義して親クラスから機能を拡張</a:t>
+            </a:r>
+            <a:br>
+              <a:rPr lang="en-US" altLang="ja-JP" dirty="0">
+                <a:solidFill>
+                  <a:srgbClr val="00B050"/>
+                </a:solidFill>
+              </a:rPr>
+            </a:br>
+            <a:r>
+              <a:rPr lang="ja-JP" altLang="en-US" dirty="0"/>
+              <a:t>していく</a:t>
+            </a:r>
+            <a:endParaRPr lang="en-US" altLang="ja-JP" dirty="0"/>
+          </a:p>
+        </p:txBody>
+      </p:sp>
+    </p:spTree>
+    <p:extLst>
+      <p:ext uri="{BB962C8B-B14F-4D97-AF65-F5344CB8AC3E}">
+        <p14:creationId xmlns:p14="http://schemas.microsoft.com/office/powerpoint/2010/main" val="242415019"/>
+      </p:ext>
+    </p:extLst>
+  </p:cSld>
+  <p:clrMapOvr>
+    <a:masterClrMapping/>
+  </p:clrMapOvr>
+</p:sld>
+</file>
+
 <file path=ppt/slides/slide2.xml><?xml version="1.0" encoding="utf-8"?>
 <p:sld xmlns:a="http://schemas.openxmlformats.org/drawingml/2006/main" xmlns:r="http://schemas.openxmlformats.org/officeDocument/2006/relationships" xmlns:p="http://schemas.openxmlformats.org/presentationml/2006/main">
   <p:cSld>
@@ -3984,6 +8555,737 @@
 </p:sld>
 </file>
 
+<file path=ppt/slides/slide20.xml><?xml version="1.0" encoding="utf-8"?>
+<p:sld xmlns:a="http://schemas.openxmlformats.org/drawingml/2006/main" xmlns:r="http://schemas.openxmlformats.org/officeDocument/2006/relationships" xmlns:p="http://schemas.openxmlformats.org/presentationml/2006/main">
+  <p:cSld>
+    <p:spTree>
+      <p:nvGrpSpPr>
+        <p:cNvPr id="1" name=""/>
+        <p:cNvGrpSpPr/>
+        <p:nvPr/>
+      </p:nvGrpSpPr>
+      <p:grpSpPr>
+        <a:xfrm>
+          <a:off x="0" y="0"/>
+          <a:ext cx="0" cy="0"/>
+          <a:chOff x="0" y="0"/>
+          <a:chExt cx="0" cy="0"/>
+        </a:xfrm>
+      </p:grpSpPr>
+      <p:sp>
+        <p:nvSpPr>
+          <p:cNvPr id="2" name="タイトル 1">
+            <a:extLst>
+              <a:ext uri="{FF2B5EF4-FFF2-40B4-BE49-F238E27FC236}">
+                <a16:creationId xmlns:a16="http://schemas.microsoft.com/office/drawing/2014/main" id="{9F789731-37C4-49DD-AEE8-78E5514E279E}"/>
+              </a:ext>
+            </a:extLst>
+          </p:cNvPr>
+          <p:cNvSpPr>
+            <a:spLocks noGrp="1"/>
+          </p:cNvSpPr>
+          <p:nvPr>
+            <p:ph type="title"/>
+          </p:nvPr>
+        </p:nvSpPr>
+        <p:spPr/>
+        <p:txBody>
+          <a:bodyPr/>
+          <a:lstStyle/>
+          <a:p>
+            <a:r>
+              <a:rPr kumimoji="1" lang="ja-JP" altLang="en-US" dirty="0"/>
+              <a:t>継承の特徴</a:t>
+            </a:r>
+          </a:p>
+        </p:txBody>
+      </p:sp>
+      <p:sp>
+        <p:nvSpPr>
+          <p:cNvPr id="3" name="コンテンツ プレースホルダー 2">
+            <a:extLst>
+              <a:ext uri="{FF2B5EF4-FFF2-40B4-BE49-F238E27FC236}">
+                <a16:creationId xmlns:a16="http://schemas.microsoft.com/office/drawing/2014/main" id="{39562F0E-6033-40BD-BCB8-F015661306FD}"/>
+              </a:ext>
+            </a:extLst>
+          </p:cNvPr>
+          <p:cNvSpPr>
+            <a:spLocks noGrp="1"/>
+          </p:cNvSpPr>
+          <p:nvPr>
+            <p:ph idx="1"/>
+          </p:nvPr>
+        </p:nvSpPr>
+        <p:spPr/>
+        <p:txBody>
+          <a:bodyPr>
+            <a:normAutofit lnSpcReduction="10000"/>
+          </a:bodyPr>
+          <a:lstStyle/>
+          <a:p>
+            <a:r>
+              <a:rPr lang="ja-JP" altLang="en-US" u="sng" dirty="0"/>
+              <a:t>コンストラクタの実行順</a:t>
+            </a:r>
+            <a:br>
+              <a:rPr lang="en-US" altLang="ja-JP" u="sng" dirty="0"/>
+            </a:br>
+            <a:br>
+              <a:rPr lang="en-US" altLang="ja-JP" dirty="0"/>
+            </a:br>
+            <a:r>
+              <a:rPr lang="ja-JP" altLang="en-US" dirty="0"/>
+              <a:t>子クラスのインスタンスが生成されるときに</a:t>
+            </a:r>
+            <a:br>
+              <a:rPr lang="en-US" altLang="ja-JP" dirty="0"/>
+            </a:br>
+            <a:br>
+              <a:rPr lang="en-US" altLang="ja-JP" dirty="0"/>
+            </a:br>
+            <a:r>
+              <a:rPr lang="ja-JP" altLang="en-US" dirty="0"/>
+              <a:t>①</a:t>
+            </a:r>
+            <a:r>
+              <a:rPr lang="ja-JP" altLang="en-US" b="1" dirty="0">
+                <a:solidFill>
+                  <a:srgbClr val="FF0000"/>
+                </a:solidFill>
+              </a:rPr>
+              <a:t>親クラス</a:t>
+            </a:r>
+            <a:r>
+              <a:rPr lang="ja-JP" altLang="en-US" dirty="0"/>
+              <a:t>のコンストラクタ実行</a:t>
+            </a:r>
+            <a:br>
+              <a:rPr lang="en-US" altLang="ja-JP" dirty="0"/>
+            </a:br>
+            <a:r>
+              <a:rPr lang="ja-JP" altLang="en-US" dirty="0"/>
+              <a:t>②</a:t>
+            </a:r>
+            <a:r>
+              <a:rPr lang="ja-JP" altLang="en-US" b="1" dirty="0">
+                <a:solidFill>
+                  <a:srgbClr val="00B0F0"/>
+                </a:solidFill>
+              </a:rPr>
+              <a:t>子クラス</a:t>
+            </a:r>
+            <a:r>
+              <a:rPr lang="ja-JP" altLang="en-US" dirty="0"/>
+              <a:t>のコンストラクタ実行</a:t>
+            </a:r>
+            <a:br>
+              <a:rPr lang="en-US" altLang="ja-JP" dirty="0"/>
+            </a:br>
+            <a:br>
+              <a:rPr lang="en-US" altLang="ja-JP" dirty="0"/>
+            </a:br>
+            <a:r>
+              <a:rPr lang="ja-JP" altLang="en-US" dirty="0"/>
+              <a:t>という順番に実行される</a:t>
+            </a:r>
+            <a:br>
+              <a:rPr lang="en-US" altLang="ja-JP" dirty="0"/>
+            </a:br>
+            <a:br>
+              <a:rPr lang="en-US" altLang="ja-JP" dirty="0"/>
+            </a:br>
+            <a:r>
+              <a:rPr lang="ja-JP" altLang="en-US" dirty="0"/>
+              <a:t>コンストラクタの場合は　</a:t>
+            </a:r>
+            <a:r>
+              <a:rPr lang="ja-JP" altLang="en-US" dirty="0">
+                <a:solidFill>
+                  <a:srgbClr val="FF0000"/>
+                </a:solidFill>
+              </a:rPr>
+              <a:t>親</a:t>
+            </a:r>
+            <a:r>
+              <a:rPr lang="ja-JP" altLang="en-US" dirty="0"/>
+              <a:t>　→　</a:t>
+            </a:r>
+            <a:r>
+              <a:rPr lang="ja-JP" altLang="en-US" dirty="0">
+                <a:solidFill>
+                  <a:srgbClr val="00B0F0"/>
+                </a:solidFill>
+              </a:rPr>
+              <a:t>子</a:t>
+            </a:r>
+            <a:r>
+              <a:rPr lang="ja-JP" altLang="en-US" dirty="0"/>
+              <a:t>　の順</a:t>
+            </a:r>
+            <a:endParaRPr lang="en-US" altLang="ja-JP" dirty="0"/>
+          </a:p>
+        </p:txBody>
+      </p:sp>
+    </p:spTree>
+    <p:extLst>
+      <p:ext uri="{BB962C8B-B14F-4D97-AF65-F5344CB8AC3E}">
+        <p14:creationId xmlns:p14="http://schemas.microsoft.com/office/powerpoint/2010/main" val="3869458871"/>
+      </p:ext>
+    </p:extLst>
+  </p:cSld>
+  <p:clrMapOvr>
+    <a:masterClrMapping/>
+  </p:clrMapOvr>
+</p:sld>
+</file>
+
+<file path=ppt/slides/slide21.xml><?xml version="1.0" encoding="utf-8"?>
+<p:sld xmlns:a="http://schemas.openxmlformats.org/drawingml/2006/main" xmlns:r="http://schemas.openxmlformats.org/officeDocument/2006/relationships" xmlns:p="http://schemas.openxmlformats.org/presentationml/2006/main">
+  <p:cSld>
+    <p:spTree>
+      <p:nvGrpSpPr>
+        <p:cNvPr id="1" name=""/>
+        <p:cNvGrpSpPr/>
+        <p:nvPr/>
+      </p:nvGrpSpPr>
+      <p:grpSpPr>
+        <a:xfrm>
+          <a:off x="0" y="0"/>
+          <a:ext cx="0" cy="0"/>
+          <a:chOff x="0" y="0"/>
+          <a:chExt cx="0" cy="0"/>
+        </a:xfrm>
+      </p:grpSpPr>
+      <p:sp>
+        <p:nvSpPr>
+          <p:cNvPr id="2" name="タイトル 1">
+            <a:extLst>
+              <a:ext uri="{FF2B5EF4-FFF2-40B4-BE49-F238E27FC236}">
+                <a16:creationId xmlns:a16="http://schemas.microsoft.com/office/drawing/2014/main" id="{9F789731-37C4-49DD-AEE8-78E5514E279E}"/>
+              </a:ext>
+            </a:extLst>
+          </p:cNvPr>
+          <p:cNvSpPr>
+            <a:spLocks noGrp="1"/>
+          </p:cNvSpPr>
+          <p:nvPr>
+            <p:ph type="title"/>
+          </p:nvPr>
+        </p:nvSpPr>
+        <p:spPr/>
+        <p:txBody>
+          <a:bodyPr/>
+          <a:lstStyle/>
+          <a:p>
+            <a:r>
+              <a:rPr kumimoji="1" lang="ja-JP" altLang="en-US" dirty="0"/>
+              <a:t>継承の特徴</a:t>
+            </a:r>
+          </a:p>
+        </p:txBody>
+      </p:sp>
+      <p:sp>
+        <p:nvSpPr>
+          <p:cNvPr id="3" name="コンテンツ プレースホルダー 2">
+            <a:extLst>
+              <a:ext uri="{FF2B5EF4-FFF2-40B4-BE49-F238E27FC236}">
+                <a16:creationId xmlns:a16="http://schemas.microsoft.com/office/drawing/2014/main" id="{39562F0E-6033-40BD-BCB8-F015661306FD}"/>
+              </a:ext>
+            </a:extLst>
+          </p:cNvPr>
+          <p:cNvSpPr>
+            <a:spLocks noGrp="1"/>
+          </p:cNvSpPr>
+          <p:nvPr>
+            <p:ph idx="1"/>
+          </p:nvPr>
+        </p:nvSpPr>
+        <p:spPr/>
+        <p:txBody>
+          <a:bodyPr>
+            <a:normAutofit lnSpcReduction="10000"/>
+          </a:bodyPr>
+          <a:lstStyle/>
+          <a:p>
+            <a:r>
+              <a:rPr lang="ja-JP" altLang="en-US" u="sng" dirty="0"/>
+              <a:t>デストラクタの実行順</a:t>
+            </a:r>
+            <a:br>
+              <a:rPr lang="en-US" altLang="ja-JP" u="sng" dirty="0"/>
+            </a:br>
+            <a:br>
+              <a:rPr lang="en-US" altLang="ja-JP" dirty="0"/>
+            </a:br>
+            <a:r>
+              <a:rPr lang="ja-JP" altLang="en-US" dirty="0"/>
+              <a:t>子クラスのインスタンスが消去されるときは</a:t>
+            </a:r>
+            <a:br>
+              <a:rPr lang="en-US" altLang="ja-JP" dirty="0"/>
+            </a:br>
+            <a:br>
+              <a:rPr lang="en-US" altLang="ja-JP" dirty="0"/>
+            </a:br>
+            <a:r>
+              <a:rPr lang="ja-JP" altLang="en-US" dirty="0"/>
+              <a:t>①</a:t>
+            </a:r>
+            <a:r>
+              <a:rPr lang="ja-JP" altLang="en-US" b="1" dirty="0">
+                <a:solidFill>
+                  <a:srgbClr val="00B0F0"/>
+                </a:solidFill>
+              </a:rPr>
+              <a:t>子クラス</a:t>
+            </a:r>
+            <a:r>
+              <a:rPr lang="ja-JP" altLang="en-US" dirty="0"/>
+              <a:t>のデストラクタ実行</a:t>
+            </a:r>
+            <a:br>
+              <a:rPr lang="en-US" altLang="ja-JP" dirty="0"/>
+            </a:br>
+            <a:r>
+              <a:rPr lang="ja-JP" altLang="en-US" dirty="0"/>
+              <a:t>②</a:t>
+            </a:r>
+            <a:r>
+              <a:rPr lang="ja-JP" altLang="en-US" b="1" dirty="0">
+                <a:solidFill>
+                  <a:srgbClr val="FF0000"/>
+                </a:solidFill>
+              </a:rPr>
+              <a:t>親クラス</a:t>
+            </a:r>
+            <a:r>
+              <a:rPr lang="ja-JP" altLang="en-US" dirty="0"/>
+              <a:t>のデストラクタ実行</a:t>
+            </a:r>
+            <a:br>
+              <a:rPr lang="en-US" altLang="ja-JP" dirty="0"/>
+            </a:br>
+            <a:br>
+              <a:rPr lang="en-US" altLang="ja-JP" dirty="0"/>
+            </a:br>
+            <a:r>
+              <a:rPr lang="ja-JP" altLang="en-US" dirty="0"/>
+              <a:t>という順番に実行される</a:t>
+            </a:r>
+            <a:br>
+              <a:rPr lang="en-US" altLang="ja-JP" dirty="0"/>
+            </a:br>
+            <a:br>
+              <a:rPr lang="en-US" altLang="ja-JP" dirty="0"/>
+            </a:br>
+            <a:r>
+              <a:rPr lang="ja-JP" altLang="en-US" dirty="0"/>
+              <a:t>デストラクタの場合は　</a:t>
+            </a:r>
+            <a:r>
+              <a:rPr lang="ja-JP" altLang="en-US" dirty="0">
+                <a:solidFill>
+                  <a:srgbClr val="00B0F0"/>
+                </a:solidFill>
+              </a:rPr>
+              <a:t>子</a:t>
+            </a:r>
+            <a:r>
+              <a:rPr lang="ja-JP" altLang="en-US" dirty="0"/>
+              <a:t>　→　</a:t>
+            </a:r>
+            <a:r>
+              <a:rPr lang="ja-JP" altLang="en-US" dirty="0">
+                <a:solidFill>
+                  <a:srgbClr val="FF0000"/>
+                </a:solidFill>
+              </a:rPr>
+              <a:t>親</a:t>
+            </a:r>
+            <a:r>
+              <a:rPr lang="ja-JP" altLang="en-US" dirty="0"/>
+              <a:t>　の順</a:t>
+            </a:r>
+            <a:endParaRPr lang="en-US" altLang="ja-JP" dirty="0"/>
+          </a:p>
+        </p:txBody>
+      </p:sp>
+    </p:spTree>
+    <p:extLst>
+      <p:ext uri="{BB962C8B-B14F-4D97-AF65-F5344CB8AC3E}">
+        <p14:creationId xmlns:p14="http://schemas.microsoft.com/office/powerpoint/2010/main" val="3670569463"/>
+      </p:ext>
+    </p:extLst>
+  </p:cSld>
+  <p:clrMapOvr>
+    <a:masterClrMapping/>
+  </p:clrMapOvr>
+</p:sld>
+</file>
+
+<file path=ppt/slides/slide22.xml><?xml version="1.0" encoding="utf-8"?>
+<p:sld xmlns:a="http://schemas.openxmlformats.org/drawingml/2006/main" xmlns:r="http://schemas.openxmlformats.org/officeDocument/2006/relationships" xmlns:p="http://schemas.openxmlformats.org/presentationml/2006/main">
+  <p:cSld>
+    <p:spTree>
+      <p:nvGrpSpPr>
+        <p:cNvPr id="1" name=""/>
+        <p:cNvGrpSpPr/>
+        <p:nvPr/>
+      </p:nvGrpSpPr>
+      <p:grpSpPr>
+        <a:xfrm>
+          <a:off x="0" y="0"/>
+          <a:ext cx="0" cy="0"/>
+          <a:chOff x="0" y="0"/>
+          <a:chExt cx="0" cy="0"/>
+        </a:xfrm>
+      </p:grpSpPr>
+      <p:sp>
+        <p:nvSpPr>
+          <p:cNvPr id="2" name="タイトル 1">
+            <a:extLst>
+              <a:ext uri="{FF2B5EF4-FFF2-40B4-BE49-F238E27FC236}">
+                <a16:creationId xmlns:a16="http://schemas.microsoft.com/office/drawing/2014/main" id="{9F789731-37C4-49DD-AEE8-78E5514E279E}"/>
+              </a:ext>
+            </a:extLst>
+          </p:cNvPr>
+          <p:cNvSpPr>
+            <a:spLocks noGrp="1"/>
+          </p:cNvSpPr>
+          <p:nvPr>
+            <p:ph type="title"/>
+          </p:nvPr>
+        </p:nvSpPr>
+        <p:spPr/>
+        <p:txBody>
+          <a:bodyPr/>
+          <a:lstStyle/>
+          <a:p>
+            <a:r>
+              <a:rPr kumimoji="1" lang="ja-JP" altLang="en-US" dirty="0"/>
+              <a:t>継承</a:t>
+            </a:r>
+          </a:p>
+        </p:txBody>
+      </p:sp>
+      <p:sp>
+        <p:nvSpPr>
+          <p:cNvPr id="3" name="コンテンツ プレースホルダー 2">
+            <a:extLst>
+              <a:ext uri="{FF2B5EF4-FFF2-40B4-BE49-F238E27FC236}">
+                <a16:creationId xmlns:a16="http://schemas.microsoft.com/office/drawing/2014/main" id="{39562F0E-6033-40BD-BCB8-F015661306FD}"/>
+              </a:ext>
+            </a:extLst>
+          </p:cNvPr>
+          <p:cNvSpPr>
+            <a:spLocks noGrp="1"/>
+          </p:cNvSpPr>
+          <p:nvPr>
+            <p:ph idx="1"/>
+          </p:nvPr>
+        </p:nvSpPr>
+        <p:spPr/>
+        <p:txBody>
+          <a:bodyPr>
+            <a:normAutofit/>
+          </a:bodyPr>
+          <a:lstStyle/>
+          <a:p>
+            <a:r>
+              <a:rPr lang="ja-JP" altLang="en-US" u="sng" dirty="0"/>
+              <a:t>アクセス指定子　</a:t>
+            </a:r>
+            <a:r>
+              <a:rPr lang="en-US" altLang="ja-JP" b="1" u="sng" dirty="0">
+                <a:solidFill>
+                  <a:srgbClr val="00B0F0"/>
+                </a:solidFill>
+              </a:rPr>
+              <a:t>protected</a:t>
+            </a:r>
+            <a:br>
+              <a:rPr lang="en-US" altLang="ja-JP" dirty="0"/>
+            </a:br>
+            <a:endParaRPr lang="en-US" altLang="ja-JP" dirty="0"/>
+          </a:p>
+          <a:p>
+            <a:r>
+              <a:rPr lang="en-US" altLang="ja-JP" dirty="0" err="1"/>
+              <a:t>public,private</a:t>
+            </a:r>
+            <a:r>
+              <a:rPr lang="ja-JP" altLang="en-US" dirty="0"/>
+              <a:t>以外の</a:t>
+            </a:r>
+            <a:r>
+              <a:rPr lang="en-US" altLang="ja-JP" dirty="0"/>
+              <a:t>3</a:t>
+            </a:r>
+            <a:r>
+              <a:rPr lang="ja-JP" altLang="en-US" dirty="0"/>
+              <a:t>つめのアクセス指定子</a:t>
+            </a:r>
+            <a:br>
+              <a:rPr lang="en-US" altLang="ja-JP" dirty="0"/>
+            </a:br>
+            <a:endParaRPr lang="en-US" altLang="ja-JP" dirty="0"/>
+          </a:p>
+          <a:p>
+            <a:r>
+              <a:rPr lang="en-US" altLang="ja-JP" b="1" dirty="0"/>
+              <a:t>protected</a:t>
+            </a:r>
+            <a:r>
+              <a:rPr lang="ja-JP" altLang="en-US" dirty="0"/>
+              <a:t>に指定されたメンバは</a:t>
+            </a:r>
+            <a:r>
+              <a:rPr lang="ja-JP" altLang="en-US" dirty="0">
+                <a:solidFill>
+                  <a:srgbClr val="00B0F0"/>
+                </a:solidFill>
+              </a:rPr>
+              <a:t>子クラスから</a:t>
+            </a:r>
+            <a:br>
+              <a:rPr lang="en-US" altLang="ja-JP" dirty="0">
+                <a:solidFill>
+                  <a:srgbClr val="00B0F0"/>
+                </a:solidFill>
+              </a:rPr>
+            </a:br>
+            <a:r>
+              <a:rPr lang="ja-JP" altLang="en-US" dirty="0">
+                <a:solidFill>
+                  <a:srgbClr val="00B0F0"/>
+                </a:solidFill>
+              </a:rPr>
+              <a:t>使用可能</a:t>
+            </a:r>
+            <a:endParaRPr lang="en-US" altLang="ja-JP" dirty="0">
+              <a:solidFill>
+                <a:srgbClr val="00B0F0"/>
+              </a:solidFill>
+            </a:endParaRPr>
+          </a:p>
+          <a:p>
+            <a:r>
+              <a:rPr lang="ja-JP" altLang="en-US" dirty="0"/>
+              <a:t>ただし、</a:t>
+            </a:r>
+            <a:r>
+              <a:rPr lang="ja-JP" altLang="en-US" dirty="0">
+                <a:solidFill>
+                  <a:srgbClr val="FF0000"/>
+                </a:solidFill>
+              </a:rPr>
+              <a:t>クラス外からは使用不可</a:t>
+            </a:r>
+            <a:br>
+              <a:rPr lang="en-US" altLang="ja-JP" dirty="0"/>
+            </a:br>
+            <a:endParaRPr lang="en-US" altLang="ja-JP" dirty="0"/>
+          </a:p>
+        </p:txBody>
+      </p:sp>
+    </p:spTree>
+    <p:extLst>
+      <p:ext uri="{BB962C8B-B14F-4D97-AF65-F5344CB8AC3E}">
+        <p14:creationId xmlns:p14="http://schemas.microsoft.com/office/powerpoint/2010/main" val="3213909260"/>
+      </p:ext>
+    </p:extLst>
+  </p:cSld>
+  <p:clrMapOvr>
+    <a:masterClrMapping/>
+  </p:clrMapOvr>
+</p:sld>
+</file>
+
+<file path=ppt/slides/slide23.xml><?xml version="1.0" encoding="utf-8"?>
+<p:sld xmlns:a="http://schemas.openxmlformats.org/drawingml/2006/main" xmlns:r="http://schemas.openxmlformats.org/officeDocument/2006/relationships" xmlns:p="http://schemas.openxmlformats.org/presentationml/2006/main">
+  <p:cSld>
+    <p:spTree>
+      <p:nvGrpSpPr>
+        <p:cNvPr id="1" name=""/>
+        <p:cNvGrpSpPr/>
+        <p:nvPr/>
+      </p:nvGrpSpPr>
+      <p:grpSpPr>
+        <a:xfrm>
+          <a:off x="0" y="0"/>
+          <a:ext cx="0" cy="0"/>
+          <a:chOff x="0" y="0"/>
+          <a:chExt cx="0" cy="0"/>
+        </a:xfrm>
+      </p:grpSpPr>
+      <p:sp>
+        <p:nvSpPr>
+          <p:cNvPr id="2" name="タイトル 1">
+            <a:extLst>
+              <a:ext uri="{FF2B5EF4-FFF2-40B4-BE49-F238E27FC236}">
+                <a16:creationId xmlns:a16="http://schemas.microsoft.com/office/drawing/2014/main" id="{9F789731-37C4-49DD-AEE8-78E5514E279E}"/>
+              </a:ext>
+            </a:extLst>
+          </p:cNvPr>
+          <p:cNvSpPr>
+            <a:spLocks noGrp="1"/>
+          </p:cNvSpPr>
+          <p:nvPr>
+            <p:ph type="title"/>
+          </p:nvPr>
+        </p:nvSpPr>
+        <p:spPr/>
+        <p:txBody>
+          <a:bodyPr/>
+          <a:lstStyle/>
+          <a:p>
+            <a:r>
+              <a:rPr kumimoji="1" lang="ja-JP" altLang="en-US" dirty="0"/>
+              <a:t>継承</a:t>
+            </a:r>
+          </a:p>
+        </p:txBody>
+      </p:sp>
+      <p:sp>
+        <p:nvSpPr>
+          <p:cNvPr id="3" name="コンテンツ プレースホルダー 2">
+            <a:extLst>
+              <a:ext uri="{FF2B5EF4-FFF2-40B4-BE49-F238E27FC236}">
+                <a16:creationId xmlns:a16="http://schemas.microsoft.com/office/drawing/2014/main" id="{39562F0E-6033-40BD-BCB8-F015661306FD}"/>
+              </a:ext>
+            </a:extLst>
+          </p:cNvPr>
+          <p:cNvSpPr>
+            <a:spLocks noGrp="1"/>
+          </p:cNvSpPr>
+          <p:nvPr>
+            <p:ph idx="1"/>
+          </p:nvPr>
+        </p:nvSpPr>
+        <p:spPr/>
+        <p:txBody>
+          <a:bodyPr>
+            <a:normAutofit/>
+          </a:bodyPr>
+          <a:lstStyle/>
+          <a:p>
+            <a:r>
+              <a:rPr lang="ja-JP" altLang="en-US" b="1" u="sng" dirty="0"/>
+              <a:t>多重継承</a:t>
+            </a:r>
+            <a:br>
+              <a:rPr lang="en-US" altLang="ja-JP" b="1" u="sng" dirty="0"/>
+            </a:br>
+            <a:br>
+              <a:rPr lang="en-US" altLang="ja-JP" dirty="0"/>
+            </a:br>
+            <a:r>
+              <a:rPr lang="ja-JP" altLang="en-US" dirty="0"/>
+              <a:t>親クラスがひとつの継承を</a:t>
+            </a:r>
+            <a:r>
+              <a:rPr lang="ja-JP" altLang="en-US" b="1" dirty="0">
+                <a:solidFill>
+                  <a:srgbClr val="00B0F0"/>
+                </a:solidFill>
+              </a:rPr>
+              <a:t>単一継承</a:t>
+            </a:r>
+            <a:r>
+              <a:rPr lang="ja-JP" altLang="en-US" dirty="0"/>
+              <a:t>といい、</a:t>
+            </a:r>
+            <a:br>
+              <a:rPr lang="en-US" altLang="ja-JP" dirty="0"/>
+            </a:br>
+            <a:r>
+              <a:rPr lang="ja-JP" altLang="en-US" dirty="0"/>
+              <a:t>親クラスを複数もつ継承を</a:t>
+            </a:r>
+            <a:r>
+              <a:rPr lang="ja-JP" altLang="en-US" b="1" dirty="0">
+                <a:solidFill>
+                  <a:srgbClr val="FF0000"/>
+                </a:solidFill>
+              </a:rPr>
+              <a:t>多重継承</a:t>
+            </a:r>
+            <a:r>
+              <a:rPr lang="ja-JP" altLang="en-US" dirty="0"/>
+              <a:t>という</a:t>
+            </a:r>
+            <a:br>
+              <a:rPr lang="en-US" altLang="ja-JP" dirty="0"/>
+            </a:br>
+            <a:br>
+              <a:rPr lang="en-US" altLang="ja-JP" dirty="0"/>
+            </a:br>
+            <a:r>
+              <a:rPr lang="ja-JP" altLang="en-US" dirty="0"/>
+              <a:t>例） </a:t>
+            </a:r>
+            <a:br>
+              <a:rPr lang="en-US" altLang="ja-JP" dirty="0"/>
+            </a:br>
+            <a:r>
+              <a:rPr lang="en-US" altLang="ja-JP" sz="3200" dirty="0"/>
+              <a:t>class </a:t>
+            </a:r>
+            <a:r>
+              <a:rPr lang="en-US" altLang="ja-JP" sz="3200" dirty="0" err="1"/>
+              <a:t>KoClass</a:t>
+            </a:r>
+            <a:r>
+              <a:rPr lang="en-US" altLang="ja-JP" sz="3200" dirty="0"/>
+              <a:t> : public </a:t>
+            </a:r>
+            <a:r>
+              <a:rPr lang="en-US" altLang="ja-JP" sz="3200" dirty="0" err="1"/>
+              <a:t>OyaA</a:t>
+            </a:r>
+            <a:r>
+              <a:rPr lang="en-US" altLang="ja-JP" sz="3200" dirty="0"/>
+              <a:t>, public </a:t>
+            </a:r>
+            <a:r>
+              <a:rPr lang="en-US" altLang="ja-JP" sz="3200" dirty="0" err="1"/>
+              <a:t>OyaB</a:t>
+            </a:r>
+            <a:br>
+              <a:rPr lang="en-US" altLang="ja-JP" sz="3200" dirty="0"/>
+            </a:br>
+            <a:br>
+              <a:rPr lang="en-US" altLang="ja-JP" sz="3200" dirty="0"/>
+            </a:br>
+            <a:r>
+              <a:rPr lang="ja-JP" altLang="en-US" sz="3200" dirty="0"/>
+              <a:t>ただし、非常に複雑な継承になるため、特別な場合を除いて普段の使用は</a:t>
+            </a:r>
+            <a:r>
+              <a:rPr lang="ja-JP" altLang="en-US" sz="3200" b="1" dirty="0"/>
+              <a:t>単一継承</a:t>
+            </a:r>
+            <a:r>
+              <a:rPr lang="ja-JP" altLang="en-US" sz="3200" dirty="0"/>
+              <a:t>に留めておく</a:t>
+            </a:r>
+            <a:endParaRPr lang="en-US" altLang="ja-JP" sz="3200" dirty="0"/>
+          </a:p>
+        </p:txBody>
+      </p:sp>
+    </p:spTree>
+    <p:extLst>
+      <p:ext uri="{BB962C8B-B14F-4D97-AF65-F5344CB8AC3E}">
+        <p14:creationId xmlns:p14="http://schemas.microsoft.com/office/powerpoint/2010/main" val="3034570336"/>
+      </p:ext>
+    </p:extLst>
+  </p:cSld>
+  <p:clrMapOvr>
+    <a:masterClrMapping/>
+  </p:clrMapOvr>
+</p:sld>
+</file>
+
 <file path=ppt/slides/slide3.xml><?xml version="1.0" encoding="utf-8"?>
 <p:sld xmlns:a="http://schemas.openxmlformats.org/drawingml/2006/main" xmlns:r="http://schemas.openxmlformats.org/officeDocument/2006/relationships" xmlns:p="http://schemas.openxmlformats.org/presentationml/2006/main">
   <p:cSld>
@@ -5523,27 +10825,51 @@
               <a:t>    </a:t>
             </a:r>
             <a:r>
-              <a:rPr kumimoji="1" lang="en-US" altLang="ja-JP" sz="2400" dirty="0" err="1"/>
+              <a:rPr kumimoji="1" lang="en-US" altLang="ja-JP" sz="2400" dirty="0" err="1">
+                <a:solidFill>
+                  <a:srgbClr val="FF0000"/>
+                </a:solidFill>
+              </a:rPr>
               <a:t>cout</a:t>
             </a:r>
             <a:r>
-              <a:rPr kumimoji="1" lang="en-US" altLang="ja-JP" sz="2400" dirty="0"/>
+              <a:rPr kumimoji="1" lang="en-US" altLang="ja-JP" sz="2400" dirty="0">
+                <a:solidFill>
+                  <a:srgbClr val="FF0000"/>
+                </a:solidFill>
+              </a:rPr>
               <a:t> &lt;&lt; “Car</a:t>
             </a:r>
             <a:r>
-              <a:rPr kumimoji="1" lang="ja-JP" altLang="en-US" sz="2400" dirty="0"/>
+              <a:rPr kumimoji="1" lang="ja-JP" altLang="en-US" sz="2400" dirty="0">
+                <a:solidFill>
+                  <a:srgbClr val="FF0000"/>
+                </a:solidFill>
+              </a:rPr>
               <a:t>クラスの処理</a:t>
             </a:r>
             <a:r>
-              <a:rPr kumimoji="1" lang="en-US" altLang="ja-JP" sz="2400" dirty="0"/>
+              <a:rPr kumimoji="1" lang="en-US" altLang="ja-JP" sz="2400" dirty="0">
+                <a:solidFill>
+                  <a:srgbClr val="FF0000"/>
+                </a:solidFill>
+              </a:rPr>
               <a:t>” &lt;&lt; </a:t>
             </a:r>
             <a:r>
-              <a:rPr kumimoji="1" lang="en-US" altLang="ja-JP" sz="2400" dirty="0" err="1"/>
+              <a:rPr kumimoji="1" lang="en-US" altLang="ja-JP" sz="2400" dirty="0" err="1">
+                <a:solidFill>
+                  <a:srgbClr val="FF0000"/>
+                </a:solidFill>
+              </a:rPr>
               <a:t>endl</a:t>
             </a:r>
             <a:r>
-              <a:rPr kumimoji="1" lang="en-US" altLang="ja-JP" sz="2400" dirty="0"/>
+              <a:rPr kumimoji="1" lang="en-US" altLang="ja-JP" sz="2400" dirty="0">
+                <a:solidFill>
+                  <a:srgbClr val="FF0000"/>
+                </a:solidFill>
+              </a:rPr>
               <a:t>;</a:t>
             </a:r>
           </a:p>
@@ -5853,172 +11179,336 @@
               <a:t>    </a:t>
             </a:r>
             <a:r>
-              <a:rPr kumimoji="1" lang="en-US" altLang="ja-JP" sz="2400" dirty="0" err="1"/>
+              <a:rPr kumimoji="1" lang="en-US" altLang="ja-JP" sz="2400" dirty="0" err="1">
+                <a:solidFill>
+                  <a:srgbClr val="FF0000"/>
+                </a:solidFill>
+              </a:rPr>
               <a:t>cout</a:t>
             </a:r>
             <a:r>
-              <a:rPr kumimoji="1" lang="en-US" altLang="ja-JP" sz="2400" dirty="0"/>
+              <a:rPr kumimoji="1" lang="en-US" altLang="ja-JP" sz="2400" dirty="0">
+                <a:solidFill>
+                  <a:srgbClr val="FF0000"/>
+                </a:solidFill>
+              </a:rPr>
               <a:t> &lt;&lt; “Ambulance</a:t>
             </a:r>
             <a:r>
-              <a:rPr kumimoji="1" lang="ja-JP" altLang="en-US" sz="2400" dirty="0"/>
+              <a:rPr kumimoji="1" lang="ja-JP" altLang="en-US" sz="2400" dirty="0">
+                <a:solidFill>
+                  <a:srgbClr val="FF0000"/>
+                </a:solidFill>
+              </a:rPr>
               <a:t>クラスの処理</a:t>
             </a:r>
             <a:r>
-              <a:rPr kumimoji="1" lang="en-US" altLang="ja-JP" sz="2400" dirty="0"/>
+              <a:rPr kumimoji="1" lang="en-US" altLang="ja-JP" sz="2400" dirty="0">
+                <a:solidFill>
+                  <a:srgbClr val="FF0000"/>
+                </a:solidFill>
+              </a:rPr>
               <a:t>” &lt;&lt; </a:t>
             </a:r>
             <a:r>
-              <a:rPr kumimoji="1" lang="en-US" altLang="ja-JP" sz="2400" dirty="0" err="1"/>
+              <a:rPr kumimoji="1" lang="en-US" altLang="ja-JP" sz="2400" dirty="0" err="1">
+                <a:solidFill>
+                  <a:srgbClr val="FF0000"/>
+                </a:solidFill>
+              </a:rPr>
               <a:t>endl</a:t>
             </a:r>
             <a:r>
-              <a:rPr kumimoji="1" lang="en-US" altLang="ja-JP" sz="2400" dirty="0"/>
+              <a:rPr kumimoji="1" lang="en-US" altLang="ja-JP" sz="2400" dirty="0">
+                <a:solidFill>
+                  <a:srgbClr val="FF0000"/>
+                </a:solidFill>
+              </a:rPr>
               <a:t>;</a:t>
             </a:r>
           </a:p>
           <a:p>
             <a:r>
-              <a:rPr kumimoji="1" lang="en-US" altLang="ja-JP" sz="2400" dirty="0"/>
+              <a:rPr kumimoji="1" lang="en-US" altLang="ja-JP" sz="2400" dirty="0">
+                <a:solidFill>
+                  <a:srgbClr val="FF0000"/>
+                </a:solidFill>
+              </a:rPr>
               <a:t>    Ambulance* </a:t>
             </a:r>
             <a:r>
-              <a:rPr kumimoji="1" lang="en-US" altLang="ja-JP" sz="2400" dirty="0" err="1"/>
+              <a:rPr kumimoji="1" lang="en-US" altLang="ja-JP" sz="2400" dirty="0" err="1">
+                <a:solidFill>
+                  <a:srgbClr val="FF0000"/>
+                </a:solidFill>
+              </a:rPr>
               <a:t>pAmb</a:t>
             </a:r>
             <a:r>
-              <a:rPr kumimoji="1" lang="en-US" altLang="ja-JP" sz="2400" dirty="0"/>
+              <a:rPr kumimoji="1" lang="en-US" altLang="ja-JP" sz="2400" dirty="0">
+                <a:solidFill>
+                  <a:srgbClr val="FF0000"/>
+                </a:solidFill>
+              </a:rPr>
               <a:t> = new Ambulance();</a:t>
             </a:r>
             <a:r>
-              <a:rPr kumimoji="1" lang="ja-JP" altLang="en-US" sz="2400" dirty="0"/>
+              <a:rPr kumimoji="1" lang="ja-JP" altLang="en-US" sz="2400" dirty="0">
+                <a:solidFill>
+                  <a:srgbClr val="FF0000"/>
+                </a:solidFill>
+              </a:rPr>
               <a:t>　　　　</a:t>
             </a:r>
-            <a:endParaRPr kumimoji="1" lang="en-US" altLang="ja-JP" sz="2400" dirty="0"/>
-          </a:p>
-          <a:p>
-            <a:r>
-              <a:rPr kumimoji="1" lang="en-US" altLang="ja-JP" sz="2400" dirty="0"/>
+            <a:endParaRPr kumimoji="1" lang="en-US" altLang="ja-JP" sz="2400" dirty="0">
+              <a:solidFill>
+                <a:srgbClr val="FF0000"/>
+              </a:solidFill>
+            </a:endParaRPr>
+          </a:p>
+          <a:p>
+            <a:r>
+              <a:rPr kumimoji="1" lang="en-US" altLang="ja-JP" sz="2400" dirty="0">
+                <a:solidFill>
+                  <a:srgbClr val="FF0000"/>
+                </a:solidFill>
+              </a:rPr>
               <a:t>    </a:t>
             </a:r>
             <a:r>
-              <a:rPr kumimoji="1" lang="en-US" altLang="ja-JP" sz="2400" dirty="0" err="1"/>
+              <a:rPr kumimoji="1" lang="en-US" altLang="ja-JP" sz="2400" dirty="0" err="1">
+                <a:solidFill>
+                  <a:srgbClr val="FF0000"/>
+                </a:solidFill>
+              </a:rPr>
               <a:t>pAmb</a:t>
             </a:r>
             <a:r>
-              <a:rPr kumimoji="1" lang="en-US" altLang="ja-JP" sz="2400" dirty="0"/>
+              <a:rPr kumimoji="1" lang="en-US" altLang="ja-JP" sz="2400" dirty="0">
+                <a:solidFill>
+                  <a:srgbClr val="FF0000"/>
+                </a:solidFill>
+              </a:rPr>
               <a:t>-&gt;</a:t>
             </a:r>
             <a:r>
-              <a:rPr kumimoji="1" lang="en-US" altLang="ja-JP" sz="2400" dirty="0" err="1"/>
+              <a:rPr kumimoji="1" lang="en-US" altLang="ja-JP" sz="2400" dirty="0" err="1">
+                <a:solidFill>
+                  <a:srgbClr val="FF0000"/>
+                </a:solidFill>
+              </a:rPr>
               <a:t>setSpeed</a:t>
             </a:r>
             <a:r>
-              <a:rPr kumimoji="1" lang="en-US" altLang="ja-JP" sz="2400" dirty="0"/>
+              <a:rPr kumimoji="1" lang="en-US" altLang="ja-JP" sz="2400" dirty="0">
+                <a:solidFill>
+                  <a:srgbClr val="FF0000"/>
+                </a:solidFill>
+              </a:rPr>
               <a:t>(60);</a:t>
             </a:r>
             <a:br>
-              <a:rPr kumimoji="1" lang="en-US" altLang="ja-JP" sz="2400" dirty="0"/>
-            </a:br>
-            <a:r>
-              <a:rPr kumimoji="1" lang="en-US" altLang="ja-JP" sz="2400" dirty="0"/>
+              <a:rPr kumimoji="1" lang="en-US" altLang="ja-JP" sz="2400" dirty="0">
+                <a:solidFill>
+                  <a:srgbClr val="FF0000"/>
+                </a:solidFill>
+              </a:rPr>
+            </a:br>
+            <a:r>
+              <a:rPr kumimoji="1" lang="en-US" altLang="ja-JP" sz="2400" dirty="0">
+                <a:solidFill>
+                  <a:srgbClr val="FF0000"/>
+                </a:solidFill>
+              </a:rPr>
               <a:t>    </a:t>
             </a:r>
             <a:r>
-              <a:rPr kumimoji="1" lang="en-US" altLang="ja-JP" sz="2400" dirty="0" err="1"/>
+              <a:rPr kumimoji="1" lang="en-US" altLang="ja-JP" sz="2400" dirty="0" err="1">
+                <a:solidFill>
+                  <a:srgbClr val="FF0000"/>
+                </a:solidFill>
+              </a:rPr>
               <a:t>pAmb</a:t>
             </a:r>
             <a:r>
-              <a:rPr kumimoji="1" lang="en-US" altLang="ja-JP" sz="2400" dirty="0"/>
+              <a:rPr kumimoji="1" lang="en-US" altLang="ja-JP" sz="2400" dirty="0">
+                <a:solidFill>
+                  <a:srgbClr val="FF0000"/>
+                </a:solidFill>
+              </a:rPr>
               <a:t>-&gt;drive(2);</a:t>
             </a:r>
           </a:p>
           <a:p>
             <a:r>
-              <a:rPr kumimoji="1" lang="en-US" altLang="ja-JP" sz="2400" dirty="0"/>
+              <a:rPr kumimoji="1" lang="en-US" altLang="ja-JP" sz="2400" dirty="0">
+                <a:solidFill>
+                  <a:srgbClr val="FF0000"/>
+                </a:solidFill>
+              </a:rPr>
               <a:t>    </a:t>
             </a:r>
             <a:r>
-              <a:rPr kumimoji="1" lang="en-US" altLang="ja-JP" sz="2400" dirty="0" err="1"/>
+              <a:rPr kumimoji="1" lang="en-US" altLang="ja-JP" sz="2400" dirty="0" err="1">
+                <a:solidFill>
+                  <a:srgbClr val="FF0000"/>
+                </a:solidFill>
+              </a:rPr>
               <a:t>cout</a:t>
             </a:r>
             <a:r>
-              <a:rPr kumimoji="1" lang="en-US" altLang="ja-JP" sz="2400" dirty="0"/>
+              <a:rPr kumimoji="1" lang="en-US" altLang="ja-JP" sz="2400" dirty="0">
+                <a:solidFill>
+                  <a:srgbClr val="FF0000"/>
+                </a:solidFill>
+              </a:rPr>
               <a:t> &lt;&lt; “</a:t>
             </a:r>
             <a:r>
-              <a:rPr kumimoji="1" lang="ja-JP" altLang="en-US" sz="2400" dirty="0"/>
+              <a:rPr kumimoji="1" lang="ja-JP" altLang="en-US" sz="2400" dirty="0">
+                <a:solidFill>
+                  <a:srgbClr val="FF0000"/>
+                </a:solidFill>
+              </a:rPr>
               <a:t>総移動距離</a:t>
             </a:r>
             <a:r>
-              <a:rPr kumimoji="1" lang="en-US" altLang="ja-JP" sz="2400" dirty="0"/>
+              <a:rPr kumimoji="1" lang="en-US" altLang="ja-JP" sz="2400" dirty="0">
+                <a:solidFill>
+                  <a:srgbClr val="FF0000"/>
+                </a:solidFill>
+              </a:rPr>
               <a:t>:” &lt;&lt; </a:t>
             </a:r>
             <a:r>
-              <a:rPr kumimoji="1" lang="en-US" altLang="ja-JP" sz="2400" dirty="0" err="1"/>
+              <a:rPr kumimoji="1" lang="en-US" altLang="ja-JP" sz="2400" dirty="0" err="1">
+                <a:solidFill>
+                  <a:srgbClr val="FF0000"/>
+                </a:solidFill>
+              </a:rPr>
               <a:t>pAmb</a:t>
             </a:r>
             <a:r>
-              <a:rPr kumimoji="1" lang="en-US" altLang="ja-JP" sz="2400" dirty="0"/>
+              <a:rPr kumimoji="1" lang="en-US" altLang="ja-JP" sz="2400" dirty="0">
+                <a:solidFill>
+                  <a:srgbClr val="FF0000"/>
+                </a:solidFill>
+              </a:rPr>
               <a:t>-&gt;</a:t>
             </a:r>
             <a:r>
-              <a:rPr kumimoji="1" lang="en-US" altLang="ja-JP" sz="2400" dirty="0" err="1"/>
+              <a:rPr kumimoji="1" lang="en-US" altLang="ja-JP" sz="2400" dirty="0" err="1">
+                <a:solidFill>
+                  <a:srgbClr val="FF0000"/>
+                </a:solidFill>
+              </a:rPr>
               <a:t>getMigration</a:t>
             </a:r>
             <a:r>
-              <a:rPr kumimoji="1" lang="en-US" altLang="ja-JP" sz="2400" dirty="0"/>
+              <a:rPr kumimoji="1" lang="en-US" altLang="ja-JP" sz="2400" dirty="0">
+                <a:solidFill>
+                  <a:srgbClr val="FF0000"/>
+                </a:solidFill>
+              </a:rPr>
               <a:t>() </a:t>
             </a:r>
             <a:br>
-              <a:rPr kumimoji="1" lang="en-US" altLang="ja-JP" sz="2400" dirty="0"/>
-            </a:br>
-            <a:r>
-              <a:rPr kumimoji="1" lang="en-US" altLang="ja-JP" sz="2400" dirty="0"/>
+              <a:rPr kumimoji="1" lang="en-US" altLang="ja-JP" sz="2400" dirty="0">
+                <a:solidFill>
+                  <a:srgbClr val="FF0000"/>
+                </a:solidFill>
+              </a:rPr>
+            </a:br>
+            <a:r>
+              <a:rPr kumimoji="1" lang="en-US" altLang="ja-JP" sz="2400" dirty="0">
+                <a:solidFill>
+                  <a:srgbClr val="FF0000"/>
+                </a:solidFill>
+              </a:rPr>
               <a:t>         &lt;&lt; “km” &lt;&lt; </a:t>
             </a:r>
             <a:r>
-              <a:rPr kumimoji="1" lang="en-US" altLang="ja-JP" sz="2400" dirty="0" err="1"/>
+              <a:rPr kumimoji="1" lang="en-US" altLang="ja-JP" sz="2400" dirty="0" err="1">
+                <a:solidFill>
+                  <a:srgbClr val="FF0000"/>
+                </a:solidFill>
+              </a:rPr>
               <a:t>endl</a:t>
             </a:r>
             <a:r>
-              <a:rPr kumimoji="1" lang="en-US" altLang="ja-JP" sz="2400" dirty="0"/>
+              <a:rPr kumimoji="1" lang="en-US" altLang="ja-JP" sz="2400" dirty="0">
+                <a:solidFill>
+                  <a:srgbClr val="FF0000"/>
+                </a:solidFill>
+              </a:rPr>
               <a:t>;</a:t>
             </a:r>
           </a:p>
           <a:p>
             <a:r>
-              <a:rPr kumimoji="1" lang="en-US" altLang="ja-JP" sz="2400" dirty="0"/>
+              <a:rPr kumimoji="1" lang="en-US" altLang="ja-JP" sz="2400" dirty="0">
+                <a:solidFill>
+                  <a:srgbClr val="FF0000"/>
+                </a:solidFill>
+              </a:rPr>
               <a:t>    </a:t>
             </a:r>
             <a:r>
-              <a:rPr kumimoji="1" lang="en-US" altLang="ja-JP" sz="2400" dirty="0" err="1"/>
+              <a:rPr kumimoji="1" lang="en-US" altLang="ja-JP" sz="2400" dirty="0" err="1">
+                <a:solidFill>
+                  <a:srgbClr val="FF0000"/>
+                </a:solidFill>
+              </a:rPr>
               <a:t>pAmb</a:t>
             </a:r>
             <a:r>
-              <a:rPr kumimoji="1" lang="en-US" altLang="ja-JP" sz="2400" dirty="0"/>
+              <a:rPr kumimoji="1" lang="en-US" altLang="ja-JP" sz="2400" dirty="0">
+                <a:solidFill>
+                  <a:srgbClr val="FF0000"/>
+                </a:solidFill>
+              </a:rPr>
               <a:t>-&gt;</a:t>
             </a:r>
             <a:r>
-              <a:rPr kumimoji="1" lang="en-US" altLang="ja-JP" sz="2400" dirty="0" err="1"/>
+              <a:rPr kumimoji="1" lang="en-US" altLang="ja-JP" sz="2400" dirty="0" err="1">
+                <a:solidFill>
+                  <a:srgbClr val="FF0000"/>
+                </a:solidFill>
+              </a:rPr>
               <a:t>savePeople</a:t>
             </a:r>
             <a:r>
-              <a:rPr kumimoji="1" lang="en-US" altLang="ja-JP" sz="2400" dirty="0"/>
+              <a:rPr kumimoji="1" lang="en-US" altLang="ja-JP" sz="2400" dirty="0">
+                <a:solidFill>
+                  <a:srgbClr val="FF0000"/>
+                </a:solidFill>
+              </a:rPr>
               <a:t>();</a:t>
             </a:r>
           </a:p>
           <a:p>
             <a:r>
-              <a:rPr kumimoji="1" lang="en-US" altLang="ja-JP" sz="2400" dirty="0"/>
+              <a:rPr kumimoji="1" lang="en-US" altLang="ja-JP" sz="2400" dirty="0">
+                <a:solidFill>
+                  <a:srgbClr val="FF0000"/>
+                </a:solidFill>
+              </a:rPr>
               <a:t>    delete </a:t>
             </a:r>
             <a:r>
-              <a:rPr kumimoji="1" lang="en-US" altLang="ja-JP" sz="2400" dirty="0" err="1"/>
+              <a:rPr kumimoji="1" lang="en-US" altLang="ja-JP" sz="2400" dirty="0" err="1">
+                <a:solidFill>
+                  <a:srgbClr val="FF0000"/>
+                </a:solidFill>
+              </a:rPr>
               <a:t>pAmb</a:t>
             </a:r>
             <a:r>
-              <a:rPr kumimoji="1" lang="en-US" altLang="ja-JP" sz="2400" dirty="0"/>
+              <a:rPr kumimoji="1" lang="en-US" altLang="ja-JP" sz="2400" dirty="0">
+                <a:solidFill>
+                  <a:srgbClr val="FF0000"/>
+                </a:solidFill>
+              </a:rPr>
               <a:t>;</a:t>
             </a:r>
             <a:br>
@@ -6031,10 +11521,9 @@
           </a:p>
           <a:p>
             <a:r>
-              <a:rPr kumimoji="1" lang="en-US" altLang="ja-JP" sz="2400"/>
+              <a:rPr kumimoji="1" lang="en-US" altLang="ja-JP" sz="2400" dirty="0"/>
               <a:t>}   </a:t>
             </a:r>
-            <a:endParaRPr kumimoji="1" lang="en-US" altLang="ja-JP" sz="2400" dirty="0"/>
           </a:p>
         </p:txBody>
       </p:sp>
@@ -6042,6 +11531,201 @@
     <p:extLst>
       <p:ext uri="{BB962C8B-B14F-4D97-AF65-F5344CB8AC3E}">
         <p14:creationId xmlns:p14="http://schemas.microsoft.com/office/powerpoint/2010/main" val="1157300991"/>
+      </p:ext>
+    </p:extLst>
+  </p:cSld>
+  <p:clrMapOvr>
+    <a:masterClrMapping/>
+  </p:clrMapOvr>
+</p:sld>
+</file>
+
+<file path=ppt/slides/slide9.xml><?xml version="1.0" encoding="utf-8"?>
+<p:sld xmlns:a="http://schemas.openxmlformats.org/drawingml/2006/main" xmlns:r="http://schemas.openxmlformats.org/officeDocument/2006/relationships" xmlns:p="http://schemas.openxmlformats.org/presentationml/2006/main">
+  <p:cSld>
+    <p:spTree>
+      <p:nvGrpSpPr>
+        <p:cNvPr id="1" name=""/>
+        <p:cNvGrpSpPr/>
+        <p:nvPr/>
+      </p:nvGrpSpPr>
+      <p:grpSpPr>
+        <a:xfrm>
+          <a:off x="0" y="0"/>
+          <a:ext cx="0" cy="0"/>
+          <a:chOff x="0" y="0"/>
+          <a:chExt cx="0" cy="0"/>
+        </a:xfrm>
+      </p:grpSpPr>
+      <p:sp>
+        <p:nvSpPr>
+          <p:cNvPr id="2" name="タイトル 1">
+            <a:extLst>
+              <a:ext uri="{FF2B5EF4-FFF2-40B4-BE49-F238E27FC236}">
+                <a16:creationId xmlns:a16="http://schemas.microsoft.com/office/drawing/2014/main" id="{EC1D9B36-FFC2-4D52-A2A6-FEEE7804F5FA}"/>
+              </a:ext>
+            </a:extLst>
+          </p:cNvPr>
+          <p:cNvSpPr>
+            <a:spLocks noGrp="1"/>
+          </p:cNvSpPr>
+          <p:nvPr>
+            <p:ph type="title"/>
+          </p:nvPr>
+        </p:nvSpPr>
+        <p:spPr/>
+        <p:txBody>
+          <a:bodyPr/>
+          <a:lstStyle/>
+          <a:p>
+            <a:r>
+              <a:rPr kumimoji="1" lang="ja-JP" altLang="en-US" dirty="0"/>
+              <a:t>継承</a:t>
+            </a:r>
+          </a:p>
+        </p:txBody>
+      </p:sp>
+      <p:sp>
+        <p:nvSpPr>
+          <p:cNvPr id="3" name="コンテンツ プレースホルダー 2">
+            <a:extLst>
+              <a:ext uri="{FF2B5EF4-FFF2-40B4-BE49-F238E27FC236}">
+                <a16:creationId xmlns:a16="http://schemas.microsoft.com/office/drawing/2014/main" id="{534285BC-9209-40FB-8017-B7672579046F}"/>
+              </a:ext>
+            </a:extLst>
+          </p:cNvPr>
+          <p:cNvSpPr>
+            <a:spLocks noGrp="1"/>
+          </p:cNvSpPr>
+          <p:nvPr>
+            <p:ph idx="1"/>
+          </p:nvPr>
+        </p:nvSpPr>
+        <p:spPr>
+          <a:xfrm>
+            <a:off x="430306" y="1376038"/>
+            <a:ext cx="11654118" cy="4980311"/>
+          </a:xfrm>
+        </p:spPr>
+        <p:txBody>
+          <a:bodyPr>
+            <a:normAutofit/>
+          </a:bodyPr>
+          <a:lstStyle/>
+          <a:p>
+            <a:r>
+              <a:rPr kumimoji="1" lang="ja-JP" altLang="en-US" dirty="0"/>
+              <a:t>コンパイルの仕方</a:t>
+            </a:r>
+            <a:br>
+              <a:rPr kumimoji="1" lang="en-US" altLang="ja-JP" dirty="0"/>
+            </a:br>
+            <a:br>
+              <a:rPr kumimoji="1" lang="en-US" altLang="ja-JP" dirty="0"/>
+            </a:br>
+            <a:r>
+              <a:rPr kumimoji="1" lang="ja-JP" altLang="en-US" dirty="0"/>
+              <a:t>コマンドプロンプトで次のコマンドを入力する</a:t>
+            </a:r>
+            <a:br>
+              <a:rPr kumimoji="1" lang="en-US" altLang="ja-JP" dirty="0"/>
+            </a:br>
+            <a:br>
+              <a:rPr kumimoji="1" lang="en-US" altLang="ja-JP" dirty="0"/>
+            </a:br>
+            <a:r>
+              <a:rPr kumimoji="1" lang="en-US" altLang="ja-JP" dirty="0"/>
+              <a:t>cl </a:t>
+            </a:r>
+            <a:r>
+              <a:rPr kumimoji="1" lang="en-US" altLang="ja-JP" dirty="0">
+                <a:solidFill>
+                  <a:srgbClr val="FF0000"/>
+                </a:solidFill>
+              </a:rPr>
+              <a:t>/</a:t>
+            </a:r>
+            <a:r>
+              <a:rPr kumimoji="1" lang="en-US" altLang="ja-JP" dirty="0" err="1">
+                <a:solidFill>
+                  <a:srgbClr val="FF0000"/>
+                </a:solidFill>
+              </a:rPr>
+              <a:t>EHsc</a:t>
+            </a:r>
+            <a:r>
+              <a:rPr kumimoji="1" lang="en-US" altLang="ja-JP" dirty="0"/>
+              <a:t> main.cpp car.cpp ambulance.cpp</a:t>
+            </a:r>
+            <a:br>
+              <a:rPr kumimoji="1" lang="en-US" altLang="ja-JP" sz="4400" dirty="0"/>
+            </a:br>
+            <a:r>
+              <a:rPr kumimoji="1" lang="ja-JP" altLang="en-US" sz="4400" dirty="0"/>
+              <a:t>　　　　　　　　　　　　</a:t>
+            </a:r>
+            <a:r>
+              <a:rPr lang="en-US" altLang="ja-JP" sz="2800" dirty="0">
+                <a:solidFill>
+                  <a:srgbClr val="00B050"/>
+                </a:solidFill>
+              </a:rPr>
+              <a:t>※</a:t>
+            </a:r>
+            <a:r>
+              <a:rPr lang="ja-JP" altLang="en-US" sz="2800" dirty="0">
+                <a:solidFill>
+                  <a:srgbClr val="00B050"/>
+                </a:solidFill>
+              </a:rPr>
+              <a:t>すべての</a:t>
+            </a:r>
+            <a:r>
+              <a:rPr lang="en-US" altLang="ja-JP" sz="2800" dirty="0" err="1">
+                <a:solidFill>
+                  <a:srgbClr val="00B050"/>
+                </a:solidFill>
+              </a:rPr>
+              <a:t>cpp</a:t>
+            </a:r>
+            <a:r>
+              <a:rPr lang="ja-JP" altLang="en-US" sz="2800" dirty="0">
+                <a:solidFill>
+                  <a:srgbClr val="00B050"/>
+                </a:solidFill>
+              </a:rPr>
+              <a:t>ファイルを列挙してください</a:t>
+            </a:r>
+            <a:br>
+              <a:rPr lang="en-US" altLang="ja-JP" sz="2800" dirty="0">
+                <a:solidFill>
+                  <a:srgbClr val="00B050"/>
+                </a:solidFill>
+              </a:rPr>
+            </a:br>
+            <a:br>
+              <a:rPr lang="en-US" altLang="ja-JP" dirty="0"/>
+            </a:br>
+            <a:r>
+              <a:rPr lang="ja-JP" altLang="en-US" dirty="0"/>
+              <a:t>成功したら、</a:t>
+            </a:r>
+            <a:r>
+              <a:rPr lang="en-US" altLang="ja-JP" dirty="0"/>
+              <a:t>main.exe</a:t>
+            </a:r>
+            <a:r>
+              <a:rPr lang="ja-JP" altLang="en-US" dirty="0"/>
+              <a:t>を実行して結果を確認</a:t>
+            </a:r>
+            <a:endParaRPr kumimoji="1" lang="ja-JP" altLang="en-US" dirty="0"/>
+          </a:p>
+        </p:txBody>
+      </p:sp>
+    </p:spTree>
+    <p:extLst>
+      <p:ext uri="{BB962C8B-B14F-4D97-AF65-F5344CB8AC3E}">
+        <p14:creationId xmlns:p14="http://schemas.microsoft.com/office/powerpoint/2010/main" val="1304145244"/>
       </p:ext>
     </p:extLst>
   </p:cSld>

--- a/授業資料/講義資料：継承とポリモーフィズム.pptx
+++ b/授業資料/講義資料：継承とポリモーフィズム.pptx
@@ -27,7 +27,10 @@
     <p:sldId id="336" r:id="rId21"/>
     <p:sldId id="337" r:id="rId22"/>
     <p:sldId id="340" r:id="rId23"/>
-    <p:sldId id="339" r:id="rId24"/>
+    <p:sldId id="341" r:id="rId24"/>
+    <p:sldId id="339" r:id="rId25"/>
+    <p:sldId id="342" r:id="rId26"/>
+    <p:sldId id="343" r:id="rId27"/>
   </p:sldIdLst>
   <p:sldSz cx="12192000" cy="6858000"/>
   <p:notesSz cx="6858000" cy="9144000"/>
@@ -7352,6 +7355,80 @@
           </a:p>
         </p:txBody>
       </p:sp>
+      <p:pic>
+        <p:nvPicPr>
+          <p:cNvPr id="3" name="図 2">
+            <a:extLst>
+              <a:ext uri="{FF2B5EF4-FFF2-40B4-BE49-F238E27FC236}">
+                <a16:creationId xmlns:a16="http://schemas.microsoft.com/office/drawing/2014/main" id="{066E89D3-E587-129A-FC07-83E027AB85CA}"/>
+              </a:ext>
+            </a:extLst>
+          </p:cNvPr>
+          <p:cNvPicPr>
+            <a:picLocks noChangeAspect="1"/>
+          </p:cNvPicPr>
+          <p:nvPr/>
+        </p:nvPicPr>
+        <p:blipFill>
+          <a:blip r:embed="rId2">
+            <a:lum bright="70000" contrast="-70000"/>
+            <a:extLst>
+              <a:ext uri="{28A0092B-C50C-407E-A947-70E740481C1C}">
+                <a14:useLocalDpi xmlns:a14="http://schemas.microsoft.com/office/drawing/2010/main" val="0"/>
+              </a:ext>
+            </a:extLst>
+          </a:blip>
+          <a:stretch>
+            <a:fillRect/>
+          </a:stretch>
+        </p:blipFill>
+        <p:spPr>
+          <a:xfrm flipH="1">
+            <a:off x="10265730" y="2501010"/>
+            <a:ext cx="1422634" cy="948252"/>
+          </a:xfrm>
+          <a:prstGeom prst="rect">
+            <a:avLst/>
+          </a:prstGeom>
+        </p:spPr>
+      </p:pic>
+      <p:pic>
+        <p:nvPicPr>
+          <p:cNvPr id="5" name="図 4">
+            <a:extLst>
+              <a:ext uri="{FF2B5EF4-FFF2-40B4-BE49-F238E27FC236}">
+                <a16:creationId xmlns:a16="http://schemas.microsoft.com/office/drawing/2014/main" id="{71A93E99-4A54-0256-BE75-9128492A9ED5}"/>
+              </a:ext>
+            </a:extLst>
+          </p:cNvPr>
+          <p:cNvPicPr>
+            <a:picLocks noChangeAspect="1"/>
+          </p:cNvPicPr>
+          <p:nvPr/>
+        </p:nvPicPr>
+        <p:blipFill>
+          <a:blip r:embed="rId3">
+            <a:lum bright="70000" contrast="-70000"/>
+            <a:extLst>
+              <a:ext uri="{28A0092B-C50C-407E-A947-70E740481C1C}">
+                <a14:useLocalDpi xmlns:a14="http://schemas.microsoft.com/office/drawing/2010/main" val="0"/>
+              </a:ext>
+            </a:extLst>
+          </a:blip>
+          <a:stretch>
+            <a:fillRect/>
+          </a:stretch>
+        </p:blipFill>
+        <p:spPr>
+          <a:xfrm>
+            <a:off x="3693939" y="1710011"/>
+            <a:ext cx="1627324" cy="661853"/>
+          </a:xfrm>
+          <a:prstGeom prst="rect">
+            <a:avLst/>
+          </a:prstGeom>
+        </p:spPr>
+      </p:pic>
     </p:spTree>
     <p:extLst>
       <p:ext uri="{BB962C8B-B14F-4D97-AF65-F5344CB8AC3E}">
@@ -7916,6 +7993,80 @@
           </a:p>
         </p:txBody>
       </p:sp>
+      <p:pic>
+        <p:nvPicPr>
+          <p:cNvPr id="3" name="図 2">
+            <a:extLst>
+              <a:ext uri="{FF2B5EF4-FFF2-40B4-BE49-F238E27FC236}">
+                <a16:creationId xmlns:a16="http://schemas.microsoft.com/office/drawing/2014/main" id="{8B96256D-4359-EB01-313B-48D51A684FAD}"/>
+              </a:ext>
+            </a:extLst>
+          </p:cNvPr>
+          <p:cNvPicPr>
+            <a:picLocks noChangeAspect="1"/>
+          </p:cNvPicPr>
+          <p:nvPr/>
+        </p:nvPicPr>
+        <p:blipFill>
+          <a:blip r:embed="rId2">
+            <a:lum bright="70000" contrast="-70000"/>
+            <a:extLst>
+              <a:ext uri="{28A0092B-C50C-407E-A947-70E740481C1C}">
+                <a14:useLocalDpi xmlns:a14="http://schemas.microsoft.com/office/drawing/2010/main" val="0"/>
+              </a:ext>
+            </a:extLst>
+          </a:blip>
+          <a:stretch>
+            <a:fillRect/>
+          </a:stretch>
+        </p:blipFill>
+        <p:spPr>
+          <a:xfrm flipH="1">
+            <a:off x="10317108" y="4614209"/>
+            <a:ext cx="1422634" cy="948252"/>
+          </a:xfrm>
+          <a:prstGeom prst="rect">
+            <a:avLst/>
+          </a:prstGeom>
+        </p:spPr>
+      </p:pic>
+      <p:pic>
+        <p:nvPicPr>
+          <p:cNvPr id="5" name="図 4">
+            <a:extLst>
+              <a:ext uri="{FF2B5EF4-FFF2-40B4-BE49-F238E27FC236}">
+                <a16:creationId xmlns:a16="http://schemas.microsoft.com/office/drawing/2014/main" id="{CD0E4244-C9B9-3CF0-9C7E-0F77038628D8}"/>
+              </a:ext>
+            </a:extLst>
+          </p:cNvPr>
+          <p:cNvPicPr>
+            <a:picLocks noChangeAspect="1"/>
+          </p:cNvPicPr>
+          <p:nvPr/>
+        </p:nvPicPr>
+        <p:blipFill>
+          <a:blip r:embed="rId3">
+            <a:lum bright="70000" contrast="-70000"/>
+            <a:extLst>
+              <a:ext uri="{28A0092B-C50C-407E-A947-70E740481C1C}">
+                <a14:useLocalDpi xmlns:a14="http://schemas.microsoft.com/office/drawing/2010/main" val="0"/>
+              </a:ext>
+            </a:extLst>
+          </a:blip>
+          <a:stretch>
+            <a:fillRect/>
+          </a:stretch>
+        </p:blipFill>
+        <p:spPr>
+          <a:xfrm>
+            <a:off x="3509122" y="4829297"/>
+            <a:ext cx="1627324" cy="661853"/>
+          </a:xfrm>
+          <a:prstGeom prst="rect">
+            <a:avLst/>
+          </a:prstGeom>
+        </p:spPr>
+      </p:pic>
     </p:spTree>
     <p:extLst>
       <p:ext uri="{BB962C8B-B14F-4D97-AF65-F5344CB8AC3E}">
@@ -8996,7 +9147,7 @@
               <a:t>アクセス指定子　</a:t>
             </a:r>
             <a:r>
-              <a:rPr lang="en-US" altLang="ja-JP" b="1" u="sng" dirty="0">
+              <a:rPr lang="en-US" altLang="ja-JP" sz="4400" b="1" u="sng" dirty="0">
                 <a:solidFill>
                   <a:srgbClr val="00B0F0"/>
                 </a:solidFill>
@@ -9123,6 +9274,860 @@
           <p:cNvPr id="2" name="タイトル 1">
             <a:extLst>
               <a:ext uri="{FF2B5EF4-FFF2-40B4-BE49-F238E27FC236}">
+                <a16:creationId xmlns:a16="http://schemas.microsoft.com/office/drawing/2014/main" id="{F11F3668-F205-48C5-AC01-19611EFE561B}"/>
+              </a:ext>
+            </a:extLst>
+          </p:cNvPr>
+          <p:cNvSpPr>
+            <a:spLocks noGrp="1"/>
+          </p:cNvSpPr>
+          <p:nvPr>
+            <p:ph type="title"/>
+          </p:nvPr>
+        </p:nvSpPr>
+        <p:spPr/>
+        <p:txBody>
+          <a:bodyPr/>
+          <a:lstStyle/>
+          <a:p>
+            <a:r>
+              <a:rPr kumimoji="1" lang="ja-JP" altLang="en-US" dirty="0"/>
+              <a:t>継承の特徴</a:t>
+            </a:r>
+          </a:p>
+        </p:txBody>
+      </p:sp>
+      <p:sp>
+        <p:nvSpPr>
+          <p:cNvPr id="4" name="テキスト ボックス 3">
+            <a:extLst>
+              <a:ext uri="{FF2B5EF4-FFF2-40B4-BE49-F238E27FC236}">
+                <a16:creationId xmlns:a16="http://schemas.microsoft.com/office/drawing/2014/main" id="{A0181624-1735-4D7F-B02F-04180A699410}"/>
+              </a:ext>
+            </a:extLst>
+          </p:cNvPr>
+          <p:cNvSpPr txBox="1"/>
+          <p:nvPr/>
+        </p:nvSpPr>
+        <p:spPr>
+          <a:xfrm>
+            <a:off x="901920" y="1608833"/>
+            <a:ext cx="4488729" cy="5078313"/>
+          </a:xfrm>
+          <a:prstGeom prst="rect">
+            <a:avLst/>
+          </a:prstGeom>
+        </p:spPr>
+        <p:style>
+          <a:lnRef idx="1">
+            <a:schemeClr val="accent2"/>
+          </a:lnRef>
+          <a:fillRef idx="3">
+            <a:schemeClr val="accent2"/>
+          </a:fillRef>
+          <a:effectRef idx="2">
+            <a:schemeClr val="accent2"/>
+          </a:effectRef>
+          <a:fontRef idx="minor">
+            <a:schemeClr val="lt1"/>
+          </a:fontRef>
+        </p:style>
+        <p:txBody>
+          <a:bodyPr wrap="none" rtlCol="0">
+            <a:spAutoFit/>
+          </a:bodyPr>
+          <a:lstStyle/>
+          <a:p>
+            <a:r>
+              <a:rPr kumimoji="1" lang="en-US" altLang="ja-JP" sz="3600" b="1" dirty="0"/>
+              <a:t>Car</a:t>
+            </a:r>
+            <a:r>
+              <a:rPr kumimoji="1" lang="ja-JP" altLang="en-US" sz="3600" dirty="0"/>
+              <a:t>クラス</a:t>
+            </a:r>
+            <a:endParaRPr kumimoji="1" lang="en-US" altLang="ja-JP" sz="3600" dirty="0"/>
+          </a:p>
+          <a:p>
+            <a:r>
+              <a:rPr kumimoji="1" lang="en-US" altLang="ja-JP" sz="3600" dirty="0">
+                <a:solidFill>
+                  <a:srgbClr val="FFFF00"/>
+                </a:solidFill>
+              </a:rPr>
+              <a:t>protected:</a:t>
+            </a:r>
+          </a:p>
+          <a:p>
+            <a:r>
+              <a:rPr kumimoji="1" lang="ja-JP" altLang="en-US" sz="3600" dirty="0">
+                <a:solidFill>
+                  <a:srgbClr val="FFFF00"/>
+                </a:solidFill>
+              </a:rPr>
+              <a:t>　</a:t>
+            </a:r>
+            <a:r>
+              <a:rPr kumimoji="1" lang="en-US" altLang="ja-JP" sz="3600" dirty="0" err="1">
+                <a:solidFill>
+                  <a:srgbClr val="FFFF00"/>
+                </a:solidFill>
+              </a:rPr>
+              <a:t>m_migration</a:t>
+            </a:r>
+            <a:endParaRPr kumimoji="1" lang="ja-JP" altLang="en-US" sz="3600" dirty="0">
+              <a:solidFill>
+                <a:srgbClr val="FFFF00"/>
+              </a:solidFill>
+            </a:endParaRPr>
+          </a:p>
+          <a:p>
+            <a:r>
+              <a:rPr kumimoji="1" lang="en-US" altLang="ja-JP" sz="3600" dirty="0"/>
+              <a:t>public:</a:t>
+            </a:r>
+          </a:p>
+          <a:p>
+            <a:r>
+              <a:rPr kumimoji="1" lang="en-US" altLang="ja-JP" sz="3600" dirty="0"/>
+              <a:t> </a:t>
+            </a:r>
+            <a:r>
+              <a:rPr kumimoji="1" lang="en-US" altLang="ja-JP" sz="3600" dirty="0" err="1"/>
+              <a:t>setSpeed</a:t>
+            </a:r>
+            <a:r>
+              <a:rPr kumimoji="1" lang="en-US" altLang="ja-JP" sz="3600" dirty="0"/>
+              <a:t>()</a:t>
+            </a:r>
+          </a:p>
+          <a:p>
+            <a:r>
+              <a:rPr kumimoji="1" lang="en-US" altLang="ja-JP" sz="3600" dirty="0"/>
+              <a:t> </a:t>
+            </a:r>
+            <a:r>
+              <a:rPr kumimoji="1" lang="en-US" altLang="ja-JP" sz="3600" dirty="0" err="1"/>
+              <a:t>getMigration</a:t>
+            </a:r>
+            <a:r>
+              <a:rPr kumimoji="1" lang="en-US" altLang="ja-JP" sz="3600" dirty="0"/>
+              <a:t>()</a:t>
+            </a:r>
+            <a:br>
+              <a:rPr kumimoji="1" lang="en-US" altLang="ja-JP" sz="3600" dirty="0"/>
+            </a:br>
+            <a:r>
+              <a:rPr kumimoji="1" lang="en-US" altLang="ja-JP" sz="3600" dirty="0"/>
+              <a:t> drive()</a:t>
+            </a:r>
+          </a:p>
+          <a:p>
+            <a:r>
+              <a:rPr kumimoji="1" lang="en-US" altLang="ja-JP" sz="3600" dirty="0">
+                <a:solidFill>
+                  <a:schemeClr val="tx1"/>
+                </a:solidFill>
+              </a:rPr>
+              <a:t>private:</a:t>
+            </a:r>
+          </a:p>
+          <a:p>
+            <a:r>
+              <a:rPr kumimoji="1" lang="en-US" altLang="ja-JP" sz="3600" dirty="0">
+                <a:solidFill>
+                  <a:schemeClr val="tx1"/>
+                </a:solidFill>
+              </a:rPr>
+              <a:t> </a:t>
+            </a:r>
+            <a:r>
+              <a:rPr kumimoji="1" lang="en-US" altLang="ja-JP" sz="3600" dirty="0" err="1">
+                <a:solidFill>
+                  <a:schemeClr val="tx1"/>
+                </a:solidFill>
+              </a:rPr>
+              <a:t>m_speed</a:t>
+            </a:r>
+            <a:endParaRPr kumimoji="1" lang="en-US" altLang="ja-JP" sz="3600" dirty="0">
+              <a:solidFill>
+                <a:schemeClr val="tx1"/>
+              </a:solidFill>
+            </a:endParaRPr>
+          </a:p>
+        </p:txBody>
+      </p:sp>
+      <p:grpSp>
+        <p:nvGrpSpPr>
+          <p:cNvPr id="9" name="グループ化 8">
+            <a:extLst>
+              <a:ext uri="{FF2B5EF4-FFF2-40B4-BE49-F238E27FC236}">
+                <a16:creationId xmlns:a16="http://schemas.microsoft.com/office/drawing/2014/main" id="{F2000584-CF5E-4431-B6E8-DD854DE61D84}"/>
+              </a:ext>
+            </a:extLst>
+          </p:cNvPr>
+          <p:cNvGrpSpPr/>
+          <p:nvPr/>
+        </p:nvGrpSpPr>
+        <p:grpSpPr>
+          <a:xfrm>
+            <a:off x="7342094" y="2426174"/>
+            <a:ext cx="4488729" cy="4410117"/>
+            <a:chOff x="6956611" y="958927"/>
+            <a:chExt cx="4488729" cy="1096130"/>
+          </a:xfrm>
+        </p:grpSpPr>
+        <p:sp>
+          <p:nvSpPr>
+            <p:cNvPr id="8" name="四角形: 角を丸くする 7">
+              <a:extLst>
+                <a:ext uri="{FF2B5EF4-FFF2-40B4-BE49-F238E27FC236}">
+                  <a16:creationId xmlns:a16="http://schemas.microsoft.com/office/drawing/2014/main" id="{781522BF-2D76-49F3-9C83-87FAD2F28FFD}"/>
+                </a:ext>
+              </a:extLst>
+            </p:cNvPr>
+            <p:cNvSpPr/>
+            <p:nvPr/>
+          </p:nvSpPr>
+          <p:spPr>
+            <a:xfrm>
+              <a:off x="6956611" y="958927"/>
+              <a:ext cx="4488729" cy="1096130"/>
+            </a:xfrm>
+            <a:prstGeom prst="roundRect">
+              <a:avLst/>
+            </a:prstGeom>
+          </p:spPr>
+          <p:style>
+            <a:lnRef idx="2">
+              <a:schemeClr val="accent1">
+                <a:shade val="50000"/>
+              </a:schemeClr>
+            </a:lnRef>
+            <a:fillRef idx="1">
+              <a:schemeClr val="accent1"/>
+            </a:fillRef>
+            <a:effectRef idx="0">
+              <a:schemeClr val="accent1"/>
+            </a:effectRef>
+            <a:fontRef idx="minor">
+              <a:schemeClr val="lt1"/>
+            </a:fontRef>
+          </p:style>
+          <p:txBody>
+            <a:bodyPr rtlCol="0" anchor="ctr"/>
+            <a:lstStyle/>
+            <a:p>
+              <a:pPr algn="ctr"/>
+              <a:endParaRPr kumimoji="1" lang="ja-JP" altLang="en-US"/>
+            </a:p>
+          </p:txBody>
+        </p:sp>
+        <p:sp>
+          <p:nvSpPr>
+            <p:cNvPr id="7" name="テキスト ボックス 6">
+              <a:extLst>
+                <a:ext uri="{FF2B5EF4-FFF2-40B4-BE49-F238E27FC236}">
+                  <a16:creationId xmlns:a16="http://schemas.microsoft.com/office/drawing/2014/main" id="{072E82ED-0B33-449D-952E-6FFB4F63CDB1}"/>
+                </a:ext>
+              </a:extLst>
+            </p:cNvPr>
+            <p:cNvSpPr txBox="1"/>
+            <p:nvPr/>
+          </p:nvSpPr>
+          <p:spPr>
+            <a:xfrm>
+              <a:off x="7261413" y="1387875"/>
+              <a:ext cx="4129657" cy="204063"/>
+            </a:xfrm>
+            <a:prstGeom prst="rect">
+              <a:avLst/>
+            </a:prstGeom>
+            <a:noFill/>
+          </p:spPr>
+          <p:txBody>
+            <a:bodyPr wrap="none" rtlCol="0">
+              <a:spAutoFit/>
+            </a:bodyPr>
+            <a:lstStyle/>
+            <a:p>
+              <a:r>
+                <a:rPr kumimoji="1" lang="en-US" altLang="ja-JP" sz="3600" b="1" dirty="0">
+                  <a:solidFill>
+                    <a:schemeClr val="bg1"/>
+                  </a:solidFill>
+                </a:rPr>
+                <a:t>Ambulance</a:t>
+              </a:r>
+              <a:r>
+                <a:rPr kumimoji="1" lang="ja-JP" altLang="en-US" sz="3600" dirty="0">
+                  <a:solidFill>
+                    <a:schemeClr val="bg1"/>
+                  </a:solidFill>
+                </a:rPr>
+                <a:t>クラス</a:t>
+              </a:r>
+              <a:endParaRPr kumimoji="1" lang="en-US" altLang="ja-JP" sz="3600" dirty="0">
+                <a:solidFill>
+                  <a:schemeClr val="bg1"/>
+                </a:solidFill>
+              </a:endParaRPr>
+            </a:p>
+          </p:txBody>
+        </p:sp>
+      </p:grpSp>
+      <p:sp>
+        <p:nvSpPr>
+          <p:cNvPr id="10" name="矢印: 右 9">
+            <a:extLst>
+              <a:ext uri="{FF2B5EF4-FFF2-40B4-BE49-F238E27FC236}">
+                <a16:creationId xmlns:a16="http://schemas.microsoft.com/office/drawing/2014/main" id="{BBD23D3A-3A3D-4BF4-BD6D-71A42084476F}"/>
+              </a:ext>
+            </a:extLst>
+          </p:cNvPr>
+          <p:cNvSpPr/>
+          <p:nvPr/>
+        </p:nvSpPr>
+        <p:spPr>
+          <a:xfrm flipH="1">
+            <a:off x="4380015" y="3964747"/>
+            <a:ext cx="2907809" cy="374472"/>
+          </a:xfrm>
+          <a:prstGeom prst="rightArrow">
+            <a:avLst/>
+          </a:prstGeom>
+        </p:spPr>
+        <p:style>
+          <a:lnRef idx="3">
+            <a:schemeClr val="lt1"/>
+          </a:lnRef>
+          <a:fillRef idx="1">
+            <a:schemeClr val="accent1"/>
+          </a:fillRef>
+          <a:effectRef idx="1">
+            <a:schemeClr val="accent1"/>
+          </a:effectRef>
+          <a:fontRef idx="minor">
+            <a:schemeClr val="lt1"/>
+          </a:fontRef>
+        </p:style>
+        <p:txBody>
+          <a:bodyPr rtlCol="0" anchor="ctr"/>
+          <a:lstStyle/>
+          <a:p>
+            <a:pPr algn="ctr"/>
+            <a:endParaRPr kumimoji="1" lang="ja-JP" altLang="en-US"/>
+          </a:p>
+        </p:txBody>
+      </p:sp>
+      <p:sp>
+        <p:nvSpPr>
+          <p:cNvPr id="11" name="矢印: 右 10">
+            <a:extLst>
+              <a:ext uri="{FF2B5EF4-FFF2-40B4-BE49-F238E27FC236}">
+                <a16:creationId xmlns:a16="http://schemas.microsoft.com/office/drawing/2014/main" id="{6E4CF149-B49A-4220-95B2-030C9A139F55}"/>
+              </a:ext>
+            </a:extLst>
+          </p:cNvPr>
+          <p:cNvSpPr/>
+          <p:nvPr/>
+        </p:nvSpPr>
+        <p:spPr>
+          <a:xfrm flipH="1">
+            <a:off x="5285450" y="4510421"/>
+            <a:ext cx="2002373" cy="374472"/>
+          </a:xfrm>
+          <a:prstGeom prst="rightArrow">
+            <a:avLst/>
+          </a:prstGeom>
+        </p:spPr>
+        <p:style>
+          <a:lnRef idx="3">
+            <a:schemeClr val="lt1"/>
+          </a:lnRef>
+          <a:fillRef idx="1">
+            <a:schemeClr val="accent1"/>
+          </a:fillRef>
+          <a:effectRef idx="1">
+            <a:schemeClr val="accent1"/>
+          </a:effectRef>
+          <a:fontRef idx="minor">
+            <a:schemeClr val="lt1"/>
+          </a:fontRef>
+        </p:style>
+        <p:txBody>
+          <a:bodyPr rtlCol="0" anchor="ctr"/>
+          <a:lstStyle/>
+          <a:p>
+            <a:pPr algn="ctr"/>
+            <a:endParaRPr kumimoji="1" lang="ja-JP" altLang="en-US"/>
+          </a:p>
+        </p:txBody>
+      </p:sp>
+      <p:sp>
+        <p:nvSpPr>
+          <p:cNvPr id="12" name="矢印: 右 11">
+            <a:extLst>
+              <a:ext uri="{FF2B5EF4-FFF2-40B4-BE49-F238E27FC236}">
+                <a16:creationId xmlns:a16="http://schemas.microsoft.com/office/drawing/2014/main" id="{DC8F1532-27F2-4B70-BF60-EFFC6C2412F4}"/>
+              </a:ext>
+            </a:extLst>
+          </p:cNvPr>
+          <p:cNvSpPr/>
+          <p:nvPr/>
+        </p:nvSpPr>
+        <p:spPr>
+          <a:xfrm flipH="1">
+            <a:off x="3469906" y="6136032"/>
+            <a:ext cx="3817916" cy="374472"/>
+          </a:xfrm>
+          <a:prstGeom prst="rightArrow">
+            <a:avLst/>
+          </a:prstGeom>
+        </p:spPr>
+        <p:style>
+          <a:lnRef idx="3">
+            <a:schemeClr val="lt1"/>
+          </a:lnRef>
+          <a:fillRef idx="1">
+            <a:schemeClr val="accent1"/>
+          </a:fillRef>
+          <a:effectRef idx="1">
+            <a:schemeClr val="accent1"/>
+          </a:effectRef>
+          <a:fontRef idx="minor">
+            <a:schemeClr val="lt1"/>
+          </a:fontRef>
+        </p:style>
+        <p:txBody>
+          <a:bodyPr rtlCol="0" anchor="ctr"/>
+          <a:lstStyle/>
+          <a:p>
+            <a:pPr algn="ctr"/>
+            <a:endParaRPr kumimoji="1" lang="ja-JP" altLang="en-US"/>
+          </a:p>
+        </p:txBody>
+      </p:sp>
+      <p:sp>
+        <p:nvSpPr>
+          <p:cNvPr id="15" name="矢印: 右 14">
+            <a:extLst>
+              <a:ext uri="{FF2B5EF4-FFF2-40B4-BE49-F238E27FC236}">
+                <a16:creationId xmlns:a16="http://schemas.microsoft.com/office/drawing/2014/main" id="{7EFDF679-0586-44A9-8C17-FB5C0B459680}"/>
+              </a:ext>
+            </a:extLst>
+          </p:cNvPr>
+          <p:cNvSpPr/>
+          <p:nvPr/>
+        </p:nvSpPr>
+        <p:spPr>
+          <a:xfrm flipH="1">
+            <a:off x="3377396" y="5050376"/>
+            <a:ext cx="3910425" cy="374472"/>
+          </a:xfrm>
+          <a:prstGeom prst="rightArrow">
+            <a:avLst/>
+          </a:prstGeom>
+        </p:spPr>
+        <p:style>
+          <a:lnRef idx="3">
+            <a:schemeClr val="lt1"/>
+          </a:lnRef>
+          <a:fillRef idx="1">
+            <a:schemeClr val="accent1"/>
+          </a:fillRef>
+          <a:effectRef idx="1">
+            <a:schemeClr val="accent1"/>
+          </a:effectRef>
+          <a:fontRef idx="minor">
+            <a:schemeClr val="lt1"/>
+          </a:fontRef>
+        </p:style>
+        <p:txBody>
+          <a:bodyPr rtlCol="0" anchor="ctr"/>
+          <a:lstStyle/>
+          <a:p>
+            <a:pPr algn="ctr"/>
+            <a:endParaRPr kumimoji="1" lang="ja-JP" altLang="en-US"/>
+          </a:p>
+        </p:txBody>
+      </p:sp>
+      <p:sp>
+        <p:nvSpPr>
+          <p:cNvPr id="14" name="円: 塗りつぶしなし 13">
+            <a:extLst>
+              <a:ext uri="{FF2B5EF4-FFF2-40B4-BE49-F238E27FC236}">
+                <a16:creationId xmlns:a16="http://schemas.microsoft.com/office/drawing/2014/main" id="{5D8616B5-19CC-4EF2-832F-B75A88F35F36}"/>
+              </a:ext>
+            </a:extLst>
+          </p:cNvPr>
+          <p:cNvSpPr/>
+          <p:nvPr/>
+        </p:nvSpPr>
+        <p:spPr>
+          <a:xfrm>
+            <a:off x="5844613" y="4109075"/>
+            <a:ext cx="1107485" cy="1107485"/>
+          </a:xfrm>
+          <a:prstGeom prst="donut">
+            <a:avLst>
+              <a:gd name="adj" fmla="val 9960"/>
+            </a:avLst>
+          </a:prstGeom>
+          <a:solidFill>
+            <a:srgbClr val="00B050"/>
+          </a:solidFill>
+          <a:ln>
+            <a:solidFill>
+              <a:schemeClr val="bg1"/>
+            </a:solidFill>
+          </a:ln>
+        </p:spPr>
+        <p:style>
+          <a:lnRef idx="2">
+            <a:schemeClr val="accent1">
+              <a:shade val="50000"/>
+            </a:schemeClr>
+          </a:lnRef>
+          <a:fillRef idx="1">
+            <a:schemeClr val="accent1"/>
+          </a:fillRef>
+          <a:effectRef idx="0">
+            <a:schemeClr val="accent1"/>
+          </a:effectRef>
+          <a:fontRef idx="minor">
+            <a:schemeClr val="lt1"/>
+          </a:fontRef>
+        </p:style>
+        <p:txBody>
+          <a:bodyPr rtlCol="0" anchor="ctr"/>
+          <a:lstStyle/>
+          <a:p>
+            <a:pPr algn="ctr"/>
+            <a:endParaRPr kumimoji="1" lang="ja-JP" altLang="en-US">
+              <a:solidFill>
+                <a:schemeClr val="tx1"/>
+              </a:solidFill>
+            </a:endParaRPr>
+          </a:p>
+        </p:txBody>
+      </p:sp>
+      <p:sp>
+        <p:nvSpPr>
+          <p:cNvPr id="17" name="テキスト ボックス 16">
+            <a:extLst>
+              <a:ext uri="{FF2B5EF4-FFF2-40B4-BE49-F238E27FC236}">
+                <a16:creationId xmlns:a16="http://schemas.microsoft.com/office/drawing/2014/main" id="{B3D786E5-5AA8-4332-A308-90722B5E310D}"/>
+              </a:ext>
+            </a:extLst>
+          </p:cNvPr>
+          <p:cNvSpPr txBox="1"/>
+          <p:nvPr/>
+        </p:nvSpPr>
+        <p:spPr>
+          <a:xfrm>
+            <a:off x="5643568" y="1229800"/>
+            <a:ext cx="5936240" cy="954107"/>
+          </a:xfrm>
+          <a:prstGeom prst="rect">
+            <a:avLst/>
+          </a:prstGeom>
+          <a:noFill/>
+        </p:spPr>
+        <p:txBody>
+          <a:bodyPr wrap="none" rtlCol="0">
+            <a:spAutoFit/>
+          </a:bodyPr>
+          <a:lstStyle/>
+          <a:p>
+            <a:r>
+              <a:rPr kumimoji="1" lang="en-US" altLang="ja-JP" sz="2800" dirty="0"/>
+              <a:t>protected</a:t>
+            </a:r>
+            <a:r>
+              <a:rPr kumimoji="1" lang="ja-JP" altLang="en-US" sz="2800" dirty="0"/>
+              <a:t>なメンバは子クラスから</a:t>
+            </a:r>
+            <a:endParaRPr kumimoji="1" lang="en-US" altLang="ja-JP" sz="2800" dirty="0"/>
+          </a:p>
+          <a:p>
+            <a:r>
+              <a:rPr kumimoji="1" lang="ja-JP" altLang="en-US" sz="2800" dirty="0"/>
+              <a:t>直接メンバを指定して使用できる</a:t>
+            </a:r>
+            <a:endParaRPr kumimoji="1" lang="en-US" altLang="ja-JP" sz="2800" dirty="0"/>
+          </a:p>
+        </p:txBody>
+      </p:sp>
+      <p:sp>
+        <p:nvSpPr>
+          <p:cNvPr id="18" name="矢印: 右 17">
+            <a:extLst>
+              <a:ext uri="{FF2B5EF4-FFF2-40B4-BE49-F238E27FC236}">
+                <a16:creationId xmlns:a16="http://schemas.microsoft.com/office/drawing/2014/main" id="{F74BE713-57EB-4DDB-A0D9-C099D73103ED}"/>
+              </a:ext>
+            </a:extLst>
+          </p:cNvPr>
+          <p:cNvSpPr/>
+          <p:nvPr/>
+        </p:nvSpPr>
+        <p:spPr>
+          <a:xfrm flipH="1">
+            <a:off x="4519847" y="2884810"/>
+            <a:ext cx="2759225" cy="374472"/>
+          </a:xfrm>
+          <a:prstGeom prst="rightArrow">
+            <a:avLst/>
+          </a:prstGeom>
+        </p:spPr>
+        <p:style>
+          <a:lnRef idx="3">
+            <a:schemeClr val="lt1"/>
+          </a:lnRef>
+          <a:fillRef idx="1">
+            <a:schemeClr val="accent1"/>
+          </a:fillRef>
+          <a:effectRef idx="1">
+            <a:schemeClr val="accent1"/>
+          </a:effectRef>
+          <a:fontRef idx="minor">
+            <a:schemeClr val="lt1"/>
+          </a:fontRef>
+        </p:style>
+        <p:txBody>
+          <a:bodyPr rtlCol="0" anchor="ctr"/>
+          <a:lstStyle/>
+          <a:p>
+            <a:pPr algn="ctr"/>
+            <a:endParaRPr kumimoji="1" lang="ja-JP" altLang="en-US"/>
+          </a:p>
+        </p:txBody>
+      </p:sp>
+      <p:sp>
+        <p:nvSpPr>
+          <p:cNvPr id="13" name="乗算記号 12">
+            <a:extLst>
+              <a:ext uri="{FF2B5EF4-FFF2-40B4-BE49-F238E27FC236}">
+                <a16:creationId xmlns:a16="http://schemas.microsoft.com/office/drawing/2014/main" id="{90BFA1CF-AFE4-42C4-8646-2B69C9566F62}"/>
+              </a:ext>
+            </a:extLst>
+          </p:cNvPr>
+          <p:cNvSpPr/>
+          <p:nvPr/>
+        </p:nvSpPr>
+        <p:spPr>
+          <a:xfrm>
+            <a:off x="5539383" y="5484031"/>
+            <a:ext cx="1676667" cy="1676667"/>
+          </a:xfrm>
+          <a:prstGeom prst="mathMultiply">
+            <a:avLst>
+              <a:gd name="adj1" fmla="val 7070"/>
+            </a:avLst>
+          </a:prstGeom>
+          <a:solidFill>
+            <a:srgbClr val="FF0000"/>
+          </a:solidFill>
+          <a:ln>
+            <a:solidFill>
+              <a:schemeClr val="bg1"/>
+            </a:solidFill>
+          </a:ln>
+        </p:spPr>
+        <p:style>
+          <a:lnRef idx="2">
+            <a:schemeClr val="accent1">
+              <a:shade val="50000"/>
+            </a:schemeClr>
+          </a:lnRef>
+          <a:fillRef idx="1">
+            <a:schemeClr val="accent1"/>
+          </a:fillRef>
+          <a:effectRef idx="0">
+            <a:schemeClr val="accent1"/>
+          </a:effectRef>
+          <a:fontRef idx="minor">
+            <a:schemeClr val="lt1"/>
+          </a:fontRef>
+        </p:style>
+        <p:txBody>
+          <a:bodyPr rtlCol="0" anchor="ctr"/>
+          <a:lstStyle/>
+          <a:p>
+            <a:pPr algn="ctr"/>
+            <a:endParaRPr kumimoji="1" lang="ja-JP" altLang="en-US"/>
+          </a:p>
+        </p:txBody>
+      </p:sp>
+      <p:sp>
+        <p:nvSpPr>
+          <p:cNvPr id="3" name="円: 塗りつぶしなし 2">
+            <a:extLst>
+              <a:ext uri="{FF2B5EF4-FFF2-40B4-BE49-F238E27FC236}">
+                <a16:creationId xmlns:a16="http://schemas.microsoft.com/office/drawing/2014/main" id="{49E4CDA2-45E9-1450-5E38-C32FD23A374F}"/>
+              </a:ext>
+            </a:extLst>
+          </p:cNvPr>
+          <p:cNvSpPr/>
+          <p:nvPr/>
+        </p:nvSpPr>
+        <p:spPr>
+          <a:xfrm>
+            <a:off x="5899459" y="2593104"/>
+            <a:ext cx="957884" cy="957884"/>
+          </a:xfrm>
+          <a:prstGeom prst="donut">
+            <a:avLst>
+              <a:gd name="adj" fmla="val 9960"/>
+            </a:avLst>
+          </a:prstGeom>
+          <a:solidFill>
+            <a:srgbClr val="00B050"/>
+          </a:solidFill>
+          <a:ln>
+            <a:solidFill>
+              <a:schemeClr val="bg1"/>
+            </a:solidFill>
+          </a:ln>
+        </p:spPr>
+        <p:style>
+          <a:lnRef idx="2">
+            <a:schemeClr val="accent1">
+              <a:shade val="50000"/>
+            </a:schemeClr>
+          </a:lnRef>
+          <a:fillRef idx="1">
+            <a:schemeClr val="accent1"/>
+          </a:fillRef>
+          <a:effectRef idx="0">
+            <a:schemeClr val="accent1"/>
+          </a:effectRef>
+          <a:fontRef idx="minor">
+            <a:schemeClr val="lt1"/>
+          </a:fontRef>
+        </p:style>
+        <p:txBody>
+          <a:bodyPr rtlCol="0" anchor="ctr"/>
+          <a:lstStyle/>
+          <a:p>
+            <a:pPr algn="ctr"/>
+            <a:endParaRPr kumimoji="1" lang="ja-JP" altLang="en-US">
+              <a:solidFill>
+                <a:schemeClr val="tx1"/>
+              </a:solidFill>
+            </a:endParaRPr>
+          </a:p>
+        </p:txBody>
+      </p:sp>
+      <p:pic>
+        <p:nvPicPr>
+          <p:cNvPr id="5" name="図 4">
+            <a:extLst>
+              <a:ext uri="{FF2B5EF4-FFF2-40B4-BE49-F238E27FC236}">
+                <a16:creationId xmlns:a16="http://schemas.microsoft.com/office/drawing/2014/main" id="{F35FE4CB-0093-D8DA-6909-C3593D0EDAB5}"/>
+              </a:ext>
+            </a:extLst>
+          </p:cNvPr>
+          <p:cNvPicPr>
+            <a:picLocks noChangeAspect="1"/>
+          </p:cNvPicPr>
+          <p:nvPr/>
+        </p:nvPicPr>
+        <p:blipFill>
+          <a:blip r:embed="rId2">
+            <a:lum bright="70000" contrast="-70000"/>
+            <a:extLst>
+              <a:ext uri="{28A0092B-C50C-407E-A947-70E740481C1C}">
+                <a14:useLocalDpi xmlns:a14="http://schemas.microsoft.com/office/drawing/2010/main" val="0"/>
+              </a:ext>
+            </a:extLst>
+          </a:blip>
+          <a:stretch>
+            <a:fillRect/>
+          </a:stretch>
+        </p:blipFill>
+        <p:spPr>
+          <a:xfrm flipH="1">
+            <a:off x="10265730" y="2501010"/>
+            <a:ext cx="1422634" cy="948252"/>
+          </a:xfrm>
+          <a:prstGeom prst="rect">
+            <a:avLst/>
+          </a:prstGeom>
+        </p:spPr>
+      </p:pic>
+      <p:pic>
+        <p:nvPicPr>
+          <p:cNvPr id="6" name="図 5">
+            <a:extLst>
+              <a:ext uri="{FF2B5EF4-FFF2-40B4-BE49-F238E27FC236}">
+                <a16:creationId xmlns:a16="http://schemas.microsoft.com/office/drawing/2014/main" id="{35825B56-9686-6175-8DDB-09B0FF10BBDD}"/>
+              </a:ext>
+            </a:extLst>
+          </p:cNvPr>
+          <p:cNvPicPr>
+            <a:picLocks noChangeAspect="1"/>
+          </p:cNvPicPr>
+          <p:nvPr/>
+        </p:nvPicPr>
+        <p:blipFill>
+          <a:blip r:embed="rId3">
+            <a:lum bright="70000" contrast="-70000"/>
+            <a:extLst>
+              <a:ext uri="{28A0092B-C50C-407E-A947-70E740481C1C}">
+                <a14:useLocalDpi xmlns:a14="http://schemas.microsoft.com/office/drawing/2010/main" val="0"/>
+              </a:ext>
+            </a:extLst>
+          </a:blip>
+          <a:stretch>
+            <a:fillRect/>
+          </a:stretch>
+        </p:blipFill>
+        <p:spPr>
+          <a:xfrm>
+            <a:off x="3693939" y="1710011"/>
+            <a:ext cx="1627324" cy="661853"/>
+          </a:xfrm>
+          <a:prstGeom prst="rect">
+            <a:avLst/>
+          </a:prstGeom>
+        </p:spPr>
+      </p:pic>
+    </p:spTree>
+    <p:extLst>
+      <p:ext uri="{BB962C8B-B14F-4D97-AF65-F5344CB8AC3E}">
+        <p14:creationId xmlns:p14="http://schemas.microsoft.com/office/powerpoint/2010/main" val="2809790372"/>
+      </p:ext>
+    </p:extLst>
+  </p:cSld>
+  <p:clrMapOvr>
+    <a:masterClrMapping/>
+  </p:clrMapOvr>
+</p:sld>
+</file>
+
+<file path=ppt/slides/slide24.xml><?xml version="1.0" encoding="utf-8"?>
+<p:sld xmlns:a="http://schemas.openxmlformats.org/drawingml/2006/main" xmlns:r="http://schemas.openxmlformats.org/officeDocument/2006/relationships" xmlns:p="http://schemas.openxmlformats.org/presentationml/2006/main">
+  <p:cSld>
+    <p:spTree>
+      <p:nvGrpSpPr>
+        <p:cNvPr id="1" name=""/>
+        <p:cNvGrpSpPr/>
+        <p:nvPr/>
+      </p:nvGrpSpPr>
+      <p:grpSpPr>
+        <a:xfrm>
+          <a:off x="0" y="0"/>
+          <a:ext cx="0" cy="0"/>
+          <a:chOff x="0" y="0"/>
+          <a:chExt cx="0" cy="0"/>
+        </a:xfrm>
+      </p:grpSpPr>
+      <p:sp>
+        <p:nvSpPr>
+          <p:cNvPr id="2" name="タイトル 1">
+            <a:extLst>
+              <a:ext uri="{FF2B5EF4-FFF2-40B4-BE49-F238E27FC236}">
                 <a16:creationId xmlns:a16="http://schemas.microsoft.com/office/drawing/2014/main" id="{9F789731-37C4-49DD-AEE8-78E5514E279E}"/>
               </a:ext>
             </a:extLst>
@@ -9162,7 +10167,12 @@
             <p:ph idx="1"/>
           </p:nvPr>
         </p:nvSpPr>
-        <p:spPr/>
+        <p:spPr>
+          <a:xfrm>
+            <a:off x="838200" y="1376038"/>
+            <a:ext cx="10515600" cy="5374958"/>
+          </a:xfrm>
+        </p:spPr>
         <p:txBody>
           <a:bodyPr>
             <a:normAutofit/>
@@ -9174,10 +10184,10 @@
               <a:t>多重継承</a:t>
             </a:r>
             <a:br>
-              <a:rPr lang="en-US" altLang="ja-JP" b="1" u="sng" dirty="0"/>
-            </a:br>
-            <a:br>
-              <a:rPr lang="en-US" altLang="ja-JP" dirty="0"/>
+              <a:rPr lang="en-US" altLang="ja-JP" sz="1800" b="1" u="sng" dirty="0"/>
+            </a:br>
+            <a:br>
+              <a:rPr lang="en-US" altLang="ja-JP" sz="1800" dirty="0"/>
             </a:br>
             <a:r>
               <a:rPr lang="ja-JP" altLang="en-US" dirty="0"/>
@@ -9215,10 +10225,10 @@
               <a:t>という</a:t>
             </a:r>
             <a:br>
-              <a:rPr lang="en-US" altLang="ja-JP" dirty="0"/>
-            </a:br>
-            <a:br>
-              <a:rPr lang="en-US" altLang="ja-JP" dirty="0"/>
+              <a:rPr lang="en-US" altLang="ja-JP" sz="1800" dirty="0"/>
+            </a:br>
+            <a:br>
+              <a:rPr lang="en-US" altLang="ja-JP" sz="1800" dirty="0"/>
             </a:br>
             <a:r>
               <a:rPr lang="ja-JP" altLang="en-US" dirty="0"/>
@@ -9262,12 +10272,26 @@
               <a:t>ただし、非常に複雑な継承になるため、特別な場合を除いて普段の使用は</a:t>
             </a:r>
             <a:r>
-              <a:rPr lang="ja-JP" altLang="en-US" sz="3200" b="1" dirty="0"/>
+              <a:rPr lang="ja-JP" altLang="en-US" sz="3200" b="1" dirty="0">
+                <a:solidFill>
+                  <a:srgbClr val="00B0F0"/>
+                </a:solidFill>
+              </a:rPr>
               <a:t>単一継承</a:t>
             </a:r>
             <a:r>
               <a:rPr lang="ja-JP" altLang="en-US" sz="3200" dirty="0"/>
               <a:t>に留めておく</a:t>
+            </a:r>
+            <a:br>
+              <a:rPr lang="en-US" altLang="ja-JP" sz="3200" dirty="0"/>
+            </a:br>
+            <a:br>
+              <a:rPr lang="en-US" altLang="ja-JP" sz="3200" dirty="0"/>
+            </a:br>
+            <a:r>
+              <a:rPr lang="ja-JP" altLang="en-US" sz="3200" dirty="0"/>
+              <a:t>他のプログラミング言語では多重継承が禁止されている</a:t>
             </a:r>
             <a:endParaRPr lang="en-US" altLang="ja-JP" sz="3200" dirty="0"/>
           </a:p>
@@ -9277,6 +10301,468 @@
     <p:extLst>
       <p:ext uri="{BB962C8B-B14F-4D97-AF65-F5344CB8AC3E}">
         <p14:creationId xmlns:p14="http://schemas.microsoft.com/office/powerpoint/2010/main" val="3034570336"/>
+      </p:ext>
+    </p:extLst>
+  </p:cSld>
+  <p:clrMapOvr>
+    <a:masterClrMapping/>
+  </p:clrMapOvr>
+</p:sld>
+</file>
+
+<file path=ppt/slides/slide25.xml><?xml version="1.0" encoding="utf-8"?>
+<p:sld xmlns:a="http://schemas.openxmlformats.org/drawingml/2006/main" xmlns:r="http://schemas.openxmlformats.org/officeDocument/2006/relationships" xmlns:p="http://schemas.openxmlformats.org/presentationml/2006/main">
+  <p:cSld>
+    <p:spTree>
+      <p:nvGrpSpPr>
+        <p:cNvPr id="1" name=""/>
+        <p:cNvGrpSpPr/>
+        <p:nvPr/>
+      </p:nvGrpSpPr>
+      <p:grpSpPr>
+        <a:xfrm>
+          <a:off x="0" y="0"/>
+          <a:ext cx="0" cy="0"/>
+          <a:chOff x="0" y="0"/>
+          <a:chExt cx="0" cy="0"/>
+        </a:xfrm>
+      </p:grpSpPr>
+      <p:sp>
+        <p:nvSpPr>
+          <p:cNvPr id="2" name="タイトル 1">
+            <a:extLst>
+              <a:ext uri="{FF2B5EF4-FFF2-40B4-BE49-F238E27FC236}">
+                <a16:creationId xmlns:a16="http://schemas.microsoft.com/office/drawing/2014/main" id="{9F789731-37C4-49DD-AEE8-78E5514E279E}"/>
+              </a:ext>
+            </a:extLst>
+          </p:cNvPr>
+          <p:cNvSpPr>
+            <a:spLocks noGrp="1"/>
+          </p:cNvSpPr>
+          <p:nvPr>
+            <p:ph type="title"/>
+          </p:nvPr>
+        </p:nvSpPr>
+        <p:spPr/>
+        <p:txBody>
+          <a:bodyPr/>
+          <a:lstStyle/>
+          <a:p>
+            <a:r>
+              <a:rPr kumimoji="1" lang="ja-JP" altLang="en-US" dirty="0"/>
+              <a:t>ポリモーフィズム</a:t>
+            </a:r>
+          </a:p>
+        </p:txBody>
+      </p:sp>
+      <p:sp>
+        <p:nvSpPr>
+          <p:cNvPr id="3" name="コンテンツ プレースホルダー 2">
+            <a:extLst>
+              <a:ext uri="{FF2B5EF4-FFF2-40B4-BE49-F238E27FC236}">
+                <a16:creationId xmlns:a16="http://schemas.microsoft.com/office/drawing/2014/main" id="{39562F0E-6033-40BD-BCB8-F015661306FD}"/>
+              </a:ext>
+            </a:extLst>
+          </p:cNvPr>
+          <p:cNvSpPr>
+            <a:spLocks noGrp="1"/>
+          </p:cNvSpPr>
+          <p:nvPr>
+            <p:ph idx="1"/>
+          </p:nvPr>
+        </p:nvSpPr>
+        <p:spPr>
+          <a:xfrm>
+            <a:off x="838200" y="1376038"/>
+            <a:ext cx="10515600" cy="5374958"/>
+          </a:xfrm>
+        </p:spPr>
+        <p:txBody>
+          <a:bodyPr>
+            <a:normAutofit/>
+          </a:bodyPr>
+          <a:lstStyle/>
+          <a:p>
+            <a:r>
+              <a:rPr lang="ja-JP" altLang="en-US" b="1" u="sng" dirty="0"/>
+              <a:t>オーバーロード（多重定義）</a:t>
+            </a:r>
+            <a:br>
+              <a:rPr lang="en-US" altLang="ja-JP" sz="1800" b="1" u="sng" dirty="0"/>
+            </a:br>
+            <a:br>
+              <a:rPr lang="en-US" altLang="ja-JP" sz="1800" dirty="0"/>
+            </a:br>
+            <a:r>
+              <a:rPr lang="ja-JP" altLang="en-US" dirty="0"/>
+              <a:t>クラス内のメンバ関数やコンストラクタは、</a:t>
+            </a:r>
+            <a:br>
+              <a:rPr lang="en-US" altLang="ja-JP" dirty="0"/>
+            </a:br>
+            <a:r>
+              <a:rPr lang="ja-JP" altLang="en-US" dirty="0"/>
+              <a:t>・引数の</a:t>
+            </a:r>
+            <a:r>
+              <a:rPr lang="ja-JP" altLang="en-US" dirty="0">
+                <a:solidFill>
+                  <a:srgbClr val="00B0F0"/>
+                </a:solidFill>
+              </a:rPr>
+              <a:t>型</a:t>
+            </a:r>
+            <a:br>
+              <a:rPr lang="en-US" altLang="ja-JP" dirty="0"/>
+            </a:br>
+            <a:r>
+              <a:rPr lang="ja-JP" altLang="en-US" dirty="0"/>
+              <a:t>・引数の</a:t>
+            </a:r>
+            <a:r>
+              <a:rPr lang="ja-JP" altLang="en-US" dirty="0">
+                <a:solidFill>
+                  <a:srgbClr val="00B050"/>
+                </a:solidFill>
+              </a:rPr>
+              <a:t>数量</a:t>
+            </a:r>
+            <a:br>
+              <a:rPr lang="en-US" altLang="ja-JP" dirty="0"/>
+            </a:br>
+            <a:r>
+              <a:rPr lang="ja-JP" altLang="en-US" dirty="0"/>
+              <a:t>を変えることで、同じ関数名であっても、</a:t>
+            </a:r>
+            <a:r>
+              <a:rPr lang="ja-JP" altLang="en-US" dirty="0">
+                <a:solidFill>
+                  <a:srgbClr val="FF0000"/>
+                </a:solidFill>
+              </a:rPr>
+              <a:t>多重定義</a:t>
+            </a:r>
+            <a:r>
+              <a:rPr lang="ja-JP" altLang="en-US" dirty="0"/>
+              <a:t>することができる仕組みがある</a:t>
+            </a:r>
+            <a:br>
+              <a:rPr lang="en-US" altLang="ja-JP" dirty="0"/>
+            </a:br>
+            <a:br>
+              <a:rPr lang="en-US" altLang="ja-JP" dirty="0"/>
+            </a:br>
+            <a:r>
+              <a:rPr lang="ja-JP" altLang="en-US" dirty="0"/>
+              <a:t>これを</a:t>
+            </a:r>
+            <a:r>
+              <a:rPr lang="ja-JP" altLang="en-US" b="1" dirty="0">
+                <a:solidFill>
+                  <a:srgbClr val="FF0000"/>
+                </a:solidFill>
+              </a:rPr>
+              <a:t>オーバーロード</a:t>
+            </a:r>
+            <a:r>
+              <a:rPr lang="ja-JP" altLang="en-US" dirty="0"/>
+              <a:t>と呼ぶ</a:t>
+            </a:r>
+            <a:endParaRPr lang="en-US" altLang="ja-JP" sz="3200" dirty="0"/>
+          </a:p>
+        </p:txBody>
+      </p:sp>
+    </p:spTree>
+    <p:extLst>
+      <p:ext uri="{BB962C8B-B14F-4D97-AF65-F5344CB8AC3E}">
+        <p14:creationId xmlns:p14="http://schemas.microsoft.com/office/powerpoint/2010/main" val="3651623763"/>
+      </p:ext>
+    </p:extLst>
+  </p:cSld>
+  <p:clrMapOvr>
+    <a:masterClrMapping/>
+  </p:clrMapOvr>
+</p:sld>
+</file>
+
+<file path=ppt/slides/slide26.xml><?xml version="1.0" encoding="utf-8"?>
+<p:sld xmlns:a="http://schemas.openxmlformats.org/drawingml/2006/main" xmlns:r="http://schemas.openxmlformats.org/officeDocument/2006/relationships" xmlns:p="http://schemas.openxmlformats.org/presentationml/2006/main">
+  <p:cSld>
+    <p:spTree>
+      <p:nvGrpSpPr>
+        <p:cNvPr id="1" name=""/>
+        <p:cNvGrpSpPr/>
+        <p:nvPr/>
+      </p:nvGrpSpPr>
+      <p:grpSpPr>
+        <a:xfrm>
+          <a:off x="0" y="0"/>
+          <a:ext cx="0" cy="0"/>
+          <a:chOff x="0" y="0"/>
+          <a:chExt cx="0" cy="0"/>
+        </a:xfrm>
+      </p:grpSpPr>
+      <p:sp>
+        <p:nvSpPr>
+          <p:cNvPr id="2" name="タイトル 1">
+            <a:extLst>
+              <a:ext uri="{FF2B5EF4-FFF2-40B4-BE49-F238E27FC236}">
+                <a16:creationId xmlns:a16="http://schemas.microsoft.com/office/drawing/2014/main" id="{F11F3668-F205-48C5-AC01-19611EFE561B}"/>
+              </a:ext>
+            </a:extLst>
+          </p:cNvPr>
+          <p:cNvSpPr>
+            <a:spLocks noGrp="1"/>
+          </p:cNvSpPr>
+          <p:nvPr>
+            <p:ph type="title"/>
+          </p:nvPr>
+        </p:nvSpPr>
+        <p:spPr/>
+        <p:txBody>
+          <a:bodyPr/>
+          <a:lstStyle/>
+          <a:p>
+            <a:r>
+              <a:rPr kumimoji="1" lang="ja-JP" altLang="en-US" dirty="0"/>
+              <a:t>ポリモーフィズム</a:t>
+            </a:r>
+          </a:p>
+        </p:txBody>
+      </p:sp>
+      <p:sp>
+        <p:nvSpPr>
+          <p:cNvPr id="3" name="コンテンツ プレースホルダー 2">
+            <a:extLst>
+              <a:ext uri="{FF2B5EF4-FFF2-40B4-BE49-F238E27FC236}">
+                <a16:creationId xmlns:a16="http://schemas.microsoft.com/office/drawing/2014/main" id="{64DBE417-57E9-44A6-BB52-B2F9986BB7B2}"/>
+              </a:ext>
+            </a:extLst>
+          </p:cNvPr>
+          <p:cNvSpPr>
+            <a:spLocks noGrp="1"/>
+          </p:cNvSpPr>
+          <p:nvPr>
+            <p:ph idx="1"/>
+          </p:nvPr>
+        </p:nvSpPr>
+        <p:spPr/>
+        <p:txBody>
+          <a:bodyPr>
+            <a:normAutofit lnSpcReduction="10000"/>
+          </a:bodyPr>
+          <a:lstStyle/>
+          <a:p>
+            <a:r>
+              <a:rPr kumimoji="1" lang="ja-JP" altLang="en-US" dirty="0"/>
+              <a:t>教科書</a:t>
+            </a:r>
+            <a:r>
+              <a:rPr kumimoji="1" lang="en-US" altLang="ja-JP" dirty="0"/>
+              <a:t>P192~19</a:t>
+            </a:r>
+            <a:r>
+              <a:rPr lang="en-US" altLang="ja-JP" dirty="0"/>
+              <a:t>3</a:t>
+            </a:r>
+            <a:r>
+              <a:rPr kumimoji="1" lang="en-US" altLang="ja-JP" dirty="0"/>
+              <a:t> </a:t>
+            </a:r>
+            <a:r>
+              <a:rPr lang="en-US" altLang="ja-JP" b="1" dirty="0"/>
+              <a:t>Sample503</a:t>
+            </a:r>
+            <a:br>
+              <a:rPr lang="en-US" altLang="ja-JP" dirty="0"/>
+            </a:br>
+            <a:endParaRPr lang="en-US" altLang="ja-JP" dirty="0"/>
+          </a:p>
+          <a:p>
+            <a:r>
+              <a:rPr lang="en-US" altLang="ja-JP" dirty="0"/>
+              <a:t>C++</a:t>
+            </a:r>
+            <a:r>
+              <a:rPr lang="ja-JP" altLang="en-US" dirty="0"/>
+              <a:t>作業フォルダ内に</a:t>
+            </a:r>
+            <a:r>
+              <a:rPr lang="en-US" altLang="ja-JP" b="1" dirty="0"/>
+              <a:t>Sample503</a:t>
+            </a:r>
+            <a:r>
+              <a:rPr lang="ja-JP" altLang="en-US" dirty="0"/>
+              <a:t>フォルダを作成</a:t>
+            </a:r>
+            <a:br>
+              <a:rPr lang="en-US" altLang="ja-JP" dirty="0"/>
+            </a:br>
+            <a:r>
+              <a:rPr lang="en-US" altLang="ja-JP" dirty="0" err="1">
+                <a:solidFill>
+                  <a:srgbClr val="00B0F0"/>
+                </a:solidFill>
+              </a:rPr>
+              <a:t>mkdir</a:t>
+            </a:r>
+            <a:r>
+              <a:rPr lang="en-US" altLang="ja-JP" dirty="0">
+                <a:solidFill>
+                  <a:srgbClr val="00B0F0"/>
+                </a:solidFill>
+              </a:rPr>
+              <a:t> Sample503</a:t>
+            </a:r>
+            <a:br>
+              <a:rPr lang="en-US" altLang="ja-JP" dirty="0"/>
+            </a:br>
+            <a:r>
+              <a:rPr lang="en-US" altLang="ja-JP" dirty="0">
+                <a:solidFill>
+                  <a:srgbClr val="00B0F0"/>
+                </a:solidFill>
+              </a:rPr>
+              <a:t>cd Sample503</a:t>
+            </a:r>
+            <a:br>
+              <a:rPr lang="en-US" altLang="ja-JP" dirty="0"/>
+            </a:br>
+            <a:endParaRPr lang="en-US" altLang="ja-JP" dirty="0"/>
+          </a:p>
+          <a:p>
+            <a:r>
+              <a:rPr lang="en-US" altLang="ja-JP" dirty="0" err="1"/>
+              <a:t>calc.h</a:t>
+            </a:r>
+            <a:r>
+              <a:rPr lang="ja-JP" altLang="en-US" dirty="0"/>
+              <a:t>， </a:t>
+            </a:r>
+            <a:r>
+              <a:rPr lang="en-US" altLang="ja-JP"/>
+              <a:t>calc.</a:t>
+            </a:r>
+            <a:r>
+              <a:rPr lang="en-US" altLang="ja-JP" dirty="0"/>
+              <a:t>cpp</a:t>
+            </a:r>
+            <a:r>
+              <a:rPr lang="ja-JP" altLang="en-US" dirty="0"/>
+              <a:t>， </a:t>
+            </a:r>
+            <a:r>
+              <a:rPr lang="en-US" altLang="ja-JP" dirty="0"/>
+              <a:t>main.cpp</a:t>
+            </a:r>
+            <a:r>
+              <a:rPr lang="ja-JP" altLang="en-US" dirty="0"/>
+              <a:t>を作成</a:t>
+            </a:r>
+            <a:br>
+              <a:rPr lang="en-US" altLang="ja-JP" dirty="0"/>
+            </a:br>
+            <a:r>
+              <a:rPr lang="en-US" altLang="ja-JP" dirty="0">
+                <a:solidFill>
+                  <a:srgbClr val="00B0F0"/>
+                </a:solidFill>
+              </a:rPr>
+              <a:t>copy </a:t>
+            </a:r>
+            <a:r>
+              <a:rPr lang="en-US" altLang="ja-JP" dirty="0" err="1">
+                <a:solidFill>
+                  <a:srgbClr val="00B0F0"/>
+                </a:solidFill>
+              </a:rPr>
+              <a:t>nul</a:t>
+            </a:r>
+            <a:r>
+              <a:rPr lang="en-US" altLang="ja-JP" dirty="0">
+                <a:solidFill>
+                  <a:srgbClr val="00B0F0"/>
+                </a:solidFill>
+              </a:rPr>
+              <a:t> </a:t>
+            </a:r>
+            <a:r>
+              <a:rPr lang="en-US" altLang="ja-JP" dirty="0" err="1">
+                <a:solidFill>
+                  <a:srgbClr val="00B0F0"/>
+                </a:solidFill>
+              </a:rPr>
+              <a:t>calc.h</a:t>
+            </a:r>
+            <a:br>
+              <a:rPr lang="en-US" altLang="ja-JP" dirty="0">
+                <a:solidFill>
+                  <a:srgbClr val="00B0F0"/>
+                </a:solidFill>
+              </a:rPr>
+            </a:br>
+            <a:r>
+              <a:rPr lang="en-US" altLang="ja-JP" dirty="0">
+                <a:solidFill>
+                  <a:srgbClr val="00B0F0"/>
+                </a:solidFill>
+              </a:rPr>
+              <a:t>copy </a:t>
+            </a:r>
+            <a:r>
+              <a:rPr lang="en-US" altLang="ja-JP" dirty="0" err="1">
+                <a:solidFill>
+                  <a:srgbClr val="00B0F0"/>
+                </a:solidFill>
+              </a:rPr>
+              <a:t>nul</a:t>
+            </a:r>
+            <a:r>
+              <a:rPr lang="en-US" altLang="ja-JP" dirty="0">
+                <a:solidFill>
+                  <a:srgbClr val="00B0F0"/>
+                </a:solidFill>
+              </a:rPr>
+              <a:t> calc.cpp</a:t>
+            </a:r>
+            <a:br>
+              <a:rPr lang="en-US" altLang="ja-JP" dirty="0">
+                <a:solidFill>
+                  <a:srgbClr val="00B0F0"/>
+                </a:solidFill>
+              </a:rPr>
+            </a:br>
+            <a:r>
+              <a:rPr lang="en-US" altLang="ja-JP" dirty="0">
+                <a:solidFill>
+                  <a:srgbClr val="00B0F0"/>
+                </a:solidFill>
+              </a:rPr>
+              <a:t>copy </a:t>
+            </a:r>
+            <a:r>
+              <a:rPr lang="en-US" altLang="ja-JP" dirty="0" err="1">
+                <a:solidFill>
+                  <a:srgbClr val="00B0F0"/>
+                </a:solidFill>
+              </a:rPr>
+              <a:t>nul</a:t>
+            </a:r>
+            <a:r>
+              <a:rPr lang="en-US" altLang="ja-JP" dirty="0">
+                <a:solidFill>
+                  <a:srgbClr val="00B0F0"/>
+                </a:solidFill>
+              </a:rPr>
+              <a:t> main.cpp</a:t>
+            </a:r>
+          </a:p>
+        </p:txBody>
+      </p:sp>
+    </p:spTree>
+    <p:extLst>
+      <p:ext uri="{BB962C8B-B14F-4D97-AF65-F5344CB8AC3E}">
+        <p14:creationId xmlns:p14="http://schemas.microsoft.com/office/powerpoint/2010/main" val="1067166728"/>
       </p:ext>
     </p:extLst>
   </p:cSld>

--- a/授業資料/講義資料：継承とポリモーフィズム.pptx
+++ b/授業資料/講義資料：継承とポリモーフィズム.pptx
@@ -31,6 +31,10 @@
     <p:sldId id="339" r:id="rId25"/>
     <p:sldId id="342" r:id="rId26"/>
     <p:sldId id="343" r:id="rId27"/>
+    <p:sldId id="344" r:id="rId28"/>
+    <p:sldId id="345" r:id="rId29"/>
+    <p:sldId id="346" r:id="rId30"/>
+    <p:sldId id="347" r:id="rId31"/>
   </p:sldIdLst>
   <p:sldSz cx="12192000" cy="6858000"/>
   <p:notesSz cx="6858000" cy="9144000"/>
@@ -268,7 +272,7 @@
           <a:p>
             <a:fld id="{5B96D3F8-CD2E-4A0D-AC38-517181EABB18}" type="datetimeFigureOut">
               <a:rPr kumimoji="1" lang="ja-JP" altLang="en-US" smtClean="0"/>
-              <a:t>2024/9/12</a:t>
+              <a:t>2024/9/14</a:t>
             </a:fld>
             <a:endParaRPr kumimoji="1" lang="ja-JP" altLang="en-US"/>
           </a:p>
@@ -470,7 +474,7 @@
           <a:p>
             <a:fld id="{5B96D3F8-CD2E-4A0D-AC38-517181EABB18}" type="datetimeFigureOut">
               <a:rPr kumimoji="1" lang="ja-JP" altLang="en-US" smtClean="0"/>
-              <a:t>2024/9/12</a:t>
+              <a:t>2024/9/14</a:t>
             </a:fld>
             <a:endParaRPr kumimoji="1" lang="ja-JP" altLang="en-US"/>
           </a:p>
@@ -682,7 +686,7 @@
           <a:p>
             <a:fld id="{5B96D3F8-CD2E-4A0D-AC38-517181EABB18}" type="datetimeFigureOut">
               <a:rPr kumimoji="1" lang="ja-JP" altLang="en-US" smtClean="0"/>
-              <a:t>2024/9/12</a:t>
+              <a:t>2024/9/14</a:t>
             </a:fld>
             <a:endParaRPr kumimoji="1" lang="ja-JP" altLang="en-US"/>
           </a:p>
@@ -884,7 +888,7 @@
           <a:p>
             <a:fld id="{5B96D3F8-CD2E-4A0D-AC38-517181EABB18}" type="datetimeFigureOut">
               <a:rPr kumimoji="1" lang="ja-JP" altLang="en-US" smtClean="0"/>
-              <a:t>2024/9/12</a:t>
+              <a:t>2024/9/14</a:t>
             </a:fld>
             <a:endParaRPr kumimoji="1" lang="ja-JP" altLang="en-US"/>
           </a:p>
@@ -1130,7 +1134,7 @@
           <a:p>
             <a:fld id="{5B96D3F8-CD2E-4A0D-AC38-517181EABB18}" type="datetimeFigureOut">
               <a:rPr kumimoji="1" lang="ja-JP" altLang="en-US" smtClean="0"/>
-              <a:t>2024/9/12</a:t>
+              <a:t>2024/9/14</a:t>
             </a:fld>
             <a:endParaRPr kumimoji="1" lang="ja-JP" altLang="en-US"/>
           </a:p>
@@ -1426,7 +1430,7 @@
           <a:p>
             <a:fld id="{5B96D3F8-CD2E-4A0D-AC38-517181EABB18}" type="datetimeFigureOut">
               <a:rPr kumimoji="1" lang="ja-JP" altLang="en-US" smtClean="0"/>
-              <a:t>2024/9/12</a:t>
+              <a:t>2024/9/14</a:t>
             </a:fld>
             <a:endParaRPr kumimoji="1" lang="ja-JP" altLang="en-US"/>
           </a:p>
@@ -1857,7 +1861,7 @@
           <a:p>
             <a:fld id="{5B96D3F8-CD2E-4A0D-AC38-517181EABB18}" type="datetimeFigureOut">
               <a:rPr kumimoji="1" lang="ja-JP" altLang="en-US" smtClean="0"/>
-              <a:t>2024/9/12</a:t>
+              <a:t>2024/9/14</a:t>
             </a:fld>
             <a:endParaRPr kumimoji="1" lang="ja-JP" altLang="en-US"/>
           </a:p>
@@ -1975,7 +1979,7 @@
           <a:p>
             <a:fld id="{5B96D3F8-CD2E-4A0D-AC38-517181EABB18}" type="datetimeFigureOut">
               <a:rPr kumimoji="1" lang="ja-JP" altLang="en-US" smtClean="0"/>
-              <a:t>2024/9/12</a:t>
+              <a:t>2024/9/14</a:t>
             </a:fld>
             <a:endParaRPr kumimoji="1" lang="ja-JP" altLang="en-US"/>
           </a:p>
@@ -2070,7 +2074,7 @@
           <a:p>
             <a:fld id="{5B96D3F8-CD2E-4A0D-AC38-517181EABB18}" type="datetimeFigureOut">
               <a:rPr kumimoji="1" lang="ja-JP" altLang="en-US" smtClean="0"/>
-              <a:t>2024/9/12</a:t>
+              <a:t>2024/9/14</a:t>
             </a:fld>
             <a:endParaRPr kumimoji="1" lang="ja-JP" altLang="en-US"/>
           </a:p>
@@ -2379,7 +2383,7 @@
           <a:p>
             <a:fld id="{5B96D3F8-CD2E-4A0D-AC38-517181EABB18}" type="datetimeFigureOut">
               <a:rPr kumimoji="1" lang="ja-JP" altLang="en-US" smtClean="0"/>
-              <a:t>2024/9/12</a:t>
+              <a:t>2024/9/14</a:t>
             </a:fld>
             <a:endParaRPr kumimoji="1" lang="ja-JP" altLang="en-US"/>
           </a:p>
@@ -2636,7 +2640,7 @@
           <a:p>
             <a:fld id="{5B96D3F8-CD2E-4A0D-AC38-517181EABB18}" type="datetimeFigureOut">
               <a:rPr kumimoji="1" lang="ja-JP" altLang="en-US" smtClean="0"/>
-              <a:t>2024/9/12</a:t>
+              <a:t>2024/9/14</a:t>
             </a:fld>
             <a:endParaRPr kumimoji="1" lang="ja-JP" altLang="en-US"/>
           </a:p>
@@ -2881,7 +2885,7 @@
           <a:p>
             <a:fld id="{5B96D3F8-CD2E-4A0D-AC38-517181EABB18}" type="datetimeFigureOut">
               <a:rPr kumimoji="1" lang="ja-JP" altLang="en-US" smtClean="0"/>
-              <a:t>2024/9/12</a:t>
+              <a:t>2024/9/14</a:t>
             </a:fld>
             <a:endParaRPr kumimoji="1" lang="ja-JP" altLang="en-US"/>
           </a:p>
@@ -10772,6 +10776,1674 @@
 </p:sld>
 </file>
 
+<file path=ppt/slides/slide27.xml><?xml version="1.0" encoding="utf-8"?>
+<p:sld xmlns:a="http://schemas.openxmlformats.org/drawingml/2006/main" xmlns:r="http://schemas.openxmlformats.org/officeDocument/2006/relationships" xmlns:p="http://schemas.openxmlformats.org/presentationml/2006/main">
+  <p:cSld>
+    <p:spTree>
+      <p:nvGrpSpPr>
+        <p:cNvPr id="1" name=""/>
+        <p:cNvGrpSpPr/>
+        <p:nvPr/>
+      </p:nvGrpSpPr>
+      <p:grpSpPr>
+        <a:xfrm>
+          <a:off x="0" y="0"/>
+          <a:ext cx="0" cy="0"/>
+          <a:chOff x="0" y="0"/>
+          <a:chExt cx="0" cy="0"/>
+        </a:xfrm>
+      </p:grpSpPr>
+      <p:sp>
+        <p:nvSpPr>
+          <p:cNvPr id="2" name="タイトル 1">
+            <a:extLst>
+              <a:ext uri="{FF2B5EF4-FFF2-40B4-BE49-F238E27FC236}">
+                <a16:creationId xmlns:a16="http://schemas.microsoft.com/office/drawing/2014/main" id="{F11F3668-F205-48C5-AC01-19611EFE561B}"/>
+              </a:ext>
+            </a:extLst>
+          </p:cNvPr>
+          <p:cNvSpPr>
+            <a:spLocks noGrp="1"/>
+          </p:cNvSpPr>
+          <p:nvPr>
+            <p:ph type="title"/>
+          </p:nvPr>
+        </p:nvSpPr>
+        <p:spPr/>
+        <p:txBody>
+          <a:bodyPr/>
+          <a:lstStyle/>
+          <a:p>
+            <a:r>
+              <a:rPr kumimoji="1" lang="ja-JP" altLang="en-US" dirty="0"/>
+              <a:t>ポリモーフィズム</a:t>
+            </a:r>
+          </a:p>
+        </p:txBody>
+      </p:sp>
+      <p:sp>
+        <p:nvSpPr>
+          <p:cNvPr id="3" name="コンテンツ プレースホルダー 2">
+            <a:extLst>
+              <a:ext uri="{FF2B5EF4-FFF2-40B4-BE49-F238E27FC236}">
+                <a16:creationId xmlns:a16="http://schemas.microsoft.com/office/drawing/2014/main" id="{64DBE417-57E9-44A6-BB52-B2F9986BB7B2}"/>
+              </a:ext>
+            </a:extLst>
+          </p:cNvPr>
+          <p:cNvSpPr>
+            <a:spLocks noGrp="1"/>
+          </p:cNvSpPr>
+          <p:nvPr>
+            <p:ph idx="1"/>
+          </p:nvPr>
+        </p:nvSpPr>
+        <p:spPr>
+          <a:xfrm>
+            <a:off x="838200" y="1162976"/>
+            <a:ext cx="10515600" cy="5193373"/>
+          </a:xfrm>
+        </p:spPr>
+        <p:txBody>
+          <a:bodyPr>
+            <a:normAutofit/>
+          </a:bodyPr>
+          <a:lstStyle/>
+          <a:p>
+            <a:r>
+              <a:rPr kumimoji="1" lang="en-US" altLang="ja-JP" dirty="0" err="1"/>
+              <a:t>calc.h</a:t>
+            </a:r>
+            <a:r>
+              <a:rPr kumimoji="1" lang="ja-JP" altLang="en-US" dirty="0"/>
+              <a:t>　</a:t>
+            </a:r>
+            <a:r>
+              <a:rPr kumimoji="1" lang="en-US" altLang="ja-JP" dirty="0"/>
+              <a:t>(Sample503)</a:t>
+            </a:r>
+            <a:br>
+              <a:rPr lang="en-US" altLang="ja-JP" dirty="0"/>
+            </a:br>
+            <a:endParaRPr lang="en-US" altLang="ja-JP" dirty="0"/>
+          </a:p>
+          <a:p>
+            <a:pPr marL="0" indent="0">
+              <a:buNone/>
+            </a:pPr>
+            <a:br>
+              <a:rPr lang="en-US" altLang="ja-JP" dirty="0"/>
+            </a:br>
+            <a:br>
+              <a:rPr lang="en-US" altLang="ja-JP" dirty="0"/>
+            </a:br>
+            <a:br>
+              <a:rPr lang="en-US" altLang="ja-JP" dirty="0"/>
+            </a:br>
+            <a:br>
+              <a:rPr lang="en-US" altLang="ja-JP" sz="2400" dirty="0"/>
+            </a:br>
+            <a:br>
+              <a:rPr lang="en-US" altLang="ja-JP" sz="2400" dirty="0"/>
+            </a:br>
+            <a:endParaRPr lang="en-US" altLang="ja-JP" sz="2400" dirty="0"/>
+          </a:p>
+          <a:p>
+            <a:pPr marL="0" indent="0">
+              <a:buNone/>
+            </a:pPr>
+            <a:br>
+              <a:rPr lang="en-US" altLang="ja-JP" sz="2400" dirty="0"/>
+            </a:br>
+            <a:endParaRPr lang="en-US" altLang="ja-JP" dirty="0">
+              <a:solidFill>
+                <a:srgbClr val="FF0000"/>
+              </a:solidFill>
+            </a:endParaRPr>
+          </a:p>
+        </p:txBody>
+      </p:sp>
+      <p:sp>
+        <p:nvSpPr>
+          <p:cNvPr id="5" name="テキスト ボックス 4">
+            <a:extLst>
+              <a:ext uri="{FF2B5EF4-FFF2-40B4-BE49-F238E27FC236}">
+                <a16:creationId xmlns:a16="http://schemas.microsoft.com/office/drawing/2014/main" id="{9E32883C-0E37-4F07-9861-27609819CE8C}"/>
+              </a:ext>
+            </a:extLst>
+          </p:cNvPr>
+          <p:cNvSpPr txBox="1"/>
+          <p:nvPr/>
+        </p:nvSpPr>
+        <p:spPr>
+          <a:xfrm>
+            <a:off x="1048255" y="1942532"/>
+            <a:ext cx="10688220" cy="4893647"/>
+          </a:xfrm>
+          <a:prstGeom prst="rect">
+            <a:avLst/>
+          </a:prstGeom>
+          <a:noFill/>
+          <a:ln>
+            <a:solidFill>
+              <a:schemeClr val="tx1"/>
+            </a:solidFill>
+          </a:ln>
+        </p:spPr>
+        <p:txBody>
+          <a:bodyPr wrap="square" rtlCol="0">
+            <a:spAutoFit/>
+          </a:bodyPr>
+          <a:lstStyle/>
+          <a:p>
+            <a:r>
+              <a:rPr kumimoji="1" lang="en-US" altLang="ja-JP" sz="2400" dirty="0"/>
+              <a:t>#pragma once</a:t>
+            </a:r>
+          </a:p>
+          <a:p>
+            <a:r>
+              <a:rPr kumimoji="1" lang="en-US" altLang="ja-JP" sz="2400" dirty="0"/>
+              <a:t>class Calc {</a:t>
+            </a:r>
+          </a:p>
+          <a:p>
+            <a:r>
+              <a:rPr kumimoji="1" lang="en-US" altLang="ja-JP" sz="2400" dirty="0"/>
+              <a:t>private:</a:t>
+            </a:r>
+          </a:p>
+          <a:p>
+            <a:r>
+              <a:rPr kumimoji="1" lang="en-US" altLang="ja-JP" sz="2400" dirty="0"/>
+              <a:t>	int </a:t>
+            </a:r>
+            <a:r>
+              <a:rPr kumimoji="1" lang="en-US" altLang="ja-JP" sz="2400" dirty="0" err="1"/>
+              <a:t>m_a</a:t>
+            </a:r>
+            <a:r>
+              <a:rPr kumimoji="1" lang="en-US" altLang="ja-JP" sz="2400" dirty="0"/>
+              <a:t>, </a:t>
+            </a:r>
+            <a:r>
+              <a:rPr kumimoji="1" lang="en-US" altLang="ja-JP" sz="2400" dirty="0" err="1"/>
+              <a:t>m_b</a:t>
+            </a:r>
+            <a:r>
+              <a:rPr kumimoji="1" lang="en-US" altLang="ja-JP" sz="2400" dirty="0"/>
+              <a:t>;</a:t>
+            </a:r>
+          </a:p>
+          <a:p>
+            <a:r>
+              <a:rPr kumimoji="1" lang="en-US" altLang="ja-JP" sz="2400" dirty="0"/>
+              <a:t>public:</a:t>
+            </a:r>
+          </a:p>
+          <a:p>
+            <a:r>
+              <a:rPr kumimoji="1" lang="en-US" altLang="ja-JP" sz="2400" dirty="0"/>
+              <a:t>	</a:t>
+            </a:r>
+            <a:r>
+              <a:rPr kumimoji="1" lang="en-US" altLang="ja-JP" sz="2400" b="1" dirty="0">
+                <a:solidFill>
+                  <a:srgbClr val="00B0F0"/>
+                </a:solidFill>
+              </a:rPr>
+              <a:t>Calc</a:t>
+            </a:r>
+            <a:r>
+              <a:rPr kumimoji="1" lang="en-US" altLang="ja-JP" sz="2400" dirty="0">
+                <a:solidFill>
+                  <a:srgbClr val="00B0F0"/>
+                </a:solidFill>
+              </a:rPr>
+              <a:t>()</a:t>
+            </a:r>
+            <a:r>
+              <a:rPr kumimoji="1" lang="en-US" altLang="ja-JP" sz="2400" dirty="0"/>
+              <a:t>;</a:t>
+            </a:r>
+          </a:p>
+          <a:p>
+            <a:r>
+              <a:rPr kumimoji="1" lang="en-US" altLang="ja-JP" sz="2400" dirty="0"/>
+              <a:t>	</a:t>
+            </a:r>
+            <a:r>
+              <a:rPr kumimoji="1" lang="en-US" altLang="ja-JP" sz="2400" b="1" dirty="0">
+                <a:solidFill>
+                  <a:srgbClr val="00B0F0"/>
+                </a:solidFill>
+              </a:rPr>
+              <a:t>Calc</a:t>
+            </a:r>
+            <a:r>
+              <a:rPr kumimoji="1" lang="en-US" altLang="ja-JP" sz="2400" dirty="0">
+                <a:solidFill>
+                  <a:srgbClr val="00B0F0"/>
+                </a:solidFill>
+              </a:rPr>
+              <a:t>(</a:t>
+            </a:r>
+            <a:r>
+              <a:rPr kumimoji="1" lang="en-US" altLang="ja-JP" sz="2400" dirty="0">
+                <a:highlight>
+                  <a:srgbClr val="FFFF00"/>
+                </a:highlight>
+              </a:rPr>
+              <a:t>int a, </a:t>
+            </a:r>
+            <a:r>
+              <a:rPr kumimoji="1" lang="en-US" altLang="ja-JP" sz="2400" dirty="0" err="1">
+                <a:highlight>
+                  <a:srgbClr val="FFFF00"/>
+                </a:highlight>
+              </a:rPr>
+              <a:t>inb</a:t>
+            </a:r>
+            <a:r>
+              <a:rPr kumimoji="1" lang="en-US" altLang="ja-JP" sz="2400" dirty="0">
+                <a:highlight>
+                  <a:srgbClr val="FFFF00"/>
+                </a:highlight>
+              </a:rPr>
+              <a:t> b</a:t>
+            </a:r>
+            <a:r>
+              <a:rPr kumimoji="1" lang="en-US" altLang="ja-JP" sz="2400" dirty="0">
+                <a:solidFill>
+                  <a:srgbClr val="00B0F0"/>
+                </a:solidFill>
+              </a:rPr>
+              <a:t>)</a:t>
+            </a:r>
+            <a:r>
+              <a:rPr kumimoji="1" lang="en-US" altLang="ja-JP" sz="2400" dirty="0"/>
+              <a:t>;</a:t>
+            </a:r>
+          </a:p>
+          <a:p>
+            <a:r>
+              <a:rPr kumimoji="1" lang="en-US" altLang="ja-JP" sz="2400" dirty="0"/>
+              <a:t>	int </a:t>
+            </a:r>
+            <a:r>
+              <a:rPr kumimoji="1" lang="en-US" altLang="ja-JP" sz="2400" b="1" dirty="0">
+                <a:solidFill>
+                  <a:srgbClr val="00B050"/>
+                </a:solidFill>
+              </a:rPr>
+              <a:t>add</a:t>
+            </a:r>
+            <a:r>
+              <a:rPr kumimoji="1" lang="en-US" altLang="ja-JP" sz="2400" dirty="0">
+                <a:solidFill>
+                  <a:srgbClr val="00B050"/>
+                </a:solidFill>
+              </a:rPr>
+              <a:t>()</a:t>
+            </a:r>
+            <a:r>
+              <a:rPr kumimoji="1" lang="en-US" altLang="ja-JP" sz="2400" dirty="0"/>
+              <a:t>;</a:t>
+            </a:r>
+          </a:p>
+          <a:p>
+            <a:r>
+              <a:rPr kumimoji="1" lang="en-US" altLang="ja-JP" sz="2400" dirty="0"/>
+              <a:t>	int </a:t>
+            </a:r>
+            <a:r>
+              <a:rPr kumimoji="1" lang="en-US" altLang="ja-JP" sz="2400" b="1" dirty="0">
+                <a:solidFill>
+                  <a:srgbClr val="00B050"/>
+                </a:solidFill>
+              </a:rPr>
+              <a:t>add</a:t>
+            </a:r>
+            <a:r>
+              <a:rPr kumimoji="1" lang="en-US" altLang="ja-JP" sz="2400" dirty="0">
+                <a:solidFill>
+                  <a:srgbClr val="00B050"/>
+                </a:solidFill>
+              </a:rPr>
+              <a:t>(</a:t>
+            </a:r>
+            <a:r>
+              <a:rPr kumimoji="1" lang="en-US" altLang="ja-JP" sz="2400" dirty="0">
+                <a:highlight>
+                  <a:srgbClr val="FFFF00"/>
+                </a:highlight>
+              </a:rPr>
+              <a:t>int a, int b</a:t>
+            </a:r>
+            <a:r>
+              <a:rPr kumimoji="1" lang="en-US" altLang="ja-JP" sz="2400" dirty="0">
+                <a:solidFill>
+                  <a:srgbClr val="00B050"/>
+                </a:solidFill>
+              </a:rPr>
+              <a:t>)</a:t>
+            </a:r>
+            <a:r>
+              <a:rPr kumimoji="1" lang="en-US" altLang="ja-JP" sz="2400" dirty="0"/>
+              <a:t>;</a:t>
+            </a:r>
+          </a:p>
+          <a:p>
+            <a:r>
+              <a:rPr kumimoji="1" lang="en-US" altLang="ja-JP" sz="2400" dirty="0"/>
+              <a:t>	void </a:t>
+            </a:r>
+            <a:r>
+              <a:rPr kumimoji="1" lang="en-US" altLang="ja-JP" sz="2400" dirty="0" err="1"/>
+              <a:t>setValue</a:t>
+            </a:r>
+            <a:r>
+              <a:rPr kumimoji="1" lang="en-US" altLang="ja-JP" sz="2400" dirty="0"/>
+              <a:t>(int a, int b);</a:t>
+            </a:r>
+          </a:p>
+          <a:p>
+            <a:r>
+              <a:rPr kumimoji="1" lang="en-US" altLang="ja-JP" sz="2400" dirty="0"/>
+              <a:t>	int </a:t>
+            </a:r>
+            <a:r>
+              <a:rPr kumimoji="1" lang="en-US" altLang="ja-JP" sz="2400" dirty="0" err="1"/>
+              <a:t>getA</a:t>
+            </a:r>
+            <a:r>
+              <a:rPr kumimoji="1" lang="en-US" altLang="ja-JP" sz="2400" dirty="0"/>
+              <a:t>();</a:t>
+            </a:r>
+          </a:p>
+          <a:p>
+            <a:r>
+              <a:rPr kumimoji="1" lang="en-US" altLang="ja-JP" sz="2400" dirty="0"/>
+              <a:t>	int </a:t>
+            </a:r>
+            <a:r>
+              <a:rPr kumimoji="1" lang="en-US" altLang="ja-JP" sz="2400" dirty="0" err="1"/>
+              <a:t>getB</a:t>
+            </a:r>
+            <a:r>
+              <a:rPr kumimoji="1" lang="en-US" altLang="ja-JP" sz="2400" dirty="0"/>
+              <a:t>();</a:t>
+            </a:r>
+          </a:p>
+          <a:p>
+            <a:r>
+              <a:rPr kumimoji="1" lang="en-US" altLang="ja-JP" sz="2400" dirty="0"/>
+              <a:t>};</a:t>
+            </a:r>
+            <a:endParaRPr kumimoji="1" lang="ja-JP" altLang="en-US" sz="2400" dirty="0"/>
+          </a:p>
+        </p:txBody>
+      </p:sp>
+      <p:sp>
+        <p:nvSpPr>
+          <p:cNvPr id="4" name="テキスト ボックス 3">
+            <a:extLst>
+              <a:ext uri="{FF2B5EF4-FFF2-40B4-BE49-F238E27FC236}">
+                <a16:creationId xmlns:a16="http://schemas.microsoft.com/office/drawing/2014/main" id="{66CE7F4B-75FF-4B35-95DF-A25B059D18CF}"/>
+              </a:ext>
+            </a:extLst>
+          </p:cNvPr>
+          <p:cNvSpPr txBox="1"/>
+          <p:nvPr/>
+        </p:nvSpPr>
+        <p:spPr>
+          <a:xfrm>
+            <a:off x="5377042" y="3429000"/>
+            <a:ext cx="6359433" cy="1384995"/>
+          </a:xfrm>
+          <a:prstGeom prst="rect">
+            <a:avLst/>
+          </a:prstGeom>
+          <a:solidFill>
+            <a:schemeClr val="bg1"/>
+          </a:solidFill>
+          <a:ln>
+            <a:solidFill>
+              <a:schemeClr val="tx1"/>
+            </a:solidFill>
+          </a:ln>
+          <a:effectLst>
+            <a:outerShdw blurRad="50800" dist="38100" dir="2700000" algn="tl" rotWithShape="0">
+              <a:prstClr val="black">
+                <a:alpha val="40000"/>
+              </a:prstClr>
+            </a:outerShdw>
+          </a:effectLst>
+        </p:spPr>
+        <p:txBody>
+          <a:bodyPr wrap="none" rtlCol="0">
+            <a:spAutoFit/>
+          </a:bodyPr>
+          <a:lstStyle/>
+          <a:p>
+            <a:r>
+              <a:rPr kumimoji="1" lang="ja-JP" altLang="en-US" sz="2800" b="1" dirty="0"/>
+              <a:t>オーバーロードされた関数</a:t>
+            </a:r>
+            <a:r>
+              <a:rPr kumimoji="1" lang="en-US" altLang="ja-JP" sz="2800" b="1" dirty="0">
+                <a:solidFill>
+                  <a:srgbClr val="00B0F0"/>
+                </a:solidFill>
+              </a:rPr>
+              <a:t>Calc</a:t>
+            </a:r>
+            <a:r>
+              <a:rPr kumimoji="1" lang="en-US" altLang="ja-JP" sz="2800" b="1" dirty="0"/>
+              <a:t>, </a:t>
+            </a:r>
+            <a:r>
+              <a:rPr kumimoji="1" lang="en-US" altLang="ja-JP" sz="2800" b="1" dirty="0">
+                <a:solidFill>
+                  <a:srgbClr val="00B050"/>
+                </a:solidFill>
+              </a:rPr>
+              <a:t>add</a:t>
+            </a:r>
+          </a:p>
+          <a:p>
+            <a:r>
+              <a:rPr kumimoji="1" lang="ja-JP" altLang="en-US" sz="2800" dirty="0"/>
+              <a:t>　関数名は同じだが、引数によって呼び</a:t>
+            </a:r>
+            <a:endParaRPr kumimoji="1" lang="en-US" altLang="ja-JP" sz="2800" dirty="0"/>
+          </a:p>
+          <a:p>
+            <a:r>
+              <a:rPr kumimoji="1" lang="ja-JP" altLang="en-US" sz="2800" dirty="0"/>
+              <a:t>　出される処理内容が異なる</a:t>
+            </a:r>
+            <a:endParaRPr kumimoji="1" lang="en-US" altLang="ja-JP" sz="2800" dirty="0"/>
+          </a:p>
+        </p:txBody>
+      </p:sp>
+    </p:spTree>
+    <p:extLst>
+      <p:ext uri="{BB962C8B-B14F-4D97-AF65-F5344CB8AC3E}">
+        <p14:creationId xmlns:p14="http://schemas.microsoft.com/office/powerpoint/2010/main" val="137467309"/>
+      </p:ext>
+    </p:extLst>
+  </p:cSld>
+  <p:clrMapOvr>
+    <a:masterClrMapping/>
+  </p:clrMapOvr>
+</p:sld>
+</file>
+
+<file path=ppt/slides/slide28.xml><?xml version="1.0" encoding="utf-8"?>
+<p:sld xmlns:a="http://schemas.openxmlformats.org/drawingml/2006/main" xmlns:r="http://schemas.openxmlformats.org/officeDocument/2006/relationships" xmlns:p="http://schemas.openxmlformats.org/presentationml/2006/main">
+  <p:cSld>
+    <p:spTree>
+      <p:nvGrpSpPr>
+        <p:cNvPr id="1" name=""/>
+        <p:cNvGrpSpPr/>
+        <p:nvPr/>
+      </p:nvGrpSpPr>
+      <p:grpSpPr>
+        <a:xfrm>
+          <a:off x="0" y="0"/>
+          <a:ext cx="0" cy="0"/>
+          <a:chOff x="0" y="0"/>
+          <a:chExt cx="0" cy="0"/>
+        </a:xfrm>
+      </p:grpSpPr>
+      <p:sp>
+        <p:nvSpPr>
+          <p:cNvPr id="2" name="タイトル 1">
+            <a:extLst>
+              <a:ext uri="{FF2B5EF4-FFF2-40B4-BE49-F238E27FC236}">
+                <a16:creationId xmlns:a16="http://schemas.microsoft.com/office/drawing/2014/main" id="{F11F3668-F205-48C5-AC01-19611EFE561B}"/>
+              </a:ext>
+            </a:extLst>
+          </p:cNvPr>
+          <p:cNvSpPr>
+            <a:spLocks noGrp="1"/>
+          </p:cNvSpPr>
+          <p:nvPr>
+            <p:ph type="title"/>
+          </p:nvPr>
+        </p:nvSpPr>
+        <p:spPr/>
+        <p:txBody>
+          <a:bodyPr/>
+          <a:lstStyle/>
+          <a:p>
+            <a:r>
+              <a:rPr kumimoji="1" lang="ja-JP" altLang="en-US" dirty="0"/>
+              <a:t>ポリモーフィズム</a:t>
+            </a:r>
+          </a:p>
+        </p:txBody>
+      </p:sp>
+      <p:sp>
+        <p:nvSpPr>
+          <p:cNvPr id="3" name="コンテンツ プレースホルダー 2">
+            <a:extLst>
+              <a:ext uri="{FF2B5EF4-FFF2-40B4-BE49-F238E27FC236}">
+                <a16:creationId xmlns:a16="http://schemas.microsoft.com/office/drawing/2014/main" id="{64DBE417-57E9-44A6-BB52-B2F9986BB7B2}"/>
+              </a:ext>
+            </a:extLst>
+          </p:cNvPr>
+          <p:cNvSpPr>
+            <a:spLocks noGrp="1"/>
+          </p:cNvSpPr>
+          <p:nvPr>
+            <p:ph idx="1"/>
+          </p:nvPr>
+        </p:nvSpPr>
+        <p:spPr>
+          <a:xfrm>
+            <a:off x="838200" y="1162976"/>
+            <a:ext cx="10515600" cy="5193373"/>
+          </a:xfrm>
+        </p:spPr>
+        <p:txBody>
+          <a:bodyPr>
+            <a:normAutofit/>
+          </a:bodyPr>
+          <a:lstStyle/>
+          <a:p>
+            <a:r>
+              <a:rPr kumimoji="1" lang="en-US" altLang="ja-JP" dirty="0"/>
+              <a:t>calc.</a:t>
+            </a:r>
+            <a:r>
+              <a:rPr lang="en-US" altLang="ja-JP" dirty="0"/>
+              <a:t>cpp</a:t>
+            </a:r>
+            <a:r>
+              <a:rPr kumimoji="1" lang="ja-JP" altLang="en-US" dirty="0"/>
+              <a:t>　</a:t>
+            </a:r>
+            <a:r>
+              <a:rPr kumimoji="1" lang="en-US" altLang="ja-JP" dirty="0"/>
+              <a:t>(Sample503)</a:t>
+            </a:r>
+            <a:br>
+              <a:rPr lang="en-US" altLang="ja-JP" dirty="0"/>
+            </a:br>
+            <a:endParaRPr lang="en-US" altLang="ja-JP" dirty="0"/>
+          </a:p>
+          <a:p>
+            <a:pPr marL="0" indent="0">
+              <a:buNone/>
+            </a:pPr>
+            <a:br>
+              <a:rPr lang="en-US" altLang="ja-JP" dirty="0"/>
+            </a:br>
+            <a:br>
+              <a:rPr lang="en-US" altLang="ja-JP" dirty="0"/>
+            </a:br>
+            <a:br>
+              <a:rPr lang="en-US" altLang="ja-JP" dirty="0"/>
+            </a:br>
+            <a:br>
+              <a:rPr lang="en-US" altLang="ja-JP" sz="2400" dirty="0"/>
+            </a:br>
+            <a:br>
+              <a:rPr lang="en-US" altLang="ja-JP" sz="2400" dirty="0"/>
+            </a:br>
+            <a:endParaRPr lang="en-US" altLang="ja-JP" sz="2400" dirty="0"/>
+          </a:p>
+          <a:p>
+            <a:pPr marL="0" indent="0">
+              <a:buNone/>
+            </a:pPr>
+            <a:br>
+              <a:rPr lang="en-US" altLang="ja-JP" sz="2400" dirty="0"/>
+            </a:br>
+            <a:endParaRPr lang="en-US" altLang="ja-JP" dirty="0">
+              <a:solidFill>
+                <a:srgbClr val="FF0000"/>
+              </a:solidFill>
+            </a:endParaRPr>
+          </a:p>
+        </p:txBody>
+      </p:sp>
+      <p:sp>
+        <p:nvSpPr>
+          <p:cNvPr id="5" name="テキスト ボックス 4">
+            <a:extLst>
+              <a:ext uri="{FF2B5EF4-FFF2-40B4-BE49-F238E27FC236}">
+                <a16:creationId xmlns:a16="http://schemas.microsoft.com/office/drawing/2014/main" id="{9E32883C-0E37-4F07-9861-27609819CE8C}"/>
+              </a:ext>
+            </a:extLst>
+          </p:cNvPr>
+          <p:cNvSpPr txBox="1"/>
+          <p:nvPr/>
+        </p:nvSpPr>
+        <p:spPr>
+          <a:xfrm>
+            <a:off x="1048255" y="1864708"/>
+            <a:ext cx="10688220" cy="4893647"/>
+          </a:xfrm>
+          <a:prstGeom prst="rect">
+            <a:avLst/>
+          </a:prstGeom>
+          <a:noFill/>
+          <a:ln>
+            <a:solidFill>
+              <a:schemeClr val="tx1"/>
+            </a:solidFill>
+          </a:ln>
+        </p:spPr>
+        <p:txBody>
+          <a:bodyPr wrap="square" rtlCol="0">
+            <a:spAutoFit/>
+          </a:bodyPr>
+          <a:lstStyle/>
+          <a:p>
+            <a:r>
+              <a:rPr kumimoji="1" lang="en-US" altLang="ja-JP" sz="2400" dirty="0"/>
+              <a:t>#include "</a:t>
+            </a:r>
+            <a:r>
+              <a:rPr kumimoji="1" lang="en-US" altLang="ja-JP" sz="2400" dirty="0" err="1"/>
+              <a:t>calc.h</a:t>
+            </a:r>
+            <a:r>
+              <a:rPr kumimoji="1" lang="en-US" altLang="ja-JP" sz="2400" dirty="0"/>
+              <a:t>"</a:t>
+            </a:r>
+          </a:p>
+          <a:p>
+            <a:r>
+              <a:rPr kumimoji="1" lang="en-US" altLang="ja-JP" sz="2400" dirty="0"/>
+              <a:t>Calc::</a:t>
+            </a:r>
+            <a:r>
+              <a:rPr kumimoji="1" lang="en-US" altLang="ja-JP" sz="2400" dirty="0">
+                <a:solidFill>
+                  <a:srgbClr val="FF0000"/>
+                </a:solidFill>
+              </a:rPr>
+              <a:t>Calc() </a:t>
+            </a:r>
+            <a:r>
+              <a:rPr kumimoji="1" lang="en-US" altLang="ja-JP" sz="2400" dirty="0"/>
+              <a:t>: </a:t>
+            </a:r>
+            <a:r>
+              <a:rPr kumimoji="1" lang="en-US" altLang="ja-JP" sz="2400" dirty="0" err="1"/>
+              <a:t>m_a</a:t>
+            </a:r>
+            <a:r>
+              <a:rPr kumimoji="1" lang="en-US" altLang="ja-JP" sz="2400" dirty="0"/>
+              <a:t>(0), </a:t>
+            </a:r>
+            <a:r>
+              <a:rPr kumimoji="1" lang="en-US" altLang="ja-JP" sz="2400" dirty="0" err="1"/>
+              <a:t>m_b</a:t>
+            </a:r>
+            <a:r>
+              <a:rPr kumimoji="1" lang="en-US" altLang="ja-JP" sz="2400" dirty="0"/>
+              <a:t>(0) {}</a:t>
+            </a:r>
+          </a:p>
+          <a:p>
+            <a:r>
+              <a:rPr kumimoji="1" lang="en-US" altLang="ja-JP" sz="2400" dirty="0"/>
+              <a:t>Calc::</a:t>
+            </a:r>
+            <a:r>
+              <a:rPr kumimoji="1" lang="en-US" altLang="ja-JP" sz="2400" dirty="0">
+                <a:solidFill>
+                  <a:srgbClr val="00B0F0"/>
+                </a:solidFill>
+              </a:rPr>
+              <a:t>Calc(int a, int b) </a:t>
+            </a:r>
+            <a:r>
+              <a:rPr kumimoji="1" lang="en-US" altLang="ja-JP" sz="2400" dirty="0"/>
+              <a:t>: </a:t>
+            </a:r>
+            <a:r>
+              <a:rPr kumimoji="1" lang="en-US" altLang="ja-JP" sz="2400" dirty="0" err="1"/>
+              <a:t>m_a</a:t>
+            </a:r>
+            <a:r>
+              <a:rPr kumimoji="1" lang="en-US" altLang="ja-JP" sz="2400" dirty="0"/>
+              <a:t>(a), </a:t>
+            </a:r>
+            <a:r>
+              <a:rPr kumimoji="1" lang="en-US" altLang="ja-JP" sz="2400" dirty="0" err="1"/>
+              <a:t>m_b</a:t>
+            </a:r>
+            <a:r>
+              <a:rPr kumimoji="1" lang="en-US" altLang="ja-JP" sz="2400" dirty="0"/>
+              <a:t>(b) {}</a:t>
+            </a:r>
+          </a:p>
+          <a:p>
+            <a:r>
+              <a:rPr kumimoji="1" lang="en-US" altLang="ja-JP" sz="2400" dirty="0"/>
+              <a:t>int Calc::add() {</a:t>
+            </a:r>
+          </a:p>
+          <a:p>
+            <a:r>
+              <a:rPr kumimoji="1" lang="en-US" altLang="ja-JP" sz="2400" dirty="0"/>
+              <a:t>	return </a:t>
+            </a:r>
+            <a:r>
+              <a:rPr kumimoji="1" lang="en-US" altLang="ja-JP" sz="2400" dirty="0" err="1"/>
+              <a:t>m_a</a:t>
+            </a:r>
+            <a:r>
+              <a:rPr kumimoji="1" lang="en-US" altLang="ja-JP" sz="2400" dirty="0"/>
+              <a:t> + </a:t>
+            </a:r>
+            <a:r>
+              <a:rPr kumimoji="1" lang="en-US" altLang="ja-JP" sz="2400" dirty="0" err="1"/>
+              <a:t>m_b</a:t>
+            </a:r>
+            <a:r>
+              <a:rPr kumimoji="1" lang="en-US" altLang="ja-JP" sz="2400" dirty="0"/>
+              <a:t>;</a:t>
+            </a:r>
+          </a:p>
+          <a:p>
+            <a:r>
+              <a:rPr kumimoji="1" lang="en-US" altLang="ja-JP" sz="2400" dirty="0"/>
+              <a:t>}</a:t>
+            </a:r>
+          </a:p>
+          <a:p>
+            <a:r>
+              <a:rPr kumimoji="1" lang="en-US" altLang="ja-JP" sz="2400" dirty="0"/>
+              <a:t>int Calc::add(int a, int b) {</a:t>
+            </a:r>
+          </a:p>
+          <a:p>
+            <a:r>
+              <a:rPr kumimoji="1" lang="en-US" altLang="ja-JP" sz="2400" dirty="0"/>
+              <a:t>	return a + b;</a:t>
+            </a:r>
+          </a:p>
+          <a:p>
+            <a:r>
+              <a:rPr kumimoji="1" lang="en-US" altLang="ja-JP" sz="2400" dirty="0"/>
+              <a:t>}</a:t>
+            </a:r>
+          </a:p>
+          <a:p>
+            <a:r>
+              <a:rPr kumimoji="1" lang="en-US" altLang="ja-JP" sz="2400" dirty="0"/>
+              <a:t>void Calc::</a:t>
+            </a:r>
+            <a:r>
+              <a:rPr kumimoji="1" lang="en-US" altLang="ja-JP" sz="2400" dirty="0" err="1"/>
+              <a:t>setValue</a:t>
+            </a:r>
+            <a:r>
+              <a:rPr kumimoji="1" lang="en-US" altLang="ja-JP" sz="2400" dirty="0"/>
+              <a:t>(int a, int b) {</a:t>
+            </a:r>
+          </a:p>
+          <a:p>
+            <a:r>
+              <a:rPr kumimoji="1" lang="en-US" altLang="ja-JP" sz="2400" dirty="0"/>
+              <a:t>	</a:t>
+            </a:r>
+            <a:r>
+              <a:rPr kumimoji="1" lang="en-US" altLang="ja-JP" sz="2400" dirty="0" err="1"/>
+              <a:t>m_a</a:t>
+            </a:r>
+            <a:r>
+              <a:rPr kumimoji="1" lang="en-US" altLang="ja-JP" sz="2400" dirty="0"/>
+              <a:t> = a;</a:t>
+            </a:r>
+          </a:p>
+          <a:p>
+            <a:r>
+              <a:rPr kumimoji="1" lang="en-US" altLang="ja-JP" sz="2400" dirty="0"/>
+              <a:t>	</a:t>
+            </a:r>
+            <a:r>
+              <a:rPr kumimoji="1" lang="en-US" altLang="ja-JP" sz="2400" dirty="0" err="1"/>
+              <a:t>m_b</a:t>
+            </a:r>
+            <a:r>
+              <a:rPr kumimoji="1" lang="en-US" altLang="ja-JP" sz="2400" dirty="0"/>
+              <a:t> = b;</a:t>
+            </a:r>
+          </a:p>
+          <a:p>
+            <a:r>
+              <a:rPr kumimoji="1" lang="en-US" altLang="ja-JP" sz="2400" dirty="0"/>
+              <a:t>}</a:t>
+            </a:r>
+          </a:p>
+        </p:txBody>
+      </p:sp>
+      <p:sp>
+        <p:nvSpPr>
+          <p:cNvPr id="6" name="テキスト ボックス 5">
+            <a:extLst>
+              <a:ext uri="{FF2B5EF4-FFF2-40B4-BE49-F238E27FC236}">
+                <a16:creationId xmlns:a16="http://schemas.microsoft.com/office/drawing/2014/main" id="{8AA40FB2-F2C9-5F87-35DA-2EF09700F491}"/>
+              </a:ext>
+            </a:extLst>
+          </p:cNvPr>
+          <p:cNvSpPr txBox="1"/>
+          <p:nvPr/>
+        </p:nvSpPr>
+        <p:spPr>
+          <a:xfrm>
+            <a:off x="7979976" y="4080699"/>
+            <a:ext cx="3756499" cy="2677656"/>
+          </a:xfrm>
+          <a:prstGeom prst="rect">
+            <a:avLst/>
+          </a:prstGeom>
+          <a:noFill/>
+          <a:ln>
+            <a:solidFill>
+              <a:schemeClr val="tx1"/>
+            </a:solidFill>
+          </a:ln>
+        </p:spPr>
+        <p:txBody>
+          <a:bodyPr wrap="square" rtlCol="0">
+            <a:spAutoFit/>
+          </a:bodyPr>
+          <a:lstStyle/>
+          <a:p>
+            <a:r>
+              <a:rPr kumimoji="1" lang="ja-JP" altLang="en-US" sz="2400" dirty="0"/>
+              <a:t>（続き）</a:t>
+            </a:r>
+            <a:endParaRPr kumimoji="1" lang="en-US" altLang="ja-JP" sz="2400" dirty="0"/>
+          </a:p>
+          <a:p>
+            <a:r>
+              <a:rPr kumimoji="1" lang="en-US" altLang="ja-JP" sz="2400" dirty="0"/>
+              <a:t>int Calc::</a:t>
+            </a:r>
+            <a:r>
+              <a:rPr kumimoji="1" lang="en-US" altLang="ja-JP" sz="2400" dirty="0" err="1"/>
+              <a:t>getA</a:t>
+            </a:r>
+            <a:r>
+              <a:rPr kumimoji="1" lang="en-US" altLang="ja-JP" sz="2400" dirty="0"/>
+              <a:t>() {</a:t>
+            </a:r>
+          </a:p>
+          <a:p>
+            <a:r>
+              <a:rPr kumimoji="1" lang="en-US" altLang="ja-JP" sz="2400" dirty="0"/>
+              <a:t>	return </a:t>
+            </a:r>
+            <a:r>
+              <a:rPr kumimoji="1" lang="en-US" altLang="ja-JP" sz="2400" dirty="0" err="1"/>
+              <a:t>m_a</a:t>
+            </a:r>
+            <a:r>
+              <a:rPr kumimoji="1" lang="en-US" altLang="ja-JP" sz="2400" dirty="0"/>
+              <a:t>;</a:t>
+            </a:r>
+          </a:p>
+          <a:p>
+            <a:r>
+              <a:rPr kumimoji="1" lang="en-US" altLang="ja-JP" sz="2400" dirty="0"/>
+              <a:t>}</a:t>
+            </a:r>
+          </a:p>
+          <a:p>
+            <a:r>
+              <a:rPr kumimoji="1" lang="en-US" altLang="ja-JP" sz="2400" dirty="0"/>
+              <a:t>int Calc::</a:t>
+            </a:r>
+            <a:r>
+              <a:rPr kumimoji="1" lang="en-US" altLang="ja-JP" sz="2400" dirty="0" err="1"/>
+              <a:t>getB</a:t>
+            </a:r>
+            <a:r>
+              <a:rPr kumimoji="1" lang="en-US" altLang="ja-JP" sz="2400" dirty="0"/>
+              <a:t>() {</a:t>
+            </a:r>
+          </a:p>
+          <a:p>
+            <a:r>
+              <a:rPr kumimoji="1" lang="en-US" altLang="ja-JP" sz="2400" dirty="0"/>
+              <a:t>	return </a:t>
+            </a:r>
+            <a:r>
+              <a:rPr kumimoji="1" lang="en-US" altLang="ja-JP" sz="2400" dirty="0" err="1"/>
+              <a:t>m_b</a:t>
+            </a:r>
+            <a:r>
+              <a:rPr kumimoji="1" lang="en-US" altLang="ja-JP" sz="2400" dirty="0"/>
+              <a:t>;</a:t>
+            </a:r>
+          </a:p>
+          <a:p>
+            <a:r>
+              <a:rPr kumimoji="1" lang="en-US" altLang="ja-JP" sz="2400" dirty="0"/>
+              <a:t>}</a:t>
+            </a:r>
+            <a:endParaRPr kumimoji="1" lang="ja-JP" altLang="en-US" sz="2400" dirty="0"/>
+          </a:p>
+        </p:txBody>
+      </p:sp>
+      <p:sp>
+        <p:nvSpPr>
+          <p:cNvPr id="4" name="テキスト ボックス 3">
+            <a:extLst>
+              <a:ext uri="{FF2B5EF4-FFF2-40B4-BE49-F238E27FC236}">
+                <a16:creationId xmlns:a16="http://schemas.microsoft.com/office/drawing/2014/main" id="{66CE7F4B-75FF-4B35-95DF-A25B059D18CF}"/>
+              </a:ext>
+            </a:extLst>
+          </p:cNvPr>
+          <p:cNvSpPr txBox="1"/>
+          <p:nvPr/>
+        </p:nvSpPr>
+        <p:spPr>
+          <a:xfrm>
+            <a:off x="3878983" y="255035"/>
+            <a:ext cx="7106433" cy="1815882"/>
+          </a:xfrm>
+          <a:prstGeom prst="rect">
+            <a:avLst/>
+          </a:prstGeom>
+          <a:solidFill>
+            <a:schemeClr val="bg1"/>
+          </a:solidFill>
+          <a:ln>
+            <a:solidFill>
+              <a:schemeClr val="tx1"/>
+            </a:solidFill>
+          </a:ln>
+          <a:effectLst>
+            <a:outerShdw blurRad="50800" dist="38100" dir="2700000" algn="tl" rotWithShape="0">
+              <a:prstClr val="black">
+                <a:alpha val="40000"/>
+              </a:prstClr>
+            </a:outerShdw>
+          </a:effectLst>
+        </p:spPr>
+        <p:txBody>
+          <a:bodyPr wrap="none" rtlCol="0">
+            <a:spAutoFit/>
+          </a:bodyPr>
+          <a:lstStyle/>
+          <a:p>
+            <a:r>
+              <a:rPr kumimoji="1" lang="ja-JP" altLang="en-US" sz="2800" b="1" dirty="0"/>
+              <a:t>コンストラクタのオーバーロード</a:t>
+            </a:r>
+            <a:endParaRPr kumimoji="1" lang="en-US" altLang="ja-JP" sz="2800" b="1" dirty="0">
+              <a:solidFill>
+                <a:srgbClr val="00B050"/>
+              </a:solidFill>
+            </a:endParaRPr>
+          </a:p>
+          <a:p>
+            <a:r>
+              <a:rPr kumimoji="1" lang="ja-JP" altLang="en-US" sz="2800" dirty="0"/>
+              <a:t>　コンストラクタをオーバーロードしたときは</a:t>
+            </a:r>
+            <a:endParaRPr kumimoji="1" lang="en-US" altLang="ja-JP" sz="2800" dirty="0"/>
+          </a:p>
+          <a:p>
+            <a:r>
+              <a:rPr kumimoji="1" lang="ja-JP" altLang="en-US" sz="2800" dirty="0"/>
+              <a:t>　必ず引数のない</a:t>
+            </a:r>
+            <a:r>
+              <a:rPr kumimoji="1" lang="ja-JP" altLang="en-US" sz="2800" dirty="0">
+                <a:solidFill>
+                  <a:srgbClr val="FF0000"/>
+                </a:solidFill>
+              </a:rPr>
+              <a:t>デフォルトコンストラクタ</a:t>
+            </a:r>
+            <a:r>
+              <a:rPr kumimoji="1" lang="ja-JP" altLang="en-US" sz="2800" dirty="0"/>
+              <a:t>の</a:t>
+            </a:r>
+            <a:endParaRPr kumimoji="1" lang="en-US" altLang="ja-JP" sz="2800" dirty="0"/>
+          </a:p>
+          <a:p>
+            <a:r>
+              <a:rPr kumimoji="1" lang="ja-JP" altLang="en-US" sz="2800" dirty="0"/>
+              <a:t>　定義を行う必要がある！</a:t>
+            </a:r>
+            <a:endParaRPr kumimoji="1" lang="en-US" altLang="ja-JP" sz="2800" dirty="0"/>
+          </a:p>
+        </p:txBody>
+      </p:sp>
+      <p:sp>
+        <p:nvSpPr>
+          <p:cNvPr id="7" name="矢印: 右 6">
+            <a:extLst>
+              <a:ext uri="{FF2B5EF4-FFF2-40B4-BE49-F238E27FC236}">
+                <a16:creationId xmlns:a16="http://schemas.microsoft.com/office/drawing/2014/main" id="{0FE3C184-612E-9D73-0110-A3067C92B8E2}"/>
+              </a:ext>
+            </a:extLst>
+          </p:cNvPr>
+          <p:cNvSpPr/>
+          <p:nvPr/>
+        </p:nvSpPr>
+        <p:spPr>
+          <a:xfrm rot="20590582" flipH="1">
+            <a:off x="3326858" y="2040288"/>
+            <a:ext cx="603115" cy="365308"/>
+          </a:xfrm>
+          <a:prstGeom prst="rightArrow">
+            <a:avLst/>
+          </a:prstGeom>
+        </p:spPr>
+        <p:style>
+          <a:lnRef idx="2">
+            <a:schemeClr val="accent1">
+              <a:shade val="15000"/>
+            </a:schemeClr>
+          </a:lnRef>
+          <a:fillRef idx="1">
+            <a:schemeClr val="accent1"/>
+          </a:fillRef>
+          <a:effectRef idx="0">
+            <a:schemeClr val="accent1"/>
+          </a:effectRef>
+          <a:fontRef idx="minor">
+            <a:schemeClr val="lt1"/>
+          </a:fontRef>
+        </p:style>
+        <p:txBody>
+          <a:bodyPr rtlCol="0" anchor="ctr"/>
+          <a:lstStyle/>
+          <a:p>
+            <a:pPr algn="ctr"/>
+            <a:endParaRPr kumimoji="1" lang="ja-JP" altLang="en-US"/>
+          </a:p>
+        </p:txBody>
+      </p:sp>
+    </p:spTree>
+    <p:extLst>
+      <p:ext uri="{BB962C8B-B14F-4D97-AF65-F5344CB8AC3E}">
+        <p14:creationId xmlns:p14="http://schemas.microsoft.com/office/powerpoint/2010/main" val="3937069281"/>
+      </p:ext>
+    </p:extLst>
+  </p:cSld>
+  <p:clrMapOvr>
+    <a:masterClrMapping/>
+  </p:clrMapOvr>
+</p:sld>
+</file>
+
+<file path=ppt/slides/slide29.xml><?xml version="1.0" encoding="utf-8"?>
+<p:sld xmlns:a="http://schemas.openxmlformats.org/drawingml/2006/main" xmlns:r="http://schemas.openxmlformats.org/officeDocument/2006/relationships" xmlns:p="http://schemas.openxmlformats.org/presentationml/2006/main">
+  <p:cSld>
+    <p:spTree>
+      <p:nvGrpSpPr>
+        <p:cNvPr id="1" name=""/>
+        <p:cNvGrpSpPr/>
+        <p:nvPr/>
+      </p:nvGrpSpPr>
+      <p:grpSpPr>
+        <a:xfrm>
+          <a:off x="0" y="0"/>
+          <a:ext cx="0" cy="0"/>
+          <a:chOff x="0" y="0"/>
+          <a:chExt cx="0" cy="0"/>
+        </a:xfrm>
+      </p:grpSpPr>
+      <p:sp>
+        <p:nvSpPr>
+          <p:cNvPr id="2" name="タイトル 1">
+            <a:extLst>
+              <a:ext uri="{FF2B5EF4-FFF2-40B4-BE49-F238E27FC236}">
+                <a16:creationId xmlns:a16="http://schemas.microsoft.com/office/drawing/2014/main" id="{F11F3668-F205-48C5-AC01-19611EFE561B}"/>
+              </a:ext>
+            </a:extLst>
+          </p:cNvPr>
+          <p:cNvSpPr>
+            <a:spLocks noGrp="1"/>
+          </p:cNvSpPr>
+          <p:nvPr>
+            <p:ph type="title"/>
+          </p:nvPr>
+        </p:nvSpPr>
+        <p:spPr/>
+        <p:txBody>
+          <a:bodyPr/>
+          <a:lstStyle/>
+          <a:p>
+            <a:r>
+              <a:rPr kumimoji="1" lang="ja-JP" altLang="en-US" dirty="0"/>
+              <a:t>ポリモーフィズム</a:t>
+            </a:r>
+          </a:p>
+        </p:txBody>
+      </p:sp>
+      <p:sp>
+        <p:nvSpPr>
+          <p:cNvPr id="3" name="コンテンツ プレースホルダー 2">
+            <a:extLst>
+              <a:ext uri="{FF2B5EF4-FFF2-40B4-BE49-F238E27FC236}">
+                <a16:creationId xmlns:a16="http://schemas.microsoft.com/office/drawing/2014/main" id="{64DBE417-57E9-44A6-BB52-B2F9986BB7B2}"/>
+              </a:ext>
+            </a:extLst>
+          </p:cNvPr>
+          <p:cNvSpPr>
+            <a:spLocks noGrp="1"/>
+          </p:cNvSpPr>
+          <p:nvPr>
+            <p:ph idx="1"/>
+          </p:nvPr>
+        </p:nvSpPr>
+        <p:spPr>
+          <a:xfrm>
+            <a:off x="838200" y="1162976"/>
+            <a:ext cx="10515600" cy="5193373"/>
+          </a:xfrm>
+        </p:spPr>
+        <p:txBody>
+          <a:bodyPr>
+            <a:normAutofit/>
+          </a:bodyPr>
+          <a:lstStyle/>
+          <a:p>
+            <a:r>
+              <a:rPr kumimoji="1" lang="en-US" altLang="ja-JP" dirty="0"/>
+              <a:t>calc.</a:t>
+            </a:r>
+            <a:r>
+              <a:rPr lang="en-US" altLang="ja-JP" dirty="0"/>
+              <a:t>cpp</a:t>
+            </a:r>
+            <a:r>
+              <a:rPr kumimoji="1" lang="ja-JP" altLang="en-US" dirty="0"/>
+              <a:t>　</a:t>
+            </a:r>
+            <a:r>
+              <a:rPr kumimoji="1" lang="en-US" altLang="ja-JP" dirty="0"/>
+              <a:t>(Sample503)</a:t>
+            </a:r>
+            <a:br>
+              <a:rPr lang="en-US" altLang="ja-JP" dirty="0"/>
+            </a:br>
+            <a:endParaRPr lang="en-US" altLang="ja-JP" dirty="0"/>
+          </a:p>
+          <a:p>
+            <a:pPr marL="0" indent="0">
+              <a:buNone/>
+            </a:pPr>
+            <a:br>
+              <a:rPr lang="en-US" altLang="ja-JP" dirty="0"/>
+            </a:br>
+            <a:br>
+              <a:rPr lang="en-US" altLang="ja-JP" dirty="0"/>
+            </a:br>
+            <a:br>
+              <a:rPr lang="en-US" altLang="ja-JP" dirty="0"/>
+            </a:br>
+            <a:br>
+              <a:rPr lang="en-US" altLang="ja-JP" sz="2400" dirty="0"/>
+            </a:br>
+            <a:br>
+              <a:rPr lang="en-US" altLang="ja-JP" sz="2400" dirty="0"/>
+            </a:br>
+            <a:endParaRPr lang="en-US" altLang="ja-JP" sz="2400" dirty="0"/>
+          </a:p>
+          <a:p>
+            <a:pPr marL="0" indent="0">
+              <a:buNone/>
+            </a:pPr>
+            <a:br>
+              <a:rPr lang="en-US" altLang="ja-JP" sz="2400" dirty="0"/>
+            </a:br>
+            <a:endParaRPr lang="en-US" altLang="ja-JP" dirty="0">
+              <a:solidFill>
+                <a:srgbClr val="FF0000"/>
+              </a:solidFill>
+            </a:endParaRPr>
+          </a:p>
+        </p:txBody>
+      </p:sp>
+      <p:sp>
+        <p:nvSpPr>
+          <p:cNvPr id="5" name="テキスト ボックス 4">
+            <a:extLst>
+              <a:ext uri="{FF2B5EF4-FFF2-40B4-BE49-F238E27FC236}">
+                <a16:creationId xmlns:a16="http://schemas.microsoft.com/office/drawing/2014/main" id="{9E32883C-0E37-4F07-9861-27609819CE8C}"/>
+              </a:ext>
+            </a:extLst>
+          </p:cNvPr>
+          <p:cNvSpPr txBox="1"/>
+          <p:nvPr/>
+        </p:nvSpPr>
+        <p:spPr>
+          <a:xfrm>
+            <a:off x="1048254" y="1709060"/>
+            <a:ext cx="11072409" cy="5262979"/>
+          </a:xfrm>
+          <a:prstGeom prst="rect">
+            <a:avLst/>
+          </a:prstGeom>
+          <a:noFill/>
+          <a:ln>
+            <a:solidFill>
+              <a:schemeClr val="tx1"/>
+            </a:solidFill>
+          </a:ln>
+        </p:spPr>
+        <p:txBody>
+          <a:bodyPr wrap="square" rtlCol="0">
+            <a:spAutoFit/>
+          </a:bodyPr>
+          <a:lstStyle/>
+          <a:p>
+            <a:r>
+              <a:rPr kumimoji="1" lang="en-US" altLang="ja-JP" sz="2000" dirty="0"/>
+              <a:t>#include "</a:t>
+            </a:r>
+            <a:r>
+              <a:rPr kumimoji="1" lang="en-US" altLang="ja-JP" sz="2000" dirty="0" err="1"/>
+              <a:t>calc.h</a:t>
+            </a:r>
+            <a:r>
+              <a:rPr kumimoji="1" lang="en-US" altLang="ja-JP" sz="2000" dirty="0"/>
+              <a:t>"</a:t>
+            </a:r>
+          </a:p>
+          <a:p>
+            <a:r>
+              <a:rPr kumimoji="1" lang="en-US" altLang="ja-JP" sz="2000" dirty="0"/>
+              <a:t>#include &lt;iostream&gt;</a:t>
+            </a:r>
+          </a:p>
+          <a:p>
+            <a:r>
+              <a:rPr kumimoji="1" lang="en-US" altLang="ja-JP" sz="2000" dirty="0"/>
+              <a:t>using namespace std;</a:t>
+            </a:r>
+          </a:p>
+          <a:p>
+            <a:r>
+              <a:rPr kumimoji="1" lang="en-US" altLang="ja-JP" sz="2400" dirty="0"/>
+              <a:t>int main() {</a:t>
+            </a:r>
+          </a:p>
+          <a:p>
+            <a:r>
+              <a:rPr kumimoji="1" lang="en-US" altLang="ja-JP" sz="2400" dirty="0"/>
+              <a:t>	Calc* pC1, * pC2;</a:t>
+            </a:r>
+          </a:p>
+          <a:p>
+            <a:r>
+              <a:rPr kumimoji="1" lang="en-US" altLang="ja-JP" sz="2400" dirty="0"/>
+              <a:t>	</a:t>
+            </a:r>
+            <a:r>
+              <a:rPr kumimoji="1" lang="en-US" altLang="ja-JP" sz="2400" dirty="0">
+                <a:solidFill>
+                  <a:srgbClr val="FF0000"/>
+                </a:solidFill>
+              </a:rPr>
+              <a:t>pC1</a:t>
+            </a:r>
+            <a:r>
+              <a:rPr kumimoji="1" lang="en-US" altLang="ja-JP" sz="2400" dirty="0"/>
+              <a:t> </a:t>
+            </a:r>
+            <a:r>
+              <a:rPr kumimoji="1" lang="en-US" altLang="ja-JP" sz="2400" dirty="0">
+                <a:solidFill>
+                  <a:srgbClr val="FF0000"/>
+                </a:solidFill>
+              </a:rPr>
+              <a:t>= new Calc()</a:t>
+            </a:r>
+            <a:r>
+              <a:rPr kumimoji="1" lang="en-US" altLang="ja-JP" sz="2400" dirty="0"/>
+              <a:t>;</a:t>
+            </a:r>
+          </a:p>
+          <a:p>
+            <a:r>
+              <a:rPr kumimoji="1" lang="en-US" altLang="ja-JP" sz="2400" dirty="0"/>
+              <a:t>	</a:t>
+            </a:r>
+            <a:r>
+              <a:rPr kumimoji="1" lang="en-US" altLang="ja-JP" sz="2400" dirty="0">
+                <a:solidFill>
+                  <a:srgbClr val="00B0F0"/>
+                </a:solidFill>
+              </a:rPr>
+              <a:t>pC2</a:t>
+            </a:r>
+            <a:r>
+              <a:rPr kumimoji="1" lang="en-US" altLang="ja-JP" sz="2400" dirty="0"/>
+              <a:t> </a:t>
+            </a:r>
+            <a:r>
+              <a:rPr kumimoji="1" lang="en-US" altLang="ja-JP" sz="2400" dirty="0">
+                <a:solidFill>
+                  <a:srgbClr val="00B0F0"/>
+                </a:solidFill>
+              </a:rPr>
+              <a:t>= new Calc(</a:t>
+            </a:r>
+            <a:r>
+              <a:rPr kumimoji="1" lang="en-US" altLang="ja-JP" sz="2400" dirty="0">
+                <a:highlight>
+                  <a:srgbClr val="FFFF00"/>
+                </a:highlight>
+              </a:rPr>
+              <a:t>1, 2</a:t>
+            </a:r>
+            <a:r>
+              <a:rPr kumimoji="1" lang="en-US" altLang="ja-JP" sz="2400" dirty="0">
+                <a:solidFill>
+                  <a:srgbClr val="00B0F0"/>
+                </a:solidFill>
+              </a:rPr>
+              <a:t>)</a:t>
+            </a:r>
+            <a:r>
+              <a:rPr kumimoji="1" lang="en-US" altLang="ja-JP" sz="2400" dirty="0"/>
+              <a:t>;</a:t>
+            </a:r>
+          </a:p>
+          <a:p>
+            <a:r>
+              <a:rPr kumimoji="1" lang="en-US" altLang="ja-JP" sz="2400" dirty="0"/>
+              <a:t>	</a:t>
+            </a:r>
+            <a:r>
+              <a:rPr kumimoji="1" lang="en-US" altLang="ja-JP" sz="2400" dirty="0" err="1"/>
+              <a:t>cout</a:t>
+            </a:r>
+            <a:r>
+              <a:rPr kumimoji="1" lang="en-US" altLang="ja-JP" sz="2400" dirty="0"/>
+              <a:t> &lt;&lt; 3 &lt;&lt; "+" &lt;&lt; 4 &lt;&lt; "="	&lt;&lt; pC1-&gt;add(3, 4) &lt;&lt; </a:t>
+            </a:r>
+            <a:r>
+              <a:rPr kumimoji="1" lang="en-US" altLang="ja-JP" sz="2400" dirty="0" err="1"/>
+              <a:t>endl</a:t>
+            </a:r>
+            <a:r>
+              <a:rPr kumimoji="1" lang="en-US" altLang="ja-JP" sz="2400" dirty="0"/>
+              <a:t>;</a:t>
+            </a:r>
+          </a:p>
+          <a:p>
+            <a:r>
+              <a:rPr kumimoji="1" lang="en-US" altLang="ja-JP" sz="2400" dirty="0"/>
+              <a:t>	</a:t>
+            </a:r>
+            <a:r>
+              <a:rPr kumimoji="1" lang="en-US" altLang="ja-JP" sz="2400" dirty="0" err="1"/>
+              <a:t>cout</a:t>
+            </a:r>
+            <a:r>
+              <a:rPr kumimoji="1" lang="en-US" altLang="ja-JP" sz="2400" dirty="0"/>
+              <a:t> &lt;&lt; pC2-&gt;</a:t>
+            </a:r>
+            <a:r>
+              <a:rPr kumimoji="1" lang="en-US" altLang="ja-JP" sz="2400" dirty="0" err="1"/>
+              <a:t>getA</a:t>
+            </a:r>
+            <a:r>
+              <a:rPr kumimoji="1" lang="en-US" altLang="ja-JP" sz="2400" dirty="0"/>
+              <a:t>() &lt;&lt; “+”	&lt;&lt; pC2-&gt;</a:t>
+            </a:r>
+            <a:r>
+              <a:rPr kumimoji="1" lang="en-US" altLang="ja-JP" sz="2400" dirty="0" err="1"/>
+              <a:t>getB</a:t>
+            </a:r>
+            <a:r>
+              <a:rPr kumimoji="1" lang="en-US" altLang="ja-JP" sz="2400" dirty="0"/>
+              <a:t>() </a:t>
+            </a:r>
+            <a:br>
+              <a:rPr kumimoji="1" lang="en-US" altLang="ja-JP" sz="2400" dirty="0"/>
+            </a:br>
+            <a:r>
+              <a:rPr kumimoji="1" lang="ja-JP" altLang="en-US" sz="2400" dirty="0"/>
+              <a:t>     </a:t>
+            </a:r>
+            <a:r>
+              <a:rPr kumimoji="1" lang="en-US" altLang="ja-JP" sz="2400" dirty="0"/>
+              <a:t>&lt;&lt; "=“ &lt;&lt; pC2-&gt;add() &lt;&lt; </a:t>
+            </a:r>
+            <a:r>
+              <a:rPr kumimoji="1" lang="en-US" altLang="ja-JP" sz="2400" dirty="0" err="1"/>
+              <a:t>endl</a:t>
+            </a:r>
+            <a:r>
+              <a:rPr kumimoji="1" lang="en-US" altLang="ja-JP" sz="2400" dirty="0"/>
+              <a:t>;</a:t>
+            </a:r>
+          </a:p>
+          <a:p>
+            <a:r>
+              <a:rPr kumimoji="1" lang="en-US" altLang="ja-JP" sz="2400" dirty="0"/>
+              <a:t>	delete pC1;</a:t>
+            </a:r>
+          </a:p>
+          <a:p>
+            <a:r>
+              <a:rPr kumimoji="1" lang="en-US" altLang="ja-JP" sz="2400" dirty="0"/>
+              <a:t>	delete pC2;</a:t>
+            </a:r>
+          </a:p>
+          <a:p>
+            <a:r>
+              <a:rPr kumimoji="1" lang="en-US" altLang="ja-JP" sz="2400" dirty="0"/>
+              <a:t>	return 0;</a:t>
+            </a:r>
+          </a:p>
+          <a:p>
+            <a:r>
+              <a:rPr kumimoji="1" lang="en-US" altLang="ja-JP" sz="2400" dirty="0"/>
+              <a:t>}</a:t>
+            </a:r>
+          </a:p>
+        </p:txBody>
+      </p:sp>
+      <p:sp>
+        <p:nvSpPr>
+          <p:cNvPr id="4" name="テキスト ボックス 3">
+            <a:extLst>
+              <a:ext uri="{FF2B5EF4-FFF2-40B4-BE49-F238E27FC236}">
+                <a16:creationId xmlns:a16="http://schemas.microsoft.com/office/drawing/2014/main" id="{66CE7F4B-75FF-4B35-95DF-A25B059D18CF}"/>
+              </a:ext>
+            </a:extLst>
+          </p:cNvPr>
+          <p:cNvSpPr txBox="1"/>
+          <p:nvPr/>
+        </p:nvSpPr>
+        <p:spPr>
+          <a:xfrm>
+            <a:off x="5769512" y="1440553"/>
+            <a:ext cx="5726248" cy="2677656"/>
+          </a:xfrm>
+          <a:prstGeom prst="rect">
+            <a:avLst/>
+          </a:prstGeom>
+          <a:solidFill>
+            <a:schemeClr val="bg1"/>
+          </a:solidFill>
+          <a:ln>
+            <a:solidFill>
+              <a:schemeClr val="tx1"/>
+            </a:solidFill>
+          </a:ln>
+          <a:effectLst>
+            <a:outerShdw blurRad="50800" dist="38100" dir="2700000" algn="tl" rotWithShape="0">
+              <a:prstClr val="black">
+                <a:alpha val="40000"/>
+              </a:prstClr>
+            </a:outerShdw>
+          </a:effectLst>
+        </p:spPr>
+        <p:txBody>
+          <a:bodyPr wrap="none" rtlCol="0">
+            <a:spAutoFit/>
+          </a:bodyPr>
+          <a:lstStyle/>
+          <a:p>
+            <a:r>
+              <a:rPr kumimoji="1" lang="en-US" altLang="ja-JP" sz="2800" dirty="0">
+                <a:solidFill>
+                  <a:srgbClr val="FF0000"/>
+                </a:solidFill>
+              </a:rPr>
+              <a:t>pC1</a:t>
+            </a:r>
+            <a:r>
+              <a:rPr kumimoji="1" lang="en-US" altLang="ja-JP" sz="2800" dirty="0"/>
+              <a:t>: </a:t>
+            </a:r>
+            <a:r>
+              <a:rPr kumimoji="1" lang="ja-JP" altLang="en-US" sz="2800" dirty="0"/>
+              <a:t>引数</a:t>
+            </a:r>
+            <a:r>
+              <a:rPr kumimoji="1" lang="ja-JP" altLang="en-US" sz="2800" dirty="0">
+                <a:solidFill>
+                  <a:srgbClr val="FF0000"/>
+                </a:solidFill>
+              </a:rPr>
+              <a:t>なし</a:t>
+            </a:r>
+            <a:r>
+              <a:rPr kumimoji="1" lang="ja-JP" altLang="en-US" sz="2800" dirty="0"/>
+              <a:t>のインスタンス</a:t>
+            </a:r>
+            <a:br>
+              <a:rPr kumimoji="1" lang="en-US" altLang="ja-JP" sz="2800" dirty="0"/>
+            </a:br>
+            <a:r>
+              <a:rPr kumimoji="1" lang="ja-JP" altLang="en-US" sz="2800" dirty="0"/>
+              <a:t>　　　　メンバ </a:t>
+            </a:r>
+            <a:r>
+              <a:rPr kumimoji="1" lang="en-US" altLang="ja-JP" sz="2800" dirty="0" err="1"/>
+              <a:t>m_a</a:t>
+            </a:r>
+            <a:r>
+              <a:rPr kumimoji="1" lang="en-US" altLang="ja-JP" sz="2800" dirty="0"/>
+              <a:t> </a:t>
+            </a:r>
+            <a:r>
+              <a:rPr kumimoji="1" lang="ja-JP" altLang="en-US" sz="2800" dirty="0"/>
+              <a:t>と </a:t>
+            </a:r>
+            <a:r>
+              <a:rPr kumimoji="1" lang="en-US" altLang="ja-JP" sz="2800" dirty="0" err="1"/>
+              <a:t>m_b</a:t>
+            </a:r>
+            <a:r>
+              <a:rPr kumimoji="1" lang="en-US" altLang="ja-JP" sz="2800" dirty="0"/>
+              <a:t> </a:t>
+            </a:r>
+            <a:r>
+              <a:rPr kumimoji="1" lang="ja-JP" altLang="en-US" sz="2800" dirty="0"/>
+              <a:t>は　</a:t>
+            </a:r>
+            <a:r>
+              <a:rPr kumimoji="1" lang="en-US" altLang="ja-JP" sz="2800" dirty="0"/>
+              <a:t>0</a:t>
+            </a:r>
+            <a:br>
+              <a:rPr kumimoji="1" lang="en-US" altLang="ja-JP" sz="2800" dirty="0"/>
+            </a:br>
+            <a:endParaRPr kumimoji="1" lang="en-US" altLang="ja-JP" sz="2800" dirty="0"/>
+          </a:p>
+          <a:p>
+            <a:r>
+              <a:rPr kumimoji="1" lang="en-US" altLang="ja-JP" sz="2800" dirty="0">
+                <a:solidFill>
+                  <a:srgbClr val="00B0F0"/>
+                </a:solidFill>
+              </a:rPr>
+              <a:t>pC2</a:t>
+            </a:r>
+            <a:r>
+              <a:rPr kumimoji="1" lang="ja-JP" altLang="en-US" sz="2800" dirty="0"/>
+              <a:t>：　引数</a:t>
+            </a:r>
+            <a:r>
+              <a:rPr kumimoji="1" lang="ja-JP" altLang="en-US" sz="2800" dirty="0">
+                <a:solidFill>
+                  <a:srgbClr val="00B0F0"/>
+                </a:solidFill>
+              </a:rPr>
+              <a:t>あり</a:t>
+            </a:r>
+            <a:r>
+              <a:rPr kumimoji="1" lang="ja-JP" altLang="en-US" sz="2800" dirty="0"/>
+              <a:t>のインスタンス</a:t>
+            </a:r>
+            <a:br>
+              <a:rPr kumimoji="1" lang="en-US" altLang="ja-JP" sz="2800" dirty="0"/>
+            </a:br>
+            <a:r>
+              <a:rPr kumimoji="1" lang="ja-JP" altLang="en-US" sz="2800" dirty="0"/>
+              <a:t>　　　　メンバ </a:t>
+            </a:r>
+            <a:r>
+              <a:rPr kumimoji="1" lang="en-US" altLang="ja-JP" sz="2800" dirty="0" err="1"/>
+              <a:t>m_a</a:t>
+            </a:r>
+            <a:r>
+              <a:rPr kumimoji="1" lang="en-US" altLang="ja-JP" sz="2800" dirty="0"/>
+              <a:t> </a:t>
+            </a:r>
+            <a:r>
+              <a:rPr kumimoji="1" lang="ja-JP" altLang="en-US" sz="2800" dirty="0"/>
+              <a:t>は　第一引数</a:t>
+            </a:r>
+            <a:br>
+              <a:rPr kumimoji="1" lang="en-US" altLang="ja-JP" sz="2800" dirty="0"/>
+            </a:br>
+            <a:r>
+              <a:rPr kumimoji="1" lang="ja-JP" altLang="en-US" sz="2800" dirty="0"/>
+              <a:t>　　　　メンバ </a:t>
+            </a:r>
+            <a:r>
+              <a:rPr kumimoji="1" lang="en-US" altLang="ja-JP" sz="2800" dirty="0" err="1"/>
+              <a:t>m_b</a:t>
+            </a:r>
+            <a:r>
+              <a:rPr kumimoji="1" lang="en-US" altLang="ja-JP" sz="2800" dirty="0"/>
+              <a:t> </a:t>
+            </a:r>
+            <a:r>
+              <a:rPr kumimoji="1" lang="ja-JP" altLang="en-US" sz="2800" dirty="0"/>
+              <a:t>は 第二引数</a:t>
+            </a:r>
+            <a:endParaRPr kumimoji="1" lang="en-US" altLang="ja-JP" sz="2800" dirty="0"/>
+          </a:p>
+        </p:txBody>
+      </p:sp>
+    </p:spTree>
+    <p:extLst>
+      <p:ext uri="{BB962C8B-B14F-4D97-AF65-F5344CB8AC3E}">
+        <p14:creationId xmlns:p14="http://schemas.microsoft.com/office/powerpoint/2010/main" val="2281677608"/>
+      </p:ext>
+    </p:extLst>
+  </p:cSld>
+  <p:clrMapOvr>
+    <a:masterClrMapping/>
+  </p:clrMapOvr>
+</p:sld>
+</file>
+
 <file path=ppt/slides/slide3.xml><?xml version="1.0" encoding="utf-8"?>
 <p:sld xmlns:a="http://schemas.openxmlformats.org/drawingml/2006/main" xmlns:r="http://schemas.openxmlformats.org/officeDocument/2006/relationships" xmlns:p="http://schemas.openxmlformats.org/presentationml/2006/main">
   <p:cSld>
@@ -11092,6 +12764,543 @@
     <p:extLst>
       <p:ext uri="{BB962C8B-B14F-4D97-AF65-F5344CB8AC3E}">
         <p14:creationId xmlns:p14="http://schemas.microsoft.com/office/powerpoint/2010/main" val="3561220882"/>
+      </p:ext>
+    </p:extLst>
+  </p:cSld>
+  <p:clrMapOvr>
+    <a:masterClrMapping/>
+  </p:clrMapOvr>
+</p:sld>
+</file>
+
+<file path=ppt/slides/slide30.xml><?xml version="1.0" encoding="utf-8"?>
+<p:sld xmlns:a="http://schemas.openxmlformats.org/drawingml/2006/main" xmlns:r="http://schemas.openxmlformats.org/officeDocument/2006/relationships" xmlns:p="http://schemas.openxmlformats.org/presentationml/2006/main">
+  <p:cSld>
+    <p:spTree>
+      <p:nvGrpSpPr>
+        <p:cNvPr id="1" name=""/>
+        <p:cNvGrpSpPr/>
+        <p:nvPr/>
+      </p:nvGrpSpPr>
+      <p:grpSpPr>
+        <a:xfrm>
+          <a:off x="0" y="0"/>
+          <a:ext cx="0" cy="0"/>
+          <a:chOff x="0" y="0"/>
+          <a:chExt cx="0" cy="0"/>
+        </a:xfrm>
+      </p:grpSpPr>
+      <p:sp>
+        <p:nvSpPr>
+          <p:cNvPr id="2" name="タイトル 1">
+            <a:extLst>
+              <a:ext uri="{FF2B5EF4-FFF2-40B4-BE49-F238E27FC236}">
+                <a16:creationId xmlns:a16="http://schemas.microsoft.com/office/drawing/2014/main" id="{F11F3668-F205-48C5-AC01-19611EFE561B}"/>
+              </a:ext>
+            </a:extLst>
+          </p:cNvPr>
+          <p:cNvSpPr>
+            <a:spLocks noGrp="1"/>
+          </p:cNvSpPr>
+          <p:nvPr>
+            <p:ph type="title"/>
+          </p:nvPr>
+        </p:nvSpPr>
+        <p:spPr/>
+        <p:txBody>
+          <a:bodyPr/>
+          <a:lstStyle/>
+          <a:p>
+            <a:r>
+              <a:rPr kumimoji="1" lang="ja-JP" altLang="en-US" dirty="0"/>
+              <a:t>ポリモーフィズム</a:t>
+            </a:r>
+          </a:p>
+        </p:txBody>
+      </p:sp>
+      <p:sp>
+        <p:nvSpPr>
+          <p:cNvPr id="3" name="コンテンツ プレースホルダー 2">
+            <a:extLst>
+              <a:ext uri="{FF2B5EF4-FFF2-40B4-BE49-F238E27FC236}">
+                <a16:creationId xmlns:a16="http://schemas.microsoft.com/office/drawing/2014/main" id="{64DBE417-57E9-44A6-BB52-B2F9986BB7B2}"/>
+              </a:ext>
+            </a:extLst>
+          </p:cNvPr>
+          <p:cNvSpPr>
+            <a:spLocks noGrp="1"/>
+          </p:cNvSpPr>
+          <p:nvPr>
+            <p:ph idx="1"/>
+          </p:nvPr>
+        </p:nvSpPr>
+        <p:spPr>
+          <a:xfrm>
+            <a:off x="838200" y="1162976"/>
+            <a:ext cx="10515600" cy="5193373"/>
+          </a:xfrm>
+        </p:spPr>
+        <p:txBody>
+          <a:bodyPr>
+            <a:normAutofit/>
+          </a:bodyPr>
+          <a:lstStyle/>
+          <a:p>
+            <a:r>
+              <a:rPr kumimoji="1" lang="en-US" altLang="ja-JP" dirty="0"/>
+              <a:t>calc.</a:t>
+            </a:r>
+            <a:r>
+              <a:rPr lang="en-US" altLang="ja-JP" dirty="0"/>
+              <a:t>cpp</a:t>
+            </a:r>
+            <a:r>
+              <a:rPr kumimoji="1" lang="ja-JP" altLang="en-US" dirty="0"/>
+              <a:t>　</a:t>
+            </a:r>
+            <a:r>
+              <a:rPr kumimoji="1" lang="en-US" altLang="ja-JP" dirty="0"/>
+              <a:t>(Sample503)</a:t>
+            </a:r>
+            <a:br>
+              <a:rPr lang="en-US" altLang="ja-JP" dirty="0"/>
+            </a:br>
+            <a:endParaRPr lang="en-US" altLang="ja-JP" dirty="0"/>
+          </a:p>
+          <a:p>
+            <a:pPr marL="0" indent="0">
+              <a:buNone/>
+            </a:pPr>
+            <a:br>
+              <a:rPr lang="en-US" altLang="ja-JP" dirty="0"/>
+            </a:br>
+            <a:br>
+              <a:rPr lang="en-US" altLang="ja-JP" dirty="0"/>
+            </a:br>
+            <a:br>
+              <a:rPr lang="en-US" altLang="ja-JP" dirty="0"/>
+            </a:br>
+            <a:br>
+              <a:rPr lang="en-US" altLang="ja-JP" sz="2400" dirty="0"/>
+            </a:br>
+            <a:br>
+              <a:rPr lang="en-US" altLang="ja-JP" sz="2400" dirty="0"/>
+            </a:br>
+            <a:endParaRPr lang="en-US" altLang="ja-JP" sz="2400" dirty="0"/>
+          </a:p>
+          <a:p>
+            <a:pPr marL="0" indent="0">
+              <a:buNone/>
+            </a:pPr>
+            <a:br>
+              <a:rPr lang="en-US" altLang="ja-JP" sz="2400" dirty="0"/>
+            </a:br>
+            <a:endParaRPr lang="en-US" altLang="ja-JP" dirty="0">
+              <a:solidFill>
+                <a:srgbClr val="FF0000"/>
+              </a:solidFill>
+            </a:endParaRPr>
+          </a:p>
+        </p:txBody>
+      </p:sp>
+      <p:sp>
+        <p:nvSpPr>
+          <p:cNvPr id="5" name="テキスト ボックス 4">
+            <a:extLst>
+              <a:ext uri="{FF2B5EF4-FFF2-40B4-BE49-F238E27FC236}">
+                <a16:creationId xmlns:a16="http://schemas.microsoft.com/office/drawing/2014/main" id="{9E32883C-0E37-4F07-9861-27609819CE8C}"/>
+              </a:ext>
+            </a:extLst>
+          </p:cNvPr>
+          <p:cNvSpPr txBox="1"/>
+          <p:nvPr/>
+        </p:nvSpPr>
+        <p:spPr>
+          <a:xfrm>
+            <a:off x="1048254" y="1709060"/>
+            <a:ext cx="11072409" cy="5262979"/>
+          </a:xfrm>
+          <a:prstGeom prst="rect">
+            <a:avLst/>
+          </a:prstGeom>
+          <a:noFill/>
+          <a:ln>
+            <a:solidFill>
+              <a:schemeClr val="tx1"/>
+            </a:solidFill>
+          </a:ln>
+        </p:spPr>
+        <p:txBody>
+          <a:bodyPr wrap="square" rtlCol="0">
+            <a:spAutoFit/>
+          </a:bodyPr>
+          <a:lstStyle/>
+          <a:p>
+            <a:r>
+              <a:rPr kumimoji="1" lang="en-US" altLang="ja-JP" sz="2000" dirty="0"/>
+              <a:t>#include "</a:t>
+            </a:r>
+            <a:r>
+              <a:rPr kumimoji="1" lang="en-US" altLang="ja-JP" sz="2000" dirty="0" err="1"/>
+              <a:t>calc.h</a:t>
+            </a:r>
+            <a:r>
+              <a:rPr kumimoji="1" lang="en-US" altLang="ja-JP" sz="2000" dirty="0"/>
+              <a:t>"</a:t>
+            </a:r>
+          </a:p>
+          <a:p>
+            <a:r>
+              <a:rPr kumimoji="1" lang="en-US" altLang="ja-JP" sz="2000" dirty="0"/>
+              <a:t>#include &lt;iostream&gt;</a:t>
+            </a:r>
+          </a:p>
+          <a:p>
+            <a:r>
+              <a:rPr kumimoji="1" lang="en-US" altLang="ja-JP" sz="2000" dirty="0"/>
+              <a:t>using namespace std;</a:t>
+            </a:r>
+          </a:p>
+          <a:p>
+            <a:r>
+              <a:rPr kumimoji="1" lang="en-US" altLang="ja-JP" sz="2400" dirty="0"/>
+              <a:t>int main() {</a:t>
+            </a:r>
+          </a:p>
+          <a:p>
+            <a:r>
+              <a:rPr kumimoji="1" lang="en-US" altLang="ja-JP" sz="2400" dirty="0"/>
+              <a:t>	Calc* pC1, * pC2;</a:t>
+            </a:r>
+          </a:p>
+          <a:p>
+            <a:r>
+              <a:rPr kumimoji="1" lang="en-US" altLang="ja-JP" sz="2400" dirty="0"/>
+              <a:t>	pC1 = new Calc();</a:t>
+            </a:r>
+          </a:p>
+          <a:p>
+            <a:r>
+              <a:rPr kumimoji="1" lang="en-US" altLang="ja-JP" sz="2400" dirty="0"/>
+              <a:t>	pC2 = new Calc(1, 2);</a:t>
+            </a:r>
+          </a:p>
+          <a:p>
+            <a:r>
+              <a:rPr kumimoji="1" lang="en-US" altLang="ja-JP" sz="2400" dirty="0"/>
+              <a:t>	</a:t>
+            </a:r>
+            <a:r>
+              <a:rPr kumimoji="1" lang="en-US" altLang="ja-JP" sz="2400" dirty="0" err="1"/>
+              <a:t>cout</a:t>
+            </a:r>
+            <a:r>
+              <a:rPr kumimoji="1" lang="en-US" altLang="ja-JP" sz="2400" dirty="0"/>
+              <a:t> &lt;&lt; 3 &lt;&lt; "+" &lt;&lt; 4 &lt;&lt; "="	&lt;&lt; </a:t>
+            </a:r>
+            <a:r>
+              <a:rPr kumimoji="1" lang="en-US" altLang="ja-JP" sz="2400" dirty="0">
+                <a:solidFill>
+                  <a:srgbClr val="FF0000"/>
+                </a:solidFill>
+              </a:rPr>
+              <a:t>pC1-&gt;add(3, 4) </a:t>
+            </a:r>
+            <a:r>
+              <a:rPr kumimoji="1" lang="en-US" altLang="ja-JP" sz="2400" dirty="0"/>
+              <a:t>&lt;&lt; </a:t>
+            </a:r>
+            <a:r>
+              <a:rPr kumimoji="1" lang="en-US" altLang="ja-JP" sz="2400" dirty="0" err="1"/>
+              <a:t>endl</a:t>
+            </a:r>
+            <a:r>
+              <a:rPr kumimoji="1" lang="en-US" altLang="ja-JP" sz="2400" dirty="0"/>
+              <a:t>;</a:t>
+            </a:r>
+          </a:p>
+          <a:p>
+            <a:r>
+              <a:rPr kumimoji="1" lang="en-US" altLang="ja-JP" sz="2400" dirty="0"/>
+              <a:t>	</a:t>
+            </a:r>
+            <a:r>
+              <a:rPr kumimoji="1" lang="en-US" altLang="ja-JP" sz="2400" dirty="0" err="1"/>
+              <a:t>cout</a:t>
+            </a:r>
+            <a:r>
+              <a:rPr kumimoji="1" lang="en-US" altLang="ja-JP" sz="2400" dirty="0"/>
+              <a:t> &lt;&lt; pC2-&gt;</a:t>
+            </a:r>
+            <a:r>
+              <a:rPr kumimoji="1" lang="en-US" altLang="ja-JP" sz="2400" dirty="0" err="1"/>
+              <a:t>getA</a:t>
+            </a:r>
+            <a:r>
+              <a:rPr kumimoji="1" lang="en-US" altLang="ja-JP" sz="2400" dirty="0"/>
+              <a:t>() &lt;&lt; “+”	&lt;&lt; pC2-&gt;</a:t>
+            </a:r>
+            <a:r>
+              <a:rPr kumimoji="1" lang="en-US" altLang="ja-JP" sz="2400" dirty="0" err="1"/>
+              <a:t>getB</a:t>
+            </a:r>
+            <a:r>
+              <a:rPr kumimoji="1" lang="en-US" altLang="ja-JP" sz="2400" dirty="0"/>
+              <a:t>() </a:t>
+            </a:r>
+            <a:br>
+              <a:rPr kumimoji="1" lang="en-US" altLang="ja-JP" sz="2400" dirty="0"/>
+            </a:br>
+            <a:r>
+              <a:rPr kumimoji="1" lang="ja-JP" altLang="en-US" sz="2400" dirty="0"/>
+              <a:t>     </a:t>
+            </a:r>
+            <a:r>
+              <a:rPr kumimoji="1" lang="en-US" altLang="ja-JP" sz="2400" dirty="0"/>
+              <a:t>&lt;&lt; "=“ &lt;&lt; </a:t>
+            </a:r>
+            <a:r>
+              <a:rPr kumimoji="1" lang="en-US" altLang="ja-JP" sz="2400" dirty="0">
+                <a:solidFill>
+                  <a:srgbClr val="00B0F0"/>
+                </a:solidFill>
+              </a:rPr>
+              <a:t>pC2-&gt;add() </a:t>
+            </a:r>
+            <a:r>
+              <a:rPr kumimoji="1" lang="en-US" altLang="ja-JP" sz="2400" dirty="0"/>
+              <a:t>&lt;&lt; </a:t>
+            </a:r>
+            <a:r>
+              <a:rPr kumimoji="1" lang="en-US" altLang="ja-JP" sz="2400" dirty="0" err="1"/>
+              <a:t>endl</a:t>
+            </a:r>
+            <a:r>
+              <a:rPr kumimoji="1" lang="en-US" altLang="ja-JP" sz="2400" dirty="0"/>
+              <a:t>;</a:t>
+            </a:r>
+          </a:p>
+          <a:p>
+            <a:r>
+              <a:rPr kumimoji="1" lang="en-US" altLang="ja-JP" sz="2400" dirty="0"/>
+              <a:t>	delete pC1;</a:t>
+            </a:r>
+          </a:p>
+          <a:p>
+            <a:r>
+              <a:rPr kumimoji="1" lang="en-US" altLang="ja-JP" sz="2400" dirty="0"/>
+              <a:t>	delete pC2;</a:t>
+            </a:r>
+          </a:p>
+          <a:p>
+            <a:r>
+              <a:rPr kumimoji="1" lang="en-US" altLang="ja-JP" sz="2400" dirty="0"/>
+              <a:t>	return 0;</a:t>
+            </a:r>
+          </a:p>
+          <a:p>
+            <a:r>
+              <a:rPr kumimoji="1" lang="en-US" altLang="ja-JP" sz="2400" dirty="0"/>
+              <a:t>}</a:t>
+            </a:r>
+          </a:p>
+        </p:txBody>
+      </p:sp>
+      <p:sp>
+        <p:nvSpPr>
+          <p:cNvPr id="4" name="テキスト ボックス 3">
+            <a:extLst>
+              <a:ext uri="{FF2B5EF4-FFF2-40B4-BE49-F238E27FC236}">
+                <a16:creationId xmlns:a16="http://schemas.microsoft.com/office/drawing/2014/main" id="{66CE7F4B-75FF-4B35-95DF-A25B059D18CF}"/>
+              </a:ext>
+            </a:extLst>
+          </p:cNvPr>
+          <p:cNvSpPr txBox="1"/>
+          <p:nvPr/>
+        </p:nvSpPr>
+        <p:spPr>
+          <a:xfrm>
+            <a:off x="3230592" y="467943"/>
+            <a:ext cx="6120586" cy="3539430"/>
+          </a:xfrm>
+          <a:prstGeom prst="rect">
+            <a:avLst/>
+          </a:prstGeom>
+          <a:solidFill>
+            <a:schemeClr val="bg1"/>
+          </a:solidFill>
+          <a:ln>
+            <a:solidFill>
+              <a:schemeClr val="tx1"/>
+            </a:solidFill>
+          </a:ln>
+          <a:effectLst>
+            <a:outerShdw blurRad="50800" dist="38100" dir="2700000" algn="tl" rotWithShape="0">
+              <a:prstClr val="black">
+                <a:alpha val="40000"/>
+              </a:prstClr>
+            </a:outerShdw>
+          </a:effectLst>
+        </p:spPr>
+        <p:txBody>
+          <a:bodyPr wrap="none" rtlCol="0">
+            <a:spAutoFit/>
+          </a:bodyPr>
+          <a:lstStyle/>
+          <a:p>
+            <a:r>
+              <a:rPr kumimoji="1" lang="en-US" altLang="ja-JP" sz="2800" dirty="0">
+                <a:solidFill>
+                  <a:srgbClr val="FF0000"/>
+                </a:solidFill>
+              </a:rPr>
+              <a:t>pC1-&gt;add(3,4)</a:t>
+            </a:r>
+            <a:r>
+              <a:rPr kumimoji="1" lang="en-US" altLang="ja-JP" sz="2800" dirty="0"/>
+              <a:t>:</a:t>
+            </a:r>
+            <a:br>
+              <a:rPr kumimoji="1" lang="en-US" altLang="ja-JP" sz="2800" dirty="0"/>
+            </a:br>
+            <a:r>
+              <a:rPr kumimoji="1" lang="ja-JP" altLang="en-US" sz="2800" dirty="0"/>
+              <a:t>メンバ </a:t>
+            </a:r>
+            <a:r>
+              <a:rPr kumimoji="1" lang="en-US" altLang="ja-JP" sz="2800" dirty="0" err="1"/>
+              <a:t>m_a</a:t>
+            </a:r>
+            <a:r>
+              <a:rPr kumimoji="1" lang="en-US" altLang="ja-JP" sz="2800" dirty="0"/>
+              <a:t> </a:t>
+            </a:r>
+            <a:r>
+              <a:rPr kumimoji="1" lang="ja-JP" altLang="en-US" sz="2800" dirty="0"/>
+              <a:t>と </a:t>
+            </a:r>
+            <a:r>
+              <a:rPr kumimoji="1" lang="en-US" altLang="ja-JP" sz="2800" dirty="0" err="1"/>
+              <a:t>m_b</a:t>
+            </a:r>
+            <a:r>
+              <a:rPr kumimoji="1" lang="en-US" altLang="ja-JP" sz="2800" dirty="0"/>
+              <a:t> </a:t>
+            </a:r>
+            <a:r>
+              <a:rPr kumimoji="1" lang="ja-JP" altLang="en-US" sz="2800" dirty="0"/>
+              <a:t>は　</a:t>
+            </a:r>
+            <a:r>
+              <a:rPr kumimoji="1" lang="en-US" altLang="ja-JP" sz="2800" dirty="0"/>
+              <a:t>0 </a:t>
+            </a:r>
+            <a:r>
+              <a:rPr kumimoji="1" lang="ja-JP" altLang="en-US" sz="2800" dirty="0"/>
+              <a:t>なので</a:t>
+            </a:r>
+            <a:br>
+              <a:rPr kumimoji="1" lang="en-US" altLang="ja-JP" sz="2800" dirty="0"/>
+            </a:br>
+            <a:r>
+              <a:rPr kumimoji="1" lang="en-US" altLang="ja-JP" sz="2800" dirty="0"/>
+              <a:t>add</a:t>
+            </a:r>
+            <a:r>
+              <a:rPr kumimoji="1" lang="ja-JP" altLang="en-US" sz="2800" dirty="0"/>
+              <a:t>関数に与えた引数同士を足し算</a:t>
+            </a:r>
+            <a:br>
+              <a:rPr kumimoji="1" lang="en-US" altLang="ja-JP" sz="2800" dirty="0"/>
+            </a:br>
+            <a:endParaRPr kumimoji="1" lang="en-US" altLang="ja-JP" sz="2800" dirty="0"/>
+          </a:p>
+          <a:p>
+            <a:r>
+              <a:rPr kumimoji="1" lang="en-US" altLang="ja-JP" sz="2800" dirty="0">
+                <a:solidFill>
+                  <a:srgbClr val="00B0F0"/>
+                </a:solidFill>
+              </a:rPr>
+              <a:t>pC2-&gt;add()</a:t>
+            </a:r>
+            <a:r>
+              <a:rPr kumimoji="1" lang="ja-JP" altLang="en-US" sz="2800" dirty="0"/>
+              <a:t>：</a:t>
+            </a:r>
+            <a:br>
+              <a:rPr kumimoji="1" lang="en-US" altLang="ja-JP" sz="2800" dirty="0"/>
+            </a:br>
+            <a:r>
+              <a:rPr kumimoji="1" lang="ja-JP" altLang="en-US" sz="2800" dirty="0"/>
+              <a:t>メンバ </a:t>
+            </a:r>
+            <a:r>
+              <a:rPr kumimoji="1" lang="en-US" altLang="ja-JP" sz="2800" dirty="0" err="1"/>
+              <a:t>m_a</a:t>
+            </a:r>
+            <a:r>
+              <a:rPr kumimoji="1" lang="en-US" altLang="ja-JP" sz="2800" dirty="0"/>
+              <a:t> </a:t>
+            </a:r>
+            <a:r>
+              <a:rPr kumimoji="1" lang="ja-JP" altLang="en-US" sz="2800" dirty="0"/>
+              <a:t>と　</a:t>
+            </a:r>
+            <a:r>
+              <a:rPr kumimoji="1" lang="en-US" altLang="ja-JP" sz="2800" dirty="0" err="1"/>
+              <a:t>m_b</a:t>
+            </a:r>
+            <a:r>
+              <a:rPr kumimoji="1" lang="en-US" altLang="ja-JP" sz="2800" dirty="0"/>
+              <a:t> </a:t>
+            </a:r>
+            <a:r>
+              <a:rPr kumimoji="1" lang="ja-JP" altLang="en-US" sz="2800" dirty="0"/>
+              <a:t>はインスタンス</a:t>
+            </a:r>
+            <a:br>
+              <a:rPr kumimoji="1" lang="en-US" altLang="ja-JP" sz="2800" dirty="0"/>
+            </a:br>
+            <a:r>
+              <a:rPr kumimoji="1" lang="ja-JP" altLang="en-US" sz="2800" dirty="0"/>
+              <a:t>生成時に値をすでに代入済みなので、</a:t>
+            </a:r>
+            <a:br>
+              <a:rPr kumimoji="1" lang="en-US" altLang="ja-JP" sz="2800" dirty="0"/>
+            </a:br>
+            <a:r>
+              <a:rPr kumimoji="1" lang="en-US" altLang="ja-JP" sz="2800" dirty="0"/>
+              <a:t>add</a:t>
+            </a:r>
+            <a:r>
+              <a:rPr kumimoji="1" lang="ja-JP" altLang="en-US" sz="2800" dirty="0"/>
+              <a:t>関数は </a:t>
+            </a:r>
+            <a:r>
+              <a:rPr kumimoji="1" lang="en-US" altLang="ja-JP" sz="2800" dirty="0" err="1"/>
+              <a:t>m_a</a:t>
+            </a:r>
+            <a:r>
+              <a:rPr kumimoji="1" lang="en-US" altLang="ja-JP" sz="2800" dirty="0"/>
+              <a:t> + </a:t>
+            </a:r>
+            <a:r>
+              <a:rPr kumimoji="1" lang="en-US" altLang="ja-JP" sz="2800" dirty="0" err="1"/>
+              <a:t>m_b</a:t>
+            </a:r>
+            <a:r>
+              <a:rPr kumimoji="1" lang="ja-JP" altLang="en-US" sz="2800" dirty="0"/>
+              <a:t> をするだけ</a:t>
+            </a:r>
+            <a:endParaRPr kumimoji="1" lang="en-US" altLang="ja-JP" sz="2800" dirty="0"/>
+          </a:p>
+        </p:txBody>
+      </p:sp>
+    </p:spTree>
+    <p:extLst>
+      <p:ext uri="{BB962C8B-B14F-4D97-AF65-F5344CB8AC3E}">
+        <p14:creationId xmlns:p14="http://schemas.microsoft.com/office/powerpoint/2010/main" val="1217669931"/>
       </p:ext>
     </p:extLst>
   </p:cSld>

--- a/授業資料/講義資料：継承とポリモーフィズム.pptx
+++ b/授業資料/講義資料：継承とポリモーフィズム.pptx
@@ -272,7 +272,7 @@
           <a:p>
             <a:fld id="{5B96D3F8-CD2E-4A0D-AC38-517181EABB18}" type="datetimeFigureOut">
               <a:rPr kumimoji="1" lang="ja-JP" altLang="en-US" smtClean="0"/>
-              <a:t>2024/9/14</a:t>
+              <a:t>2024/9/17</a:t>
             </a:fld>
             <a:endParaRPr kumimoji="1" lang="ja-JP" altLang="en-US"/>
           </a:p>
@@ -474,7 +474,7 @@
           <a:p>
             <a:fld id="{5B96D3F8-CD2E-4A0D-AC38-517181EABB18}" type="datetimeFigureOut">
               <a:rPr kumimoji="1" lang="ja-JP" altLang="en-US" smtClean="0"/>
-              <a:t>2024/9/14</a:t>
+              <a:t>2024/9/17</a:t>
             </a:fld>
             <a:endParaRPr kumimoji="1" lang="ja-JP" altLang="en-US"/>
           </a:p>
@@ -686,7 +686,7 @@
           <a:p>
             <a:fld id="{5B96D3F8-CD2E-4A0D-AC38-517181EABB18}" type="datetimeFigureOut">
               <a:rPr kumimoji="1" lang="ja-JP" altLang="en-US" smtClean="0"/>
-              <a:t>2024/9/14</a:t>
+              <a:t>2024/9/17</a:t>
             </a:fld>
             <a:endParaRPr kumimoji="1" lang="ja-JP" altLang="en-US"/>
           </a:p>
@@ -888,7 +888,7 @@
           <a:p>
             <a:fld id="{5B96D3F8-CD2E-4A0D-AC38-517181EABB18}" type="datetimeFigureOut">
               <a:rPr kumimoji="1" lang="ja-JP" altLang="en-US" smtClean="0"/>
-              <a:t>2024/9/14</a:t>
+              <a:t>2024/9/17</a:t>
             </a:fld>
             <a:endParaRPr kumimoji="1" lang="ja-JP" altLang="en-US"/>
           </a:p>
@@ -1134,7 +1134,7 @@
           <a:p>
             <a:fld id="{5B96D3F8-CD2E-4A0D-AC38-517181EABB18}" type="datetimeFigureOut">
               <a:rPr kumimoji="1" lang="ja-JP" altLang="en-US" smtClean="0"/>
-              <a:t>2024/9/14</a:t>
+              <a:t>2024/9/17</a:t>
             </a:fld>
             <a:endParaRPr kumimoji="1" lang="ja-JP" altLang="en-US"/>
           </a:p>
@@ -1430,7 +1430,7 @@
           <a:p>
             <a:fld id="{5B96D3F8-CD2E-4A0D-AC38-517181EABB18}" type="datetimeFigureOut">
               <a:rPr kumimoji="1" lang="ja-JP" altLang="en-US" smtClean="0"/>
-              <a:t>2024/9/14</a:t>
+              <a:t>2024/9/17</a:t>
             </a:fld>
             <a:endParaRPr kumimoji="1" lang="ja-JP" altLang="en-US"/>
           </a:p>
@@ -1861,7 +1861,7 @@
           <a:p>
             <a:fld id="{5B96D3F8-CD2E-4A0D-AC38-517181EABB18}" type="datetimeFigureOut">
               <a:rPr kumimoji="1" lang="ja-JP" altLang="en-US" smtClean="0"/>
-              <a:t>2024/9/14</a:t>
+              <a:t>2024/9/17</a:t>
             </a:fld>
             <a:endParaRPr kumimoji="1" lang="ja-JP" altLang="en-US"/>
           </a:p>
@@ -1979,7 +1979,7 @@
           <a:p>
             <a:fld id="{5B96D3F8-CD2E-4A0D-AC38-517181EABB18}" type="datetimeFigureOut">
               <a:rPr kumimoji="1" lang="ja-JP" altLang="en-US" smtClean="0"/>
-              <a:t>2024/9/14</a:t>
+              <a:t>2024/9/17</a:t>
             </a:fld>
             <a:endParaRPr kumimoji="1" lang="ja-JP" altLang="en-US"/>
           </a:p>
@@ -2074,7 +2074,7 @@
           <a:p>
             <a:fld id="{5B96D3F8-CD2E-4A0D-AC38-517181EABB18}" type="datetimeFigureOut">
               <a:rPr kumimoji="1" lang="ja-JP" altLang="en-US" smtClean="0"/>
-              <a:t>2024/9/14</a:t>
+              <a:t>2024/9/17</a:t>
             </a:fld>
             <a:endParaRPr kumimoji="1" lang="ja-JP" altLang="en-US"/>
           </a:p>
@@ -2383,7 +2383,7 @@
           <a:p>
             <a:fld id="{5B96D3F8-CD2E-4A0D-AC38-517181EABB18}" type="datetimeFigureOut">
               <a:rPr kumimoji="1" lang="ja-JP" altLang="en-US" smtClean="0"/>
-              <a:t>2024/9/14</a:t>
+              <a:t>2024/9/17</a:t>
             </a:fld>
             <a:endParaRPr kumimoji="1" lang="ja-JP" altLang="en-US"/>
           </a:p>
@@ -2640,7 +2640,7 @@
           <a:p>
             <a:fld id="{5B96D3F8-CD2E-4A0D-AC38-517181EABB18}" type="datetimeFigureOut">
               <a:rPr kumimoji="1" lang="ja-JP" altLang="en-US" smtClean="0"/>
-              <a:t>2024/9/14</a:t>
+              <a:t>2024/9/17</a:t>
             </a:fld>
             <a:endParaRPr kumimoji="1" lang="ja-JP" altLang="en-US"/>
           </a:p>
@@ -2885,7 +2885,7 @@
           <a:p>
             <a:fld id="{5B96D3F8-CD2E-4A0D-AC38-517181EABB18}" type="datetimeFigureOut">
               <a:rPr kumimoji="1" lang="ja-JP" altLang="en-US" smtClean="0"/>
-              <a:t>2024/9/14</a:t>
+              <a:t>2024/9/17</a:t>
             </a:fld>
             <a:endParaRPr kumimoji="1" lang="ja-JP" altLang="en-US"/>
           </a:p>
@@ -4197,7 +4197,7 @@
             </a:r>
             <a:r>
               <a:rPr kumimoji="1" lang="en-US" altLang="ja-JP" sz="2400" dirty="0" err="1"/>
-              <a:t>savePeople</a:t>
+              <a:t>sevePeople</a:t>
             </a:r>
             <a:r>
               <a:rPr kumimoji="1" lang="en-US" altLang="ja-JP" sz="2400" dirty="0"/>
@@ -4598,7 +4598,7 @@
             </a:r>
             <a:r>
               <a:rPr kumimoji="1" lang="en-US" altLang="ja-JP" sz="2400" dirty="0" err="1"/>
-              <a:t>savePeople</a:t>
+              <a:t>sevePeople</a:t>
             </a:r>
             <a:r>
               <a:rPr kumimoji="1" lang="en-US" altLang="ja-JP" sz="2400" dirty="0"/>
@@ -4952,7 +4952,7 @@
                   <a:srgbClr val="00B050"/>
                 </a:solidFill>
               </a:rPr>
-              <a:t>savePeople</a:t>
+              <a:t>sevePeople</a:t>
             </a:r>
             <a:r>
               <a:rPr kumimoji="1" lang="en-US" altLang="ja-JP" sz="2400" dirty="0">
@@ -5059,7 +5059,7 @@
                   <a:srgbClr val="00B050"/>
                 </a:solidFill>
               </a:rPr>
-              <a:t>savePeople</a:t>
+              <a:t>sevePeople</a:t>
             </a:r>
             <a:r>
               <a:rPr kumimoji="1" lang="en-US" altLang="ja-JP" sz="2800" dirty="0">
@@ -5476,7 +5476,7 @@
             </a:r>
             <a:r>
               <a:rPr kumimoji="1" lang="en-US" altLang="ja-JP" sz="2400" dirty="0" err="1"/>
-              <a:t>savePeople</a:t>
+              <a:t>sevePeople</a:t>
             </a:r>
             <a:r>
               <a:rPr kumimoji="1" lang="en-US" altLang="ja-JP" sz="2400" dirty="0"/>
@@ -5974,7 +5974,7 @@
                   <a:srgbClr val="00B050"/>
                 </a:solidFill>
               </a:rPr>
-              <a:t>savePeople</a:t>
+              <a:t>sevePeople</a:t>
             </a:r>
             <a:r>
               <a:rPr kumimoji="1" lang="en-US" altLang="ja-JP" sz="2400" dirty="0">
@@ -6110,7 +6110,7 @@
                   <a:srgbClr val="00B050"/>
                 </a:solidFill>
               </a:rPr>
-              <a:t>savePeople</a:t>
+              <a:t>sevePeople</a:t>
             </a:r>
             <a:r>
               <a:rPr kumimoji="1" lang="ja-JP" altLang="en-US" sz="2800" dirty="0"/>
@@ -6451,7 +6451,7 @@
                   <a:srgbClr val="00B050"/>
                 </a:solidFill>
               </a:rPr>
-              <a:t>savePeople</a:t>
+              <a:t>sevePeople</a:t>
             </a:r>
             <a:r>
               <a:rPr kumimoji="1" lang="en-US" altLang="ja-JP" sz="2400" dirty="0">
@@ -6550,7 +6550,7 @@
                   <a:srgbClr val="00B050"/>
                 </a:solidFill>
               </a:rPr>
-              <a:t>savePeople</a:t>
+              <a:t>sevePeople</a:t>
             </a:r>
             <a:r>
               <a:rPr kumimoji="1" lang="ja-JP" altLang="en-US" sz="2800" dirty="0"/>
@@ -7709,7 +7709,7 @@
                     <a:schemeClr val="bg1"/>
                   </a:solidFill>
                 </a:rPr>
-                <a:t>savePeople</a:t>
+                <a:t>sevePeople</a:t>
               </a:r>
               <a:r>
                 <a:rPr kumimoji="1" lang="en-US" altLang="ja-JP" sz="3600" dirty="0">
@@ -8375,20 +8375,12 @@
               <a:rPr lang="en-US" altLang="ja-JP" dirty="0"/>
             </a:br>
             <a:r>
-              <a:rPr lang="en-US" altLang="ja-JP" dirty="0" err="1">
+              <a:rPr lang="en-US" altLang="ja-JP" dirty="0">
                 <a:solidFill>
                   <a:srgbClr val="00B0F0"/>
                 </a:solidFill>
               </a:rPr>
-              <a:t>robocoy</a:t>
-            </a:r>
-            <a:r>
-              <a:rPr lang="en-US" altLang="ja-JP" dirty="0">
-                <a:solidFill>
-                  <a:srgbClr val="00B0F0"/>
-                </a:solidFill>
-              </a:rPr>
-              <a:t> Sample401 Sample501</a:t>
+              <a:t>robocopy Sample401 Sample501</a:t>
             </a:r>
             <a:br>
               <a:rPr lang="en-US" altLang="ja-JP" dirty="0">
@@ -13750,7 +13742,7 @@
             </a:r>
             <a:r>
               <a:rPr kumimoji="1" lang="en-US" altLang="ja-JP" sz="2400" dirty="0" err="1"/>
-              <a:t>savePeople</a:t>
+              <a:t>sevePeople</a:t>
             </a:r>
             <a:r>
               <a:rPr kumimoji="1" lang="en-US" altLang="ja-JP" sz="2400" dirty="0"/>
@@ -14187,7 +14179,7 @@
                   <a:srgbClr val="FF0000"/>
                 </a:solidFill>
               </a:rPr>
-              <a:t>savePeople</a:t>
+              <a:t>sevePeople</a:t>
             </a:r>
             <a:r>
               <a:rPr kumimoji="1" lang="en-US" altLang="ja-JP" sz="2400" dirty="0">
@@ -15170,7 +15162,7 @@
                   <a:srgbClr val="FF0000"/>
                 </a:solidFill>
               </a:rPr>
-              <a:t>savePeople</a:t>
+              <a:t>sevePeople</a:t>
             </a:r>
             <a:r>
               <a:rPr kumimoji="1" lang="en-US" altLang="ja-JP" sz="2400" dirty="0">

--- a/授業資料/講義資料：継承とポリモーフィズム.pptx
+++ b/授業資料/講義資料：継承とポリモーフィズム.pptx
@@ -35,6 +35,8 @@
     <p:sldId id="345" r:id="rId29"/>
     <p:sldId id="346" r:id="rId30"/>
     <p:sldId id="347" r:id="rId31"/>
+    <p:sldId id="348" r:id="rId32"/>
+    <p:sldId id="349" r:id="rId33"/>
   </p:sldIdLst>
   <p:sldSz cx="12192000" cy="6858000"/>
   <p:notesSz cx="6858000" cy="9144000"/>
@@ -3515,16 +3517,16 @@
               </a:rPr>
               <a:t>子クラス</a:t>
             </a:r>
+            <a:br>
+              <a:rPr lang="en-US" altLang="ja-JP" b="1" dirty="0">
+                <a:solidFill>
+                  <a:srgbClr val="00B050"/>
+                </a:solidFill>
+              </a:rPr>
+            </a:br>
             <a:r>
               <a:rPr lang="ja-JP" altLang="en-US" dirty="0"/>
-              <a:t>（派生</a:t>
-            </a:r>
-            <a:br>
-              <a:rPr lang="en-US" altLang="ja-JP" dirty="0"/>
-            </a:br>
-            <a:r>
-              <a:rPr lang="ja-JP" altLang="en-US" dirty="0"/>
-              <a:t>クラス、サブクラス）と呼ぶ</a:t>
+              <a:t>（派生クラス、サブクラス）と呼ぶ</a:t>
             </a:r>
             <a:endParaRPr lang="en-US" altLang="ja-JP" dirty="0"/>
           </a:p>
@@ -8174,7 +8176,7 @@
             <a:r>
               <a:rPr lang="ja-JP" altLang="en-US" dirty="0">
                 <a:solidFill>
-                  <a:srgbClr val="00B0F0"/>
+                  <a:srgbClr val="FF00FF"/>
                 </a:solidFill>
               </a:rPr>
               <a:t>必要最低限のメンバを定義</a:t>
@@ -10521,7 +10523,7 @@
           <a:p>
             <a:r>
               <a:rPr kumimoji="1" lang="ja-JP" altLang="en-US" dirty="0"/>
-              <a:t>ポリモーフィズム</a:t>
+              <a:t>ポリモーフィズム（オーバーロード）</a:t>
             </a:r>
           </a:p>
         </p:txBody>
@@ -10808,7 +10810,7 @@
           <a:p>
             <a:r>
               <a:rPr kumimoji="1" lang="ja-JP" altLang="en-US" dirty="0"/>
-              <a:t>ポリモーフィズム</a:t>
+              <a:t>ポリモーフィズム（オーバーロード）</a:t>
             </a:r>
           </a:p>
         </p:txBody>
@@ -11913,7 +11915,7 @@
           <a:p>
             <a:r>
               <a:rPr kumimoji="1" lang="ja-JP" altLang="en-US" dirty="0"/>
-              <a:t>ポリモーフィズム</a:t>
+              <a:t>ポリモーフィズム（オーバーロード）</a:t>
             </a:r>
           </a:p>
         </p:txBody>
@@ -12420,6 +12422,158 @@
               <a:t>は 第二引数</a:t>
             </a:r>
             <a:endParaRPr kumimoji="1" lang="en-US" altLang="ja-JP" sz="2800" dirty="0"/>
+          </a:p>
+        </p:txBody>
+      </p:sp>
+      <p:sp>
+        <p:nvSpPr>
+          <p:cNvPr id="6" name="テキスト ボックス 5">
+            <a:extLst>
+              <a:ext uri="{FF2B5EF4-FFF2-40B4-BE49-F238E27FC236}">
+                <a16:creationId xmlns:a16="http://schemas.microsoft.com/office/drawing/2014/main" id="{8D93DB69-09EF-22CB-6A5A-13F73D5D9719}"/>
+              </a:ext>
+            </a:extLst>
+          </p:cNvPr>
+          <p:cNvSpPr txBox="1"/>
+          <p:nvPr/>
+        </p:nvSpPr>
+        <p:spPr>
+          <a:xfrm>
+            <a:off x="1926076" y="4336539"/>
+            <a:ext cx="8577989" cy="830997"/>
+          </a:xfrm>
+          <a:prstGeom prst="rect">
+            <a:avLst/>
+          </a:prstGeom>
+          <a:solidFill>
+            <a:schemeClr val="bg1"/>
+          </a:solidFill>
+          <a:ln>
+            <a:solidFill>
+              <a:schemeClr val="tx1"/>
+            </a:solidFill>
+          </a:ln>
+          <a:effectLst>
+            <a:outerShdw blurRad="50800" dist="38100" dir="2700000" algn="tl" rotWithShape="0">
+              <a:prstClr val="black">
+                <a:alpha val="40000"/>
+              </a:prstClr>
+            </a:outerShdw>
+          </a:effectLst>
+        </p:spPr>
+        <p:txBody>
+          <a:bodyPr wrap="none" rtlCol="0">
+            <a:spAutoFit/>
+          </a:bodyPr>
+          <a:lstStyle/>
+          <a:p>
+            <a:r>
+              <a:rPr kumimoji="1" lang="en-US" altLang="ja-JP" sz="2400" dirty="0"/>
+              <a:t>Calc::</a:t>
+            </a:r>
+            <a:r>
+              <a:rPr kumimoji="1" lang="en-US" altLang="ja-JP" sz="2400" dirty="0">
+                <a:solidFill>
+                  <a:srgbClr val="FF0000"/>
+                </a:solidFill>
+              </a:rPr>
+              <a:t>Calc() </a:t>
+            </a:r>
+            <a:r>
+              <a:rPr kumimoji="1" lang="en-US" altLang="ja-JP" sz="2400" dirty="0"/>
+              <a:t>: </a:t>
+            </a:r>
+            <a:r>
+              <a:rPr kumimoji="1" lang="en-US" altLang="ja-JP" sz="2400" dirty="0" err="1">
+                <a:solidFill>
+                  <a:srgbClr val="FF0000"/>
+                </a:solidFill>
+              </a:rPr>
+              <a:t>m_a</a:t>
+            </a:r>
+            <a:r>
+              <a:rPr kumimoji="1" lang="en-US" altLang="ja-JP" sz="2400" dirty="0">
+                <a:solidFill>
+                  <a:srgbClr val="FF0000"/>
+                </a:solidFill>
+              </a:rPr>
+              <a:t>(0), </a:t>
+            </a:r>
+            <a:r>
+              <a:rPr kumimoji="1" lang="en-US" altLang="ja-JP" sz="2400" dirty="0" err="1">
+                <a:solidFill>
+                  <a:srgbClr val="FF0000"/>
+                </a:solidFill>
+              </a:rPr>
+              <a:t>m_b</a:t>
+            </a:r>
+            <a:r>
+              <a:rPr kumimoji="1" lang="en-US" altLang="ja-JP" sz="2400" dirty="0">
+                <a:solidFill>
+                  <a:srgbClr val="FF0000"/>
+                </a:solidFill>
+              </a:rPr>
+              <a:t>(0) </a:t>
+            </a:r>
+            <a:r>
+              <a:rPr kumimoji="1" lang="en-US" altLang="ja-JP" sz="2400" dirty="0"/>
+              <a:t>{}</a:t>
+            </a:r>
+          </a:p>
+          <a:p>
+            <a:r>
+              <a:rPr kumimoji="1" lang="en-US" altLang="ja-JP" sz="2400" dirty="0"/>
+              <a:t>Calc::</a:t>
+            </a:r>
+            <a:r>
+              <a:rPr kumimoji="1" lang="en-US" altLang="ja-JP" sz="2400" dirty="0">
+                <a:solidFill>
+                  <a:srgbClr val="00B0F0"/>
+                </a:solidFill>
+              </a:rPr>
+              <a:t>Calc(int a, int b) </a:t>
+            </a:r>
+            <a:r>
+              <a:rPr kumimoji="1" lang="en-US" altLang="ja-JP" sz="2400" dirty="0"/>
+              <a:t>: </a:t>
+            </a:r>
+            <a:r>
+              <a:rPr kumimoji="1" lang="en-US" altLang="ja-JP" sz="2400" dirty="0" err="1">
+                <a:solidFill>
+                  <a:srgbClr val="00B0F0"/>
+                </a:solidFill>
+              </a:rPr>
+              <a:t>m_a</a:t>
+            </a:r>
+            <a:r>
+              <a:rPr kumimoji="1" lang="en-US" altLang="ja-JP" sz="2400" dirty="0">
+                <a:solidFill>
+                  <a:srgbClr val="00B0F0"/>
+                </a:solidFill>
+              </a:rPr>
+              <a:t>(a), </a:t>
+            </a:r>
+            <a:r>
+              <a:rPr kumimoji="1" lang="en-US" altLang="ja-JP" sz="2400" dirty="0" err="1">
+                <a:solidFill>
+                  <a:srgbClr val="00B0F0"/>
+                </a:solidFill>
+              </a:rPr>
+              <a:t>m_b</a:t>
+            </a:r>
+            <a:r>
+              <a:rPr kumimoji="1" lang="en-US" altLang="ja-JP" sz="2400" dirty="0">
+                <a:solidFill>
+                  <a:srgbClr val="00B0F0"/>
+                </a:solidFill>
+              </a:rPr>
+              <a:t>(b) </a:t>
+            </a:r>
+            <a:r>
+              <a:rPr kumimoji="1" lang="en-US" altLang="ja-JP" sz="2400" dirty="0"/>
+              <a:t>{}</a:t>
+            </a:r>
+            <a:endParaRPr kumimoji="1" lang="ja-JP" altLang="en-US" sz="2400" dirty="0"/>
           </a:p>
         </p:txBody>
       </p:sp>
@@ -12805,7 +12959,7 @@
           <a:p>
             <a:r>
               <a:rPr kumimoji="1" lang="ja-JP" altLang="en-US" dirty="0"/>
-              <a:t>ポリモーフィズム</a:t>
+              <a:t>ポリモーフィズム（オーバーロード）</a:t>
             </a:r>
           </a:p>
         </p:txBody>
@@ -13112,7 +13266,7 @@
         </p:nvSpPr>
         <p:spPr>
           <a:xfrm>
-            <a:off x="3230592" y="467943"/>
+            <a:off x="381000" y="806322"/>
             <a:ext cx="6120586" cy="3539430"/>
           </a:xfrm>
           <a:prstGeom prst="rect">
@@ -13289,10 +13443,597 @@
           </a:p>
         </p:txBody>
       </p:sp>
+      <p:sp>
+        <p:nvSpPr>
+          <p:cNvPr id="6" name="テキスト ボックス 5">
+            <a:extLst>
+              <a:ext uri="{FF2B5EF4-FFF2-40B4-BE49-F238E27FC236}">
+                <a16:creationId xmlns:a16="http://schemas.microsoft.com/office/drawing/2014/main" id="{5A64620C-BF8E-5A98-A97C-55BD543E1747}"/>
+              </a:ext>
+            </a:extLst>
+          </p:cNvPr>
+          <p:cNvSpPr txBox="1"/>
+          <p:nvPr/>
+        </p:nvSpPr>
+        <p:spPr>
+          <a:xfrm>
+            <a:off x="6310094" y="569278"/>
+            <a:ext cx="5716630" cy="2308324"/>
+          </a:xfrm>
+          <a:prstGeom prst="rect">
+            <a:avLst/>
+          </a:prstGeom>
+          <a:solidFill>
+            <a:schemeClr val="bg1"/>
+          </a:solidFill>
+          <a:ln>
+            <a:solidFill>
+              <a:schemeClr val="tx1"/>
+            </a:solidFill>
+          </a:ln>
+          <a:effectLst>
+            <a:outerShdw blurRad="50800" dist="38100" dir="2700000" algn="tl" rotWithShape="0">
+              <a:prstClr val="black">
+                <a:alpha val="40000"/>
+              </a:prstClr>
+            </a:outerShdw>
+          </a:effectLst>
+        </p:spPr>
+        <p:txBody>
+          <a:bodyPr wrap="none" rtlCol="0">
+            <a:spAutoFit/>
+          </a:bodyPr>
+          <a:lstStyle/>
+          <a:p>
+            <a:r>
+              <a:rPr kumimoji="1" lang="en-US" altLang="ja-JP" sz="2400" dirty="0"/>
+              <a:t>int Calc::</a:t>
+            </a:r>
+            <a:r>
+              <a:rPr kumimoji="1" lang="en-US" altLang="ja-JP" sz="2400" dirty="0">
+                <a:solidFill>
+                  <a:srgbClr val="00B0F0"/>
+                </a:solidFill>
+              </a:rPr>
+              <a:t>add() </a:t>
+            </a:r>
+            <a:r>
+              <a:rPr kumimoji="1" lang="en-US" altLang="ja-JP" sz="2400" dirty="0"/>
+              <a:t>{</a:t>
+            </a:r>
+          </a:p>
+          <a:p>
+            <a:r>
+              <a:rPr kumimoji="1" lang="en-US" altLang="ja-JP" sz="2400" dirty="0"/>
+              <a:t>	return </a:t>
+            </a:r>
+            <a:r>
+              <a:rPr kumimoji="1" lang="en-US" altLang="ja-JP" sz="2400" dirty="0" err="1">
+                <a:solidFill>
+                  <a:srgbClr val="00B0F0"/>
+                </a:solidFill>
+              </a:rPr>
+              <a:t>m_a</a:t>
+            </a:r>
+            <a:r>
+              <a:rPr kumimoji="1" lang="en-US" altLang="ja-JP" sz="2400" dirty="0">
+                <a:solidFill>
+                  <a:srgbClr val="00B0F0"/>
+                </a:solidFill>
+              </a:rPr>
+              <a:t> + </a:t>
+            </a:r>
+            <a:r>
+              <a:rPr kumimoji="1" lang="en-US" altLang="ja-JP" sz="2400" dirty="0" err="1">
+                <a:solidFill>
+                  <a:srgbClr val="00B0F0"/>
+                </a:solidFill>
+              </a:rPr>
+              <a:t>m_b</a:t>
+            </a:r>
+            <a:r>
+              <a:rPr kumimoji="1" lang="en-US" altLang="ja-JP" sz="2400" dirty="0"/>
+              <a:t>;</a:t>
+            </a:r>
+          </a:p>
+          <a:p>
+            <a:r>
+              <a:rPr kumimoji="1" lang="en-US" altLang="ja-JP" sz="2400" dirty="0"/>
+              <a:t>}</a:t>
+            </a:r>
+          </a:p>
+          <a:p>
+            <a:r>
+              <a:rPr kumimoji="1" lang="en-US" altLang="ja-JP" sz="2400" dirty="0"/>
+              <a:t>int Calc::</a:t>
+            </a:r>
+            <a:r>
+              <a:rPr kumimoji="1" lang="en-US" altLang="ja-JP" sz="2400" dirty="0">
+                <a:solidFill>
+                  <a:srgbClr val="FF0000"/>
+                </a:solidFill>
+              </a:rPr>
+              <a:t>add(int a, int b) </a:t>
+            </a:r>
+            <a:r>
+              <a:rPr kumimoji="1" lang="en-US" altLang="ja-JP" sz="2400" dirty="0"/>
+              <a:t>{</a:t>
+            </a:r>
+          </a:p>
+          <a:p>
+            <a:r>
+              <a:rPr kumimoji="1" lang="en-US" altLang="ja-JP" sz="2400" dirty="0"/>
+              <a:t>	return </a:t>
+            </a:r>
+            <a:r>
+              <a:rPr kumimoji="1" lang="en-US" altLang="ja-JP" sz="2400" dirty="0">
+                <a:solidFill>
+                  <a:srgbClr val="FF0000"/>
+                </a:solidFill>
+              </a:rPr>
+              <a:t>a + b</a:t>
+            </a:r>
+            <a:r>
+              <a:rPr kumimoji="1" lang="en-US" altLang="ja-JP" sz="2400" dirty="0"/>
+              <a:t>;</a:t>
+            </a:r>
+          </a:p>
+          <a:p>
+            <a:r>
+              <a:rPr kumimoji="1" lang="en-US" altLang="ja-JP" sz="2400" dirty="0"/>
+              <a:t>}</a:t>
+            </a:r>
+            <a:endParaRPr kumimoji="1" lang="ja-JP" altLang="en-US" sz="2400" dirty="0"/>
+          </a:p>
+        </p:txBody>
+      </p:sp>
     </p:spTree>
     <p:extLst>
       <p:ext uri="{BB962C8B-B14F-4D97-AF65-F5344CB8AC3E}">
         <p14:creationId xmlns:p14="http://schemas.microsoft.com/office/powerpoint/2010/main" val="1217669931"/>
+      </p:ext>
+    </p:extLst>
+  </p:cSld>
+  <p:clrMapOvr>
+    <a:masterClrMapping/>
+  </p:clrMapOvr>
+</p:sld>
+</file>
+
+<file path=ppt/slides/slide31.xml><?xml version="1.0" encoding="utf-8"?>
+<p:sld xmlns:a="http://schemas.openxmlformats.org/drawingml/2006/main" xmlns:r="http://schemas.openxmlformats.org/officeDocument/2006/relationships" xmlns:p="http://schemas.openxmlformats.org/presentationml/2006/main">
+  <p:cSld>
+    <p:spTree>
+      <p:nvGrpSpPr>
+        <p:cNvPr id="1" name=""/>
+        <p:cNvGrpSpPr/>
+        <p:nvPr/>
+      </p:nvGrpSpPr>
+      <p:grpSpPr>
+        <a:xfrm>
+          <a:off x="0" y="0"/>
+          <a:ext cx="0" cy="0"/>
+          <a:chOff x="0" y="0"/>
+          <a:chExt cx="0" cy="0"/>
+        </a:xfrm>
+      </p:grpSpPr>
+      <p:sp>
+        <p:nvSpPr>
+          <p:cNvPr id="2" name="タイトル 1">
+            <a:extLst>
+              <a:ext uri="{FF2B5EF4-FFF2-40B4-BE49-F238E27FC236}">
+                <a16:creationId xmlns:a16="http://schemas.microsoft.com/office/drawing/2014/main" id="{9F789731-37C4-49DD-AEE8-78E5514E279E}"/>
+              </a:ext>
+            </a:extLst>
+          </p:cNvPr>
+          <p:cNvSpPr>
+            <a:spLocks noGrp="1"/>
+          </p:cNvSpPr>
+          <p:nvPr>
+            <p:ph type="title"/>
+          </p:nvPr>
+        </p:nvSpPr>
+        <p:spPr/>
+        <p:txBody>
+          <a:bodyPr/>
+          <a:lstStyle/>
+          <a:p>
+            <a:r>
+              <a:rPr kumimoji="1" lang="ja-JP" altLang="en-US" dirty="0"/>
+              <a:t>ポリモーフィズム</a:t>
+            </a:r>
+          </a:p>
+        </p:txBody>
+      </p:sp>
+      <p:sp>
+        <p:nvSpPr>
+          <p:cNvPr id="3" name="コンテンツ プレースホルダー 2">
+            <a:extLst>
+              <a:ext uri="{FF2B5EF4-FFF2-40B4-BE49-F238E27FC236}">
+                <a16:creationId xmlns:a16="http://schemas.microsoft.com/office/drawing/2014/main" id="{39562F0E-6033-40BD-BCB8-F015661306FD}"/>
+              </a:ext>
+            </a:extLst>
+          </p:cNvPr>
+          <p:cNvSpPr>
+            <a:spLocks noGrp="1"/>
+          </p:cNvSpPr>
+          <p:nvPr>
+            <p:ph idx="1"/>
+          </p:nvPr>
+        </p:nvSpPr>
+        <p:spPr>
+          <a:xfrm>
+            <a:off x="838200" y="1376038"/>
+            <a:ext cx="10515600" cy="5374958"/>
+          </a:xfrm>
+        </p:spPr>
+        <p:txBody>
+          <a:bodyPr>
+            <a:normAutofit/>
+          </a:bodyPr>
+          <a:lstStyle/>
+          <a:p>
+            <a:r>
+              <a:rPr lang="ja-JP" altLang="en-US" b="1" u="sng" dirty="0"/>
+              <a:t>オーバーライド（再定義）</a:t>
+            </a:r>
+            <a:br>
+              <a:rPr lang="en-US" altLang="ja-JP" sz="1800" b="1" u="sng" dirty="0"/>
+            </a:br>
+            <a:br>
+              <a:rPr lang="en-US" altLang="ja-JP" sz="1800" dirty="0"/>
+            </a:br>
+            <a:r>
+              <a:rPr lang="ja-JP" altLang="en-US" dirty="0"/>
+              <a:t>親クラスと同じメンバを子クラスでも宣言した場合</a:t>
+            </a:r>
+            <a:br>
+              <a:rPr lang="en-US" altLang="ja-JP" dirty="0"/>
+            </a:br>
+            <a:r>
+              <a:rPr lang="ja-JP" altLang="en-US" dirty="0"/>
+              <a:t>子クラスで定義した内容に上書きされる</a:t>
+            </a:r>
+            <a:br>
+              <a:rPr lang="en-US" altLang="ja-JP" dirty="0"/>
+            </a:br>
+            <a:br>
+              <a:rPr lang="en-US" altLang="ja-JP" dirty="0"/>
+            </a:br>
+            <a:r>
+              <a:rPr lang="ja-JP" altLang="en-US" dirty="0"/>
+              <a:t>これを</a:t>
+            </a:r>
+            <a:r>
+              <a:rPr lang="ja-JP" altLang="en-US" b="1" dirty="0">
+                <a:solidFill>
+                  <a:srgbClr val="FF0000"/>
+                </a:solidFill>
+              </a:rPr>
+              <a:t>オーバーライド</a:t>
+            </a:r>
+            <a:r>
+              <a:rPr lang="ja-JP" altLang="en-US" dirty="0"/>
+              <a:t>と呼ぶ</a:t>
+            </a:r>
+            <a:br>
+              <a:rPr lang="en-US" altLang="ja-JP" dirty="0"/>
+            </a:br>
+            <a:br>
+              <a:rPr lang="en-US" altLang="ja-JP" dirty="0"/>
+            </a:br>
+            <a:endParaRPr lang="en-US" altLang="ja-JP" sz="3200" dirty="0"/>
+          </a:p>
+        </p:txBody>
+      </p:sp>
+      <p:sp>
+        <p:nvSpPr>
+          <p:cNvPr id="4" name="テキスト ボックス 3">
+            <a:extLst>
+              <a:ext uri="{FF2B5EF4-FFF2-40B4-BE49-F238E27FC236}">
+                <a16:creationId xmlns:a16="http://schemas.microsoft.com/office/drawing/2014/main" id="{2C89558A-2E87-872A-A3CB-A63658A59F35}"/>
+              </a:ext>
+            </a:extLst>
+          </p:cNvPr>
+          <p:cNvSpPr txBox="1"/>
+          <p:nvPr/>
+        </p:nvSpPr>
+        <p:spPr>
+          <a:xfrm>
+            <a:off x="1147864" y="4669277"/>
+            <a:ext cx="3752950" cy="1569660"/>
+          </a:xfrm>
+          <a:prstGeom prst="rect">
+            <a:avLst/>
+          </a:prstGeom>
+          <a:noFill/>
+          <a:ln>
+            <a:solidFill>
+              <a:schemeClr val="tx1"/>
+            </a:solidFill>
+          </a:ln>
+        </p:spPr>
+        <p:txBody>
+          <a:bodyPr wrap="none" rtlCol="0">
+            <a:spAutoFit/>
+          </a:bodyPr>
+          <a:lstStyle/>
+          <a:p>
+            <a:r>
+              <a:rPr kumimoji="1" lang="en-US" altLang="ja-JP" sz="3200" dirty="0"/>
+              <a:t>class Oya {</a:t>
+            </a:r>
+          </a:p>
+          <a:p>
+            <a:r>
+              <a:rPr kumimoji="1" lang="en-US" altLang="ja-JP" sz="3200" dirty="0"/>
+              <a:t>  void </a:t>
+            </a:r>
+            <a:r>
+              <a:rPr kumimoji="1" lang="en-US" altLang="ja-JP" sz="3200" dirty="0" err="1"/>
+              <a:t>func</a:t>
+            </a:r>
+            <a:r>
+              <a:rPr kumimoji="1" lang="en-US" altLang="ja-JP" sz="3200" dirty="0"/>
+              <a:t>();</a:t>
+            </a:r>
+          </a:p>
+          <a:p>
+            <a:r>
+              <a:rPr kumimoji="1" lang="en-US" altLang="ja-JP" sz="3200" dirty="0"/>
+              <a:t>}</a:t>
+            </a:r>
+            <a:endParaRPr kumimoji="1" lang="ja-JP" altLang="en-US" sz="3200" dirty="0"/>
+          </a:p>
+        </p:txBody>
+      </p:sp>
+      <p:sp>
+        <p:nvSpPr>
+          <p:cNvPr id="5" name="テキスト ボックス 4">
+            <a:extLst>
+              <a:ext uri="{FF2B5EF4-FFF2-40B4-BE49-F238E27FC236}">
+                <a16:creationId xmlns:a16="http://schemas.microsoft.com/office/drawing/2014/main" id="{6B60F62C-A167-90F1-B217-EA2B026E1DA3}"/>
+              </a:ext>
+            </a:extLst>
+          </p:cNvPr>
+          <p:cNvSpPr txBox="1"/>
+          <p:nvPr/>
+        </p:nvSpPr>
+        <p:spPr>
+          <a:xfrm>
+            <a:off x="5561830" y="4669277"/>
+            <a:ext cx="5791970" cy="1569660"/>
+          </a:xfrm>
+          <a:prstGeom prst="rect">
+            <a:avLst/>
+          </a:prstGeom>
+          <a:noFill/>
+          <a:ln>
+            <a:solidFill>
+              <a:schemeClr val="tx1"/>
+            </a:solidFill>
+          </a:ln>
+        </p:spPr>
+        <p:txBody>
+          <a:bodyPr wrap="none" rtlCol="0">
+            <a:spAutoFit/>
+          </a:bodyPr>
+          <a:lstStyle/>
+          <a:p>
+            <a:r>
+              <a:rPr kumimoji="1" lang="en-US" altLang="ja-JP" sz="3200" dirty="0"/>
+              <a:t>class Ko: public Oya {</a:t>
+            </a:r>
+          </a:p>
+          <a:p>
+            <a:r>
+              <a:rPr kumimoji="1" lang="en-US" altLang="ja-JP" sz="3200" dirty="0"/>
+              <a:t>  void </a:t>
+            </a:r>
+            <a:r>
+              <a:rPr kumimoji="1" lang="en-US" altLang="ja-JP" sz="3200" dirty="0" err="1">
+                <a:solidFill>
+                  <a:srgbClr val="FF0000"/>
+                </a:solidFill>
+              </a:rPr>
+              <a:t>func</a:t>
+            </a:r>
+            <a:r>
+              <a:rPr kumimoji="1" lang="en-US" altLang="ja-JP" sz="3200" dirty="0">
+                <a:solidFill>
+                  <a:srgbClr val="FF0000"/>
+                </a:solidFill>
+              </a:rPr>
+              <a:t>();</a:t>
+            </a:r>
+          </a:p>
+          <a:p>
+            <a:r>
+              <a:rPr kumimoji="1" lang="en-US" altLang="ja-JP" sz="3200" dirty="0"/>
+              <a:t>}</a:t>
+            </a:r>
+            <a:endParaRPr kumimoji="1" lang="ja-JP" altLang="en-US" sz="3200" dirty="0"/>
+          </a:p>
+        </p:txBody>
+      </p:sp>
+      <p:sp>
+        <p:nvSpPr>
+          <p:cNvPr id="7" name="テキスト ボックス 6">
+            <a:extLst>
+              <a:ext uri="{FF2B5EF4-FFF2-40B4-BE49-F238E27FC236}">
+                <a16:creationId xmlns:a16="http://schemas.microsoft.com/office/drawing/2014/main" id="{7419CDA8-597B-3B20-9E66-50D3ECB31670}"/>
+              </a:ext>
+            </a:extLst>
+          </p:cNvPr>
+          <p:cNvSpPr txBox="1"/>
+          <p:nvPr/>
+        </p:nvSpPr>
+        <p:spPr>
+          <a:xfrm>
+            <a:off x="6478622" y="6190389"/>
+            <a:ext cx="3626314" cy="523220"/>
+          </a:xfrm>
+          <a:prstGeom prst="rect">
+            <a:avLst/>
+          </a:prstGeom>
+          <a:noFill/>
+        </p:spPr>
+        <p:txBody>
+          <a:bodyPr wrap="none" rtlCol="0">
+            <a:spAutoFit/>
+          </a:bodyPr>
+          <a:lstStyle/>
+          <a:p>
+            <a:r>
+              <a:rPr kumimoji="1" lang="ja-JP" altLang="en-US" sz="2800" dirty="0"/>
+              <a:t>こちらを優先して実行</a:t>
+            </a:r>
+          </a:p>
+        </p:txBody>
+      </p:sp>
+    </p:spTree>
+    <p:extLst>
+      <p:ext uri="{BB962C8B-B14F-4D97-AF65-F5344CB8AC3E}">
+        <p14:creationId xmlns:p14="http://schemas.microsoft.com/office/powerpoint/2010/main" val="552128975"/>
+      </p:ext>
+    </p:extLst>
+  </p:cSld>
+  <p:clrMapOvr>
+    <a:masterClrMapping/>
+  </p:clrMapOvr>
+</p:sld>
+</file>
+
+<file path=ppt/slides/slide32.xml><?xml version="1.0" encoding="utf-8"?>
+<p:sld xmlns:a="http://schemas.openxmlformats.org/drawingml/2006/main" xmlns:r="http://schemas.openxmlformats.org/officeDocument/2006/relationships" xmlns:p="http://schemas.openxmlformats.org/presentationml/2006/main">
+  <p:cSld>
+    <p:spTree>
+      <p:nvGrpSpPr>
+        <p:cNvPr id="1" name=""/>
+        <p:cNvGrpSpPr/>
+        <p:nvPr/>
+      </p:nvGrpSpPr>
+      <p:grpSpPr>
+        <a:xfrm>
+          <a:off x="0" y="0"/>
+          <a:ext cx="0" cy="0"/>
+          <a:chOff x="0" y="0"/>
+          <a:chExt cx="0" cy="0"/>
+        </a:xfrm>
+      </p:grpSpPr>
+      <p:sp>
+        <p:nvSpPr>
+          <p:cNvPr id="2" name="タイトル 1">
+            <a:extLst>
+              <a:ext uri="{FF2B5EF4-FFF2-40B4-BE49-F238E27FC236}">
+                <a16:creationId xmlns:a16="http://schemas.microsoft.com/office/drawing/2014/main" id="{9F789731-37C4-49DD-AEE8-78E5514E279E}"/>
+              </a:ext>
+            </a:extLst>
+          </p:cNvPr>
+          <p:cNvSpPr>
+            <a:spLocks noGrp="1"/>
+          </p:cNvSpPr>
+          <p:nvPr>
+            <p:ph type="title"/>
+          </p:nvPr>
+        </p:nvSpPr>
+        <p:spPr/>
+        <p:txBody>
+          <a:bodyPr/>
+          <a:lstStyle/>
+          <a:p>
+            <a:r>
+              <a:rPr kumimoji="1" lang="ja-JP" altLang="en-US" dirty="0"/>
+              <a:t>ポリモーフィズム</a:t>
+            </a:r>
+          </a:p>
+        </p:txBody>
+      </p:sp>
+      <p:sp>
+        <p:nvSpPr>
+          <p:cNvPr id="3" name="コンテンツ プレースホルダー 2">
+            <a:extLst>
+              <a:ext uri="{FF2B5EF4-FFF2-40B4-BE49-F238E27FC236}">
+                <a16:creationId xmlns:a16="http://schemas.microsoft.com/office/drawing/2014/main" id="{39562F0E-6033-40BD-BCB8-F015661306FD}"/>
+              </a:ext>
+            </a:extLst>
+          </p:cNvPr>
+          <p:cNvSpPr>
+            <a:spLocks noGrp="1"/>
+          </p:cNvSpPr>
+          <p:nvPr>
+            <p:ph idx="1"/>
+          </p:nvPr>
+        </p:nvSpPr>
+        <p:spPr>
+          <a:xfrm>
+            <a:off x="838200" y="1376038"/>
+            <a:ext cx="10515600" cy="5374958"/>
+          </a:xfrm>
+        </p:spPr>
+        <p:txBody>
+          <a:bodyPr>
+            <a:normAutofit/>
+          </a:bodyPr>
+          <a:lstStyle/>
+          <a:p>
+            <a:r>
+              <a:rPr lang="ja-JP" altLang="en-US" b="1" u="sng" dirty="0"/>
+              <a:t>仮想関数</a:t>
+            </a:r>
+            <a:br>
+              <a:rPr lang="en-US" altLang="ja-JP" sz="1800" b="1" u="sng" dirty="0"/>
+            </a:br>
+            <a:br>
+              <a:rPr lang="en-US" altLang="ja-JP" sz="1800" dirty="0"/>
+            </a:br>
+            <a:r>
+              <a:rPr lang="ja-JP" altLang="en-US" dirty="0"/>
+              <a:t>親クラスと同じメンバを子クラスでも宣言した場合</a:t>
+            </a:r>
+            <a:br>
+              <a:rPr lang="en-US" altLang="ja-JP" dirty="0"/>
+            </a:br>
+            <a:r>
+              <a:rPr lang="ja-JP" altLang="en-US" dirty="0"/>
+              <a:t>子クラスで定義した内容に上書きされる</a:t>
+            </a:r>
+            <a:br>
+              <a:rPr lang="en-US" altLang="ja-JP" dirty="0"/>
+            </a:br>
+            <a:br>
+              <a:rPr lang="en-US" altLang="ja-JP" dirty="0"/>
+            </a:br>
+            <a:r>
+              <a:rPr lang="ja-JP" altLang="en-US" dirty="0"/>
+              <a:t>これを</a:t>
+            </a:r>
+            <a:r>
+              <a:rPr lang="ja-JP" altLang="en-US" b="1" dirty="0">
+                <a:solidFill>
+                  <a:srgbClr val="FF0000"/>
+                </a:solidFill>
+              </a:rPr>
+              <a:t>オーバーライド</a:t>
+            </a:r>
+            <a:r>
+              <a:rPr lang="ja-JP" altLang="en-US" dirty="0"/>
+              <a:t>と呼ぶ</a:t>
+            </a:r>
+            <a:br>
+              <a:rPr lang="en-US" altLang="ja-JP" dirty="0"/>
+            </a:br>
+            <a:br>
+              <a:rPr lang="en-US" altLang="ja-JP" dirty="0"/>
+            </a:br>
+            <a:endParaRPr lang="en-US" altLang="ja-JP" sz="3200" dirty="0"/>
+          </a:p>
+        </p:txBody>
+      </p:sp>
+    </p:spTree>
+    <p:extLst>
+      <p:ext uri="{BB962C8B-B14F-4D97-AF65-F5344CB8AC3E}">
+        <p14:creationId xmlns:p14="http://schemas.microsoft.com/office/powerpoint/2010/main" val="1654500533"/>
       </p:ext>
     </p:extLst>
   </p:cSld>

--- a/授業資料/講義資料：継承とポリモーフィズム.pptx
+++ b/授業資料/講義資料：継承とポリモーフィズム.pptx
@@ -274,7 +274,7 @@
           <a:p>
             <a:fld id="{5B96D3F8-CD2E-4A0D-AC38-517181EABB18}" type="datetimeFigureOut">
               <a:rPr kumimoji="1" lang="ja-JP" altLang="en-US" smtClean="0"/>
-              <a:t>2024/9/17</a:t>
+              <a:t>2024/9/18</a:t>
             </a:fld>
             <a:endParaRPr kumimoji="1" lang="ja-JP" altLang="en-US"/>
           </a:p>
@@ -476,7 +476,7 @@
           <a:p>
             <a:fld id="{5B96D3F8-CD2E-4A0D-AC38-517181EABB18}" type="datetimeFigureOut">
               <a:rPr kumimoji="1" lang="ja-JP" altLang="en-US" smtClean="0"/>
-              <a:t>2024/9/17</a:t>
+              <a:t>2024/9/18</a:t>
             </a:fld>
             <a:endParaRPr kumimoji="1" lang="ja-JP" altLang="en-US"/>
           </a:p>
@@ -688,7 +688,7 @@
           <a:p>
             <a:fld id="{5B96D3F8-CD2E-4A0D-AC38-517181EABB18}" type="datetimeFigureOut">
               <a:rPr kumimoji="1" lang="ja-JP" altLang="en-US" smtClean="0"/>
-              <a:t>2024/9/17</a:t>
+              <a:t>2024/9/18</a:t>
             </a:fld>
             <a:endParaRPr kumimoji="1" lang="ja-JP" altLang="en-US"/>
           </a:p>
@@ -890,7 +890,7 @@
           <a:p>
             <a:fld id="{5B96D3F8-CD2E-4A0D-AC38-517181EABB18}" type="datetimeFigureOut">
               <a:rPr kumimoji="1" lang="ja-JP" altLang="en-US" smtClean="0"/>
-              <a:t>2024/9/17</a:t>
+              <a:t>2024/9/18</a:t>
             </a:fld>
             <a:endParaRPr kumimoji="1" lang="ja-JP" altLang="en-US"/>
           </a:p>
@@ -1136,7 +1136,7 @@
           <a:p>
             <a:fld id="{5B96D3F8-CD2E-4A0D-AC38-517181EABB18}" type="datetimeFigureOut">
               <a:rPr kumimoji="1" lang="ja-JP" altLang="en-US" smtClean="0"/>
-              <a:t>2024/9/17</a:t>
+              <a:t>2024/9/18</a:t>
             </a:fld>
             <a:endParaRPr kumimoji="1" lang="ja-JP" altLang="en-US"/>
           </a:p>
@@ -1432,7 +1432,7 @@
           <a:p>
             <a:fld id="{5B96D3F8-CD2E-4A0D-AC38-517181EABB18}" type="datetimeFigureOut">
               <a:rPr kumimoji="1" lang="ja-JP" altLang="en-US" smtClean="0"/>
-              <a:t>2024/9/17</a:t>
+              <a:t>2024/9/18</a:t>
             </a:fld>
             <a:endParaRPr kumimoji="1" lang="ja-JP" altLang="en-US"/>
           </a:p>
@@ -1863,7 +1863,7 @@
           <a:p>
             <a:fld id="{5B96D3F8-CD2E-4A0D-AC38-517181EABB18}" type="datetimeFigureOut">
               <a:rPr kumimoji="1" lang="ja-JP" altLang="en-US" smtClean="0"/>
-              <a:t>2024/9/17</a:t>
+              <a:t>2024/9/18</a:t>
             </a:fld>
             <a:endParaRPr kumimoji="1" lang="ja-JP" altLang="en-US"/>
           </a:p>
@@ -1981,7 +1981,7 @@
           <a:p>
             <a:fld id="{5B96D3F8-CD2E-4A0D-AC38-517181EABB18}" type="datetimeFigureOut">
               <a:rPr kumimoji="1" lang="ja-JP" altLang="en-US" smtClean="0"/>
-              <a:t>2024/9/17</a:t>
+              <a:t>2024/9/18</a:t>
             </a:fld>
             <a:endParaRPr kumimoji="1" lang="ja-JP" altLang="en-US"/>
           </a:p>
@@ -2076,7 +2076,7 @@
           <a:p>
             <a:fld id="{5B96D3F8-CD2E-4A0D-AC38-517181EABB18}" type="datetimeFigureOut">
               <a:rPr kumimoji="1" lang="ja-JP" altLang="en-US" smtClean="0"/>
-              <a:t>2024/9/17</a:t>
+              <a:t>2024/9/18</a:t>
             </a:fld>
             <a:endParaRPr kumimoji="1" lang="ja-JP" altLang="en-US"/>
           </a:p>
@@ -2385,7 +2385,7 @@
           <a:p>
             <a:fld id="{5B96D3F8-CD2E-4A0D-AC38-517181EABB18}" type="datetimeFigureOut">
               <a:rPr kumimoji="1" lang="ja-JP" altLang="en-US" smtClean="0"/>
-              <a:t>2024/9/17</a:t>
+              <a:t>2024/9/18</a:t>
             </a:fld>
             <a:endParaRPr kumimoji="1" lang="ja-JP" altLang="en-US"/>
           </a:p>
@@ -2642,7 +2642,7 @@
           <a:p>
             <a:fld id="{5B96D3F8-CD2E-4A0D-AC38-517181EABB18}" type="datetimeFigureOut">
               <a:rPr kumimoji="1" lang="ja-JP" altLang="en-US" smtClean="0"/>
-              <a:t>2024/9/17</a:t>
+              <a:t>2024/9/18</a:t>
             </a:fld>
             <a:endParaRPr kumimoji="1" lang="ja-JP" altLang="en-US"/>
           </a:p>
@@ -2887,7 +2887,7 @@
           <a:p>
             <a:fld id="{5B96D3F8-CD2E-4A0D-AC38-517181EABB18}" type="datetimeFigureOut">
               <a:rPr kumimoji="1" lang="ja-JP" altLang="en-US" smtClean="0"/>
-              <a:t>2024/9/17</a:t>
+              <a:t>2024/9/18</a:t>
             </a:fld>
             <a:endParaRPr kumimoji="1" lang="ja-JP" altLang="en-US"/>
           </a:p>
@@ -14395,7 +14395,7 @@
         <p:spPr>
           <a:xfrm>
             <a:off x="1048255" y="1942532"/>
-            <a:ext cx="10688220" cy="3416320"/>
+            <a:ext cx="10688220" cy="3785652"/>
           </a:xfrm>
           <a:prstGeom prst="rect">
             <a:avLst/>
@@ -14416,6 +14416,20 @@
             <a:r>
               <a:rPr kumimoji="1" lang="en-US" altLang="ja-JP" sz="2400" dirty="0"/>
               <a:t>#pragma once</a:t>
+            </a:r>
+          </a:p>
+          <a:p>
+            <a:r>
+              <a:rPr kumimoji="1" lang="en-US" altLang="ja-JP" sz="2400" dirty="0"/>
+              <a:t>#include “</a:t>
+            </a:r>
+            <a:r>
+              <a:rPr kumimoji="1" lang="en-US" altLang="ja-JP" sz="2400" dirty="0" err="1"/>
+              <a:t>car.h</a:t>
+            </a:r>
+            <a:r>
+              <a:rPr kumimoji="1" lang="en-US" altLang="ja-JP" sz="2400"/>
+              <a:t>”</a:t>
             </a:r>
             <a:r>
               <a:rPr kumimoji="1" lang="ja-JP" altLang="en-US" sz="2400" dirty="0"/>

--- a/授業資料/講義資料：継承とポリモーフィズム.pptx
+++ b/授業資料/講義資料：継承とポリモーフィズム.pptx
@@ -13770,11 +13770,19 @@
               <a:t>  void </a:t>
             </a:r>
             <a:r>
-              <a:rPr kumimoji="1" lang="en-US" altLang="ja-JP" sz="3200" dirty="0" err="1"/>
+              <a:rPr kumimoji="1" lang="en-US" altLang="ja-JP" sz="3200" dirty="0" err="1">
+                <a:solidFill>
+                  <a:srgbClr val="00B0F0"/>
+                </a:solidFill>
+              </a:rPr>
               <a:t>func</a:t>
             </a:r>
             <a:r>
-              <a:rPr kumimoji="1" lang="en-US" altLang="ja-JP" sz="3200" dirty="0"/>
+              <a:rPr kumimoji="1" lang="en-US" altLang="ja-JP" sz="3200" dirty="0">
+                <a:solidFill>
+                  <a:srgbClr val="00B0F0"/>
+                </a:solidFill>
+              </a:rPr>
               <a:t>();</a:t>
             </a:r>
           </a:p>
@@ -13831,7 +13839,7 @@
               <a:t>  void </a:t>
             </a:r>
             <a:r>
-              <a:rPr kumimoji="1" lang="en-US" altLang="ja-JP" sz="3200" dirty="0" err="1">
+              <a:rPr kumimoji="1" lang="en-US" altLang="ja-JP" sz="3200" b="1" dirty="0" err="1">
                 <a:solidFill>
                   <a:srgbClr val="FF0000"/>
                 </a:solidFill>
@@ -13839,7 +13847,7 @@
               <a:t>func</a:t>
             </a:r>
             <a:r>
-              <a:rPr kumimoji="1" lang="en-US" altLang="ja-JP" sz="3200" dirty="0">
+              <a:rPr kumimoji="1" lang="en-US" altLang="ja-JP" sz="3200" b="1" dirty="0">
                 <a:solidFill>
                   <a:srgbClr val="FF0000"/>
                 </a:solidFill>
@@ -13985,41 +13993,8 @@
               <a:rPr lang="en-US" altLang="ja-JP" sz="1800" b="1" u="sng" dirty="0"/>
             </a:br>
             <a:br>
-              <a:rPr lang="en-US" altLang="ja-JP" sz="1800" dirty="0"/>
-            </a:br>
-            <a:r>
-              <a:rPr lang="ja-JP" altLang="en-US" dirty="0"/>
-              <a:t>親クラスと同じメンバを子クラスでも宣言した場合</a:t>
-            </a:r>
-            <a:br>
-              <a:rPr lang="en-US" altLang="ja-JP" dirty="0"/>
-            </a:br>
-            <a:r>
-              <a:rPr lang="ja-JP" altLang="en-US" dirty="0"/>
-              <a:t>子クラスで定義した内容に上書きされる</a:t>
-            </a:r>
-            <a:br>
-              <a:rPr lang="en-US" altLang="ja-JP" dirty="0"/>
-            </a:br>
-            <a:br>
-              <a:rPr lang="en-US" altLang="ja-JP" dirty="0"/>
-            </a:br>
-            <a:r>
-              <a:rPr lang="ja-JP" altLang="en-US" dirty="0"/>
-              <a:t>これを</a:t>
-            </a:r>
-            <a:r>
-              <a:rPr lang="ja-JP" altLang="en-US" b="1" dirty="0">
-                <a:solidFill>
-                  <a:srgbClr val="FF0000"/>
-                </a:solidFill>
-              </a:rPr>
-              <a:t>オーバーライド</a:t>
-            </a:r>
-            <a:r>
-              <a:rPr lang="ja-JP" altLang="en-US" dirty="0"/>
-              <a:t>と呼ぶ</a:t>
-            </a:r>
+              <a:rPr lang="en-US" altLang="ja-JP" sz="1800"/>
+            </a:br>
             <a:br>
               <a:rPr lang="en-US" altLang="ja-JP" dirty="0"/>
             </a:br>

--- a/授業資料/講義資料：継承とポリモーフィズム.pptx
+++ b/授業資料/講義資料：継承とポリモーフィズム.pptx
@@ -37,6 +37,10 @@
     <p:sldId id="347" r:id="rId31"/>
     <p:sldId id="348" r:id="rId32"/>
     <p:sldId id="349" r:id="rId33"/>
+    <p:sldId id="350" r:id="rId34"/>
+    <p:sldId id="351" r:id="rId35"/>
+    <p:sldId id="352" r:id="rId36"/>
+    <p:sldId id="353" r:id="rId37"/>
   </p:sldIdLst>
   <p:sldSz cx="12192000" cy="6858000"/>
   <p:notesSz cx="6858000" cy="9144000"/>
@@ -274,7 +278,7 @@
           <a:p>
             <a:fld id="{5B96D3F8-CD2E-4A0D-AC38-517181EABB18}" type="datetimeFigureOut">
               <a:rPr kumimoji="1" lang="ja-JP" altLang="en-US" smtClean="0"/>
-              <a:t>2024/9/18</a:t>
+              <a:t>2024/9/19</a:t>
             </a:fld>
             <a:endParaRPr kumimoji="1" lang="ja-JP" altLang="en-US"/>
           </a:p>
@@ -476,7 +480,7 @@
           <a:p>
             <a:fld id="{5B96D3F8-CD2E-4A0D-AC38-517181EABB18}" type="datetimeFigureOut">
               <a:rPr kumimoji="1" lang="ja-JP" altLang="en-US" smtClean="0"/>
-              <a:t>2024/9/18</a:t>
+              <a:t>2024/9/19</a:t>
             </a:fld>
             <a:endParaRPr kumimoji="1" lang="ja-JP" altLang="en-US"/>
           </a:p>
@@ -688,7 +692,7 @@
           <a:p>
             <a:fld id="{5B96D3F8-CD2E-4A0D-AC38-517181EABB18}" type="datetimeFigureOut">
               <a:rPr kumimoji="1" lang="ja-JP" altLang="en-US" smtClean="0"/>
-              <a:t>2024/9/18</a:t>
+              <a:t>2024/9/19</a:t>
             </a:fld>
             <a:endParaRPr kumimoji="1" lang="ja-JP" altLang="en-US"/>
           </a:p>
@@ -890,7 +894,7 @@
           <a:p>
             <a:fld id="{5B96D3F8-CD2E-4A0D-AC38-517181EABB18}" type="datetimeFigureOut">
               <a:rPr kumimoji="1" lang="ja-JP" altLang="en-US" smtClean="0"/>
-              <a:t>2024/9/18</a:t>
+              <a:t>2024/9/19</a:t>
             </a:fld>
             <a:endParaRPr kumimoji="1" lang="ja-JP" altLang="en-US"/>
           </a:p>
@@ -1136,7 +1140,7 @@
           <a:p>
             <a:fld id="{5B96D3F8-CD2E-4A0D-AC38-517181EABB18}" type="datetimeFigureOut">
               <a:rPr kumimoji="1" lang="ja-JP" altLang="en-US" smtClean="0"/>
-              <a:t>2024/9/18</a:t>
+              <a:t>2024/9/19</a:t>
             </a:fld>
             <a:endParaRPr kumimoji="1" lang="ja-JP" altLang="en-US"/>
           </a:p>
@@ -1432,7 +1436,7 @@
           <a:p>
             <a:fld id="{5B96D3F8-CD2E-4A0D-AC38-517181EABB18}" type="datetimeFigureOut">
               <a:rPr kumimoji="1" lang="ja-JP" altLang="en-US" smtClean="0"/>
-              <a:t>2024/9/18</a:t>
+              <a:t>2024/9/19</a:t>
             </a:fld>
             <a:endParaRPr kumimoji="1" lang="ja-JP" altLang="en-US"/>
           </a:p>
@@ -1863,7 +1867,7 @@
           <a:p>
             <a:fld id="{5B96D3F8-CD2E-4A0D-AC38-517181EABB18}" type="datetimeFigureOut">
               <a:rPr kumimoji="1" lang="ja-JP" altLang="en-US" smtClean="0"/>
-              <a:t>2024/9/18</a:t>
+              <a:t>2024/9/19</a:t>
             </a:fld>
             <a:endParaRPr kumimoji="1" lang="ja-JP" altLang="en-US"/>
           </a:p>
@@ -1981,7 +1985,7 @@
           <a:p>
             <a:fld id="{5B96D3F8-CD2E-4A0D-AC38-517181EABB18}" type="datetimeFigureOut">
               <a:rPr kumimoji="1" lang="ja-JP" altLang="en-US" smtClean="0"/>
-              <a:t>2024/9/18</a:t>
+              <a:t>2024/9/19</a:t>
             </a:fld>
             <a:endParaRPr kumimoji="1" lang="ja-JP" altLang="en-US"/>
           </a:p>
@@ -2076,7 +2080,7 @@
           <a:p>
             <a:fld id="{5B96D3F8-CD2E-4A0D-AC38-517181EABB18}" type="datetimeFigureOut">
               <a:rPr kumimoji="1" lang="ja-JP" altLang="en-US" smtClean="0"/>
-              <a:t>2024/9/18</a:t>
+              <a:t>2024/9/19</a:t>
             </a:fld>
             <a:endParaRPr kumimoji="1" lang="ja-JP" altLang="en-US"/>
           </a:p>
@@ -2385,7 +2389,7 @@
           <a:p>
             <a:fld id="{5B96D3F8-CD2E-4A0D-AC38-517181EABB18}" type="datetimeFigureOut">
               <a:rPr kumimoji="1" lang="ja-JP" altLang="en-US" smtClean="0"/>
-              <a:t>2024/9/18</a:t>
+              <a:t>2024/9/19</a:t>
             </a:fld>
             <a:endParaRPr kumimoji="1" lang="ja-JP" altLang="en-US"/>
           </a:p>
@@ -2642,7 +2646,7 @@
           <a:p>
             <a:fld id="{5B96D3F8-CD2E-4A0D-AC38-517181EABB18}" type="datetimeFigureOut">
               <a:rPr kumimoji="1" lang="ja-JP" altLang="en-US" smtClean="0"/>
-              <a:t>2024/9/18</a:t>
+              <a:t>2024/9/19</a:t>
             </a:fld>
             <a:endParaRPr kumimoji="1" lang="ja-JP" altLang="en-US"/>
           </a:p>
@@ -2887,7 +2891,7 @@
           <a:p>
             <a:fld id="{5B96D3F8-CD2E-4A0D-AC38-517181EABB18}" type="datetimeFigureOut">
               <a:rPr kumimoji="1" lang="ja-JP" altLang="en-US" smtClean="0"/>
-              <a:t>2024/9/18</a:t>
+              <a:t>2024/9/19</a:t>
             </a:fld>
             <a:endParaRPr kumimoji="1" lang="ja-JP" altLang="en-US"/>
           </a:p>
@@ -3418,8 +3422,12 @@
           <a:lstStyle/>
           <a:p>
             <a:r>
+              <a:rPr kumimoji="1" lang="ja-JP" altLang="en-US"/>
+              <a:t>継承と</a:t>
+            </a:r>
+            <a:r>
               <a:rPr kumimoji="1" lang="ja-JP" altLang="en-US" dirty="0"/>
-              <a:t>継承とポリモーフィズム</a:t>
+              <a:t>ポリモーフィズム</a:t>
             </a:r>
           </a:p>
         </p:txBody>
@@ -10638,12 +10646,8 @@
               <a:t>， </a:t>
             </a:r>
             <a:r>
-              <a:rPr lang="en-US" altLang="ja-JP"/>
-              <a:t>calc.</a:t>
-            </a:r>
-            <a:r>
               <a:rPr lang="en-US" altLang="ja-JP" dirty="0"/>
-              <a:t>cpp</a:t>
+              <a:t>calc.cpp</a:t>
             </a:r>
             <a:r>
               <a:rPr lang="ja-JP" altLang="en-US" dirty="0"/>
@@ -13770,19 +13774,11 @@
               <a:t>  void </a:t>
             </a:r>
             <a:r>
-              <a:rPr kumimoji="1" lang="en-US" altLang="ja-JP" sz="3200" dirty="0" err="1">
-                <a:solidFill>
-                  <a:srgbClr val="00B0F0"/>
-                </a:solidFill>
-              </a:rPr>
+              <a:rPr kumimoji="1" lang="en-US" altLang="ja-JP" sz="3200" dirty="0" err="1"/>
               <a:t>func</a:t>
             </a:r>
             <a:r>
-              <a:rPr kumimoji="1" lang="en-US" altLang="ja-JP" sz="3200" dirty="0">
-                <a:solidFill>
-                  <a:srgbClr val="00B0F0"/>
-                </a:solidFill>
-              </a:rPr>
+              <a:rPr kumimoji="1" lang="en-US" altLang="ja-JP" sz="3200" dirty="0"/>
               <a:t>();</a:t>
             </a:r>
           </a:p>
@@ -13839,7 +13835,7 @@
               <a:t>  void </a:t>
             </a:r>
             <a:r>
-              <a:rPr kumimoji="1" lang="en-US" altLang="ja-JP" sz="3200" b="1" dirty="0" err="1">
+              <a:rPr kumimoji="1" lang="en-US" altLang="ja-JP" sz="3200" dirty="0" err="1">
                 <a:solidFill>
                   <a:srgbClr val="FF0000"/>
                 </a:solidFill>
@@ -13847,7 +13843,7 @@
               <a:t>func</a:t>
             </a:r>
             <a:r>
-              <a:rPr kumimoji="1" lang="en-US" altLang="ja-JP" sz="3200" b="1" dirty="0">
+              <a:rPr kumimoji="1" lang="en-US" altLang="ja-JP" sz="3200" dirty="0">
                 <a:solidFill>
                   <a:srgbClr val="FF0000"/>
                 </a:solidFill>
@@ -13981,7 +13977,7 @@
         </p:spPr>
         <p:txBody>
           <a:bodyPr>
-            <a:normAutofit/>
+            <a:normAutofit fontScale="92500" lnSpcReduction="10000"/>
           </a:bodyPr>
           <a:lstStyle/>
           <a:p>
@@ -13993,14 +13989,208 @@
               <a:rPr lang="en-US" altLang="ja-JP" sz="1800" b="1" u="sng" dirty="0"/>
             </a:br>
             <a:br>
-              <a:rPr lang="en-US" altLang="ja-JP" sz="1800"/>
-            </a:br>
-            <a:br>
+              <a:rPr lang="en-US" altLang="ja-JP" sz="1800" dirty="0"/>
+            </a:br>
+            <a:r>
+              <a:rPr lang="ja-JP" altLang="en-US" dirty="0"/>
+              <a:t>教科書</a:t>
+            </a:r>
+            <a:r>
               <a:rPr lang="en-US" altLang="ja-JP" dirty="0"/>
-            </a:br>
-            <a:br>
+              <a:t>P201~203 </a:t>
+            </a:r>
+            <a:r>
+              <a:rPr lang="en-US" altLang="ja-JP" b="1" dirty="0"/>
+              <a:t>Sample506</a:t>
+            </a:r>
+            <a:endParaRPr lang="en-US" altLang="ja-JP" dirty="0"/>
+          </a:p>
+          <a:p>
+            <a:r>
               <a:rPr lang="en-US" altLang="ja-JP" dirty="0"/>
-            </a:br>
+              <a:t>C++</a:t>
+            </a:r>
+            <a:r>
+              <a:rPr lang="ja-JP" altLang="en-US" dirty="0"/>
+              <a:t>作業フォルダ内に</a:t>
+            </a:r>
+            <a:r>
+              <a:rPr lang="en-US" altLang="ja-JP" b="1" dirty="0"/>
+              <a:t>Sample506</a:t>
+            </a:r>
+            <a:r>
+              <a:rPr lang="ja-JP" altLang="en-US" dirty="0"/>
+              <a:t>フォルダを作成</a:t>
+            </a:r>
+            <a:br>
+              <a:rPr lang="en-US" altLang="ja-JP" dirty="0"/>
+            </a:br>
+            <a:r>
+              <a:rPr lang="en-US" altLang="ja-JP" dirty="0" err="1">
+                <a:solidFill>
+                  <a:srgbClr val="00B0F0"/>
+                </a:solidFill>
+              </a:rPr>
+              <a:t>mkdir</a:t>
+            </a:r>
+            <a:r>
+              <a:rPr lang="en-US" altLang="ja-JP" dirty="0">
+                <a:solidFill>
+                  <a:srgbClr val="00B0F0"/>
+                </a:solidFill>
+              </a:rPr>
+              <a:t> Sample506</a:t>
+            </a:r>
+            <a:br>
+              <a:rPr lang="en-US" altLang="ja-JP" dirty="0"/>
+            </a:br>
+            <a:r>
+              <a:rPr lang="en-US" altLang="ja-JP" dirty="0">
+                <a:solidFill>
+                  <a:srgbClr val="00B0F0"/>
+                </a:solidFill>
+              </a:rPr>
+              <a:t>cd Sample506</a:t>
+            </a:r>
+            <a:br>
+              <a:rPr lang="en-US" altLang="ja-JP" dirty="0"/>
+            </a:br>
+            <a:endParaRPr lang="en-US" altLang="ja-JP" dirty="0"/>
+          </a:p>
+          <a:p>
+            <a:r>
+              <a:rPr lang="en-US" altLang="ja-JP" dirty="0" err="1"/>
+              <a:t>bird.h</a:t>
+            </a:r>
+            <a:r>
+              <a:rPr lang="ja-JP" altLang="en-US" dirty="0" err="1"/>
+              <a:t>，</a:t>
+            </a:r>
+            <a:r>
+              <a:rPr lang="ja-JP" altLang="en-US" dirty="0"/>
+              <a:t> </a:t>
+            </a:r>
+            <a:r>
+              <a:rPr lang="en-US" altLang="ja-JP" dirty="0"/>
+              <a:t>bird.cpp</a:t>
+            </a:r>
+            <a:r>
+              <a:rPr lang="ja-JP" altLang="en-US" dirty="0" err="1"/>
+              <a:t>，</a:t>
+            </a:r>
+            <a:r>
+              <a:rPr lang="ja-JP" altLang="en-US" dirty="0"/>
+              <a:t> </a:t>
+            </a:r>
+            <a:r>
+              <a:rPr lang="en-US" altLang="ja-JP" dirty="0" err="1"/>
+              <a:t>crow.h</a:t>
+            </a:r>
+            <a:r>
+              <a:rPr lang="en-US" altLang="ja-JP" dirty="0"/>
+              <a:t>, crow.cpp </a:t>
+            </a:r>
+            <a:r>
+              <a:rPr lang="en-US" altLang="ja-JP" dirty="0" err="1"/>
+              <a:t>chicken.h</a:t>
+            </a:r>
+            <a:r>
+              <a:rPr lang="en-US" altLang="ja-JP" dirty="0"/>
+              <a:t>, chicken.cpp, main.cpp</a:t>
+            </a:r>
+            <a:r>
+              <a:rPr lang="ja-JP" altLang="en-US" dirty="0"/>
+              <a:t>を作成</a:t>
+            </a:r>
+            <a:br>
+              <a:rPr lang="en-US" altLang="ja-JP" dirty="0"/>
+            </a:br>
+            <a:r>
+              <a:rPr lang="en-US" altLang="ja-JP" dirty="0">
+                <a:solidFill>
+                  <a:srgbClr val="00B0F0"/>
+                </a:solidFill>
+              </a:rPr>
+              <a:t>copy </a:t>
+            </a:r>
+            <a:r>
+              <a:rPr lang="en-US" altLang="ja-JP" dirty="0" err="1">
+                <a:solidFill>
+                  <a:srgbClr val="00B0F0"/>
+                </a:solidFill>
+              </a:rPr>
+              <a:t>nul</a:t>
+            </a:r>
+            <a:r>
+              <a:rPr lang="en-US" altLang="ja-JP" dirty="0">
+                <a:solidFill>
+                  <a:srgbClr val="00B0F0"/>
+                </a:solidFill>
+              </a:rPr>
+              <a:t> </a:t>
+            </a:r>
+            <a:r>
+              <a:rPr lang="en-US" altLang="ja-JP" dirty="0" err="1">
+                <a:solidFill>
+                  <a:srgbClr val="00B0F0"/>
+                </a:solidFill>
+              </a:rPr>
+              <a:t>bird.h</a:t>
+            </a:r>
+            <a:br>
+              <a:rPr lang="en-US" altLang="ja-JP" dirty="0">
+                <a:solidFill>
+                  <a:srgbClr val="00B0F0"/>
+                </a:solidFill>
+              </a:rPr>
+            </a:br>
+            <a:r>
+              <a:rPr lang="en-US" altLang="ja-JP" dirty="0">
+                <a:solidFill>
+                  <a:srgbClr val="00B0F0"/>
+                </a:solidFill>
+              </a:rPr>
+              <a:t>copy </a:t>
+            </a:r>
+            <a:r>
+              <a:rPr lang="en-US" altLang="ja-JP" dirty="0" err="1">
+                <a:solidFill>
+                  <a:srgbClr val="00B0F0"/>
+                </a:solidFill>
+              </a:rPr>
+              <a:t>nul</a:t>
+            </a:r>
+            <a:r>
+              <a:rPr lang="en-US" altLang="ja-JP" dirty="0">
+                <a:solidFill>
+                  <a:srgbClr val="00B0F0"/>
+                </a:solidFill>
+              </a:rPr>
+              <a:t> bird.cpp</a:t>
+            </a:r>
+            <a:br>
+              <a:rPr lang="en-US" altLang="ja-JP" dirty="0">
+                <a:solidFill>
+                  <a:srgbClr val="00B0F0"/>
+                </a:solidFill>
+              </a:rPr>
+            </a:br>
+            <a:r>
+              <a:rPr lang="ja-JP" altLang="en-US" dirty="0">
+                <a:solidFill>
+                  <a:srgbClr val="00B0F0"/>
+                </a:solidFill>
+              </a:rPr>
+              <a:t>　　　　　</a:t>
+            </a:r>
+            <a:r>
+              <a:rPr lang="ja-JP" altLang="en-US" sz="3000" dirty="0">
+                <a:solidFill>
+                  <a:srgbClr val="00B0F0"/>
+                </a:solidFill>
+              </a:rPr>
+              <a:t>（以下略）</a:t>
+            </a:r>
             <a:endParaRPr lang="en-US" altLang="ja-JP" sz="3200" dirty="0"/>
           </a:p>
         </p:txBody>
@@ -14009,6 +14199,1155 @@
     <p:extLst>
       <p:ext uri="{BB962C8B-B14F-4D97-AF65-F5344CB8AC3E}">
         <p14:creationId xmlns:p14="http://schemas.microsoft.com/office/powerpoint/2010/main" val="1654500533"/>
+      </p:ext>
+    </p:extLst>
+  </p:cSld>
+  <p:clrMapOvr>
+    <a:masterClrMapping/>
+  </p:clrMapOvr>
+</p:sld>
+</file>
+
+<file path=ppt/slides/slide33.xml><?xml version="1.0" encoding="utf-8"?>
+<p:sld xmlns:a="http://schemas.openxmlformats.org/drawingml/2006/main" xmlns:r="http://schemas.openxmlformats.org/officeDocument/2006/relationships" xmlns:p="http://schemas.openxmlformats.org/presentationml/2006/main">
+  <p:cSld>
+    <p:spTree>
+      <p:nvGrpSpPr>
+        <p:cNvPr id="1" name=""/>
+        <p:cNvGrpSpPr/>
+        <p:nvPr/>
+      </p:nvGrpSpPr>
+      <p:grpSpPr>
+        <a:xfrm>
+          <a:off x="0" y="0"/>
+          <a:ext cx="0" cy="0"/>
+          <a:chOff x="0" y="0"/>
+          <a:chExt cx="0" cy="0"/>
+        </a:xfrm>
+      </p:grpSpPr>
+      <p:sp>
+        <p:nvSpPr>
+          <p:cNvPr id="2" name="タイトル 1">
+            <a:extLst>
+              <a:ext uri="{FF2B5EF4-FFF2-40B4-BE49-F238E27FC236}">
+                <a16:creationId xmlns:a16="http://schemas.microsoft.com/office/drawing/2014/main" id="{EC1D9B36-FFC2-4D52-A2A6-FEEE7804F5FA}"/>
+              </a:ext>
+            </a:extLst>
+          </p:cNvPr>
+          <p:cNvSpPr>
+            <a:spLocks noGrp="1"/>
+          </p:cNvSpPr>
+          <p:nvPr>
+            <p:ph type="title"/>
+          </p:nvPr>
+        </p:nvSpPr>
+        <p:spPr/>
+        <p:txBody>
+          <a:bodyPr/>
+          <a:lstStyle/>
+          <a:p>
+            <a:r>
+              <a:rPr lang="ja-JP" altLang="en-US" dirty="0"/>
+              <a:t>ポリモーフィズム</a:t>
+            </a:r>
+            <a:endParaRPr kumimoji="1" lang="ja-JP" altLang="en-US" dirty="0"/>
+          </a:p>
+        </p:txBody>
+      </p:sp>
+      <p:sp>
+        <p:nvSpPr>
+          <p:cNvPr id="3" name="コンテンツ プレースホルダー 2">
+            <a:extLst>
+              <a:ext uri="{FF2B5EF4-FFF2-40B4-BE49-F238E27FC236}">
+                <a16:creationId xmlns:a16="http://schemas.microsoft.com/office/drawing/2014/main" id="{534285BC-9209-40FB-8017-B7672579046F}"/>
+              </a:ext>
+            </a:extLst>
+          </p:cNvPr>
+          <p:cNvSpPr>
+            <a:spLocks noGrp="1"/>
+          </p:cNvSpPr>
+          <p:nvPr>
+            <p:ph idx="1"/>
+          </p:nvPr>
+        </p:nvSpPr>
+        <p:spPr>
+          <a:xfrm>
+            <a:off x="430306" y="1376038"/>
+            <a:ext cx="11654118" cy="4980311"/>
+          </a:xfrm>
+        </p:spPr>
+        <p:txBody>
+          <a:bodyPr>
+            <a:normAutofit/>
+          </a:bodyPr>
+          <a:lstStyle/>
+          <a:p>
+            <a:r>
+              <a:rPr kumimoji="1" lang="ja-JP" altLang="en-US" dirty="0"/>
+              <a:t>コンパイルの仕方</a:t>
+            </a:r>
+            <a:br>
+              <a:rPr kumimoji="1" lang="en-US" altLang="ja-JP" dirty="0"/>
+            </a:br>
+            <a:br>
+              <a:rPr kumimoji="1" lang="en-US" altLang="ja-JP" dirty="0"/>
+            </a:br>
+            <a:r>
+              <a:rPr kumimoji="1" lang="ja-JP" altLang="en-US" dirty="0"/>
+              <a:t>コマンドプロンプトで次のコマンドを入力する</a:t>
+            </a:r>
+            <a:br>
+              <a:rPr kumimoji="1" lang="en-US" altLang="ja-JP" dirty="0"/>
+            </a:br>
+            <a:br>
+              <a:rPr kumimoji="1" lang="en-US" altLang="ja-JP" dirty="0"/>
+            </a:br>
+            <a:r>
+              <a:rPr kumimoji="1" lang="en-US" altLang="ja-JP" dirty="0"/>
+              <a:t>cl </a:t>
+            </a:r>
+            <a:r>
+              <a:rPr kumimoji="1" lang="en-US" altLang="ja-JP" dirty="0">
+                <a:solidFill>
+                  <a:srgbClr val="FF0000"/>
+                </a:solidFill>
+              </a:rPr>
+              <a:t>/</a:t>
+            </a:r>
+            <a:r>
+              <a:rPr kumimoji="1" lang="en-US" altLang="ja-JP" dirty="0" err="1">
+                <a:solidFill>
+                  <a:srgbClr val="FF0000"/>
+                </a:solidFill>
+              </a:rPr>
+              <a:t>EHsc</a:t>
+            </a:r>
+            <a:r>
+              <a:rPr kumimoji="1" lang="en-US" altLang="ja-JP" dirty="0"/>
+              <a:t> main.cpp bird.cpp </a:t>
+            </a:r>
+            <a:br>
+              <a:rPr kumimoji="1" lang="en-US" altLang="ja-JP" dirty="0"/>
+            </a:br>
+            <a:r>
+              <a:rPr kumimoji="1" lang="en-US" altLang="ja-JP" dirty="0"/>
+              <a:t>           crow.cpp chicken.cpp</a:t>
+            </a:r>
+            <a:br>
+              <a:rPr kumimoji="1" lang="en-US" altLang="ja-JP" sz="4400" dirty="0"/>
+            </a:br>
+            <a:r>
+              <a:rPr kumimoji="1" lang="ja-JP" altLang="en-US" sz="4400" dirty="0"/>
+              <a:t>　　　　　　　　　　　　</a:t>
+            </a:r>
+            <a:r>
+              <a:rPr lang="en-US" altLang="ja-JP" sz="2800" dirty="0">
+                <a:solidFill>
+                  <a:srgbClr val="00B050"/>
+                </a:solidFill>
+              </a:rPr>
+              <a:t>※</a:t>
+            </a:r>
+            <a:r>
+              <a:rPr lang="ja-JP" altLang="en-US" sz="2800" dirty="0">
+                <a:solidFill>
+                  <a:srgbClr val="00B050"/>
+                </a:solidFill>
+              </a:rPr>
+              <a:t>すべての</a:t>
+            </a:r>
+            <a:r>
+              <a:rPr lang="en-US" altLang="ja-JP" sz="2800" dirty="0" err="1">
+                <a:solidFill>
+                  <a:srgbClr val="00B050"/>
+                </a:solidFill>
+              </a:rPr>
+              <a:t>cpp</a:t>
+            </a:r>
+            <a:r>
+              <a:rPr lang="ja-JP" altLang="en-US" sz="2800" dirty="0">
+                <a:solidFill>
+                  <a:srgbClr val="00B050"/>
+                </a:solidFill>
+              </a:rPr>
+              <a:t>ファイルを列挙してください</a:t>
+            </a:r>
+            <a:br>
+              <a:rPr lang="en-US" altLang="ja-JP" sz="2800" dirty="0">
+                <a:solidFill>
+                  <a:srgbClr val="00B050"/>
+                </a:solidFill>
+              </a:rPr>
+            </a:br>
+            <a:br>
+              <a:rPr lang="en-US" altLang="ja-JP" dirty="0"/>
+            </a:br>
+            <a:r>
+              <a:rPr lang="ja-JP" altLang="en-US" dirty="0"/>
+              <a:t>成功したら、</a:t>
+            </a:r>
+            <a:r>
+              <a:rPr lang="en-US" altLang="ja-JP" dirty="0"/>
+              <a:t>main.exe</a:t>
+            </a:r>
+            <a:r>
+              <a:rPr lang="ja-JP" altLang="en-US" dirty="0"/>
+              <a:t>を実行して結果を確認</a:t>
+            </a:r>
+            <a:endParaRPr kumimoji="1" lang="ja-JP" altLang="en-US" dirty="0"/>
+          </a:p>
+        </p:txBody>
+      </p:sp>
+    </p:spTree>
+    <p:extLst>
+      <p:ext uri="{BB962C8B-B14F-4D97-AF65-F5344CB8AC3E}">
+        <p14:creationId xmlns:p14="http://schemas.microsoft.com/office/powerpoint/2010/main" val="2071249732"/>
+      </p:ext>
+    </p:extLst>
+  </p:cSld>
+  <p:clrMapOvr>
+    <a:masterClrMapping/>
+  </p:clrMapOvr>
+</p:sld>
+</file>
+
+<file path=ppt/slides/slide34.xml><?xml version="1.0" encoding="utf-8"?>
+<p:sld xmlns:a="http://schemas.openxmlformats.org/drawingml/2006/main" xmlns:r="http://schemas.openxmlformats.org/officeDocument/2006/relationships" xmlns:p="http://schemas.openxmlformats.org/presentationml/2006/main">
+  <p:cSld>
+    <p:spTree>
+      <p:nvGrpSpPr>
+        <p:cNvPr id="1" name=""/>
+        <p:cNvGrpSpPr/>
+        <p:nvPr/>
+      </p:nvGrpSpPr>
+      <p:grpSpPr>
+        <a:xfrm>
+          <a:off x="0" y="0"/>
+          <a:ext cx="0" cy="0"/>
+          <a:chOff x="0" y="0"/>
+          <a:chExt cx="0" cy="0"/>
+        </a:xfrm>
+      </p:grpSpPr>
+      <p:sp>
+        <p:nvSpPr>
+          <p:cNvPr id="2" name="タイトル 1">
+            <a:extLst>
+              <a:ext uri="{FF2B5EF4-FFF2-40B4-BE49-F238E27FC236}">
+                <a16:creationId xmlns:a16="http://schemas.microsoft.com/office/drawing/2014/main" id="{EC1D9B36-FFC2-4D52-A2A6-FEEE7804F5FA}"/>
+              </a:ext>
+            </a:extLst>
+          </p:cNvPr>
+          <p:cNvSpPr>
+            <a:spLocks noGrp="1"/>
+          </p:cNvSpPr>
+          <p:nvPr>
+            <p:ph type="title"/>
+          </p:nvPr>
+        </p:nvSpPr>
+        <p:spPr/>
+        <p:txBody>
+          <a:bodyPr/>
+          <a:lstStyle/>
+          <a:p>
+            <a:r>
+              <a:rPr lang="ja-JP" altLang="en-US" dirty="0"/>
+              <a:t>ポリモーフィズム</a:t>
+            </a:r>
+            <a:endParaRPr kumimoji="1" lang="ja-JP" altLang="en-US" dirty="0"/>
+          </a:p>
+        </p:txBody>
+      </p:sp>
+      <p:sp>
+        <p:nvSpPr>
+          <p:cNvPr id="3" name="コンテンツ プレースホルダー 2">
+            <a:extLst>
+              <a:ext uri="{FF2B5EF4-FFF2-40B4-BE49-F238E27FC236}">
+                <a16:creationId xmlns:a16="http://schemas.microsoft.com/office/drawing/2014/main" id="{534285BC-9209-40FB-8017-B7672579046F}"/>
+              </a:ext>
+            </a:extLst>
+          </p:cNvPr>
+          <p:cNvSpPr>
+            <a:spLocks noGrp="1"/>
+          </p:cNvSpPr>
+          <p:nvPr>
+            <p:ph idx="1"/>
+          </p:nvPr>
+        </p:nvSpPr>
+        <p:spPr>
+          <a:xfrm>
+            <a:off x="430306" y="1376038"/>
+            <a:ext cx="11654118" cy="4980311"/>
+          </a:xfrm>
+        </p:spPr>
+        <p:txBody>
+          <a:bodyPr>
+            <a:normAutofit/>
+          </a:bodyPr>
+          <a:lstStyle/>
+          <a:p>
+            <a:r>
+              <a:rPr lang="ja-JP" altLang="en-US" dirty="0"/>
+              <a:t>実行結果</a:t>
+            </a:r>
+            <a:endParaRPr kumimoji="1" lang="ja-JP" altLang="en-US" dirty="0"/>
+          </a:p>
+        </p:txBody>
+      </p:sp>
+      <p:sp>
+        <p:nvSpPr>
+          <p:cNvPr id="4" name="テキスト ボックス 3">
+            <a:extLst>
+              <a:ext uri="{FF2B5EF4-FFF2-40B4-BE49-F238E27FC236}">
+                <a16:creationId xmlns:a16="http://schemas.microsoft.com/office/drawing/2014/main" id="{5A4E4659-8DC1-4A6C-BB5E-5F24B8BB2784}"/>
+              </a:ext>
+            </a:extLst>
+          </p:cNvPr>
+          <p:cNvSpPr txBox="1"/>
+          <p:nvPr/>
+        </p:nvSpPr>
+        <p:spPr>
+          <a:xfrm>
+            <a:off x="1272988" y="2244087"/>
+            <a:ext cx="4240306" cy="3046988"/>
+          </a:xfrm>
+          <a:prstGeom prst="rect">
+            <a:avLst/>
+          </a:prstGeom>
+          <a:solidFill>
+            <a:schemeClr val="tx1"/>
+          </a:solidFill>
+        </p:spPr>
+        <p:txBody>
+          <a:bodyPr wrap="square" rtlCol="0">
+            <a:spAutoFit/>
+          </a:bodyPr>
+          <a:lstStyle/>
+          <a:p>
+            <a:r>
+              <a:rPr kumimoji="1" lang="ja-JP" altLang="en-US" sz="4800" dirty="0">
+                <a:solidFill>
+                  <a:schemeClr val="bg1"/>
+                </a:solidFill>
+              </a:rPr>
+              <a:t>鳥が飛ぶ</a:t>
+            </a:r>
+            <a:endParaRPr kumimoji="1" lang="en-US" altLang="ja-JP" sz="4800" dirty="0">
+              <a:solidFill>
+                <a:schemeClr val="bg1"/>
+              </a:solidFill>
+            </a:endParaRPr>
+          </a:p>
+          <a:p>
+            <a:r>
+              <a:rPr kumimoji="1" lang="ja-JP" altLang="en-US" sz="4800" dirty="0">
+                <a:solidFill>
+                  <a:schemeClr val="bg1"/>
+                </a:solidFill>
+              </a:rPr>
+              <a:t>鳥が飛ぶ</a:t>
+            </a:r>
+            <a:endParaRPr kumimoji="1" lang="en-US" altLang="ja-JP" sz="4800" dirty="0">
+              <a:solidFill>
+                <a:schemeClr val="bg1"/>
+              </a:solidFill>
+            </a:endParaRPr>
+          </a:p>
+          <a:p>
+            <a:r>
+              <a:rPr kumimoji="1" lang="ja-JP" altLang="en-US" sz="4800" dirty="0">
+                <a:solidFill>
+                  <a:schemeClr val="bg1"/>
+                </a:solidFill>
+              </a:rPr>
+              <a:t>カーカー</a:t>
+            </a:r>
+            <a:endParaRPr kumimoji="1" lang="en-US" altLang="ja-JP" sz="4800" dirty="0">
+              <a:solidFill>
+                <a:schemeClr val="bg1"/>
+              </a:solidFill>
+            </a:endParaRPr>
+          </a:p>
+          <a:p>
+            <a:r>
+              <a:rPr kumimoji="1" lang="ja-JP" altLang="en-US" sz="4800" dirty="0">
+                <a:solidFill>
+                  <a:schemeClr val="bg1"/>
+                </a:solidFill>
+              </a:rPr>
+              <a:t>コケコッコー</a:t>
+            </a:r>
+          </a:p>
+        </p:txBody>
+      </p:sp>
+      <p:sp>
+        <p:nvSpPr>
+          <p:cNvPr id="5" name="テキスト ボックス 4">
+            <a:extLst>
+              <a:ext uri="{FF2B5EF4-FFF2-40B4-BE49-F238E27FC236}">
+                <a16:creationId xmlns:a16="http://schemas.microsoft.com/office/drawing/2014/main" id="{2632E8B8-5085-4F6D-9550-3C38240641C1}"/>
+              </a:ext>
+            </a:extLst>
+          </p:cNvPr>
+          <p:cNvSpPr txBox="1"/>
+          <p:nvPr/>
+        </p:nvSpPr>
+        <p:spPr>
+          <a:xfrm>
+            <a:off x="5755342" y="2163405"/>
+            <a:ext cx="6329082" cy="3046988"/>
+          </a:xfrm>
+          <a:prstGeom prst="rect">
+            <a:avLst/>
+          </a:prstGeom>
+          <a:solidFill>
+            <a:schemeClr val="bg1"/>
+          </a:solidFill>
+        </p:spPr>
+        <p:txBody>
+          <a:bodyPr wrap="square" rtlCol="0">
+            <a:spAutoFit/>
+          </a:bodyPr>
+          <a:lstStyle/>
+          <a:p>
+            <a:r>
+              <a:rPr kumimoji="1" lang="en-US" altLang="ja-JP" sz="4800" dirty="0" err="1"/>
+              <a:t>pCrow</a:t>
+            </a:r>
+            <a:r>
+              <a:rPr kumimoji="1" lang="en-US" altLang="ja-JP" sz="4800" dirty="0"/>
+              <a:t>-&gt;</a:t>
+            </a:r>
+            <a:r>
+              <a:rPr kumimoji="1" lang="en-US" altLang="ja-JP" sz="4800" dirty="0">
+                <a:solidFill>
+                  <a:srgbClr val="FF0000"/>
+                </a:solidFill>
+              </a:rPr>
+              <a:t>fly()</a:t>
+            </a:r>
+          </a:p>
+          <a:p>
+            <a:r>
+              <a:rPr kumimoji="1" lang="en-US" altLang="ja-JP" sz="4800" dirty="0" err="1"/>
+              <a:t>pChicken</a:t>
+            </a:r>
+            <a:r>
+              <a:rPr kumimoji="1" lang="en-US" altLang="ja-JP" sz="4800" dirty="0"/>
+              <a:t>-&gt;</a:t>
+            </a:r>
+            <a:r>
+              <a:rPr kumimoji="1" lang="en-US" altLang="ja-JP" sz="4800" dirty="0">
+                <a:solidFill>
+                  <a:srgbClr val="FF0000"/>
+                </a:solidFill>
+              </a:rPr>
+              <a:t>fly()</a:t>
+            </a:r>
+          </a:p>
+          <a:p>
+            <a:r>
+              <a:rPr kumimoji="1" lang="en-US" altLang="ja-JP" sz="4800" dirty="0" err="1"/>
+              <a:t>pCrow</a:t>
+            </a:r>
+            <a:r>
+              <a:rPr kumimoji="1" lang="en-US" altLang="ja-JP" sz="4800" dirty="0"/>
+              <a:t>-&gt;</a:t>
+            </a:r>
+            <a:r>
+              <a:rPr kumimoji="1" lang="en-US" altLang="ja-JP" sz="4800" dirty="0">
+                <a:solidFill>
+                  <a:srgbClr val="00B0F0"/>
+                </a:solidFill>
+              </a:rPr>
+              <a:t>sing()</a:t>
+            </a:r>
+          </a:p>
+          <a:p>
+            <a:r>
+              <a:rPr kumimoji="1" lang="en-US" altLang="ja-JP" sz="4800" dirty="0" err="1"/>
+              <a:t>pChicken</a:t>
+            </a:r>
+            <a:r>
+              <a:rPr kumimoji="1" lang="en-US" altLang="ja-JP" sz="4800" dirty="0"/>
+              <a:t>-&gt;</a:t>
+            </a:r>
+            <a:r>
+              <a:rPr kumimoji="1" lang="en-US" altLang="ja-JP" sz="4800" dirty="0">
+                <a:solidFill>
+                  <a:srgbClr val="00B0F0"/>
+                </a:solidFill>
+              </a:rPr>
+              <a:t>sing()</a:t>
+            </a:r>
+            <a:endParaRPr kumimoji="1" lang="ja-JP" altLang="en-US" sz="4800" dirty="0">
+              <a:solidFill>
+                <a:srgbClr val="00B0F0"/>
+              </a:solidFill>
+            </a:endParaRPr>
+          </a:p>
+        </p:txBody>
+      </p:sp>
+      <p:sp>
+        <p:nvSpPr>
+          <p:cNvPr id="6" name="矢印: 右 5">
+            <a:extLst>
+              <a:ext uri="{FF2B5EF4-FFF2-40B4-BE49-F238E27FC236}">
+                <a16:creationId xmlns:a16="http://schemas.microsoft.com/office/drawing/2014/main" id="{8CF1257B-AD93-4643-B2D5-6A95AADF7A3F}"/>
+              </a:ext>
+            </a:extLst>
+          </p:cNvPr>
+          <p:cNvSpPr/>
+          <p:nvPr/>
+        </p:nvSpPr>
+        <p:spPr>
+          <a:xfrm flipH="1">
+            <a:off x="4043082" y="2420471"/>
+            <a:ext cx="1712260" cy="398885"/>
+          </a:xfrm>
+          <a:prstGeom prst="rightArrow">
+            <a:avLst/>
+          </a:prstGeom>
+        </p:spPr>
+        <p:style>
+          <a:lnRef idx="2">
+            <a:schemeClr val="accent4">
+              <a:shade val="50000"/>
+            </a:schemeClr>
+          </a:lnRef>
+          <a:fillRef idx="1">
+            <a:schemeClr val="accent4"/>
+          </a:fillRef>
+          <a:effectRef idx="0">
+            <a:schemeClr val="accent4"/>
+          </a:effectRef>
+          <a:fontRef idx="minor">
+            <a:schemeClr val="lt1"/>
+          </a:fontRef>
+        </p:style>
+        <p:txBody>
+          <a:bodyPr rtlCol="0" anchor="ctr"/>
+          <a:lstStyle/>
+          <a:p>
+            <a:pPr algn="ctr"/>
+            <a:endParaRPr kumimoji="1" lang="ja-JP" altLang="en-US"/>
+          </a:p>
+        </p:txBody>
+      </p:sp>
+      <p:sp>
+        <p:nvSpPr>
+          <p:cNvPr id="7" name="矢印: 右 6">
+            <a:extLst>
+              <a:ext uri="{FF2B5EF4-FFF2-40B4-BE49-F238E27FC236}">
+                <a16:creationId xmlns:a16="http://schemas.microsoft.com/office/drawing/2014/main" id="{7501D165-97D6-4C1F-9540-DF97F360E3AE}"/>
+              </a:ext>
+            </a:extLst>
+          </p:cNvPr>
+          <p:cNvSpPr/>
+          <p:nvPr/>
+        </p:nvSpPr>
+        <p:spPr>
+          <a:xfrm flipH="1">
+            <a:off x="4043078" y="3863789"/>
+            <a:ext cx="1712263" cy="398885"/>
+          </a:xfrm>
+          <a:prstGeom prst="rightArrow">
+            <a:avLst/>
+          </a:prstGeom>
+        </p:spPr>
+        <p:style>
+          <a:lnRef idx="2">
+            <a:schemeClr val="accent4">
+              <a:shade val="50000"/>
+            </a:schemeClr>
+          </a:lnRef>
+          <a:fillRef idx="1">
+            <a:schemeClr val="accent4"/>
+          </a:fillRef>
+          <a:effectRef idx="0">
+            <a:schemeClr val="accent4"/>
+          </a:effectRef>
+          <a:fontRef idx="minor">
+            <a:schemeClr val="lt1"/>
+          </a:fontRef>
+        </p:style>
+        <p:txBody>
+          <a:bodyPr rtlCol="0" anchor="ctr"/>
+          <a:lstStyle/>
+          <a:p>
+            <a:pPr algn="ctr"/>
+            <a:endParaRPr kumimoji="1" lang="ja-JP" altLang="en-US"/>
+          </a:p>
+        </p:txBody>
+      </p:sp>
+      <p:sp>
+        <p:nvSpPr>
+          <p:cNvPr id="8" name="矢印: 右 7">
+            <a:extLst>
+              <a:ext uri="{FF2B5EF4-FFF2-40B4-BE49-F238E27FC236}">
+                <a16:creationId xmlns:a16="http://schemas.microsoft.com/office/drawing/2014/main" id="{4C9C5F76-C2D7-4786-A916-158478E4BD5E}"/>
+              </a:ext>
+            </a:extLst>
+          </p:cNvPr>
+          <p:cNvSpPr/>
+          <p:nvPr/>
+        </p:nvSpPr>
+        <p:spPr>
+          <a:xfrm flipH="1">
+            <a:off x="4043079" y="3134114"/>
+            <a:ext cx="1712261" cy="398885"/>
+          </a:xfrm>
+          <a:prstGeom prst="rightArrow">
+            <a:avLst/>
+          </a:prstGeom>
+        </p:spPr>
+        <p:style>
+          <a:lnRef idx="2">
+            <a:schemeClr val="accent6">
+              <a:shade val="50000"/>
+            </a:schemeClr>
+          </a:lnRef>
+          <a:fillRef idx="1">
+            <a:schemeClr val="accent6"/>
+          </a:fillRef>
+          <a:effectRef idx="0">
+            <a:schemeClr val="accent6"/>
+          </a:effectRef>
+          <a:fontRef idx="minor">
+            <a:schemeClr val="lt1"/>
+          </a:fontRef>
+        </p:style>
+        <p:txBody>
+          <a:bodyPr rtlCol="0" anchor="ctr"/>
+          <a:lstStyle/>
+          <a:p>
+            <a:pPr algn="ctr"/>
+            <a:endParaRPr kumimoji="1" lang="ja-JP" altLang="en-US"/>
+          </a:p>
+        </p:txBody>
+      </p:sp>
+      <p:sp>
+        <p:nvSpPr>
+          <p:cNvPr id="9" name="矢印: 右 8">
+            <a:extLst>
+              <a:ext uri="{FF2B5EF4-FFF2-40B4-BE49-F238E27FC236}">
+                <a16:creationId xmlns:a16="http://schemas.microsoft.com/office/drawing/2014/main" id="{D1CB806A-F14D-4F9F-A2AF-8245974F2BDB}"/>
+              </a:ext>
+            </a:extLst>
+          </p:cNvPr>
+          <p:cNvSpPr/>
+          <p:nvPr/>
+        </p:nvSpPr>
+        <p:spPr>
+          <a:xfrm flipH="1">
+            <a:off x="4679577" y="4636209"/>
+            <a:ext cx="1075764" cy="398885"/>
+          </a:xfrm>
+          <a:prstGeom prst="rightArrow">
+            <a:avLst/>
+          </a:prstGeom>
+        </p:spPr>
+        <p:style>
+          <a:lnRef idx="2">
+            <a:schemeClr val="accent6">
+              <a:shade val="50000"/>
+            </a:schemeClr>
+          </a:lnRef>
+          <a:fillRef idx="1">
+            <a:schemeClr val="accent6"/>
+          </a:fillRef>
+          <a:effectRef idx="0">
+            <a:schemeClr val="accent6"/>
+          </a:effectRef>
+          <a:fontRef idx="minor">
+            <a:schemeClr val="lt1"/>
+          </a:fontRef>
+        </p:style>
+        <p:txBody>
+          <a:bodyPr rtlCol="0" anchor="ctr"/>
+          <a:lstStyle/>
+          <a:p>
+            <a:pPr algn="ctr"/>
+            <a:endParaRPr kumimoji="1" lang="ja-JP" altLang="en-US"/>
+          </a:p>
+        </p:txBody>
+      </p:sp>
+      <p:sp>
+        <p:nvSpPr>
+          <p:cNvPr id="10" name="テキスト ボックス 9">
+            <a:extLst>
+              <a:ext uri="{FF2B5EF4-FFF2-40B4-BE49-F238E27FC236}">
+                <a16:creationId xmlns:a16="http://schemas.microsoft.com/office/drawing/2014/main" id="{B0499F67-BA9A-498C-A652-A32F1FEE305D}"/>
+              </a:ext>
+            </a:extLst>
+          </p:cNvPr>
+          <p:cNvSpPr txBox="1"/>
+          <p:nvPr/>
+        </p:nvSpPr>
+        <p:spPr>
+          <a:xfrm>
+            <a:off x="2904564" y="5621865"/>
+            <a:ext cx="7409401" cy="1077218"/>
+          </a:xfrm>
+          <a:prstGeom prst="rect">
+            <a:avLst/>
+          </a:prstGeom>
+          <a:noFill/>
+        </p:spPr>
+        <p:txBody>
+          <a:bodyPr wrap="none" rtlCol="0">
+            <a:spAutoFit/>
+          </a:bodyPr>
+          <a:lstStyle/>
+          <a:p>
+            <a:r>
+              <a:rPr kumimoji="1" lang="en-US" altLang="ja-JP" sz="3200" dirty="0">
+                <a:solidFill>
+                  <a:srgbClr val="00B0F0"/>
+                </a:solidFill>
+              </a:rPr>
+              <a:t>sing()</a:t>
+            </a:r>
+            <a:r>
+              <a:rPr kumimoji="1" lang="ja-JP" altLang="en-US" sz="3200" dirty="0"/>
+              <a:t>はオーバーライドできているが、</a:t>
+            </a:r>
+            <a:endParaRPr kumimoji="1" lang="en-US" altLang="ja-JP" sz="3200" dirty="0"/>
+          </a:p>
+          <a:p>
+            <a:r>
+              <a:rPr kumimoji="1" lang="en-US" altLang="ja-JP" sz="3200" dirty="0">
+                <a:solidFill>
+                  <a:srgbClr val="FF0000"/>
+                </a:solidFill>
+              </a:rPr>
+              <a:t>fly()</a:t>
+            </a:r>
+            <a:r>
+              <a:rPr kumimoji="1" lang="ja-JP" altLang="en-US" sz="3200" dirty="0"/>
+              <a:t>はオーバーライドできていない</a:t>
+            </a:r>
+          </a:p>
+        </p:txBody>
+      </p:sp>
+    </p:spTree>
+    <p:extLst>
+      <p:ext uri="{BB962C8B-B14F-4D97-AF65-F5344CB8AC3E}">
+        <p14:creationId xmlns:p14="http://schemas.microsoft.com/office/powerpoint/2010/main" val="148700280"/>
+      </p:ext>
+    </p:extLst>
+  </p:cSld>
+  <p:clrMapOvr>
+    <a:masterClrMapping/>
+  </p:clrMapOvr>
+</p:sld>
+</file>
+
+<file path=ppt/slides/slide35.xml><?xml version="1.0" encoding="utf-8"?>
+<p:sld xmlns:a="http://schemas.openxmlformats.org/drawingml/2006/main" xmlns:r="http://schemas.openxmlformats.org/officeDocument/2006/relationships" xmlns:p="http://schemas.openxmlformats.org/presentationml/2006/main">
+  <p:cSld>
+    <p:spTree>
+      <p:nvGrpSpPr>
+        <p:cNvPr id="1" name=""/>
+        <p:cNvGrpSpPr/>
+        <p:nvPr/>
+      </p:nvGrpSpPr>
+      <p:grpSpPr>
+        <a:xfrm>
+          <a:off x="0" y="0"/>
+          <a:ext cx="0" cy="0"/>
+          <a:chOff x="0" y="0"/>
+          <a:chExt cx="0" cy="0"/>
+        </a:xfrm>
+      </p:grpSpPr>
+      <p:sp>
+        <p:nvSpPr>
+          <p:cNvPr id="2" name="タイトル 1">
+            <a:extLst>
+              <a:ext uri="{FF2B5EF4-FFF2-40B4-BE49-F238E27FC236}">
+                <a16:creationId xmlns:a16="http://schemas.microsoft.com/office/drawing/2014/main" id="{EC1D9B36-FFC2-4D52-A2A6-FEEE7804F5FA}"/>
+              </a:ext>
+            </a:extLst>
+          </p:cNvPr>
+          <p:cNvSpPr>
+            <a:spLocks noGrp="1"/>
+          </p:cNvSpPr>
+          <p:nvPr>
+            <p:ph type="title"/>
+          </p:nvPr>
+        </p:nvSpPr>
+        <p:spPr/>
+        <p:txBody>
+          <a:bodyPr/>
+          <a:lstStyle/>
+          <a:p>
+            <a:r>
+              <a:rPr lang="ja-JP" altLang="en-US" dirty="0"/>
+              <a:t>ポリモーフィズム</a:t>
+            </a:r>
+            <a:endParaRPr kumimoji="1" lang="ja-JP" altLang="en-US" dirty="0"/>
+          </a:p>
+        </p:txBody>
+      </p:sp>
+      <p:sp>
+        <p:nvSpPr>
+          <p:cNvPr id="3" name="コンテンツ プレースホルダー 2">
+            <a:extLst>
+              <a:ext uri="{FF2B5EF4-FFF2-40B4-BE49-F238E27FC236}">
+                <a16:creationId xmlns:a16="http://schemas.microsoft.com/office/drawing/2014/main" id="{534285BC-9209-40FB-8017-B7672579046F}"/>
+              </a:ext>
+            </a:extLst>
+          </p:cNvPr>
+          <p:cNvSpPr>
+            <a:spLocks noGrp="1"/>
+          </p:cNvSpPr>
+          <p:nvPr>
+            <p:ph idx="1"/>
+          </p:nvPr>
+        </p:nvSpPr>
+        <p:spPr>
+          <a:xfrm>
+            <a:off x="430306" y="1376038"/>
+            <a:ext cx="11654118" cy="4980311"/>
+          </a:xfrm>
+        </p:spPr>
+        <p:txBody>
+          <a:bodyPr>
+            <a:normAutofit/>
+          </a:bodyPr>
+          <a:lstStyle/>
+          <a:p>
+            <a:r>
+              <a:rPr kumimoji="1" lang="en-US" altLang="ja-JP" b="1" dirty="0">
+                <a:solidFill>
+                  <a:srgbClr val="FF0000"/>
+                </a:solidFill>
+              </a:rPr>
+              <a:t>virtual</a:t>
+            </a:r>
+            <a:r>
+              <a:rPr kumimoji="1" lang="ja-JP" altLang="en-US" dirty="0"/>
+              <a:t>修飾子</a:t>
+            </a:r>
+            <a:br>
+              <a:rPr kumimoji="1" lang="en-US" altLang="ja-JP" dirty="0"/>
+            </a:br>
+            <a:endParaRPr lang="en-US" altLang="ja-JP" dirty="0"/>
+          </a:p>
+          <a:p>
+            <a:pPr lvl="1"/>
+            <a:r>
+              <a:rPr kumimoji="1" lang="en-US" altLang="ja-JP" sz="3600" dirty="0"/>
+              <a:t>sing()</a:t>
+            </a:r>
+            <a:r>
+              <a:rPr kumimoji="1" lang="ja-JP" altLang="en-US" sz="3600" dirty="0"/>
+              <a:t>がオーバーライドできたのは</a:t>
+            </a:r>
+            <a:br>
+              <a:rPr kumimoji="1" lang="en-US" altLang="ja-JP" sz="3600" dirty="0"/>
+            </a:br>
+            <a:r>
+              <a:rPr kumimoji="1" lang="ja-JP" altLang="en-US" sz="3600" dirty="0"/>
+              <a:t>親クラスの</a:t>
+            </a:r>
+            <a:r>
+              <a:rPr kumimoji="1" lang="en-US" altLang="ja-JP" sz="3600" dirty="0"/>
+              <a:t>Bird</a:t>
+            </a:r>
+            <a:r>
+              <a:rPr kumimoji="1" lang="ja-JP" altLang="en-US" sz="3600" dirty="0"/>
+              <a:t>クラスの</a:t>
+            </a:r>
+            <a:r>
+              <a:rPr kumimoji="1" lang="en-US" altLang="ja-JP" sz="3600" dirty="0"/>
+              <a:t>sing()</a:t>
+            </a:r>
+            <a:r>
+              <a:rPr kumimoji="1" lang="ja-JP" altLang="en-US" sz="3600" dirty="0"/>
+              <a:t>に</a:t>
+            </a:r>
+            <a:r>
+              <a:rPr lang="en-US" altLang="ja-JP" sz="3600" b="1" dirty="0">
+                <a:solidFill>
+                  <a:srgbClr val="FF0000"/>
+                </a:solidFill>
+              </a:rPr>
+              <a:t>virtual</a:t>
+            </a:r>
+            <a:r>
+              <a:rPr lang="ja-JP" altLang="en-US" sz="3600" dirty="0"/>
+              <a:t>が</a:t>
+            </a:r>
+            <a:br>
+              <a:rPr lang="en-US" altLang="ja-JP" sz="3600" dirty="0"/>
+            </a:br>
+            <a:r>
+              <a:rPr lang="ja-JP" altLang="en-US" sz="3600" dirty="0"/>
+              <a:t>ついているから！</a:t>
+            </a:r>
+            <a:br>
+              <a:rPr lang="en-US" altLang="ja-JP" sz="3600" dirty="0"/>
+            </a:br>
+            <a:endParaRPr lang="en-US" altLang="ja-JP" sz="3600" dirty="0"/>
+          </a:p>
+          <a:p>
+            <a:pPr lvl="1"/>
+            <a:r>
+              <a:rPr kumimoji="1" lang="en-US" altLang="ja-JP" sz="3600" dirty="0"/>
+              <a:t>virtual</a:t>
+            </a:r>
+            <a:r>
+              <a:rPr lang="ja-JP" altLang="en-US" sz="3600" dirty="0" err="1"/>
+              <a:t>がつ</a:t>
+            </a:r>
+            <a:r>
+              <a:rPr lang="ja-JP" altLang="en-US" sz="3600" dirty="0"/>
+              <a:t>いた関数は</a:t>
+            </a:r>
+            <a:r>
+              <a:rPr lang="ja-JP" altLang="en-US" sz="3600" b="1" dirty="0">
+                <a:solidFill>
+                  <a:srgbClr val="00B050"/>
+                </a:solidFill>
+              </a:rPr>
+              <a:t>仮想関数</a:t>
+            </a:r>
+            <a:r>
+              <a:rPr lang="ja-JP" altLang="en-US" sz="3600" dirty="0"/>
+              <a:t>となり子クラスの</a:t>
+            </a:r>
+            <a:br>
+              <a:rPr lang="en-US" altLang="ja-JP" sz="3600" dirty="0"/>
+            </a:br>
+            <a:r>
+              <a:rPr lang="ja-JP" altLang="en-US" sz="3600" dirty="0"/>
+              <a:t>同名の関数の方が実行される</a:t>
+            </a:r>
+            <a:endParaRPr kumimoji="1" lang="en-US" altLang="ja-JP" sz="3600" dirty="0"/>
+          </a:p>
+        </p:txBody>
+      </p:sp>
+    </p:spTree>
+    <p:extLst>
+      <p:ext uri="{BB962C8B-B14F-4D97-AF65-F5344CB8AC3E}">
+        <p14:creationId xmlns:p14="http://schemas.microsoft.com/office/powerpoint/2010/main" val="1008095705"/>
+      </p:ext>
+    </p:extLst>
+  </p:cSld>
+  <p:clrMapOvr>
+    <a:masterClrMapping/>
+  </p:clrMapOvr>
+</p:sld>
+</file>
+
+<file path=ppt/slides/slide36.xml><?xml version="1.0" encoding="utf-8"?>
+<p:sld xmlns:a="http://schemas.openxmlformats.org/drawingml/2006/main" xmlns:r="http://schemas.openxmlformats.org/officeDocument/2006/relationships" xmlns:p="http://schemas.openxmlformats.org/presentationml/2006/main">
+  <p:cSld>
+    <p:spTree>
+      <p:nvGrpSpPr>
+        <p:cNvPr id="1" name=""/>
+        <p:cNvGrpSpPr/>
+        <p:nvPr/>
+      </p:nvGrpSpPr>
+      <p:grpSpPr>
+        <a:xfrm>
+          <a:off x="0" y="0"/>
+          <a:ext cx="0" cy="0"/>
+          <a:chOff x="0" y="0"/>
+          <a:chExt cx="0" cy="0"/>
+        </a:xfrm>
+      </p:grpSpPr>
+      <p:sp>
+        <p:nvSpPr>
+          <p:cNvPr id="2" name="タイトル 1">
+            <a:extLst>
+              <a:ext uri="{FF2B5EF4-FFF2-40B4-BE49-F238E27FC236}">
+                <a16:creationId xmlns:a16="http://schemas.microsoft.com/office/drawing/2014/main" id="{9F789731-37C4-49DD-AEE8-78E5514E279E}"/>
+              </a:ext>
+            </a:extLst>
+          </p:cNvPr>
+          <p:cNvSpPr>
+            <a:spLocks noGrp="1"/>
+          </p:cNvSpPr>
+          <p:nvPr>
+            <p:ph type="title"/>
+          </p:nvPr>
+        </p:nvSpPr>
+        <p:spPr/>
+        <p:txBody>
+          <a:bodyPr/>
+          <a:lstStyle/>
+          <a:p>
+            <a:r>
+              <a:rPr kumimoji="1" lang="ja-JP" altLang="en-US" dirty="0"/>
+              <a:t>ポリモーフィズム</a:t>
+            </a:r>
+          </a:p>
+        </p:txBody>
+      </p:sp>
+      <p:sp>
+        <p:nvSpPr>
+          <p:cNvPr id="3" name="コンテンツ プレースホルダー 2">
+            <a:extLst>
+              <a:ext uri="{FF2B5EF4-FFF2-40B4-BE49-F238E27FC236}">
+                <a16:creationId xmlns:a16="http://schemas.microsoft.com/office/drawing/2014/main" id="{39562F0E-6033-40BD-BCB8-F015661306FD}"/>
+              </a:ext>
+            </a:extLst>
+          </p:cNvPr>
+          <p:cNvSpPr>
+            <a:spLocks noGrp="1"/>
+          </p:cNvSpPr>
+          <p:nvPr>
+            <p:ph idx="1"/>
+          </p:nvPr>
+        </p:nvSpPr>
+        <p:spPr>
+          <a:xfrm>
+            <a:off x="838200" y="1376038"/>
+            <a:ext cx="10515600" cy="5374958"/>
+          </a:xfrm>
+        </p:spPr>
+        <p:txBody>
+          <a:bodyPr>
+            <a:normAutofit/>
+          </a:bodyPr>
+          <a:lstStyle/>
+          <a:p>
+            <a:r>
+              <a:rPr lang="ja-JP" altLang="en-US" b="1" u="sng" dirty="0"/>
+              <a:t>純粋仮想関数と抽象クラス</a:t>
+            </a:r>
+            <a:br>
+              <a:rPr lang="en-US" altLang="ja-JP" sz="1800" b="1" u="sng" dirty="0"/>
+            </a:br>
+            <a:br>
+              <a:rPr lang="en-US" altLang="ja-JP" sz="1800" dirty="0"/>
+            </a:br>
+            <a:r>
+              <a:rPr lang="ja-JP" altLang="en-US" dirty="0"/>
+              <a:t>教科書</a:t>
+            </a:r>
+            <a:r>
+              <a:rPr lang="en-US" altLang="ja-JP" dirty="0"/>
+              <a:t>P208~209 </a:t>
+            </a:r>
+            <a:r>
+              <a:rPr lang="en-US" altLang="ja-JP" b="1" dirty="0"/>
+              <a:t>Sample507</a:t>
+            </a:r>
+            <a:endParaRPr lang="en-US" altLang="ja-JP" dirty="0"/>
+          </a:p>
+          <a:p>
+            <a:r>
+              <a:rPr lang="en-US" altLang="ja-JP" dirty="0"/>
+              <a:t>C++</a:t>
+            </a:r>
+            <a:r>
+              <a:rPr lang="ja-JP" altLang="en-US" dirty="0"/>
+              <a:t>作業フォルダ内に</a:t>
+            </a:r>
+            <a:r>
+              <a:rPr lang="en-US" altLang="ja-JP" b="1" dirty="0"/>
+              <a:t>Sample507</a:t>
+            </a:r>
+            <a:r>
+              <a:rPr lang="ja-JP" altLang="en-US" dirty="0"/>
+              <a:t>フォルダを作成</a:t>
+            </a:r>
+            <a:br>
+              <a:rPr lang="en-US" altLang="ja-JP"/>
+            </a:br>
+            <a:r>
+              <a:rPr lang="en-US" altLang="ja-JP">
+                <a:solidFill>
+                  <a:srgbClr val="00B0F0"/>
+                </a:solidFill>
+              </a:rPr>
+              <a:t>cd </a:t>
+            </a:r>
+            <a:r>
+              <a:rPr lang="en-US" altLang="ja-JP" dirty="0">
+                <a:solidFill>
+                  <a:srgbClr val="00B0F0"/>
+                </a:solidFill>
+              </a:rPr>
+              <a:t>..</a:t>
+            </a:r>
+            <a:br>
+              <a:rPr lang="en-US" altLang="ja-JP" dirty="0">
+                <a:solidFill>
+                  <a:srgbClr val="00B0F0"/>
+                </a:solidFill>
+              </a:rPr>
+            </a:br>
+            <a:r>
+              <a:rPr lang="en-US" altLang="ja-JP" dirty="0">
+                <a:solidFill>
+                  <a:srgbClr val="00B0F0"/>
+                </a:solidFill>
+              </a:rPr>
+              <a:t>robocopy Sample506 Sample507</a:t>
+            </a:r>
+            <a:br>
+              <a:rPr lang="en-US" altLang="ja-JP" dirty="0"/>
+            </a:br>
+            <a:r>
+              <a:rPr lang="en-US" altLang="ja-JP" dirty="0">
+                <a:solidFill>
+                  <a:srgbClr val="00B0F0"/>
+                </a:solidFill>
+              </a:rPr>
+              <a:t>cd Sample507</a:t>
+            </a:r>
+            <a:br>
+              <a:rPr lang="en-US" altLang="ja-JP" dirty="0"/>
+            </a:br>
+            <a:endParaRPr lang="en-US" altLang="ja-JP" dirty="0"/>
+          </a:p>
+          <a:p>
+            <a:r>
+              <a:rPr lang="en-US" altLang="ja-JP" dirty="0" err="1"/>
+              <a:t>bird.h</a:t>
+            </a:r>
+            <a:r>
+              <a:rPr lang="ja-JP" altLang="en-US" dirty="0" err="1"/>
+              <a:t>，</a:t>
+            </a:r>
+            <a:r>
+              <a:rPr lang="ja-JP" altLang="en-US" dirty="0"/>
+              <a:t> </a:t>
+            </a:r>
+            <a:r>
+              <a:rPr lang="en-US" altLang="ja-JP" dirty="0"/>
+              <a:t>bird.cpp</a:t>
+            </a:r>
+            <a:r>
+              <a:rPr lang="ja-JP" altLang="en-US" dirty="0" err="1"/>
+              <a:t>，</a:t>
+            </a:r>
+            <a:r>
+              <a:rPr lang="ja-JP" altLang="en-US" dirty="0"/>
+              <a:t> </a:t>
+            </a:r>
+            <a:r>
+              <a:rPr lang="en-US" altLang="ja-JP" dirty="0"/>
+              <a:t>main.cpp</a:t>
+            </a:r>
+            <a:r>
+              <a:rPr lang="ja-JP" altLang="en-US" dirty="0"/>
+              <a:t>を変更</a:t>
+            </a:r>
+            <a:br>
+              <a:rPr lang="en-US" altLang="ja-JP" dirty="0"/>
+            </a:br>
+            <a:endParaRPr lang="en-US" altLang="ja-JP" sz="3200" dirty="0"/>
+          </a:p>
+        </p:txBody>
+      </p:sp>
+    </p:spTree>
+    <p:extLst>
+      <p:ext uri="{BB962C8B-B14F-4D97-AF65-F5344CB8AC3E}">
+        <p14:creationId xmlns:p14="http://schemas.microsoft.com/office/powerpoint/2010/main" val="1644896685"/>
       </p:ext>
     </p:extLst>
   </p:cSld>

--- a/授業資料/講義資料：継承とポリモーフィズム.pptx
+++ b/授業資料/講義資料：継承とポリモーフィズム.pptx
@@ -41,6 +41,11 @@
     <p:sldId id="351" r:id="rId35"/>
     <p:sldId id="352" r:id="rId36"/>
     <p:sldId id="353" r:id="rId37"/>
+    <p:sldId id="354" r:id="rId38"/>
+    <p:sldId id="355" r:id="rId39"/>
+    <p:sldId id="356" r:id="rId40"/>
+    <p:sldId id="357" r:id="rId41"/>
+    <p:sldId id="358" r:id="rId42"/>
   </p:sldIdLst>
   <p:sldSz cx="12192000" cy="6858000"/>
   <p:notesSz cx="6858000" cy="9144000"/>
@@ -15357,6 +15362,2125 @@
 </p:sld>
 </file>
 
+<file path=ppt/slides/slide37.xml><?xml version="1.0" encoding="utf-8"?>
+<p:sld xmlns:a="http://schemas.openxmlformats.org/drawingml/2006/main" xmlns:r="http://schemas.openxmlformats.org/officeDocument/2006/relationships" xmlns:p="http://schemas.openxmlformats.org/presentationml/2006/main">
+  <p:cSld>
+    <p:spTree>
+      <p:nvGrpSpPr>
+        <p:cNvPr id="1" name=""/>
+        <p:cNvGrpSpPr/>
+        <p:nvPr/>
+      </p:nvGrpSpPr>
+      <p:grpSpPr>
+        <a:xfrm>
+          <a:off x="0" y="0"/>
+          <a:ext cx="0" cy="0"/>
+          <a:chOff x="0" y="0"/>
+          <a:chExt cx="0" cy="0"/>
+        </a:xfrm>
+      </p:grpSpPr>
+      <p:sp>
+        <p:nvSpPr>
+          <p:cNvPr id="2" name="タイトル 1">
+            <a:extLst>
+              <a:ext uri="{FF2B5EF4-FFF2-40B4-BE49-F238E27FC236}">
+                <a16:creationId xmlns:a16="http://schemas.microsoft.com/office/drawing/2014/main" id="{F11F3668-F205-48C5-AC01-19611EFE561B}"/>
+              </a:ext>
+            </a:extLst>
+          </p:cNvPr>
+          <p:cNvSpPr>
+            <a:spLocks noGrp="1"/>
+          </p:cNvSpPr>
+          <p:nvPr>
+            <p:ph type="title"/>
+          </p:nvPr>
+        </p:nvSpPr>
+        <p:spPr/>
+        <p:txBody>
+          <a:bodyPr/>
+          <a:lstStyle/>
+          <a:p>
+            <a:r>
+              <a:rPr kumimoji="1" lang="ja-JP" altLang="en-US" dirty="0"/>
+              <a:t>ポリモーフィズム</a:t>
+            </a:r>
+          </a:p>
+        </p:txBody>
+      </p:sp>
+      <p:sp>
+        <p:nvSpPr>
+          <p:cNvPr id="3" name="コンテンツ プレースホルダー 2">
+            <a:extLst>
+              <a:ext uri="{FF2B5EF4-FFF2-40B4-BE49-F238E27FC236}">
+                <a16:creationId xmlns:a16="http://schemas.microsoft.com/office/drawing/2014/main" id="{64DBE417-57E9-44A6-BB52-B2F9986BB7B2}"/>
+              </a:ext>
+            </a:extLst>
+          </p:cNvPr>
+          <p:cNvSpPr>
+            <a:spLocks noGrp="1"/>
+          </p:cNvSpPr>
+          <p:nvPr>
+            <p:ph idx="1"/>
+          </p:nvPr>
+        </p:nvSpPr>
+        <p:spPr>
+          <a:xfrm>
+            <a:off x="838200" y="1162976"/>
+            <a:ext cx="10515600" cy="5193373"/>
+          </a:xfrm>
+        </p:spPr>
+        <p:txBody>
+          <a:bodyPr>
+            <a:normAutofit/>
+          </a:bodyPr>
+          <a:lstStyle/>
+          <a:p>
+            <a:r>
+              <a:rPr kumimoji="1" lang="en-US" altLang="ja-JP" dirty="0" err="1"/>
+              <a:t>bird.h</a:t>
+            </a:r>
+            <a:r>
+              <a:rPr kumimoji="1" lang="ja-JP" altLang="en-US" dirty="0"/>
+              <a:t>　</a:t>
+            </a:r>
+            <a:r>
+              <a:rPr kumimoji="1" lang="en-US" altLang="ja-JP" dirty="0"/>
+              <a:t>(Sample507)</a:t>
+            </a:r>
+            <a:br>
+              <a:rPr lang="en-US" altLang="ja-JP" dirty="0"/>
+            </a:br>
+            <a:endParaRPr lang="en-US" altLang="ja-JP" dirty="0"/>
+          </a:p>
+          <a:p>
+            <a:pPr marL="0" indent="0">
+              <a:buNone/>
+            </a:pPr>
+            <a:br>
+              <a:rPr lang="en-US" altLang="ja-JP" dirty="0"/>
+            </a:br>
+            <a:br>
+              <a:rPr lang="en-US" altLang="ja-JP" dirty="0"/>
+            </a:br>
+            <a:br>
+              <a:rPr lang="en-US" altLang="ja-JP" dirty="0"/>
+            </a:br>
+            <a:br>
+              <a:rPr lang="en-US" altLang="ja-JP" sz="2400" dirty="0"/>
+            </a:br>
+            <a:br>
+              <a:rPr lang="en-US" altLang="ja-JP" sz="2400" dirty="0"/>
+            </a:br>
+            <a:endParaRPr lang="en-US" altLang="ja-JP" sz="2400" dirty="0"/>
+          </a:p>
+          <a:p>
+            <a:pPr marL="0" indent="0">
+              <a:buNone/>
+            </a:pPr>
+            <a:br>
+              <a:rPr lang="en-US" altLang="ja-JP" sz="2400" dirty="0"/>
+            </a:br>
+            <a:endParaRPr lang="en-US" altLang="ja-JP" dirty="0">
+              <a:solidFill>
+                <a:srgbClr val="FF0000"/>
+              </a:solidFill>
+            </a:endParaRPr>
+          </a:p>
+        </p:txBody>
+      </p:sp>
+      <p:sp>
+        <p:nvSpPr>
+          <p:cNvPr id="5" name="テキスト ボックス 4">
+            <a:extLst>
+              <a:ext uri="{FF2B5EF4-FFF2-40B4-BE49-F238E27FC236}">
+                <a16:creationId xmlns:a16="http://schemas.microsoft.com/office/drawing/2014/main" id="{9E32883C-0E37-4F07-9861-27609819CE8C}"/>
+              </a:ext>
+            </a:extLst>
+          </p:cNvPr>
+          <p:cNvSpPr txBox="1"/>
+          <p:nvPr/>
+        </p:nvSpPr>
+        <p:spPr>
+          <a:xfrm>
+            <a:off x="1048255" y="1942532"/>
+            <a:ext cx="10688220" cy="4524315"/>
+          </a:xfrm>
+          <a:prstGeom prst="rect">
+            <a:avLst/>
+          </a:prstGeom>
+          <a:noFill/>
+          <a:ln>
+            <a:solidFill>
+              <a:schemeClr val="tx1"/>
+            </a:solidFill>
+          </a:ln>
+        </p:spPr>
+        <p:txBody>
+          <a:bodyPr wrap="square" rtlCol="0">
+            <a:spAutoFit/>
+          </a:bodyPr>
+          <a:lstStyle/>
+          <a:p>
+            <a:r>
+              <a:rPr lang="en-US" altLang="ja-JP" sz="3200" dirty="0">
+                <a:solidFill>
+                  <a:srgbClr val="808080"/>
+                </a:solidFill>
+                <a:latin typeface="+mj-lt"/>
+                <a:ea typeface="ＭＳ ゴシック" panose="020B0609070205080204" pitchFamily="49" charset="-128"/>
+              </a:rPr>
+              <a:t>#pragma</a:t>
+            </a:r>
+            <a:r>
+              <a:rPr lang="en-US" altLang="ja-JP" sz="3200" dirty="0">
+                <a:solidFill>
+                  <a:srgbClr val="000000"/>
+                </a:solidFill>
+                <a:latin typeface="+mj-lt"/>
+                <a:ea typeface="ＭＳ ゴシック" panose="020B0609070205080204" pitchFamily="49" charset="-128"/>
+              </a:rPr>
+              <a:t> </a:t>
+            </a:r>
+            <a:r>
+              <a:rPr lang="en-US" altLang="ja-JP" sz="3200" dirty="0">
+                <a:solidFill>
+                  <a:srgbClr val="808080"/>
+                </a:solidFill>
+                <a:latin typeface="+mj-lt"/>
+                <a:ea typeface="ＭＳ ゴシック" panose="020B0609070205080204" pitchFamily="49" charset="-128"/>
+              </a:rPr>
+              <a:t>once</a:t>
+            </a:r>
+            <a:endParaRPr lang="en-US" altLang="ja-JP" sz="3200" dirty="0">
+              <a:solidFill>
+                <a:srgbClr val="000000"/>
+              </a:solidFill>
+              <a:latin typeface="+mj-lt"/>
+              <a:ea typeface="ＭＳ ゴシック" panose="020B0609070205080204" pitchFamily="49" charset="-128"/>
+            </a:endParaRPr>
+          </a:p>
+          <a:p>
+            <a:r>
+              <a:rPr lang="en-US" altLang="ja-JP" sz="3200" dirty="0">
+                <a:solidFill>
+                  <a:srgbClr val="808080"/>
+                </a:solidFill>
+                <a:latin typeface="+mj-lt"/>
+                <a:ea typeface="ＭＳ ゴシック" panose="020B0609070205080204" pitchFamily="49" charset="-128"/>
+              </a:rPr>
+              <a:t>#include</a:t>
+            </a:r>
+            <a:r>
+              <a:rPr lang="en-US" altLang="ja-JP" sz="3200" dirty="0">
+                <a:solidFill>
+                  <a:srgbClr val="A31515"/>
+                </a:solidFill>
+                <a:latin typeface="+mj-lt"/>
+                <a:ea typeface="ＭＳ ゴシック" panose="020B0609070205080204" pitchFamily="49" charset="-128"/>
+              </a:rPr>
+              <a:t>&lt;iostream&gt;</a:t>
+            </a:r>
+            <a:endParaRPr lang="en-US" altLang="ja-JP" sz="3200" dirty="0">
+              <a:solidFill>
+                <a:srgbClr val="000000"/>
+              </a:solidFill>
+              <a:latin typeface="+mj-lt"/>
+              <a:ea typeface="ＭＳ ゴシック" panose="020B0609070205080204" pitchFamily="49" charset="-128"/>
+            </a:endParaRPr>
+          </a:p>
+          <a:p>
+            <a:r>
+              <a:rPr lang="en-US" altLang="ja-JP" sz="3200" dirty="0">
+                <a:solidFill>
+                  <a:srgbClr val="0000FF"/>
+                </a:solidFill>
+                <a:latin typeface="+mj-lt"/>
+                <a:ea typeface="ＭＳ ゴシック" panose="020B0609070205080204" pitchFamily="49" charset="-128"/>
+              </a:rPr>
+              <a:t>using</a:t>
+            </a:r>
+            <a:r>
+              <a:rPr lang="en-US" altLang="ja-JP" sz="3200" dirty="0">
+                <a:solidFill>
+                  <a:srgbClr val="000000"/>
+                </a:solidFill>
+                <a:latin typeface="+mj-lt"/>
+                <a:ea typeface="ＭＳ ゴシック" panose="020B0609070205080204" pitchFamily="49" charset="-128"/>
+              </a:rPr>
+              <a:t> </a:t>
+            </a:r>
+            <a:r>
+              <a:rPr lang="en-US" altLang="ja-JP" sz="3200" dirty="0">
+                <a:solidFill>
+                  <a:srgbClr val="0000FF"/>
+                </a:solidFill>
+                <a:latin typeface="+mj-lt"/>
+                <a:ea typeface="ＭＳ ゴシック" panose="020B0609070205080204" pitchFamily="49" charset="-128"/>
+              </a:rPr>
+              <a:t>namespace</a:t>
+            </a:r>
+            <a:r>
+              <a:rPr lang="en-US" altLang="ja-JP" sz="3200" dirty="0">
+                <a:solidFill>
+                  <a:srgbClr val="000000"/>
+                </a:solidFill>
+                <a:latin typeface="+mj-lt"/>
+                <a:ea typeface="ＭＳ ゴシック" panose="020B0609070205080204" pitchFamily="49" charset="-128"/>
+              </a:rPr>
+              <a:t> std;</a:t>
+            </a:r>
+          </a:p>
+          <a:p>
+            <a:endParaRPr lang="ja-JP" altLang="en-US" sz="3200" dirty="0">
+              <a:solidFill>
+                <a:srgbClr val="000000"/>
+              </a:solidFill>
+              <a:latin typeface="+mj-lt"/>
+              <a:ea typeface="ＭＳ ゴシック" panose="020B0609070205080204" pitchFamily="49" charset="-128"/>
+            </a:endParaRPr>
+          </a:p>
+          <a:p>
+            <a:r>
+              <a:rPr lang="en-US" altLang="ja-JP" sz="3200" dirty="0">
+                <a:solidFill>
+                  <a:srgbClr val="0000FF"/>
+                </a:solidFill>
+                <a:latin typeface="+mj-lt"/>
+                <a:ea typeface="ＭＳ ゴシック" panose="020B0609070205080204" pitchFamily="49" charset="-128"/>
+              </a:rPr>
+              <a:t>class</a:t>
+            </a:r>
+            <a:r>
+              <a:rPr lang="en-US" altLang="ja-JP" sz="3200" dirty="0">
+                <a:solidFill>
+                  <a:srgbClr val="000000"/>
+                </a:solidFill>
+                <a:latin typeface="+mj-lt"/>
+                <a:ea typeface="ＭＳ ゴシック" panose="020B0609070205080204" pitchFamily="49" charset="-128"/>
+              </a:rPr>
+              <a:t> </a:t>
+            </a:r>
+            <a:r>
+              <a:rPr lang="en-US" altLang="ja-JP" sz="3200" dirty="0">
+                <a:solidFill>
+                  <a:srgbClr val="2B91AF"/>
+                </a:solidFill>
+                <a:latin typeface="+mj-lt"/>
+                <a:ea typeface="ＭＳ ゴシック" panose="020B0609070205080204" pitchFamily="49" charset="-128"/>
+              </a:rPr>
+              <a:t>Bird</a:t>
+            </a:r>
+            <a:r>
+              <a:rPr lang="en-US" altLang="ja-JP" sz="3200" dirty="0">
+                <a:solidFill>
+                  <a:srgbClr val="000000"/>
+                </a:solidFill>
+                <a:latin typeface="+mj-lt"/>
+                <a:ea typeface="ＭＳ ゴシック" panose="020B0609070205080204" pitchFamily="49" charset="-128"/>
+              </a:rPr>
+              <a:t> {</a:t>
+            </a:r>
+          </a:p>
+          <a:p>
+            <a:r>
+              <a:rPr lang="en-US" altLang="ja-JP" sz="3200" dirty="0">
+                <a:solidFill>
+                  <a:srgbClr val="0000FF"/>
+                </a:solidFill>
+                <a:latin typeface="+mj-lt"/>
+                <a:ea typeface="ＭＳ ゴシック" panose="020B0609070205080204" pitchFamily="49" charset="-128"/>
+              </a:rPr>
+              <a:t>public</a:t>
+            </a:r>
+            <a:r>
+              <a:rPr lang="en-US" altLang="ja-JP" sz="3200" dirty="0">
+                <a:solidFill>
+                  <a:srgbClr val="000000"/>
+                </a:solidFill>
+                <a:latin typeface="+mj-lt"/>
+                <a:ea typeface="ＭＳ ゴシック" panose="020B0609070205080204" pitchFamily="49" charset="-128"/>
+              </a:rPr>
+              <a:t>:</a:t>
+            </a:r>
+          </a:p>
+          <a:p>
+            <a:r>
+              <a:rPr lang="en-US" altLang="ja-JP" sz="3200" dirty="0">
+                <a:solidFill>
+                  <a:srgbClr val="0000FF"/>
+                </a:solidFill>
+                <a:latin typeface="+mj-lt"/>
+                <a:ea typeface="ＭＳ ゴシック" panose="020B0609070205080204" pitchFamily="49" charset="-128"/>
+              </a:rPr>
+              <a:t>virtual</a:t>
+            </a:r>
+            <a:r>
+              <a:rPr lang="en-US" altLang="ja-JP" sz="3200" dirty="0">
+                <a:solidFill>
+                  <a:srgbClr val="000000"/>
+                </a:solidFill>
+                <a:latin typeface="+mj-lt"/>
+                <a:ea typeface="ＭＳ ゴシック" panose="020B0609070205080204" pitchFamily="49" charset="-128"/>
+              </a:rPr>
+              <a:t> </a:t>
+            </a:r>
+            <a:r>
+              <a:rPr lang="en-US" altLang="ja-JP" sz="3200" dirty="0">
+                <a:solidFill>
+                  <a:srgbClr val="0000FF"/>
+                </a:solidFill>
+                <a:latin typeface="+mj-lt"/>
+                <a:ea typeface="ＭＳ ゴシック" panose="020B0609070205080204" pitchFamily="49" charset="-128"/>
+              </a:rPr>
+              <a:t>void</a:t>
+            </a:r>
+            <a:r>
+              <a:rPr lang="en-US" altLang="ja-JP" sz="3200" dirty="0">
+                <a:solidFill>
+                  <a:srgbClr val="000000"/>
+                </a:solidFill>
+                <a:latin typeface="+mj-lt"/>
+                <a:ea typeface="ＭＳ ゴシック" panose="020B0609070205080204" pitchFamily="49" charset="-128"/>
+              </a:rPr>
+              <a:t> sing()</a:t>
+            </a:r>
+            <a:r>
+              <a:rPr lang="en-US" altLang="ja-JP" sz="3200" b="1" dirty="0">
+                <a:solidFill>
+                  <a:srgbClr val="FF0000"/>
+                </a:solidFill>
+                <a:latin typeface="+mj-lt"/>
+                <a:ea typeface="ＭＳ ゴシック" panose="020B0609070205080204" pitchFamily="49" charset="-128"/>
+              </a:rPr>
+              <a:t> = 0</a:t>
+            </a:r>
+            <a:r>
+              <a:rPr lang="en-US" altLang="ja-JP" sz="3200" dirty="0">
+                <a:solidFill>
+                  <a:srgbClr val="000000"/>
+                </a:solidFill>
+                <a:latin typeface="+mj-lt"/>
+                <a:ea typeface="ＭＳ ゴシック" panose="020B0609070205080204" pitchFamily="49" charset="-128"/>
+              </a:rPr>
+              <a:t>;</a:t>
+            </a:r>
+          </a:p>
+          <a:p>
+            <a:r>
+              <a:rPr lang="en-US" altLang="ja-JP" sz="3200" dirty="0">
+                <a:solidFill>
+                  <a:srgbClr val="0000FF"/>
+                </a:solidFill>
+                <a:latin typeface="+mj-lt"/>
+                <a:ea typeface="ＭＳ ゴシック" panose="020B0609070205080204" pitchFamily="49" charset="-128"/>
+              </a:rPr>
+              <a:t>void</a:t>
+            </a:r>
+            <a:r>
+              <a:rPr lang="en-US" altLang="ja-JP" sz="3200" dirty="0">
+                <a:solidFill>
+                  <a:srgbClr val="000000"/>
+                </a:solidFill>
+                <a:latin typeface="+mj-lt"/>
+                <a:ea typeface="ＭＳ ゴシック" panose="020B0609070205080204" pitchFamily="49" charset="-128"/>
+              </a:rPr>
+              <a:t> fly();</a:t>
+            </a:r>
+          </a:p>
+          <a:p>
+            <a:r>
+              <a:rPr lang="en-US" altLang="ja-JP" sz="3200" dirty="0">
+                <a:solidFill>
+                  <a:srgbClr val="000000"/>
+                </a:solidFill>
+                <a:latin typeface="+mj-lt"/>
+                <a:ea typeface="ＭＳ ゴシック" panose="020B0609070205080204" pitchFamily="49" charset="-128"/>
+              </a:rPr>
+              <a:t>};</a:t>
+            </a:r>
+            <a:endParaRPr kumimoji="1" lang="ja-JP" altLang="en-US" sz="4000" dirty="0">
+              <a:latin typeface="+mj-lt"/>
+            </a:endParaRPr>
+          </a:p>
+        </p:txBody>
+      </p:sp>
+      <p:sp>
+        <p:nvSpPr>
+          <p:cNvPr id="4" name="テキスト ボックス 3">
+            <a:extLst>
+              <a:ext uri="{FF2B5EF4-FFF2-40B4-BE49-F238E27FC236}">
+                <a16:creationId xmlns:a16="http://schemas.microsoft.com/office/drawing/2014/main" id="{66CE7F4B-75FF-4B35-95DF-A25B059D18CF}"/>
+              </a:ext>
+            </a:extLst>
+          </p:cNvPr>
+          <p:cNvSpPr txBox="1"/>
+          <p:nvPr/>
+        </p:nvSpPr>
+        <p:spPr>
+          <a:xfrm>
+            <a:off x="6525302" y="3817949"/>
+            <a:ext cx="4942379" cy="954107"/>
+          </a:xfrm>
+          <a:prstGeom prst="rect">
+            <a:avLst/>
+          </a:prstGeom>
+          <a:solidFill>
+            <a:schemeClr val="bg1"/>
+          </a:solidFill>
+          <a:ln>
+            <a:solidFill>
+              <a:schemeClr val="tx1"/>
+            </a:solidFill>
+          </a:ln>
+          <a:effectLst>
+            <a:outerShdw blurRad="50800" dist="38100" dir="2700000" algn="tl" rotWithShape="0">
+              <a:prstClr val="black">
+                <a:alpha val="40000"/>
+              </a:prstClr>
+            </a:outerShdw>
+          </a:effectLst>
+        </p:spPr>
+        <p:txBody>
+          <a:bodyPr wrap="none" rtlCol="0">
+            <a:spAutoFit/>
+          </a:bodyPr>
+          <a:lstStyle/>
+          <a:p>
+            <a:r>
+              <a:rPr kumimoji="1" lang="en-US" altLang="ja-JP" sz="2800" b="1" dirty="0"/>
+              <a:t>sing() = 0</a:t>
+            </a:r>
+            <a:r>
+              <a:rPr kumimoji="1" lang="ja-JP" altLang="en-US" sz="2800" b="1" dirty="0"/>
+              <a:t>　</a:t>
+            </a:r>
+            <a:r>
+              <a:rPr kumimoji="1" lang="ja-JP" altLang="en-US" sz="2800" dirty="0"/>
+              <a:t>とすることで、</a:t>
+            </a:r>
+            <a:endParaRPr kumimoji="1" lang="en-US" altLang="ja-JP" sz="2800" dirty="0"/>
+          </a:p>
+          <a:p>
+            <a:r>
+              <a:rPr kumimoji="1" lang="ja-JP" altLang="en-US" sz="2800" b="1" dirty="0">
+                <a:solidFill>
+                  <a:srgbClr val="FF0000"/>
+                </a:solidFill>
+              </a:rPr>
+              <a:t>純粋仮想関数</a:t>
+            </a:r>
+            <a:r>
+              <a:rPr kumimoji="1" lang="ja-JP" altLang="en-US" sz="2800" dirty="0"/>
+              <a:t>となる</a:t>
+            </a:r>
+            <a:endParaRPr kumimoji="1" lang="en-US" altLang="ja-JP" sz="2800" dirty="0"/>
+          </a:p>
+        </p:txBody>
+      </p:sp>
+      <p:sp>
+        <p:nvSpPr>
+          <p:cNvPr id="6" name="テキスト ボックス 5">
+            <a:extLst>
+              <a:ext uri="{FF2B5EF4-FFF2-40B4-BE49-F238E27FC236}">
+                <a16:creationId xmlns:a16="http://schemas.microsoft.com/office/drawing/2014/main" id="{3433EA0D-C73F-084D-D47D-7FFB652C5258}"/>
+              </a:ext>
+            </a:extLst>
+          </p:cNvPr>
+          <p:cNvSpPr txBox="1"/>
+          <p:nvPr/>
+        </p:nvSpPr>
+        <p:spPr>
+          <a:xfrm>
+            <a:off x="6197916" y="5638887"/>
+            <a:ext cx="5766322" cy="954107"/>
+          </a:xfrm>
+          <a:prstGeom prst="rect">
+            <a:avLst/>
+          </a:prstGeom>
+          <a:solidFill>
+            <a:schemeClr val="bg1"/>
+          </a:solidFill>
+          <a:ln>
+            <a:solidFill>
+              <a:schemeClr val="tx1"/>
+            </a:solidFill>
+          </a:ln>
+          <a:effectLst>
+            <a:outerShdw blurRad="50800" dist="38100" dir="2700000" algn="tl" rotWithShape="0">
+              <a:prstClr val="black">
+                <a:alpha val="40000"/>
+              </a:prstClr>
+            </a:outerShdw>
+          </a:effectLst>
+        </p:spPr>
+        <p:txBody>
+          <a:bodyPr wrap="none" rtlCol="0">
+            <a:spAutoFit/>
+          </a:bodyPr>
+          <a:lstStyle/>
+          <a:p>
+            <a:r>
+              <a:rPr kumimoji="1" lang="en-US" altLang="ja-JP" sz="2800" dirty="0"/>
+              <a:t>Bird</a:t>
+            </a:r>
+            <a:r>
+              <a:rPr kumimoji="1" lang="ja-JP" altLang="en-US" sz="2800" dirty="0"/>
+              <a:t>クラスは</a:t>
+            </a:r>
+            <a:r>
+              <a:rPr kumimoji="1" lang="ja-JP" altLang="en-US" sz="2800" b="1" dirty="0">
+                <a:solidFill>
+                  <a:srgbClr val="0070C0"/>
+                </a:solidFill>
+              </a:rPr>
+              <a:t>抽象クラス</a:t>
+            </a:r>
+            <a:r>
+              <a:rPr kumimoji="1" lang="ja-JP" altLang="en-US" sz="2800" dirty="0"/>
+              <a:t>と</a:t>
+            </a:r>
+            <a:endParaRPr kumimoji="1" lang="en-US" altLang="ja-JP" sz="2800" dirty="0"/>
+          </a:p>
+          <a:p>
+            <a:r>
+              <a:rPr kumimoji="1" lang="ja-JP" altLang="en-US" sz="2800" dirty="0"/>
+              <a:t>なり、インスタンス化ができなくなる</a:t>
+            </a:r>
+            <a:endParaRPr kumimoji="1" lang="en-US" altLang="ja-JP" sz="2800" dirty="0"/>
+          </a:p>
+        </p:txBody>
+      </p:sp>
+    </p:spTree>
+    <p:extLst>
+      <p:ext uri="{BB962C8B-B14F-4D97-AF65-F5344CB8AC3E}">
+        <p14:creationId xmlns:p14="http://schemas.microsoft.com/office/powerpoint/2010/main" val="4003265605"/>
+      </p:ext>
+    </p:extLst>
+  </p:cSld>
+  <p:clrMapOvr>
+    <a:masterClrMapping/>
+  </p:clrMapOvr>
+</p:sld>
+</file>
+
+<file path=ppt/slides/slide38.xml><?xml version="1.0" encoding="utf-8"?>
+<p:sld xmlns:a="http://schemas.openxmlformats.org/drawingml/2006/main" xmlns:r="http://schemas.openxmlformats.org/officeDocument/2006/relationships" xmlns:p="http://schemas.openxmlformats.org/presentationml/2006/main">
+  <p:cSld>
+    <p:spTree>
+      <p:nvGrpSpPr>
+        <p:cNvPr id="1" name=""/>
+        <p:cNvGrpSpPr/>
+        <p:nvPr/>
+      </p:nvGrpSpPr>
+      <p:grpSpPr>
+        <a:xfrm>
+          <a:off x="0" y="0"/>
+          <a:ext cx="0" cy="0"/>
+          <a:chOff x="0" y="0"/>
+          <a:chExt cx="0" cy="0"/>
+        </a:xfrm>
+      </p:grpSpPr>
+      <p:sp>
+        <p:nvSpPr>
+          <p:cNvPr id="2" name="タイトル 1">
+            <a:extLst>
+              <a:ext uri="{FF2B5EF4-FFF2-40B4-BE49-F238E27FC236}">
+                <a16:creationId xmlns:a16="http://schemas.microsoft.com/office/drawing/2014/main" id="{F11F3668-F205-48C5-AC01-19611EFE561B}"/>
+              </a:ext>
+            </a:extLst>
+          </p:cNvPr>
+          <p:cNvSpPr>
+            <a:spLocks noGrp="1"/>
+          </p:cNvSpPr>
+          <p:nvPr>
+            <p:ph type="title"/>
+          </p:nvPr>
+        </p:nvSpPr>
+        <p:spPr/>
+        <p:txBody>
+          <a:bodyPr/>
+          <a:lstStyle/>
+          <a:p>
+            <a:r>
+              <a:rPr kumimoji="1" lang="ja-JP" altLang="en-US" dirty="0"/>
+              <a:t>ポリモーフィズム</a:t>
+            </a:r>
+          </a:p>
+        </p:txBody>
+      </p:sp>
+      <p:sp>
+        <p:nvSpPr>
+          <p:cNvPr id="3" name="コンテンツ プレースホルダー 2">
+            <a:extLst>
+              <a:ext uri="{FF2B5EF4-FFF2-40B4-BE49-F238E27FC236}">
+                <a16:creationId xmlns:a16="http://schemas.microsoft.com/office/drawing/2014/main" id="{64DBE417-57E9-44A6-BB52-B2F9986BB7B2}"/>
+              </a:ext>
+            </a:extLst>
+          </p:cNvPr>
+          <p:cNvSpPr>
+            <a:spLocks noGrp="1"/>
+          </p:cNvSpPr>
+          <p:nvPr>
+            <p:ph idx="1"/>
+          </p:nvPr>
+        </p:nvSpPr>
+        <p:spPr>
+          <a:xfrm>
+            <a:off x="838200" y="1162976"/>
+            <a:ext cx="10515600" cy="5193373"/>
+          </a:xfrm>
+        </p:spPr>
+        <p:txBody>
+          <a:bodyPr>
+            <a:normAutofit/>
+          </a:bodyPr>
+          <a:lstStyle/>
+          <a:p>
+            <a:r>
+              <a:rPr kumimoji="1" lang="en-US" altLang="ja-JP" dirty="0"/>
+              <a:t>bird.cpp</a:t>
+            </a:r>
+            <a:r>
+              <a:rPr kumimoji="1" lang="ja-JP" altLang="en-US" dirty="0"/>
+              <a:t>　</a:t>
+            </a:r>
+            <a:r>
+              <a:rPr kumimoji="1" lang="en-US" altLang="ja-JP" dirty="0"/>
+              <a:t>(Sample507)</a:t>
+            </a:r>
+            <a:br>
+              <a:rPr lang="en-US" altLang="ja-JP" dirty="0"/>
+            </a:br>
+            <a:endParaRPr lang="en-US" altLang="ja-JP" dirty="0"/>
+          </a:p>
+          <a:p>
+            <a:pPr marL="0" indent="0">
+              <a:buNone/>
+            </a:pPr>
+            <a:br>
+              <a:rPr lang="en-US" altLang="ja-JP" dirty="0"/>
+            </a:br>
+            <a:br>
+              <a:rPr lang="en-US" altLang="ja-JP" dirty="0"/>
+            </a:br>
+            <a:br>
+              <a:rPr lang="en-US" altLang="ja-JP" dirty="0"/>
+            </a:br>
+            <a:br>
+              <a:rPr lang="en-US" altLang="ja-JP" sz="2400" dirty="0"/>
+            </a:br>
+            <a:br>
+              <a:rPr lang="en-US" altLang="ja-JP" sz="2400" dirty="0"/>
+            </a:br>
+            <a:endParaRPr lang="en-US" altLang="ja-JP" sz="2400" dirty="0"/>
+          </a:p>
+          <a:p>
+            <a:pPr marL="0" indent="0">
+              <a:buNone/>
+            </a:pPr>
+            <a:br>
+              <a:rPr lang="en-US" altLang="ja-JP" sz="2400" dirty="0"/>
+            </a:br>
+            <a:endParaRPr lang="en-US" altLang="ja-JP" dirty="0">
+              <a:solidFill>
+                <a:srgbClr val="FF0000"/>
+              </a:solidFill>
+            </a:endParaRPr>
+          </a:p>
+        </p:txBody>
+      </p:sp>
+      <p:sp>
+        <p:nvSpPr>
+          <p:cNvPr id="5" name="テキスト ボックス 4">
+            <a:extLst>
+              <a:ext uri="{FF2B5EF4-FFF2-40B4-BE49-F238E27FC236}">
+                <a16:creationId xmlns:a16="http://schemas.microsoft.com/office/drawing/2014/main" id="{9E32883C-0E37-4F07-9861-27609819CE8C}"/>
+              </a:ext>
+            </a:extLst>
+          </p:cNvPr>
+          <p:cNvSpPr txBox="1"/>
+          <p:nvPr/>
+        </p:nvSpPr>
+        <p:spPr>
+          <a:xfrm>
+            <a:off x="1048255" y="1942532"/>
+            <a:ext cx="10688220" cy="4031873"/>
+          </a:xfrm>
+          <a:prstGeom prst="rect">
+            <a:avLst/>
+          </a:prstGeom>
+          <a:noFill/>
+          <a:ln>
+            <a:solidFill>
+              <a:schemeClr val="tx1"/>
+            </a:solidFill>
+          </a:ln>
+        </p:spPr>
+        <p:txBody>
+          <a:bodyPr wrap="square" rtlCol="0">
+            <a:spAutoFit/>
+          </a:bodyPr>
+          <a:lstStyle/>
+          <a:p>
+            <a:r>
+              <a:rPr lang="en-US" altLang="ja-JP" sz="3200" dirty="0">
+                <a:solidFill>
+                  <a:srgbClr val="808080"/>
+                </a:solidFill>
+                <a:latin typeface="+mj-lt"/>
+                <a:ea typeface="ＭＳ ゴシック" panose="020B0609070205080204" pitchFamily="49" charset="-128"/>
+              </a:rPr>
+              <a:t>#include</a:t>
+            </a:r>
+            <a:r>
+              <a:rPr lang="en-US" altLang="ja-JP" sz="3200" dirty="0">
+                <a:solidFill>
+                  <a:srgbClr val="000000"/>
+                </a:solidFill>
+                <a:latin typeface="+mj-lt"/>
+                <a:ea typeface="ＭＳ ゴシック" panose="020B0609070205080204" pitchFamily="49" charset="-128"/>
+              </a:rPr>
+              <a:t> </a:t>
+            </a:r>
+            <a:r>
+              <a:rPr lang="en-US" altLang="ja-JP" sz="3200" dirty="0">
+                <a:solidFill>
+                  <a:srgbClr val="A31515"/>
+                </a:solidFill>
+                <a:latin typeface="+mj-lt"/>
+                <a:ea typeface="ＭＳ ゴシック" panose="020B0609070205080204" pitchFamily="49" charset="-128"/>
+              </a:rPr>
+              <a:t>"</a:t>
+            </a:r>
+            <a:r>
+              <a:rPr lang="en-US" altLang="ja-JP" sz="3200" dirty="0" err="1">
+                <a:solidFill>
+                  <a:srgbClr val="A31515"/>
+                </a:solidFill>
+                <a:latin typeface="+mj-lt"/>
+                <a:ea typeface="ＭＳ ゴシック" panose="020B0609070205080204" pitchFamily="49" charset="-128"/>
+              </a:rPr>
+              <a:t>bird.h</a:t>
+            </a:r>
+            <a:r>
+              <a:rPr lang="en-US" altLang="ja-JP" sz="3200" dirty="0">
+                <a:solidFill>
+                  <a:srgbClr val="A31515"/>
+                </a:solidFill>
+                <a:latin typeface="+mj-lt"/>
+                <a:ea typeface="ＭＳ ゴシック" panose="020B0609070205080204" pitchFamily="49" charset="-128"/>
+              </a:rPr>
+              <a:t>"</a:t>
+            </a:r>
+            <a:endParaRPr lang="en-US" altLang="ja-JP" sz="3200" dirty="0">
+              <a:solidFill>
+                <a:srgbClr val="000000"/>
+              </a:solidFill>
+              <a:latin typeface="+mj-lt"/>
+              <a:ea typeface="ＭＳ ゴシック" panose="020B0609070205080204" pitchFamily="49" charset="-128"/>
+            </a:endParaRPr>
+          </a:p>
+          <a:p>
+            <a:endParaRPr lang="ja-JP" altLang="en-US" sz="3200" dirty="0">
+              <a:solidFill>
+                <a:srgbClr val="000000"/>
+              </a:solidFill>
+              <a:latin typeface="+mj-lt"/>
+              <a:ea typeface="ＭＳ ゴシック" panose="020B0609070205080204" pitchFamily="49" charset="-128"/>
+            </a:endParaRPr>
+          </a:p>
+          <a:p>
+            <a:r>
+              <a:rPr lang="en-US" altLang="ja-JP" sz="3200" strike="dblStrike" dirty="0">
+                <a:solidFill>
+                  <a:srgbClr val="0000FF"/>
+                </a:solidFill>
+                <a:latin typeface="+mj-lt"/>
+                <a:ea typeface="ＭＳ ゴシック" panose="020B0609070205080204" pitchFamily="49" charset="-128"/>
+              </a:rPr>
+              <a:t>void</a:t>
+            </a:r>
+            <a:r>
+              <a:rPr lang="en-US" altLang="ja-JP" sz="3200" strike="dblStrike" dirty="0">
+                <a:solidFill>
+                  <a:srgbClr val="000000"/>
+                </a:solidFill>
+                <a:latin typeface="+mj-lt"/>
+                <a:ea typeface="ＭＳ ゴシック" panose="020B0609070205080204" pitchFamily="49" charset="-128"/>
+              </a:rPr>
+              <a:t> </a:t>
+            </a:r>
+            <a:r>
+              <a:rPr lang="en-US" altLang="ja-JP" sz="3200" strike="dblStrike" dirty="0">
+                <a:solidFill>
+                  <a:srgbClr val="2B91AF"/>
+                </a:solidFill>
+                <a:latin typeface="+mj-lt"/>
+                <a:ea typeface="ＭＳ ゴシック" panose="020B0609070205080204" pitchFamily="49" charset="-128"/>
+              </a:rPr>
+              <a:t>Bird</a:t>
+            </a:r>
+            <a:r>
+              <a:rPr lang="en-US" altLang="ja-JP" sz="3200" strike="dblStrike" dirty="0">
+                <a:solidFill>
+                  <a:srgbClr val="000000"/>
+                </a:solidFill>
+                <a:latin typeface="+mj-lt"/>
+                <a:ea typeface="ＭＳ ゴシック" panose="020B0609070205080204" pitchFamily="49" charset="-128"/>
+              </a:rPr>
+              <a:t>::sing() {</a:t>
+            </a:r>
+          </a:p>
+          <a:p>
+            <a:r>
+              <a:rPr lang="en-US" altLang="ja-JP" sz="3200" strike="dblStrike" dirty="0" err="1">
+                <a:solidFill>
+                  <a:srgbClr val="000000"/>
+                </a:solidFill>
+                <a:latin typeface="+mj-lt"/>
+                <a:ea typeface="ＭＳ ゴシック" panose="020B0609070205080204" pitchFamily="49" charset="-128"/>
+              </a:rPr>
+              <a:t>cout</a:t>
+            </a:r>
+            <a:r>
+              <a:rPr lang="en-US" altLang="ja-JP" sz="3200" strike="dblStrike" dirty="0">
+                <a:solidFill>
+                  <a:srgbClr val="000000"/>
+                </a:solidFill>
+                <a:latin typeface="+mj-lt"/>
+                <a:ea typeface="ＭＳ ゴシック" panose="020B0609070205080204" pitchFamily="49" charset="-128"/>
+              </a:rPr>
+              <a:t> </a:t>
+            </a:r>
+            <a:r>
+              <a:rPr lang="en-US" altLang="ja-JP" sz="3200" strike="dblStrike" dirty="0">
+                <a:solidFill>
+                  <a:srgbClr val="008080"/>
+                </a:solidFill>
+                <a:latin typeface="+mj-lt"/>
+                <a:ea typeface="ＭＳ ゴシック" panose="020B0609070205080204" pitchFamily="49" charset="-128"/>
+              </a:rPr>
+              <a:t>&lt;&lt;</a:t>
+            </a:r>
+            <a:r>
+              <a:rPr lang="en-US" altLang="ja-JP" sz="3200" strike="dblStrike" dirty="0">
+                <a:solidFill>
+                  <a:srgbClr val="000000"/>
+                </a:solidFill>
+                <a:latin typeface="+mj-lt"/>
+                <a:ea typeface="ＭＳ ゴシック" panose="020B0609070205080204" pitchFamily="49" charset="-128"/>
+              </a:rPr>
+              <a:t> </a:t>
+            </a:r>
+            <a:r>
+              <a:rPr lang="en-US" altLang="ja-JP" sz="3200" strike="dblStrike" dirty="0">
+                <a:solidFill>
+                  <a:srgbClr val="A31515"/>
+                </a:solidFill>
+                <a:latin typeface="+mj-lt"/>
+                <a:ea typeface="ＭＳ ゴシック" panose="020B0609070205080204" pitchFamily="49" charset="-128"/>
+              </a:rPr>
+              <a:t>"</a:t>
+            </a:r>
+            <a:r>
+              <a:rPr lang="ja-JP" altLang="en-US" sz="3200" strike="dblStrike" dirty="0">
+                <a:solidFill>
+                  <a:srgbClr val="A31515"/>
+                </a:solidFill>
+                <a:latin typeface="+mj-lt"/>
+                <a:ea typeface="ＭＳ ゴシック" panose="020B0609070205080204" pitchFamily="49" charset="-128"/>
+              </a:rPr>
+              <a:t>鳥が鳴く</a:t>
+            </a:r>
+            <a:r>
+              <a:rPr lang="en-US" altLang="ja-JP" sz="3200" strike="dblStrike" dirty="0">
+                <a:solidFill>
+                  <a:srgbClr val="A31515"/>
+                </a:solidFill>
+                <a:latin typeface="+mj-lt"/>
+                <a:ea typeface="ＭＳ ゴシック" panose="020B0609070205080204" pitchFamily="49" charset="-128"/>
+              </a:rPr>
+              <a:t>"</a:t>
+            </a:r>
+            <a:r>
+              <a:rPr lang="ja-JP" altLang="en-US" sz="3200" strike="dblStrike" dirty="0">
+                <a:solidFill>
+                  <a:srgbClr val="000000"/>
+                </a:solidFill>
+                <a:latin typeface="+mj-lt"/>
+                <a:ea typeface="ＭＳ ゴシック" panose="020B0609070205080204" pitchFamily="49" charset="-128"/>
+              </a:rPr>
+              <a:t> </a:t>
+            </a:r>
+            <a:r>
+              <a:rPr lang="en-US" altLang="ja-JP" sz="3200" strike="dblStrike" dirty="0">
+                <a:solidFill>
+                  <a:srgbClr val="008080"/>
+                </a:solidFill>
+                <a:latin typeface="+mj-lt"/>
+                <a:ea typeface="ＭＳ ゴシック" panose="020B0609070205080204" pitchFamily="49" charset="-128"/>
+              </a:rPr>
+              <a:t>&lt;&lt;</a:t>
+            </a:r>
+            <a:r>
+              <a:rPr lang="ja-JP" altLang="en-US" sz="3200" strike="dblStrike" dirty="0">
+                <a:solidFill>
+                  <a:srgbClr val="000000"/>
+                </a:solidFill>
+                <a:latin typeface="+mj-lt"/>
+                <a:ea typeface="ＭＳ ゴシック" panose="020B0609070205080204" pitchFamily="49" charset="-128"/>
+              </a:rPr>
+              <a:t> </a:t>
+            </a:r>
+            <a:r>
+              <a:rPr lang="en-US" altLang="ja-JP" sz="3200" strike="dblStrike" dirty="0" err="1">
+                <a:solidFill>
+                  <a:srgbClr val="000000"/>
+                </a:solidFill>
+                <a:latin typeface="+mj-lt"/>
+                <a:ea typeface="ＭＳ ゴシック" panose="020B0609070205080204" pitchFamily="49" charset="-128"/>
+              </a:rPr>
+              <a:t>endl</a:t>
+            </a:r>
+            <a:r>
+              <a:rPr lang="en-US" altLang="ja-JP" sz="3200" strike="dblStrike" dirty="0">
+                <a:solidFill>
+                  <a:srgbClr val="000000"/>
+                </a:solidFill>
+                <a:latin typeface="+mj-lt"/>
+                <a:ea typeface="ＭＳ ゴシック" panose="020B0609070205080204" pitchFamily="49" charset="-128"/>
+              </a:rPr>
+              <a:t>;</a:t>
+            </a:r>
+          </a:p>
+          <a:p>
+            <a:r>
+              <a:rPr lang="en-US" altLang="ja-JP" sz="3200" strike="dblStrike" dirty="0">
+                <a:solidFill>
+                  <a:srgbClr val="000000"/>
+                </a:solidFill>
+                <a:latin typeface="+mj-lt"/>
+                <a:ea typeface="ＭＳ ゴシック" panose="020B0609070205080204" pitchFamily="49" charset="-128"/>
+              </a:rPr>
+              <a:t>}</a:t>
+            </a:r>
+          </a:p>
+          <a:p>
+            <a:r>
+              <a:rPr lang="en-US" altLang="ja-JP" sz="3200" dirty="0">
+                <a:solidFill>
+                  <a:srgbClr val="0000FF"/>
+                </a:solidFill>
+                <a:latin typeface="+mj-lt"/>
+                <a:ea typeface="ＭＳ ゴシック" panose="020B0609070205080204" pitchFamily="49" charset="-128"/>
+              </a:rPr>
+              <a:t>void</a:t>
+            </a:r>
+            <a:r>
+              <a:rPr lang="en-US" altLang="ja-JP" sz="3200" dirty="0">
+                <a:solidFill>
+                  <a:srgbClr val="000000"/>
+                </a:solidFill>
+                <a:latin typeface="+mj-lt"/>
+                <a:ea typeface="ＭＳ ゴシック" panose="020B0609070205080204" pitchFamily="49" charset="-128"/>
+              </a:rPr>
+              <a:t> </a:t>
+            </a:r>
+            <a:r>
+              <a:rPr lang="en-US" altLang="ja-JP" sz="3200" dirty="0">
+                <a:solidFill>
+                  <a:srgbClr val="2B91AF"/>
+                </a:solidFill>
+                <a:latin typeface="+mj-lt"/>
+                <a:ea typeface="ＭＳ ゴシック" panose="020B0609070205080204" pitchFamily="49" charset="-128"/>
+              </a:rPr>
+              <a:t>Bird</a:t>
+            </a:r>
+            <a:r>
+              <a:rPr lang="en-US" altLang="ja-JP" sz="3200" dirty="0">
+                <a:solidFill>
+                  <a:srgbClr val="000000"/>
+                </a:solidFill>
+                <a:latin typeface="+mj-lt"/>
+                <a:ea typeface="ＭＳ ゴシック" panose="020B0609070205080204" pitchFamily="49" charset="-128"/>
+              </a:rPr>
+              <a:t>::fly() {</a:t>
+            </a:r>
+          </a:p>
+          <a:p>
+            <a:r>
+              <a:rPr lang="en-US" altLang="ja-JP" sz="3200" dirty="0" err="1">
+                <a:solidFill>
+                  <a:srgbClr val="000000"/>
+                </a:solidFill>
+                <a:latin typeface="+mj-lt"/>
+                <a:ea typeface="ＭＳ ゴシック" panose="020B0609070205080204" pitchFamily="49" charset="-128"/>
+              </a:rPr>
+              <a:t>cout</a:t>
+            </a:r>
+            <a:r>
+              <a:rPr lang="en-US" altLang="ja-JP" sz="3200" dirty="0">
+                <a:solidFill>
+                  <a:srgbClr val="000000"/>
+                </a:solidFill>
+                <a:latin typeface="+mj-lt"/>
+                <a:ea typeface="ＭＳ ゴシック" panose="020B0609070205080204" pitchFamily="49" charset="-128"/>
+              </a:rPr>
+              <a:t> </a:t>
+            </a:r>
+            <a:r>
+              <a:rPr lang="en-US" altLang="ja-JP" sz="3200" dirty="0">
+                <a:solidFill>
+                  <a:srgbClr val="008080"/>
+                </a:solidFill>
+                <a:latin typeface="+mj-lt"/>
+                <a:ea typeface="ＭＳ ゴシック" panose="020B0609070205080204" pitchFamily="49" charset="-128"/>
+              </a:rPr>
+              <a:t>&lt;&lt;</a:t>
+            </a:r>
+            <a:r>
+              <a:rPr lang="en-US" altLang="ja-JP" sz="3200" dirty="0">
+                <a:solidFill>
+                  <a:srgbClr val="000000"/>
+                </a:solidFill>
+                <a:latin typeface="+mj-lt"/>
+                <a:ea typeface="ＭＳ ゴシック" panose="020B0609070205080204" pitchFamily="49" charset="-128"/>
+              </a:rPr>
+              <a:t> </a:t>
+            </a:r>
+            <a:r>
+              <a:rPr lang="en-US" altLang="ja-JP" sz="3200" dirty="0">
+                <a:solidFill>
+                  <a:srgbClr val="A31515"/>
+                </a:solidFill>
+                <a:latin typeface="+mj-lt"/>
+                <a:ea typeface="ＭＳ ゴシック" panose="020B0609070205080204" pitchFamily="49" charset="-128"/>
+              </a:rPr>
+              <a:t>"</a:t>
+            </a:r>
+            <a:r>
+              <a:rPr lang="ja-JP" altLang="en-US" sz="3200" dirty="0">
+                <a:solidFill>
+                  <a:srgbClr val="A31515"/>
+                </a:solidFill>
+                <a:latin typeface="+mj-lt"/>
+                <a:ea typeface="ＭＳ ゴシック" panose="020B0609070205080204" pitchFamily="49" charset="-128"/>
+              </a:rPr>
+              <a:t>鳥が飛ぶ</a:t>
+            </a:r>
+            <a:r>
+              <a:rPr lang="en-US" altLang="ja-JP" sz="3200" dirty="0">
+                <a:solidFill>
+                  <a:srgbClr val="A31515"/>
+                </a:solidFill>
+                <a:latin typeface="+mj-lt"/>
+                <a:ea typeface="ＭＳ ゴシック" panose="020B0609070205080204" pitchFamily="49" charset="-128"/>
+              </a:rPr>
+              <a:t>"</a:t>
+            </a:r>
+            <a:r>
+              <a:rPr lang="ja-JP" altLang="en-US" sz="3200" dirty="0">
+                <a:solidFill>
+                  <a:srgbClr val="000000"/>
+                </a:solidFill>
+                <a:latin typeface="+mj-lt"/>
+                <a:ea typeface="ＭＳ ゴシック" panose="020B0609070205080204" pitchFamily="49" charset="-128"/>
+              </a:rPr>
+              <a:t> </a:t>
+            </a:r>
+            <a:r>
+              <a:rPr lang="en-US" altLang="ja-JP" sz="3200" dirty="0">
+                <a:solidFill>
+                  <a:srgbClr val="008080"/>
+                </a:solidFill>
+                <a:latin typeface="+mj-lt"/>
+                <a:ea typeface="ＭＳ ゴシック" panose="020B0609070205080204" pitchFamily="49" charset="-128"/>
+              </a:rPr>
+              <a:t>&lt;&lt;</a:t>
+            </a:r>
+            <a:r>
+              <a:rPr lang="ja-JP" altLang="en-US" sz="3200" dirty="0">
+                <a:solidFill>
+                  <a:srgbClr val="000000"/>
+                </a:solidFill>
+                <a:latin typeface="+mj-lt"/>
+                <a:ea typeface="ＭＳ ゴシック" panose="020B0609070205080204" pitchFamily="49" charset="-128"/>
+              </a:rPr>
+              <a:t> </a:t>
+            </a:r>
+            <a:r>
+              <a:rPr lang="en-US" altLang="ja-JP" sz="3200" dirty="0" err="1">
+                <a:solidFill>
+                  <a:srgbClr val="000000"/>
+                </a:solidFill>
+                <a:latin typeface="+mj-lt"/>
+                <a:ea typeface="ＭＳ ゴシック" panose="020B0609070205080204" pitchFamily="49" charset="-128"/>
+              </a:rPr>
+              <a:t>endl</a:t>
+            </a:r>
+            <a:r>
+              <a:rPr lang="en-US" altLang="ja-JP" sz="3200" dirty="0">
+                <a:solidFill>
+                  <a:srgbClr val="000000"/>
+                </a:solidFill>
+                <a:latin typeface="+mj-lt"/>
+                <a:ea typeface="ＭＳ ゴシック" panose="020B0609070205080204" pitchFamily="49" charset="-128"/>
+              </a:rPr>
+              <a:t>;</a:t>
+            </a:r>
+          </a:p>
+          <a:p>
+            <a:r>
+              <a:rPr lang="en-US" altLang="ja-JP" sz="3200" dirty="0">
+                <a:solidFill>
+                  <a:srgbClr val="000000"/>
+                </a:solidFill>
+                <a:latin typeface="+mj-lt"/>
+                <a:ea typeface="ＭＳ ゴシック" panose="020B0609070205080204" pitchFamily="49" charset="-128"/>
+              </a:rPr>
+              <a:t>}</a:t>
+            </a:r>
+            <a:endParaRPr kumimoji="1" lang="ja-JP" altLang="en-US" sz="6000" dirty="0">
+              <a:latin typeface="+mj-lt"/>
+            </a:endParaRPr>
+          </a:p>
+        </p:txBody>
+      </p:sp>
+      <p:sp>
+        <p:nvSpPr>
+          <p:cNvPr id="4" name="テキスト ボックス 3">
+            <a:extLst>
+              <a:ext uri="{FF2B5EF4-FFF2-40B4-BE49-F238E27FC236}">
+                <a16:creationId xmlns:a16="http://schemas.microsoft.com/office/drawing/2014/main" id="{66CE7F4B-75FF-4B35-95DF-A25B059D18CF}"/>
+              </a:ext>
+            </a:extLst>
+          </p:cNvPr>
+          <p:cNvSpPr txBox="1"/>
+          <p:nvPr/>
+        </p:nvSpPr>
+        <p:spPr>
+          <a:xfrm>
+            <a:off x="6197916" y="2363096"/>
+            <a:ext cx="4783682" cy="954107"/>
+          </a:xfrm>
+          <a:prstGeom prst="rect">
+            <a:avLst/>
+          </a:prstGeom>
+          <a:solidFill>
+            <a:schemeClr val="bg1"/>
+          </a:solidFill>
+          <a:ln>
+            <a:solidFill>
+              <a:schemeClr val="tx1"/>
+            </a:solidFill>
+          </a:ln>
+          <a:effectLst>
+            <a:outerShdw blurRad="50800" dist="38100" dir="2700000" algn="tl" rotWithShape="0">
+              <a:prstClr val="black">
+                <a:alpha val="40000"/>
+              </a:prstClr>
+            </a:outerShdw>
+          </a:effectLst>
+        </p:spPr>
+        <p:txBody>
+          <a:bodyPr wrap="none" rtlCol="0">
+            <a:spAutoFit/>
+          </a:bodyPr>
+          <a:lstStyle/>
+          <a:p>
+            <a:r>
+              <a:rPr kumimoji="1" lang="ja-JP" altLang="en-US" sz="2800" b="1" dirty="0">
+                <a:solidFill>
+                  <a:srgbClr val="FF0000"/>
+                </a:solidFill>
+              </a:rPr>
+              <a:t>純粋仮想関数</a:t>
+            </a:r>
+            <a:r>
+              <a:rPr kumimoji="1" lang="ja-JP" altLang="en-US" sz="2800" dirty="0"/>
+              <a:t>となった関数の</a:t>
+            </a:r>
+            <a:endParaRPr kumimoji="1" lang="en-US" altLang="ja-JP" sz="2800" dirty="0"/>
+          </a:p>
+          <a:p>
+            <a:r>
+              <a:rPr kumimoji="1" lang="ja-JP" altLang="en-US" sz="2800" dirty="0"/>
+              <a:t>定義は不要</a:t>
+            </a:r>
+            <a:endParaRPr kumimoji="1" lang="en-US" altLang="ja-JP" sz="2800" dirty="0"/>
+          </a:p>
+        </p:txBody>
+      </p:sp>
+    </p:spTree>
+    <p:extLst>
+      <p:ext uri="{BB962C8B-B14F-4D97-AF65-F5344CB8AC3E}">
+        <p14:creationId xmlns:p14="http://schemas.microsoft.com/office/powerpoint/2010/main" val="1526706075"/>
+      </p:ext>
+    </p:extLst>
+  </p:cSld>
+  <p:clrMapOvr>
+    <a:masterClrMapping/>
+  </p:clrMapOvr>
+</p:sld>
+</file>
+
+<file path=ppt/slides/slide39.xml><?xml version="1.0" encoding="utf-8"?>
+<p:sld xmlns:a="http://schemas.openxmlformats.org/drawingml/2006/main" xmlns:r="http://schemas.openxmlformats.org/officeDocument/2006/relationships" xmlns:p="http://schemas.openxmlformats.org/presentationml/2006/main">
+  <p:cSld>
+    <p:spTree>
+      <p:nvGrpSpPr>
+        <p:cNvPr id="1" name=""/>
+        <p:cNvGrpSpPr/>
+        <p:nvPr/>
+      </p:nvGrpSpPr>
+      <p:grpSpPr>
+        <a:xfrm>
+          <a:off x="0" y="0"/>
+          <a:ext cx="0" cy="0"/>
+          <a:chOff x="0" y="0"/>
+          <a:chExt cx="0" cy="0"/>
+        </a:xfrm>
+      </p:grpSpPr>
+      <p:sp>
+        <p:nvSpPr>
+          <p:cNvPr id="2" name="タイトル 1">
+            <a:extLst>
+              <a:ext uri="{FF2B5EF4-FFF2-40B4-BE49-F238E27FC236}">
+                <a16:creationId xmlns:a16="http://schemas.microsoft.com/office/drawing/2014/main" id="{F11F3668-F205-48C5-AC01-19611EFE561B}"/>
+              </a:ext>
+            </a:extLst>
+          </p:cNvPr>
+          <p:cNvSpPr>
+            <a:spLocks noGrp="1"/>
+          </p:cNvSpPr>
+          <p:nvPr>
+            <p:ph type="title"/>
+          </p:nvPr>
+        </p:nvSpPr>
+        <p:spPr/>
+        <p:txBody>
+          <a:bodyPr/>
+          <a:lstStyle/>
+          <a:p>
+            <a:r>
+              <a:rPr kumimoji="1" lang="ja-JP" altLang="en-US" dirty="0"/>
+              <a:t>ポリモーフィズム</a:t>
+            </a:r>
+          </a:p>
+        </p:txBody>
+      </p:sp>
+      <p:sp>
+        <p:nvSpPr>
+          <p:cNvPr id="3" name="コンテンツ プレースホルダー 2">
+            <a:extLst>
+              <a:ext uri="{FF2B5EF4-FFF2-40B4-BE49-F238E27FC236}">
+                <a16:creationId xmlns:a16="http://schemas.microsoft.com/office/drawing/2014/main" id="{64DBE417-57E9-44A6-BB52-B2F9986BB7B2}"/>
+              </a:ext>
+            </a:extLst>
+          </p:cNvPr>
+          <p:cNvSpPr>
+            <a:spLocks noGrp="1"/>
+          </p:cNvSpPr>
+          <p:nvPr>
+            <p:ph idx="1"/>
+          </p:nvPr>
+        </p:nvSpPr>
+        <p:spPr>
+          <a:xfrm>
+            <a:off x="838200" y="1162976"/>
+            <a:ext cx="10515600" cy="5193373"/>
+          </a:xfrm>
+        </p:spPr>
+        <p:txBody>
+          <a:bodyPr>
+            <a:normAutofit/>
+          </a:bodyPr>
+          <a:lstStyle/>
+          <a:p>
+            <a:r>
+              <a:rPr kumimoji="1" lang="en-US" altLang="ja-JP" dirty="0"/>
+              <a:t>main.cpp</a:t>
+            </a:r>
+            <a:r>
+              <a:rPr kumimoji="1" lang="ja-JP" altLang="en-US" dirty="0"/>
+              <a:t>　</a:t>
+            </a:r>
+            <a:r>
+              <a:rPr kumimoji="1" lang="en-US" altLang="ja-JP" dirty="0"/>
+              <a:t>(Sample507)</a:t>
+            </a:r>
+            <a:br>
+              <a:rPr lang="en-US" altLang="ja-JP" dirty="0"/>
+            </a:br>
+            <a:endParaRPr lang="en-US" altLang="ja-JP" dirty="0"/>
+          </a:p>
+          <a:p>
+            <a:pPr marL="0" indent="0">
+              <a:buNone/>
+            </a:pPr>
+            <a:br>
+              <a:rPr lang="en-US" altLang="ja-JP" dirty="0"/>
+            </a:br>
+            <a:br>
+              <a:rPr lang="en-US" altLang="ja-JP" dirty="0"/>
+            </a:br>
+            <a:br>
+              <a:rPr lang="en-US" altLang="ja-JP" dirty="0"/>
+            </a:br>
+            <a:br>
+              <a:rPr lang="en-US" altLang="ja-JP" sz="2400" dirty="0"/>
+            </a:br>
+            <a:br>
+              <a:rPr lang="en-US" altLang="ja-JP" sz="2400" dirty="0"/>
+            </a:br>
+            <a:endParaRPr lang="en-US" altLang="ja-JP" sz="2400" dirty="0"/>
+          </a:p>
+          <a:p>
+            <a:pPr marL="0" indent="0">
+              <a:buNone/>
+            </a:pPr>
+            <a:br>
+              <a:rPr lang="en-US" altLang="ja-JP" sz="2400" dirty="0"/>
+            </a:br>
+            <a:endParaRPr lang="en-US" altLang="ja-JP" dirty="0">
+              <a:solidFill>
+                <a:srgbClr val="FF0000"/>
+              </a:solidFill>
+            </a:endParaRPr>
+          </a:p>
+        </p:txBody>
+      </p:sp>
+      <p:sp>
+        <p:nvSpPr>
+          <p:cNvPr id="5" name="テキスト ボックス 4">
+            <a:extLst>
+              <a:ext uri="{FF2B5EF4-FFF2-40B4-BE49-F238E27FC236}">
+                <a16:creationId xmlns:a16="http://schemas.microsoft.com/office/drawing/2014/main" id="{9E32883C-0E37-4F07-9861-27609819CE8C}"/>
+              </a:ext>
+            </a:extLst>
+          </p:cNvPr>
+          <p:cNvSpPr txBox="1"/>
+          <p:nvPr/>
+        </p:nvSpPr>
+        <p:spPr>
+          <a:xfrm>
+            <a:off x="1048255" y="1942532"/>
+            <a:ext cx="10688220" cy="4524315"/>
+          </a:xfrm>
+          <a:prstGeom prst="rect">
+            <a:avLst/>
+          </a:prstGeom>
+          <a:noFill/>
+          <a:ln>
+            <a:solidFill>
+              <a:schemeClr val="tx1"/>
+            </a:solidFill>
+          </a:ln>
+        </p:spPr>
+        <p:txBody>
+          <a:bodyPr wrap="square" rtlCol="0">
+            <a:spAutoFit/>
+          </a:bodyPr>
+          <a:lstStyle/>
+          <a:p>
+            <a:r>
+              <a:rPr lang="en-US" altLang="ja-JP" sz="2400" dirty="0">
+                <a:solidFill>
+                  <a:srgbClr val="0000FF"/>
+                </a:solidFill>
+                <a:latin typeface="+mj-lt"/>
+                <a:ea typeface="ＭＳ ゴシック" panose="020B0609070205080204" pitchFamily="49" charset="-128"/>
+              </a:rPr>
+              <a:t>int</a:t>
+            </a:r>
+            <a:r>
+              <a:rPr lang="en-US" altLang="ja-JP" sz="2400" dirty="0">
+                <a:solidFill>
+                  <a:srgbClr val="000000"/>
+                </a:solidFill>
+                <a:latin typeface="+mj-lt"/>
+                <a:ea typeface="ＭＳ ゴシック" panose="020B0609070205080204" pitchFamily="49" charset="-128"/>
+              </a:rPr>
+              <a:t> main()</a:t>
+            </a:r>
+          </a:p>
+          <a:p>
+            <a:r>
+              <a:rPr lang="en-US" altLang="ja-JP" sz="2400" dirty="0">
+                <a:solidFill>
+                  <a:srgbClr val="000000"/>
+                </a:solidFill>
+                <a:latin typeface="+mj-lt"/>
+                <a:ea typeface="ＭＳ ゴシック" panose="020B0609070205080204" pitchFamily="49" charset="-128"/>
+              </a:rPr>
+              <a:t>{</a:t>
+            </a:r>
+          </a:p>
+          <a:p>
+            <a:r>
+              <a:rPr lang="en-US" altLang="ja-JP" sz="2400" dirty="0">
+                <a:solidFill>
+                  <a:srgbClr val="2B91AF"/>
+                </a:solidFill>
+                <a:latin typeface="+mj-lt"/>
+                <a:ea typeface="ＭＳ ゴシック" panose="020B0609070205080204" pitchFamily="49" charset="-128"/>
+              </a:rPr>
+              <a:t>  Bird</a:t>
+            </a:r>
+            <a:r>
+              <a:rPr lang="en-US" altLang="ja-JP" sz="2400" dirty="0">
+                <a:solidFill>
+                  <a:srgbClr val="000000"/>
+                </a:solidFill>
+                <a:latin typeface="+mj-lt"/>
+                <a:ea typeface="ＭＳ ゴシック" panose="020B0609070205080204" pitchFamily="49" charset="-128"/>
+              </a:rPr>
+              <a:t>* </a:t>
+            </a:r>
+            <a:r>
+              <a:rPr lang="en-US" altLang="ja-JP" sz="2400" dirty="0" err="1">
+                <a:solidFill>
+                  <a:srgbClr val="000000"/>
+                </a:solidFill>
+                <a:latin typeface="+mj-lt"/>
+                <a:ea typeface="ＭＳ ゴシック" panose="020B0609070205080204" pitchFamily="49" charset="-128"/>
+              </a:rPr>
+              <a:t>pCrow</a:t>
+            </a:r>
+            <a:r>
+              <a:rPr lang="en-US" altLang="ja-JP" sz="2400" dirty="0">
+                <a:solidFill>
+                  <a:srgbClr val="000000"/>
+                </a:solidFill>
+                <a:latin typeface="+mj-lt"/>
+                <a:ea typeface="ＭＳ ゴシック" panose="020B0609070205080204" pitchFamily="49" charset="-128"/>
+              </a:rPr>
+              <a:t>{}, * </a:t>
+            </a:r>
+            <a:r>
+              <a:rPr lang="en-US" altLang="ja-JP" sz="2400" dirty="0" err="1">
+                <a:solidFill>
+                  <a:srgbClr val="000000"/>
+                </a:solidFill>
+                <a:latin typeface="+mj-lt"/>
+                <a:ea typeface="ＭＳ ゴシック" panose="020B0609070205080204" pitchFamily="49" charset="-128"/>
+              </a:rPr>
+              <a:t>pChicken</a:t>
+            </a:r>
+            <a:r>
+              <a:rPr lang="en-US" altLang="ja-JP" sz="2400" dirty="0">
+                <a:solidFill>
+                  <a:srgbClr val="000000"/>
+                </a:solidFill>
+                <a:latin typeface="+mj-lt"/>
+                <a:ea typeface="ＭＳ ゴシック" panose="020B0609070205080204" pitchFamily="49" charset="-128"/>
+              </a:rPr>
+              <a:t>{}, * </a:t>
+            </a:r>
+            <a:r>
+              <a:rPr lang="en-US" altLang="ja-JP" sz="2400" dirty="0" err="1">
+                <a:solidFill>
+                  <a:srgbClr val="000000"/>
+                </a:solidFill>
+                <a:latin typeface="+mj-lt"/>
+                <a:ea typeface="ＭＳ ゴシック" panose="020B0609070205080204" pitchFamily="49" charset="-128"/>
+              </a:rPr>
+              <a:t>pBird</a:t>
+            </a:r>
+            <a:r>
+              <a:rPr lang="en-US" altLang="ja-JP" sz="2400" dirty="0">
+                <a:solidFill>
+                  <a:srgbClr val="000000"/>
+                </a:solidFill>
+                <a:latin typeface="+mj-lt"/>
+                <a:ea typeface="ＭＳ ゴシック" panose="020B0609070205080204" pitchFamily="49" charset="-128"/>
+              </a:rPr>
+              <a:t>{};</a:t>
+            </a:r>
+          </a:p>
+          <a:p>
+            <a:r>
+              <a:rPr lang="en-US" altLang="ja-JP" sz="2400" dirty="0">
+                <a:solidFill>
+                  <a:srgbClr val="000000"/>
+                </a:solidFill>
+                <a:latin typeface="+mj-lt"/>
+                <a:ea typeface="ＭＳ ゴシック" panose="020B0609070205080204" pitchFamily="49" charset="-128"/>
+              </a:rPr>
+              <a:t>  </a:t>
+            </a:r>
+            <a:r>
+              <a:rPr lang="en-US" altLang="ja-JP" sz="2400" dirty="0" err="1">
+                <a:solidFill>
+                  <a:srgbClr val="000000"/>
+                </a:solidFill>
+                <a:latin typeface="+mj-lt"/>
+                <a:ea typeface="ＭＳ ゴシック" panose="020B0609070205080204" pitchFamily="49" charset="-128"/>
+              </a:rPr>
+              <a:t>pCrow</a:t>
+            </a:r>
+            <a:r>
+              <a:rPr lang="en-US" altLang="ja-JP" sz="2400" dirty="0">
+                <a:solidFill>
+                  <a:srgbClr val="000000"/>
+                </a:solidFill>
+                <a:latin typeface="+mj-lt"/>
+                <a:ea typeface="ＭＳ ゴシック" panose="020B0609070205080204" pitchFamily="49" charset="-128"/>
+              </a:rPr>
+              <a:t> = </a:t>
+            </a:r>
+            <a:r>
+              <a:rPr lang="en-US" altLang="ja-JP" sz="2400" dirty="0">
+                <a:solidFill>
+                  <a:srgbClr val="0000FF"/>
+                </a:solidFill>
+                <a:latin typeface="+mj-lt"/>
+                <a:ea typeface="ＭＳ ゴシック" panose="020B0609070205080204" pitchFamily="49" charset="-128"/>
+              </a:rPr>
+              <a:t>new</a:t>
+            </a:r>
+            <a:r>
+              <a:rPr lang="en-US" altLang="ja-JP" sz="2400" dirty="0">
+                <a:solidFill>
+                  <a:srgbClr val="000000"/>
+                </a:solidFill>
+                <a:latin typeface="+mj-lt"/>
+                <a:ea typeface="ＭＳ ゴシック" panose="020B0609070205080204" pitchFamily="49" charset="-128"/>
+              </a:rPr>
+              <a:t> </a:t>
+            </a:r>
+            <a:r>
+              <a:rPr lang="en-US" altLang="ja-JP" sz="2400" dirty="0">
+                <a:solidFill>
+                  <a:srgbClr val="2B91AF"/>
+                </a:solidFill>
+                <a:latin typeface="+mj-lt"/>
+                <a:ea typeface="ＭＳ ゴシック" panose="020B0609070205080204" pitchFamily="49" charset="-128"/>
+              </a:rPr>
+              <a:t>Crow</a:t>
+            </a:r>
+            <a:r>
+              <a:rPr lang="en-US" altLang="ja-JP" sz="2400" dirty="0">
+                <a:solidFill>
+                  <a:srgbClr val="000000"/>
+                </a:solidFill>
+                <a:latin typeface="+mj-lt"/>
+                <a:ea typeface="ＭＳ ゴシック" panose="020B0609070205080204" pitchFamily="49" charset="-128"/>
+              </a:rPr>
+              <a:t>();</a:t>
+            </a:r>
+          </a:p>
+          <a:p>
+            <a:r>
+              <a:rPr lang="en-US" altLang="ja-JP" sz="2400" dirty="0">
+                <a:solidFill>
+                  <a:srgbClr val="000000"/>
+                </a:solidFill>
+                <a:latin typeface="+mj-lt"/>
+                <a:ea typeface="ＭＳ ゴシック" panose="020B0609070205080204" pitchFamily="49" charset="-128"/>
+              </a:rPr>
+              <a:t>  </a:t>
+            </a:r>
+            <a:r>
+              <a:rPr lang="en-US" altLang="ja-JP" sz="2400" dirty="0" err="1">
+                <a:solidFill>
+                  <a:srgbClr val="000000"/>
+                </a:solidFill>
+                <a:latin typeface="+mj-lt"/>
+                <a:ea typeface="ＭＳ ゴシック" panose="020B0609070205080204" pitchFamily="49" charset="-128"/>
+              </a:rPr>
+              <a:t>pChicken</a:t>
+            </a:r>
+            <a:r>
+              <a:rPr lang="en-US" altLang="ja-JP" sz="2400" dirty="0">
+                <a:solidFill>
+                  <a:srgbClr val="000000"/>
+                </a:solidFill>
+                <a:latin typeface="+mj-lt"/>
+                <a:ea typeface="ＭＳ ゴシック" panose="020B0609070205080204" pitchFamily="49" charset="-128"/>
+              </a:rPr>
+              <a:t> = </a:t>
+            </a:r>
+            <a:r>
+              <a:rPr lang="en-US" altLang="ja-JP" sz="2400" dirty="0">
+                <a:solidFill>
+                  <a:srgbClr val="0000FF"/>
+                </a:solidFill>
+                <a:latin typeface="+mj-lt"/>
+                <a:ea typeface="ＭＳ ゴシック" panose="020B0609070205080204" pitchFamily="49" charset="-128"/>
+              </a:rPr>
+              <a:t>new</a:t>
+            </a:r>
+            <a:r>
+              <a:rPr lang="en-US" altLang="ja-JP" sz="2400" dirty="0">
+                <a:solidFill>
+                  <a:srgbClr val="000000"/>
+                </a:solidFill>
+                <a:latin typeface="+mj-lt"/>
+                <a:ea typeface="ＭＳ ゴシック" panose="020B0609070205080204" pitchFamily="49" charset="-128"/>
+              </a:rPr>
+              <a:t> </a:t>
+            </a:r>
+            <a:r>
+              <a:rPr lang="en-US" altLang="ja-JP" sz="2400" dirty="0">
+                <a:solidFill>
+                  <a:srgbClr val="2B91AF"/>
+                </a:solidFill>
+                <a:latin typeface="+mj-lt"/>
+                <a:ea typeface="ＭＳ ゴシック" panose="020B0609070205080204" pitchFamily="49" charset="-128"/>
+              </a:rPr>
+              <a:t>Chicken</a:t>
+            </a:r>
+            <a:r>
+              <a:rPr lang="en-US" altLang="ja-JP" sz="2400" dirty="0">
+                <a:solidFill>
+                  <a:srgbClr val="000000"/>
+                </a:solidFill>
+                <a:latin typeface="+mj-lt"/>
+                <a:ea typeface="ＭＳ ゴシック" panose="020B0609070205080204" pitchFamily="49" charset="-128"/>
+              </a:rPr>
+              <a:t>();</a:t>
+            </a:r>
+          </a:p>
+          <a:p>
+            <a:r>
+              <a:rPr lang="en-US" altLang="ja-JP" sz="2400" dirty="0">
+                <a:solidFill>
+                  <a:srgbClr val="000000"/>
+                </a:solidFill>
+                <a:latin typeface="+mj-lt"/>
+                <a:ea typeface="ＭＳ ゴシック" panose="020B0609070205080204" pitchFamily="49" charset="-128"/>
+              </a:rPr>
+              <a:t>  </a:t>
+            </a:r>
+            <a:r>
+              <a:rPr lang="en-US" altLang="ja-JP" sz="2400" dirty="0" err="1">
+                <a:solidFill>
+                  <a:srgbClr val="FF0000"/>
+                </a:solidFill>
+                <a:latin typeface="+mj-lt"/>
+                <a:ea typeface="ＭＳ ゴシック" panose="020B0609070205080204" pitchFamily="49" charset="-128"/>
+              </a:rPr>
+              <a:t>pBird</a:t>
+            </a:r>
+            <a:r>
+              <a:rPr lang="en-US" altLang="ja-JP" sz="2400" dirty="0">
+                <a:solidFill>
+                  <a:srgbClr val="FF0000"/>
+                </a:solidFill>
+                <a:latin typeface="+mj-lt"/>
+                <a:ea typeface="ＭＳ ゴシック" panose="020B0609070205080204" pitchFamily="49" charset="-128"/>
+              </a:rPr>
+              <a:t> = new Bird();</a:t>
+            </a:r>
+          </a:p>
+          <a:p>
+            <a:r>
+              <a:rPr lang="en-US" altLang="ja-JP" sz="2400" dirty="0">
+                <a:solidFill>
+                  <a:srgbClr val="000000"/>
+                </a:solidFill>
+                <a:latin typeface="+mj-lt"/>
+                <a:ea typeface="ＭＳ ゴシック" panose="020B0609070205080204" pitchFamily="49" charset="-128"/>
+              </a:rPr>
+              <a:t>  </a:t>
+            </a:r>
+            <a:r>
+              <a:rPr lang="en-US" altLang="ja-JP" sz="2400" dirty="0" err="1">
+                <a:solidFill>
+                  <a:srgbClr val="000000"/>
+                </a:solidFill>
+                <a:latin typeface="+mj-lt"/>
+                <a:ea typeface="ＭＳ ゴシック" panose="020B0609070205080204" pitchFamily="49" charset="-128"/>
+              </a:rPr>
+              <a:t>pCrow</a:t>
+            </a:r>
+            <a:r>
+              <a:rPr lang="en-US" altLang="ja-JP" sz="2400" dirty="0">
+                <a:solidFill>
+                  <a:srgbClr val="000000"/>
+                </a:solidFill>
+                <a:latin typeface="+mj-lt"/>
+                <a:ea typeface="ＭＳ ゴシック" panose="020B0609070205080204" pitchFamily="49" charset="-128"/>
+              </a:rPr>
+              <a:t>-&gt;fly();</a:t>
+            </a:r>
+          </a:p>
+          <a:p>
+            <a:r>
+              <a:rPr lang="en-US" altLang="ja-JP" sz="2400" dirty="0">
+                <a:solidFill>
+                  <a:srgbClr val="000000"/>
+                </a:solidFill>
+                <a:latin typeface="+mj-lt"/>
+                <a:ea typeface="ＭＳ ゴシック" panose="020B0609070205080204" pitchFamily="49" charset="-128"/>
+              </a:rPr>
+              <a:t>  </a:t>
+            </a:r>
+            <a:r>
+              <a:rPr lang="en-US" altLang="ja-JP" sz="2400" dirty="0" err="1">
+                <a:solidFill>
+                  <a:srgbClr val="000000"/>
+                </a:solidFill>
+                <a:latin typeface="+mj-lt"/>
+                <a:ea typeface="ＭＳ ゴシック" panose="020B0609070205080204" pitchFamily="49" charset="-128"/>
+              </a:rPr>
+              <a:t>pChicken</a:t>
+            </a:r>
+            <a:r>
+              <a:rPr lang="en-US" altLang="ja-JP" sz="2400" dirty="0">
+                <a:solidFill>
+                  <a:srgbClr val="000000"/>
+                </a:solidFill>
+                <a:latin typeface="+mj-lt"/>
+                <a:ea typeface="ＭＳ ゴシック" panose="020B0609070205080204" pitchFamily="49" charset="-128"/>
+              </a:rPr>
+              <a:t>-&gt;fly();</a:t>
+            </a:r>
+          </a:p>
+          <a:p>
+            <a:r>
+              <a:rPr lang="en-US" altLang="ja-JP" sz="2400" dirty="0">
+                <a:solidFill>
+                  <a:srgbClr val="000000"/>
+                </a:solidFill>
+                <a:latin typeface="+mj-lt"/>
+                <a:ea typeface="ＭＳ ゴシック" panose="020B0609070205080204" pitchFamily="49" charset="-128"/>
+              </a:rPr>
+              <a:t>  </a:t>
+            </a:r>
+            <a:r>
+              <a:rPr lang="en-US" altLang="ja-JP" sz="2400" dirty="0" err="1">
+                <a:solidFill>
+                  <a:srgbClr val="000000"/>
+                </a:solidFill>
+                <a:latin typeface="+mj-lt"/>
+                <a:ea typeface="ＭＳ ゴシック" panose="020B0609070205080204" pitchFamily="49" charset="-128"/>
+              </a:rPr>
+              <a:t>pCrow</a:t>
+            </a:r>
+            <a:r>
+              <a:rPr lang="en-US" altLang="ja-JP" sz="2400" dirty="0">
+                <a:solidFill>
+                  <a:srgbClr val="000000"/>
+                </a:solidFill>
+                <a:latin typeface="+mj-lt"/>
+                <a:ea typeface="ＭＳ ゴシック" panose="020B0609070205080204" pitchFamily="49" charset="-128"/>
+              </a:rPr>
+              <a:t>-&gt;sing();</a:t>
+            </a:r>
+          </a:p>
+          <a:p>
+            <a:r>
+              <a:rPr lang="en-US" altLang="ja-JP" sz="2400" dirty="0">
+                <a:solidFill>
+                  <a:srgbClr val="000000"/>
+                </a:solidFill>
+                <a:latin typeface="+mj-lt"/>
+                <a:ea typeface="ＭＳ ゴシック" panose="020B0609070205080204" pitchFamily="49" charset="-128"/>
+              </a:rPr>
+              <a:t>  </a:t>
+            </a:r>
+            <a:r>
+              <a:rPr lang="en-US" altLang="ja-JP" sz="2400" dirty="0" err="1">
+                <a:solidFill>
+                  <a:srgbClr val="000000"/>
+                </a:solidFill>
+                <a:latin typeface="+mj-lt"/>
+                <a:ea typeface="ＭＳ ゴシック" panose="020B0609070205080204" pitchFamily="49" charset="-128"/>
+              </a:rPr>
+              <a:t>pChicken</a:t>
+            </a:r>
+            <a:r>
+              <a:rPr lang="en-US" altLang="ja-JP" sz="2400" dirty="0">
+                <a:solidFill>
+                  <a:srgbClr val="000000"/>
+                </a:solidFill>
+                <a:latin typeface="+mj-lt"/>
+                <a:ea typeface="ＭＳ ゴシック" panose="020B0609070205080204" pitchFamily="49" charset="-128"/>
+              </a:rPr>
+              <a:t>-&gt;sing();</a:t>
+            </a:r>
+          </a:p>
+          <a:p>
+            <a:r>
+              <a:rPr lang="en-US" altLang="ja-JP" sz="2400" dirty="0">
+                <a:solidFill>
+                  <a:srgbClr val="0000FF"/>
+                </a:solidFill>
+                <a:latin typeface="+mj-lt"/>
+                <a:ea typeface="ＭＳ ゴシック" panose="020B0609070205080204" pitchFamily="49" charset="-128"/>
+              </a:rPr>
+              <a:t>  delete</a:t>
+            </a:r>
+            <a:r>
+              <a:rPr lang="en-US" altLang="ja-JP" sz="2400" dirty="0">
+                <a:solidFill>
+                  <a:srgbClr val="000000"/>
+                </a:solidFill>
+                <a:latin typeface="+mj-lt"/>
+                <a:ea typeface="ＭＳ ゴシック" panose="020B0609070205080204" pitchFamily="49" charset="-128"/>
+              </a:rPr>
+              <a:t> </a:t>
+            </a:r>
+            <a:r>
+              <a:rPr lang="en-US" altLang="ja-JP" sz="2400" dirty="0" err="1">
+                <a:solidFill>
+                  <a:srgbClr val="000000"/>
+                </a:solidFill>
+                <a:latin typeface="+mj-lt"/>
+                <a:ea typeface="ＭＳ ゴシック" panose="020B0609070205080204" pitchFamily="49" charset="-128"/>
+              </a:rPr>
+              <a:t>pCrow</a:t>
+            </a:r>
+            <a:r>
+              <a:rPr lang="en-US" altLang="ja-JP" sz="2400" dirty="0">
+                <a:solidFill>
+                  <a:srgbClr val="000000"/>
+                </a:solidFill>
+                <a:latin typeface="+mj-lt"/>
+                <a:ea typeface="ＭＳ ゴシック" panose="020B0609070205080204" pitchFamily="49" charset="-128"/>
+              </a:rPr>
+              <a:t>;</a:t>
+            </a:r>
+          </a:p>
+          <a:p>
+            <a:r>
+              <a:rPr lang="en-US" altLang="ja-JP" sz="2400" dirty="0">
+                <a:solidFill>
+                  <a:srgbClr val="0000FF"/>
+                </a:solidFill>
+                <a:latin typeface="+mj-lt"/>
+                <a:ea typeface="ＭＳ ゴシック" panose="020B0609070205080204" pitchFamily="49" charset="-128"/>
+              </a:rPr>
+              <a:t>  delete</a:t>
+            </a:r>
+            <a:r>
+              <a:rPr lang="en-US" altLang="ja-JP" sz="2400" dirty="0">
+                <a:solidFill>
+                  <a:srgbClr val="000000"/>
+                </a:solidFill>
+                <a:latin typeface="+mj-lt"/>
+                <a:ea typeface="ＭＳ ゴシック" panose="020B0609070205080204" pitchFamily="49" charset="-128"/>
+              </a:rPr>
+              <a:t> </a:t>
+            </a:r>
+            <a:r>
+              <a:rPr lang="en-US" altLang="ja-JP" sz="2400" dirty="0" err="1">
+                <a:solidFill>
+                  <a:srgbClr val="000000"/>
+                </a:solidFill>
+                <a:latin typeface="+mj-lt"/>
+                <a:ea typeface="ＭＳ ゴシック" panose="020B0609070205080204" pitchFamily="49" charset="-128"/>
+              </a:rPr>
+              <a:t>pChicken</a:t>
+            </a:r>
+            <a:r>
+              <a:rPr lang="en-US" altLang="ja-JP" sz="2400" dirty="0">
+                <a:solidFill>
+                  <a:srgbClr val="000000"/>
+                </a:solidFill>
+                <a:latin typeface="+mj-lt"/>
+                <a:ea typeface="ＭＳ ゴシック" panose="020B0609070205080204" pitchFamily="49" charset="-128"/>
+              </a:rPr>
+              <a:t>;</a:t>
+            </a:r>
+            <a:endParaRPr kumimoji="1" lang="ja-JP" altLang="en-US" sz="7200" dirty="0">
+              <a:latin typeface="+mj-lt"/>
+            </a:endParaRPr>
+          </a:p>
+        </p:txBody>
+      </p:sp>
+      <p:sp>
+        <p:nvSpPr>
+          <p:cNvPr id="6" name="テキスト ボックス 5">
+            <a:extLst>
+              <a:ext uri="{FF2B5EF4-FFF2-40B4-BE49-F238E27FC236}">
+                <a16:creationId xmlns:a16="http://schemas.microsoft.com/office/drawing/2014/main" id="{068CDAF3-C1EB-9C4D-0857-C709FB8C9593}"/>
+              </a:ext>
+            </a:extLst>
+          </p:cNvPr>
+          <p:cNvSpPr txBox="1"/>
+          <p:nvPr/>
+        </p:nvSpPr>
+        <p:spPr>
+          <a:xfrm>
+            <a:off x="6460312" y="3762088"/>
+            <a:ext cx="2831224" cy="523220"/>
+          </a:xfrm>
+          <a:prstGeom prst="rect">
+            <a:avLst/>
+          </a:prstGeom>
+          <a:solidFill>
+            <a:schemeClr val="bg1"/>
+          </a:solidFill>
+          <a:ln>
+            <a:solidFill>
+              <a:schemeClr val="tx1"/>
+            </a:solidFill>
+          </a:ln>
+          <a:effectLst>
+            <a:outerShdw blurRad="50800" dist="38100" dir="2700000" algn="tl" rotWithShape="0">
+              <a:prstClr val="black">
+                <a:alpha val="40000"/>
+              </a:prstClr>
+            </a:outerShdw>
+          </a:effectLst>
+        </p:spPr>
+        <p:txBody>
+          <a:bodyPr wrap="none" rtlCol="0">
+            <a:spAutoFit/>
+          </a:bodyPr>
+          <a:lstStyle/>
+          <a:p>
+            <a:r>
+              <a:rPr kumimoji="1" lang="ja-JP" altLang="en-US" sz="2800" dirty="0">
+                <a:solidFill>
+                  <a:srgbClr val="FF0000"/>
+                </a:solidFill>
+              </a:rPr>
+              <a:t>コンパイルエラー</a:t>
+            </a:r>
+            <a:endParaRPr kumimoji="1" lang="en-US" altLang="ja-JP" sz="2800" dirty="0">
+              <a:solidFill>
+                <a:srgbClr val="FF0000"/>
+              </a:solidFill>
+            </a:endParaRPr>
+          </a:p>
+        </p:txBody>
+      </p:sp>
+      <p:sp>
+        <p:nvSpPr>
+          <p:cNvPr id="7" name="矢印: 右 6">
+            <a:extLst>
+              <a:ext uri="{FF2B5EF4-FFF2-40B4-BE49-F238E27FC236}">
+                <a16:creationId xmlns:a16="http://schemas.microsoft.com/office/drawing/2014/main" id="{E6ECEF79-F89A-D713-6513-87B6944982BD}"/>
+              </a:ext>
+            </a:extLst>
+          </p:cNvPr>
+          <p:cNvSpPr/>
+          <p:nvPr/>
+        </p:nvSpPr>
+        <p:spPr>
+          <a:xfrm>
+            <a:off x="5145932" y="3842425"/>
+            <a:ext cx="1050587" cy="369651"/>
+          </a:xfrm>
+          <a:prstGeom prst="rightArrow">
+            <a:avLst/>
+          </a:prstGeom>
+        </p:spPr>
+        <p:style>
+          <a:lnRef idx="2">
+            <a:schemeClr val="accent1">
+              <a:shade val="15000"/>
+            </a:schemeClr>
+          </a:lnRef>
+          <a:fillRef idx="1">
+            <a:schemeClr val="accent1"/>
+          </a:fillRef>
+          <a:effectRef idx="0">
+            <a:schemeClr val="accent1"/>
+          </a:effectRef>
+          <a:fontRef idx="minor">
+            <a:schemeClr val="lt1"/>
+          </a:fontRef>
+        </p:style>
+        <p:txBody>
+          <a:bodyPr rtlCol="0" anchor="ctr"/>
+          <a:lstStyle/>
+          <a:p>
+            <a:pPr algn="ctr"/>
+            <a:endParaRPr kumimoji="1" lang="ja-JP" altLang="en-US"/>
+          </a:p>
+        </p:txBody>
+      </p:sp>
+      <p:sp>
+        <p:nvSpPr>
+          <p:cNvPr id="8" name="テキスト ボックス 7">
+            <a:extLst>
+              <a:ext uri="{FF2B5EF4-FFF2-40B4-BE49-F238E27FC236}">
+                <a16:creationId xmlns:a16="http://schemas.microsoft.com/office/drawing/2014/main" id="{9914B94D-085E-3B48-8D84-9751A92E1DC9}"/>
+              </a:ext>
+            </a:extLst>
+          </p:cNvPr>
+          <p:cNvSpPr txBox="1"/>
+          <p:nvPr/>
+        </p:nvSpPr>
+        <p:spPr>
+          <a:xfrm>
+            <a:off x="6460312" y="4621450"/>
+            <a:ext cx="5133136" cy="1077218"/>
+          </a:xfrm>
+          <a:prstGeom prst="rect">
+            <a:avLst/>
+          </a:prstGeom>
+          <a:solidFill>
+            <a:schemeClr val="bg1"/>
+          </a:solidFill>
+          <a:ln>
+            <a:solidFill>
+              <a:schemeClr val="tx1"/>
+            </a:solidFill>
+          </a:ln>
+          <a:effectLst>
+            <a:outerShdw blurRad="50800" dist="38100" dir="2700000" algn="tl" rotWithShape="0">
+              <a:prstClr val="black">
+                <a:alpha val="40000"/>
+              </a:prstClr>
+            </a:outerShdw>
+          </a:effectLst>
+        </p:spPr>
+        <p:txBody>
+          <a:bodyPr wrap="none" rtlCol="0">
+            <a:spAutoFit/>
+          </a:bodyPr>
+          <a:lstStyle/>
+          <a:p>
+            <a:r>
+              <a:rPr kumimoji="1" lang="ja-JP" altLang="en-US" sz="3200" dirty="0">
+                <a:solidFill>
+                  <a:srgbClr val="00B050"/>
+                </a:solidFill>
+              </a:rPr>
+              <a:t>抽象クラスのインスタンスを</a:t>
+            </a:r>
+            <a:endParaRPr kumimoji="1" lang="en-US" altLang="ja-JP" sz="3200" dirty="0">
+              <a:solidFill>
+                <a:srgbClr val="00B050"/>
+              </a:solidFill>
+            </a:endParaRPr>
+          </a:p>
+          <a:p>
+            <a:r>
+              <a:rPr kumimoji="1" lang="ja-JP" altLang="en-US" sz="3200" dirty="0">
+                <a:solidFill>
+                  <a:srgbClr val="00B050"/>
+                </a:solidFill>
+              </a:rPr>
+              <a:t>生成することはできない！</a:t>
+            </a:r>
+            <a:endParaRPr kumimoji="1" lang="en-US" altLang="ja-JP" sz="3200" dirty="0">
+              <a:solidFill>
+                <a:srgbClr val="00B050"/>
+              </a:solidFill>
+            </a:endParaRPr>
+          </a:p>
+        </p:txBody>
+      </p:sp>
+    </p:spTree>
+    <p:extLst>
+      <p:ext uri="{BB962C8B-B14F-4D97-AF65-F5344CB8AC3E}">
+        <p14:creationId xmlns:p14="http://schemas.microsoft.com/office/powerpoint/2010/main" val="2023642681"/>
+      </p:ext>
+    </p:extLst>
+  </p:cSld>
+  <p:clrMapOvr>
+    <a:masterClrMapping/>
+  </p:clrMapOvr>
+</p:sld>
+</file>
+
 <file path=ppt/slides/slide4.xml><?xml version="1.0" encoding="utf-8"?>
 <p:sld xmlns:a="http://schemas.openxmlformats.org/drawingml/2006/main" xmlns:r="http://schemas.openxmlformats.org/officeDocument/2006/relationships" xmlns:p="http://schemas.openxmlformats.org/presentationml/2006/main">
   <p:cSld>
@@ -15560,6 +17684,1036 @@
     <p:extLst>
       <p:ext uri="{BB962C8B-B14F-4D97-AF65-F5344CB8AC3E}">
         <p14:creationId xmlns:p14="http://schemas.microsoft.com/office/powerpoint/2010/main" val="4058800286"/>
+      </p:ext>
+    </p:extLst>
+  </p:cSld>
+  <p:clrMapOvr>
+    <a:masterClrMapping/>
+  </p:clrMapOvr>
+</p:sld>
+</file>
+
+<file path=ppt/slides/slide40.xml><?xml version="1.0" encoding="utf-8"?>
+<p:sld xmlns:a="http://schemas.openxmlformats.org/drawingml/2006/main" xmlns:r="http://schemas.openxmlformats.org/officeDocument/2006/relationships" xmlns:p="http://schemas.openxmlformats.org/presentationml/2006/main">
+  <p:cSld>
+    <p:spTree>
+      <p:nvGrpSpPr>
+        <p:cNvPr id="1" name=""/>
+        <p:cNvGrpSpPr/>
+        <p:nvPr/>
+      </p:nvGrpSpPr>
+      <p:grpSpPr>
+        <a:xfrm>
+          <a:off x="0" y="0"/>
+          <a:ext cx="0" cy="0"/>
+          <a:chOff x="0" y="0"/>
+          <a:chExt cx="0" cy="0"/>
+        </a:xfrm>
+      </p:grpSpPr>
+      <p:sp>
+        <p:nvSpPr>
+          <p:cNvPr id="2" name="タイトル 1">
+            <a:extLst>
+              <a:ext uri="{FF2B5EF4-FFF2-40B4-BE49-F238E27FC236}">
+                <a16:creationId xmlns:a16="http://schemas.microsoft.com/office/drawing/2014/main" id="{9F789731-37C4-49DD-AEE8-78E5514E279E}"/>
+              </a:ext>
+            </a:extLst>
+          </p:cNvPr>
+          <p:cNvSpPr>
+            <a:spLocks noGrp="1"/>
+          </p:cNvSpPr>
+          <p:nvPr>
+            <p:ph type="title"/>
+          </p:nvPr>
+        </p:nvSpPr>
+        <p:spPr/>
+        <p:txBody>
+          <a:bodyPr/>
+          <a:lstStyle/>
+          <a:p>
+            <a:r>
+              <a:rPr kumimoji="1" lang="ja-JP" altLang="en-US" dirty="0"/>
+              <a:t>ポリモーフィズム</a:t>
+            </a:r>
+          </a:p>
+        </p:txBody>
+      </p:sp>
+      <p:sp>
+        <p:nvSpPr>
+          <p:cNvPr id="3" name="コンテンツ プレースホルダー 2">
+            <a:extLst>
+              <a:ext uri="{FF2B5EF4-FFF2-40B4-BE49-F238E27FC236}">
+                <a16:creationId xmlns:a16="http://schemas.microsoft.com/office/drawing/2014/main" id="{39562F0E-6033-40BD-BCB8-F015661306FD}"/>
+              </a:ext>
+            </a:extLst>
+          </p:cNvPr>
+          <p:cNvSpPr>
+            <a:spLocks noGrp="1"/>
+          </p:cNvSpPr>
+          <p:nvPr>
+            <p:ph idx="1"/>
+          </p:nvPr>
+        </p:nvSpPr>
+        <p:spPr>
+          <a:xfrm>
+            <a:off x="838200" y="1376038"/>
+            <a:ext cx="10515600" cy="5374958"/>
+          </a:xfrm>
+        </p:spPr>
+        <p:txBody>
+          <a:bodyPr>
+            <a:normAutofit/>
+          </a:bodyPr>
+          <a:lstStyle/>
+          <a:p>
+            <a:r>
+              <a:rPr lang="ja-JP" altLang="en-US" b="1" u="sng" dirty="0"/>
+              <a:t>仮想デストラクタ</a:t>
+            </a:r>
+            <a:br>
+              <a:rPr lang="en-US" altLang="ja-JP" sz="1800" b="1" u="sng" dirty="0"/>
+            </a:br>
+            <a:br>
+              <a:rPr lang="en-US" altLang="ja-JP" sz="1800" dirty="0"/>
+            </a:br>
+            <a:r>
+              <a:rPr lang="ja-JP" altLang="en-US" b="1" dirty="0">
+                <a:solidFill>
+                  <a:srgbClr val="FF0000"/>
+                </a:solidFill>
+              </a:rPr>
+              <a:t>親クラスのデストラクタに</a:t>
+            </a:r>
+            <a:r>
+              <a:rPr lang="en-US" altLang="ja-JP" b="1" dirty="0">
+                <a:solidFill>
+                  <a:srgbClr val="FF0000"/>
+                </a:solidFill>
+              </a:rPr>
+              <a:t>virtual</a:t>
+            </a:r>
+            <a:r>
+              <a:rPr lang="ja-JP" altLang="en-US" dirty="0"/>
+              <a:t>を付けると</a:t>
+            </a:r>
+            <a:r>
+              <a:rPr lang="en-US" altLang="ja-JP" dirty="0"/>
+              <a:t>…</a:t>
+            </a:r>
+            <a:br>
+              <a:rPr lang="en-US" altLang="ja-JP" dirty="0"/>
+            </a:br>
+            <a:br>
+              <a:rPr lang="en-US" altLang="ja-JP" dirty="0"/>
+            </a:br>
+            <a:r>
+              <a:rPr lang="ja-JP" altLang="en-US" u="sng" dirty="0"/>
+              <a:t>子クラスのデストラクタ実行後に</a:t>
+            </a:r>
+            <a:br>
+              <a:rPr lang="en-US" altLang="ja-JP" u="sng" dirty="0"/>
+            </a:br>
+            <a:r>
+              <a:rPr lang="ja-JP" altLang="en-US" u="sng" dirty="0"/>
+              <a:t>親クラスのデストラクタが実行される</a:t>
+            </a:r>
+            <a:r>
+              <a:rPr lang="ja-JP" altLang="en-US" dirty="0"/>
+              <a:t>ようになる！</a:t>
+            </a:r>
+            <a:br>
+              <a:rPr lang="en-US" altLang="ja-JP" dirty="0"/>
+            </a:br>
+            <a:br>
+              <a:rPr lang="en-US" altLang="ja-JP" dirty="0"/>
+            </a:br>
+            <a:r>
+              <a:rPr lang="ja-JP" altLang="en-US" dirty="0"/>
+              <a:t>子クラスのデストラクタで終了時処理に処理漏れ</a:t>
+            </a:r>
+            <a:br>
+              <a:rPr lang="en-US" altLang="ja-JP" dirty="0"/>
+            </a:br>
+            <a:r>
+              <a:rPr lang="ja-JP" altLang="en-US" dirty="0"/>
+              <a:t>があった際、親クラスのデストラクタでカバーが</a:t>
+            </a:r>
+            <a:br>
+              <a:rPr lang="en-US" altLang="ja-JP" dirty="0"/>
+            </a:br>
+            <a:r>
+              <a:rPr lang="ja-JP" altLang="en-US" dirty="0"/>
+              <a:t>できる利点がある</a:t>
+            </a:r>
+            <a:endParaRPr lang="en-US" altLang="ja-JP" sz="3200" dirty="0"/>
+          </a:p>
+        </p:txBody>
+      </p:sp>
+    </p:spTree>
+    <p:extLst>
+      <p:ext uri="{BB962C8B-B14F-4D97-AF65-F5344CB8AC3E}">
+        <p14:creationId xmlns:p14="http://schemas.microsoft.com/office/powerpoint/2010/main" val="3087165513"/>
+      </p:ext>
+    </p:extLst>
+  </p:cSld>
+  <p:clrMapOvr>
+    <a:masterClrMapping/>
+  </p:clrMapOvr>
+</p:sld>
+</file>
+
+<file path=ppt/slides/slide41.xml><?xml version="1.0" encoding="utf-8"?>
+<p:sld xmlns:a="http://schemas.openxmlformats.org/drawingml/2006/main" xmlns:r="http://schemas.openxmlformats.org/officeDocument/2006/relationships" xmlns:p="http://schemas.openxmlformats.org/presentationml/2006/main">
+  <p:cSld>
+    <p:spTree>
+      <p:nvGrpSpPr>
+        <p:cNvPr id="1" name=""/>
+        <p:cNvGrpSpPr/>
+        <p:nvPr/>
+      </p:nvGrpSpPr>
+      <p:grpSpPr>
+        <a:xfrm>
+          <a:off x="0" y="0"/>
+          <a:ext cx="0" cy="0"/>
+          <a:chOff x="0" y="0"/>
+          <a:chExt cx="0" cy="0"/>
+        </a:xfrm>
+      </p:grpSpPr>
+      <p:sp>
+        <p:nvSpPr>
+          <p:cNvPr id="2" name="タイトル 1">
+            <a:extLst>
+              <a:ext uri="{FF2B5EF4-FFF2-40B4-BE49-F238E27FC236}">
+                <a16:creationId xmlns:a16="http://schemas.microsoft.com/office/drawing/2014/main" id="{9F789731-37C4-49DD-AEE8-78E5514E279E}"/>
+              </a:ext>
+            </a:extLst>
+          </p:cNvPr>
+          <p:cNvSpPr>
+            <a:spLocks noGrp="1"/>
+          </p:cNvSpPr>
+          <p:nvPr>
+            <p:ph type="title"/>
+          </p:nvPr>
+        </p:nvSpPr>
+        <p:spPr/>
+        <p:txBody>
+          <a:bodyPr/>
+          <a:lstStyle/>
+          <a:p>
+            <a:r>
+              <a:rPr kumimoji="1" lang="ja-JP" altLang="en-US" dirty="0"/>
+              <a:t>ポリモーフィズム</a:t>
+            </a:r>
+          </a:p>
+        </p:txBody>
+      </p:sp>
+      <p:sp>
+        <p:nvSpPr>
+          <p:cNvPr id="3" name="コンテンツ プレースホルダー 2">
+            <a:extLst>
+              <a:ext uri="{FF2B5EF4-FFF2-40B4-BE49-F238E27FC236}">
+                <a16:creationId xmlns:a16="http://schemas.microsoft.com/office/drawing/2014/main" id="{39562F0E-6033-40BD-BCB8-F015661306FD}"/>
+              </a:ext>
+            </a:extLst>
+          </p:cNvPr>
+          <p:cNvSpPr>
+            <a:spLocks noGrp="1"/>
+          </p:cNvSpPr>
+          <p:nvPr>
+            <p:ph idx="1"/>
+          </p:nvPr>
+        </p:nvSpPr>
+        <p:spPr>
+          <a:xfrm>
+            <a:off x="838200" y="1376038"/>
+            <a:ext cx="10515600" cy="5374958"/>
+          </a:xfrm>
+        </p:spPr>
+        <p:txBody>
+          <a:bodyPr>
+            <a:normAutofit/>
+          </a:bodyPr>
+          <a:lstStyle/>
+          <a:p>
+            <a:r>
+              <a:rPr lang="ja-JP" altLang="en-US" b="1" u="sng" dirty="0"/>
+              <a:t>仮想デストラクタ</a:t>
+            </a:r>
+            <a:br>
+              <a:rPr lang="en-US" altLang="ja-JP" sz="1800" b="1" u="sng" dirty="0"/>
+            </a:br>
+            <a:br>
+              <a:rPr lang="en-US" altLang="ja-JP" sz="1800" dirty="0"/>
+            </a:br>
+            <a:endParaRPr lang="en-US" altLang="ja-JP" sz="3200" dirty="0"/>
+          </a:p>
+        </p:txBody>
+      </p:sp>
+      <p:sp>
+        <p:nvSpPr>
+          <p:cNvPr id="4" name="正方形/長方形 3">
+            <a:extLst>
+              <a:ext uri="{FF2B5EF4-FFF2-40B4-BE49-F238E27FC236}">
+                <a16:creationId xmlns:a16="http://schemas.microsoft.com/office/drawing/2014/main" id="{60734A8B-0AD2-89E2-3B7E-04712368DD9E}"/>
+              </a:ext>
+            </a:extLst>
+          </p:cNvPr>
+          <p:cNvSpPr/>
+          <p:nvPr/>
+        </p:nvSpPr>
+        <p:spPr>
+          <a:xfrm>
+            <a:off x="1099226" y="2429270"/>
+            <a:ext cx="3463047" cy="1634247"/>
+          </a:xfrm>
+          <a:prstGeom prst="rect">
+            <a:avLst/>
+          </a:prstGeom>
+        </p:spPr>
+        <p:style>
+          <a:lnRef idx="2">
+            <a:schemeClr val="accent1">
+              <a:shade val="15000"/>
+            </a:schemeClr>
+          </a:lnRef>
+          <a:fillRef idx="1">
+            <a:schemeClr val="accent1"/>
+          </a:fillRef>
+          <a:effectRef idx="0">
+            <a:schemeClr val="accent1"/>
+          </a:effectRef>
+          <a:fontRef idx="minor">
+            <a:schemeClr val="lt1"/>
+          </a:fontRef>
+        </p:style>
+        <p:txBody>
+          <a:bodyPr rtlCol="0" anchor="ctr"/>
+          <a:lstStyle/>
+          <a:p>
+            <a:pPr algn="ctr"/>
+            <a:r>
+              <a:rPr kumimoji="1" lang="en-US" altLang="ja-JP" sz="2400" b="1" dirty="0"/>
+              <a:t>Father</a:t>
+            </a:r>
+            <a:r>
+              <a:rPr kumimoji="1" lang="ja-JP" altLang="en-US" sz="2400" dirty="0"/>
+              <a:t>クラス</a:t>
+            </a:r>
+            <a:endParaRPr kumimoji="1" lang="en-US" altLang="ja-JP" sz="1600" dirty="0"/>
+          </a:p>
+          <a:p>
+            <a:pPr algn="ctr"/>
+            <a:br>
+              <a:rPr kumimoji="1" lang="en-US" altLang="ja-JP" sz="1600" dirty="0"/>
+            </a:br>
+            <a:r>
+              <a:rPr kumimoji="1" lang="en-US" altLang="ja-JP" sz="2400" dirty="0"/>
+              <a:t>Father()</a:t>
+            </a:r>
+          </a:p>
+          <a:p>
+            <a:pPr algn="ctr"/>
+            <a:r>
+              <a:rPr kumimoji="1" lang="en-US" altLang="ja-JP" sz="2400" dirty="0"/>
+              <a:t>~Father()</a:t>
+            </a:r>
+            <a:endParaRPr kumimoji="1" lang="ja-JP" altLang="en-US" sz="2400" dirty="0"/>
+          </a:p>
+        </p:txBody>
+      </p:sp>
+      <p:sp>
+        <p:nvSpPr>
+          <p:cNvPr id="5" name="正方形/長方形 4">
+            <a:extLst>
+              <a:ext uri="{FF2B5EF4-FFF2-40B4-BE49-F238E27FC236}">
+                <a16:creationId xmlns:a16="http://schemas.microsoft.com/office/drawing/2014/main" id="{C649CC07-B8BD-5EF9-FD7B-DF0D1FACC156}"/>
+              </a:ext>
+            </a:extLst>
+          </p:cNvPr>
+          <p:cNvSpPr/>
+          <p:nvPr/>
+        </p:nvSpPr>
+        <p:spPr>
+          <a:xfrm>
+            <a:off x="1099226" y="4664838"/>
+            <a:ext cx="3463047" cy="1634247"/>
+          </a:xfrm>
+          <a:prstGeom prst="rect">
+            <a:avLst/>
+          </a:prstGeom>
+          <a:solidFill>
+            <a:srgbClr val="C00000"/>
+          </a:solidFill>
+        </p:spPr>
+        <p:style>
+          <a:lnRef idx="2">
+            <a:schemeClr val="accent1">
+              <a:shade val="15000"/>
+            </a:schemeClr>
+          </a:lnRef>
+          <a:fillRef idx="1">
+            <a:schemeClr val="accent1"/>
+          </a:fillRef>
+          <a:effectRef idx="0">
+            <a:schemeClr val="accent1"/>
+          </a:effectRef>
+          <a:fontRef idx="minor">
+            <a:schemeClr val="lt1"/>
+          </a:fontRef>
+        </p:style>
+        <p:txBody>
+          <a:bodyPr rtlCol="0" anchor="ctr"/>
+          <a:lstStyle/>
+          <a:p>
+            <a:pPr algn="ctr"/>
+            <a:r>
+              <a:rPr kumimoji="1" lang="en-US" altLang="ja-JP" sz="2400" b="1" dirty="0"/>
+              <a:t>Mother</a:t>
+            </a:r>
+            <a:r>
+              <a:rPr kumimoji="1" lang="ja-JP" altLang="en-US" sz="2400" dirty="0"/>
+              <a:t>クラス</a:t>
+            </a:r>
+            <a:endParaRPr kumimoji="1" lang="en-US" altLang="ja-JP" sz="1600" dirty="0"/>
+          </a:p>
+          <a:p>
+            <a:pPr algn="ctr"/>
+            <a:br>
+              <a:rPr kumimoji="1" lang="en-US" altLang="ja-JP" sz="1600" dirty="0"/>
+            </a:br>
+            <a:r>
+              <a:rPr kumimoji="1" lang="en-US" altLang="ja-JP" sz="2400" dirty="0"/>
+              <a:t>Mother()</a:t>
+            </a:r>
+          </a:p>
+          <a:p>
+            <a:pPr algn="ctr"/>
+            <a:r>
+              <a:rPr kumimoji="1" lang="en-US" altLang="ja-JP" sz="2400" b="1" dirty="0">
+                <a:solidFill>
+                  <a:srgbClr val="FFFF00"/>
+                </a:solidFill>
+              </a:rPr>
+              <a:t>virtual</a:t>
+            </a:r>
+            <a:r>
+              <a:rPr kumimoji="1" lang="en-US" altLang="ja-JP" sz="2400" dirty="0"/>
+              <a:t> ~Mother()</a:t>
+            </a:r>
+            <a:endParaRPr kumimoji="1" lang="ja-JP" altLang="en-US" sz="2400" dirty="0"/>
+          </a:p>
+        </p:txBody>
+      </p:sp>
+      <p:sp>
+        <p:nvSpPr>
+          <p:cNvPr id="6" name="四角形: 角を丸くする 5">
+            <a:extLst>
+              <a:ext uri="{FF2B5EF4-FFF2-40B4-BE49-F238E27FC236}">
+                <a16:creationId xmlns:a16="http://schemas.microsoft.com/office/drawing/2014/main" id="{76C86AB2-BB3B-03D0-179D-73AD4E2D8779}"/>
+              </a:ext>
+            </a:extLst>
+          </p:cNvPr>
+          <p:cNvSpPr/>
+          <p:nvPr/>
+        </p:nvSpPr>
+        <p:spPr>
+          <a:xfrm>
+            <a:off x="5428034" y="2429269"/>
+            <a:ext cx="3210128" cy="1634247"/>
+          </a:xfrm>
+          <a:prstGeom prst="roundRect">
+            <a:avLst/>
+          </a:prstGeom>
+          <a:solidFill>
+            <a:srgbClr val="00B0F0"/>
+          </a:solidFill>
+        </p:spPr>
+        <p:style>
+          <a:lnRef idx="2">
+            <a:schemeClr val="accent1">
+              <a:shade val="15000"/>
+            </a:schemeClr>
+          </a:lnRef>
+          <a:fillRef idx="1">
+            <a:schemeClr val="accent1"/>
+          </a:fillRef>
+          <a:effectRef idx="0">
+            <a:schemeClr val="accent1"/>
+          </a:effectRef>
+          <a:fontRef idx="minor">
+            <a:schemeClr val="lt1"/>
+          </a:fontRef>
+        </p:style>
+        <p:txBody>
+          <a:bodyPr rtlCol="0" anchor="ctr"/>
+          <a:lstStyle/>
+          <a:p>
+            <a:pPr algn="ctr"/>
+            <a:r>
+              <a:rPr kumimoji="1" lang="en-US" altLang="ja-JP" sz="2400" b="1" dirty="0"/>
+              <a:t>Son</a:t>
+            </a:r>
+            <a:r>
+              <a:rPr kumimoji="1" lang="ja-JP" altLang="en-US" sz="2400" dirty="0"/>
+              <a:t>クラス</a:t>
+            </a:r>
+            <a:endParaRPr kumimoji="1" lang="en-US" altLang="ja-JP" sz="1600" dirty="0"/>
+          </a:p>
+          <a:p>
+            <a:pPr algn="ctr"/>
+            <a:br>
+              <a:rPr kumimoji="1" lang="en-US" altLang="ja-JP" sz="1600" dirty="0"/>
+            </a:br>
+            <a:r>
+              <a:rPr kumimoji="1" lang="en-US" altLang="ja-JP" sz="2400" dirty="0"/>
+              <a:t>Son()</a:t>
+            </a:r>
+          </a:p>
+          <a:p>
+            <a:pPr algn="ctr"/>
+            <a:r>
+              <a:rPr kumimoji="1" lang="en-US" altLang="ja-JP" sz="2400" dirty="0"/>
+              <a:t>~Son()</a:t>
+            </a:r>
+            <a:endParaRPr kumimoji="1" lang="ja-JP" altLang="en-US" sz="2400" dirty="0"/>
+          </a:p>
+        </p:txBody>
+      </p:sp>
+      <p:sp>
+        <p:nvSpPr>
+          <p:cNvPr id="7" name="四角形: 角を丸くする 6">
+            <a:extLst>
+              <a:ext uri="{FF2B5EF4-FFF2-40B4-BE49-F238E27FC236}">
+                <a16:creationId xmlns:a16="http://schemas.microsoft.com/office/drawing/2014/main" id="{723C94A7-11C1-623D-673C-2202C44C2299}"/>
+              </a:ext>
+            </a:extLst>
+          </p:cNvPr>
+          <p:cNvSpPr/>
+          <p:nvPr/>
+        </p:nvSpPr>
+        <p:spPr>
+          <a:xfrm>
+            <a:off x="5414253" y="4664837"/>
+            <a:ext cx="3210128" cy="1634247"/>
+          </a:xfrm>
+          <a:prstGeom prst="roundRect">
+            <a:avLst/>
+          </a:prstGeom>
+          <a:solidFill>
+            <a:schemeClr val="accent2"/>
+          </a:solidFill>
+        </p:spPr>
+        <p:style>
+          <a:lnRef idx="2">
+            <a:schemeClr val="accent1">
+              <a:shade val="15000"/>
+            </a:schemeClr>
+          </a:lnRef>
+          <a:fillRef idx="1">
+            <a:schemeClr val="accent1"/>
+          </a:fillRef>
+          <a:effectRef idx="0">
+            <a:schemeClr val="accent1"/>
+          </a:effectRef>
+          <a:fontRef idx="minor">
+            <a:schemeClr val="lt1"/>
+          </a:fontRef>
+        </p:style>
+        <p:txBody>
+          <a:bodyPr rtlCol="0" anchor="ctr"/>
+          <a:lstStyle/>
+          <a:p>
+            <a:pPr algn="ctr"/>
+            <a:r>
+              <a:rPr kumimoji="1" lang="en-US" altLang="ja-JP" sz="2400" b="1" dirty="0"/>
+              <a:t>Daughter</a:t>
+            </a:r>
+            <a:r>
+              <a:rPr kumimoji="1" lang="ja-JP" altLang="en-US" sz="2400" dirty="0"/>
+              <a:t>クラス</a:t>
+            </a:r>
+            <a:endParaRPr kumimoji="1" lang="en-US" altLang="ja-JP" sz="1600" dirty="0"/>
+          </a:p>
+          <a:p>
+            <a:pPr algn="ctr"/>
+            <a:br>
+              <a:rPr kumimoji="1" lang="en-US" altLang="ja-JP" sz="1600" dirty="0"/>
+            </a:br>
+            <a:r>
+              <a:rPr kumimoji="1" lang="en-US" altLang="ja-JP" sz="2400" dirty="0"/>
+              <a:t>Daughter()</a:t>
+            </a:r>
+          </a:p>
+          <a:p>
+            <a:pPr algn="ctr"/>
+            <a:r>
+              <a:rPr kumimoji="1" lang="en-US" altLang="ja-JP" sz="2400" dirty="0"/>
+              <a:t>~Daughter ()</a:t>
+            </a:r>
+            <a:endParaRPr kumimoji="1" lang="ja-JP" altLang="en-US" sz="2400" dirty="0"/>
+          </a:p>
+        </p:txBody>
+      </p:sp>
+      <p:sp>
+        <p:nvSpPr>
+          <p:cNvPr id="8" name="矢印: 右 7">
+            <a:extLst>
+              <a:ext uri="{FF2B5EF4-FFF2-40B4-BE49-F238E27FC236}">
+                <a16:creationId xmlns:a16="http://schemas.microsoft.com/office/drawing/2014/main" id="{B3A87FD9-82C0-56A1-E9C4-C219816BBB21}"/>
+              </a:ext>
+            </a:extLst>
+          </p:cNvPr>
+          <p:cNvSpPr/>
+          <p:nvPr/>
+        </p:nvSpPr>
+        <p:spPr>
+          <a:xfrm>
+            <a:off x="4656712" y="3025301"/>
+            <a:ext cx="676883" cy="554477"/>
+          </a:xfrm>
+          <a:prstGeom prst="rightArrow">
+            <a:avLst/>
+          </a:prstGeom>
+        </p:spPr>
+        <p:style>
+          <a:lnRef idx="3">
+            <a:schemeClr val="lt1"/>
+          </a:lnRef>
+          <a:fillRef idx="1">
+            <a:schemeClr val="accent4"/>
+          </a:fillRef>
+          <a:effectRef idx="1">
+            <a:schemeClr val="accent4"/>
+          </a:effectRef>
+          <a:fontRef idx="minor">
+            <a:schemeClr val="lt1"/>
+          </a:fontRef>
+        </p:style>
+        <p:txBody>
+          <a:bodyPr rtlCol="0" anchor="ctr"/>
+          <a:lstStyle/>
+          <a:p>
+            <a:pPr algn="ctr"/>
+            <a:endParaRPr kumimoji="1" lang="ja-JP" altLang="en-US"/>
+          </a:p>
+        </p:txBody>
+      </p:sp>
+      <p:sp>
+        <p:nvSpPr>
+          <p:cNvPr id="9" name="テキスト ボックス 8">
+            <a:extLst>
+              <a:ext uri="{FF2B5EF4-FFF2-40B4-BE49-F238E27FC236}">
+                <a16:creationId xmlns:a16="http://schemas.microsoft.com/office/drawing/2014/main" id="{C3B7FE7A-023A-D843-7A35-567FAFA77064}"/>
+              </a:ext>
+            </a:extLst>
+          </p:cNvPr>
+          <p:cNvSpPr txBox="1"/>
+          <p:nvPr/>
+        </p:nvSpPr>
+        <p:spPr>
+          <a:xfrm>
+            <a:off x="4656712" y="2655969"/>
+            <a:ext cx="646331" cy="369332"/>
+          </a:xfrm>
+          <a:prstGeom prst="rect">
+            <a:avLst/>
+          </a:prstGeom>
+          <a:noFill/>
+        </p:spPr>
+        <p:txBody>
+          <a:bodyPr wrap="none" rtlCol="0">
+            <a:spAutoFit/>
+          </a:bodyPr>
+          <a:lstStyle/>
+          <a:p>
+            <a:r>
+              <a:rPr kumimoji="1" lang="ja-JP" altLang="en-US" b="1" dirty="0"/>
+              <a:t>継承</a:t>
+            </a:r>
+          </a:p>
+        </p:txBody>
+      </p:sp>
+      <p:sp>
+        <p:nvSpPr>
+          <p:cNvPr id="10" name="矢印: 右 9">
+            <a:extLst>
+              <a:ext uri="{FF2B5EF4-FFF2-40B4-BE49-F238E27FC236}">
+                <a16:creationId xmlns:a16="http://schemas.microsoft.com/office/drawing/2014/main" id="{C46FA960-5266-2E51-66CE-383049A32AE9}"/>
+              </a:ext>
+            </a:extLst>
+          </p:cNvPr>
+          <p:cNvSpPr/>
+          <p:nvPr/>
+        </p:nvSpPr>
+        <p:spPr>
+          <a:xfrm>
+            <a:off x="4667908" y="5204723"/>
+            <a:ext cx="676883" cy="554477"/>
+          </a:xfrm>
+          <a:prstGeom prst="rightArrow">
+            <a:avLst/>
+          </a:prstGeom>
+        </p:spPr>
+        <p:style>
+          <a:lnRef idx="3">
+            <a:schemeClr val="lt1"/>
+          </a:lnRef>
+          <a:fillRef idx="1">
+            <a:schemeClr val="accent4"/>
+          </a:fillRef>
+          <a:effectRef idx="1">
+            <a:schemeClr val="accent4"/>
+          </a:effectRef>
+          <a:fontRef idx="minor">
+            <a:schemeClr val="lt1"/>
+          </a:fontRef>
+        </p:style>
+        <p:txBody>
+          <a:bodyPr rtlCol="0" anchor="ctr"/>
+          <a:lstStyle/>
+          <a:p>
+            <a:pPr algn="ctr"/>
+            <a:endParaRPr kumimoji="1" lang="ja-JP" altLang="en-US"/>
+          </a:p>
+        </p:txBody>
+      </p:sp>
+      <p:sp>
+        <p:nvSpPr>
+          <p:cNvPr id="11" name="テキスト ボックス 10">
+            <a:extLst>
+              <a:ext uri="{FF2B5EF4-FFF2-40B4-BE49-F238E27FC236}">
+                <a16:creationId xmlns:a16="http://schemas.microsoft.com/office/drawing/2014/main" id="{B73E775D-1004-0E51-3724-7E9D5883FF86}"/>
+              </a:ext>
+            </a:extLst>
+          </p:cNvPr>
+          <p:cNvSpPr txBox="1"/>
+          <p:nvPr/>
+        </p:nvSpPr>
+        <p:spPr>
+          <a:xfrm>
+            <a:off x="4667908" y="4835391"/>
+            <a:ext cx="646331" cy="369332"/>
+          </a:xfrm>
+          <a:prstGeom prst="rect">
+            <a:avLst/>
+          </a:prstGeom>
+          <a:noFill/>
+        </p:spPr>
+        <p:txBody>
+          <a:bodyPr wrap="none" rtlCol="0">
+            <a:spAutoFit/>
+          </a:bodyPr>
+          <a:lstStyle/>
+          <a:p>
+            <a:r>
+              <a:rPr kumimoji="1" lang="ja-JP" altLang="en-US" b="1" dirty="0"/>
+              <a:t>継承</a:t>
+            </a:r>
+          </a:p>
+        </p:txBody>
+      </p:sp>
+      <p:sp>
+        <p:nvSpPr>
+          <p:cNvPr id="12" name="テキスト ボックス 11">
+            <a:extLst>
+              <a:ext uri="{FF2B5EF4-FFF2-40B4-BE49-F238E27FC236}">
+                <a16:creationId xmlns:a16="http://schemas.microsoft.com/office/drawing/2014/main" id="{683074F2-28F0-595B-36C5-687C5BAF59C6}"/>
+              </a:ext>
+            </a:extLst>
+          </p:cNvPr>
+          <p:cNvSpPr txBox="1"/>
+          <p:nvPr/>
+        </p:nvSpPr>
+        <p:spPr>
+          <a:xfrm>
+            <a:off x="9286945" y="2212391"/>
+            <a:ext cx="2486578" cy="400110"/>
+          </a:xfrm>
+          <a:prstGeom prst="rect">
+            <a:avLst/>
+          </a:prstGeom>
+          <a:noFill/>
+        </p:spPr>
+        <p:txBody>
+          <a:bodyPr wrap="none" rtlCol="0">
+            <a:spAutoFit/>
+          </a:bodyPr>
+          <a:lstStyle/>
+          <a:p>
+            <a:r>
+              <a:rPr kumimoji="1" lang="ja-JP" altLang="en-US" sz="2000" dirty="0"/>
+              <a:t>インスタンス消去時</a:t>
+            </a:r>
+            <a:r>
+              <a:rPr kumimoji="1" lang="en-US" altLang="ja-JP" sz="2000" dirty="0"/>
+              <a:t>…</a:t>
+            </a:r>
+            <a:endParaRPr kumimoji="1" lang="ja-JP" altLang="en-US" sz="2000" dirty="0"/>
+          </a:p>
+        </p:txBody>
+      </p:sp>
+      <p:sp>
+        <p:nvSpPr>
+          <p:cNvPr id="13" name="テキスト ボックス 12">
+            <a:extLst>
+              <a:ext uri="{FF2B5EF4-FFF2-40B4-BE49-F238E27FC236}">
+                <a16:creationId xmlns:a16="http://schemas.microsoft.com/office/drawing/2014/main" id="{68F75C8A-412D-838B-54A7-B2BC66156F90}"/>
+              </a:ext>
+            </a:extLst>
+          </p:cNvPr>
+          <p:cNvSpPr txBox="1"/>
+          <p:nvPr/>
+        </p:nvSpPr>
+        <p:spPr>
+          <a:xfrm>
+            <a:off x="9286945" y="2840635"/>
+            <a:ext cx="2233304" cy="954107"/>
+          </a:xfrm>
+          <a:prstGeom prst="rect">
+            <a:avLst/>
+          </a:prstGeom>
+          <a:noFill/>
+        </p:spPr>
+        <p:txBody>
+          <a:bodyPr wrap="none" rtlCol="0">
+            <a:spAutoFit/>
+          </a:bodyPr>
+          <a:lstStyle/>
+          <a:p>
+            <a:r>
+              <a:rPr kumimoji="1" lang="en-US" altLang="ja-JP" sz="2800" dirty="0"/>
+              <a:t>~Son()</a:t>
+            </a:r>
+            <a:r>
+              <a:rPr kumimoji="1" lang="ja-JP" altLang="en-US" sz="2800" dirty="0"/>
+              <a:t>のみ</a:t>
+            </a:r>
+            <a:endParaRPr kumimoji="1" lang="en-US" altLang="ja-JP" sz="2800" dirty="0"/>
+          </a:p>
+          <a:p>
+            <a:r>
+              <a:rPr kumimoji="1" lang="ja-JP" altLang="en-US" sz="2800" dirty="0"/>
+              <a:t>　実行される</a:t>
+            </a:r>
+          </a:p>
+        </p:txBody>
+      </p:sp>
+      <p:sp>
+        <p:nvSpPr>
+          <p:cNvPr id="14" name="テキスト ボックス 13">
+            <a:extLst>
+              <a:ext uri="{FF2B5EF4-FFF2-40B4-BE49-F238E27FC236}">
+                <a16:creationId xmlns:a16="http://schemas.microsoft.com/office/drawing/2014/main" id="{3B7AD631-01F8-B329-5EA1-1A4238214499}"/>
+              </a:ext>
+            </a:extLst>
+          </p:cNvPr>
+          <p:cNvSpPr txBox="1"/>
+          <p:nvPr/>
+        </p:nvSpPr>
+        <p:spPr>
+          <a:xfrm>
+            <a:off x="9286945" y="4631962"/>
+            <a:ext cx="2635658" cy="1815882"/>
+          </a:xfrm>
+          <a:prstGeom prst="rect">
+            <a:avLst/>
+          </a:prstGeom>
+          <a:noFill/>
+        </p:spPr>
+        <p:txBody>
+          <a:bodyPr wrap="none" rtlCol="0">
+            <a:spAutoFit/>
+          </a:bodyPr>
+          <a:lstStyle/>
+          <a:p>
+            <a:r>
+              <a:rPr kumimoji="1" lang="en-US" altLang="ja-JP" sz="2800" dirty="0"/>
+              <a:t>~Daughter()</a:t>
+            </a:r>
+            <a:br>
+              <a:rPr kumimoji="1" lang="en-US" altLang="ja-JP" sz="2800" dirty="0"/>
+            </a:br>
+            <a:r>
+              <a:rPr kumimoji="1" lang="ja-JP" altLang="en-US" sz="2800" dirty="0"/>
+              <a:t>　のあとに</a:t>
+            </a:r>
+            <a:endParaRPr kumimoji="1" lang="en-US" altLang="ja-JP" sz="2800" dirty="0"/>
+          </a:p>
+          <a:p>
+            <a:r>
+              <a:rPr kumimoji="1" lang="en-US" altLang="ja-JP" sz="2800" dirty="0"/>
+              <a:t>~Mother()</a:t>
+            </a:r>
+            <a:br>
+              <a:rPr kumimoji="1" lang="en-US" altLang="ja-JP" sz="2800" dirty="0"/>
+            </a:br>
+            <a:r>
+              <a:rPr kumimoji="1" lang="ja-JP" altLang="en-US" sz="2800" dirty="0"/>
+              <a:t>　が実行される</a:t>
+            </a:r>
+          </a:p>
+        </p:txBody>
+      </p:sp>
+      <p:cxnSp>
+        <p:nvCxnSpPr>
+          <p:cNvPr id="16" name="直線コネクタ 15">
+            <a:extLst>
+              <a:ext uri="{FF2B5EF4-FFF2-40B4-BE49-F238E27FC236}">
+                <a16:creationId xmlns:a16="http://schemas.microsoft.com/office/drawing/2014/main" id="{BBC14395-BB2F-1371-2992-4D54C5AF3549}"/>
+              </a:ext>
+            </a:extLst>
+          </p:cNvPr>
+          <p:cNvCxnSpPr/>
+          <p:nvPr/>
+        </p:nvCxnSpPr>
+        <p:spPr>
+          <a:xfrm>
+            <a:off x="661481" y="4270441"/>
+            <a:ext cx="11313268" cy="0"/>
+          </a:xfrm>
+          <a:prstGeom prst="line">
+            <a:avLst/>
+          </a:prstGeom>
+          <a:ln w="38100"/>
+        </p:spPr>
+        <p:style>
+          <a:lnRef idx="1">
+            <a:schemeClr val="accent1"/>
+          </a:lnRef>
+          <a:fillRef idx="0">
+            <a:schemeClr val="accent1"/>
+          </a:fillRef>
+          <a:effectRef idx="0">
+            <a:schemeClr val="accent1"/>
+          </a:effectRef>
+          <a:fontRef idx="minor">
+            <a:schemeClr val="tx1"/>
+          </a:fontRef>
+        </p:style>
+      </p:cxnSp>
+      <p:sp>
+        <p:nvSpPr>
+          <p:cNvPr id="17" name="矢印: 下 16">
+            <a:extLst>
+              <a:ext uri="{FF2B5EF4-FFF2-40B4-BE49-F238E27FC236}">
+                <a16:creationId xmlns:a16="http://schemas.microsoft.com/office/drawing/2014/main" id="{BD051ACD-1EE9-CEEB-181A-198D38D8DAB1}"/>
+              </a:ext>
+            </a:extLst>
+          </p:cNvPr>
+          <p:cNvSpPr/>
+          <p:nvPr/>
+        </p:nvSpPr>
+        <p:spPr>
+          <a:xfrm flipV="1">
+            <a:off x="1653702" y="6322640"/>
+            <a:ext cx="291830" cy="340468"/>
+          </a:xfrm>
+          <a:prstGeom prst="downArrow">
+            <a:avLst>
+              <a:gd name="adj1" fmla="val 30000"/>
+              <a:gd name="adj2" fmla="val 50000"/>
+            </a:avLst>
+          </a:prstGeom>
+        </p:spPr>
+        <p:style>
+          <a:lnRef idx="2">
+            <a:schemeClr val="accent1">
+              <a:shade val="15000"/>
+            </a:schemeClr>
+          </a:lnRef>
+          <a:fillRef idx="1">
+            <a:schemeClr val="accent1"/>
+          </a:fillRef>
+          <a:effectRef idx="0">
+            <a:schemeClr val="accent1"/>
+          </a:effectRef>
+          <a:fontRef idx="minor">
+            <a:schemeClr val="lt1"/>
+          </a:fontRef>
+        </p:style>
+        <p:txBody>
+          <a:bodyPr rtlCol="0" anchor="ctr"/>
+          <a:lstStyle/>
+          <a:p>
+            <a:pPr algn="ctr"/>
+            <a:endParaRPr kumimoji="1" lang="ja-JP" altLang="en-US"/>
+          </a:p>
+        </p:txBody>
+      </p:sp>
+      <p:sp>
+        <p:nvSpPr>
+          <p:cNvPr id="18" name="テキスト ボックス 17">
+            <a:extLst>
+              <a:ext uri="{FF2B5EF4-FFF2-40B4-BE49-F238E27FC236}">
+                <a16:creationId xmlns:a16="http://schemas.microsoft.com/office/drawing/2014/main" id="{D052B489-079E-09AA-4955-C08F730D2868}"/>
+              </a:ext>
+            </a:extLst>
+          </p:cNvPr>
+          <p:cNvSpPr txBox="1"/>
+          <p:nvPr/>
+        </p:nvSpPr>
+        <p:spPr>
+          <a:xfrm>
+            <a:off x="1004787" y="2002162"/>
+            <a:ext cx="5761514" cy="461665"/>
+          </a:xfrm>
+          <a:prstGeom prst="rect">
+            <a:avLst/>
+          </a:prstGeom>
+          <a:noFill/>
+        </p:spPr>
+        <p:txBody>
+          <a:bodyPr wrap="none" rtlCol="0">
+            <a:spAutoFit/>
+          </a:bodyPr>
+          <a:lstStyle/>
+          <a:p>
+            <a:r>
+              <a:rPr kumimoji="1" lang="ja-JP" altLang="en-US" sz="2400" dirty="0"/>
+              <a:t>親クラス　　　　　　　　　　　　　　　　子クラス</a:t>
+            </a:r>
+          </a:p>
+        </p:txBody>
+      </p:sp>
+      <p:sp>
+        <p:nvSpPr>
+          <p:cNvPr id="19" name="テキスト ボックス 18">
+            <a:extLst>
+              <a:ext uri="{FF2B5EF4-FFF2-40B4-BE49-F238E27FC236}">
+                <a16:creationId xmlns:a16="http://schemas.microsoft.com/office/drawing/2014/main" id="{FC539543-CF08-4363-9F30-0B9DD1EEEC82}"/>
+              </a:ext>
+            </a:extLst>
+          </p:cNvPr>
+          <p:cNvSpPr txBox="1"/>
+          <p:nvPr/>
+        </p:nvSpPr>
+        <p:spPr>
+          <a:xfrm>
+            <a:off x="1004787" y="4255658"/>
+            <a:ext cx="5761514" cy="461665"/>
+          </a:xfrm>
+          <a:prstGeom prst="rect">
+            <a:avLst/>
+          </a:prstGeom>
+          <a:noFill/>
+        </p:spPr>
+        <p:txBody>
+          <a:bodyPr wrap="none" rtlCol="0">
+            <a:spAutoFit/>
+          </a:bodyPr>
+          <a:lstStyle/>
+          <a:p>
+            <a:r>
+              <a:rPr kumimoji="1" lang="ja-JP" altLang="en-US" sz="2400" dirty="0"/>
+              <a:t>親クラス　　　　　　　　　　　　　　　　子クラス</a:t>
+            </a:r>
+          </a:p>
+        </p:txBody>
+      </p:sp>
+    </p:spTree>
+    <p:extLst>
+      <p:ext uri="{BB962C8B-B14F-4D97-AF65-F5344CB8AC3E}">
+        <p14:creationId xmlns:p14="http://schemas.microsoft.com/office/powerpoint/2010/main" val="1283646531"/>
       </p:ext>
     </p:extLst>
   </p:cSld>

--- a/授業資料/講義資料：継承とポリモーフィズム.pptx
+++ b/授業資料/講義資料：継承とポリモーフィズム.pptx
@@ -283,7 +283,7 @@
           <a:p>
             <a:fld id="{5B96D3F8-CD2E-4A0D-AC38-517181EABB18}" type="datetimeFigureOut">
               <a:rPr kumimoji="1" lang="ja-JP" altLang="en-US" smtClean="0"/>
-              <a:t>2024/9/19</a:t>
+              <a:t>2024/9/20</a:t>
             </a:fld>
             <a:endParaRPr kumimoji="1" lang="ja-JP" altLang="en-US"/>
           </a:p>
@@ -485,7 +485,7 @@
           <a:p>
             <a:fld id="{5B96D3F8-CD2E-4A0D-AC38-517181EABB18}" type="datetimeFigureOut">
               <a:rPr kumimoji="1" lang="ja-JP" altLang="en-US" smtClean="0"/>
-              <a:t>2024/9/19</a:t>
+              <a:t>2024/9/20</a:t>
             </a:fld>
             <a:endParaRPr kumimoji="1" lang="ja-JP" altLang="en-US"/>
           </a:p>
@@ -697,7 +697,7 @@
           <a:p>
             <a:fld id="{5B96D3F8-CD2E-4A0D-AC38-517181EABB18}" type="datetimeFigureOut">
               <a:rPr kumimoji="1" lang="ja-JP" altLang="en-US" smtClean="0"/>
-              <a:t>2024/9/19</a:t>
+              <a:t>2024/9/20</a:t>
             </a:fld>
             <a:endParaRPr kumimoji="1" lang="ja-JP" altLang="en-US"/>
           </a:p>
@@ -899,7 +899,7 @@
           <a:p>
             <a:fld id="{5B96D3F8-CD2E-4A0D-AC38-517181EABB18}" type="datetimeFigureOut">
               <a:rPr kumimoji="1" lang="ja-JP" altLang="en-US" smtClean="0"/>
-              <a:t>2024/9/19</a:t>
+              <a:t>2024/9/20</a:t>
             </a:fld>
             <a:endParaRPr kumimoji="1" lang="ja-JP" altLang="en-US"/>
           </a:p>
@@ -1145,7 +1145,7 @@
           <a:p>
             <a:fld id="{5B96D3F8-CD2E-4A0D-AC38-517181EABB18}" type="datetimeFigureOut">
               <a:rPr kumimoji="1" lang="ja-JP" altLang="en-US" smtClean="0"/>
-              <a:t>2024/9/19</a:t>
+              <a:t>2024/9/20</a:t>
             </a:fld>
             <a:endParaRPr kumimoji="1" lang="ja-JP" altLang="en-US"/>
           </a:p>
@@ -1441,7 +1441,7 @@
           <a:p>
             <a:fld id="{5B96D3F8-CD2E-4A0D-AC38-517181EABB18}" type="datetimeFigureOut">
               <a:rPr kumimoji="1" lang="ja-JP" altLang="en-US" smtClean="0"/>
-              <a:t>2024/9/19</a:t>
+              <a:t>2024/9/20</a:t>
             </a:fld>
             <a:endParaRPr kumimoji="1" lang="ja-JP" altLang="en-US"/>
           </a:p>
@@ -1872,7 +1872,7 @@
           <a:p>
             <a:fld id="{5B96D3F8-CD2E-4A0D-AC38-517181EABB18}" type="datetimeFigureOut">
               <a:rPr kumimoji="1" lang="ja-JP" altLang="en-US" smtClean="0"/>
-              <a:t>2024/9/19</a:t>
+              <a:t>2024/9/20</a:t>
             </a:fld>
             <a:endParaRPr kumimoji="1" lang="ja-JP" altLang="en-US"/>
           </a:p>
@@ -1990,7 +1990,7 @@
           <a:p>
             <a:fld id="{5B96D3F8-CD2E-4A0D-AC38-517181EABB18}" type="datetimeFigureOut">
               <a:rPr kumimoji="1" lang="ja-JP" altLang="en-US" smtClean="0"/>
-              <a:t>2024/9/19</a:t>
+              <a:t>2024/9/20</a:t>
             </a:fld>
             <a:endParaRPr kumimoji="1" lang="ja-JP" altLang="en-US"/>
           </a:p>
@@ -2085,7 +2085,7 @@
           <a:p>
             <a:fld id="{5B96D3F8-CD2E-4A0D-AC38-517181EABB18}" type="datetimeFigureOut">
               <a:rPr kumimoji="1" lang="ja-JP" altLang="en-US" smtClean="0"/>
-              <a:t>2024/9/19</a:t>
+              <a:t>2024/9/20</a:t>
             </a:fld>
             <a:endParaRPr kumimoji="1" lang="ja-JP" altLang="en-US"/>
           </a:p>
@@ -2394,7 +2394,7 @@
           <a:p>
             <a:fld id="{5B96D3F8-CD2E-4A0D-AC38-517181EABB18}" type="datetimeFigureOut">
               <a:rPr kumimoji="1" lang="ja-JP" altLang="en-US" smtClean="0"/>
-              <a:t>2024/9/19</a:t>
+              <a:t>2024/9/20</a:t>
             </a:fld>
             <a:endParaRPr kumimoji="1" lang="ja-JP" altLang="en-US"/>
           </a:p>
@@ -2651,7 +2651,7 @@
           <a:p>
             <a:fld id="{5B96D3F8-CD2E-4A0D-AC38-517181EABB18}" type="datetimeFigureOut">
               <a:rPr kumimoji="1" lang="ja-JP" altLang="en-US" smtClean="0"/>
-              <a:t>2024/9/19</a:t>
+              <a:t>2024/9/20</a:t>
             </a:fld>
             <a:endParaRPr kumimoji="1" lang="ja-JP" altLang="en-US"/>
           </a:p>
@@ -2896,7 +2896,7 @@
           <a:p>
             <a:fld id="{5B96D3F8-CD2E-4A0D-AC38-517181EABB18}" type="datetimeFigureOut">
               <a:rPr kumimoji="1" lang="ja-JP" altLang="en-US" smtClean="0"/>
-              <a:t>2024/9/19</a:t>
+              <a:t>2024/9/20</a:t>
             </a:fld>
             <a:endParaRPr kumimoji="1" lang="ja-JP" altLang="en-US"/>
           </a:p>
@@ -11036,23 +11036,7 @@
                   <a:srgbClr val="FFFF00"/>
                 </a:highlight>
               </a:rPr>
-              <a:t>int a, </a:t>
-            </a:r>
-            <a:r>
-              <a:rPr kumimoji="1" lang="en-US" altLang="ja-JP" sz="2400" dirty="0" err="1">
-                <a:highlight>
-                  <a:srgbClr val="FFFF00"/>
-                </a:highlight>
-              </a:rPr>
-              <a:t>inb</a:t>
-            </a:r>
-            <a:r>
-              <a:rPr kumimoji="1" lang="en-US" altLang="ja-JP" sz="2400" dirty="0">
-                <a:highlight>
-                  <a:srgbClr val="FFFF00"/>
-                </a:highlight>
-              </a:rPr>
-              <a:t> b</a:t>
+              <a:t>int a, int b</a:t>
             </a:r>
             <a:r>
               <a:rPr kumimoji="1" lang="en-US" altLang="ja-JP" sz="2400" dirty="0">
@@ -13276,7 +13260,7 @@
         <p:spPr>
           <a:xfrm>
             <a:off x="381000" y="806322"/>
-            <a:ext cx="6120586" cy="3539430"/>
+            <a:ext cx="6120586" cy="3108543"/>
           </a:xfrm>
           <a:prstGeom prst="rect">
             <a:avLst/>
@@ -13316,49 +13300,10 @@
               <a:t>:</a:t>
             </a:r>
             <a:br>
-              <a:rPr kumimoji="1" lang="en-US" altLang="ja-JP" sz="2800" dirty="0"/>
-            </a:br>
-            <a:r>
-              <a:rPr kumimoji="1" lang="ja-JP" altLang="en-US" sz="2800" dirty="0"/>
-              <a:t>メンバ </a:t>
-            </a:r>
-            <a:r>
-              <a:rPr kumimoji="1" lang="en-US" altLang="ja-JP" sz="2800" dirty="0" err="1"/>
-              <a:t>m_a</a:t>
-            </a:r>
-            <a:r>
-              <a:rPr kumimoji="1" lang="en-US" altLang="ja-JP" sz="2800" dirty="0"/>
-              <a:t> </a:t>
-            </a:r>
-            <a:r>
-              <a:rPr kumimoji="1" lang="ja-JP" altLang="en-US" sz="2800" dirty="0"/>
-              <a:t>と </a:t>
-            </a:r>
-            <a:r>
-              <a:rPr kumimoji="1" lang="en-US" altLang="ja-JP" sz="2800" dirty="0" err="1"/>
-              <a:t>m_b</a:t>
-            </a:r>
-            <a:r>
-              <a:rPr kumimoji="1" lang="en-US" altLang="ja-JP" sz="2800" dirty="0"/>
-              <a:t> </a:t>
-            </a:r>
-            <a:r>
-              <a:rPr kumimoji="1" lang="ja-JP" altLang="en-US" sz="2800" dirty="0"/>
-              <a:t>は　</a:t>
-            </a:r>
-            <a:r>
-              <a:rPr kumimoji="1" lang="en-US" altLang="ja-JP" sz="2800" dirty="0"/>
-              <a:t>0 </a:t>
-            </a:r>
-            <a:r>
-              <a:rPr kumimoji="1" lang="ja-JP" altLang="en-US" sz="2800" dirty="0"/>
-              <a:t>なので</a:t>
-            </a:r>
-            <a:br>
-              <a:rPr kumimoji="1" lang="en-US" altLang="ja-JP" sz="2800" dirty="0"/>
-            </a:br>
-            <a:r>
-              <a:rPr kumimoji="1" lang="en-US" altLang="ja-JP" sz="2800" dirty="0"/>
+              <a:rPr kumimoji="1" lang="en-US" altLang="ja-JP" sz="2800"/>
+            </a:br>
+            <a:r>
+              <a:rPr kumimoji="1" lang="en-US" altLang="ja-JP" sz="2800"/>
               <a:t>add</a:t>
             </a:r>
             <a:r>

--- a/授業資料/講義資料：継承とポリモーフィズム.pptx
+++ b/授業資料/講義資料：継承とポリモーフィズム.pptx
@@ -4263,7 +4263,7 @@
         <p:spPr>
           <a:xfrm>
             <a:off x="3202790" y="2996678"/>
-            <a:ext cx="8513869" cy="3108543"/>
+            <a:ext cx="8513869" cy="3185487"/>
           </a:xfrm>
           <a:prstGeom prst="rect">
             <a:avLst/>
@@ -4298,11 +4298,11 @@
           </a:p>
           <a:p>
             <a:r>
-              <a:rPr kumimoji="1" lang="en-US" altLang="ja-JP" sz="2800" u="sng" dirty="0"/>
+              <a:rPr kumimoji="1" lang="en-US" altLang="ja-JP" sz="3200" u="sng" dirty="0"/>
               <a:t>class </a:t>
             </a:r>
             <a:r>
-              <a:rPr kumimoji="1" lang="ja-JP" altLang="en-US" sz="2800" u="sng" dirty="0">
+              <a:rPr kumimoji="1" lang="ja-JP" altLang="en-US" sz="3200" u="sng" dirty="0">
                 <a:solidFill>
                   <a:srgbClr val="FF0000"/>
                 </a:solidFill>
@@ -4310,29 +4310,29 @@
               <a:t>子クラス名</a:t>
             </a:r>
             <a:r>
-              <a:rPr kumimoji="1" lang="ja-JP" altLang="en-US" sz="2800" u="sng" dirty="0"/>
+              <a:rPr kumimoji="1" lang="ja-JP" altLang="en-US" sz="3200" u="sng" dirty="0"/>
               <a:t> </a:t>
             </a:r>
             <a:r>
-              <a:rPr kumimoji="1" lang="en-US" altLang="ja-JP" sz="2800" u="sng" dirty="0"/>
+              <a:rPr kumimoji="1" lang="en-US" altLang="ja-JP" sz="3200" u="sng" dirty="0"/>
               <a:t>: public </a:t>
             </a:r>
             <a:r>
-              <a:rPr kumimoji="1" lang="ja-JP" altLang="en-US" sz="2800" u="sng" dirty="0">
+              <a:rPr kumimoji="1" lang="ja-JP" altLang="en-US" sz="3200" u="sng" dirty="0">
                 <a:solidFill>
                   <a:srgbClr val="00B0F0"/>
                 </a:solidFill>
               </a:rPr>
               <a:t>親クラス名</a:t>
             </a:r>
-            <a:endParaRPr kumimoji="1" lang="en-US" altLang="ja-JP" sz="2800" u="sng" dirty="0">
+            <a:endParaRPr kumimoji="1" lang="en-US" altLang="ja-JP" u="sng" dirty="0">
               <a:solidFill>
                 <a:srgbClr val="00B0F0"/>
               </a:solidFill>
             </a:endParaRPr>
           </a:p>
           <a:p>
-            <a:endParaRPr kumimoji="1" lang="en-US" altLang="ja-JP" sz="2800" dirty="0">
+            <a:endParaRPr kumimoji="1" lang="en-US" altLang="ja-JP" dirty="0">
               <a:solidFill>
                 <a:srgbClr val="00B0F0"/>
               </a:solidFill>
@@ -4358,7 +4358,10 @@
               <a:rPr kumimoji="1" lang="ja-JP" altLang="en-US" sz="2800" dirty="0"/>
               <a:t>メンバを子クラスで使用することができる</a:t>
             </a:r>
-            <a:endParaRPr kumimoji="1" lang="en-US" altLang="ja-JP" sz="2800" dirty="0"/>
+            <a:endParaRPr kumimoji="1" lang="en-US" altLang="ja-JP" sz="1100" dirty="0"/>
+          </a:p>
+          <a:p>
+            <a:endParaRPr kumimoji="1" lang="en-US" altLang="ja-JP" sz="1100" dirty="0"/>
           </a:p>
           <a:p>
             <a:r>
@@ -13932,7 +13935,7 @@
           <a:lstStyle/>
           <a:p>
             <a:r>
-              <a:rPr lang="ja-JP" altLang="en-US" b="1" u="sng" dirty="0"/>
+              <a:rPr lang="ja-JP" altLang="en-US" sz="4300" b="1" u="sng" dirty="0"/>
               <a:t>仮想関数</a:t>
             </a:r>
             <a:br>
@@ -15657,7 +15660,7 @@
                 <a:latin typeface="+mj-lt"/>
                 <a:ea typeface="ＭＳ ゴシック" panose="020B0609070205080204" pitchFamily="49" charset="-128"/>
               </a:rPr>
-              <a:t>virtual</a:t>
+              <a:t>  virtual</a:t>
             </a:r>
             <a:r>
               <a:rPr lang="en-US" altLang="ja-JP" sz="3200" dirty="0">
@@ -15719,7 +15722,7 @@
                 <a:latin typeface="+mj-lt"/>
                 <a:ea typeface="ＭＳ ゴシック" panose="020B0609070205080204" pitchFamily="49" charset="-128"/>
               </a:rPr>
-              <a:t>void</a:t>
+              <a:t>  void</a:t>
             </a:r>
             <a:r>
               <a:rPr lang="en-US" altLang="ja-JP" sz="3200" dirty="0">
@@ -16178,127 +16181,125 @@
           </a:p>
           <a:p>
             <a:r>
-              <a:rPr lang="en-US" altLang="ja-JP" sz="3200" strike="dblStrike" dirty="0" err="1">
+              <a:rPr lang="en-US" altLang="ja-JP" sz="3200" strike="dblStrike" dirty="0">
                 <a:solidFill>
                   <a:srgbClr val="000000"/>
                 </a:solidFill>
                 <a:latin typeface="+mj-lt"/>
                 <a:ea typeface="ＭＳ ゴシック" panose="020B0609070205080204" pitchFamily="49" charset="-128"/>
               </a:rPr>
-              <a:t>cout</a:t>
-            </a:r>
-            <a:r>
-              <a:rPr lang="en-US" altLang="ja-JP" sz="3200" strike="dblStrike" dirty="0">
+              <a:t>  </a:t>
+            </a:r>
+            <a:r>
+              <a:rPr lang="en-US" altLang="ja-JP" sz="3200" strike="dblStrike" dirty="0" err="1">
                 <a:solidFill>
                   <a:srgbClr val="000000"/>
                 </a:solidFill>
                 <a:latin typeface="+mj-lt"/>
                 <a:ea typeface="ＭＳ ゴシック" panose="020B0609070205080204" pitchFamily="49" charset="-128"/>
               </a:rPr>
-              <a:t> </a:t>
+              <a:t>cout</a:t>
             </a:r>
             <a:r>
               <a:rPr lang="en-US" altLang="ja-JP" sz="3200" strike="dblStrike" dirty="0">
                 <a:solidFill>
-                  <a:srgbClr val="008080"/>
+                  <a:srgbClr val="000000"/>
                 </a:solidFill>
                 <a:latin typeface="+mj-lt"/>
                 <a:ea typeface="ＭＳ ゴシック" panose="020B0609070205080204" pitchFamily="49" charset="-128"/>
               </a:rPr>
-              <a:t>&lt;&lt;</a:t>
+              <a:t> </a:t>
             </a:r>
             <a:r>
               <a:rPr lang="en-US" altLang="ja-JP" sz="3200" strike="dblStrike" dirty="0">
                 <a:solidFill>
-                  <a:srgbClr val="000000"/>
+                  <a:srgbClr val="008080"/>
                 </a:solidFill>
                 <a:latin typeface="+mj-lt"/>
                 <a:ea typeface="ＭＳ ゴシック" panose="020B0609070205080204" pitchFamily="49" charset="-128"/>
               </a:rPr>
-              <a:t> </a:t>
+              <a:t>&lt;&lt;</a:t>
             </a:r>
             <a:r>
               <a:rPr lang="en-US" altLang="ja-JP" sz="3200" strike="dblStrike" dirty="0">
                 <a:solidFill>
-                  <a:srgbClr val="A31515"/>
+                  <a:srgbClr val="000000"/>
                 </a:solidFill>
                 <a:latin typeface="+mj-lt"/>
                 <a:ea typeface="ＭＳ ゴシック" panose="020B0609070205080204" pitchFamily="49" charset="-128"/>
               </a:rPr>
-              <a:t>"</a:t>
-            </a:r>
-            <a:r>
-              <a:rPr lang="ja-JP" altLang="en-US" sz="3200" strike="dblStrike" dirty="0">
+              <a:t> </a:t>
+            </a:r>
+            <a:r>
+              <a:rPr lang="en-US" altLang="ja-JP" sz="3200" strike="dblStrike" dirty="0">
                 <a:solidFill>
                   <a:srgbClr val="A31515"/>
                 </a:solidFill>
                 <a:latin typeface="+mj-lt"/>
                 <a:ea typeface="ＭＳ ゴシック" panose="020B0609070205080204" pitchFamily="49" charset="-128"/>
               </a:rPr>
-              <a:t>鳥が鳴く</a:t>
-            </a:r>
-            <a:r>
-              <a:rPr lang="en-US" altLang="ja-JP" sz="3200" strike="dblStrike" dirty="0">
+              <a:t>"</a:t>
+            </a:r>
+            <a:r>
+              <a:rPr lang="ja-JP" altLang="en-US" sz="3200" strike="dblStrike" dirty="0">
                 <a:solidFill>
                   <a:srgbClr val="A31515"/>
                 </a:solidFill>
                 <a:latin typeface="+mj-lt"/>
                 <a:ea typeface="ＭＳ ゴシック" panose="020B0609070205080204" pitchFamily="49" charset="-128"/>
               </a:rPr>
-              <a:t>"</a:t>
-            </a:r>
-            <a:r>
-              <a:rPr lang="ja-JP" altLang="en-US" sz="3200" strike="dblStrike" dirty="0">
-                <a:solidFill>
-                  <a:srgbClr val="000000"/>
+              <a:t>鳥が鳴く</a:t>
+            </a:r>
+            <a:r>
+              <a:rPr lang="en-US" altLang="ja-JP" sz="3200" strike="dblStrike" dirty="0">
+                <a:solidFill>
+                  <a:srgbClr val="A31515"/>
                 </a:solidFill>
                 <a:latin typeface="+mj-lt"/>
                 <a:ea typeface="ＭＳ ゴシック" panose="020B0609070205080204" pitchFamily="49" charset="-128"/>
               </a:rPr>
-              <a:t> </a:t>
-            </a:r>
-            <a:r>
-              <a:rPr lang="en-US" altLang="ja-JP" sz="3200" strike="dblStrike" dirty="0">
-                <a:solidFill>
-                  <a:srgbClr val="008080"/>
+              <a:t>"</a:t>
+            </a:r>
+            <a:r>
+              <a:rPr lang="ja-JP" altLang="en-US" sz="3200" strike="dblStrike" dirty="0">
+                <a:solidFill>
+                  <a:srgbClr val="000000"/>
                 </a:solidFill>
                 <a:latin typeface="+mj-lt"/>
                 <a:ea typeface="ＭＳ ゴシック" panose="020B0609070205080204" pitchFamily="49" charset="-128"/>
               </a:rPr>
-              <a:t>&lt;&lt;</a:t>
-            </a:r>
-            <a:r>
-              <a:rPr lang="ja-JP" altLang="en-US" sz="3200" strike="dblStrike" dirty="0">
-                <a:solidFill>
-                  <a:srgbClr val="000000"/>
+              <a:t> </a:t>
+            </a:r>
+            <a:r>
+              <a:rPr lang="en-US" altLang="ja-JP" sz="3200" strike="dblStrike" dirty="0">
+                <a:solidFill>
+                  <a:srgbClr val="008080"/>
                 </a:solidFill>
                 <a:latin typeface="+mj-lt"/>
                 <a:ea typeface="ＭＳ ゴシック" panose="020B0609070205080204" pitchFamily="49" charset="-128"/>
               </a:rPr>
-              <a:t> </a:t>
-            </a:r>
-            <a:r>
-              <a:rPr lang="en-US" altLang="ja-JP" sz="3200" strike="dblStrike" dirty="0" err="1">
+              <a:t>&lt;&lt;</a:t>
+            </a:r>
+            <a:r>
+              <a:rPr lang="ja-JP" altLang="en-US" sz="3200" strike="dblStrike" dirty="0">
                 <a:solidFill>
                   <a:srgbClr val="000000"/>
                 </a:solidFill>
                 <a:latin typeface="+mj-lt"/>
                 <a:ea typeface="ＭＳ ゴシック" panose="020B0609070205080204" pitchFamily="49" charset="-128"/>
               </a:rPr>
-              <a:t>endl</a:t>
-            </a:r>
-            <a:r>
-              <a:rPr lang="en-US" altLang="ja-JP" sz="3200" strike="dblStrike" dirty="0">
+              <a:t> </a:t>
+            </a:r>
+            <a:r>
+              <a:rPr lang="en-US" altLang="ja-JP" sz="3200" strike="dblStrike" dirty="0" err="1">
                 <a:solidFill>
                   <a:srgbClr val="000000"/>
                 </a:solidFill>
                 <a:latin typeface="+mj-lt"/>
                 <a:ea typeface="ＭＳ ゴシック" panose="020B0609070205080204" pitchFamily="49" charset="-128"/>
               </a:rPr>
-              <a:t>;</a:t>
-            </a:r>
-          </a:p>
-          <a:p>
+              <a:t>endl</a:t>
+            </a:r>
             <a:r>
               <a:rPr lang="en-US" altLang="ja-JP" sz="3200" strike="dblStrike" dirty="0">
                 <a:solidFill>
@@ -16307,52 +16308,74 @@
                 <a:latin typeface="+mj-lt"/>
                 <a:ea typeface="ＭＳ ゴシック" panose="020B0609070205080204" pitchFamily="49" charset="-128"/>
               </a:rPr>
-              <a:t>}</a:t>
-            </a:r>
-          </a:p>
-          <a:p>
-            <a:r>
-              <a:rPr lang="en-US" altLang="ja-JP" sz="3200" dirty="0">
-                <a:solidFill>
-                  <a:srgbClr val="0000FF"/>
+              <a:t>;</a:t>
+            </a:r>
+          </a:p>
+          <a:p>
+            <a:r>
+              <a:rPr lang="en-US" altLang="ja-JP" sz="3200" strike="dblStrike" dirty="0">
+                <a:solidFill>
+                  <a:srgbClr val="000000"/>
                 </a:solidFill>
                 <a:latin typeface="+mj-lt"/>
                 <a:ea typeface="ＭＳ ゴシック" panose="020B0609070205080204" pitchFamily="49" charset="-128"/>
               </a:rPr>
-              <a:t>void</a:t>
-            </a:r>
+              <a:t>}</a:t>
+            </a:r>
+          </a:p>
+          <a:p>
             <a:r>
               <a:rPr lang="en-US" altLang="ja-JP" sz="3200" dirty="0">
                 <a:solidFill>
-                  <a:srgbClr val="000000"/>
+                  <a:srgbClr val="0000FF"/>
                 </a:solidFill>
                 <a:latin typeface="+mj-lt"/>
                 <a:ea typeface="ＭＳ ゴシック" panose="020B0609070205080204" pitchFamily="49" charset="-128"/>
               </a:rPr>
-              <a:t> </a:t>
+              <a:t>void</a:t>
             </a:r>
             <a:r>
               <a:rPr lang="en-US" altLang="ja-JP" sz="3200" dirty="0">
                 <a:solidFill>
-                  <a:srgbClr val="2B91AF"/>
+                  <a:srgbClr val="000000"/>
                 </a:solidFill>
                 <a:latin typeface="+mj-lt"/>
                 <a:ea typeface="ＭＳ ゴシック" panose="020B0609070205080204" pitchFamily="49" charset="-128"/>
               </a:rPr>
-              <a:t>Bird</a:t>
+              <a:t> </a:t>
             </a:r>
             <a:r>
               <a:rPr lang="en-US" altLang="ja-JP" sz="3200" dirty="0">
                 <a:solidFill>
-                  <a:srgbClr val="000000"/>
+                  <a:srgbClr val="2B91AF"/>
                 </a:solidFill>
                 <a:latin typeface="+mj-lt"/>
                 <a:ea typeface="ＭＳ ゴシック" panose="020B0609070205080204" pitchFamily="49" charset="-128"/>
               </a:rPr>
+              <a:t>Bird</a:t>
+            </a:r>
+            <a:r>
+              <a:rPr lang="en-US" altLang="ja-JP" sz="3200" dirty="0">
+                <a:solidFill>
+                  <a:srgbClr val="000000"/>
+                </a:solidFill>
+                <a:latin typeface="+mj-lt"/>
+                <a:ea typeface="ＭＳ ゴシック" panose="020B0609070205080204" pitchFamily="49" charset="-128"/>
+              </a:rPr>
               <a:t>::fly() {</a:t>
             </a:r>
           </a:p>
           <a:p>
+            <a:r>
+              <a:rPr lang="en-US" altLang="ja-JP" sz="3200" dirty="0">
+                <a:solidFill>
+                  <a:srgbClr val="000000"/>
+                </a:solidFill>
+                <a:latin typeface="+mj-lt"/>
+                <a:ea typeface="ＭＳ ゴシック" panose="020B0609070205080204" pitchFamily="49" charset="-128"/>
+              </a:rPr>
+              <a:t>  </a:t>
+            </a:r>
             <a:r>
               <a:rPr lang="en-US" altLang="ja-JP" sz="3200" dirty="0" err="1">
                 <a:solidFill>

--- a/授業資料/講義資料：継承とポリモーフィズム.pptx
+++ b/授業資料/講義資料：継承とポリモーフィズム.pptx
@@ -46,6 +46,16 @@
     <p:sldId id="356" r:id="rId40"/>
     <p:sldId id="357" r:id="rId41"/>
     <p:sldId id="358" r:id="rId42"/>
+    <p:sldId id="359" r:id="rId43"/>
+    <p:sldId id="360" r:id="rId44"/>
+    <p:sldId id="361" r:id="rId45"/>
+    <p:sldId id="362" r:id="rId46"/>
+    <p:sldId id="363" r:id="rId47"/>
+    <p:sldId id="364" r:id="rId48"/>
+    <p:sldId id="365" r:id="rId49"/>
+    <p:sldId id="367" r:id="rId50"/>
+    <p:sldId id="368" r:id="rId51"/>
+    <p:sldId id="366" r:id="rId52"/>
   </p:sldIdLst>
   <p:sldSz cx="12192000" cy="6858000"/>
   <p:notesSz cx="6858000" cy="9144000"/>
@@ -283,7 +293,7 @@
           <a:p>
             <a:fld id="{5B96D3F8-CD2E-4A0D-AC38-517181EABB18}" type="datetimeFigureOut">
               <a:rPr kumimoji="1" lang="ja-JP" altLang="en-US" smtClean="0"/>
-              <a:t>2024/9/20</a:t>
+              <a:t>2024/9/23</a:t>
             </a:fld>
             <a:endParaRPr kumimoji="1" lang="ja-JP" altLang="en-US"/>
           </a:p>
@@ -485,7 +495,7 @@
           <a:p>
             <a:fld id="{5B96D3F8-CD2E-4A0D-AC38-517181EABB18}" type="datetimeFigureOut">
               <a:rPr kumimoji="1" lang="ja-JP" altLang="en-US" smtClean="0"/>
-              <a:t>2024/9/20</a:t>
+              <a:t>2024/9/23</a:t>
             </a:fld>
             <a:endParaRPr kumimoji="1" lang="ja-JP" altLang="en-US"/>
           </a:p>
@@ -697,7 +707,7 @@
           <a:p>
             <a:fld id="{5B96D3F8-CD2E-4A0D-AC38-517181EABB18}" type="datetimeFigureOut">
               <a:rPr kumimoji="1" lang="ja-JP" altLang="en-US" smtClean="0"/>
-              <a:t>2024/9/20</a:t>
+              <a:t>2024/9/23</a:t>
             </a:fld>
             <a:endParaRPr kumimoji="1" lang="ja-JP" altLang="en-US"/>
           </a:p>
@@ -899,7 +909,7 @@
           <a:p>
             <a:fld id="{5B96D3F8-CD2E-4A0D-AC38-517181EABB18}" type="datetimeFigureOut">
               <a:rPr kumimoji="1" lang="ja-JP" altLang="en-US" smtClean="0"/>
-              <a:t>2024/9/20</a:t>
+              <a:t>2024/9/23</a:t>
             </a:fld>
             <a:endParaRPr kumimoji="1" lang="ja-JP" altLang="en-US"/>
           </a:p>
@@ -1145,7 +1155,7 @@
           <a:p>
             <a:fld id="{5B96D3F8-CD2E-4A0D-AC38-517181EABB18}" type="datetimeFigureOut">
               <a:rPr kumimoji="1" lang="ja-JP" altLang="en-US" smtClean="0"/>
-              <a:t>2024/9/20</a:t>
+              <a:t>2024/9/23</a:t>
             </a:fld>
             <a:endParaRPr kumimoji="1" lang="ja-JP" altLang="en-US"/>
           </a:p>
@@ -1441,7 +1451,7 @@
           <a:p>
             <a:fld id="{5B96D3F8-CD2E-4A0D-AC38-517181EABB18}" type="datetimeFigureOut">
               <a:rPr kumimoji="1" lang="ja-JP" altLang="en-US" smtClean="0"/>
-              <a:t>2024/9/20</a:t>
+              <a:t>2024/9/23</a:t>
             </a:fld>
             <a:endParaRPr kumimoji="1" lang="ja-JP" altLang="en-US"/>
           </a:p>
@@ -1872,7 +1882,7 @@
           <a:p>
             <a:fld id="{5B96D3F8-CD2E-4A0D-AC38-517181EABB18}" type="datetimeFigureOut">
               <a:rPr kumimoji="1" lang="ja-JP" altLang="en-US" smtClean="0"/>
-              <a:t>2024/9/20</a:t>
+              <a:t>2024/9/23</a:t>
             </a:fld>
             <a:endParaRPr kumimoji="1" lang="ja-JP" altLang="en-US"/>
           </a:p>
@@ -1990,7 +2000,7 @@
           <a:p>
             <a:fld id="{5B96D3F8-CD2E-4A0D-AC38-517181EABB18}" type="datetimeFigureOut">
               <a:rPr kumimoji="1" lang="ja-JP" altLang="en-US" smtClean="0"/>
-              <a:t>2024/9/20</a:t>
+              <a:t>2024/9/23</a:t>
             </a:fld>
             <a:endParaRPr kumimoji="1" lang="ja-JP" altLang="en-US"/>
           </a:p>
@@ -2085,7 +2095,7 @@
           <a:p>
             <a:fld id="{5B96D3F8-CD2E-4A0D-AC38-517181EABB18}" type="datetimeFigureOut">
               <a:rPr kumimoji="1" lang="ja-JP" altLang="en-US" smtClean="0"/>
-              <a:t>2024/9/20</a:t>
+              <a:t>2024/9/23</a:t>
             </a:fld>
             <a:endParaRPr kumimoji="1" lang="ja-JP" altLang="en-US"/>
           </a:p>
@@ -2394,7 +2404,7 @@
           <a:p>
             <a:fld id="{5B96D3F8-CD2E-4A0D-AC38-517181EABB18}" type="datetimeFigureOut">
               <a:rPr kumimoji="1" lang="ja-JP" altLang="en-US" smtClean="0"/>
-              <a:t>2024/9/20</a:t>
+              <a:t>2024/9/23</a:t>
             </a:fld>
             <a:endParaRPr kumimoji="1" lang="ja-JP" altLang="en-US"/>
           </a:p>
@@ -2651,7 +2661,7 @@
           <a:p>
             <a:fld id="{5B96D3F8-CD2E-4A0D-AC38-517181EABB18}" type="datetimeFigureOut">
               <a:rPr kumimoji="1" lang="ja-JP" altLang="en-US" smtClean="0"/>
-              <a:t>2024/9/20</a:t>
+              <a:t>2024/9/23</a:t>
             </a:fld>
             <a:endParaRPr kumimoji="1" lang="ja-JP" altLang="en-US"/>
           </a:p>
@@ -2896,7 +2906,7 @@
           <a:p>
             <a:fld id="{5B96D3F8-CD2E-4A0D-AC38-517181EABB18}" type="datetimeFigureOut">
               <a:rPr kumimoji="1" lang="ja-JP" altLang="en-US" smtClean="0"/>
-              <a:t>2024/9/20</a:t>
+              <a:t>2024/9/23</a:t>
             </a:fld>
             <a:endParaRPr kumimoji="1" lang="ja-JP" altLang="en-US"/>
           </a:p>
@@ -11945,8 +11955,12 @@
           <a:lstStyle/>
           <a:p>
             <a:r>
+              <a:rPr lang="en-US" altLang="ja-JP" dirty="0"/>
+              <a:t>main</a:t>
+            </a:r>
+            <a:r>
               <a:rPr kumimoji="1" lang="en-US" altLang="ja-JP" dirty="0"/>
-              <a:t>calc.</a:t>
+              <a:t>.</a:t>
             </a:r>
             <a:r>
               <a:rPr lang="en-US" altLang="ja-JP" dirty="0"/>
@@ -18691,6 +18705,3128 @@
 </p:sld>
 </file>
 
+<file path=ppt/slides/slide42.xml><?xml version="1.0" encoding="utf-8"?>
+<p:sld xmlns:a="http://schemas.openxmlformats.org/drawingml/2006/main" xmlns:r="http://schemas.openxmlformats.org/officeDocument/2006/relationships" xmlns:p="http://schemas.openxmlformats.org/presentationml/2006/main">
+  <p:cSld>
+    <p:spTree>
+      <p:nvGrpSpPr>
+        <p:cNvPr id="1" name=""/>
+        <p:cNvGrpSpPr/>
+        <p:nvPr/>
+      </p:nvGrpSpPr>
+      <p:grpSpPr>
+        <a:xfrm>
+          <a:off x="0" y="0"/>
+          <a:ext cx="0" cy="0"/>
+          <a:chOff x="0" y="0"/>
+          <a:chExt cx="0" cy="0"/>
+        </a:xfrm>
+      </p:grpSpPr>
+      <p:sp>
+        <p:nvSpPr>
+          <p:cNvPr id="2" name="タイトル 1">
+            <a:extLst>
+              <a:ext uri="{FF2B5EF4-FFF2-40B4-BE49-F238E27FC236}">
+                <a16:creationId xmlns:a16="http://schemas.microsoft.com/office/drawing/2014/main" id="{9F789731-37C4-49DD-AEE8-78E5514E279E}"/>
+              </a:ext>
+            </a:extLst>
+          </p:cNvPr>
+          <p:cNvSpPr>
+            <a:spLocks noGrp="1"/>
+          </p:cNvSpPr>
+          <p:nvPr>
+            <p:ph type="title"/>
+          </p:nvPr>
+        </p:nvSpPr>
+        <p:spPr/>
+        <p:txBody>
+          <a:bodyPr/>
+          <a:lstStyle/>
+          <a:p>
+            <a:r>
+              <a:rPr kumimoji="1" lang="ja-JP" altLang="en-US" dirty="0"/>
+              <a:t>ポリモーフィズム</a:t>
+            </a:r>
+          </a:p>
+        </p:txBody>
+      </p:sp>
+      <p:sp>
+        <p:nvSpPr>
+          <p:cNvPr id="3" name="コンテンツ プレースホルダー 2">
+            <a:extLst>
+              <a:ext uri="{FF2B5EF4-FFF2-40B4-BE49-F238E27FC236}">
+                <a16:creationId xmlns:a16="http://schemas.microsoft.com/office/drawing/2014/main" id="{39562F0E-6033-40BD-BCB8-F015661306FD}"/>
+              </a:ext>
+            </a:extLst>
+          </p:cNvPr>
+          <p:cNvSpPr>
+            <a:spLocks noGrp="1"/>
+          </p:cNvSpPr>
+          <p:nvPr>
+            <p:ph idx="1"/>
+          </p:nvPr>
+        </p:nvSpPr>
+        <p:spPr>
+          <a:xfrm>
+            <a:off x="838200" y="1376038"/>
+            <a:ext cx="10515600" cy="5374958"/>
+          </a:xfrm>
+        </p:spPr>
+        <p:txBody>
+          <a:bodyPr>
+            <a:normAutofit/>
+          </a:bodyPr>
+          <a:lstStyle/>
+          <a:p>
+            <a:r>
+              <a:rPr lang="ja-JP" altLang="en-US" sz="4400" b="1" u="sng" dirty="0"/>
+              <a:t>テンプレート</a:t>
+            </a:r>
+            <a:br>
+              <a:rPr lang="en-US" altLang="ja-JP" b="1" u="sng" dirty="0"/>
+            </a:br>
+            <a:br>
+              <a:rPr lang="en-US" altLang="ja-JP" sz="1800" dirty="0"/>
+            </a:br>
+            <a:r>
+              <a:rPr lang="ja-JP" altLang="en-US" dirty="0"/>
+              <a:t>メンバ関数のオーバーロード（多重定義）を行う</a:t>
+            </a:r>
+            <a:br>
+              <a:rPr lang="en-US" altLang="ja-JP" dirty="0"/>
+            </a:br>
+            <a:r>
+              <a:rPr lang="ja-JP" altLang="en-US" dirty="0"/>
+              <a:t>ときに引数の数は同じだが、引数の型が異なる</a:t>
+            </a:r>
+            <a:br>
+              <a:rPr lang="en-US" altLang="ja-JP" dirty="0"/>
+            </a:br>
+            <a:r>
+              <a:rPr lang="ja-JP" altLang="en-US" dirty="0"/>
+              <a:t>と、似たような記述を何回もしないといけない</a:t>
+            </a:r>
+            <a:br>
+              <a:rPr lang="en-US" altLang="ja-JP" dirty="0"/>
+            </a:br>
+            <a:br>
+              <a:rPr lang="en-US" altLang="ja-JP" dirty="0"/>
+            </a:br>
+            <a:br>
+              <a:rPr lang="en-US" altLang="ja-JP" dirty="0"/>
+            </a:br>
+            <a:endParaRPr lang="en-US" altLang="ja-JP" sz="3200" dirty="0"/>
+          </a:p>
+        </p:txBody>
+      </p:sp>
+      <p:sp>
+        <p:nvSpPr>
+          <p:cNvPr id="4" name="テキスト ボックス 3">
+            <a:extLst>
+              <a:ext uri="{FF2B5EF4-FFF2-40B4-BE49-F238E27FC236}">
+                <a16:creationId xmlns:a16="http://schemas.microsoft.com/office/drawing/2014/main" id="{13D7D604-E293-095C-3CE4-9C5587FC1A86}"/>
+              </a:ext>
+            </a:extLst>
+          </p:cNvPr>
+          <p:cNvSpPr txBox="1"/>
+          <p:nvPr/>
+        </p:nvSpPr>
+        <p:spPr>
+          <a:xfrm>
+            <a:off x="1003804" y="3769679"/>
+            <a:ext cx="6699324" cy="2862322"/>
+          </a:xfrm>
+          <a:prstGeom prst="rect">
+            <a:avLst/>
+          </a:prstGeom>
+          <a:solidFill>
+            <a:schemeClr val="bg1"/>
+          </a:solidFill>
+          <a:ln>
+            <a:solidFill>
+              <a:schemeClr val="tx1"/>
+            </a:solidFill>
+          </a:ln>
+          <a:effectLst>
+            <a:outerShdw blurRad="50800" dist="38100" dir="2700000" algn="tl" rotWithShape="0">
+              <a:prstClr val="black">
+                <a:alpha val="40000"/>
+              </a:prstClr>
+            </a:outerShdw>
+          </a:effectLst>
+        </p:spPr>
+        <p:txBody>
+          <a:bodyPr wrap="square" rtlCol="0">
+            <a:spAutoFit/>
+          </a:bodyPr>
+          <a:lstStyle/>
+          <a:p>
+            <a:r>
+              <a:rPr kumimoji="1" lang="en-US" altLang="ja-JP" sz="2000" b="1" dirty="0">
+                <a:solidFill>
+                  <a:srgbClr val="00B0F0"/>
+                </a:solidFill>
+              </a:rPr>
+              <a:t>double</a:t>
+            </a:r>
+            <a:r>
+              <a:rPr kumimoji="1" lang="en-US" altLang="ja-JP" sz="2000" dirty="0"/>
+              <a:t> Calc::add(</a:t>
+            </a:r>
+            <a:r>
+              <a:rPr kumimoji="1" lang="en-US" altLang="ja-JP" sz="2000" dirty="0">
+                <a:solidFill>
+                  <a:srgbClr val="00B0F0"/>
+                </a:solidFill>
+              </a:rPr>
+              <a:t>double </a:t>
+            </a:r>
+            <a:r>
+              <a:rPr kumimoji="1" lang="en-US" altLang="ja-JP" sz="2000" dirty="0" err="1"/>
+              <a:t>a,</a:t>
+            </a:r>
+            <a:r>
+              <a:rPr kumimoji="1" lang="en-US" altLang="ja-JP" sz="2000" dirty="0" err="1">
+                <a:solidFill>
+                  <a:srgbClr val="00B0F0"/>
+                </a:solidFill>
+              </a:rPr>
+              <a:t>double</a:t>
+            </a:r>
+            <a:r>
+              <a:rPr kumimoji="1" lang="en-US" altLang="ja-JP" sz="2000" dirty="0">
+                <a:solidFill>
+                  <a:srgbClr val="00B0F0"/>
+                </a:solidFill>
+              </a:rPr>
+              <a:t> </a:t>
+            </a:r>
+            <a:r>
+              <a:rPr kumimoji="1" lang="en-US" altLang="ja-JP" sz="2000" dirty="0"/>
+              <a:t>b)</a:t>
+            </a:r>
+            <a:r>
+              <a:rPr kumimoji="1" lang="en-US" altLang="ja-JP" sz="2000" dirty="0">
+                <a:solidFill>
+                  <a:srgbClr val="00B0F0"/>
+                </a:solidFill>
+              </a:rPr>
+              <a:t> </a:t>
+            </a:r>
+            <a:r>
+              <a:rPr kumimoji="1" lang="en-US" altLang="ja-JP" sz="2000" dirty="0"/>
+              <a:t>{</a:t>
+            </a:r>
+          </a:p>
+          <a:p>
+            <a:r>
+              <a:rPr kumimoji="1" lang="en-US" altLang="ja-JP" sz="2000" dirty="0"/>
+              <a:t>	return a + b;</a:t>
+            </a:r>
+          </a:p>
+          <a:p>
+            <a:r>
+              <a:rPr kumimoji="1" lang="en-US" altLang="ja-JP" sz="2000" dirty="0"/>
+              <a:t>}</a:t>
+            </a:r>
+          </a:p>
+          <a:p>
+            <a:r>
+              <a:rPr kumimoji="1" lang="en-US" altLang="ja-JP" sz="2000" b="1" dirty="0">
+                <a:solidFill>
+                  <a:srgbClr val="FF0000"/>
+                </a:solidFill>
+              </a:rPr>
+              <a:t>int</a:t>
+            </a:r>
+            <a:r>
+              <a:rPr kumimoji="1" lang="en-US" altLang="ja-JP" sz="2000" dirty="0"/>
+              <a:t> Calc::add(</a:t>
+            </a:r>
+            <a:r>
+              <a:rPr kumimoji="1" lang="en-US" altLang="ja-JP" sz="2000" dirty="0">
+                <a:solidFill>
+                  <a:srgbClr val="FF0000"/>
+                </a:solidFill>
+              </a:rPr>
+              <a:t>int </a:t>
+            </a:r>
+            <a:r>
+              <a:rPr kumimoji="1" lang="en-US" altLang="ja-JP" sz="2000" dirty="0"/>
+              <a:t>a,</a:t>
+            </a:r>
+            <a:r>
+              <a:rPr kumimoji="1" lang="en-US" altLang="ja-JP" sz="2000" dirty="0">
+                <a:solidFill>
+                  <a:srgbClr val="FF0000"/>
+                </a:solidFill>
+              </a:rPr>
+              <a:t> int </a:t>
+            </a:r>
+            <a:r>
+              <a:rPr kumimoji="1" lang="en-US" altLang="ja-JP" sz="2000" dirty="0"/>
+              <a:t>b)</a:t>
+            </a:r>
+            <a:r>
+              <a:rPr kumimoji="1" lang="en-US" altLang="ja-JP" sz="2000" dirty="0">
+                <a:solidFill>
+                  <a:srgbClr val="FF0000"/>
+                </a:solidFill>
+              </a:rPr>
+              <a:t> </a:t>
+            </a:r>
+            <a:r>
+              <a:rPr kumimoji="1" lang="en-US" altLang="ja-JP" sz="2000" dirty="0"/>
+              <a:t>{</a:t>
+            </a:r>
+          </a:p>
+          <a:p>
+            <a:r>
+              <a:rPr kumimoji="1" lang="en-US" altLang="ja-JP" sz="2000" dirty="0"/>
+              <a:t>	return a + b;</a:t>
+            </a:r>
+          </a:p>
+          <a:p>
+            <a:r>
+              <a:rPr kumimoji="1" lang="en-US" altLang="ja-JP" sz="2000" dirty="0"/>
+              <a:t>}</a:t>
+            </a:r>
+            <a:br>
+              <a:rPr kumimoji="1" lang="en-US" altLang="ja-JP" sz="2000" dirty="0"/>
+            </a:br>
+            <a:r>
+              <a:rPr kumimoji="1" lang="en-US" altLang="ja-JP" sz="2000" b="1" dirty="0">
+                <a:solidFill>
+                  <a:srgbClr val="00B050"/>
+                </a:solidFill>
+              </a:rPr>
+              <a:t>string</a:t>
+            </a:r>
+            <a:r>
+              <a:rPr kumimoji="1" lang="en-US" altLang="ja-JP" sz="2000" dirty="0"/>
+              <a:t> Calc::add(</a:t>
+            </a:r>
+            <a:r>
+              <a:rPr kumimoji="1" lang="en-US" altLang="ja-JP" sz="2000" dirty="0">
+                <a:solidFill>
+                  <a:srgbClr val="00B050"/>
+                </a:solidFill>
+              </a:rPr>
+              <a:t>string </a:t>
+            </a:r>
+            <a:r>
+              <a:rPr kumimoji="1" lang="en-US" altLang="ja-JP" sz="2000" dirty="0"/>
+              <a:t>a,</a:t>
+            </a:r>
+            <a:r>
+              <a:rPr kumimoji="1" lang="en-US" altLang="ja-JP" sz="2000" dirty="0">
+                <a:solidFill>
+                  <a:srgbClr val="00B050"/>
+                </a:solidFill>
+              </a:rPr>
+              <a:t> string </a:t>
+            </a:r>
+            <a:r>
+              <a:rPr kumimoji="1" lang="en-US" altLang="ja-JP" sz="2000" dirty="0"/>
+              <a:t>b) {</a:t>
+            </a:r>
+          </a:p>
+          <a:p>
+            <a:r>
+              <a:rPr kumimoji="1" lang="en-US" altLang="ja-JP" sz="2000" dirty="0"/>
+              <a:t>  return a + b;</a:t>
+            </a:r>
+          </a:p>
+          <a:p>
+            <a:r>
+              <a:rPr kumimoji="1" lang="en-US" altLang="ja-JP" sz="2000" dirty="0"/>
+              <a:t>}</a:t>
+            </a:r>
+            <a:endParaRPr kumimoji="1" lang="ja-JP" altLang="en-US" sz="2000" dirty="0"/>
+          </a:p>
+        </p:txBody>
+      </p:sp>
+      <p:sp>
+        <p:nvSpPr>
+          <p:cNvPr id="6" name="テキスト ボックス 5">
+            <a:extLst>
+              <a:ext uri="{FF2B5EF4-FFF2-40B4-BE49-F238E27FC236}">
+                <a16:creationId xmlns:a16="http://schemas.microsoft.com/office/drawing/2014/main" id="{E57DA12E-3F50-9D67-8DC8-05794E67A480}"/>
+              </a:ext>
+            </a:extLst>
+          </p:cNvPr>
+          <p:cNvSpPr txBox="1"/>
+          <p:nvPr/>
+        </p:nvSpPr>
+        <p:spPr>
+          <a:xfrm>
+            <a:off x="7786254" y="5666509"/>
+            <a:ext cx="3597460" cy="954107"/>
+          </a:xfrm>
+          <a:prstGeom prst="rect">
+            <a:avLst/>
+          </a:prstGeom>
+          <a:noFill/>
+        </p:spPr>
+        <p:txBody>
+          <a:bodyPr wrap="none" rtlCol="0">
+            <a:spAutoFit/>
+          </a:bodyPr>
+          <a:lstStyle/>
+          <a:p>
+            <a:r>
+              <a:rPr kumimoji="1" lang="ja-JP" altLang="en-US" sz="2800" dirty="0"/>
+              <a:t>型名が異なるだけで</a:t>
+            </a:r>
+            <a:endParaRPr kumimoji="1" lang="en-US" altLang="ja-JP" sz="2800" dirty="0"/>
+          </a:p>
+          <a:p>
+            <a:r>
+              <a:rPr kumimoji="1" lang="ja-JP" altLang="en-US" sz="2800" dirty="0"/>
+              <a:t>処理内容はほぼ同じ</a:t>
+            </a:r>
+            <a:r>
+              <a:rPr kumimoji="1" lang="en-US" altLang="ja-JP" sz="2800" dirty="0"/>
+              <a:t>…</a:t>
+            </a:r>
+            <a:endParaRPr kumimoji="1" lang="ja-JP" altLang="en-US" sz="2800" dirty="0"/>
+          </a:p>
+        </p:txBody>
+      </p:sp>
+    </p:spTree>
+    <p:extLst>
+      <p:ext uri="{BB962C8B-B14F-4D97-AF65-F5344CB8AC3E}">
+        <p14:creationId xmlns:p14="http://schemas.microsoft.com/office/powerpoint/2010/main" val="4029243710"/>
+      </p:ext>
+    </p:extLst>
+  </p:cSld>
+  <p:clrMapOvr>
+    <a:masterClrMapping/>
+  </p:clrMapOvr>
+</p:sld>
+</file>
+
+<file path=ppt/slides/slide43.xml><?xml version="1.0" encoding="utf-8"?>
+<p:sld xmlns:a="http://schemas.openxmlformats.org/drawingml/2006/main" xmlns:r="http://schemas.openxmlformats.org/officeDocument/2006/relationships" xmlns:p="http://schemas.openxmlformats.org/presentationml/2006/main">
+  <p:cSld>
+    <p:spTree>
+      <p:nvGrpSpPr>
+        <p:cNvPr id="1" name=""/>
+        <p:cNvGrpSpPr/>
+        <p:nvPr/>
+      </p:nvGrpSpPr>
+      <p:grpSpPr>
+        <a:xfrm>
+          <a:off x="0" y="0"/>
+          <a:ext cx="0" cy="0"/>
+          <a:chOff x="0" y="0"/>
+          <a:chExt cx="0" cy="0"/>
+        </a:xfrm>
+      </p:grpSpPr>
+      <p:sp>
+        <p:nvSpPr>
+          <p:cNvPr id="2" name="タイトル 1">
+            <a:extLst>
+              <a:ext uri="{FF2B5EF4-FFF2-40B4-BE49-F238E27FC236}">
+                <a16:creationId xmlns:a16="http://schemas.microsoft.com/office/drawing/2014/main" id="{9F789731-37C4-49DD-AEE8-78E5514E279E}"/>
+              </a:ext>
+            </a:extLst>
+          </p:cNvPr>
+          <p:cNvSpPr>
+            <a:spLocks noGrp="1"/>
+          </p:cNvSpPr>
+          <p:nvPr>
+            <p:ph type="title"/>
+          </p:nvPr>
+        </p:nvSpPr>
+        <p:spPr/>
+        <p:txBody>
+          <a:bodyPr/>
+          <a:lstStyle/>
+          <a:p>
+            <a:r>
+              <a:rPr kumimoji="1" lang="ja-JP" altLang="en-US" dirty="0"/>
+              <a:t>ポリモーフィズム</a:t>
+            </a:r>
+          </a:p>
+        </p:txBody>
+      </p:sp>
+      <p:sp>
+        <p:nvSpPr>
+          <p:cNvPr id="3" name="コンテンツ プレースホルダー 2">
+            <a:extLst>
+              <a:ext uri="{FF2B5EF4-FFF2-40B4-BE49-F238E27FC236}">
+                <a16:creationId xmlns:a16="http://schemas.microsoft.com/office/drawing/2014/main" id="{39562F0E-6033-40BD-BCB8-F015661306FD}"/>
+              </a:ext>
+            </a:extLst>
+          </p:cNvPr>
+          <p:cNvSpPr>
+            <a:spLocks noGrp="1"/>
+          </p:cNvSpPr>
+          <p:nvPr>
+            <p:ph idx="1"/>
+          </p:nvPr>
+        </p:nvSpPr>
+        <p:spPr>
+          <a:xfrm>
+            <a:off x="838200" y="1376038"/>
+            <a:ext cx="10515600" cy="5374958"/>
+          </a:xfrm>
+        </p:spPr>
+        <p:txBody>
+          <a:bodyPr>
+            <a:normAutofit/>
+          </a:bodyPr>
+          <a:lstStyle/>
+          <a:p>
+            <a:r>
+              <a:rPr lang="ja-JP" altLang="en-US" sz="4400" b="1" u="sng" dirty="0"/>
+              <a:t>テンプレート</a:t>
+            </a:r>
+            <a:br>
+              <a:rPr lang="en-US" altLang="ja-JP" b="1" u="sng" dirty="0"/>
+            </a:br>
+            <a:br>
+              <a:rPr lang="en-US" altLang="ja-JP" sz="1800" dirty="0"/>
+            </a:br>
+            <a:r>
+              <a:rPr lang="ja-JP" altLang="en-US" dirty="0"/>
+              <a:t>メンバ型名のところをテンプレート機能を使って、別の文字に置き換えて関数を定義することで</a:t>
+            </a:r>
+            <a:br>
+              <a:rPr lang="en-US" altLang="ja-JP" dirty="0"/>
+            </a:br>
+            <a:r>
+              <a:rPr lang="ja-JP" altLang="en-US" dirty="0"/>
+              <a:t>ひとつにまとめることが可能な仕組み</a:t>
+            </a:r>
+            <a:br>
+              <a:rPr lang="en-US" altLang="ja-JP" dirty="0"/>
+            </a:br>
+            <a:endParaRPr lang="en-US" altLang="ja-JP" sz="3200" dirty="0"/>
+          </a:p>
+        </p:txBody>
+      </p:sp>
+      <p:sp>
+        <p:nvSpPr>
+          <p:cNvPr id="4" name="テキスト ボックス 3">
+            <a:extLst>
+              <a:ext uri="{FF2B5EF4-FFF2-40B4-BE49-F238E27FC236}">
+                <a16:creationId xmlns:a16="http://schemas.microsoft.com/office/drawing/2014/main" id="{13D7D604-E293-095C-3CE4-9C5587FC1A86}"/>
+              </a:ext>
+            </a:extLst>
+          </p:cNvPr>
+          <p:cNvSpPr txBox="1"/>
+          <p:nvPr/>
+        </p:nvSpPr>
+        <p:spPr>
+          <a:xfrm>
+            <a:off x="366494" y="3922079"/>
+            <a:ext cx="5009069" cy="2339102"/>
+          </a:xfrm>
+          <a:prstGeom prst="rect">
+            <a:avLst/>
+          </a:prstGeom>
+          <a:solidFill>
+            <a:schemeClr val="bg1"/>
+          </a:solidFill>
+          <a:ln>
+            <a:solidFill>
+              <a:schemeClr val="tx1"/>
+            </a:solidFill>
+          </a:ln>
+          <a:effectLst>
+            <a:outerShdw blurRad="50800" dist="38100" dir="2700000" algn="tl" rotWithShape="0">
+              <a:prstClr val="black">
+                <a:alpha val="40000"/>
+              </a:prstClr>
+            </a:outerShdw>
+          </a:effectLst>
+        </p:spPr>
+        <p:txBody>
+          <a:bodyPr wrap="square" rtlCol="0">
+            <a:spAutoFit/>
+          </a:bodyPr>
+          <a:lstStyle/>
+          <a:p>
+            <a:r>
+              <a:rPr kumimoji="1" lang="en-US" altLang="ja-JP" sz="1600" b="1" dirty="0">
+                <a:solidFill>
+                  <a:srgbClr val="00B0F0"/>
+                </a:solidFill>
+              </a:rPr>
+              <a:t>double</a:t>
+            </a:r>
+            <a:r>
+              <a:rPr kumimoji="1" lang="en-US" altLang="ja-JP" sz="1600" dirty="0"/>
+              <a:t> Calc::add(</a:t>
+            </a:r>
+            <a:r>
+              <a:rPr kumimoji="1" lang="en-US" altLang="ja-JP" sz="1600" dirty="0">
+                <a:solidFill>
+                  <a:srgbClr val="00B0F0"/>
+                </a:solidFill>
+              </a:rPr>
+              <a:t>double </a:t>
+            </a:r>
+            <a:r>
+              <a:rPr kumimoji="1" lang="en-US" altLang="ja-JP" sz="1600" dirty="0" err="1"/>
+              <a:t>a,</a:t>
+            </a:r>
+            <a:r>
+              <a:rPr kumimoji="1" lang="en-US" altLang="ja-JP" sz="1600" dirty="0" err="1">
+                <a:solidFill>
+                  <a:srgbClr val="00B0F0"/>
+                </a:solidFill>
+              </a:rPr>
+              <a:t>double</a:t>
+            </a:r>
+            <a:r>
+              <a:rPr kumimoji="1" lang="en-US" altLang="ja-JP" sz="1600" dirty="0">
+                <a:solidFill>
+                  <a:srgbClr val="00B0F0"/>
+                </a:solidFill>
+              </a:rPr>
+              <a:t> </a:t>
+            </a:r>
+            <a:r>
+              <a:rPr kumimoji="1" lang="en-US" altLang="ja-JP" sz="1600" dirty="0"/>
+              <a:t>b)</a:t>
+            </a:r>
+            <a:r>
+              <a:rPr kumimoji="1" lang="en-US" altLang="ja-JP" sz="1600" dirty="0">
+                <a:solidFill>
+                  <a:srgbClr val="00B0F0"/>
+                </a:solidFill>
+              </a:rPr>
+              <a:t> </a:t>
+            </a:r>
+            <a:r>
+              <a:rPr kumimoji="1" lang="en-US" altLang="ja-JP" sz="1600" dirty="0"/>
+              <a:t>{</a:t>
+            </a:r>
+          </a:p>
+          <a:p>
+            <a:r>
+              <a:rPr kumimoji="1" lang="en-US" altLang="ja-JP" sz="1600" dirty="0"/>
+              <a:t>	return a + b;</a:t>
+            </a:r>
+          </a:p>
+          <a:p>
+            <a:r>
+              <a:rPr kumimoji="1" lang="en-US" altLang="ja-JP" sz="1600" dirty="0"/>
+              <a:t>}</a:t>
+            </a:r>
+          </a:p>
+          <a:p>
+            <a:r>
+              <a:rPr kumimoji="1" lang="en-US" altLang="ja-JP" sz="1600" b="1" dirty="0">
+                <a:solidFill>
+                  <a:srgbClr val="FF0000"/>
+                </a:solidFill>
+              </a:rPr>
+              <a:t>int</a:t>
+            </a:r>
+            <a:r>
+              <a:rPr kumimoji="1" lang="en-US" altLang="ja-JP" sz="1600" dirty="0"/>
+              <a:t> Calc::add(</a:t>
+            </a:r>
+            <a:r>
+              <a:rPr kumimoji="1" lang="en-US" altLang="ja-JP" sz="1600" dirty="0">
+                <a:solidFill>
+                  <a:srgbClr val="FF0000"/>
+                </a:solidFill>
+              </a:rPr>
+              <a:t>int </a:t>
+            </a:r>
+            <a:r>
+              <a:rPr kumimoji="1" lang="en-US" altLang="ja-JP" sz="1600" dirty="0"/>
+              <a:t>a,</a:t>
+            </a:r>
+            <a:r>
+              <a:rPr kumimoji="1" lang="en-US" altLang="ja-JP" sz="1600" dirty="0">
+                <a:solidFill>
+                  <a:srgbClr val="FF0000"/>
+                </a:solidFill>
+              </a:rPr>
+              <a:t> int </a:t>
+            </a:r>
+            <a:r>
+              <a:rPr kumimoji="1" lang="en-US" altLang="ja-JP" sz="1600" dirty="0"/>
+              <a:t>b)</a:t>
+            </a:r>
+            <a:r>
+              <a:rPr kumimoji="1" lang="en-US" altLang="ja-JP" sz="1600" dirty="0">
+                <a:solidFill>
+                  <a:srgbClr val="FF0000"/>
+                </a:solidFill>
+              </a:rPr>
+              <a:t> </a:t>
+            </a:r>
+            <a:r>
+              <a:rPr kumimoji="1" lang="en-US" altLang="ja-JP" sz="1600" dirty="0"/>
+              <a:t>{</a:t>
+            </a:r>
+          </a:p>
+          <a:p>
+            <a:r>
+              <a:rPr kumimoji="1" lang="en-US" altLang="ja-JP" sz="1600" dirty="0"/>
+              <a:t>	return a + b;</a:t>
+            </a:r>
+          </a:p>
+          <a:p>
+            <a:r>
+              <a:rPr kumimoji="1" lang="en-US" altLang="ja-JP" sz="1600" dirty="0"/>
+              <a:t>}</a:t>
+            </a:r>
+            <a:br>
+              <a:rPr kumimoji="1" lang="en-US" altLang="ja-JP" sz="1600" dirty="0"/>
+            </a:br>
+            <a:r>
+              <a:rPr kumimoji="1" lang="en-US" altLang="ja-JP" sz="1600" b="1" dirty="0">
+                <a:solidFill>
+                  <a:srgbClr val="00B050"/>
+                </a:solidFill>
+              </a:rPr>
+              <a:t>string</a:t>
+            </a:r>
+            <a:r>
+              <a:rPr kumimoji="1" lang="en-US" altLang="ja-JP" sz="1600" dirty="0"/>
+              <a:t> Calc::add(</a:t>
+            </a:r>
+            <a:r>
+              <a:rPr kumimoji="1" lang="en-US" altLang="ja-JP" sz="1600" dirty="0">
+                <a:solidFill>
+                  <a:srgbClr val="00B050"/>
+                </a:solidFill>
+              </a:rPr>
+              <a:t>string </a:t>
+            </a:r>
+            <a:r>
+              <a:rPr kumimoji="1" lang="en-US" altLang="ja-JP" sz="1600" dirty="0"/>
+              <a:t>a,</a:t>
+            </a:r>
+            <a:r>
+              <a:rPr kumimoji="1" lang="en-US" altLang="ja-JP" sz="1600" dirty="0">
+                <a:solidFill>
+                  <a:srgbClr val="00B050"/>
+                </a:solidFill>
+              </a:rPr>
+              <a:t> string </a:t>
+            </a:r>
+            <a:r>
+              <a:rPr kumimoji="1" lang="en-US" altLang="ja-JP" sz="1600" dirty="0"/>
+              <a:t>b) {</a:t>
+            </a:r>
+          </a:p>
+          <a:p>
+            <a:r>
+              <a:rPr kumimoji="1" lang="en-US" altLang="ja-JP" sz="1600" dirty="0"/>
+              <a:t>  return a + b;</a:t>
+            </a:r>
+          </a:p>
+          <a:p>
+            <a:r>
+              <a:rPr kumimoji="1" lang="en-US" altLang="ja-JP" sz="1600" dirty="0"/>
+              <a:t>}</a:t>
+            </a:r>
+            <a:endParaRPr kumimoji="1" lang="ja-JP" altLang="en-US" sz="1600" dirty="0"/>
+          </a:p>
+        </p:txBody>
+      </p:sp>
+      <p:sp>
+        <p:nvSpPr>
+          <p:cNvPr id="5" name="テキスト ボックス 4">
+            <a:extLst>
+              <a:ext uri="{FF2B5EF4-FFF2-40B4-BE49-F238E27FC236}">
+                <a16:creationId xmlns:a16="http://schemas.microsoft.com/office/drawing/2014/main" id="{F4C36944-7C12-A9B5-143B-DD53B781E29C}"/>
+              </a:ext>
+            </a:extLst>
+          </p:cNvPr>
+          <p:cNvSpPr txBox="1"/>
+          <p:nvPr/>
+        </p:nvSpPr>
+        <p:spPr>
+          <a:xfrm>
+            <a:off x="5811329" y="4143752"/>
+            <a:ext cx="6228271" cy="2062103"/>
+          </a:xfrm>
+          <a:prstGeom prst="rect">
+            <a:avLst/>
+          </a:prstGeom>
+          <a:solidFill>
+            <a:schemeClr val="bg1"/>
+          </a:solidFill>
+          <a:ln>
+            <a:solidFill>
+              <a:schemeClr val="tx1"/>
+            </a:solidFill>
+          </a:ln>
+          <a:effectLst>
+            <a:outerShdw blurRad="50800" dist="38100" dir="2700000" algn="tl" rotWithShape="0">
+              <a:prstClr val="black">
+                <a:alpha val="40000"/>
+              </a:prstClr>
+            </a:outerShdw>
+          </a:effectLst>
+        </p:spPr>
+        <p:txBody>
+          <a:bodyPr wrap="square" rtlCol="0">
+            <a:spAutoFit/>
+          </a:bodyPr>
+          <a:lstStyle/>
+          <a:p>
+            <a:r>
+              <a:rPr kumimoji="1" lang="en-US" altLang="ja-JP" sz="3200" dirty="0">
+                <a:solidFill>
+                  <a:srgbClr val="00B050"/>
+                </a:solidFill>
+              </a:rPr>
+              <a:t>template &lt;</a:t>
+            </a:r>
+            <a:r>
+              <a:rPr kumimoji="1" lang="en-US" altLang="ja-JP" sz="3200" dirty="0" err="1">
+                <a:solidFill>
+                  <a:srgbClr val="00B050"/>
+                </a:solidFill>
+              </a:rPr>
+              <a:t>typename</a:t>
+            </a:r>
+            <a:r>
+              <a:rPr kumimoji="1" lang="en-US" altLang="ja-JP" sz="3200" dirty="0"/>
+              <a:t> </a:t>
+            </a:r>
+            <a:r>
+              <a:rPr kumimoji="1" lang="en-US" altLang="ja-JP" sz="3200" dirty="0">
+                <a:solidFill>
+                  <a:srgbClr val="FF0000"/>
+                </a:solidFill>
+              </a:rPr>
+              <a:t>T</a:t>
+            </a:r>
+            <a:r>
+              <a:rPr kumimoji="1" lang="en-US" altLang="ja-JP" sz="3200" dirty="0">
+                <a:solidFill>
+                  <a:srgbClr val="00B050"/>
+                </a:solidFill>
+              </a:rPr>
+              <a:t>&gt;</a:t>
+            </a:r>
+          </a:p>
+          <a:p>
+            <a:r>
+              <a:rPr kumimoji="1" lang="en-US" altLang="ja-JP" sz="3200" b="1" dirty="0">
+                <a:solidFill>
+                  <a:srgbClr val="FF0000"/>
+                </a:solidFill>
+              </a:rPr>
+              <a:t>T</a:t>
+            </a:r>
+            <a:r>
+              <a:rPr kumimoji="1" lang="en-US" altLang="ja-JP" sz="3200" dirty="0"/>
+              <a:t> Calc::add(</a:t>
+            </a:r>
+            <a:r>
+              <a:rPr kumimoji="1" lang="en-US" altLang="ja-JP" sz="3200" dirty="0">
+                <a:solidFill>
+                  <a:srgbClr val="FF0000"/>
+                </a:solidFill>
+              </a:rPr>
+              <a:t>T </a:t>
+            </a:r>
+            <a:r>
+              <a:rPr kumimoji="1" lang="en-US" altLang="ja-JP" sz="3200" dirty="0"/>
+              <a:t>a,</a:t>
+            </a:r>
+            <a:r>
+              <a:rPr kumimoji="1" lang="en-US" altLang="ja-JP" sz="3200" dirty="0">
+                <a:solidFill>
+                  <a:srgbClr val="FF0000"/>
+                </a:solidFill>
+              </a:rPr>
+              <a:t> T </a:t>
+            </a:r>
+            <a:r>
+              <a:rPr kumimoji="1" lang="en-US" altLang="ja-JP" sz="3200" dirty="0"/>
+              <a:t>b)</a:t>
+            </a:r>
+            <a:r>
+              <a:rPr kumimoji="1" lang="en-US" altLang="ja-JP" sz="3200" dirty="0">
+                <a:solidFill>
+                  <a:srgbClr val="FF0000"/>
+                </a:solidFill>
+              </a:rPr>
+              <a:t> </a:t>
+            </a:r>
+            <a:r>
+              <a:rPr kumimoji="1" lang="en-US" altLang="ja-JP" sz="3200" dirty="0"/>
+              <a:t>{</a:t>
+            </a:r>
+          </a:p>
+          <a:p>
+            <a:r>
+              <a:rPr kumimoji="1" lang="en-US" altLang="ja-JP" sz="3200" dirty="0"/>
+              <a:t>	return a + b;</a:t>
+            </a:r>
+          </a:p>
+          <a:p>
+            <a:r>
+              <a:rPr kumimoji="1" lang="en-US" altLang="ja-JP" sz="3200" dirty="0"/>
+              <a:t>}</a:t>
+            </a:r>
+            <a:endParaRPr kumimoji="1" lang="ja-JP" altLang="en-US" sz="3200" dirty="0"/>
+          </a:p>
+        </p:txBody>
+      </p:sp>
+      <p:sp>
+        <p:nvSpPr>
+          <p:cNvPr id="7" name="矢印: 右 6">
+            <a:extLst>
+              <a:ext uri="{FF2B5EF4-FFF2-40B4-BE49-F238E27FC236}">
+                <a16:creationId xmlns:a16="http://schemas.microsoft.com/office/drawing/2014/main" id="{E30CD400-6522-537C-7B43-8BCD61923C2C}"/>
+              </a:ext>
+            </a:extLst>
+          </p:cNvPr>
+          <p:cNvSpPr/>
+          <p:nvPr/>
+        </p:nvSpPr>
+        <p:spPr>
+          <a:xfrm>
+            <a:off x="5195454" y="4876800"/>
+            <a:ext cx="554182" cy="401782"/>
+          </a:xfrm>
+          <a:prstGeom prst="rightArrow">
+            <a:avLst/>
+          </a:prstGeom>
+        </p:spPr>
+        <p:style>
+          <a:lnRef idx="2">
+            <a:schemeClr val="accent1">
+              <a:shade val="15000"/>
+            </a:schemeClr>
+          </a:lnRef>
+          <a:fillRef idx="1">
+            <a:schemeClr val="accent1"/>
+          </a:fillRef>
+          <a:effectRef idx="0">
+            <a:schemeClr val="accent1"/>
+          </a:effectRef>
+          <a:fontRef idx="minor">
+            <a:schemeClr val="lt1"/>
+          </a:fontRef>
+        </p:style>
+        <p:txBody>
+          <a:bodyPr rtlCol="0" anchor="ctr"/>
+          <a:lstStyle/>
+          <a:p>
+            <a:pPr algn="ctr"/>
+            <a:endParaRPr kumimoji="1" lang="ja-JP" altLang="en-US"/>
+          </a:p>
+        </p:txBody>
+      </p:sp>
+    </p:spTree>
+    <p:extLst>
+      <p:ext uri="{BB962C8B-B14F-4D97-AF65-F5344CB8AC3E}">
+        <p14:creationId xmlns:p14="http://schemas.microsoft.com/office/powerpoint/2010/main" val="1331575307"/>
+      </p:ext>
+    </p:extLst>
+  </p:cSld>
+  <p:clrMapOvr>
+    <a:masterClrMapping/>
+  </p:clrMapOvr>
+</p:sld>
+</file>
+
+<file path=ppt/slides/slide44.xml><?xml version="1.0" encoding="utf-8"?>
+<p:sld xmlns:a="http://schemas.openxmlformats.org/drawingml/2006/main" xmlns:r="http://schemas.openxmlformats.org/officeDocument/2006/relationships" xmlns:p="http://schemas.openxmlformats.org/presentationml/2006/main">
+  <p:cSld>
+    <p:spTree>
+      <p:nvGrpSpPr>
+        <p:cNvPr id="1" name=""/>
+        <p:cNvGrpSpPr/>
+        <p:nvPr/>
+      </p:nvGrpSpPr>
+      <p:grpSpPr>
+        <a:xfrm>
+          <a:off x="0" y="0"/>
+          <a:ext cx="0" cy="0"/>
+          <a:chOff x="0" y="0"/>
+          <a:chExt cx="0" cy="0"/>
+        </a:xfrm>
+      </p:grpSpPr>
+      <p:sp>
+        <p:nvSpPr>
+          <p:cNvPr id="2" name="タイトル 1">
+            <a:extLst>
+              <a:ext uri="{FF2B5EF4-FFF2-40B4-BE49-F238E27FC236}">
+                <a16:creationId xmlns:a16="http://schemas.microsoft.com/office/drawing/2014/main" id="{9F789731-37C4-49DD-AEE8-78E5514E279E}"/>
+              </a:ext>
+            </a:extLst>
+          </p:cNvPr>
+          <p:cNvSpPr>
+            <a:spLocks noGrp="1"/>
+          </p:cNvSpPr>
+          <p:nvPr>
+            <p:ph type="title"/>
+          </p:nvPr>
+        </p:nvSpPr>
+        <p:spPr/>
+        <p:txBody>
+          <a:bodyPr/>
+          <a:lstStyle/>
+          <a:p>
+            <a:r>
+              <a:rPr kumimoji="1" lang="ja-JP" altLang="en-US" dirty="0"/>
+              <a:t>ポリモーフィズム</a:t>
+            </a:r>
+          </a:p>
+        </p:txBody>
+      </p:sp>
+      <p:sp>
+        <p:nvSpPr>
+          <p:cNvPr id="3" name="コンテンツ プレースホルダー 2">
+            <a:extLst>
+              <a:ext uri="{FF2B5EF4-FFF2-40B4-BE49-F238E27FC236}">
+                <a16:creationId xmlns:a16="http://schemas.microsoft.com/office/drawing/2014/main" id="{39562F0E-6033-40BD-BCB8-F015661306FD}"/>
+              </a:ext>
+            </a:extLst>
+          </p:cNvPr>
+          <p:cNvSpPr>
+            <a:spLocks noGrp="1"/>
+          </p:cNvSpPr>
+          <p:nvPr>
+            <p:ph idx="1"/>
+          </p:nvPr>
+        </p:nvSpPr>
+        <p:spPr>
+          <a:xfrm>
+            <a:off x="838200" y="1376038"/>
+            <a:ext cx="10515600" cy="5374958"/>
+          </a:xfrm>
+        </p:spPr>
+        <p:txBody>
+          <a:bodyPr>
+            <a:normAutofit/>
+          </a:bodyPr>
+          <a:lstStyle/>
+          <a:p>
+            <a:r>
+              <a:rPr lang="ja-JP" altLang="en-US" sz="4400" b="1" u="sng" dirty="0"/>
+              <a:t>テンプレート</a:t>
+            </a:r>
+            <a:endParaRPr lang="en-US" altLang="ja-JP" sz="4400" dirty="0"/>
+          </a:p>
+          <a:p>
+            <a:r>
+              <a:rPr lang="en-US" altLang="ja-JP" dirty="0"/>
+              <a:t>C++</a:t>
+            </a:r>
+            <a:r>
+              <a:rPr lang="ja-JP" altLang="en-US" dirty="0"/>
+              <a:t>作業フォルダ内の</a:t>
+            </a:r>
+            <a:r>
+              <a:rPr lang="en-US" altLang="ja-JP" b="1" dirty="0"/>
+              <a:t>Sample503</a:t>
+            </a:r>
+            <a:r>
+              <a:rPr lang="ja-JP" altLang="en-US" dirty="0"/>
+              <a:t>フォルダを</a:t>
+            </a:r>
+            <a:r>
+              <a:rPr lang="en-US" altLang="ja-JP" b="1" dirty="0"/>
+              <a:t>Sample503t</a:t>
+            </a:r>
+            <a:r>
+              <a:rPr lang="ja-JP" altLang="en-US" dirty="0"/>
+              <a:t>フォルダとしてコピー</a:t>
+            </a:r>
+            <a:br>
+              <a:rPr lang="en-US" altLang="ja-JP" dirty="0"/>
+            </a:br>
+            <a:br>
+              <a:rPr lang="en-US" altLang="ja-JP" dirty="0">
+                <a:solidFill>
+                  <a:srgbClr val="00B0F0"/>
+                </a:solidFill>
+              </a:rPr>
+            </a:br>
+            <a:r>
+              <a:rPr lang="en-US" altLang="ja-JP" dirty="0">
+                <a:solidFill>
+                  <a:srgbClr val="00B0F0"/>
+                </a:solidFill>
+              </a:rPr>
+              <a:t>robocopy Sample503 Sample503t</a:t>
+            </a:r>
+            <a:br>
+              <a:rPr lang="en-US" altLang="ja-JP" dirty="0"/>
+            </a:br>
+            <a:r>
+              <a:rPr lang="en-US" altLang="ja-JP" dirty="0">
+                <a:solidFill>
+                  <a:srgbClr val="00B0F0"/>
+                </a:solidFill>
+              </a:rPr>
+              <a:t>cd Sample503t</a:t>
+            </a:r>
+            <a:br>
+              <a:rPr lang="en-US" altLang="ja-JP" dirty="0"/>
+            </a:br>
+            <a:endParaRPr lang="en-US" altLang="ja-JP" dirty="0"/>
+          </a:p>
+          <a:p>
+            <a:r>
+              <a:rPr lang="en-US" altLang="ja-JP" dirty="0" err="1"/>
+              <a:t>calc.h</a:t>
+            </a:r>
+            <a:r>
+              <a:rPr lang="ja-JP" altLang="en-US" dirty="0"/>
+              <a:t>， </a:t>
+            </a:r>
+            <a:r>
+              <a:rPr lang="en-US" altLang="ja-JP" dirty="0"/>
+              <a:t>calc.cpp</a:t>
+            </a:r>
+            <a:r>
+              <a:rPr lang="ja-JP" altLang="en-US" dirty="0" err="1"/>
+              <a:t>，</a:t>
+            </a:r>
+            <a:r>
+              <a:rPr lang="ja-JP" altLang="en-US" dirty="0"/>
+              <a:t> </a:t>
+            </a:r>
+            <a:r>
+              <a:rPr lang="en-US" altLang="ja-JP" dirty="0"/>
+              <a:t>main.cpp</a:t>
+            </a:r>
+            <a:r>
+              <a:rPr lang="ja-JP" altLang="en-US" dirty="0"/>
+              <a:t>を変更</a:t>
+            </a:r>
+            <a:br>
+              <a:rPr lang="en-US" altLang="ja-JP" dirty="0"/>
+            </a:br>
+            <a:endParaRPr lang="en-US" altLang="ja-JP" sz="3200" dirty="0"/>
+          </a:p>
+        </p:txBody>
+      </p:sp>
+    </p:spTree>
+    <p:extLst>
+      <p:ext uri="{BB962C8B-B14F-4D97-AF65-F5344CB8AC3E}">
+        <p14:creationId xmlns:p14="http://schemas.microsoft.com/office/powerpoint/2010/main" val="1946997171"/>
+      </p:ext>
+    </p:extLst>
+  </p:cSld>
+  <p:clrMapOvr>
+    <a:masterClrMapping/>
+  </p:clrMapOvr>
+</p:sld>
+</file>
+
+<file path=ppt/slides/slide45.xml><?xml version="1.0" encoding="utf-8"?>
+<p:sld xmlns:a="http://schemas.openxmlformats.org/drawingml/2006/main" xmlns:r="http://schemas.openxmlformats.org/officeDocument/2006/relationships" xmlns:p="http://schemas.openxmlformats.org/presentationml/2006/main">
+  <p:cSld>
+    <p:spTree>
+      <p:nvGrpSpPr>
+        <p:cNvPr id="1" name=""/>
+        <p:cNvGrpSpPr/>
+        <p:nvPr/>
+      </p:nvGrpSpPr>
+      <p:grpSpPr>
+        <a:xfrm>
+          <a:off x="0" y="0"/>
+          <a:ext cx="0" cy="0"/>
+          <a:chOff x="0" y="0"/>
+          <a:chExt cx="0" cy="0"/>
+        </a:xfrm>
+      </p:grpSpPr>
+      <p:sp>
+        <p:nvSpPr>
+          <p:cNvPr id="2" name="タイトル 1">
+            <a:extLst>
+              <a:ext uri="{FF2B5EF4-FFF2-40B4-BE49-F238E27FC236}">
+                <a16:creationId xmlns:a16="http://schemas.microsoft.com/office/drawing/2014/main" id="{F11F3668-F205-48C5-AC01-19611EFE561B}"/>
+              </a:ext>
+            </a:extLst>
+          </p:cNvPr>
+          <p:cNvSpPr>
+            <a:spLocks noGrp="1"/>
+          </p:cNvSpPr>
+          <p:nvPr>
+            <p:ph type="title"/>
+          </p:nvPr>
+        </p:nvSpPr>
+        <p:spPr/>
+        <p:txBody>
+          <a:bodyPr/>
+          <a:lstStyle/>
+          <a:p>
+            <a:r>
+              <a:rPr kumimoji="1" lang="ja-JP" altLang="en-US" dirty="0"/>
+              <a:t>ポリモーフィズム（</a:t>
+            </a:r>
+            <a:r>
+              <a:rPr lang="ja-JP" altLang="en-US" dirty="0"/>
+              <a:t>テンプレート</a:t>
+            </a:r>
+            <a:r>
+              <a:rPr kumimoji="1" lang="ja-JP" altLang="en-US" dirty="0"/>
+              <a:t>）</a:t>
+            </a:r>
+          </a:p>
+        </p:txBody>
+      </p:sp>
+      <p:sp>
+        <p:nvSpPr>
+          <p:cNvPr id="3" name="コンテンツ プレースホルダー 2">
+            <a:extLst>
+              <a:ext uri="{FF2B5EF4-FFF2-40B4-BE49-F238E27FC236}">
+                <a16:creationId xmlns:a16="http://schemas.microsoft.com/office/drawing/2014/main" id="{64DBE417-57E9-44A6-BB52-B2F9986BB7B2}"/>
+              </a:ext>
+            </a:extLst>
+          </p:cNvPr>
+          <p:cNvSpPr>
+            <a:spLocks noGrp="1"/>
+          </p:cNvSpPr>
+          <p:nvPr>
+            <p:ph idx="1"/>
+          </p:nvPr>
+        </p:nvSpPr>
+        <p:spPr>
+          <a:xfrm>
+            <a:off x="838200" y="1162976"/>
+            <a:ext cx="10515600" cy="5193373"/>
+          </a:xfrm>
+        </p:spPr>
+        <p:txBody>
+          <a:bodyPr>
+            <a:normAutofit/>
+          </a:bodyPr>
+          <a:lstStyle/>
+          <a:p>
+            <a:r>
+              <a:rPr kumimoji="1" lang="en-US" altLang="ja-JP" dirty="0" err="1"/>
+              <a:t>calc.h</a:t>
+            </a:r>
+            <a:r>
+              <a:rPr kumimoji="1" lang="ja-JP" altLang="en-US" dirty="0"/>
+              <a:t>　</a:t>
+            </a:r>
+            <a:r>
+              <a:rPr kumimoji="1" lang="en-US" altLang="ja-JP" dirty="0"/>
+              <a:t>(Sample503t)</a:t>
+            </a:r>
+            <a:br>
+              <a:rPr lang="en-US" altLang="ja-JP" dirty="0"/>
+            </a:br>
+            <a:endParaRPr lang="en-US" altLang="ja-JP" dirty="0"/>
+          </a:p>
+          <a:p>
+            <a:pPr marL="0" indent="0">
+              <a:buNone/>
+            </a:pPr>
+            <a:br>
+              <a:rPr lang="en-US" altLang="ja-JP" dirty="0"/>
+            </a:br>
+            <a:br>
+              <a:rPr lang="en-US" altLang="ja-JP" dirty="0"/>
+            </a:br>
+            <a:br>
+              <a:rPr lang="en-US" altLang="ja-JP" dirty="0"/>
+            </a:br>
+            <a:br>
+              <a:rPr lang="en-US" altLang="ja-JP" sz="2400" dirty="0"/>
+            </a:br>
+            <a:br>
+              <a:rPr lang="en-US" altLang="ja-JP" sz="2400" dirty="0"/>
+            </a:br>
+            <a:endParaRPr lang="en-US" altLang="ja-JP" sz="2400" dirty="0"/>
+          </a:p>
+          <a:p>
+            <a:pPr marL="0" indent="0">
+              <a:buNone/>
+            </a:pPr>
+            <a:br>
+              <a:rPr lang="en-US" altLang="ja-JP" sz="2400" dirty="0"/>
+            </a:br>
+            <a:endParaRPr lang="en-US" altLang="ja-JP" dirty="0">
+              <a:solidFill>
+                <a:srgbClr val="FF0000"/>
+              </a:solidFill>
+            </a:endParaRPr>
+          </a:p>
+        </p:txBody>
+      </p:sp>
+      <p:sp>
+        <p:nvSpPr>
+          <p:cNvPr id="5" name="テキスト ボックス 4">
+            <a:extLst>
+              <a:ext uri="{FF2B5EF4-FFF2-40B4-BE49-F238E27FC236}">
+                <a16:creationId xmlns:a16="http://schemas.microsoft.com/office/drawing/2014/main" id="{9E32883C-0E37-4F07-9861-27609819CE8C}"/>
+              </a:ext>
+            </a:extLst>
+          </p:cNvPr>
+          <p:cNvSpPr txBox="1"/>
+          <p:nvPr/>
+        </p:nvSpPr>
+        <p:spPr>
+          <a:xfrm>
+            <a:off x="1048255" y="1942532"/>
+            <a:ext cx="10688220" cy="4893647"/>
+          </a:xfrm>
+          <a:prstGeom prst="rect">
+            <a:avLst/>
+          </a:prstGeom>
+          <a:noFill/>
+          <a:ln>
+            <a:solidFill>
+              <a:schemeClr val="tx1"/>
+            </a:solidFill>
+          </a:ln>
+        </p:spPr>
+        <p:txBody>
+          <a:bodyPr wrap="square" rtlCol="0">
+            <a:spAutoFit/>
+          </a:bodyPr>
+          <a:lstStyle/>
+          <a:p>
+            <a:r>
+              <a:rPr kumimoji="1" lang="en-US" altLang="ja-JP" sz="2400" dirty="0"/>
+              <a:t>#pragma once</a:t>
+            </a:r>
+          </a:p>
+          <a:p>
+            <a:r>
+              <a:rPr kumimoji="1" lang="en-US" altLang="ja-JP" sz="2400" dirty="0"/>
+              <a:t>class Calc {</a:t>
+            </a:r>
+          </a:p>
+          <a:p>
+            <a:r>
+              <a:rPr kumimoji="1" lang="en-US" altLang="ja-JP" sz="2400" dirty="0"/>
+              <a:t>private:</a:t>
+            </a:r>
+          </a:p>
+          <a:p>
+            <a:r>
+              <a:rPr kumimoji="1" lang="ja-JP" altLang="en-US" sz="2400" dirty="0"/>
+              <a:t>　　   （略）</a:t>
+            </a:r>
+            <a:endParaRPr kumimoji="1" lang="en-US" altLang="ja-JP" sz="2400" dirty="0"/>
+          </a:p>
+          <a:p>
+            <a:r>
+              <a:rPr kumimoji="1" lang="en-US" altLang="ja-JP" sz="2400" dirty="0"/>
+              <a:t>public:</a:t>
+            </a:r>
+          </a:p>
+          <a:p>
+            <a:r>
+              <a:rPr kumimoji="1" lang="en-US" altLang="ja-JP" sz="2400" dirty="0"/>
+              <a:t>	int add();</a:t>
+            </a:r>
+          </a:p>
+          <a:p>
+            <a:r>
+              <a:rPr kumimoji="1" lang="en-US" altLang="ja-JP" sz="2400" dirty="0"/>
+              <a:t>	</a:t>
+            </a:r>
+            <a:r>
+              <a:rPr kumimoji="1" lang="en-US" altLang="ja-JP" sz="2400" dirty="0">
+                <a:solidFill>
+                  <a:srgbClr val="FF0000"/>
+                </a:solidFill>
+              </a:rPr>
+              <a:t>template &lt;</a:t>
+            </a:r>
+            <a:r>
+              <a:rPr kumimoji="1" lang="en-US" altLang="ja-JP" sz="2400" dirty="0" err="1">
+                <a:solidFill>
+                  <a:srgbClr val="FF0000"/>
+                </a:solidFill>
+              </a:rPr>
+              <a:t>typename</a:t>
+            </a:r>
+            <a:r>
+              <a:rPr kumimoji="1" lang="en-US" altLang="ja-JP" sz="2400" dirty="0">
+                <a:solidFill>
+                  <a:srgbClr val="FF0000"/>
+                </a:solidFill>
+              </a:rPr>
+              <a:t> T&gt;</a:t>
+            </a:r>
+          </a:p>
+          <a:p>
+            <a:r>
+              <a:rPr kumimoji="1" lang="en-US" altLang="ja-JP" sz="2400" dirty="0">
+                <a:solidFill>
+                  <a:srgbClr val="FF0000"/>
+                </a:solidFill>
+              </a:rPr>
+              <a:t>	inline T add(T a, T b) {</a:t>
+            </a:r>
+            <a:br>
+              <a:rPr kumimoji="1" lang="en-US" altLang="ja-JP" sz="2400" dirty="0">
+                <a:solidFill>
+                  <a:srgbClr val="FF0000"/>
+                </a:solidFill>
+              </a:rPr>
+            </a:br>
+            <a:r>
+              <a:rPr kumimoji="1" lang="en-US" altLang="ja-JP" sz="2400" dirty="0">
+                <a:solidFill>
+                  <a:srgbClr val="FF0000"/>
+                </a:solidFill>
+              </a:rPr>
+              <a:t>		return a + b;</a:t>
+            </a:r>
+          </a:p>
+          <a:p>
+            <a:r>
+              <a:rPr kumimoji="1" lang="en-US" altLang="ja-JP" sz="2400" dirty="0">
+                <a:solidFill>
+                  <a:srgbClr val="FF0000"/>
+                </a:solidFill>
+              </a:rPr>
+              <a:t>	};</a:t>
+            </a:r>
+            <a:br>
+              <a:rPr kumimoji="1" lang="en-US" altLang="ja-JP" sz="2400" dirty="0">
+                <a:solidFill>
+                  <a:srgbClr val="FF0000"/>
+                </a:solidFill>
+              </a:rPr>
+            </a:br>
+            <a:r>
+              <a:rPr kumimoji="1" lang="en-US" altLang="ja-JP" sz="2400" dirty="0"/>
+              <a:t>	</a:t>
+            </a:r>
+            <a:r>
+              <a:rPr kumimoji="1" lang="en-US" altLang="ja-JP" sz="2400" dirty="0" err="1"/>
+              <a:t>setValue</a:t>
+            </a:r>
+            <a:r>
+              <a:rPr kumimoji="1" lang="en-US" altLang="ja-JP" sz="2400" dirty="0"/>
+              <a:t>…</a:t>
+            </a:r>
+            <a:br>
+              <a:rPr kumimoji="1" lang="en-US" altLang="ja-JP" sz="2400" dirty="0"/>
+            </a:br>
+            <a:r>
+              <a:rPr kumimoji="1" lang="en-US" altLang="ja-JP" sz="2400" dirty="0">
+                <a:solidFill>
+                  <a:srgbClr val="FF0000"/>
+                </a:solidFill>
+              </a:rPr>
+              <a:t>	</a:t>
+            </a:r>
+            <a:r>
+              <a:rPr kumimoji="1" lang="ja-JP" altLang="en-US" sz="2400" dirty="0"/>
+              <a:t>　　（略）</a:t>
+            </a:r>
+            <a:endParaRPr kumimoji="1" lang="en-US" altLang="ja-JP" sz="2400" dirty="0"/>
+          </a:p>
+          <a:p>
+            <a:r>
+              <a:rPr kumimoji="1" lang="en-US" altLang="ja-JP" sz="2400" dirty="0"/>
+              <a:t>};</a:t>
+            </a:r>
+            <a:endParaRPr kumimoji="1" lang="ja-JP" altLang="en-US" sz="2400" dirty="0"/>
+          </a:p>
+        </p:txBody>
+      </p:sp>
+      <p:sp>
+        <p:nvSpPr>
+          <p:cNvPr id="4" name="テキスト ボックス 3">
+            <a:extLst>
+              <a:ext uri="{FF2B5EF4-FFF2-40B4-BE49-F238E27FC236}">
+                <a16:creationId xmlns:a16="http://schemas.microsoft.com/office/drawing/2014/main" id="{66CE7F4B-75FF-4B35-95DF-A25B059D18CF}"/>
+              </a:ext>
+            </a:extLst>
+          </p:cNvPr>
+          <p:cNvSpPr txBox="1"/>
+          <p:nvPr/>
+        </p:nvSpPr>
+        <p:spPr>
+          <a:xfrm>
+            <a:off x="5861949" y="2459181"/>
+            <a:ext cx="5338321" cy="954107"/>
+          </a:xfrm>
+          <a:prstGeom prst="rect">
+            <a:avLst/>
+          </a:prstGeom>
+          <a:solidFill>
+            <a:schemeClr val="bg1"/>
+          </a:solidFill>
+          <a:ln>
+            <a:solidFill>
+              <a:schemeClr val="tx1"/>
+            </a:solidFill>
+          </a:ln>
+          <a:effectLst>
+            <a:outerShdw blurRad="50800" dist="38100" dir="2700000" algn="tl" rotWithShape="0">
+              <a:prstClr val="black">
+                <a:alpha val="40000"/>
+              </a:prstClr>
+            </a:outerShdw>
+          </a:effectLst>
+        </p:spPr>
+        <p:txBody>
+          <a:bodyPr wrap="none" rtlCol="0">
+            <a:spAutoFit/>
+          </a:bodyPr>
+          <a:lstStyle/>
+          <a:p>
+            <a:r>
+              <a:rPr kumimoji="1" lang="en-US" altLang="ja-JP" sz="2800" b="1" dirty="0">
+                <a:solidFill>
+                  <a:srgbClr val="FF0000"/>
+                </a:solidFill>
+              </a:rPr>
+              <a:t>add</a:t>
+            </a:r>
+            <a:r>
+              <a:rPr kumimoji="1" lang="ja-JP" altLang="en-US" sz="2800" b="1" dirty="0">
+                <a:solidFill>
+                  <a:srgbClr val="FF0000"/>
+                </a:solidFill>
+              </a:rPr>
+              <a:t>関数</a:t>
+            </a:r>
+            <a:r>
+              <a:rPr kumimoji="1" lang="ja-JP" altLang="en-US" sz="2800" dirty="0"/>
+              <a:t>をテンプレートを用いて</a:t>
+            </a:r>
+            <a:endParaRPr kumimoji="1" lang="en-US" altLang="ja-JP" sz="2800" dirty="0"/>
+          </a:p>
+          <a:p>
+            <a:r>
+              <a:rPr kumimoji="1" lang="ja-JP" altLang="en-US" sz="2800" dirty="0"/>
+              <a:t>書き換える</a:t>
+            </a:r>
+            <a:endParaRPr kumimoji="1" lang="en-US" altLang="ja-JP" sz="2800" dirty="0"/>
+          </a:p>
+        </p:txBody>
+      </p:sp>
+    </p:spTree>
+    <p:extLst>
+      <p:ext uri="{BB962C8B-B14F-4D97-AF65-F5344CB8AC3E}">
+        <p14:creationId xmlns:p14="http://schemas.microsoft.com/office/powerpoint/2010/main" val="534155200"/>
+      </p:ext>
+    </p:extLst>
+  </p:cSld>
+  <p:clrMapOvr>
+    <a:masterClrMapping/>
+  </p:clrMapOvr>
+</p:sld>
+</file>
+
+<file path=ppt/slides/slide46.xml><?xml version="1.0" encoding="utf-8"?>
+<p:sld xmlns:a="http://schemas.openxmlformats.org/drawingml/2006/main" xmlns:r="http://schemas.openxmlformats.org/officeDocument/2006/relationships" xmlns:p="http://schemas.openxmlformats.org/presentationml/2006/main">
+  <p:cSld>
+    <p:spTree>
+      <p:nvGrpSpPr>
+        <p:cNvPr id="1" name=""/>
+        <p:cNvGrpSpPr/>
+        <p:nvPr/>
+      </p:nvGrpSpPr>
+      <p:grpSpPr>
+        <a:xfrm>
+          <a:off x="0" y="0"/>
+          <a:ext cx="0" cy="0"/>
+          <a:chOff x="0" y="0"/>
+          <a:chExt cx="0" cy="0"/>
+        </a:xfrm>
+      </p:grpSpPr>
+      <p:sp>
+        <p:nvSpPr>
+          <p:cNvPr id="2" name="タイトル 1">
+            <a:extLst>
+              <a:ext uri="{FF2B5EF4-FFF2-40B4-BE49-F238E27FC236}">
+                <a16:creationId xmlns:a16="http://schemas.microsoft.com/office/drawing/2014/main" id="{F11F3668-F205-48C5-AC01-19611EFE561B}"/>
+              </a:ext>
+            </a:extLst>
+          </p:cNvPr>
+          <p:cNvSpPr>
+            <a:spLocks noGrp="1"/>
+          </p:cNvSpPr>
+          <p:nvPr>
+            <p:ph type="title"/>
+          </p:nvPr>
+        </p:nvSpPr>
+        <p:spPr/>
+        <p:txBody>
+          <a:bodyPr/>
+          <a:lstStyle/>
+          <a:p>
+            <a:r>
+              <a:rPr kumimoji="1" lang="ja-JP" altLang="en-US" dirty="0"/>
+              <a:t>ポリモーフィズム（</a:t>
+            </a:r>
+            <a:r>
+              <a:rPr lang="ja-JP" altLang="en-US" dirty="0"/>
+              <a:t>テンプレート</a:t>
+            </a:r>
+            <a:r>
+              <a:rPr kumimoji="1" lang="ja-JP" altLang="en-US" dirty="0"/>
+              <a:t>）</a:t>
+            </a:r>
+          </a:p>
+        </p:txBody>
+      </p:sp>
+      <p:sp>
+        <p:nvSpPr>
+          <p:cNvPr id="3" name="コンテンツ プレースホルダー 2">
+            <a:extLst>
+              <a:ext uri="{FF2B5EF4-FFF2-40B4-BE49-F238E27FC236}">
+                <a16:creationId xmlns:a16="http://schemas.microsoft.com/office/drawing/2014/main" id="{64DBE417-57E9-44A6-BB52-B2F9986BB7B2}"/>
+              </a:ext>
+            </a:extLst>
+          </p:cNvPr>
+          <p:cNvSpPr>
+            <a:spLocks noGrp="1"/>
+          </p:cNvSpPr>
+          <p:nvPr>
+            <p:ph idx="1"/>
+          </p:nvPr>
+        </p:nvSpPr>
+        <p:spPr>
+          <a:xfrm>
+            <a:off x="838200" y="1162976"/>
+            <a:ext cx="10515600" cy="5193373"/>
+          </a:xfrm>
+        </p:spPr>
+        <p:txBody>
+          <a:bodyPr>
+            <a:normAutofit/>
+          </a:bodyPr>
+          <a:lstStyle/>
+          <a:p>
+            <a:r>
+              <a:rPr kumimoji="1" lang="en-US" altLang="ja-JP" dirty="0"/>
+              <a:t>calc.</a:t>
+            </a:r>
+            <a:r>
+              <a:rPr lang="en-US" altLang="ja-JP" dirty="0"/>
+              <a:t>cpp</a:t>
+            </a:r>
+            <a:r>
+              <a:rPr kumimoji="1" lang="ja-JP" altLang="en-US" dirty="0"/>
+              <a:t>　</a:t>
+            </a:r>
+            <a:r>
+              <a:rPr kumimoji="1" lang="en-US" altLang="ja-JP" dirty="0"/>
+              <a:t>(Sample503t)</a:t>
+            </a:r>
+            <a:br>
+              <a:rPr lang="en-US" altLang="ja-JP" dirty="0"/>
+            </a:br>
+            <a:endParaRPr lang="en-US" altLang="ja-JP" dirty="0"/>
+          </a:p>
+          <a:p>
+            <a:pPr marL="0" indent="0">
+              <a:buNone/>
+            </a:pPr>
+            <a:br>
+              <a:rPr lang="en-US" altLang="ja-JP" dirty="0"/>
+            </a:br>
+            <a:br>
+              <a:rPr lang="en-US" altLang="ja-JP" dirty="0"/>
+            </a:br>
+            <a:br>
+              <a:rPr lang="en-US" altLang="ja-JP" dirty="0"/>
+            </a:br>
+            <a:br>
+              <a:rPr lang="en-US" altLang="ja-JP" sz="2400" dirty="0"/>
+            </a:br>
+            <a:br>
+              <a:rPr lang="en-US" altLang="ja-JP" sz="2400" dirty="0"/>
+            </a:br>
+            <a:endParaRPr lang="en-US" altLang="ja-JP" sz="2400" dirty="0"/>
+          </a:p>
+          <a:p>
+            <a:pPr marL="0" indent="0">
+              <a:buNone/>
+            </a:pPr>
+            <a:br>
+              <a:rPr lang="en-US" altLang="ja-JP" sz="2400" dirty="0"/>
+            </a:br>
+            <a:endParaRPr lang="en-US" altLang="ja-JP" dirty="0">
+              <a:solidFill>
+                <a:srgbClr val="FF0000"/>
+              </a:solidFill>
+            </a:endParaRPr>
+          </a:p>
+        </p:txBody>
+      </p:sp>
+      <p:sp>
+        <p:nvSpPr>
+          <p:cNvPr id="5" name="テキスト ボックス 4">
+            <a:extLst>
+              <a:ext uri="{FF2B5EF4-FFF2-40B4-BE49-F238E27FC236}">
+                <a16:creationId xmlns:a16="http://schemas.microsoft.com/office/drawing/2014/main" id="{9E32883C-0E37-4F07-9861-27609819CE8C}"/>
+              </a:ext>
+            </a:extLst>
+          </p:cNvPr>
+          <p:cNvSpPr txBox="1"/>
+          <p:nvPr/>
+        </p:nvSpPr>
+        <p:spPr>
+          <a:xfrm>
+            <a:off x="1048255" y="1864708"/>
+            <a:ext cx="10688220" cy="4893647"/>
+          </a:xfrm>
+          <a:prstGeom prst="rect">
+            <a:avLst/>
+          </a:prstGeom>
+          <a:noFill/>
+          <a:ln>
+            <a:solidFill>
+              <a:schemeClr val="tx1"/>
+            </a:solidFill>
+          </a:ln>
+        </p:spPr>
+        <p:txBody>
+          <a:bodyPr wrap="square" rtlCol="0">
+            <a:spAutoFit/>
+          </a:bodyPr>
+          <a:lstStyle/>
+          <a:p>
+            <a:r>
+              <a:rPr kumimoji="1" lang="en-US" altLang="ja-JP" sz="2400" dirty="0"/>
+              <a:t>#include "</a:t>
+            </a:r>
+            <a:r>
+              <a:rPr kumimoji="1" lang="en-US" altLang="ja-JP" sz="2400" dirty="0" err="1"/>
+              <a:t>calc.h</a:t>
+            </a:r>
+            <a:r>
+              <a:rPr kumimoji="1" lang="en-US" altLang="ja-JP" sz="2400" dirty="0"/>
+              <a:t>"</a:t>
+            </a:r>
+          </a:p>
+          <a:p>
+            <a:r>
+              <a:rPr kumimoji="1" lang="en-US" altLang="ja-JP" sz="2400" dirty="0"/>
+              <a:t>Calc::Calc() : </a:t>
+            </a:r>
+            <a:r>
+              <a:rPr kumimoji="1" lang="en-US" altLang="ja-JP" sz="2400" dirty="0" err="1"/>
+              <a:t>m_a</a:t>
+            </a:r>
+            <a:r>
+              <a:rPr kumimoji="1" lang="en-US" altLang="ja-JP" sz="2400" dirty="0"/>
+              <a:t>(0), </a:t>
+            </a:r>
+            <a:r>
+              <a:rPr kumimoji="1" lang="en-US" altLang="ja-JP" sz="2400" dirty="0" err="1"/>
+              <a:t>m_b</a:t>
+            </a:r>
+            <a:r>
+              <a:rPr kumimoji="1" lang="en-US" altLang="ja-JP" sz="2400" dirty="0"/>
+              <a:t>(0) {}</a:t>
+            </a:r>
+          </a:p>
+          <a:p>
+            <a:r>
+              <a:rPr kumimoji="1" lang="en-US" altLang="ja-JP" sz="2400" dirty="0"/>
+              <a:t>Calc::Calc(int a, int b) : </a:t>
+            </a:r>
+            <a:r>
+              <a:rPr kumimoji="1" lang="en-US" altLang="ja-JP" sz="2400" dirty="0" err="1"/>
+              <a:t>m_a</a:t>
+            </a:r>
+            <a:r>
+              <a:rPr kumimoji="1" lang="en-US" altLang="ja-JP" sz="2400" dirty="0"/>
+              <a:t>(a), </a:t>
+            </a:r>
+            <a:r>
+              <a:rPr kumimoji="1" lang="en-US" altLang="ja-JP" sz="2400" dirty="0" err="1"/>
+              <a:t>m_b</a:t>
+            </a:r>
+            <a:r>
+              <a:rPr kumimoji="1" lang="en-US" altLang="ja-JP" sz="2400" dirty="0"/>
+              <a:t>(b) {}</a:t>
+            </a:r>
+          </a:p>
+          <a:p>
+            <a:r>
+              <a:rPr kumimoji="1" lang="en-US" altLang="ja-JP" sz="2400" dirty="0"/>
+              <a:t>int Calc::add() {</a:t>
+            </a:r>
+          </a:p>
+          <a:p>
+            <a:r>
+              <a:rPr kumimoji="1" lang="en-US" altLang="ja-JP" sz="2400" dirty="0"/>
+              <a:t>	return </a:t>
+            </a:r>
+            <a:r>
+              <a:rPr kumimoji="1" lang="en-US" altLang="ja-JP" sz="2400" dirty="0" err="1"/>
+              <a:t>m_a</a:t>
+            </a:r>
+            <a:r>
+              <a:rPr kumimoji="1" lang="en-US" altLang="ja-JP" sz="2400" dirty="0"/>
+              <a:t> + </a:t>
+            </a:r>
+            <a:r>
+              <a:rPr kumimoji="1" lang="en-US" altLang="ja-JP" sz="2400" dirty="0" err="1"/>
+              <a:t>m_b</a:t>
+            </a:r>
+            <a:r>
+              <a:rPr kumimoji="1" lang="en-US" altLang="ja-JP" sz="2400" dirty="0"/>
+              <a:t>;</a:t>
+            </a:r>
+          </a:p>
+          <a:p>
+            <a:r>
+              <a:rPr kumimoji="1" lang="en-US" altLang="ja-JP" sz="2400" dirty="0"/>
+              <a:t>}</a:t>
+            </a:r>
+          </a:p>
+          <a:p>
+            <a:r>
+              <a:rPr kumimoji="1" lang="en-US" altLang="ja-JP" sz="2400" strike="dblStrike" dirty="0">
+                <a:solidFill>
+                  <a:srgbClr val="FF0000"/>
+                </a:solidFill>
+              </a:rPr>
+              <a:t>int Calc::add(int a, int b) {</a:t>
+            </a:r>
+          </a:p>
+          <a:p>
+            <a:r>
+              <a:rPr kumimoji="1" lang="en-US" altLang="ja-JP" sz="2400" strike="dblStrike" dirty="0">
+                <a:solidFill>
+                  <a:srgbClr val="FF0000"/>
+                </a:solidFill>
+              </a:rPr>
+              <a:t>	return a + b;</a:t>
+            </a:r>
+          </a:p>
+          <a:p>
+            <a:r>
+              <a:rPr kumimoji="1" lang="en-US" altLang="ja-JP" sz="2400" strike="dblStrike" dirty="0">
+                <a:solidFill>
+                  <a:srgbClr val="FF0000"/>
+                </a:solidFill>
+              </a:rPr>
+              <a:t>}</a:t>
+            </a:r>
+          </a:p>
+          <a:p>
+            <a:r>
+              <a:rPr kumimoji="1" lang="en-US" altLang="ja-JP" sz="2400" dirty="0"/>
+              <a:t>void Calc::</a:t>
+            </a:r>
+            <a:r>
+              <a:rPr kumimoji="1" lang="en-US" altLang="ja-JP" sz="2400" dirty="0" err="1"/>
+              <a:t>setValue</a:t>
+            </a:r>
+            <a:r>
+              <a:rPr kumimoji="1" lang="en-US" altLang="ja-JP" sz="2400" dirty="0"/>
+              <a:t>(int a, int b) {</a:t>
+            </a:r>
+          </a:p>
+          <a:p>
+            <a:r>
+              <a:rPr kumimoji="1" lang="en-US" altLang="ja-JP" sz="2400" dirty="0"/>
+              <a:t>	</a:t>
+            </a:r>
+            <a:r>
+              <a:rPr kumimoji="1" lang="en-US" altLang="ja-JP" sz="2400" dirty="0" err="1"/>
+              <a:t>m_a</a:t>
+            </a:r>
+            <a:r>
+              <a:rPr kumimoji="1" lang="en-US" altLang="ja-JP" sz="2400" dirty="0"/>
+              <a:t> = a;</a:t>
+            </a:r>
+          </a:p>
+          <a:p>
+            <a:r>
+              <a:rPr kumimoji="1" lang="en-US" altLang="ja-JP" sz="2400" dirty="0"/>
+              <a:t>	</a:t>
+            </a:r>
+            <a:r>
+              <a:rPr kumimoji="1" lang="en-US" altLang="ja-JP" sz="2400" dirty="0" err="1"/>
+              <a:t>m_b</a:t>
+            </a:r>
+            <a:r>
+              <a:rPr kumimoji="1" lang="en-US" altLang="ja-JP" sz="2400" dirty="0"/>
+              <a:t> = b;</a:t>
+            </a:r>
+          </a:p>
+          <a:p>
+            <a:r>
+              <a:rPr kumimoji="1" lang="en-US" altLang="ja-JP" sz="2400" dirty="0"/>
+              <a:t>}</a:t>
+            </a:r>
+          </a:p>
+        </p:txBody>
+      </p:sp>
+      <p:sp>
+        <p:nvSpPr>
+          <p:cNvPr id="6" name="テキスト ボックス 5">
+            <a:extLst>
+              <a:ext uri="{FF2B5EF4-FFF2-40B4-BE49-F238E27FC236}">
+                <a16:creationId xmlns:a16="http://schemas.microsoft.com/office/drawing/2014/main" id="{8AA40FB2-F2C9-5F87-35DA-2EF09700F491}"/>
+              </a:ext>
+            </a:extLst>
+          </p:cNvPr>
+          <p:cNvSpPr txBox="1"/>
+          <p:nvPr/>
+        </p:nvSpPr>
+        <p:spPr>
+          <a:xfrm>
+            <a:off x="7979976" y="4080699"/>
+            <a:ext cx="3756499" cy="2677656"/>
+          </a:xfrm>
+          <a:prstGeom prst="rect">
+            <a:avLst/>
+          </a:prstGeom>
+          <a:noFill/>
+          <a:ln>
+            <a:solidFill>
+              <a:schemeClr val="tx1"/>
+            </a:solidFill>
+          </a:ln>
+        </p:spPr>
+        <p:txBody>
+          <a:bodyPr wrap="square" rtlCol="0">
+            <a:spAutoFit/>
+          </a:bodyPr>
+          <a:lstStyle/>
+          <a:p>
+            <a:r>
+              <a:rPr kumimoji="1" lang="ja-JP" altLang="en-US" sz="2400" dirty="0"/>
+              <a:t>（続き）</a:t>
+            </a:r>
+            <a:endParaRPr kumimoji="1" lang="en-US" altLang="ja-JP" sz="2400" dirty="0"/>
+          </a:p>
+          <a:p>
+            <a:r>
+              <a:rPr kumimoji="1" lang="en-US" altLang="ja-JP" sz="2400" dirty="0"/>
+              <a:t>int Calc::</a:t>
+            </a:r>
+            <a:r>
+              <a:rPr kumimoji="1" lang="en-US" altLang="ja-JP" sz="2400" dirty="0" err="1"/>
+              <a:t>getA</a:t>
+            </a:r>
+            <a:r>
+              <a:rPr kumimoji="1" lang="en-US" altLang="ja-JP" sz="2400" dirty="0"/>
+              <a:t>() {</a:t>
+            </a:r>
+          </a:p>
+          <a:p>
+            <a:r>
+              <a:rPr kumimoji="1" lang="en-US" altLang="ja-JP" sz="2400" dirty="0"/>
+              <a:t>	return </a:t>
+            </a:r>
+            <a:r>
+              <a:rPr kumimoji="1" lang="en-US" altLang="ja-JP" sz="2400" dirty="0" err="1"/>
+              <a:t>m_a</a:t>
+            </a:r>
+            <a:r>
+              <a:rPr kumimoji="1" lang="en-US" altLang="ja-JP" sz="2400" dirty="0"/>
+              <a:t>;</a:t>
+            </a:r>
+          </a:p>
+          <a:p>
+            <a:r>
+              <a:rPr kumimoji="1" lang="en-US" altLang="ja-JP" sz="2400" dirty="0"/>
+              <a:t>}</a:t>
+            </a:r>
+          </a:p>
+          <a:p>
+            <a:r>
+              <a:rPr kumimoji="1" lang="en-US" altLang="ja-JP" sz="2400" dirty="0"/>
+              <a:t>int Calc::</a:t>
+            </a:r>
+            <a:r>
+              <a:rPr kumimoji="1" lang="en-US" altLang="ja-JP" sz="2400" dirty="0" err="1"/>
+              <a:t>getB</a:t>
+            </a:r>
+            <a:r>
+              <a:rPr kumimoji="1" lang="en-US" altLang="ja-JP" sz="2400" dirty="0"/>
+              <a:t>() {</a:t>
+            </a:r>
+          </a:p>
+          <a:p>
+            <a:r>
+              <a:rPr kumimoji="1" lang="en-US" altLang="ja-JP" sz="2400" dirty="0"/>
+              <a:t>	return </a:t>
+            </a:r>
+            <a:r>
+              <a:rPr kumimoji="1" lang="en-US" altLang="ja-JP" sz="2400" dirty="0" err="1"/>
+              <a:t>m_b</a:t>
+            </a:r>
+            <a:r>
+              <a:rPr kumimoji="1" lang="en-US" altLang="ja-JP" sz="2400" dirty="0"/>
+              <a:t>;</a:t>
+            </a:r>
+          </a:p>
+          <a:p>
+            <a:r>
+              <a:rPr kumimoji="1" lang="en-US" altLang="ja-JP" sz="2400" dirty="0"/>
+              <a:t>}</a:t>
+            </a:r>
+            <a:endParaRPr kumimoji="1" lang="ja-JP" altLang="en-US" sz="2400" dirty="0"/>
+          </a:p>
+        </p:txBody>
+      </p:sp>
+      <p:sp>
+        <p:nvSpPr>
+          <p:cNvPr id="4" name="テキスト ボックス 3">
+            <a:extLst>
+              <a:ext uri="{FF2B5EF4-FFF2-40B4-BE49-F238E27FC236}">
+                <a16:creationId xmlns:a16="http://schemas.microsoft.com/office/drawing/2014/main" id="{66CE7F4B-75FF-4B35-95DF-A25B059D18CF}"/>
+              </a:ext>
+            </a:extLst>
+          </p:cNvPr>
+          <p:cNvSpPr txBox="1"/>
+          <p:nvPr/>
+        </p:nvSpPr>
+        <p:spPr>
+          <a:xfrm>
+            <a:off x="5222874" y="3081362"/>
+            <a:ext cx="4937570" cy="954107"/>
+          </a:xfrm>
+          <a:prstGeom prst="rect">
+            <a:avLst/>
+          </a:prstGeom>
+          <a:solidFill>
+            <a:schemeClr val="bg1"/>
+          </a:solidFill>
+          <a:ln>
+            <a:solidFill>
+              <a:schemeClr val="tx1"/>
+            </a:solidFill>
+          </a:ln>
+          <a:effectLst>
+            <a:outerShdw blurRad="50800" dist="38100" dir="2700000" algn="tl" rotWithShape="0">
+              <a:prstClr val="black">
+                <a:alpha val="40000"/>
+              </a:prstClr>
+            </a:outerShdw>
+          </a:effectLst>
+        </p:spPr>
+        <p:txBody>
+          <a:bodyPr wrap="none" rtlCol="0">
+            <a:spAutoFit/>
+          </a:bodyPr>
+          <a:lstStyle/>
+          <a:p>
+            <a:r>
+              <a:rPr kumimoji="1" lang="ja-JP" altLang="en-US" sz="2800" dirty="0"/>
+              <a:t>テンプレートを使用した関数の</a:t>
+            </a:r>
+            <a:endParaRPr kumimoji="1" lang="en-US" altLang="ja-JP" sz="2800" dirty="0"/>
+          </a:p>
+          <a:p>
+            <a:r>
+              <a:rPr kumimoji="1" lang="ja-JP" altLang="en-US" sz="2800" dirty="0"/>
+              <a:t>処理を削除</a:t>
+            </a:r>
+            <a:endParaRPr kumimoji="1" lang="en-US" altLang="ja-JP" sz="2800" dirty="0"/>
+          </a:p>
+        </p:txBody>
+      </p:sp>
+    </p:spTree>
+    <p:extLst>
+      <p:ext uri="{BB962C8B-B14F-4D97-AF65-F5344CB8AC3E}">
+        <p14:creationId xmlns:p14="http://schemas.microsoft.com/office/powerpoint/2010/main" val="3803394863"/>
+      </p:ext>
+    </p:extLst>
+  </p:cSld>
+  <p:clrMapOvr>
+    <a:masterClrMapping/>
+  </p:clrMapOvr>
+</p:sld>
+</file>
+
+<file path=ppt/slides/slide47.xml><?xml version="1.0" encoding="utf-8"?>
+<p:sld xmlns:a="http://schemas.openxmlformats.org/drawingml/2006/main" xmlns:r="http://schemas.openxmlformats.org/officeDocument/2006/relationships" xmlns:p="http://schemas.openxmlformats.org/presentationml/2006/main">
+  <p:cSld>
+    <p:spTree>
+      <p:nvGrpSpPr>
+        <p:cNvPr id="1" name=""/>
+        <p:cNvGrpSpPr/>
+        <p:nvPr/>
+      </p:nvGrpSpPr>
+      <p:grpSpPr>
+        <a:xfrm>
+          <a:off x="0" y="0"/>
+          <a:ext cx="0" cy="0"/>
+          <a:chOff x="0" y="0"/>
+          <a:chExt cx="0" cy="0"/>
+        </a:xfrm>
+      </p:grpSpPr>
+      <p:sp>
+        <p:nvSpPr>
+          <p:cNvPr id="2" name="タイトル 1">
+            <a:extLst>
+              <a:ext uri="{FF2B5EF4-FFF2-40B4-BE49-F238E27FC236}">
+                <a16:creationId xmlns:a16="http://schemas.microsoft.com/office/drawing/2014/main" id="{F11F3668-F205-48C5-AC01-19611EFE561B}"/>
+              </a:ext>
+            </a:extLst>
+          </p:cNvPr>
+          <p:cNvSpPr>
+            <a:spLocks noGrp="1"/>
+          </p:cNvSpPr>
+          <p:nvPr>
+            <p:ph type="title"/>
+          </p:nvPr>
+        </p:nvSpPr>
+        <p:spPr/>
+        <p:txBody>
+          <a:bodyPr/>
+          <a:lstStyle/>
+          <a:p>
+            <a:r>
+              <a:rPr kumimoji="1" lang="ja-JP" altLang="en-US" dirty="0"/>
+              <a:t>ポリモーフィズム（</a:t>
+            </a:r>
+            <a:r>
+              <a:rPr lang="ja-JP" altLang="en-US" dirty="0"/>
+              <a:t>テンプレート</a:t>
+            </a:r>
+            <a:r>
+              <a:rPr kumimoji="1" lang="ja-JP" altLang="en-US" dirty="0"/>
+              <a:t>）</a:t>
+            </a:r>
+          </a:p>
+        </p:txBody>
+      </p:sp>
+      <p:sp>
+        <p:nvSpPr>
+          <p:cNvPr id="3" name="コンテンツ プレースホルダー 2">
+            <a:extLst>
+              <a:ext uri="{FF2B5EF4-FFF2-40B4-BE49-F238E27FC236}">
+                <a16:creationId xmlns:a16="http://schemas.microsoft.com/office/drawing/2014/main" id="{64DBE417-57E9-44A6-BB52-B2F9986BB7B2}"/>
+              </a:ext>
+            </a:extLst>
+          </p:cNvPr>
+          <p:cNvSpPr>
+            <a:spLocks noGrp="1"/>
+          </p:cNvSpPr>
+          <p:nvPr>
+            <p:ph idx="1"/>
+          </p:nvPr>
+        </p:nvSpPr>
+        <p:spPr>
+          <a:xfrm>
+            <a:off x="838200" y="1162976"/>
+            <a:ext cx="10515600" cy="5193373"/>
+          </a:xfrm>
+        </p:spPr>
+        <p:txBody>
+          <a:bodyPr>
+            <a:normAutofit/>
+          </a:bodyPr>
+          <a:lstStyle/>
+          <a:p>
+            <a:r>
+              <a:rPr kumimoji="1" lang="en-US" altLang="ja-JP" dirty="0"/>
+              <a:t>main.</a:t>
+            </a:r>
+            <a:r>
+              <a:rPr lang="en-US" altLang="ja-JP" dirty="0"/>
+              <a:t>cpp</a:t>
+            </a:r>
+            <a:r>
+              <a:rPr kumimoji="1" lang="ja-JP" altLang="en-US" dirty="0"/>
+              <a:t>　</a:t>
+            </a:r>
+            <a:r>
+              <a:rPr kumimoji="1" lang="en-US" altLang="ja-JP" dirty="0"/>
+              <a:t>(Sample503t)</a:t>
+            </a:r>
+            <a:br>
+              <a:rPr lang="en-US" altLang="ja-JP" dirty="0"/>
+            </a:br>
+            <a:endParaRPr lang="en-US" altLang="ja-JP" dirty="0"/>
+          </a:p>
+          <a:p>
+            <a:pPr marL="0" indent="0">
+              <a:buNone/>
+            </a:pPr>
+            <a:br>
+              <a:rPr lang="en-US" altLang="ja-JP" dirty="0"/>
+            </a:br>
+            <a:br>
+              <a:rPr lang="en-US" altLang="ja-JP" dirty="0"/>
+            </a:br>
+            <a:br>
+              <a:rPr lang="en-US" altLang="ja-JP" dirty="0"/>
+            </a:br>
+            <a:br>
+              <a:rPr lang="en-US" altLang="ja-JP" sz="2400" dirty="0"/>
+            </a:br>
+            <a:br>
+              <a:rPr lang="en-US" altLang="ja-JP" sz="2400" dirty="0"/>
+            </a:br>
+            <a:endParaRPr lang="en-US" altLang="ja-JP" sz="2400" dirty="0"/>
+          </a:p>
+          <a:p>
+            <a:pPr marL="0" indent="0">
+              <a:buNone/>
+            </a:pPr>
+            <a:br>
+              <a:rPr lang="en-US" altLang="ja-JP" sz="2400" dirty="0"/>
+            </a:br>
+            <a:endParaRPr lang="en-US" altLang="ja-JP" dirty="0">
+              <a:solidFill>
+                <a:srgbClr val="FF0000"/>
+              </a:solidFill>
+            </a:endParaRPr>
+          </a:p>
+        </p:txBody>
+      </p:sp>
+      <p:sp>
+        <p:nvSpPr>
+          <p:cNvPr id="5" name="テキスト ボックス 4">
+            <a:extLst>
+              <a:ext uri="{FF2B5EF4-FFF2-40B4-BE49-F238E27FC236}">
+                <a16:creationId xmlns:a16="http://schemas.microsoft.com/office/drawing/2014/main" id="{9E32883C-0E37-4F07-9861-27609819CE8C}"/>
+              </a:ext>
+            </a:extLst>
+          </p:cNvPr>
+          <p:cNvSpPr txBox="1"/>
+          <p:nvPr/>
+        </p:nvSpPr>
+        <p:spPr>
+          <a:xfrm>
+            <a:off x="1048254" y="1709060"/>
+            <a:ext cx="11072409" cy="5078313"/>
+          </a:xfrm>
+          <a:prstGeom prst="rect">
+            <a:avLst/>
+          </a:prstGeom>
+          <a:noFill/>
+          <a:ln>
+            <a:solidFill>
+              <a:schemeClr val="tx1"/>
+            </a:solidFill>
+          </a:ln>
+        </p:spPr>
+        <p:txBody>
+          <a:bodyPr wrap="square" rtlCol="0">
+            <a:spAutoFit/>
+          </a:bodyPr>
+          <a:lstStyle/>
+          <a:p>
+            <a:r>
+              <a:rPr kumimoji="1" lang="ja-JP" altLang="en-US" sz="2400" dirty="0"/>
+              <a:t>　　　　（略）</a:t>
+            </a:r>
+            <a:endParaRPr kumimoji="1" lang="en-US" altLang="ja-JP" sz="2400" dirty="0"/>
+          </a:p>
+          <a:p>
+            <a:r>
+              <a:rPr kumimoji="1" lang="en-US" altLang="ja-JP" sz="2000" dirty="0"/>
+              <a:t>int main() {</a:t>
+            </a:r>
+          </a:p>
+          <a:p>
+            <a:r>
+              <a:rPr kumimoji="1" lang="en-US" altLang="ja-JP" sz="2000" dirty="0"/>
+              <a:t>	Calc* pC1, * pC2;</a:t>
+            </a:r>
+          </a:p>
+          <a:p>
+            <a:r>
+              <a:rPr kumimoji="1" lang="en-US" altLang="ja-JP" sz="2000" dirty="0"/>
+              <a:t>	pC1 = new Calc();</a:t>
+            </a:r>
+          </a:p>
+          <a:p>
+            <a:r>
+              <a:rPr kumimoji="1" lang="en-US" altLang="ja-JP" sz="2000" dirty="0"/>
+              <a:t>	pC2 = new Calc(1, 2);</a:t>
+            </a:r>
+          </a:p>
+          <a:p>
+            <a:r>
+              <a:rPr kumimoji="1" lang="en-US" altLang="ja-JP" sz="2000" dirty="0"/>
+              <a:t>	</a:t>
+            </a:r>
+            <a:r>
+              <a:rPr kumimoji="1" lang="en-US" altLang="ja-JP" sz="2000" dirty="0" err="1"/>
+              <a:t>cout</a:t>
+            </a:r>
+            <a:r>
+              <a:rPr kumimoji="1" lang="en-US" altLang="ja-JP" sz="2000" dirty="0"/>
+              <a:t> &lt;&lt; 3 &lt;&lt; "+" &lt;&lt; 4 &lt;&lt; "="	&lt;&lt; pC1-&gt;add</a:t>
+            </a:r>
+            <a:r>
+              <a:rPr kumimoji="1" lang="en-US" altLang="ja-JP" sz="2000" dirty="0">
+                <a:solidFill>
+                  <a:srgbClr val="FF0000"/>
+                </a:solidFill>
+              </a:rPr>
+              <a:t>&lt;int&gt;</a:t>
+            </a:r>
+            <a:r>
+              <a:rPr kumimoji="1" lang="en-US" altLang="ja-JP" sz="2000" dirty="0"/>
+              <a:t>(3, 4) &lt;&lt; </a:t>
+            </a:r>
+            <a:r>
+              <a:rPr kumimoji="1" lang="en-US" altLang="ja-JP" sz="2000" dirty="0" err="1"/>
+              <a:t>endl</a:t>
+            </a:r>
+            <a:r>
+              <a:rPr kumimoji="1" lang="en-US" altLang="ja-JP" sz="2000" dirty="0"/>
+              <a:t>;</a:t>
+            </a:r>
+          </a:p>
+          <a:p>
+            <a:r>
+              <a:rPr kumimoji="1" lang="en-US" altLang="ja-JP" sz="2000" dirty="0"/>
+              <a:t>	</a:t>
+            </a:r>
+            <a:r>
+              <a:rPr kumimoji="1" lang="en-US" altLang="ja-JP" sz="2000" dirty="0" err="1"/>
+              <a:t>cout</a:t>
+            </a:r>
+            <a:r>
+              <a:rPr kumimoji="1" lang="en-US" altLang="ja-JP" sz="2000" dirty="0"/>
+              <a:t> &lt;&lt; pC2-&gt;</a:t>
+            </a:r>
+            <a:r>
+              <a:rPr kumimoji="1" lang="en-US" altLang="ja-JP" sz="2000" dirty="0" err="1"/>
+              <a:t>getA</a:t>
+            </a:r>
+            <a:r>
+              <a:rPr kumimoji="1" lang="en-US" altLang="ja-JP" sz="2000" dirty="0"/>
+              <a:t>() &lt;&lt; “+”	&lt;&lt; pC2-&gt;</a:t>
+            </a:r>
+            <a:r>
+              <a:rPr kumimoji="1" lang="en-US" altLang="ja-JP" sz="2000" dirty="0" err="1"/>
+              <a:t>getB</a:t>
+            </a:r>
+            <a:r>
+              <a:rPr kumimoji="1" lang="en-US" altLang="ja-JP" sz="2000" dirty="0"/>
+              <a:t>() </a:t>
+            </a:r>
+            <a:br>
+              <a:rPr kumimoji="1" lang="en-US" altLang="ja-JP" sz="2000" dirty="0"/>
+            </a:br>
+            <a:r>
+              <a:rPr kumimoji="1" lang="ja-JP" altLang="en-US" sz="2000" dirty="0"/>
+              <a:t>     </a:t>
+            </a:r>
+            <a:r>
+              <a:rPr kumimoji="1" lang="en-US" altLang="ja-JP" sz="2000" dirty="0"/>
+              <a:t>&lt;&lt; "=“ &lt;&lt; pC2-&gt;add() &lt;&lt; </a:t>
+            </a:r>
+            <a:r>
+              <a:rPr kumimoji="1" lang="en-US" altLang="ja-JP" sz="2000" dirty="0" err="1"/>
+              <a:t>endl</a:t>
+            </a:r>
+            <a:r>
+              <a:rPr kumimoji="1" lang="en-US" altLang="ja-JP" sz="2000" dirty="0"/>
+              <a:t>;</a:t>
+            </a:r>
+          </a:p>
+          <a:p>
+            <a:r>
+              <a:rPr kumimoji="1" lang="en-US" altLang="ja-JP" sz="2000" dirty="0"/>
+              <a:t>	</a:t>
+            </a:r>
+            <a:r>
+              <a:rPr kumimoji="1" lang="en-US" altLang="ja-JP" sz="2000" dirty="0" err="1">
+                <a:solidFill>
+                  <a:srgbClr val="FF0000"/>
+                </a:solidFill>
+              </a:rPr>
+              <a:t>cout</a:t>
+            </a:r>
+            <a:r>
+              <a:rPr kumimoji="1" lang="en-US" altLang="ja-JP" sz="2000" dirty="0">
+                <a:solidFill>
+                  <a:srgbClr val="FF0000"/>
+                </a:solidFill>
+              </a:rPr>
+              <a:t> &lt;&lt; 1.1 &lt;&lt; “+” &lt;&lt; 2.5 &lt;&lt; “=“ &lt;&lt; pC1-&gt;add&lt;double&gt;(1.1, 2.5) </a:t>
+            </a:r>
+            <a:br>
+              <a:rPr kumimoji="1" lang="en-US" altLang="ja-JP" sz="2000" dirty="0">
+                <a:solidFill>
+                  <a:srgbClr val="FF0000"/>
+                </a:solidFill>
+              </a:rPr>
+            </a:br>
+            <a:r>
+              <a:rPr kumimoji="1" lang="en-US" altLang="ja-JP" sz="2000" dirty="0">
+                <a:solidFill>
+                  <a:srgbClr val="FF0000"/>
+                </a:solidFill>
+              </a:rPr>
+              <a:t>			&lt;&lt; </a:t>
+            </a:r>
+            <a:r>
+              <a:rPr kumimoji="1" lang="en-US" altLang="ja-JP" sz="2000" dirty="0" err="1">
+                <a:solidFill>
+                  <a:srgbClr val="FF0000"/>
+                </a:solidFill>
+              </a:rPr>
+              <a:t>endl</a:t>
+            </a:r>
+            <a:r>
+              <a:rPr kumimoji="1" lang="en-US" altLang="ja-JP" sz="2000" dirty="0">
+                <a:solidFill>
+                  <a:srgbClr val="FF0000"/>
+                </a:solidFill>
+              </a:rPr>
+              <a:t>;</a:t>
+            </a:r>
+          </a:p>
+          <a:p>
+            <a:r>
+              <a:rPr kumimoji="1" lang="en-US" altLang="ja-JP" sz="2000" dirty="0">
+                <a:solidFill>
+                  <a:srgbClr val="FF0000"/>
+                </a:solidFill>
+              </a:rPr>
+              <a:t>	</a:t>
+            </a:r>
+            <a:r>
+              <a:rPr kumimoji="1" lang="en-US" altLang="ja-JP" sz="2000" dirty="0" err="1">
+                <a:solidFill>
+                  <a:srgbClr val="FF0000"/>
+                </a:solidFill>
+              </a:rPr>
+              <a:t>cout</a:t>
+            </a:r>
+            <a:r>
+              <a:rPr kumimoji="1" lang="en-US" altLang="ja-JP" sz="2000" dirty="0">
+                <a:solidFill>
+                  <a:srgbClr val="FF0000"/>
+                </a:solidFill>
+              </a:rPr>
+              <a:t> &lt;&lt; “ABC” &lt;&lt; “+” &lt;&lt; “DEF” &lt;&lt; “=“ </a:t>
+            </a:r>
+          </a:p>
+          <a:p>
+            <a:r>
+              <a:rPr kumimoji="1" lang="en-US" altLang="ja-JP" sz="2000" dirty="0">
+                <a:solidFill>
+                  <a:srgbClr val="FF0000"/>
+                </a:solidFill>
+              </a:rPr>
+              <a:t>			&lt;&lt; pC1-&gt;add&lt;string&gt;(“ABC”, “DEF”) &lt;&lt; </a:t>
+            </a:r>
+            <a:r>
+              <a:rPr kumimoji="1" lang="en-US" altLang="ja-JP" sz="2000" dirty="0" err="1">
+                <a:solidFill>
+                  <a:srgbClr val="FF0000"/>
+                </a:solidFill>
+              </a:rPr>
+              <a:t>endl</a:t>
+            </a:r>
+            <a:r>
+              <a:rPr kumimoji="1" lang="en-US" altLang="ja-JP" sz="2000" dirty="0">
+                <a:solidFill>
+                  <a:srgbClr val="FF0000"/>
+                </a:solidFill>
+              </a:rPr>
+              <a:t>;</a:t>
+            </a:r>
+          </a:p>
+          <a:p>
+            <a:r>
+              <a:rPr kumimoji="1" lang="en-US" altLang="ja-JP" sz="2000" dirty="0"/>
+              <a:t>	delete pC1;</a:t>
+            </a:r>
+          </a:p>
+          <a:p>
+            <a:r>
+              <a:rPr kumimoji="1" lang="en-US" altLang="ja-JP" sz="2000" dirty="0"/>
+              <a:t>	delete pC2;</a:t>
+            </a:r>
+          </a:p>
+          <a:p>
+            <a:r>
+              <a:rPr kumimoji="1" lang="en-US" altLang="ja-JP" sz="2000" dirty="0"/>
+              <a:t>	return 0;</a:t>
+            </a:r>
+          </a:p>
+          <a:p>
+            <a:r>
+              <a:rPr kumimoji="1" lang="en-US" altLang="ja-JP" sz="2000" dirty="0"/>
+              <a:t>}</a:t>
+            </a:r>
+          </a:p>
+        </p:txBody>
+      </p:sp>
+    </p:spTree>
+    <p:extLst>
+      <p:ext uri="{BB962C8B-B14F-4D97-AF65-F5344CB8AC3E}">
+        <p14:creationId xmlns:p14="http://schemas.microsoft.com/office/powerpoint/2010/main" val="1493828005"/>
+      </p:ext>
+    </p:extLst>
+  </p:cSld>
+  <p:clrMapOvr>
+    <a:masterClrMapping/>
+  </p:clrMapOvr>
+</p:sld>
+</file>
+
+<file path=ppt/slides/slide48.xml><?xml version="1.0" encoding="utf-8"?>
+<p:sld xmlns:a="http://schemas.openxmlformats.org/drawingml/2006/main" xmlns:r="http://schemas.openxmlformats.org/officeDocument/2006/relationships" xmlns:p="http://schemas.openxmlformats.org/presentationml/2006/main">
+  <p:cSld>
+    <p:spTree>
+      <p:nvGrpSpPr>
+        <p:cNvPr id="1" name=""/>
+        <p:cNvGrpSpPr/>
+        <p:nvPr/>
+      </p:nvGrpSpPr>
+      <p:grpSpPr>
+        <a:xfrm>
+          <a:off x="0" y="0"/>
+          <a:ext cx="0" cy="0"/>
+          <a:chOff x="0" y="0"/>
+          <a:chExt cx="0" cy="0"/>
+        </a:xfrm>
+      </p:grpSpPr>
+      <p:sp>
+        <p:nvSpPr>
+          <p:cNvPr id="2" name="タイトル 1">
+            <a:extLst>
+              <a:ext uri="{FF2B5EF4-FFF2-40B4-BE49-F238E27FC236}">
+                <a16:creationId xmlns:a16="http://schemas.microsoft.com/office/drawing/2014/main" id="{EC1D9B36-FFC2-4D52-A2A6-FEEE7804F5FA}"/>
+              </a:ext>
+            </a:extLst>
+          </p:cNvPr>
+          <p:cNvSpPr>
+            <a:spLocks noGrp="1"/>
+          </p:cNvSpPr>
+          <p:nvPr>
+            <p:ph type="title"/>
+          </p:nvPr>
+        </p:nvSpPr>
+        <p:spPr/>
+        <p:txBody>
+          <a:bodyPr>
+            <a:normAutofit/>
+          </a:bodyPr>
+          <a:lstStyle/>
+          <a:p>
+            <a:r>
+              <a:rPr kumimoji="1" lang="ja-JP" altLang="en-US" dirty="0"/>
+              <a:t>継承</a:t>
+            </a:r>
+            <a:r>
+              <a:rPr lang="ja-JP" altLang="en-US" dirty="0"/>
+              <a:t>を使った演習問題</a:t>
+            </a:r>
+            <a:endParaRPr kumimoji="1" lang="ja-JP" altLang="en-US" dirty="0"/>
+          </a:p>
+        </p:txBody>
+      </p:sp>
+      <p:sp>
+        <p:nvSpPr>
+          <p:cNvPr id="3" name="コンテンツ プレースホルダー 2">
+            <a:extLst>
+              <a:ext uri="{FF2B5EF4-FFF2-40B4-BE49-F238E27FC236}">
+                <a16:creationId xmlns:a16="http://schemas.microsoft.com/office/drawing/2014/main" id="{534285BC-9209-40FB-8017-B7672579046F}"/>
+              </a:ext>
+            </a:extLst>
+          </p:cNvPr>
+          <p:cNvSpPr>
+            <a:spLocks noGrp="1"/>
+          </p:cNvSpPr>
+          <p:nvPr>
+            <p:ph idx="1"/>
+          </p:nvPr>
+        </p:nvSpPr>
+        <p:spPr>
+          <a:xfrm>
+            <a:off x="430306" y="1376038"/>
+            <a:ext cx="11654118" cy="5329562"/>
+          </a:xfrm>
+        </p:spPr>
+        <p:txBody>
+          <a:bodyPr>
+            <a:normAutofit/>
+          </a:bodyPr>
+          <a:lstStyle/>
+          <a:p>
+            <a:r>
+              <a:rPr lang="en-US" altLang="ja-JP" dirty="0"/>
+              <a:t>C++</a:t>
+            </a:r>
+            <a:r>
+              <a:rPr lang="ja-JP" altLang="en-US" dirty="0"/>
+              <a:t>作業フォルダ内に</a:t>
+            </a:r>
+            <a:r>
+              <a:rPr lang="en-US" altLang="ja-JP" b="1" dirty="0" err="1"/>
+              <a:t>SampleRPG</a:t>
+            </a:r>
+            <a:r>
+              <a:rPr lang="ja-JP" altLang="en-US" dirty="0"/>
+              <a:t>フォルダを作成</a:t>
+            </a:r>
+            <a:br>
+              <a:rPr lang="en-US" altLang="ja-JP" dirty="0"/>
+            </a:br>
+            <a:r>
+              <a:rPr lang="en-US" altLang="ja-JP" dirty="0">
+                <a:solidFill>
+                  <a:srgbClr val="0070C0"/>
+                </a:solidFill>
+              </a:rPr>
+              <a:t>cd ..</a:t>
+            </a:r>
+            <a:br>
+              <a:rPr lang="en-US" altLang="ja-JP" dirty="0">
+                <a:solidFill>
+                  <a:srgbClr val="0070C0"/>
+                </a:solidFill>
+              </a:rPr>
+            </a:br>
+            <a:r>
+              <a:rPr lang="en-US" altLang="ja-JP" dirty="0" err="1">
+                <a:solidFill>
+                  <a:srgbClr val="0070C0"/>
+                </a:solidFill>
+              </a:rPr>
+              <a:t>mkdir</a:t>
+            </a:r>
+            <a:r>
+              <a:rPr lang="en-US" altLang="ja-JP" dirty="0">
+                <a:solidFill>
+                  <a:srgbClr val="0070C0"/>
+                </a:solidFill>
+              </a:rPr>
+              <a:t> </a:t>
+            </a:r>
+            <a:r>
+              <a:rPr lang="en-US" altLang="ja-JP" dirty="0" err="1">
+                <a:solidFill>
+                  <a:srgbClr val="0070C0"/>
+                </a:solidFill>
+              </a:rPr>
+              <a:t>SampleRPG</a:t>
+            </a:r>
+            <a:br>
+              <a:rPr lang="en-US" altLang="ja-JP" dirty="0">
+                <a:solidFill>
+                  <a:srgbClr val="0070C0"/>
+                </a:solidFill>
+              </a:rPr>
+            </a:br>
+            <a:r>
+              <a:rPr lang="en-US" altLang="ja-JP" dirty="0">
+                <a:solidFill>
+                  <a:srgbClr val="0070C0"/>
+                </a:solidFill>
+              </a:rPr>
+              <a:t>cd </a:t>
+            </a:r>
+            <a:r>
+              <a:rPr lang="en-US" altLang="ja-JP" dirty="0" err="1">
+                <a:solidFill>
+                  <a:srgbClr val="0070C0"/>
+                </a:solidFill>
+              </a:rPr>
+              <a:t>SampleRPG</a:t>
+            </a:r>
+            <a:endParaRPr lang="en-US" altLang="ja-JP" dirty="0">
+              <a:solidFill>
+                <a:srgbClr val="0070C0"/>
+              </a:solidFill>
+            </a:endParaRPr>
+          </a:p>
+          <a:p>
+            <a:r>
+              <a:rPr kumimoji="1" lang="en-US" altLang="ja-JP" b="1" dirty="0" err="1"/>
+              <a:t>SampleRPG</a:t>
+            </a:r>
+            <a:r>
+              <a:rPr kumimoji="1" lang="ja-JP" altLang="en-US" dirty="0"/>
+              <a:t>フォルダ内に </a:t>
+            </a:r>
+            <a:r>
+              <a:rPr kumimoji="1" lang="en-US" altLang="ja-JP" dirty="0" err="1"/>
+              <a:t>chara.h</a:t>
+            </a:r>
+            <a:r>
+              <a:rPr lang="en-US" altLang="ja-JP" dirty="0"/>
+              <a:t>, chara.cpp,</a:t>
+            </a:r>
+            <a:r>
+              <a:rPr lang="ja-JP" altLang="en-US" dirty="0"/>
+              <a:t> </a:t>
+            </a:r>
+            <a:r>
+              <a:rPr lang="en-US" altLang="ja-JP" dirty="0" err="1"/>
+              <a:t>player.h</a:t>
+            </a:r>
+            <a:r>
+              <a:rPr lang="en-US" altLang="ja-JP" dirty="0"/>
+              <a:t>, player.cpp, main.cpp </a:t>
+            </a:r>
+            <a:r>
+              <a:rPr lang="ja-JP" altLang="en-US" dirty="0"/>
+              <a:t>の</a:t>
+            </a:r>
+            <a:r>
+              <a:rPr lang="en-US" altLang="ja-JP" dirty="0"/>
+              <a:t>7</a:t>
+            </a:r>
+            <a:r>
+              <a:rPr lang="ja-JP" altLang="en-US" dirty="0"/>
+              <a:t>つの</a:t>
+            </a:r>
+            <a:br>
+              <a:rPr lang="en-US" altLang="ja-JP" dirty="0"/>
+            </a:br>
+            <a:r>
+              <a:rPr lang="ja-JP" altLang="en-US" dirty="0"/>
+              <a:t>ファイルを作成する</a:t>
+            </a:r>
+            <a:br>
+              <a:rPr lang="en-US" altLang="ja-JP" dirty="0"/>
+            </a:br>
+            <a:r>
+              <a:rPr lang="en-US" altLang="ja-JP" dirty="0">
+                <a:solidFill>
+                  <a:srgbClr val="0070C0"/>
+                </a:solidFill>
+              </a:rPr>
+              <a:t>copy </a:t>
+            </a:r>
+            <a:r>
+              <a:rPr lang="en-US" altLang="ja-JP" dirty="0" err="1">
+                <a:solidFill>
+                  <a:srgbClr val="0070C0"/>
+                </a:solidFill>
+              </a:rPr>
+              <a:t>nul</a:t>
+            </a:r>
+            <a:r>
+              <a:rPr lang="en-US" altLang="ja-JP" dirty="0">
+                <a:solidFill>
+                  <a:srgbClr val="0070C0"/>
+                </a:solidFill>
+              </a:rPr>
+              <a:t> </a:t>
+            </a:r>
+            <a:r>
+              <a:rPr lang="en-US" altLang="ja-JP" dirty="0" err="1">
+                <a:solidFill>
+                  <a:srgbClr val="0070C0"/>
+                </a:solidFill>
+              </a:rPr>
+              <a:t>chara.h</a:t>
+            </a:r>
+            <a:br>
+              <a:rPr lang="en-US" altLang="ja-JP" dirty="0">
+                <a:solidFill>
+                  <a:srgbClr val="0070C0"/>
+                </a:solidFill>
+              </a:rPr>
+            </a:br>
+            <a:r>
+              <a:rPr lang="en-US" altLang="ja-JP" dirty="0">
+                <a:solidFill>
+                  <a:srgbClr val="0070C0"/>
+                </a:solidFill>
+              </a:rPr>
+              <a:t>copy </a:t>
+            </a:r>
+            <a:r>
+              <a:rPr lang="en-US" altLang="ja-JP" dirty="0" err="1">
+                <a:solidFill>
+                  <a:srgbClr val="0070C0"/>
+                </a:solidFill>
+              </a:rPr>
+              <a:t>nul</a:t>
+            </a:r>
+            <a:r>
+              <a:rPr lang="en-US" altLang="ja-JP" dirty="0">
+                <a:solidFill>
+                  <a:srgbClr val="0070C0"/>
+                </a:solidFill>
+              </a:rPr>
+              <a:t> chara.cpp</a:t>
+            </a:r>
+            <a:br>
+              <a:rPr lang="en-US" altLang="ja-JP" dirty="0">
+                <a:solidFill>
+                  <a:srgbClr val="0070C0"/>
+                </a:solidFill>
+              </a:rPr>
+            </a:br>
+            <a:r>
+              <a:rPr lang="ja-JP" altLang="en-US" dirty="0">
+                <a:solidFill>
+                  <a:srgbClr val="0070C0"/>
+                </a:solidFill>
+              </a:rPr>
+              <a:t>（略）</a:t>
+            </a:r>
+            <a:endParaRPr kumimoji="1" lang="ja-JP" altLang="en-US" dirty="0">
+              <a:solidFill>
+                <a:srgbClr val="0070C0"/>
+              </a:solidFill>
+            </a:endParaRPr>
+          </a:p>
+        </p:txBody>
+      </p:sp>
+    </p:spTree>
+    <p:extLst>
+      <p:ext uri="{BB962C8B-B14F-4D97-AF65-F5344CB8AC3E}">
+        <p14:creationId xmlns:p14="http://schemas.microsoft.com/office/powerpoint/2010/main" val="3237867755"/>
+      </p:ext>
+    </p:extLst>
+  </p:cSld>
+  <p:clrMapOvr>
+    <a:masterClrMapping/>
+  </p:clrMapOvr>
+</p:sld>
+</file>
+
+<file path=ppt/slides/slide49.xml><?xml version="1.0" encoding="utf-8"?>
+<p:sld xmlns:a="http://schemas.openxmlformats.org/drawingml/2006/main" xmlns:r="http://schemas.openxmlformats.org/officeDocument/2006/relationships" xmlns:p="http://schemas.openxmlformats.org/presentationml/2006/main">
+  <p:cSld>
+    <p:spTree>
+      <p:nvGrpSpPr>
+        <p:cNvPr id="1" name=""/>
+        <p:cNvGrpSpPr/>
+        <p:nvPr/>
+      </p:nvGrpSpPr>
+      <p:grpSpPr>
+        <a:xfrm>
+          <a:off x="0" y="0"/>
+          <a:ext cx="0" cy="0"/>
+          <a:chOff x="0" y="0"/>
+          <a:chExt cx="0" cy="0"/>
+        </a:xfrm>
+      </p:grpSpPr>
+      <p:sp>
+        <p:nvSpPr>
+          <p:cNvPr id="2" name="タイトル 1">
+            <a:extLst>
+              <a:ext uri="{FF2B5EF4-FFF2-40B4-BE49-F238E27FC236}">
+                <a16:creationId xmlns:a16="http://schemas.microsoft.com/office/drawing/2014/main" id="{EC1D9B36-FFC2-4D52-A2A6-FEEE7804F5FA}"/>
+              </a:ext>
+            </a:extLst>
+          </p:cNvPr>
+          <p:cNvSpPr>
+            <a:spLocks noGrp="1"/>
+          </p:cNvSpPr>
+          <p:nvPr>
+            <p:ph type="title"/>
+          </p:nvPr>
+        </p:nvSpPr>
+        <p:spPr/>
+        <p:txBody>
+          <a:bodyPr>
+            <a:normAutofit/>
+          </a:bodyPr>
+          <a:lstStyle/>
+          <a:p>
+            <a:r>
+              <a:rPr kumimoji="1" lang="ja-JP" altLang="en-US" dirty="0"/>
+              <a:t>継承</a:t>
+            </a:r>
+            <a:r>
+              <a:rPr lang="ja-JP" altLang="en-US" dirty="0"/>
+              <a:t>を使った演習問題</a:t>
+            </a:r>
+            <a:endParaRPr kumimoji="1" lang="ja-JP" altLang="en-US" dirty="0"/>
+          </a:p>
+        </p:txBody>
+      </p:sp>
+      <p:sp>
+        <p:nvSpPr>
+          <p:cNvPr id="3" name="コンテンツ プレースホルダー 2">
+            <a:extLst>
+              <a:ext uri="{FF2B5EF4-FFF2-40B4-BE49-F238E27FC236}">
+                <a16:creationId xmlns:a16="http://schemas.microsoft.com/office/drawing/2014/main" id="{534285BC-9209-40FB-8017-B7672579046F}"/>
+              </a:ext>
+            </a:extLst>
+          </p:cNvPr>
+          <p:cNvSpPr>
+            <a:spLocks noGrp="1"/>
+          </p:cNvSpPr>
+          <p:nvPr>
+            <p:ph idx="1"/>
+          </p:nvPr>
+        </p:nvSpPr>
+        <p:spPr>
+          <a:xfrm>
+            <a:off x="430306" y="1376038"/>
+            <a:ext cx="11654118" cy="5329562"/>
+          </a:xfrm>
+        </p:spPr>
+        <p:txBody>
+          <a:bodyPr>
+            <a:normAutofit/>
+          </a:bodyPr>
+          <a:lstStyle/>
+          <a:p>
+            <a:r>
+              <a:rPr lang="en-US" altLang="ja-JP" dirty="0" err="1">
+                <a:solidFill>
+                  <a:srgbClr val="00B050"/>
+                </a:solidFill>
+              </a:rPr>
+              <a:t>chara.h</a:t>
+            </a:r>
+            <a:r>
+              <a:rPr lang="ja-JP" altLang="en-US" dirty="0"/>
+              <a:t>に</a:t>
+            </a:r>
+            <a:r>
+              <a:rPr lang="en-US" altLang="ja-JP" dirty="0">
+                <a:solidFill>
+                  <a:srgbClr val="0070C0"/>
+                </a:solidFill>
+              </a:rPr>
+              <a:t>Chara</a:t>
+            </a:r>
+            <a:r>
+              <a:rPr lang="ja-JP" altLang="en-US" dirty="0">
+                <a:solidFill>
+                  <a:srgbClr val="0070C0"/>
+                </a:solidFill>
+              </a:rPr>
+              <a:t>クラス</a:t>
+            </a:r>
+            <a:r>
+              <a:rPr lang="ja-JP" altLang="en-US" dirty="0"/>
+              <a:t>を定義する</a:t>
+            </a:r>
+            <a:endParaRPr lang="en-US" altLang="ja-JP" dirty="0"/>
+          </a:p>
+          <a:p>
+            <a:r>
+              <a:rPr lang="en-US" altLang="ja-JP" dirty="0">
+                <a:solidFill>
+                  <a:srgbClr val="FF0000"/>
+                </a:solidFill>
+              </a:rPr>
+              <a:t>protected</a:t>
+            </a:r>
+            <a:r>
+              <a:rPr lang="ja-JP" altLang="en-US" dirty="0"/>
+              <a:t>なメンバ変数（すべて</a:t>
+            </a:r>
+            <a:r>
+              <a:rPr lang="en-US" altLang="ja-JP" dirty="0">
+                <a:solidFill>
+                  <a:srgbClr val="FF0000"/>
+                </a:solidFill>
+              </a:rPr>
+              <a:t>int</a:t>
+            </a:r>
+            <a:r>
+              <a:rPr lang="ja-JP" altLang="en-US" dirty="0"/>
+              <a:t>型）</a:t>
+            </a:r>
+          </a:p>
+          <a:p>
+            <a:pPr marL="0" indent="0">
+              <a:buNone/>
+            </a:pPr>
+            <a:r>
+              <a:rPr lang="ja-JP" altLang="en-US" dirty="0"/>
+              <a:t> </a:t>
+            </a:r>
+            <a:r>
+              <a:rPr lang="en-US" altLang="ja-JP" dirty="0" err="1">
+                <a:solidFill>
+                  <a:srgbClr val="FF00FF"/>
+                </a:solidFill>
+              </a:rPr>
+              <a:t>m_Hp</a:t>
+            </a:r>
+            <a:r>
+              <a:rPr lang="en-US" altLang="ja-JP" dirty="0"/>
+              <a:t>,</a:t>
+            </a:r>
+            <a:r>
+              <a:rPr lang="en-US" altLang="ja-JP" dirty="0">
+                <a:solidFill>
+                  <a:srgbClr val="FF00FF"/>
+                </a:solidFill>
+              </a:rPr>
+              <a:t> </a:t>
+            </a:r>
+            <a:r>
+              <a:rPr lang="en-US" altLang="ja-JP" dirty="0" err="1">
+                <a:solidFill>
+                  <a:srgbClr val="FF00FF"/>
+                </a:solidFill>
+              </a:rPr>
+              <a:t>m_Atk</a:t>
+            </a:r>
+            <a:r>
+              <a:rPr lang="en-US" altLang="ja-JP" dirty="0"/>
+              <a:t>,</a:t>
+            </a:r>
+            <a:r>
+              <a:rPr lang="en-US" altLang="ja-JP" dirty="0">
+                <a:solidFill>
+                  <a:srgbClr val="FF00FF"/>
+                </a:solidFill>
+              </a:rPr>
+              <a:t> </a:t>
+            </a:r>
+            <a:r>
+              <a:rPr lang="en-US" altLang="ja-JP" dirty="0" err="1">
+                <a:solidFill>
+                  <a:srgbClr val="FF00FF"/>
+                </a:solidFill>
+              </a:rPr>
+              <a:t>m_Def</a:t>
+            </a:r>
+            <a:r>
+              <a:rPr lang="en-US" altLang="ja-JP" dirty="0">
+                <a:solidFill>
+                  <a:srgbClr val="FF00FF"/>
+                </a:solidFill>
+              </a:rPr>
+              <a:t> </a:t>
+            </a:r>
+            <a:r>
+              <a:rPr lang="ja-JP" altLang="en-US" dirty="0"/>
+              <a:t>を定義する</a:t>
+            </a:r>
+            <a:endParaRPr lang="en-US" altLang="ja-JP" dirty="0"/>
+          </a:p>
+          <a:p>
+            <a:r>
+              <a:rPr lang="ja-JP" altLang="en-US" dirty="0"/>
+              <a:t>各メンバ変数に対して、</a:t>
+            </a:r>
+            <a:r>
+              <a:rPr lang="en-US" altLang="ja-JP" dirty="0">
+                <a:solidFill>
+                  <a:srgbClr val="FF0000"/>
+                </a:solidFill>
+              </a:rPr>
+              <a:t>public</a:t>
+            </a:r>
+            <a:r>
+              <a:rPr lang="ja-JP" altLang="en-US" dirty="0"/>
+              <a:t>な</a:t>
+            </a:r>
+            <a:r>
+              <a:rPr lang="ja-JP" altLang="en-US" dirty="0">
+                <a:solidFill>
+                  <a:srgbClr val="0070C0"/>
+                </a:solidFill>
+              </a:rPr>
+              <a:t>ゲッターを定義</a:t>
+            </a:r>
+            <a:r>
+              <a:rPr lang="ja-JP" altLang="en-US" dirty="0"/>
+              <a:t>する（</a:t>
+            </a:r>
+            <a:r>
+              <a:rPr lang="en-US" altLang="ja-JP" dirty="0"/>
+              <a:t>※</a:t>
+            </a:r>
+            <a:r>
+              <a:rPr lang="ja-JP" altLang="en-US" dirty="0"/>
+              <a:t>セッターは不要）。</a:t>
+            </a:r>
+          </a:p>
+          <a:p>
+            <a:r>
+              <a:rPr lang="ja-JP" altLang="en-US" dirty="0"/>
+              <a:t>コンストラクタは</a:t>
+            </a:r>
+            <a:r>
+              <a:rPr lang="en-US" altLang="ja-JP" dirty="0"/>
+              <a:t>3</a:t>
+            </a:r>
+            <a:r>
+              <a:rPr lang="ja-JP" altLang="en-US" dirty="0"/>
+              <a:t>つの引数（</a:t>
+            </a:r>
+            <a:r>
+              <a:rPr lang="en-US" altLang="ja-JP" dirty="0" err="1"/>
+              <a:t>m_Hp</a:t>
+            </a:r>
+            <a:r>
+              <a:rPr lang="en-US" altLang="ja-JP" dirty="0"/>
+              <a:t>, </a:t>
+            </a:r>
+            <a:r>
+              <a:rPr lang="en-US" altLang="ja-JP" dirty="0" err="1"/>
+              <a:t>m_Atk</a:t>
+            </a:r>
+            <a:r>
+              <a:rPr lang="en-US" altLang="ja-JP" dirty="0"/>
+              <a:t>, </a:t>
+            </a:r>
+            <a:r>
+              <a:rPr lang="en-US" altLang="ja-JP" dirty="0" err="1"/>
+              <a:t>m_Def</a:t>
+            </a:r>
+            <a:r>
+              <a:rPr lang="ja-JP" altLang="en-US" dirty="0"/>
+              <a:t>）をもち、引数の値をメンバ変数の初期値にする</a:t>
+            </a:r>
+          </a:p>
+          <a:p>
+            <a:r>
+              <a:rPr lang="ja-JP" altLang="en-US" dirty="0"/>
+              <a:t>デフォルトコンストラクタではメンバ変数を</a:t>
+            </a:r>
+            <a:r>
+              <a:rPr lang="en-US" altLang="ja-JP" dirty="0"/>
+              <a:t>0</a:t>
+            </a:r>
+            <a:r>
+              <a:rPr lang="ja-JP" altLang="en-US" dirty="0"/>
+              <a:t>にする</a:t>
+            </a:r>
+          </a:p>
+          <a:p>
+            <a:r>
+              <a:rPr lang="ja-JP" altLang="en-US" dirty="0"/>
+              <a:t>各関数の内容は</a:t>
+            </a:r>
+            <a:r>
+              <a:rPr lang="en-US" altLang="ja-JP" dirty="0">
+                <a:solidFill>
+                  <a:srgbClr val="00B050"/>
+                </a:solidFill>
+              </a:rPr>
+              <a:t>chara.cpp</a:t>
+            </a:r>
+            <a:r>
+              <a:rPr lang="ja-JP" altLang="en-US" dirty="0"/>
+              <a:t>に記述する</a:t>
+            </a:r>
+            <a:endParaRPr kumimoji="1" lang="ja-JP" altLang="en-US" dirty="0">
+              <a:solidFill>
+                <a:srgbClr val="0070C0"/>
+              </a:solidFill>
+            </a:endParaRPr>
+          </a:p>
+        </p:txBody>
+      </p:sp>
+    </p:spTree>
+    <p:extLst>
+      <p:ext uri="{BB962C8B-B14F-4D97-AF65-F5344CB8AC3E}">
+        <p14:creationId xmlns:p14="http://schemas.microsoft.com/office/powerpoint/2010/main" val="4229817525"/>
+      </p:ext>
+    </p:extLst>
+  </p:cSld>
+  <p:clrMapOvr>
+    <a:masterClrMapping/>
+  </p:clrMapOvr>
+</p:sld>
+</file>
+
 <file path=ppt/slides/slide5.xml><?xml version="1.0" encoding="utf-8"?>
 <p:sld xmlns:a="http://schemas.openxmlformats.org/drawingml/2006/main" xmlns:r="http://schemas.openxmlformats.org/officeDocument/2006/relationships" xmlns:p="http://schemas.openxmlformats.org/presentationml/2006/main">
   <p:cSld>
@@ -18973,6 +22109,1571 @@
     <p:extLst>
       <p:ext uri="{BB962C8B-B14F-4D97-AF65-F5344CB8AC3E}">
         <p14:creationId xmlns:p14="http://schemas.microsoft.com/office/powerpoint/2010/main" val="4131804743"/>
+      </p:ext>
+    </p:extLst>
+  </p:cSld>
+  <p:clrMapOvr>
+    <a:masterClrMapping/>
+  </p:clrMapOvr>
+</p:sld>
+</file>
+
+<file path=ppt/slides/slide50.xml><?xml version="1.0" encoding="utf-8"?>
+<p:sld xmlns:a="http://schemas.openxmlformats.org/drawingml/2006/main" xmlns:r="http://schemas.openxmlformats.org/officeDocument/2006/relationships" xmlns:p="http://schemas.openxmlformats.org/presentationml/2006/main">
+  <p:cSld>
+    <p:spTree>
+      <p:nvGrpSpPr>
+        <p:cNvPr id="1" name=""/>
+        <p:cNvGrpSpPr/>
+        <p:nvPr/>
+      </p:nvGrpSpPr>
+      <p:grpSpPr>
+        <a:xfrm>
+          <a:off x="0" y="0"/>
+          <a:ext cx="0" cy="0"/>
+          <a:chOff x="0" y="0"/>
+          <a:chExt cx="0" cy="0"/>
+        </a:xfrm>
+      </p:grpSpPr>
+      <p:sp>
+        <p:nvSpPr>
+          <p:cNvPr id="2" name="タイトル 1">
+            <a:extLst>
+              <a:ext uri="{FF2B5EF4-FFF2-40B4-BE49-F238E27FC236}">
+                <a16:creationId xmlns:a16="http://schemas.microsoft.com/office/drawing/2014/main" id="{EC1D9B36-FFC2-4D52-A2A6-FEEE7804F5FA}"/>
+              </a:ext>
+            </a:extLst>
+          </p:cNvPr>
+          <p:cNvSpPr>
+            <a:spLocks noGrp="1"/>
+          </p:cNvSpPr>
+          <p:nvPr>
+            <p:ph type="title"/>
+          </p:nvPr>
+        </p:nvSpPr>
+        <p:spPr/>
+        <p:txBody>
+          <a:bodyPr>
+            <a:normAutofit/>
+          </a:bodyPr>
+          <a:lstStyle/>
+          <a:p>
+            <a:r>
+              <a:rPr kumimoji="1" lang="ja-JP" altLang="en-US" dirty="0"/>
+              <a:t>継承</a:t>
+            </a:r>
+            <a:r>
+              <a:rPr lang="ja-JP" altLang="en-US" dirty="0"/>
+              <a:t>を使った演習問題</a:t>
+            </a:r>
+            <a:endParaRPr kumimoji="1" lang="ja-JP" altLang="en-US" dirty="0"/>
+          </a:p>
+        </p:txBody>
+      </p:sp>
+      <p:sp>
+        <p:nvSpPr>
+          <p:cNvPr id="3" name="コンテンツ プレースホルダー 2">
+            <a:extLst>
+              <a:ext uri="{FF2B5EF4-FFF2-40B4-BE49-F238E27FC236}">
+                <a16:creationId xmlns:a16="http://schemas.microsoft.com/office/drawing/2014/main" id="{534285BC-9209-40FB-8017-B7672579046F}"/>
+              </a:ext>
+            </a:extLst>
+          </p:cNvPr>
+          <p:cNvSpPr>
+            <a:spLocks noGrp="1"/>
+          </p:cNvSpPr>
+          <p:nvPr>
+            <p:ph idx="1"/>
+          </p:nvPr>
+        </p:nvSpPr>
+        <p:spPr>
+          <a:xfrm>
+            <a:off x="430306" y="1376038"/>
+            <a:ext cx="11654118" cy="5329562"/>
+          </a:xfrm>
+        </p:spPr>
+        <p:txBody>
+          <a:bodyPr>
+            <a:normAutofit/>
+          </a:bodyPr>
+          <a:lstStyle/>
+          <a:p>
+            <a:r>
+              <a:rPr lang="en-US" altLang="ja-JP" dirty="0" err="1">
+                <a:solidFill>
+                  <a:srgbClr val="00B050"/>
+                </a:solidFill>
+              </a:rPr>
+              <a:t>player.h</a:t>
+            </a:r>
+            <a:r>
+              <a:rPr lang="ja-JP" altLang="en-US" dirty="0"/>
+              <a:t>に</a:t>
+            </a:r>
+            <a:r>
+              <a:rPr lang="en-US" altLang="ja-JP" dirty="0">
+                <a:solidFill>
+                  <a:srgbClr val="0070C0"/>
+                </a:solidFill>
+              </a:rPr>
+              <a:t>Chara</a:t>
+            </a:r>
+            <a:r>
+              <a:rPr lang="ja-JP" altLang="en-US" dirty="0">
+                <a:solidFill>
+                  <a:srgbClr val="0070C0"/>
+                </a:solidFill>
+              </a:rPr>
+              <a:t>クラス</a:t>
+            </a:r>
+            <a:r>
+              <a:rPr lang="ja-JP" altLang="en-US" dirty="0"/>
+              <a:t>を継承した</a:t>
+            </a:r>
+            <a:r>
+              <a:rPr lang="en-US" altLang="ja-JP" dirty="0">
+                <a:solidFill>
+                  <a:srgbClr val="0070C0"/>
+                </a:solidFill>
+              </a:rPr>
+              <a:t>Player</a:t>
+            </a:r>
+            <a:r>
+              <a:rPr lang="ja-JP" altLang="en-US" dirty="0">
+                <a:solidFill>
+                  <a:srgbClr val="0070C0"/>
+                </a:solidFill>
+              </a:rPr>
+              <a:t>クラス</a:t>
+            </a:r>
+            <a:r>
+              <a:rPr lang="ja-JP" altLang="en-US" dirty="0"/>
+              <a:t>を定義する</a:t>
+            </a:r>
+          </a:p>
+          <a:p>
+            <a:r>
+              <a:rPr lang="en-US" altLang="ja-JP" dirty="0">
+                <a:solidFill>
+                  <a:srgbClr val="FF0000"/>
+                </a:solidFill>
+              </a:rPr>
+              <a:t>private</a:t>
+            </a:r>
+            <a:r>
+              <a:rPr lang="ja-JP" altLang="en-US" dirty="0"/>
+              <a:t>なメンバ変数　</a:t>
+            </a:r>
+            <a:r>
+              <a:rPr lang="en-US" altLang="ja-JP" dirty="0" err="1">
+                <a:solidFill>
+                  <a:srgbClr val="FF00FF"/>
+                </a:solidFill>
+              </a:rPr>
+              <a:t>m_Sp</a:t>
+            </a:r>
+            <a:r>
+              <a:rPr lang="ja-JP" altLang="en-US" dirty="0"/>
+              <a:t>（</a:t>
+            </a:r>
+            <a:r>
+              <a:rPr lang="en-US" altLang="ja-JP" dirty="0">
+                <a:solidFill>
+                  <a:srgbClr val="FF0000"/>
+                </a:solidFill>
+              </a:rPr>
+              <a:t>int</a:t>
+            </a:r>
+            <a:r>
+              <a:rPr lang="ja-JP" altLang="en-US" dirty="0"/>
+              <a:t>型）　を追加で定義</a:t>
+            </a:r>
+            <a:endParaRPr lang="en-US" altLang="ja-JP" dirty="0"/>
+          </a:p>
+          <a:p>
+            <a:r>
+              <a:rPr lang="en-US" altLang="ja-JP" dirty="0"/>
+              <a:t>public</a:t>
+            </a:r>
+            <a:r>
+              <a:rPr lang="ja-JP" altLang="en-US" dirty="0"/>
+              <a:t>なゲッターも併せて定義する（</a:t>
+            </a:r>
+            <a:r>
+              <a:rPr lang="en-US" altLang="ja-JP" dirty="0"/>
+              <a:t>※</a:t>
+            </a:r>
+            <a:r>
+              <a:rPr lang="ja-JP" altLang="en-US" dirty="0"/>
+              <a:t>セッター不要）</a:t>
+            </a:r>
+          </a:p>
+          <a:p>
+            <a:r>
+              <a:rPr lang="ja-JP" altLang="en-US" dirty="0"/>
+              <a:t>コンストラクタは、</a:t>
+            </a:r>
+            <a:r>
+              <a:rPr lang="en-US" altLang="ja-JP" dirty="0"/>
+              <a:t>4</a:t>
+            </a:r>
+            <a:r>
+              <a:rPr lang="ja-JP" altLang="en-US" dirty="0"/>
+              <a:t>つの引数（</a:t>
+            </a:r>
+            <a:r>
+              <a:rPr lang="en-US" altLang="ja-JP" dirty="0" err="1"/>
+              <a:t>m_Hp</a:t>
+            </a:r>
+            <a:r>
+              <a:rPr lang="en-US" altLang="ja-JP" dirty="0"/>
+              <a:t>, </a:t>
+            </a:r>
+            <a:r>
+              <a:rPr lang="en-US" altLang="ja-JP" dirty="0" err="1"/>
+              <a:t>m_Atk</a:t>
+            </a:r>
+            <a:r>
+              <a:rPr lang="en-US" altLang="ja-JP" dirty="0"/>
+              <a:t>, </a:t>
+            </a:r>
+            <a:r>
+              <a:rPr lang="en-US" altLang="ja-JP" dirty="0" err="1"/>
+              <a:t>m_Def</a:t>
+            </a:r>
+            <a:r>
+              <a:rPr lang="en-US" altLang="ja-JP" dirty="0"/>
+              <a:t>, </a:t>
+            </a:r>
+            <a:r>
+              <a:rPr lang="en-US" altLang="ja-JP" dirty="0" err="1"/>
+              <a:t>m_Sp</a:t>
+            </a:r>
+            <a:r>
+              <a:rPr lang="ja-JP" altLang="en-US" dirty="0"/>
+              <a:t>）をもち、引数の値をメンバ変数の初期値にする</a:t>
+            </a:r>
+            <a:endParaRPr lang="en-US" altLang="ja-JP" dirty="0"/>
+          </a:p>
+          <a:p>
+            <a:r>
+              <a:rPr lang="ja-JP" altLang="en-US" dirty="0"/>
+              <a:t>デフォルトコンストラクタはメンバ変数を</a:t>
+            </a:r>
+            <a:r>
+              <a:rPr lang="en-US" altLang="ja-JP" dirty="0"/>
+              <a:t>0</a:t>
+            </a:r>
+            <a:r>
+              <a:rPr lang="ja-JP" altLang="en-US" dirty="0"/>
+              <a:t>にする</a:t>
+            </a:r>
+          </a:p>
+          <a:p>
+            <a:r>
+              <a:rPr lang="ja-JP" altLang="en-US" dirty="0"/>
+              <a:t>各関数の内容は</a:t>
+            </a:r>
+            <a:r>
+              <a:rPr lang="en-US" altLang="ja-JP" dirty="0">
+                <a:solidFill>
+                  <a:srgbClr val="00B050"/>
+                </a:solidFill>
+              </a:rPr>
+              <a:t>player.cpp</a:t>
+            </a:r>
+            <a:r>
+              <a:rPr lang="ja-JP" altLang="en-US" dirty="0"/>
+              <a:t>に記述する。</a:t>
+            </a:r>
+            <a:endParaRPr lang="ja-JP" altLang="en-US" dirty="0">
+              <a:solidFill>
+                <a:srgbClr val="00B050"/>
+              </a:solidFill>
+            </a:endParaRPr>
+          </a:p>
+          <a:p>
+            <a:endParaRPr lang="ja-JP" altLang="en-US" dirty="0" err="1">
+              <a:solidFill>
+                <a:srgbClr val="00B050"/>
+              </a:solidFill>
+            </a:endParaRPr>
+          </a:p>
+        </p:txBody>
+      </p:sp>
+    </p:spTree>
+    <p:extLst>
+      <p:ext uri="{BB962C8B-B14F-4D97-AF65-F5344CB8AC3E}">
+        <p14:creationId xmlns:p14="http://schemas.microsoft.com/office/powerpoint/2010/main" val="793040426"/>
+      </p:ext>
+    </p:extLst>
+  </p:cSld>
+  <p:clrMapOvr>
+    <a:masterClrMapping/>
+  </p:clrMapOvr>
+</p:sld>
+</file>
+
+<file path=ppt/slides/slide51.xml><?xml version="1.0" encoding="utf-8"?>
+<p:sld xmlns:a="http://schemas.openxmlformats.org/drawingml/2006/main" xmlns:r="http://schemas.openxmlformats.org/officeDocument/2006/relationships" xmlns:p="http://schemas.openxmlformats.org/presentationml/2006/main">
+  <p:cSld>
+    <p:spTree>
+      <p:nvGrpSpPr>
+        <p:cNvPr id="1" name=""/>
+        <p:cNvGrpSpPr/>
+        <p:nvPr/>
+      </p:nvGrpSpPr>
+      <p:grpSpPr>
+        <a:xfrm>
+          <a:off x="0" y="0"/>
+          <a:ext cx="0" cy="0"/>
+          <a:chOff x="0" y="0"/>
+          <a:chExt cx="0" cy="0"/>
+        </a:xfrm>
+      </p:grpSpPr>
+      <p:sp>
+        <p:nvSpPr>
+          <p:cNvPr id="2" name="タイトル 1">
+            <a:extLst>
+              <a:ext uri="{FF2B5EF4-FFF2-40B4-BE49-F238E27FC236}">
+                <a16:creationId xmlns:a16="http://schemas.microsoft.com/office/drawing/2014/main" id="{F11F3668-F205-48C5-AC01-19611EFE561B}"/>
+              </a:ext>
+            </a:extLst>
+          </p:cNvPr>
+          <p:cNvSpPr>
+            <a:spLocks noGrp="1"/>
+          </p:cNvSpPr>
+          <p:nvPr>
+            <p:ph type="title"/>
+          </p:nvPr>
+        </p:nvSpPr>
+        <p:spPr/>
+        <p:txBody>
+          <a:bodyPr/>
+          <a:lstStyle/>
+          <a:p>
+            <a:r>
+              <a:rPr kumimoji="1" lang="ja-JP" altLang="en-US" dirty="0"/>
+              <a:t>継承</a:t>
+            </a:r>
+            <a:r>
+              <a:rPr lang="ja-JP" altLang="en-US" dirty="0"/>
+              <a:t>を使った演習問題</a:t>
+            </a:r>
+            <a:endParaRPr kumimoji="1" lang="ja-JP" altLang="en-US" dirty="0"/>
+          </a:p>
+        </p:txBody>
+      </p:sp>
+      <p:sp>
+        <p:nvSpPr>
+          <p:cNvPr id="3" name="コンテンツ プレースホルダー 2">
+            <a:extLst>
+              <a:ext uri="{FF2B5EF4-FFF2-40B4-BE49-F238E27FC236}">
+                <a16:creationId xmlns:a16="http://schemas.microsoft.com/office/drawing/2014/main" id="{64DBE417-57E9-44A6-BB52-B2F9986BB7B2}"/>
+              </a:ext>
+            </a:extLst>
+          </p:cNvPr>
+          <p:cNvSpPr>
+            <a:spLocks noGrp="1"/>
+          </p:cNvSpPr>
+          <p:nvPr>
+            <p:ph idx="1"/>
+          </p:nvPr>
+        </p:nvSpPr>
+        <p:spPr>
+          <a:xfrm>
+            <a:off x="838200" y="1121412"/>
+            <a:ext cx="10515600" cy="5193373"/>
+          </a:xfrm>
+        </p:spPr>
+        <p:txBody>
+          <a:bodyPr>
+            <a:normAutofit/>
+          </a:bodyPr>
+          <a:lstStyle/>
+          <a:p>
+            <a:r>
+              <a:rPr kumimoji="1" lang="en-US" altLang="ja-JP" dirty="0"/>
+              <a:t>main.</a:t>
+            </a:r>
+            <a:r>
+              <a:rPr lang="en-US" altLang="ja-JP" dirty="0"/>
+              <a:t>cpp</a:t>
+            </a:r>
+            <a:r>
+              <a:rPr kumimoji="1" lang="ja-JP" altLang="en-US" dirty="0"/>
+              <a:t>　</a:t>
+            </a:r>
+            <a:r>
+              <a:rPr kumimoji="1" lang="en-US" altLang="ja-JP" dirty="0"/>
+              <a:t>(</a:t>
+            </a:r>
+            <a:r>
+              <a:rPr kumimoji="1" lang="en-US" altLang="ja-JP" dirty="0" err="1"/>
+              <a:t>SampleRPG</a:t>
+            </a:r>
+            <a:r>
+              <a:rPr kumimoji="1" lang="en-US" altLang="ja-JP" dirty="0"/>
+              <a:t>)</a:t>
+            </a:r>
+            <a:br>
+              <a:rPr lang="en-US" altLang="ja-JP" dirty="0"/>
+            </a:br>
+            <a:endParaRPr lang="en-US" altLang="ja-JP" dirty="0"/>
+          </a:p>
+          <a:p>
+            <a:pPr marL="0" indent="0">
+              <a:buNone/>
+            </a:pPr>
+            <a:br>
+              <a:rPr lang="en-US" altLang="ja-JP" dirty="0"/>
+            </a:br>
+            <a:br>
+              <a:rPr lang="en-US" altLang="ja-JP" dirty="0"/>
+            </a:br>
+            <a:br>
+              <a:rPr lang="en-US" altLang="ja-JP" dirty="0"/>
+            </a:br>
+            <a:br>
+              <a:rPr lang="en-US" altLang="ja-JP" sz="2400" dirty="0"/>
+            </a:br>
+            <a:br>
+              <a:rPr lang="en-US" altLang="ja-JP" sz="2400" dirty="0"/>
+            </a:br>
+            <a:endParaRPr lang="en-US" altLang="ja-JP" sz="2400" dirty="0"/>
+          </a:p>
+          <a:p>
+            <a:pPr marL="0" indent="0">
+              <a:buNone/>
+            </a:pPr>
+            <a:br>
+              <a:rPr lang="en-US" altLang="ja-JP" sz="2400" dirty="0"/>
+            </a:br>
+            <a:endParaRPr lang="en-US" altLang="ja-JP" dirty="0">
+              <a:solidFill>
+                <a:srgbClr val="FF0000"/>
+              </a:solidFill>
+            </a:endParaRPr>
+          </a:p>
+        </p:txBody>
+      </p:sp>
+      <p:sp>
+        <p:nvSpPr>
+          <p:cNvPr id="5" name="テキスト ボックス 4">
+            <a:extLst>
+              <a:ext uri="{FF2B5EF4-FFF2-40B4-BE49-F238E27FC236}">
+                <a16:creationId xmlns:a16="http://schemas.microsoft.com/office/drawing/2014/main" id="{9E32883C-0E37-4F07-9861-27609819CE8C}"/>
+              </a:ext>
+            </a:extLst>
+          </p:cNvPr>
+          <p:cNvSpPr txBox="1"/>
+          <p:nvPr/>
+        </p:nvSpPr>
+        <p:spPr>
+          <a:xfrm>
+            <a:off x="1048254" y="1709060"/>
+            <a:ext cx="11072409" cy="5016758"/>
+          </a:xfrm>
+          <a:prstGeom prst="rect">
+            <a:avLst/>
+          </a:prstGeom>
+          <a:noFill/>
+          <a:ln>
+            <a:solidFill>
+              <a:schemeClr val="tx1"/>
+            </a:solidFill>
+          </a:ln>
+        </p:spPr>
+        <p:txBody>
+          <a:bodyPr wrap="square" rtlCol="0">
+            <a:spAutoFit/>
+          </a:bodyPr>
+          <a:lstStyle/>
+          <a:p>
+            <a:r>
+              <a:rPr lang="en-US" altLang="ja-JP" sz="2000" dirty="0">
+                <a:solidFill>
+                  <a:schemeClr val="tx1">
+                    <a:lumMod val="75000"/>
+                    <a:lumOff val="25000"/>
+                  </a:schemeClr>
+                </a:solidFill>
+                <a:latin typeface="+mj-lt"/>
+                <a:ea typeface="ＭＳ ゴシック" panose="020B0609070205080204" pitchFamily="49" charset="-128"/>
+              </a:rPr>
+              <a:t>#include </a:t>
+            </a:r>
+            <a:r>
+              <a:rPr lang="en-US" altLang="ja-JP" sz="2000" dirty="0">
+                <a:solidFill>
+                  <a:srgbClr val="A31515"/>
+                </a:solidFill>
+                <a:latin typeface="+mj-lt"/>
+                <a:ea typeface="ＭＳ ゴシック" panose="020B0609070205080204" pitchFamily="49" charset="-128"/>
+              </a:rPr>
+              <a:t>"</a:t>
+            </a:r>
+            <a:r>
+              <a:rPr lang="en-US" altLang="ja-JP" sz="2000" dirty="0" err="1">
+                <a:solidFill>
+                  <a:srgbClr val="A31515"/>
+                </a:solidFill>
+                <a:latin typeface="+mj-lt"/>
+                <a:ea typeface="ＭＳ ゴシック" panose="020B0609070205080204" pitchFamily="49" charset="-128"/>
+              </a:rPr>
+              <a:t>chara.h</a:t>
+            </a:r>
+            <a:r>
+              <a:rPr lang="en-US" altLang="ja-JP" sz="2000" dirty="0">
+                <a:solidFill>
+                  <a:srgbClr val="A31515"/>
+                </a:solidFill>
+                <a:latin typeface="+mj-lt"/>
+                <a:ea typeface="ＭＳ ゴシック" panose="020B0609070205080204" pitchFamily="49" charset="-128"/>
+              </a:rPr>
+              <a:t>"</a:t>
+            </a:r>
+            <a:endParaRPr lang="en-US" altLang="ja-JP" sz="2000" dirty="0">
+              <a:solidFill>
+                <a:srgbClr val="000000"/>
+              </a:solidFill>
+              <a:latin typeface="+mj-lt"/>
+              <a:ea typeface="ＭＳ ゴシック" panose="020B0609070205080204" pitchFamily="49" charset="-128"/>
+            </a:endParaRPr>
+          </a:p>
+          <a:p>
+            <a:r>
+              <a:rPr lang="en-US" altLang="ja-JP" sz="2000" dirty="0">
+                <a:solidFill>
+                  <a:schemeClr val="tx1">
+                    <a:lumMod val="75000"/>
+                    <a:lumOff val="25000"/>
+                  </a:schemeClr>
+                </a:solidFill>
+                <a:latin typeface="+mj-lt"/>
+                <a:ea typeface="ＭＳ ゴシック" panose="020B0609070205080204" pitchFamily="49" charset="-128"/>
+              </a:rPr>
+              <a:t>#include </a:t>
+            </a:r>
+            <a:r>
+              <a:rPr lang="en-US" altLang="ja-JP" sz="2000" dirty="0">
+                <a:solidFill>
+                  <a:srgbClr val="A31515"/>
+                </a:solidFill>
+                <a:latin typeface="+mj-lt"/>
+                <a:ea typeface="ＭＳ ゴシック" panose="020B0609070205080204" pitchFamily="49" charset="-128"/>
+              </a:rPr>
+              <a:t>"</a:t>
+            </a:r>
+            <a:r>
+              <a:rPr lang="en-US" altLang="ja-JP" sz="2000" dirty="0" err="1">
+                <a:solidFill>
+                  <a:srgbClr val="A31515"/>
+                </a:solidFill>
+                <a:latin typeface="+mj-lt"/>
+                <a:ea typeface="ＭＳ ゴシック" panose="020B0609070205080204" pitchFamily="49" charset="-128"/>
+              </a:rPr>
+              <a:t>player.h</a:t>
+            </a:r>
+            <a:r>
+              <a:rPr lang="en-US" altLang="ja-JP" sz="2000" dirty="0">
+                <a:solidFill>
+                  <a:srgbClr val="A31515"/>
+                </a:solidFill>
+                <a:latin typeface="+mj-lt"/>
+                <a:ea typeface="ＭＳ ゴシック" panose="020B0609070205080204" pitchFamily="49" charset="-128"/>
+              </a:rPr>
+              <a:t>"</a:t>
+            </a:r>
+            <a:endParaRPr lang="en-US" altLang="ja-JP" sz="2000" dirty="0">
+              <a:solidFill>
+                <a:srgbClr val="000000"/>
+              </a:solidFill>
+              <a:latin typeface="+mj-lt"/>
+              <a:ea typeface="ＭＳ ゴシック" panose="020B0609070205080204" pitchFamily="49" charset="-128"/>
+            </a:endParaRPr>
+          </a:p>
+          <a:p>
+            <a:r>
+              <a:rPr lang="en-US" altLang="ja-JP" sz="2000" dirty="0">
+                <a:solidFill>
+                  <a:schemeClr val="tx1">
+                    <a:lumMod val="75000"/>
+                    <a:lumOff val="25000"/>
+                  </a:schemeClr>
+                </a:solidFill>
+                <a:latin typeface="+mj-lt"/>
+                <a:ea typeface="ＭＳ ゴシック" panose="020B0609070205080204" pitchFamily="49" charset="-128"/>
+              </a:rPr>
+              <a:t>#include </a:t>
+            </a:r>
+            <a:r>
+              <a:rPr lang="en-US" altLang="ja-JP" sz="2000" dirty="0">
+                <a:solidFill>
+                  <a:srgbClr val="A31515"/>
+                </a:solidFill>
+                <a:latin typeface="+mj-lt"/>
+                <a:ea typeface="ＭＳ ゴシック" panose="020B0609070205080204" pitchFamily="49" charset="-128"/>
+              </a:rPr>
+              <a:t>&lt;iostream&gt;</a:t>
+            </a:r>
+            <a:endParaRPr lang="en-US" altLang="ja-JP" sz="2000" dirty="0">
+              <a:solidFill>
+                <a:srgbClr val="000000"/>
+              </a:solidFill>
+              <a:latin typeface="+mj-lt"/>
+              <a:ea typeface="ＭＳ ゴシック" panose="020B0609070205080204" pitchFamily="49" charset="-128"/>
+            </a:endParaRPr>
+          </a:p>
+          <a:p>
+            <a:r>
+              <a:rPr lang="en-US" altLang="ja-JP" sz="2000" dirty="0">
+                <a:solidFill>
+                  <a:srgbClr val="0000FF"/>
+                </a:solidFill>
+                <a:latin typeface="+mj-lt"/>
+                <a:ea typeface="ＭＳ ゴシック" panose="020B0609070205080204" pitchFamily="49" charset="-128"/>
+              </a:rPr>
+              <a:t>using</a:t>
+            </a:r>
+            <a:r>
+              <a:rPr lang="en-US" altLang="ja-JP" sz="2000" dirty="0">
+                <a:solidFill>
+                  <a:srgbClr val="000000"/>
+                </a:solidFill>
+                <a:latin typeface="+mj-lt"/>
+                <a:ea typeface="ＭＳ ゴシック" panose="020B0609070205080204" pitchFamily="49" charset="-128"/>
+              </a:rPr>
+              <a:t> </a:t>
+            </a:r>
+            <a:r>
+              <a:rPr lang="en-US" altLang="ja-JP" sz="2000" dirty="0">
+                <a:solidFill>
+                  <a:srgbClr val="0000FF"/>
+                </a:solidFill>
+                <a:latin typeface="+mj-lt"/>
+                <a:ea typeface="ＭＳ ゴシック" panose="020B0609070205080204" pitchFamily="49" charset="-128"/>
+              </a:rPr>
+              <a:t>namespace</a:t>
+            </a:r>
+            <a:r>
+              <a:rPr lang="en-US" altLang="ja-JP" sz="2000" dirty="0">
+                <a:solidFill>
+                  <a:srgbClr val="000000"/>
+                </a:solidFill>
+                <a:latin typeface="+mj-lt"/>
+                <a:ea typeface="ＭＳ ゴシック" panose="020B0609070205080204" pitchFamily="49" charset="-128"/>
+              </a:rPr>
+              <a:t> std;</a:t>
+            </a:r>
+          </a:p>
+          <a:p>
+            <a:r>
+              <a:rPr lang="en-US" altLang="ja-JP" sz="2400" dirty="0">
+                <a:solidFill>
+                  <a:srgbClr val="0000FF"/>
+                </a:solidFill>
+                <a:latin typeface="+mj-lt"/>
+                <a:ea typeface="ＭＳ ゴシック" panose="020B0609070205080204" pitchFamily="49" charset="-128"/>
+              </a:rPr>
+              <a:t>int</a:t>
+            </a:r>
+            <a:r>
+              <a:rPr lang="en-US" altLang="ja-JP" sz="2400" dirty="0">
+                <a:solidFill>
+                  <a:srgbClr val="000000"/>
+                </a:solidFill>
+                <a:latin typeface="+mj-lt"/>
+                <a:ea typeface="ＭＳ ゴシック" panose="020B0609070205080204" pitchFamily="49" charset="-128"/>
+              </a:rPr>
+              <a:t> main() {</a:t>
+            </a:r>
+          </a:p>
+          <a:p>
+            <a:r>
+              <a:rPr lang="en-US" altLang="ja-JP" sz="2400" dirty="0">
+                <a:solidFill>
+                  <a:srgbClr val="2B91AF"/>
+                </a:solidFill>
+                <a:latin typeface="+mj-lt"/>
+                <a:ea typeface="ＭＳ ゴシック" panose="020B0609070205080204" pitchFamily="49" charset="-128"/>
+              </a:rPr>
+              <a:t>	Player</a:t>
+            </a:r>
+            <a:r>
+              <a:rPr lang="en-US" altLang="ja-JP" sz="2400" dirty="0">
+                <a:solidFill>
+                  <a:srgbClr val="000000"/>
+                </a:solidFill>
+                <a:latin typeface="+mj-lt"/>
+                <a:ea typeface="ＭＳ ゴシック" panose="020B0609070205080204" pitchFamily="49" charset="-128"/>
+              </a:rPr>
+              <a:t>* </a:t>
+            </a:r>
+            <a:r>
+              <a:rPr lang="en-US" altLang="ja-JP" sz="2400" dirty="0" err="1">
+                <a:solidFill>
+                  <a:srgbClr val="000000"/>
+                </a:solidFill>
+                <a:latin typeface="+mj-lt"/>
+                <a:ea typeface="ＭＳ ゴシック" panose="020B0609070205080204" pitchFamily="49" charset="-128"/>
+              </a:rPr>
+              <a:t>pPlayer</a:t>
+            </a:r>
+            <a:r>
+              <a:rPr lang="en-US" altLang="ja-JP" sz="2400" dirty="0">
+                <a:solidFill>
+                  <a:srgbClr val="000000"/>
+                </a:solidFill>
+                <a:latin typeface="+mj-lt"/>
+                <a:ea typeface="ＭＳ ゴシック" panose="020B0609070205080204" pitchFamily="49" charset="-128"/>
+              </a:rPr>
+              <a:t> = </a:t>
+            </a:r>
+            <a:r>
+              <a:rPr lang="en-US" altLang="ja-JP" sz="2400" dirty="0">
+                <a:solidFill>
+                  <a:srgbClr val="0000FF"/>
+                </a:solidFill>
+                <a:latin typeface="+mj-lt"/>
+                <a:ea typeface="ＭＳ ゴシック" panose="020B0609070205080204" pitchFamily="49" charset="-128"/>
+              </a:rPr>
+              <a:t>new</a:t>
+            </a:r>
+            <a:r>
+              <a:rPr lang="en-US" altLang="ja-JP" sz="2400" dirty="0">
+                <a:solidFill>
+                  <a:srgbClr val="000000"/>
+                </a:solidFill>
+                <a:latin typeface="+mj-lt"/>
+                <a:ea typeface="ＭＳ ゴシック" panose="020B0609070205080204" pitchFamily="49" charset="-128"/>
+              </a:rPr>
+              <a:t> </a:t>
+            </a:r>
+            <a:r>
+              <a:rPr lang="en-US" altLang="ja-JP" sz="2400" dirty="0">
+                <a:solidFill>
+                  <a:srgbClr val="2B91AF"/>
+                </a:solidFill>
+                <a:latin typeface="+mj-lt"/>
+                <a:ea typeface="ＭＳ ゴシック" panose="020B0609070205080204" pitchFamily="49" charset="-128"/>
+              </a:rPr>
+              <a:t>Player</a:t>
+            </a:r>
+            <a:r>
+              <a:rPr lang="en-US" altLang="ja-JP" sz="2400" dirty="0">
+                <a:solidFill>
+                  <a:srgbClr val="000000"/>
+                </a:solidFill>
+                <a:latin typeface="+mj-lt"/>
+                <a:ea typeface="ＭＳ ゴシック" panose="020B0609070205080204" pitchFamily="49" charset="-128"/>
+              </a:rPr>
+              <a:t>(100, 50, 20, 30);</a:t>
+            </a:r>
+          </a:p>
+          <a:p>
+            <a:r>
+              <a:rPr lang="en-US" altLang="ja-JP" sz="2400" dirty="0">
+                <a:solidFill>
+                  <a:srgbClr val="000000"/>
+                </a:solidFill>
+                <a:latin typeface="+mj-lt"/>
+                <a:ea typeface="ＭＳ ゴシック" panose="020B0609070205080204" pitchFamily="49" charset="-128"/>
+              </a:rPr>
+              <a:t>	</a:t>
+            </a:r>
+            <a:r>
+              <a:rPr lang="en-US" altLang="ja-JP" sz="2400" dirty="0" err="1">
+                <a:solidFill>
+                  <a:srgbClr val="000000"/>
+                </a:solidFill>
+                <a:latin typeface="+mj-lt"/>
+                <a:ea typeface="ＭＳ ゴシック" panose="020B0609070205080204" pitchFamily="49" charset="-128"/>
+              </a:rPr>
+              <a:t>cout</a:t>
+            </a:r>
+            <a:r>
+              <a:rPr lang="en-US" altLang="ja-JP" sz="2400" dirty="0">
+                <a:solidFill>
+                  <a:srgbClr val="000000"/>
+                </a:solidFill>
+                <a:latin typeface="+mj-lt"/>
+                <a:ea typeface="ＭＳ ゴシック" panose="020B0609070205080204" pitchFamily="49" charset="-128"/>
+              </a:rPr>
+              <a:t> </a:t>
+            </a:r>
+            <a:r>
+              <a:rPr lang="en-US" altLang="ja-JP" sz="2400" dirty="0">
+                <a:solidFill>
+                  <a:srgbClr val="008080"/>
+                </a:solidFill>
+                <a:latin typeface="+mj-lt"/>
+                <a:ea typeface="ＭＳ ゴシック" panose="020B0609070205080204" pitchFamily="49" charset="-128"/>
+              </a:rPr>
+              <a:t>&lt;&lt;</a:t>
+            </a:r>
+            <a:r>
+              <a:rPr lang="en-US" altLang="ja-JP" sz="2400" dirty="0">
+                <a:solidFill>
+                  <a:srgbClr val="000000"/>
+                </a:solidFill>
+                <a:latin typeface="+mj-lt"/>
+                <a:ea typeface="ＭＳ ゴシック" panose="020B0609070205080204" pitchFamily="49" charset="-128"/>
+              </a:rPr>
+              <a:t> </a:t>
+            </a:r>
+            <a:r>
+              <a:rPr lang="en-US" altLang="ja-JP" sz="2400" dirty="0">
+                <a:solidFill>
+                  <a:srgbClr val="A31515"/>
+                </a:solidFill>
+                <a:latin typeface="+mj-lt"/>
+                <a:ea typeface="ＭＳ ゴシック" panose="020B0609070205080204" pitchFamily="49" charset="-128"/>
+              </a:rPr>
+              <a:t>“Player</a:t>
+            </a:r>
+            <a:r>
+              <a:rPr lang="ja-JP" altLang="en-US" sz="2400" dirty="0">
+                <a:solidFill>
+                  <a:srgbClr val="A31515"/>
+                </a:solidFill>
+                <a:latin typeface="+mn-ea"/>
+              </a:rPr>
+              <a:t>の状態</a:t>
+            </a:r>
+            <a:r>
+              <a:rPr lang="en-US" altLang="ja-JP" sz="2400" dirty="0">
+                <a:solidFill>
+                  <a:srgbClr val="A31515"/>
+                </a:solidFill>
+                <a:latin typeface="+mn-ea"/>
+              </a:rPr>
+              <a:t>” </a:t>
+            </a:r>
+            <a:r>
+              <a:rPr lang="en-US" altLang="ja-JP" sz="2400" dirty="0">
+                <a:solidFill>
+                  <a:srgbClr val="008080"/>
+                </a:solidFill>
+                <a:latin typeface="+mj-lt"/>
+                <a:ea typeface="ＭＳ ゴシック" panose="020B0609070205080204" pitchFamily="49" charset="-128"/>
+              </a:rPr>
+              <a:t>&lt;&lt;</a:t>
+            </a:r>
+            <a:r>
+              <a:rPr lang="en-US" altLang="ja-JP" sz="2400" dirty="0">
+                <a:solidFill>
+                  <a:srgbClr val="000000"/>
+                </a:solidFill>
+                <a:latin typeface="+mj-lt"/>
+                <a:ea typeface="ＭＳ ゴシック" panose="020B0609070205080204" pitchFamily="49" charset="-128"/>
+              </a:rPr>
+              <a:t> </a:t>
+            </a:r>
+            <a:r>
+              <a:rPr lang="en-US" altLang="ja-JP" sz="2400" dirty="0" err="1">
+                <a:solidFill>
+                  <a:srgbClr val="000000"/>
+                </a:solidFill>
+                <a:latin typeface="+mj-lt"/>
+                <a:ea typeface="ＭＳ ゴシック" panose="020B0609070205080204" pitchFamily="49" charset="-128"/>
+              </a:rPr>
+              <a:t>endl</a:t>
+            </a:r>
+            <a:r>
+              <a:rPr lang="ja-JP" altLang="en-US" sz="2400" dirty="0">
+                <a:solidFill>
+                  <a:srgbClr val="A31515"/>
+                </a:solidFill>
+                <a:latin typeface="+mn-ea"/>
+              </a:rPr>
+              <a:t> </a:t>
+            </a:r>
+            <a:endParaRPr lang="en-US" altLang="ja-JP" sz="2400" dirty="0">
+              <a:solidFill>
+                <a:srgbClr val="A31515"/>
+              </a:solidFill>
+              <a:latin typeface="+mn-ea"/>
+            </a:endParaRPr>
+          </a:p>
+          <a:p>
+            <a:r>
+              <a:rPr lang="en-US" altLang="ja-JP" sz="2400" dirty="0">
+                <a:solidFill>
+                  <a:srgbClr val="A31515"/>
+                </a:solidFill>
+                <a:latin typeface="+mn-ea"/>
+                <a:ea typeface="ＭＳ ゴシック" panose="020B0609070205080204" pitchFamily="49" charset="-128"/>
+              </a:rPr>
+              <a:t>			</a:t>
+            </a:r>
+            <a:r>
+              <a:rPr lang="en-US" altLang="ja-JP" sz="2400" dirty="0">
+                <a:solidFill>
+                  <a:srgbClr val="008080"/>
+                </a:solidFill>
+                <a:latin typeface="+mj-lt"/>
+                <a:ea typeface="ＭＳ ゴシック" panose="020B0609070205080204" pitchFamily="49" charset="-128"/>
+              </a:rPr>
+              <a:t>&lt;&lt;</a:t>
+            </a:r>
+            <a:r>
+              <a:rPr lang="en-US" altLang="ja-JP" sz="2400" dirty="0">
+                <a:solidFill>
+                  <a:srgbClr val="000000"/>
+                </a:solidFill>
+                <a:latin typeface="+mj-lt"/>
+                <a:ea typeface="ＭＳ ゴシック" panose="020B0609070205080204" pitchFamily="49" charset="-128"/>
+              </a:rPr>
+              <a:t> </a:t>
+            </a:r>
+            <a:r>
+              <a:rPr lang="en-US" altLang="ja-JP" sz="2400" dirty="0">
+                <a:solidFill>
+                  <a:srgbClr val="A31515"/>
+                </a:solidFill>
+                <a:latin typeface="+mj-lt"/>
+                <a:ea typeface="ＭＳ ゴシック" panose="020B0609070205080204" pitchFamily="49" charset="-128"/>
+              </a:rPr>
+              <a:t>" HP:”</a:t>
+            </a:r>
+            <a:r>
+              <a:rPr lang="en-US" altLang="ja-JP" sz="2400" dirty="0">
+                <a:solidFill>
+                  <a:srgbClr val="000000"/>
+                </a:solidFill>
+                <a:latin typeface="+mj-lt"/>
+                <a:ea typeface="ＭＳ ゴシック" panose="020B0609070205080204" pitchFamily="49" charset="-128"/>
+              </a:rPr>
+              <a:t> </a:t>
+            </a:r>
+            <a:r>
+              <a:rPr lang="en-US" altLang="ja-JP" sz="2400" dirty="0">
+                <a:solidFill>
+                  <a:srgbClr val="008080"/>
+                </a:solidFill>
+                <a:latin typeface="+mj-lt"/>
+                <a:ea typeface="ＭＳ ゴシック" panose="020B0609070205080204" pitchFamily="49" charset="-128"/>
+              </a:rPr>
+              <a:t>&lt;&lt;</a:t>
+            </a:r>
+            <a:r>
+              <a:rPr lang="en-US" altLang="ja-JP" sz="2400" dirty="0">
+                <a:solidFill>
+                  <a:srgbClr val="000000"/>
+                </a:solidFill>
+                <a:latin typeface="+mj-lt"/>
+                <a:ea typeface="ＭＳ ゴシック" panose="020B0609070205080204" pitchFamily="49" charset="-128"/>
+              </a:rPr>
+              <a:t> </a:t>
+            </a:r>
+            <a:r>
+              <a:rPr lang="en-US" altLang="ja-JP" sz="2400" dirty="0" err="1">
+                <a:solidFill>
+                  <a:srgbClr val="000000"/>
+                </a:solidFill>
+                <a:latin typeface="+mj-lt"/>
+                <a:ea typeface="ＭＳ ゴシック" panose="020B0609070205080204" pitchFamily="49" charset="-128"/>
+              </a:rPr>
+              <a:t>pPlayer</a:t>
+            </a:r>
+            <a:r>
+              <a:rPr lang="en-US" altLang="ja-JP" sz="2400" dirty="0">
+                <a:solidFill>
+                  <a:srgbClr val="000000"/>
+                </a:solidFill>
+                <a:latin typeface="+mj-lt"/>
+                <a:ea typeface="ＭＳ ゴシック" panose="020B0609070205080204" pitchFamily="49" charset="-128"/>
+              </a:rPr>
+              <a:t>-&gt;</a:t>
+            </a:r>
+            <a:r>
+              <a:rPr lang="en-US" altLang="ja-JP" sz="2400" dirty="0" err="1">
+                <a:solidFill>
+                  <a:srgbClr val="000000"/>
+                </a:solidFill>
+                <a:latin typeface="+mj-lt"/>
+                <a:ea typeface="ＭＳ ゴシック" panose="020B0609070205080204" pitchFamily="49" charset="-128"/>
+              </a:rPr>
+              <a:t>getHp</a:t>
+            </a:r>
+            <a:r>
+              <a:rPr lang="en-US" altLang="ja-JP" sz="2400" dirty="0">
+                <a:solidFill>
+                  <a:srgbClr val="000000"/>
+                </a:solidFill>
+                <a:latin typeface="+mj-lt"/>
+                <a:ea typeface="ＭＳ ゴシック" panose="020B0609070205080204" pitchFamily="49" charset="-128"/>
+              </a:rPr>
+              <a:t>()</a:t>
+            </a:r>
+            <a:r>
+              <a:rPr lang="ja-JP" altLang="en-US" sz="2400" dirty="0">
+                <a:solidFill>
+                  <a:srgbClr val="000000"/>
+                </a:solidFill>
+                <a:latin typeface="+mj-lt"/>
+                <a:ea typeface="ＭＳ ゴシック" panose="020B0609070205080204" pitchFamily="49" charset="-128"/>
+              </a:rPr>
+              <a:t> </a:t>
+            </a:r>
+            <a:r>
+              <a:rPr lang="en-US" altLang="ja-JP" sz="2400" dirty="0">
+                <a:solidFill>
+                  <a:srgbClr val="008080"/>
+                </a:solidFill>
+                <a:latin typeface="+mj-lt"/>
+                <a:ea typeface="ＭＳ ゴシック" panose="020B0609070205080204" pitchFamily="49" charset="-128"/>
+              </a:rPr>
+              <a:t>&lt;&lt;</a:t>
+            </a:r>
+            <a:r>
+              <a:rPr lang="en-US" altLang="ja-JP" sz="2400" dirty="0">
+                <a:solidFill>
+                  <a:srgbClr val="000000"/>
+                </a:solidFill>
+                <a:latin typeface="+mj-lt"/>
+                <a:ea typeface="ＭＳ ゴシック" panose="020B0609070205080204" pitchFamily="49" charset="-128"/>
+              </a:rPr>
+              <a:t> </a:t>
+            </a:r>
+            <a:r>
+              <a:rPr lang="en-US" altLang="ja-JP" sz="2400" dirty="0" err="1">
+                <a:solidFill>
+                  <a:srgbClr val="000000"/>
+                </a:solidFill>
+                <a:latin typeface="+mj-lt"/>
+                <a:ea typeface="ＭＳ ゴシック" panose="020B0609070205080204" pitchFamily="49" charset="-128"/>
+              </a:rPr>
+              <a:t>endl</a:t>
+            </a:r>
+            <a:endParaRPr lang="en-US" altLang="ja-JP" sz="2400" dirty="0">
+              <a:solidFill>
+                <a:srgbClr val="000000"/>
+              </a:solidFill>
+              <a:latin typeface="+mj-lt"/>
+              <a:ea typeface="ＭＳ ゴシック" panose="020B0609070205080204" pitchFamily="49" charset="-128"/>
+            </a:endParaRPr>
+          </a:p>
+          <a:p>
+            <a:r>
+              <a:rPr lang="en-US" altLang="ja-JP" sz="2400" dirty="0">
+                <a:solidFill>
+                  <a:srgbClr val="008080"/>
+                </a:solidFill>
+                <a:latin typeface="+mj-lt"/>
+                <a:ea typeface="ＭＳ ゴシック" panose="020B0609070205080204" pitchFamily="49" charset="-128"/>
+              </a:rPr>
+              <a:t>			&lt;&lt;</a:t>
+            </a:r>
+            <a:r>
+              <a:rPr lang="en-US" altLang="ja-JP" sz="2400" dirty="0">
+                <a:solidFill>
+                  <a:srgbClr val="000000"/>
+                </a:solidFill>
+                <a:latin typeface="+mj-lt"/>
+                <a:ea typeface="ＭＳ ゴシック" panose="020B0609070205080204" pitchFamily="49" charset="-128"/>
+              </a:rPr>
+              <a:t> </a:t>
+            </a:r>
+            <a:r>
+              <a:rPr lang="en-US" altLang="ja-JP" sz="2400" dirty="0">
+                <a:solidFill>
+                  <a:srgbClr val="A31515"/>
+                </a:solidFill>
+                <a:latin typeface="+mj-lt"/>
+                <a:ea typeface="ＭＳ ゴシック" panose="020B0609070205080204" pitchFamily="49" charset="-128"/>
+              </a:rPr>
+              <a:t>" SP:"</a:t>
+            </a:r>
+            <a:r>
+              <a:rPr lang="en-US" altLang="ja-JP" sz="2400" dirty="0">
+                <a:solidFill>
+                  <a:srgbClr val="000000"/>
+                </a:solidFill>
+                <a:latin typeface="+mj-lt"/>
+                <a:ea typeface="ＭＳ ゴシック" panose="020B0609070205080204" pitchFamily="49" charset="-128"/>
+              </a:rPr>
+              <a:t> </a:t>
+            </a:r>
+            <a:r>
+              <a:rPr lang="en-US" altLang="ja-JP" sz="2400" dirty="0">
+                <a:solidFill>
+                  <a:srgbClr val="008080"/>
+                </a:solidFill>
+                <a:latin typeface="+mj-lt"/>
+                <a:ea typeface="ＭＳ ゴシック" panose="020B0609070205080204" pitchFamily="49" charset="-128"/>
+              </a:rPr>
+              <a:t>&lt;&lt;</a:t>
+            </a:r>
+            <a:r>
+              <a:rPr lang="en-US" altLang="ja-JP" sz="2400" dirty="0">
+                <a:solidFill>
+                  <a:srgbClr val="000000"/>
+                </a:solidFill>
+                <a:latin typeface="+mj-lt"/>
+                <a:ea typeface="ＭＳ ゴシック" panose="020B0609070205080204" pitchFamily="49" charset="-128"/>
+              </a:rPr>
+              <a:t> </a:t>
+            </a:r>
+            <a:r>
+              <a:rPr lang="en-US" altLang="ja-JP" sz="2400" dirty="0" err="1">
+                <a:solidFill>
+                  <a:srgbClr val="000000"/>
+                </a:solidFill>
+                <a:latin typeface="+mj-lt"/>
+                <a:ea typeface="ＭＳ ゴシック" panose="020B0609070205080204" pitchFamily="49" charset="-128"/>
+              </a:rPr>
+              <a:t>pPlayer</a:t>
+            </a:r>
+            <a:r>
+              <a:rPr lang="en-US" altLang="ja-JP" sz="2400" dirty="0">
+                <a:solidFill>
+                  <a:srgbClr val="000000"/>
+                </a:solidFill>
+                <a:latin typeface="+mj-lt"/>
+                <a:ea typeface="ＭＳ ゴシック" panose="020B0609070205080204" pitchFamily="49" charset="-128"/>
+              </a:rPr>
+              <a:t>-&gt;</a:t>
+            </a:r>
+            <a:r>
+              <a:rPr lang="en-US" altLang="ja-JP" sz="2400" dirty="0" err="1">
+                <a:solidFill>
+                  <a:srgbClr val="000000"/>
+                </a:solidFill>
+                <a:latin typeface="+mj-lt"/>
+                <a:ea typeface="ＭＳ ゴシック" panose="020B0609070205080204" pitchFamily="49" charset="-128"/>
+              </a:rPr>
+              <a:t>getSp</a:t>
+            </a:r>
+            <a:r>
+              <a:rPr lang="en-US" altLang="ja-JP" sz="2400" dirty="0">
+                <a:solidFill>
+                  <a:srgbClr val="000000"/>
+                </a:solidFill>
+                <a:latin typeface="+mj-lt"/>
+                <a:ea typeface="ＭＳ ゴシック" panose="020B0609070205080204" pitchFamily="49" charset="-128"/>
+              </a:rPr>
+              <a:t>() </a:t>
+            </a:r>
+            <a:r>
+              <a:rPr lang="en-US" altLang="ja-JP" sz="2400" dirty="0">
+                <a:solidFill>
+                  <a:srgbClr val="008080"/>
+                </a:solidFill>
+                <a:latin typeface="+mj-lt"/>
+                <a:ea typeface="ＭＳ ゴシック" panose="020B0609070205080204" pitchFamily="49" charset="-128"/>
+              </a:rPr>
+              <a:t>&lt;&lt;</a:t>
+            </a:r>
+            <a:r>
+              <a:rPr lang="en-US" altLang="ja-JP" sz="2400" dirty="0">
+                <a:solidFill>
+                  <a:srgbClr val="000000"/>
+                </a:solidFill>
+                <a:latin typeface="+mj-lt"/>
+                <a:ea typeface="ＭＳ ゴシック" panose="020B0609070205080204" pitchFamily="49" charset="-128"/>
+              </a:rPr>
+              <a:t> </a:t>
+            </a:r>
+            <a:r>
+              <a:rPr lang="en-US" altLang="ja-JP" sz="2400" dirty="0" err="1">
+                <a:solidFill>
+                  <a:srgbClr val="000000"/>
+                </a:solidFill>
+                <a:latin typeface="+mj-lt"/>
+                <a:ea typeface="ＭＳ ゴシック" panose="020B0609070205080204" pitchFamily="49" charset="-128"/>
+              </a:rPr>
+              <a:t>endl</a:t>
+            </a:r>
+            <a:endParaRPr lang="en-US" altLang="ja-JP" sz="2400" dirty="0">
+              <a:solidFill>
+                <a:srgbClr val="000000"/>
+              </a:solidFill>
+              <a:latin typeface="+mj-lt"/>
+              <a:ea typeface="ＭＳ ゴシック" panose="020B0609070205080204" pitchFamily="49" charset="-128"/>
+            </a:endParaRPr>
+          </a:p>
+          <a:p>
+            <a:r>
+              <a:rPr lang="en-US" altLang="ja-JP" sz="2400" dirty="0">
+                <a:solidFill>
+                  <a:srgbClr val="008080"/>
+                </a:solidFill>
+                <a:latin typeface="+mj-lt"/>
+                <a:ea typeface="ＭＳ ゴシック" panose="020B0609070205080204" pitchFamily="49" charset="-128"/>
+              </a:rPr>
+              <a:t>			&lt;&lt;</a:t>
+            </a:r>
+            <a:r>
+              <a:rPr lang="en-US" altLang="ja-JP" sz="2400" dirty="0">
+                <a:solidFill>
+                  <a:srgbClr val="000000"/>
+                </a:solidFill>
+                <a:latin typeface="+mj-lt"/>
+                <a:ea typeface="ＭＳ ゴシック" panose="020B0609070205080204" pitchFamily="49" charset="-128"/>
+              </a:rPr>
+              <a:t> </a:t>
+            </a:r>
+            <a:r>
+              <a:rPr lang="en-US" altLang="ja-JP" sz="2400" dirty="0">
+                <a:solidFill>
+                  <a:srgbClr val="A31515"/>
+                </a:solidFill>
+                <a:latin typeface="+mj-lt"/>
+                <a:ea typeface="ＭＳ ゴシック" panose="020B0609070205080204" pitchFamily="49" charset="-128"/>
+              </a:rPr>
+              <a:t>" </a:t>
+            </a:r>
+            <a:r>
+              <a:rPr lang="en-US" altLang="ja-JP" sz="2400" dirty="0" err="1">
+                <a:solidFill>
+                  <a:srgbClr val="A31515"/>
+                </a:solidFill>
+                <a:latin typeface="+mj-lt"/>
+                <a:ea typeface="ＭＳ ゴシック" panose="020B0609070205080204" pitchFamily="49" charset="-128"/>
+              </a:rPr>
+              <a:t>Atk</a:t>
+            </a:r>
+            <a:r>
+              <a:rPr lang="en-US" altLang="ja-JP" sz="2400" dirty="0">
+                <a:solidFill>
+                  <a:srgbClr val="A31515"/>
+                </a:solidFill>
+                <a:latin typeface="+mj-lt"/>
+                <a:ea typeface="ＭＳ ゴシック" panose="020B0609070205080204" pitchFamily="49" charset="-128"/>
+              </a:rPr>
+              <a:t>:"</a:t>
+            </a:r>
+            <a:r>
+              <a:rPr lang="en-US" altLang="ja-JP" sz="2400" dirty="0">
+                <a:solidFill>
+                  <a:srgbClr val="000000"/>
+                </a:solidFill>
+                <a:latin typeface="+mj-lt"/>
+                <a:ea typeface="ＭＳ ゴシック" panose="020B0609070205080204" pitchFamily="49" charset="-128"/>
+              </a:rPr>
+              <a:t> </a:t>
+            </a:r>
+            <a:r>
+              <a:rPr lang="en-US" altLang="ja-JP" sz="2400" dirty="0">
+                <a:solidFill>
+                  <a:srgbClr val="008080"/>
+                </a:solidFill>
+                <a:latin typeface="+mj-lt"/>
+                <a:ea typeface="ＭＳ ゴシック" panose="020B0609070205080204" pitchFamily="49" charset="-128"/>
+              </a:rPr>
+              <a:t>&lt;&lt;</a:t>
+            </a:r>
+            <a:r>
+              <a:rPr lang="en-US" altLang="ja-JP" sz="2400" dirty="0">
+                <a:solidFill>
+                  <a:srgbClr val="000000"/>
+                </a:solidFill>
+                <a:latin typeface="+mj-lt"/>
+                <a:ea typeface="ＭＳ ゴシック" panose="020B0609070205080204" pitchFamily="49" charset="-128"/>
+              </a:rPr>
+              <a:t> </a:t>
+            </a:r>
+            <a:r>
+              <a:rPr lang="en-US" altLang="ja-JP" sz="2400" dirty="0" err="1">
+                <a:solidFill>
+                  <a:srgbClr val="000000"/>
+                </a:solidFill>
+                <a:latin typeface="+mj-lt"/>
+                <a:ea typeface="ＭＳ ゴシック" panose="020B0609070205080204" pitchFamily="49" charset="-128"/>
+              </a:rPr>
+              <a:t>pPlayer</a:t>
+            </a:r>
+            <a:r>
+              <a:rPr lang="en-US" altLang="ja-JP" sz="2400" dirty="0">
+                <a:solidFill>
+                  <a:srgbClr val="000000"/>
+                </a:solidFill>
+                <a:latin typeface="+mj-lt"/>
+                <a:ea typeface="ＭＳ ゴシック" panose="020B0609070205080204" pitchFamily="49" charset="-128"/>
+              </a:rPr>
+              <a:t>-&gt;</a:t>
+            </a:r>
+            <a:r>
+              <a:rPr lang="en-US" altLang="ja-JP" sz="2400" dirty="0" err="1">
+                <a:solidFill>
+                  <a:srgbClr val="000000"/>
+                </a:solidFill>
+                <a:latin typeface="+mj-lt"/>
+                <a:ea typeface="ＭＳ ゴシック" panose="020B0609070205080204" pitchFamily="49" charset="-128"/>
+              </a:rPr>
+              <a:t>getAtk</a:t>
+            </a:r>
+            <a:r>
+              <a:rPr lang="en-US" altLang="ja-JP" sz="2400" dirty="0">
+                <a:solidFill>
+                  <a:srgbClr val="000000"/>
+                </a:solidFill>
+                <a:latin typeface="+mj-lt"/>
+                <a:ea typeface="ＭＳ ゴシック" panose="020B0609070205080204" pitchFamily="49" charset="-128"/>
+              </a:rPr>
+              <a:t>() </a:t>
+            </a:r>
+            <a:r>
+              <a:rPr lang="en-US" altLang="ja-JP" sz="2400" dirty="0">
+                <a:solidFill>
+                  <a:srgbClr val="008080"/>
+                </a:solidFill>
+                <a:latin typeface="+mj-lt"/>
+                <a:ea typeface="ＭＳ ゴシック" panose="020B0609070205080204" pitchFamily="49" charset="-128"/>
+              </a:rPr>
+              <a:t>&lt;&lt;</a:t>
+            </a:r>
+            <a:r>
+              <a:rPr lang="en-US" altLang="ja-JP" sz="2400" dirty="0">
+                <a:solidFill>
+                  <a:srgbClr val="000000"/>
+                </a:solidFill>
+                <a:latin typeface="+mj-lt"/>
+                <a:ea typeface="ＭＳ ゴシック" panose="020B0609070205080204" pitchFamily="49" charset="-128"/>
+              </a:rPr>
+              <a:t> </a:t>
+            </a:r>
+            <a:r>
+              <a:rPr lang="en-US" altLang="ja-JP" sz="2400" dirty="0" err="1">
+                <a:solidFill>
+                  <a:srgbClr val="000000"/>
+                </a:solidFill>
+                <a:latin typeface="+mj-lt"/>
+                <a:ea typeface="ＭＳ ゴシック" panose="020B0609070205080204" pitchFamily="49" charset="-128"/>
+              </a:rPr>
+              <a:t>endl</a:t>
+            </a:r>
+            <a:endParaRPr lang="en-US" altLang="ja-JP" sz="2400" dirty="0">
+              <a:solidFill>
+                <a:srgbClr val="000000"/>
+              </a:solidFill>
+              <a:latin typeface="+mj-lt"/>
+              <a:ea typeface="ＭＳ ゴシック" panose="020B0609070205080204" pitchFamily="49" charset="-128"/>
+            </a:endParaRPr>
+          </a:p>
+          <a:p>
+            <a:r>
+              <a:rPr lang="en-US" altLang="ja-JP" sz="2400" dirty="0">
+                <a:solidFill>
+                  <a:srgbClr val="008080"/>
+                </a:solidFill>
+                <a:latin typeface="+mj-lt"/>
+                <a:ea typeface="ＭＳ ゴシック" panose="020B0609070205080204" pitchFamily="49" charset="-128"/>
+              </a:rPr>
+              <a:t>			&lt;&lt;</a:t>
+            </a:r>
+            <a:r>
+              <a:rPr lang="en-US" altLang="ja-JP" sz="2400" dirty="0">
+                <a:solidFill>
+                  <a:srgbClr val="000000"/>
+                </a:solidFill>
+                <a:latin typeface="+mj-lt"/>
+                <a:ea typeface="ＭＳ ゴシック" panose="020B0609070205080204" pitchFamily="49" charset="-128"/>
+              </a:rPr>
+              <a:t> </a:t>
+            </a:r>
+            <a:r>
+              <a:rPr lang="en-US" altLang="ja-JP" sz="2400" dirty="0">
+                <a:solidFill>
+                  <a:srgbClr val="A31515"/>
+                </a:solidFill>
+                <a:latin typeface="+mj-lt"/>
+                <a:ea typeface="ＭＳ ゴシック" panose="020B0609070205080204" pitchFamily="49" charset="-128"/>
+              </a:rPr>
+              <a:t>" Def:"</a:t>
+            </a:r>
+            <a:r>
+              <a:rPr lang="en-US" altLang="ja-JP" sz="2400" dirty="0">
+                <a:solidFill>
+                  <a:srgbClr val="000000"/>
+                </a:solidFill>
+                <a:latin typeface="+mj-lt"/>
+                <a:ea typeface="ＭＳ ゴシック" panose="020B0609070205080204" pitchFamily="49" charset="-128"/>
+              </a:rPr>
+              <a:t> </a:t>
+            </a:r>
+            <a:r>
+              <a:rPr lang="en-US" altLang="ja-JP" sz="2400" dirty="0">
+                <a:solidFill>
+                  <a:srgbClr val="008080"/>
+                </a:solidFill>
+                <a:latin typeface="+mj-lt"/>
+                <a:ea typeface="ＭＳ ゴシック" panose="020B0609070205080204" pitchFamily="49" charset="-128"/>
+              </a:rPr>
+              <a:t>&lt;&lt;</a:t>
+            </a:r>
+            <a:r>
+              <a:rPr lang="en-US" altLang="ja-JP" sz="2400" dirty="0">
+                <a:solidFill>
+                  <a:srgbClr val="000000"/>
+                </a:solidFill>
+                <a:latin typeface="+mj-lt"/>
+                <a:ea typeface="ＭＳ ゴシック" panose="020B0609070205080204" pitchFamily="49" charset="-128"/>
+              </a:rPr>
+              <a:t> </a:t>
+            </a:r>
+            <a:r>
+              <a:rPr lang="en-US" altLang="ja-JP" sz="2400" dirty="0" err="1">
+                <a:solidFill>
+                  <a:srgbClr val="000000"/>
+                </a:solidFill>
+                <a:latin typeface="+mj-lt"/>
+                <a:ea typeface="ＭＳ ゴシック" panose="020B0609070205080204" pitchFamily="49" charset="-128"/>
+              </a:rPr>
+              <a:t>pPlayer</a:t>
+            </a:r>
+            <a:r>
+              <a:rPr lang="en-US" altLang="ja-JP" sz="2400" dirty="0">
+                <a:solidFill>
+                  <a:srgbClr val="000000"/>
+                </a:solidFill>
+                <a:latin typeface="+mj-lt"/>
+                <a:ea typeface="ＭＳ ゴシック" panose="020B0609070205080204" pitchFamily="49" charset="-128"/>
+              </a:rPr>
+              <a:t>-&gt;</a:t>
+            </a:r>
+            <a:r>
+              <a:rPr lang="en-US" altLang="ja-JP" sz="2400" dirty="0" err="1">
+                <a:solidFill>
+                  <a:srgbClr val="000000"/>
+                </a:solidFill>
+                <a:latin typeface="+mj-lt"/>
+                <a:ea typeface="ＭＳ ゴシック" panose="020B0609070205080204" pitchFamily="49" charset="-128"/>
+              </a:rPr>
+              <a:t>getDef</a:t>
+            </a:r>
+            <a:r>
+              <a:rPr lang="en-US" altLang="ja-JP" sz="2400" dirty="0">
+                <a:solidFill>
+                  <a:srgbClr val="000000"/>
+                </a:solidFill>
+                <a:latin typeface="+mj-lt"/>
+                <a:ea typeface="ＭＳ ゴシック" panose="020B0609070205080204" pitchFamily="49" charset="-128"/>
+              </a:rPr>
+              <a:t>() </a:t>
+            </a:r>
+            <a:r>
+              <a:rPr lang="en-US" altLang="ja-JP" sz="2400" dirty="0">
+                <a:solidFill>
+                  <a:srgbClr val="008080"/>
+                </a:solidFill>
+                <a:latin typeface="+mj-lt"/>
+                <a:ea typeface="ＭＳ ゴシック" panose="020B0609070205080204" pitchFamily="49" charset="-128"/>
+              </a:rPr>
+              <a:t>&lt;&lt;</a:t>
+            </a:r>
+            <a:r>
+              <a:rPr lang="en-US" altLang="ja-JP" sz="2400" dirty="0">
+                <a:solidFill>
+                  <a:srgbClr val="000000"/>
+                </a:solidFill>
+                <a:latin typeface="+mj-lt"/>
+                <a:ea typeface="ＭＳ ゴシック" panose="020B0609070205080204" pitchFamily="49" charset="-128"/>
+              </a:rPr>
+              <a:t> </a:t>
+            </a:r>
+            <a:r>
+              <a:rPr lang="en-US" altLang="ja-JP" sz="2400" dirty="0" err="1">
+                <a:solidFill>
+                  <a:srgbClr val="000000"/>
+                </a:solidFill>
+                <a:latin typeface="+mj-lt"/>
+                <a:ea typeface="ＭＳ ゴシック" panose="020B0609070205080204" pitchFamily="49" charset="-128"/>
+              </a:rPr>
+              <a:t>endl</a:t>
+            </a:r>
+            <a:r>
+              <a:rPr lang="en-US" altLang="ja-JP" sz="2400" dirty="0">
+                <a:solidFill>
+                  <a:srgbClr val="000000"/>
+                </a:solidFill>
+                <a:latin typeface="+mj-lt"/>
+                <a:ea typeface="ＭＳ ゴシック" panose="020B0609070205080204" pitchFamily="49" charset="-128"/>
+              </a:rPr>
+              <a:t>;</a:t>
+            </a:r>
+            <a:br>
+              <a:rPr lang="en-US" altLang="ja-JP" sz="2400" dirty="0">
+                <a:solidFill>
+                  <a:srgbClr val="000000"/>
+                </a:solidFill>
+                <a:latin typeface="+mj-lt"/>
+                <a:ea typeface="ＭＳ ゴシック" panose="020B0609070205080204" pitchFamily="49" charset="-128"/>
+              </a:rPr>
+            </a:br>
+            <a:r>
+              <a:rPr lang="en-US" altLang="ja-JP" sz="2400" dirty="0">
+                <a:solidFill>
+                  <a:srgbClr val="000000"/>
+                </a:solidFill>
+                <a:latin typeface="+mj-lt"/>
+                <a:ea typeface="ＭＳ ゴシック" panose="020B0609070205080204" pitchFamily="49" charset="-128"/>
+              </a:rPr>
+              <a:t>	delete </a:t>
+            </a:r>
+            <a:r>
+              <a:rPr lang="en-US" altLang="ja-JP" sz="2400" dirty="0" err="1">
+                <a:solidFill>
+                  <a:srgbClr val="000000"/>
+                </a:solidFill>
+                <a:latin typeface="+mj-lt"/>
+                <a:ea typeface="ＭＳ ゴシック" panose="020B0609070205080204" pitchFamily="49" charset="-128"/>
+              </a:rPr>
+              <a:t>pPlayer</a:t>
+            </a:r>
+            <a:r>
+              <a:rPr lang="en-US" altLang="ja-JP" sz="2400" dirty="0">
+                <a:solidFill>
+                  <a:srgbClr val="000000"/>
+                </a:solidFill>
+                <a:latin typeface="+mj-lt"/>
+                <a:ea typeface="ＭＳ ゴシック" panose="020B0609070205080204" pitchFamily="49" charset="-128"/>
+              </a:rPr>
+              <a:t>;</a:t>
+            </a:r>
+          </a:p>
+          <a:p>
+            <a:r>
+              <a:rPr lang="en-US" altLang="ja-JP" sz="2400" dirty="0">
+                <a:solidFill>
+                  <a:srgbClr val="0000FF"/>
+                </a:solidFill>
+                <a:latin typeface="+mj-lt"/>
+                <a:ea typeface="ＭＳ ゴシック" panose="020B0609070205080204" pitchFamily="49" charset="-128"/>
+              </a:rPr>
+              <a:t>	return</a:t>
+            </a:r>
+            <a:r>
+              <a:rPr lang="en-US" altLang="ja-JP" sz="2400" dirty="0">
+                <a:solidFill>
+                  <a:srgbClr val="000000"/>
+                </a:solidFill>
+                <a:latin typeface="+mj-lt"/>
+                <a:ea typeface="ＭＳ ゴシック" panose="020B0609070205080204" pitchFamily="49" charset="-128"/>
+              </a:rPr>
+              <a:t> 0;</a:t>
+            </a:r>
+          </a:p>
+          <a:p>
+            <a:r>
+              <a:rPr lang="en-US" altLang="ja-JP" sz="2400" dirty="0">
+                <a:solidFill>
+                  <a:srgbClr val="000000"/>
+                </a:solidFill>
+                <a:latin typeface="+mj-lt"/>
+                <a:ea typeface="ＭＳ ゴシック" panose="020B0609070205080204" pitchFamily="49" charset="-128"/>
+              </a:rPr>
+              <a:t>}</a:t>
+            </a:r>
+          </a:p>
+        </p:txBody>
+      </p:sp>
+    </p:spTree>
+    <p:extLst>
+      <p:ext uri="{BB962C8B-B14F-4D97-AF65-F5344CB8AC3E}">
+        <p14:creationId xmlns:p14="http://schemas.microsoft.com/office/powerpoint/2010/main" val="3505689088"/>
       </p:ext>
     </p:extLst>
   </p:cSld>

--- a/授業資料/講義資料：継承とポリモーフィズム.pptx
+++ b/授業資料/講義資料：継承とポリモーフィズム.pptx
@@ -52,10 +52,11 @@
     <p:sldId id="362" r:id="rId46"/>
     <p:sldId id="363" r:id="rId47"/>
     <p:sldId id="364" r:id="rId48"/>
-    <p:sldId id="365" r:id="rId49"/>
-    <p:sldId id="367" r:id="rId50"/>
-    <p:sldId id="368" r:id="rId51"/>
-    <p:sldId id="366" r:id="rId52"/>
+    <p:sldId id="369" r:id="rId49"/>
+    <p:sldId id="365" r:id="rId50"/>
+    <p:sldId id="367" r:id="rId51"/>
+    <p:sldId id="368" r:id="rId52"/>
+    <p:sldId id="366" r:id="rId53"/>
   </p:sldIdLst>
   <p:sldSz cx="12192000" cy="6858000"/>
   <p:notesSz cx="6858000" cy="9144000"/>
@@ -293,7 +294,7 @@
           <a:p>
             <a:fld id="{5B96D3F8-CD2E-4A0D-AC38-517181EABB18}" type="datetimeFigureOut">
               <a:rPr kumimoji="1" lang="ja-JP" altLang="en-US" smtClean="0"/>
-              <a:t>2024/9/23</a:t>
+              <a:t>2024/9/24</a:t>
             </a:fld>
             <a:endParaRPr kumimoji="1" lang="ja-JP" altLang="en-US"/>
           </a:p>
@@ -495,7 +496,7 @@
           <a:p>
             <a:fld id="{5B96D3F8-CD2E-4A0D-AC38-517181EABB18}" type="datetimeFigureOut">
               <a:rPr kumimoji="1" lang="ja-JP" altLang="en-US" smtClean="0"/>
-              <a:t>2024/9/23</a:t>
+              <a:t>2024/9/24</a:t>
             </a:fld>
             <a:endParaRPr kumimoji="1" lang="ja-JP" altLang="en-US"/>
           </a:p>
@@ -707,7 +708,7 @@
           <a:p>
             <a:fld id="{5B96D3F8-CD2E-4A0D-AC38-517181EABB18}" type="datetimeFigureOut">
               <a:rPr kumimoji="1" lang="ja-JP" altLang="en-US" smtClean="0"/>
-              <a:t>2024/9/23</a:t>
+              <a:t>2024/9/24</a:t>
             </a:fld>
             <a:endParaRPr kumimoji="1" lang="ja-JP" altLang="en-US"/>
           </a:p>
@@ -909,7 +910,7 @@
           <a:p>
             <a:fld id="{5B96D3F8-CD2E-4A0D-AC38-517181EABB18}" type="datetimeFigureOut">
               <a:rPr kumimoji="1" lang="ja-JP" altLang="en-US" smtClean="0"/>
-              <a:t>2024/9/23</a:t>
+              <a:t>2024/9/24</a:t>
             </a:fld>
             <a:endParaRPr kumimoji="1" lang="ja-JP" altLang="en-US"/>
           </a:p>
@@ -1155,7 +1156,7 @@
           <a:p>
             <a:fld id="{5B96D3F8-CD2E-4A0D-AC38-517181EABB18}" type="datetimeFigureOut">
               <a:rPr kumimoji="1" lang="ja-JP" altLang="en-US" smtClean="0"/>
-              <a:t>2024/9/23</a:t>
+              <a:t>2024/9/24</a:t>
             </a:fld>
             <a:endParaRPr kumimoji="1" lang="ja-JP" altLang="en-US"/>
           </a:p>
@@ -1451,7 +1452,7 @@
           <a:p>
             <a:fld id="{5B96D3F8-CD2E-4A0D-AC38-517181EABB18}" type="datetimeFigureOut">
               <a:rPr kumimoji="1" lang="ja-JP" altLang="en-US" smtClean="0"/>
-              <a:t>2024/9/23</a:t>
+              <a:t>2024/9/24</a:t>
             </a:fld>
             <a:endParaRPr kumimoji="1" lang="ja-JP" altLang="en-US"/>
           </a:p>
@@ -1882,7 +1883,7 @@
           <a:p>
             <a:fld id="{5B96D3F8-CD2E-4A0D-AC38-517181EABB18}" type="datetimeFigureOut">
               <a:rPr kumimoji="1" lang="ja-JP" altLang="en-US" smtClean="0"/>
-              <a:t>2024/9/23</a:t>
+              <a:t>2024/9/24</a:t>
             </a:fld>
             <a:endParaRPr kumimoji="1" lang="ja-JP" altLang="en-US"/>
           </a:p>
@@ -2000,7 +2001,7 @@
           <a:p>
             <a:fld id="{5B96D3F8-CD2E-4A0D-AC38-517181EABB18}" type="datetimeFigureOut">
               <a:rPr kumimoji="1" lang="ja-JP" altLang="en-US" smtClean="0"/>
-              <a:t>2024/9/23</a:t>
+              <a:t>2024/9/24</a:t>
             </a:fld>
             <a:endParaRPr kumimoji="1" lang="ja-JP" altLang="en-US"/>
           </a:p>
@@ -2095,7 +2096,7 @@
           <a:p>
             <a:fld id="{5B96D3F8-CD2E-4A0D-AC38-517181EABB18}" type="datetimeFigureOut">
               <a:rPr kumimoji="1" lang="ja-JP" altLang="en-US" smtClean="0"/>
-              <a:t>2024/9/23</a:t>
+              <a:t>2024/9/24</a:t>
             </a:fld>
             <a:endParaRPr kumimoji="1" lang="ja-JP" altLang="en-US"/>
           </a:p>
@@ -2404,7 +2405,7 @@
           <a:p>
             <a:fld id="{5B96D3F8-CD2E-4A0D-AC38-517181EABB18}" type="datetimeFigureOut">
               <a:rPr kumimoji="1" lang="ja-JP" altLang="en-US" smtClean="0"/>
-              <a:t>2024/9/23</a:t>
+              <a:t>2024/9/24</a:t>
             </a:fld>
             <a:endParaRPr kumimoji="1" lang="ja-JP" altLang="en-US"/>
           </a:p>
@@ -2661,7 +2662,7 @@
           <a:p>
             <a:fld id="{5B96D3F8-CD2E-4A0D-AC38-517181EABB18}" type="datetimeFigureOut">
               <a:rPr kumimoji="1" lang="ja-JP" altLang="en-US" smtClean="0"/>
-              <a:t>2024/9/23</a:t>
+              <a:t>2024/9/24</a:t>
             </a:fld>
             <a:endParaRPr kumimoji="1" lang="ja-JP" altLang="en-US"/>
           </a:p>
@@ -2906,7 +2907,7 @@
           <a:p>
             <a:fld id="{5B96D3F8-CD2E-4A0D-AC38-517181EABB18}" type="datetimeFigureOut">
               <a:rPr kumimoji="1" lang="ja-JP" altLang="en-US" smtClean="0"/>
-              <a:t>2024/9/23</a:t>
+              <a:t>2024/9/24</a:t>
             </a:fld>
             <a:endParaRPr kumimoji="1" lang="ja-JP" altLang="en-US"/>
           </a:p>
@@ -20689,7 +20690,7 @@
         <p:spPr>
           <a:xfrm>
             <a:off x="5222874" y="3081362"/>
-            <a:ext cx="4937570" cy="954107"/>
+            <a:ext cx="5642891" cy="954107"/>
           </a:xfrm>
           <a:prstGeom prst="rect">
             <a:avLst/>
@@ -20718,14 +20719,14 @@
           <a:p>
             <a:r>
               <a:rPr kumimoji="1" lang="ja-JP" altLang="en-US" sz="2800" dirty="0"/>
-              <a:t>テンプレートを使用した関数の</a:t>
+              <a:t>テンプレートで処理を記述したので</a:t>
             </a:r>
             <a:endParaRPr kumimoji="1" lang="en-US" altLang="ja-JP" sz="2800" dirty="0"/>
           </a:p>
           <a:p>
             <a:r>
               <a:rPr kumimoji="1" lang="ja-JP" altLang="en-US" sz="2800" dirty="0"/>
-              <a:t>処理を削除</a:t>
+              <a:t>従来の関数処理を削除</a:t>
             </a:r>
             <a:endParaRPr kumimoji="1" lang="en-US" altLang="ja-JP" sz="2800" dirty="0"/>
           </a:p>
@@ -21194,7 +21195,7 @@
           <p:cNvPr id="2" name="タイトル 1">
             <a:extLst>
               <a:ext uri="{FF2B5EF4-FFF2-40B4-BE49-F238E27FC236}">
-                <a16:creationId xmlns:a16="http://schemas.microsoft.com/office/drawing/2014/main" id="{EC1D9B36-FFC2-4D52-A2A6-FEEE7804F5FA}"/>
+                <a16:creationId xmlns:a16="http://schemas.microsoft.com/office/drawing/2014/main" id="{9F789731-37C4-49DD-AEE8-78E5514E279E}"/>
               </a:ext>
             </a:extLst>
           </p:cNvPr>
@@ -21207,20 +21208,13 @@
         </p:nvSpPr>
         <p:spPr/>
         <p:txBody>
-          <a:bodyPr>
-            <a:normAutofit/>
-          </a:bodyPr>
+          <a:bodyPr/>
           <a:lstStyle/>
           <a:p>
             <a:r>
               <a:rPr kumimoji="1" lang="ja-JP" altLang="en-US" dirty="0"/>
-              <a:t>継承</a:t>
-            </a:r>
-            <a:r>
-              <a:rPr lang="ja-JP" altLang="en-US" dirty="0"/>
-              <a:t>を使った演習問題</a:t>
-            </a:r>
-            <a:endParaRPr kumimoji="1" lang="ja-JP" altLang="en-US" dirty="0"/>
+              <a:t>ポリモーフィズム</a:t>
+            </a:r>
           </a:p>
         </p:txBody>
       </p:sp>
@@ -21229,7 +21223,7 @@
           <p:cNvPr id="3" name="コンテンツ プレースホルダー 2">
             <a:extLst>
               <a:ext uri="{FF2B5EF4-FFF2-40B4-BE49-F238E27FC236}">
-                <a16:creationId xmlns:a16="http://schemas.microsoft.com/office/drawing/2014/main" id="{534285BC-9209-40FB-8017-B7672579046F}"/>
+                <a16:creationId xmlns:a16="http://schemas.microsoft.com/office/drawing/2014/main" id="{39562F0E-6033-40BD-BCB8-F015661306FD}"/>
               </a:ext>
             </a:extLst>
           </p:cNvPr>
@@ -21242,8 +21236,8 @@
         </p:nvSpPr>
         <p:spPr>
           <a:xfrm>
-            <a:off x="430306" y="1376038"/>
-            <a:ext cx="11654118" cy="5329562"/>
+            <a:off x="838200" y="1376038"/>
+            <a:ext cx="10515600" cy="5374958"/>
           </a:xfrm>
         </p:spPr>
         <p:txBody>
@@ -21253,233 +21247,154 @@
           <a:lstStyle/>
           <a:p>
             <a:r>
+              <a:rPr lang="ja-JP" altLang="en-US" sz="4400" b="1" u="sng" dirty="0"/>
+              <a:t>テンプレート</a:t>
+            </a:r>
+            <a:endParaRPr lang="en-US" altLang="ja-JP" sz="4400" dirty="0"/>
+          </a:p>
+          <a:p>
+            <a:r>
+              <a:rPr lang="ja-JP" altLang="en-US" dirty="0"/>
+              <a:t>テンプレートを用いることで、引数の数が同じだが引数の戻り値や型だけが異なる関数の記述をまとめることができる</a:t>
+            </a:r>
+            <a:br>
               <a:rPr lang="en-US" altLang="ja-JP" dirty="0"/>
-              <a:t>C++</a:t>
+            </a:br>
+            <a:r>
+              <a:rPr lang="en-US" altLang="ja-JP" dirty="0"/>
+              <a:t>【</a:t>
             </a:r>
             <a:r>
               <a:rPr lang="ja-JP" altLang="en-US" dirty="0"/>
-              <a:t>作業フォルダ内に</a:t>
-            </a:r>
-            <a:r>
-              <a:rPr lang="en-US" altLang="ja-JP" b="1" dirty="0" err="1"/>
-              <a:t>SampleRPG</a:t>
+              <a:t>宣言方法</a:t>
+            </a:r>
+            <a:r>
+              <a:rPr lang="en-US" altLang="ja-JP" dirty="0"/>
+              <a:t>】</a:t>
+            </a:r>
+            <a:br>
+              <a:rPr lang="en-US" altLang="ja-JP" dirty="0"/>
+            </a:br>
+            <a:r>
+              <a:rPr lang="en-US" altLang="ja-JP" dirty="0"/>
+              <a:t>template &lt;</a:t>
+            </a:r>
+            <a:r>
+              <a:rPr lang="en-US" altLang="ja-JP" dirty="0" err="1"/>
+              <a:t>typename</a:t>
+            </a:r>
+            <a:r>
+              <a:rPr lang="en-US" altLang="ja-JP" dirty="0"/>
+              <a:t> T&gt;</a:t>
+            </a:r>
+            <a:br>
+              <a:rPr lang="en-US" altLang="ja-JP" dirty="0"/>
+            </a:br>
+            <a:r>
+              <a:rPr lang="en-US" altLang="ja-JP" dirty="0"/>
+              <a:t>T </a:t>
             </a:r>
             <a:r>
               <a:rPr lang="ja-JP" altLang="en-US" dirty="0"/>
-              <a:t>フォルダを作成</a:t>
-            </a:r>
-            <a:br>
+              <a:t>関数名</a:t>
+            </a:r>
+            <a:r>
               <a:rPr lang="en-US" altLang="ja-JP" dirty="0"/>
-            </a:br>
-            <a:r>
-              <a:rPr lang="en-US" altLang="ja-JP" dirty="0">
-                <a:solidFill>
-                  <a:srgbClr val="0070C0"/>
-                </a:solidFill>
-              </a:rPr>
-              <a:t>cd ..</a:t>
-            </a:r>
-            <a:br>
-              <a:rPr lang="en-US" altLang="ja-JP" dirty="0">
-                <a:solidFill>
-                  <a:srgbClr val="0070C0"/>
-                </a:solidFill>
-              </a:rPr>
-            </a:br>
-            <a:r>
-              <a:rPr lang="en-US" altLang="ja-JP" dirty="0" err="1">
-                <a:solidFill>
-                  <a:srgbClr val="0070C0"/>
-                </a:solidFill>
-              </a:rPr>
-              <a:t>mkdir</a:t>
-            </a:r>
-            <a:r>
-              <a:rPr lang="en-US" altLang="ja-JP" dirty="0">
-                <a:solidFill>
-                  <a:srgbClr val="0070C0"/>
-                </a:solidFill>
-              </a:rPr>
-              <a:t> </a:t>
-            </a:r>
-            <a:r>
-              <a:rPr lang="en-US" altLang="ja-JP" dirty="0" err="1">
-                <a:solidFill>
-                  <a:srgbClr val="0070C0"/>
-                </a:solidFill>
-              </a:rPr>
-              <a:t>SampleRPG</a:t>
-            </a:r>
-            <a:br>
-              <a:rPr lang="en-US" altLang="ja-JP" dirty="0">
-                <a:solidFill>
-                  <a:srgbClr val="0070C0"/>
-                </a:solidFill>
-              </a:rPr>
-            </a:br>
-            <a:r>
-              <a:rPr lang="en-US" altLang="ja-JP" dirty="0">
-                <a:solidFill>
-                  <a:srgbClr val="0070C0"/>
-                </a:solidFill>
-              </a:rPr>
-              <a:t>cd </a:t>
-            </a:r>
-            <a:r>
-              <a:rPr lang="en-US" altLang="ja-JP" dirty="0" err="1">
-                <a:solidFill>
-                  <a:srgbClr val="0070C0"/>
-                </a:solidFill>
-              </a:rPr>
-              <a:t>SampleRPG</a:t>
-            </a:r>
-            <a:endParaRPr lang="en-US" altLang="ja-JP" dirty="0">
-              <a:solidFill>
-                <a:srgbClr val="0070C0"/>
-              </a:solidFill>
-            </a:endParaRPr>
-          </a:p>
-          <a:p>
-            <a:r>
-              <a:rPr kumimoji="1" lang="en-US" altLang="ja-JP" b="1" dirty="0" err="1"/>
-              <a:t>SampleRPG</a:t>
-            </a:r>
-            <a:r>
-              <a:rPr kumimoji="1" lang="ja-JP" altLang="en-US" dirty="0"/>
-              <a:t>フォルダ内に </a:t>
-            </a:r>
-            <a:r>
-              <a:rPr kumimoji="1" lang="en-US" altLang="ja-JP" dirty="0" err="1"/>
-              <a:t>chara.h</a:t>
+              <a:t>(T </a:t>
+            </a:r>
+            <a:r>
+              <a:rPr lang="ja-JP" altLang="en-US" dirty="0"/>
+              <a:t>引数</a:t>
             </a:r>
             <a:r>
               <a:rPr lang="en-US" altLang="ja-JP" dirty="0"/>
-              <a:t>, chara.cpp,</a:t>
+              <a:t>1, T </a:t>
             </a:r>
             <a:r>
               <a:rPr lang="ja-JP" altLang="en-US" dirty="0"/>
-              <a:t> </a:t>
-            </a:r>
-            <a:r>
-              <a:rPr lang="en-US" altLang="ja-JP" dirty="0" err="1"/>
-              <a:t>player.h</a:t>
+              <a:t>引数</a:t>
             </a:r>
             <a:r>
               <a:rPr lang="en-US" altLang="ja-JP" dirty="0"/>
-              <a:t>, player.cpp, main.cpp </a:t>
+              <a:t>2,</a:t>
             </a:r>
             <a:r>
               <a:rPr lang="ja-JP" altLang="en-US" dirty="0"/>
-              <a:t>の</a:t>
+              <a:t>・・・</a:t>
             </a:r>
             <a:r>
               <a:rPr lang="en-US" altLang="ja-JP" dirty="0"/>
-              <a:t>7</a:t>
+              <a:t>)</a:t>
+            </a:r>
+            <a:br>
+              <a:rPr lang="en-US" altLang="ja-JP" dirty="0"/>
+            </a:br>
+            <a:br>
+              <a:rPr lang="en-US" altLang="ja-JP" dirty="0"/>
+            </a:br>
+            <a:r>
+              <a:rPr lang="en-US" altLang="ja-JP" dirty="0"/>
+              <a:t>【</a:t>
             </a:r>
             <a:r>
               <a:rPr lang="ja-JP" altLang="en-US" dirty="0"/>
-              <a:t>つの</a:t>
-            </a:r>
-            <a:br>
+              <a:t>実行方法</a:t>
+            </a:r>
+            <a:r>
               <a:rPr lang="en-US" altLang="ja-JP" dirty="0"/>
+              <a:t>】</a:t>
+            </a:r>
+            <a:br>
+              <a:rPr lang="en-US" altLang="ja-JP" dirty="0"/>
             </a:br>
             <a:r>
               <a:rPr lang="ja-JP" altLang="en-US" dirty="0"/>
-              <a:t>ファイルを作成する</a:t>
-            </a:r>
-            <a:br>
+              <a:t>関数名</a:t>
+            </a:r>
+            <a:r>
               <a:rPr lang="en-US" altLang="ja-JP" dirty="0"/>
-            </a:br>
-            <a:r>
-              <a:rPr lang="en-US" altLang="ja-JP" dirty="0">
-                <a:solidFill>
-                  <a:srgbClr val="0070C0"/>
-                </a:solidFill>
-              </a:rPr>
-              <a:t>copy </a:t>
-            </a:r>
-            <a:r>
-              <a:rPr lang="en-US" altLang="ja-JP" dirty="0" err="1">
-                <a:solidFill>
-                  <a:srgbClr val="0070C0"/>
-                </a:solidFill>
-              </a:rPr>
-              <a:t>nul</a:t>
-            </a:r>
-            <a:r>
-              <a:rPr lang="en-US" altLang="ja-JP" dirty="0">
-                <a:solidFill>
-                  <a:srgbClr val="0070C0"/>
-                </a:solidFill>
-              </a:rPr>
-              <a:t> </a:t>
-            </a:r>
-            <a:r>
-              <a:rPr lang="en-US" altLang="ja-JP" dirty="0" err="1">
-                <a:solidFill>
-                  <a:srgbClr val="0070C0"/>
-                </a:solidFill>
-              </a:rPr>
-              <a:t>chara.h</a:t>
-            </a:r>
-            <a:br>
-              <a:rPr lang="en-US" altLang="ja-JP" dirty="0">
-                <a:solidFill>
-                  <a:srgbClr val="0070C0"/>
-                </a:solidFill>
-              </a:rPr>
-            </a:br>
-            <a:r>
-              <a:rPr lang="en-US" altLang="ja-JP" dirty="0">
-                <a:solidFill>
-                  <a:srgbClr val="0070C0"/>
-                </a:solidFill>
-              </a:rPr>
-              <a:t>copy </a:t>
-            </a:r>
-            <a:r>
-              <a:rPr lang="en-US" altLang="ja-JP" dirty="0" err="1">
-                <a:solidFill>
-                  <a:srgbClr val="0070C0"/>
-                </a:solidFill>
-              </a:rPr>
-              <a:t>nul</a:t>
-            </a:r>
-            <a:r>
-              <a:rPr lang="en-US" altLang="ja-JP" dirty="0">
-                <a:solidFill>
-                  <a:srgbClr val="0070C0"/>
-                </a:solidFill>
-              </a:rPr>
-              <a:t> chara.cpp</a:t>
-            </a:r>
-            <a:br>
-              <a:rPr lang="en-US" altLang="ja-JP" dirty="0">
-                <a:solidFill>
-                  <a:srgbClr val="0070C0"/>
-                </a:solidFill>
-              </a:rPr>
-            </a:br>
-            <a:r>
-              <a:rPr lang="ja-JP" altLang="en-US" dirty="0">
-                <a:solidFill>
-                  <a:srgbClr val="0070C0"/>
-                </a:solidFill>
-              </a:rPr>
-              <a:t>（略）</a:t>
-            </a:r>
-            <a:endParaRPr kumimoji="1" lang="ja-JP" altLang="en-US" dirty="0">
-              <a:solidFill>
-                <a:srgbClr val="0070C0"/>
-              </a:solidFill>
-            </a:endParaRPr>
+              <a:t>&lt;</a:t>
+            </a:r>
+            <a:r>
+              <a:rPr lang="ja-JP" altLang="en-US" dirty="0"/>
+              <a:t>型名</a:t>
+            </a:r>
+            <a:r>
+              <a:rPr lang="en-US" altLang="ja-JP" dirty="0"/>
+              <a:t>&gt;(</a:t>
+            </a:r>
+            <a:r>
+              <a:rPr lang="ja-JP" altLang="en-US" dirty="0"/>
+              <a:t>引数</a:t>
+            </a:r>
+            <a:r>
+              <a:rPr lang="en-US" altLang="ja-JP" dirty="0"/>
+              <a:t>1, </a:t>
+            </a:r>
+            <a:r>
+              <a:rPr lang="ja-JP" altLang="en-US" dirty="0"/>
+              <a:t>引数</a:t>
+            </a:r>
+            <a:r>
+              <a:rPr lang="en-US" altLang="ja-JP" dirty="0"/>
+              <a:t>2,</a:t>
+            </a:r>
+            <a:r>
+              <a:rPr lang="ja-JP" altLang="en-US" dirty="0"/>
+              <a:t>・・・</a:t>
+            </a:r>
+            <a:r>
+              <a:rPr lang="en-US" altLang="ja-JP"/>
+              <a:t>)</a:t>
+            </a:r>
+            <a:endParaRPr lang="en-US" altLang="ja-JP" sz="3200" dirty="0"/>
           </a:p>
         </p:txBody>
       </p:sp>
     </p:spTree>
     <p:extLst>
       <p:ext uri="{BB962C8B-B14F-4D97-AF65-F5344CB8AC3E}">
-        <p14:creationId xmlns:p14="http://schemas.microsoft.com/office/powerpoint/2010/main" val="3237867755"/>
+        <p14:creationId xmlns:p14="http://schemas.microsoft.com/office/powerpoint/2010/main" val="4247757912"/>
       </p:ext>
     </p:extLst>
   </p:cSld>
@@ -21570,89 +21485,163 @@
           <a:lstStyle/>
           <a:p>
             <a:r>
+              <a:rPr lang="en-US" altLang="ja-JP" dirty="0"/>
+              <a:t>C++</a:t>
+            </a:r>
+            <a:r>
+              <a:rPr lang="ja-JP" altLang="en-US" dirty="0"/>
+              <a:t>作業フォルダ内に</a:t>
+            </a:r>
+            <a:r>
+              <a:rPr lang="en-US" altLang="ja-JP" b="1" dirty="0" err="1"/>
+              <a:t>SampleRPG</a:t>
+            </a:r>
+            <a:r>
+              <a:rPr lang="ja-JP" altLang="en-US" dirty="0"/>
+              <a:t>フォルダを作成</a:t>
+            </a:r>
+            <a:br>
+              <a:rPr lang="en-US" altLang="ja-JP" dirty="0"/>
+            </a:br>
+            <a:r>
+              <a:rPr lang="en-US" altLang="ja-JP" dirty="0">
+                <a:solidFill>
+                  <a:srgbClr val="0070C0"/>
+                </a:solidFill>
+              </a:rPr>
+              <a:t>cd ..</a:t>
+            </a:r>
+            <a:br>
+              <a:rPr lang="en-US" altLang="ja-JP" dirty="0">
+                <a:solidFill>
+                  <a:srgbClr val="0070C0"/>
+                </a:solidFill>
+              </a:rPr>
+            </a:br>
+            <a:r>
               <a:rPr lang="en-US" altLang="ja-JP" dirty="0" err="1">
                 <a:solidFill>
-                  <a:srgbClr val="00B050"/>
-                </a:solidFill>
-              </a:rPr>
+                  <a:srgbClr val="0070C0"/>
+                </a:solidFill>
+              </a:rPr>
+              <a:t>mkdir</a:t>
+            </a:r>
+            <a:r>
+              <a:rPr lang="en-US" altLang="ja-JP" dirty="0">
+                <a:solidFill>
+                  <a:srgbClr val="0070C0"/>
+                </a:solidFill>
+              </a:rPr>
+              <a:t> </a:t>
+            </a:r>
+            <a:r>
+              <a:rPr lang="en-US" altLang="ja-JP" dirty="0" err="1">
+                <a:solidFill>
+                  <a:srgbClr val="0070C0"/>
+                </a:solidFill>
+              </a:rPr>
+              <a:t>SampleRPG</a:t>
+            </a:r>
+            <a:br>
+              <a:rPr lang="en-US" altLang="ja-JP" dirty="0">
+                <a:solidFill>
+                  <a:srgbClr val="0070C0"/>
+                </a:solidFill>
+              </a:rPr>
+            </a:br>
+            <a:r>
+              <a:rPr lang="en-US" altLang="ja-JP" dirty="0">
+                <a:solidFill>
+                  <a:srgbClr val="0070C0"/>
+                </a:solidFill>
+              </a:rPr>
+              <a:t>cd </a:t>
+            </a:r>
+            <a:r>
+              <a:rPr lang="en-US" altLang="ja-JP" dirty="0" err="1">
+                <a:solidFill>
+                  <a:srgbClr val="0070C0"/>
+                </a:solidFill>
+              </a:rPr>
+              <a:t>SampleRPG</a:t>
+            </a:r>
+            <a:endParaRPr lang="en-US" altLang="ja-JP" dirty="0">
+              <a:solidFill>
+                <a:srgbClr val="0070C0"/>
+              </a:solidFill>
+            </a:endParaRPr>
+          </a:p>
+          <a:p>
+            <a:r>
+              <a:rPr kumimoji="1" lang="en-US" altLang="ja-JP" b="1" dirty="0" err="1"/>
+              <a:t>SampleRPG</a:t>
+            </a:r>
+            <a:r>
+              <a:rPr kumimoji="1" lang="ja-JP" altLang="en-US" dirty="0"/>
+              <a:t>フォルダ内に </a:t>
+            </a:r>
+            <a:r>
+              <a:rPr kumimoji="1" lang="en-US" altLang="ja-JP" dirty="0" err="1"/>
               <a:t>chara.h</a:t>
             </a:r>
             <a:r>
-              <a:rPr lang="ja-JP" altLang="en-US" dirty="0"/>
-              <a:t>に</a:t>
-            </a:r>
-            <a:r>
-              <a:rPr lang="en-US" altLang="ja-JP" dirty="0">
-                <a:solidFill>
-                  <a:srgbClr val="0070C0"/>
-                </a:solidFill>
-              </a:rPr>
-              <a:t>Chara</a:t>
-            </a:r>
-            <a:r>
-              <a:rPr lang="ja-JP" altLang="en-US" dirty="0">
-                <a:solidFill>
-                  <a:srgbClr val="0070C0"/>
-                </a:solidFill>
-              </a:rPr>
-              <a:t>クラス</a:t>
-            </a:r>
-            <a:r>
-              <a:rPr lang="ja-JP" altLang="en-US" dirty="0"/>
-              <a:t>を定義する</a:t>
-            </a:r>
-            <a:endParaRPr lang="en-US" altLang="ja-JP" dirty="0"/>
-          </a:p>
-          <a:p>
-            <a:r>
-              <a:rPr lang="en-US" altLang="ja-JP" dirty="0">
-                <a:solidFill>
-                  <a:srgbClr val="FF0000"/>
-                </a:solidFill>
-              </a:rPr>
-              <a:t>protected</a:t>
-            </a:r>
-            <a:r>
-              <a:rPr lang="ja-JP" altLang="en-US" dirty="0"/>
-              <a:t>なメンバ変数（すべて</a:t>
-            </a:r>
-            <a:r>
-              <a:rPr lang="en-US" altLang="ja-JP" dirty="0">
-                <a:solidFill>
-                  <a:srgbClr val="FF0000"/>
-                </a:solidFill>
-              </a:rPr>
-              <a:t>int</a:t>
-            </a:r>
-            <a:r>
-              <a:rPr lang="ja-JP" altLang="en-US" dirty="0"/>
-              <a:t>型）</a:t>
-            </a:r>
-          </a:p>
-          <a:p>
-            <a:pPr marL="0" indent="0">
-              <a:buNone/>
-            </a:pPr>
+              <a:rPr lang="en-US" altLang="ja-JP" dirty="0"/>
+              <a:t>, chara.cpp,</a:t>
+            </a:r>
             <a:r>
               <a:rPr lang="ja-JP" altLang="en-US" dirty="0"/>
               <a:t> </a:t>
             </a:r>
             <a:r>
+              <a:rPr lang="en-US" altLang="ja-JP" dirty="0" err="1"/>
+              <a:t>player.h</a:t>
+            </a:r>
+            <a:r>
+              <a:rPr lang="en-US" altLang="ja-JP" dirty="0"/>
+              <a:t>, player.cpp, main.cpp </a:t>
+            </a:r>
+            <a:r>
+              <a:rPr lang="ja-JP" altLang="en-US" dirty="0"/>
+              <a:t>の</a:t>
+            </a:r>
+            <a:r>
+              <a:rPr lang="en-US" altLang="ja-JP" dirty="0"/>
+              <a:t>7</a:t>
+            </a:r>
+            <a:r>
+              <a:rPr lang="ja-JP" altLang="en-US" dirty="0"/>
+              <a:t>つの</a:t>
+            </a:r>
+            <a:br>
+              <a:rPr lang="en-US" altLang="ja-JP" dirty="0"/>
+            </a:br>
+            <a:r>
+              <a:rPr lang="ja-JP" altLang="en-US" dirty="0"/>
+              <a:t>ファイルを作成する</a:t>
+            </a:r>
+            <a:br>
+              <a:rPr lang="en-US" altLang="ja-JP" dirty="0"/>
+            </a:br>
+            <a:r>
+              <a:rPr lang="en-US" altLang="ja-JP" dirty="0">
+                <a:solidFill>
+                  <a:srgbClr val="0070C0"/>
+                </a:solidFill>
+              </a:rPr>
+              <a:t>copy </a:t>
+            </a:r>
+            <a:r>
               <a:rPr lang="en-US" altLang="ja-JP" dirty="0" err="1">
                 <a:solidFill>
-                  <a:srgbClr val="FF00FF"/>
-                </a:solidFill>
-              </a:rPr>
-              <a:t>m_Hp</a:t>
-            </a:r>
-            <a:r>
-              <a:rPr lang="en-US" altLang="ja-JP" dirty="0"/>
-              <a:t>,</a:t>
+                  <a:srgbClr val="0070C0"/>
+                </a:solidFill>
+              </a:rPr>
+              <a:t>nul</a:t>
             </a:r>
             <a:r>
               <a:rPr lang="en-US" altLang="ja-JP" dirty="0">
                 <a:solidFill>
-                  <a:srgbClr val="FF00FF"/>
+                  <a:srgbClr val="0070C0"/>
                 </a:solidFill>
               </a:rPr>
               <a:t> </a:t>
@@ -21660,151 +21649,56 @@
             <a:r>
               <a:rPr lang="en-US" altLang="ja-JP" dirty="0" err="1">
                 <a:solidFill>
-                  <a:srgbClr val="FF00FF"/>
-                </a:solidFill>
-              </a:rPr>
-              <a:t>m_Atk</a:t>
-            </a:r>
-            <a:r>
-              <a:rPr lang="en-US" altLang="ja-JP" dirty="0"/>
-              <a:t>,</a:t>
-            </a:r>
-            <a:r>
+                  <a:srgbClr val="0070C0"/>
+                </a:solidFill>
+              </a:rPr>
+              <a:t>chara.h</a:t>
+            </a:r>
+            <a:br>
               <a:rPr lang="en-US" altLang="ja-JP" dirty="0">
                 <a:solidFill>
-                  <a:srgbClr val="FF00FF"/>
-                </a:solidFill>
-              </a:rPr>
-              <a:t> </a:t>
+                  <a:srgbClr val="0070C0"/>
+                </a:solidFill>
+              </a:rPr>
+            </a:br>
+            <a:r>
+              <a:rPr lang="en-US" altLang="ja-JP" dirty="0">
+                <a:solidFill>
+                  <a:srgbClr val="0070C0"/>
+                </a:solidFill>
+              </a:rPr>
+              <a:t>copy </a:t>
             </a:r>
             <a:r>
               <a:rPr lang="en-US" altLang="ja-JP" dirty="0" err="1">
                 <a:solidFill>
-                  <a:srgbClr val="FF00FF"/>
-                </a:solidFill>
-              </a:rPr>
-              <a:t>m_Def</a:t>
+                  <a:srgbClr val="0070C0"/>
+                </a:solidFill>
+              </a:rPr>
+              <a:t>nul</a:t>
             </a:r>
             <a:r>
               <a:rPr lang="en-US" altLang="ja-JP" dirty="0">
                 <a:solidFill>
-                  <a:srgbClr val="FF00FF"/>
-                </a:solidFill>
-              </a:rPr>
-              <a:t> </a:t>
-            </a:r>
-            <a:r>
-              <a:rPr lang="ja-JP" altLang="en-US" dirty="0"/>
-              <a:t>を定義する</a:t>
-            </a:r>
-            <a:endParaRPr lang="en-US" altLang="ja-JP" dirty="0"/>
-          </a:p>
-          <a:p>
-            <a:r>
-              <a:rPr lang="ja-JP" altLang="en-US" dirty="0"/>
-              <a:t>各メンバ変数に対して、</a:t>
-            </a:r>
-            <a:r>
+                  <a:srgbClr val="0070C0"/>
+                </a:solidFill>
+              </a:rPr>
+              <a:t> chara.cpp</a:t>
+            </a:r>
+            <a:br>
               <a:rPr lang="en-US" altLang="ja-JP" dirty="0">
                 <a:solidFill>
-                  <a:srgbClr val="FF0000"/>
-                </a:solidFill>
-              </a:rPr>
-              <a:t>public</a:t>
-            </a:r>
-            <a:r>
-              <a:rPr lang="ja-JP" altLang="en-US" dirty="0"/>
-              <a:t>な</a:t>
-            </a:r>
+                  <a:srgbClr val="0070C0"/>
+                </a:solidFill>
+              </a:rPr>
+            </a:br>
             <a:r>
               <a:rPr lang="ja-JP" altLang="en-US" dirty="0">
                 <a:solidFill>
                   <a:srgbClr val="0070C0"/>
                 </a:solidFill>
               </a:rPr>
-              <a:t>ゲッターを定義</a:t>
-            </a:r>
-            <a:r>
-              <a:rPr lang="ja-JP" altLang="en-US" dirty="0"/>
-              <a:t>する（</a:t>
-            </a:r>
-            <a:r>
-              <a:rPr lang="en-US" altLang="ja-JP" dirty="0"/>
-              <a:t>※</a:t>
-            </a:r>
-            <a:r>
-              <a:rPr lang="ja-JP" altLang="en-US" dirty="0"/>
-              <a:t>セッターは不要）。</a:t>
-            </a:r>
-          </a:p>
-          <a:p>
-            <a:r>
-              <a:rPr lang="ja-JP" altLang="en-US" dirty="0"/>
-              <a:t>コンストラクタは</a:t>
-            </a:r>
-            <a:r>
-              <a:rPr lang="en-US" altLang="ja-JP" dirty="0"/>
-              <a:t>3</a:t>
-            </a:r>
-            <a:r>
-              <a:rPr lang="ja-JP" altLang="en-US" dirty="0"/>
-              <a:t>つの引数（</a:t>
-            </a:r>
-            <a:r>
-              <a:rPr lang="en-US" altLang="ja-JP" dirty="0" err="1"/>
-              <a:t>m_Hp</a:t>
-            </a:r>
-            <a:r>
-              <a:rPr lang="en-US" altLang="ja-JP" dirty="0"/>
-              <a:t>, </a:t>
-            </a:r>
-            <a:r>
-              <a:rPr lang="en-US" altLang="ja-JP" dirty="0" err="1"/>
-              <a:t>m_Atk</a:t>
-            </a:r>
-            <a:r>
-              <a:rPr lang="en-US" altLang="ja-JP" dirty="0"/>
-              <a:t>, </a:t>
-            </a:r>
-            <a:r>
-              <a:rPr lang="en-US" altLang="ja-JP" dirty="0" err="1"/>
-              <a:t>m_Def</a:t>
-            </a:r>
-            <a:r>
-              <a:rPr lang="ja-JP" altLang="en-US" dirty="0"/>
-              <a:t>）をもち、引数の値をメンバ変数の初期値にする</a:t>
-            </a:r>
-          </a:p>
-          <a:p>
-            <a:r>
-              <a:rPr lang="ja-JP" altLang="en-US" dirty="0"/>
-              <a:t>デフォルトコンストラクタではメンバ変数を</a:t>
-            </a:r>
-            <a:r>
-              <a:rPr lang="en-US" altLang="ja-JP" dirty="0"/>
-              <a:t>0</a:t>
-            </a:r>
-            <a:r>
-              <a:rPr lang="ja-JP" altLang="en-US" dirty="0"/>
-              <a:t>にする</a:t>
-            </a:r>
-          </a:p>
-          <a:p>
-            <a:r>
-              <a:rPr lang="ja-JP" altLang="en-US" dirty="0"/>
-              <a:t>各関数の内容は</a:t>
-            </a:r>
-            <a:r>
-              <a:rPr lang="en-US" altLang="ja-JP" dirty="0">
-                <a:solidFill>
-                  <a:srgbClr val="00B050"/>
-                </a:solidFill>
-              </a:rPr>
-              <a:t>chara.cpp</a:t>
-            </a:r>
-            <a:r>
-              <a:rPr lang="ja-JP" altLang="en-US" dirty="0"/>
-              <a:t>に記述する</a:t>
+              <a:t>（略）</a:t>
             </a:r>
             <a:endParaRPr kumimoji="1" lang="ja-JP" altLang="en-US" dirty="0">
               <a:solidFill>
@@ -21817,7 +21711,7 @@
     </p:spTree>
     <p:extLst>
       <p:ext uri="{BB962C8B-B14F-4D97-AF65-F5344CB8AC3E}">
-        <p14:creationId xmlns:p14="http://schemas.microsoft.com/office/powerpoint/2010/main" val="4229817525"/>
+        <p14:creationId xmlns:p14="http://schemas.microsoft.com/office/powerpoint/2010/main" val="3237867755"/>
       </p:ext>
     </p:extLst>
   </p:cSld>
@@ -22204,6 +22098,344 @@
                   <a:srgbClr val="00B050"/>
                 </a:solidFill>
               </a:rPr>
+              <a:t>chara.h</a:t>
+            </a:r>
+            <a:r>
+              <a:rPr lang="ja-JP" altLang="en-US" dirty="0"/>
+              <a:t>に</a:t>
+            </a:r>
+            <a:r>
+              <a:rPr lang="en-US" altLang="ja-JP" dirty="0">
+                <a:solidFill>
+                  <a:srgbClr val="0070C0"/>
+                </a:solidFill>
+              </a:rPr>
+              <a:t>Chara</a:t>
+            </a:r>
+            <a:r>
+              <a:rPr lang="ja-JP" altLang="en-US" dirty="0">
+                <a:solidFill>
+                  <a:srgbClr val="0070C0"/>
+                </a:solidFill>
+              </a:rPr>
+              <a:t>クラス</a:t>
+            </a:r>
+            <a:r>
+              <a:rPr lang="ja-JP" altLang="en-US" dirty="0"/>
+              <a:t>を定義する</a:t>
+            </a:r>
+            <a:endParaRPr lang="en-US" altLang="ja-JP" dirty="0"/>
+          </a:p>
+          <a:p>
+            <a:r>
+              <a:rPr lang="en-US" altLang="ja-JP" dirty="0">
+                <a:solidFill>
+                  <a:srgbClr val="FF0000"/>
+                </a:solidFill>
+              </a:rPr>
+              <a:t>protected</a:t>
+            </a:r>
+            <a:r>
+              <a:rPr lang="ja-JP" altLang="en-US" dirty="0"/>
+              <a:t>なメンバ変数（すべて</a:t>
+            </a:r>
+            <a:r>
+              <a:rPr lang="en-US" altLang="ja-JP" dirty="0">
+                <a:solidFill>
+                  <a:srgbClr val="FF0000"/>
+                </a:solidFill>
+              </a:rPr>
+              <a:t>int</a:t>
+            </a:r>
+            <a:r>
+              <a:rPr lang="ja-JP" altLang="en-US" dirty="0"/>
+              <a:t>型）</a:t>
+            </a:r>
+          </a:p>
+          <a:p>
+            <a:pPr marL="0" indent="0">
+              <a:buNone/>
+            </a:pPr>
+            <a:r>
+              <a:rPr lang="ja-JP" altLang="en-US" dirty="0"/>
+              <a:t> </a:t>
+            </a:r>
+            <a:r>
+              <a:rPr lang="en-US" altLang="ja-JP" dirty="0" err="1">
+                <a:solidFill>
+                  <a:srgbClr val="FF00FF"/>
+                </a:solidFill>
+              </a:rPr>
+              <a:t>m_Hp</a:t>
+            </a:r>
+            <a:r>
+              <a:rPr lang="en-US" altLang="ja-JP" dirty="0"/>
+              <a:t>,</a:t>
+            </a:r>
+            <a:r>
+              <a:rPr lang="en-US" altLang="ja-JP" dirty="0">
+                <a:solidFill>
+                  <a:srgbClr val="FF00FF"/>
+                </a:solidFill>
+              </a:rPr>
+              <a:t> </a:t>
+            </a:r>
+            <a:r>
+              <a:rPr lang="en-US" altLang="ja-JP" dirty="0" err="1">
+                <a:solidFill>
+                  <a:srgbClr val="FF00FF"/>
+                </a:solidFill>
+              </a:rPr>
+              <a:t>m_Atk</a:t>
+            </a:r>
+            <a:r>
+              <a:rPr lang="en-US" altLang="ja-JP" dirty="0"/>
+              <a:t>,</a:t>
+            </a:r>
+            <a:r>
+              <a:rPr lang="en-US" altLang="ja-JP" dirty="0">
+                <a:solidFill>
+                  <a:srgbClr val="FF00FF"/>
+                </a:solidFill>
+              </a:rPr>
+              <a:t> </a:t>
+            </a:r>
+            <a:r>
+              <a:rPr lang="en-US" altLang="ja-JP" dirty="0" err="1">
+                <a:solidFill>
+                  <a:srgbClr val="FF00FF"/>
+                </a:solidFill>
+              </a:rPr>
+              <a:t>m_Def</a:t>
+            </a:r>
+            <a:r>
+              <a:rPr lang="en-US" altLang="ja-JP" dirty="0">
+                <a:solidFill>
+                  <a:srgbClr val="FF00FF"/>
+                </a:solidFill>
+              </a:rPr>
+              <a:t> </a:t>
+            </a:r>
+            <a:r>
+              <a:rPr lang="ja-JP" altLang="en-US" dirty="0"/>
+              <a:t>を定義する</a:t>
+            </a:r>
+            <a:endParaRPr lang="en-US" altLang="ja-JP" dirty="0"/>
+          </a:p>
+          <a:p>
+            <a:r>
+              <a:rPr lang="ja-JP" altLang="en-US" dirty="0"/>
+              <a:t>各メンバ変数に対して、</a:t>
+            </a:r>
+            <a:r>
+              <a:rPr lang="en-US" altLang="ja-JP" dirty="0">
+                <a:solidFill>
+                  <a:srgbClr val="FF0000"/>
+                </a:solidFill>
+              </a:rPr>
+              <a:t>public</a:t>
+            </a:r>
+            <a:r>
+              <a:rPr lang="ja-JP" altLang="en-US" dirty="0"/>
+              <a:t>な</a:t>
+            </a:r>
+            <a:r>
+              <a:rPr lang="ja-JP" altLang="en-US" dirty="0">
+                <a:solidFill>
+                  <a:srgbClr val="0070C0"/>
+                </a:solidFill>
+              </a:rPr>
+              <a:t>ゲッターを定義</a:t>
+            </a:r>
+            <a:r>
+              <a:rPr lang="ja-JP" altLang="en-US" dirty="0"/>
+              <a:t>する（</a:t>
+            </a:r>
+            <a:r>
+              <a:rPr lang="en-US" altLang="ja-JP" dirty="0"/>
+              <a:t>※</a:t>
+            </a:r>
+            <a:r>
+              <a:rPr lang="ja-JP" altLang="en-US" dirty="0"/>
+              <a:t>セッターは不要）。</a:t>
+            </a:r>
+          </a:p>
+          <a:p>
+            <a:r>
+              <a:rPr lang="ja-JP" altLang="en-US" dirty="0"/>
+              <a:t>コンストラクタは</a:t>
+            </a:r>
+            <a:r>
+              <a:rPr lang="en-US" altLang="ja-JP" dirty="0"/>
+              <a:t>3</a:t>
+            </a:r>
+            <a:r>
+              <a:rPr lang="ja-JP" altLang="en-US" dirty="0"/>
+              <a:t>つの引数（</a:t>
+            </a:r>
+            <a:r>
+              <a:rPr lang="en-US" altLang="ja-JP" dirty="0" err="1"/>
+              <a:t>m_Hp</a:t>
+            </a:r>
+            <a:r>
+              <a:rPr lang="en-US" altLang="ja-JP" dirty="0"/>
+              <a:t>, </a:t>
+            </a:r>
+            <a:r>
+              <a:rPr lang="en-US" altLang="ja-JP" dirty="0" err="1"/>
+              <a:t>m_Atk</a:t>
+            </a:r>
+            <a:r>
+              <a:rPr lang="en-US" altLang="ja-JP" dirty="0"/>
+              <a:t>, </a:t>
+            </a:r>
+            <a:r>
+              <a:rPr lang="en-US" altLang="ja-JP" dirty="0" err="1"/>
+              <a:t>m_Def</a:t>
+            </a:r>
+            <a:r>
+              <a:rPr lang="ja-JP" altLang="en-US" dirty="0"/>
+              <a:t>）をもち、引数の値をメンバ変数の初期値にする</a:t>
+            </a:r>
+          </a:p>
+          <a:p>
+            <a:r>
+              <a:rPr lang="ja-JP" altLang="en-US" dirty="0"/>
+              <a:t>デフォルトコンストラクタではメンバ変数を</a:t>
+            </a:r>
+            <a:r>
+              <a:rPr lang="en-US" altLang="ja-JP" dirty="0"/>
+              <a:t>0</a:t>
+            </a:r>
+            <a:r>
+              <a:rPr lang="ja-JP" altLang="en-US" dirty="0"/>
+              <a:t>にする</a:t>
+            </a:r>
+          </a:p>
+          <a:p>
+            <a:r>
+              <a:rPr lang="ja-JP" altLang="en-US" dirty="0"/>
+              <a:t>各関数の内容は</a:t>
+            </a:r>
+            <a:r>
+              <a:rPr lang="en-US" altLang="ja-JP" dirty="0">
+                <a:solidFill>
+                  <a:srgbClr val="00B050"/>
+                </a:solidFill>
+              </a:rPr>
+              <a:t>chara.cpp</a:t>
+            </a:r>
+            <a:r>
+              <a:rPr lang="ja-JP" altLang="en-US" dirty="0"/>
+              <a:t>に記述する</a:t>
+            </a:r>
+            <a:endParaRPr kumimoji="1" lang="ja-JP" altLang="en-US" dirty="0">
+              <a:solidFill>
+                <a:srgbClr val="0070C0"/>
+              </a:solidFill>
+            </a:endParaRPr>
+          </a:p>
+        </p:txBody>
+      </p:sp>
+    </p:spTree>
+    <p:extLst>
+      <p:ext uri="{BB962C8B-B14F-4D97-AF65-F5344CB8AC3E}">
+        <p14:creationId xmlns:p14="http://schemas.microsoft.com/office/powerpoint/2010/main" val="4229817525"/>
+      </p:ext>
+    </p:extLst>
+  </p:cSld>
+  <p:clrMapOvr>
+    <a:masterClrMapping/>
+  </p:clrMapOvr>
+</p:sld>
+</file>
+
+<file path=ppt/slides/slide51.xml><?xml version="1.0" encoding="utf-8"?>
+<p:sld xmlns:a="http://schemas.openxmlformats.org/drawingml/2006/main" xmlns:r="http://schemas.openxmlformats.org/officeDocument/2006/relationships" xmlns:p="http://schemas.openxmlformats.org/presentationml/2006/main">
+  <p:cSld>
+    <p:spTree>
+      <p:nvGrpSpPr>
+        <p:cNvPr id="1" name=""/>
+        <p:cNvGrpSpPr/>
+        <p:nvPr/>
+      </p:nvGrpSpPr>
+      <p:grpSpPr>
+        <a:xfrm>
+          <a:off x="0" y="0"/>
+          <a:ext cx="0" cy="0"/>
+          <a:chOff x="0" y="0"/>
+          <a:chExt cx="0" cy="0"/>
+        </a:xfrm>
+      </p:grpSpPr>
+      <p:sp>
+        <p:nvSpPr>
+          <p:cNvPr id="2" name="タイトル 1">
+            <a:extLst>
+              <a:ext uri="{FF2B5EF4-FFF2-40B4-BE49-F238E27FC236}">
+                <a16:creationId xmlns:a16="http://schemas.microsoft.com/office/drawing/2014/main" id="{EC1D9B36-FFC2-4D52-A2A6-FEEE7804F5FA}"/>
+              </a:ext>
+            </a:extLst>
+          </p:cNvPr>
+          <p:cNvSpPr>
+            <a:spLocks noGrp="1"/>
+          </p:cNvSpPr>
+          <p:nvPr>
+            <p:ph type="title"/>
+          </p:nvPr>
+        </p:nvSpPr>
+        <p:spPr/>
+        <p:txBody>
+          <a:bodyPr>
+            <a:normAutofit/>
+          </a:bodyPr>
+          <a:lstStyle/>
+          <a:p>
+            <a:r>
+              <a:rPr kumimoji="1" lang="ja-JP" altLang="en-US" dirty="0"/>
+              <a:t>継承</a:t>
+            </a:r>
+            <a:r>
+              <a:rPr lang="ja-JP" altLang="en-US" dirty="0"/>
+              <a:t>を使った演習問題</a:t>
+            </a:r>
+            <a:endParaRPr kumimoji="1" lang="ja-JP" altLang="en-US" dirty="0"/>
+          </a:p>
+        </p:txBody>
+      </p:sp>
+      <p:sp>
+        <p:nvSpPr>
+          <p:cNvPr id="3" name="コンテンツ プレースホルダー 2">
+            <a:extLst>
+              <a:ext uri="{FF2B5EF4-FFF2-40B4-BE49-F238E27FC236}">
+                <a16:creationId xmlns:a16="http://schemas.microsoft.com/office/drawing/2014/main" id="{534285BC-9209-40FB-8017-B7672579046F}"/>
+              </a:ext>
+            </a:extLst>
+          </p:cNvPr>
+          <p:cNvSpPr>
+            <a:spLocks noGrp="1"/>
+          </p:cNvSpPr>
+          <p:nvPr>
+            <p:ph idx="1"/>
+          </p:nvPr>
+        </p:nvSpPr>
+        <p:spPr>
+          <a:xfrm>
+            <a:off x="430306" y="1376038"/>
+            <a:ext cx="11654118" cy="5329562"/>
+          </a:xfrm>
+        </p:spPr>
+        <p:txBody>
+          <a:bodyPr>
+            <a:normAutofit/>
+          </a:bodyPr>
+          <a:lstStyle/>
+          <a:p>
+            <a:r>
+              <a:rPr lang="en-US" altLang="ja-JP" dirty="0" err="1">
+                <a:solidFill>
+                  <a:srgbClr val="00B050"/>
+                </a:solidFill>
+              </a:rPr>
               <a:t>player.h</a:t>
             </a:r>
             <a:r>
@@ -22414,7 +22646,7 @@
 </p:sld>
 </file>
 
-<file path=ppt/slides/slide51.xml><?xml version="1.0" encoding="utf-8"?>
+<file path=ppt/slides/slide52.xml><?xml version="1.0" encoding="utf-8"?>
 <p:sld xmlns:a="http://schemas.openxmlformats.org/drawingml/2006/main" xmlns:r="http://schemas.openxmlformats.org/officeDocument/2006/relationships" xmlns:p="http://schemas.openxmlformats.org/presentationml/2006/main">
   <p:cSld>
     <p:spTree>

--- a/授業資料/講義資料：継承とポリモーフィズム.pptx
+++ b/授業資料/講義資料：継承とポリモーフィズム.pptx
@@ -46,17 +46,6 @@
     <p:sldId id="356" r:id="rId40"/>
     <p:sldId id="357" r:id="rId41"/>
     <p:sldId id="358" r:id="rId42"/>
-    <p:sldId id="359" r:id="rId43"/>
-    <p:sldId id="360" r:id="rId44"/>
-    <p:sldId id="361" r:id="rId45"/>
-    <p:sldId id="362" r:id="rId46"/>
-    <p:sldId id="363" r:id="rId47"/>
-    <p:sldId id="364" r:id="rId48"/>
-    <p:sldId id="369" r:id="rId49"/>
-    <p:sldId id="365" r:id="rId50"/>
-    <p:sldId id="367" r:id="rId51"/>
-    <p:sldId id="368" r:id="rId52"/>
-    <p:sldId id="366" r:id="rId53"/>
   </p:sldIdLst>
   <p:sldSz cx="12192000" cy="6858000"/>
   <p:notesSz cx="6858000" cy="9144000"/>
@@ -18706,3021 +18695,6 @@
 </p:sld>
 </file>
 
-<file path=ppt/slides/slide42.xml><?xml version="1.0" encoding="utf-8"?>
-<p:sld xmlns:a="http://schemas.openxmlformats.org/drawingml/2006/main" xmlns:r="http://schemas.openxmlformats.org/officeDocument/2006/relationships" xmlns:p="http://schemas.openxmlformats.org/presentationml/2006/main">
-  <p:cSld>
-    <p:spTree>
-      <p:nvGrpSpPr>
-        <p:cNvPr id="1" name=""/>
-        <p:cNvGrpSpPr/>
-        <p:nvPr/>
-      </p:nvGrpSpPr>
-      <p:grpSpPr>
-        <a:xfrm>
-          <a:off x="0" y="0"/>
-          <a:ext cx="0" cy="0"/>
-          <a:chOff x="0" y="0"/>
-          <a:chExt cx="0" cy="0"/>
-        </a:xfrm>
-      </p:grpSpPr>
-      <p:sp>
-        <p:nvSpPr>
-          <p:cNvPr id="2" name="タイトル 1">
-            <a:extLst>
-              <a:ext uri="{FF2B5EF4-FFF2-40B4-BE49-F238E27FC236}">
-                <a16:creationId xmlns:a16="http://schemas.microsoft.com/office/drawing/2014/main" id="{9F789731-37C4-49DD-AEE8-78E5514E279E}"/>
-              </a:ext>
-            </a:extLst>
-          </p:cNvPr>
-          <p:cNvSpPr>
-            <a:spLocks noGrp="1"/>
-          </p:cNvSpPr>
-          <p:nvPr>
-            <p:ph type="title"/>
-          </p:nvPr>
-        </p:nvSpPr>
-        <p:spPr/>
-        <p:txBody>
-          <a:bodyPr/>
-          <a:lstStyle/>
-          <a:p>
-            <a:r>
-              <a:rPr kumimoji="1" lang="ja-JP" altLang="en-US" dirty="0"/>
-              <a:t>ポリモーフィズム</a:t>
-            </a:r>
-          </a:p>
-        </p:txBody>
-      </p:sp>
-      <p:sp>
-        <p:nvSpPr>
-          <p:cNvPr id="3" name="コンテンツ プレースホルダー 2">
-            <a:extLst>
-              <a:ext uri="{FF2B5EF4-FFF2-40B4-BE49-F238E27FC236}">
-                <a16:creationId xmlns:a16="http://schemas.microsoft.com/office/drawing/2014/main" id="{39562F0E-6033-40BD-BCB8-F015661306FD}"/>
-              </a:ext>
-            </a:extLst>
-          </p:cNvPr>
-          <p:cNvSpPr>
-            <a:spLocks noGrp="1"/>
-          </p:cNvSpPr>
-          <p:nvPr>
-            <p:ph idx="1"/>
-          </p:nvPr>
-        </p:nvSpPr>
-        <p:spPr>
-          <a:xfrm>
-            <a:off x="838200" y="1376038"/>
-            <a:ext cx="10515600" cy="5374958"/>
-          </a:xfrm>
-        </p:spPr>
-        <p:txBody>
-          <a:bodyPr>
-            <a:normAutofit/>
-          </a:bodyPr>
-          <a:lstStyle/>
-          <a:p>
-            <a:r>
-              <a:rPr lang="ja-JP" altLang="en-US" sz="4400" b="1" u="sng" dirty="0"/>
-              <a:t>テンプレート</a:t>
-            </a:r>
-            <a:br>
-              <a:rPr lang="en-US" altLang="ja-JP" b="1" u="sng" dirty="0"/>
-            </a:br>
-            <a:br>
-              <a:rPr lang="en-US" altLang="ja-JP" sz="1800" dirty="0"/>
-            </a:br>
-            <a:r>
-              <a:rPr lang="ja-JP" altLang="en-US" dirty="0"/>
-              <a:t>メンバ関数のオーバーロード（多重定義）を行う</a:t>
-            </a:r>
-            <a:br>
-              <a:rPr lang="en-US" altLang="ja-JP" dirty="0"/>
-            </a:br>
-            <a:r>
-              <a:rPr lang="ja-JP" altLang="en-US" dirty="0"/>
-              <a:t>ときに引数の数は同じだが、引数の型が異なる</a:t>
-            </a:r>
-            <a:br>
-              <a:rPr lang="en-US" altLang="ja-JP" dirty="0"/>
-            </a:br>
-            <a:r>
-              <a:rPr lang="ja-JP" altLang="en-US" dirty="0"/>
-              <a:t>と、似たような記述を何回もしないといけない</a:t>
-            </a:r>
-            <a:br>
-              <a:rPr lang="en-US" altLang="ja-JP" dirty="0"/>
-            </a:br>
-            <a:br>
-              <a:rPr lang="en-US" altLang="ja-JP" dirty="0"/>
-            </a:br>
-            <a:br>
-              <a:rPr lang="en-US" altLang="ja-JP" dirty="0"/>
-            </a:br>
-            <a:endParaRPr lang="en-US" altLang="ja-JP" sz="3200" dirty="0"/>
-          </a:p>
-        </p:txBody>
-      </p:sp>
-      <p:sp>
-        <p:nvSpPr>
-          <p:cNvPr id="4" name="テキスト ボックス 3">
-            <a:extLst>
-              <a:ext uri="{FF2B5EF4-FFF2-40B4-BE49-F238E27FC236}">
-                <a16:creationId xmlns:a16="http://schemas.microsoft.com/office/drawing/2014/main" id="{13D7D604-E293-095C-3CE4-9C5587FC1A86}"/>
-              </a:ext>
-            </a:extLst>
-          </p:cNvPr>
-          <p:cNvSpPr txBox="1"/>
-          <p:nvPr/>
-        </p:nvSpPr>
-        <p:spPr>
-          <a:xfrm>
-            <a:off x="1003804" y="3769679"/>
-            <a:ext cx="6699324" cy="2862322"/>
-          </a:xfrm>
-          <a:prstGeom prst="rect">
-            <a:avLst/>
-          </a:prstGeom>
-          <a:solidFill>
-            <a:schemeClr val="bg1"/>
-          </a:solidFill>
-          <a:ln>
-            <a:solidFill>
-              <a:schemeClr val="tx1"/>
-            </a:solidFill>
-          </a:ln>
-          <a:effectLst>
-            <a:outerShdw blurRad="50800" dist="38100" dir="2700000" algn="tl" rotWithShape="0">
-              <a:prstClr val="black">
-                <a:alpha val="40000"/>
-              </a:prstClr>
-            </a:outerShdw>
-          </a:effectLst>
-        </p:spPr>
-        <p:txBody>
-          <a:bodyPr wrap="square" rtlCol="0">
-            <a:spAutoFit/>
-          </a:bodyPr>
-          <a:lstStyle/>
-          <a:p>
-            <a:r>
-              <a:rPr kumimoji="1" lang="en-US" altLang="ja-JP" sz="2000" b="1" dirty="0">
-                <a:solidFill>
-                  <a:srgbClr val="00B0F0"/>
-                </a:solidFill>
-              </a:rPr>
-              <a:t>double</a:t>
-            </a:r>
-            <a:r>
-              <a:rPr kumimoji="1" lang="en-US" altLang="ja-JP" sz="2000" dirty="0"/>
-              <a:t> Calc::add(</a:t>
-            </a:r>
-            <a:r>
-              <a:rPr kumimoji="1" lang="en-US" altLang="ja-JP" sz="2000" dirty="0">
-                <a:solidFill>
-                  <a:srgbClr val="00B0F0"/>
-                </a:solidFill>
-              </a:rPr>
-              <a:t>double </a:t>
-            </a:r>
-            <a:r>
-              <a:rPr kumimoji="1" lang="en-US" altLang="ja-JP" sz="2000" dirty="0" err="1"/>
-              <a:t>a,</a:t>
-            </a:r>
-            <a:r>
-              <a:rPr kumimoji="1" lang="en-US" altLang="ja-JP" sz="2000" dirty="0" err="1">
-                <a:solidFill>
-                  <a:srgbClr val="00B0F0"/>
-                </a:solidFill>
-              </a:rPr>
-              <a:t>double</a:t>
-            </a:r>
-            <a:r>
-              <a:rPr kumimoji="1" lang="en-US" altLang="ja-JP" sz="2000" dirty="0">
-                <a:solidFill>
-                  <a:srgbClr val="00B0F0"/>
-                </a:solidFill>
-              </a:rPr>
-              <a:t> </a:t>
-            </a:r>
-            <a:r>
-              <a:rPr kumimoji="1" lang="en-US" altLang="ja-JP" sz="2000" dirty="0"/>
-              <a:t>b)</a:t>
-            </a:r>
-            <a:r>
-              <a:rPr kumimoji="1" lang="en-US" altLang="ja-JP" sz="2000" dirty="0">
-                <a:solidFill>
-                  <a:srgbClr val="00B0F0"/>
-                </a:solidFill>
-              </a:rPr>
-              <a:t> </a:t>
-            </a:r>
-            <a:r>
-              <a:rPr kumimoji="1" lang="en-US" altLang="ja-JP" sz="2000" dirty="0"/>
-              <a:t>{</a:t>
-            </a:r>
-          </a:p>
-          <a:p>
-            <a:r>
-              <a:rPr kumimoji="1" lang="en-US" altLang="ja-JP" sz="2000" dirty="0"/>
-              <a:t>	return a + b;</a:t>
-            </a:r>
-          </a:p>
-          <a:p>
-            <a:r>
-              <a:rPr kumimoji="1" lang="en-US" altLang="ja-JP" sz="2000" dirty="0"/>
-              <a:t>}</a:t>
-            </a:r>
-          </a:p>
-          <a:p>
-            <a:r>
-              <a:rPr kumimoji="1" lang="en-US" altLang="ja-JP" sz="2000" b="1" dirty="0">
-                <a:solidFill>
-                  <a:srgbClr val="FF0000"/>
-                </a:solidFill>
-              </a:rPr>
-              <a:t>int</a:t>
-            </a:r>
-            <a:r>
-              <a:rPr kumimoji="1" lang="en-US" altLang="ja-JP" sz="2000" dirty="0"/>
-              <a:t> Calc::add(</a:t>
-            </a:r>
-            <a:r>
-              <a:rPr kumimoji="1" lang="en-US" altLang="ja-JP" sz="2000" dirty="0">
-                <a:solidFill>
-                  <a:srgbClr val="FF0000"/>
-                </a:solidFill>
-              </a:rPr>
-              <a:t>int </a:t>
-            </a:r>
-            <a:r>
-              <a:rPr kumimoji="1" lang="en-US" altLang="ja-JP" sz="2000" dirty="0"/>
-              <a:t>a,</a:t>
-            </a:r>
-            <a:r>
-              <a:rPr kumimoji="1" lang="en-US" altLang="ja-JP" sz="2000" dirty="0">
-                <a:solidFill>
-                  <a:srgbClr val="FF0000"/>
-                </a:solidFill>
-              </a:rPr>
-              <a:t> int </a:t>
-            </a:r>
-            <a:r>
-              <a:rPr kumimoji="1" lang="en-US" altLang="ja-JP" sz="2000" dirty="0"/>
-              <a:t>b)</a:t>
-            </a:r>
-            <a:r>
-              <a:rPr kumimoji="1" lang="en-US" altLang="ja-JP" sz="2000" dirty="0">
-                <a:solidFill>
-                  <a:srgbClr val="FF0000"/>
-                </a:solidFill>
-              </a:rPr>
-              <a:t> </a:t>
-            </a:r>
-            <a:r>
-              <a:rPr kumimoji="1" lang="en-US" altLang="ja-JP" sz="2000" dirty="0"/>
-              <a:t>{</a:t>
-            </a:r>
-          </a:p>
-          <a:p>
-            <a:r>
-              <a:rPr kumimoji="1" lang="en-US" altLang="ja-JP" sz="2000" dirty="0"/>
-              <a:t>	return a + b;</a:t>
-            </a:r>
-          </a:p>
-          <a:p>
-            <a:r>
-              <a:rPr kumimoji="1" lang="en-US" altLang="ja-JP" sz="2000" dirty="0"/>
-              <a:t>}</a:t>
-            </a:r>
-            <a:br>
-              <a:rPr kumimoji="1" lang="en-US" altLang="ja-JP" sz="2000" dirty="0"/>
-            </a:br>
-            <a:r>
-              <a:rPr kumimoji="1" lang="en-US" altLang="ja-JP" sz="2000" b="1" dirty="0">
-                <a:solidFill>
-                  <a:srgbClr val="00B050"/>
-                </a:solidFill>
-              </a:rPr>
-              <a:t>string</a:t>
-            </a:r>
-            <a:r>
-              <a:rPr kumimoji="1" lang="en-US" altLang="ja-JP" sz="2000" dirty="0"/>
-              <a:t> Calc::add(</a:t>
-            </a:r>
-            <a:r>
-              <a:rPr kumimoji="1" lang="en-US" altLang="ja-JP" sz="2000" dirty="0">
-                <a:solidFill>
-                  <a:srgbClr val="00B050"/>
-                </a:solidFill>
-              </a:rPr>
-              <a:t>string </a:t>
-            </a:r>
-            <a:r>
-              <a:rPr kumimoji="1" lang="en-US" altLang="ja-JP" sz="2000" dirty="0"/>
-              <a:t>a,</a:t>
-            </a:r>
-            <a:r>
-              <a:rPr kumimoji="1" lang="en-US" altLang="ja-JP" sz="2000" dirty="0">
-                <a:solidFill>
-                  <a:srgbClr val="00B050"/>
-                </a:solidFill>
-              </a:rPr>
-              <a:t> string </a:t>
-            </a:r>
-            <a:r>
-              <a:rPr kumimoji="1" lang="en-US" altLang="ja-JP" sz="2000" dirty="0"/>
-              <a:t>b) {</a:t>
-            </a:r>
-          </a:p>
-          <a:p>
-            <a:r>
-              <a:rPr kumimoji="1" lang="en-US" altLang="ja-JP" sz="2000" dirty="0"/>
-              <a:t>  return a + b;</a:t>
-            </a:r>
-          </a:p>
-          <a:p>
-            <a:r>
-              <a:rPr kumimoji="1" lang="en-US" altLang="ja-JP" sz="2000" dirty="0"/>
-              <a:t>}</a:t>
-            </a:r>
-            <a:endParaRPr kumimoji="1" lang="ja-JP" altLang="en-US" sz="2000" dirty="0"/>
-          </a:p>
-        </p:txBody>
-      </p:sp>
-      <p:sp>
-        <p:nvSpPr>
-          <p:cNvPr id="6" name="テキスト ボックス 5">
-            <a:extLst>
-              <a:ext uri="{FF2B5EF4-FFF2-40B4-BE49-F238E27FC236}">
-                <a16:creationId xmlns:a16="http://schemas.microsoft.com/office/drawing/2014/main" id="{E57DA12E-3F50-9D67-8DC8-05794E67A480}"/>
-              </a:ext>
-            </a:extLst>
-          </p:cNvPr>
-          <p:cNvSpPr txBox="1"/>
-          <p:nvPr/>
-        </p:nvSpPr>
-        <p:spPr>
-          <a:xfrm>
-            <a:off x="7786254" y="5666509"/>
-            <a:ext cx="3597460" cy="954107"/>
-          </a:xfrm>
-          <a:prstGeom prst="rect">
-            <a:avLst/>
-          </a:prstGeom>
-          <a:noFill/>
-        </p:spPr>
-        <p:txBody>
-          <a:bodyPr wrap="none" rtlCol="0">
-            <a:spAutoFit/>
-          </a:bodyPr>
-          <a:lstStyle/>
-          <a:p>
-            <a:r>
-              <a:rPr kumimoji="1" lang="ja-JP" altLang="en-US" sz="2800" dirty="0"/>
-              <a:t>型名が異なるだけで</a:t>
-            </a:r>
-            <a:endParaRPr kumimoji="1" lang="en-US" altLang="ja-JP" sz="2800" dirty="0"/>
-          </a:p>
-          <a:p>
-            <a:r>
-              <a:rPr kumimoji="1" lang="ja-JP" altLang="en-US" sz="2800" dirty="0"/>
-              <a:t>処理内容はほぼ同じ</a:t>
-            </a:r>
-            <a:r>
-              <a:rPr kumimoji="1" lang="en-US" altLang="ja-JP" sz="2800" dirty="0"/>
-              <a:t>…</a:t>
-            </a:r>
-            <a:endParaRPr kumimoji="1" lang="ja-JP" altLang="en-US" sz="2800" dirty="0"/>
-          </a:p>
-        </p:txBody>
-      </p:sp>
-    </p:spTree>
-    <p:extLst>
-      <p:ext uri="{BB962C8B-B14F-4D97-AF65-F5344CB8AC3E}">
-        <p14:creationId xmlns:p14="http://schemas.microsoft.com/office/powerpoint/2010/main" val="4029243710"/>
-      </p:ext>
-    </p:extLst>
-  </p:cSld>
-  <p:clrMapOvr>
-    <a:masterClrMapping/>
-  </p:clrMapOvr>
-</p:sld>
-</file>
-
-<file path=ppt/slides/slide43.xml><?xml version="1.0" encoding="utf-8"?>
-<p:sld xmlns:a="http://schemas.openxmlformats.org/drawingml/2006/main" xmlns:r="http://schemas.openxmlformats.org/officeDocument/2006/relationships" xmlns:p="http://schemas.openxmlformats.org/presentationml/2006/main">
-  <p:cSld>
-    <p:spTree>
-      <p:nvGrpSpPr>
-        <p:cNvPr id="1" name=""/>
-        <p:cNvGrpSpPr/>
-        <p:nvPr/>
-      </p:nvGrpSpPr>
-      <p:grpSpPr>
-        <a:xfrm>
-          <a:off x="0" y="0"/>
-          <a:ext cx="0" cy="0"/>
-          <a:chOff x="0" y="0"/>
-          <a:chExt cx="0" cy="0"/>
-        </a:xfrm>
-      </p:grpSpPr>
-      <p:sp>
-        <p:nvSpPr>
-          <p:cNvPr id="2" name="タイトル 1">
-            <a:extLst>
-              <a:ext uri="{FF2B5EF4-FFF2-40B4-BE49-F238E27FC236}">
-                <a16:creationId xmlns:a16="http://schemas.microsoft.com/office/drawing/2014/main" id="{9F789731-37C4-49DD-AEE8-78E5514E279E}"/>
-              </a:ext>
-            </a:extLst>
-          </p:cNvPr>
-          <p:cNvSpPr>
-            <a:spLocks noGrp="1"/>
-          </p:cNvSpPr>
-          <p:nvPr>
-            <p:ph type="title"/>
-          </p:nvPr>
-        </p:nvSpPr>
-        <p:spPr/>
-        <p:txBody>
-          <a:bodyPr/>
-          <a:lstStyle/>
-          <a:p>
-            <a:r>
-              <a:rPr kumimoji="1" lang="ja-JP" altLang="en-US" dirty="0"/>
-              <a:t>ポリモーフィズム</a:t>
-            </a:r>
-          </a:p>
-        </p:txBody>
-      </p:sp>
-      <p:sp>
-        <p:nvSpPr>
-          <p:cNvPr id="3" name="コンテンツ プレースホルダー 2">
-            <a:extLst>
-              <a:ext uri="{FF2B5EF4-FFF2-40B4-BE49-F238E27FC236}">
-                <a16:creationId xmlns:a16="http://schemas.microsoft.com/office/drawing/2014/main" id="{39562F0E-6033-40BD-BCB8-F015661306FD}"/>
-              </a:ext>
-            </a:extLst>
-          </p:cNvPr>
-          <p:cNvSpPr>
-            <a:spLocks noGrp="1"/>
-          </p:cNvSpPr>
-          <p:nvPr>
-            <p:ph idx="1"/>
-          </p:nvPr>
-        </p:nvSpPr>
-        <p:spPr>
-          <a:xfrm>
-            <a:off x="838200" y="1376038"/>
-            <a:ext cx="10515600" cy="5374958"/>
-          </a:xfrm>
-        </p:spPr>
-        <p:txBody>
-          <a:bodyPr>
-            <a:normAutofit/>
-          </a:bodyPr>
-          <a:lstStyle/>
-          <a:p>
-            <a:r>
-              <a:rPr lang="ja-JP" altLang="en-US" sz="4400" b="1" u="sng" dirty="0"/>
-              <a:t>テンプレート</a:t>
-            </a:r>
-            <a:br>
-              <a:rPr lang="en-US" altLang="ja-JP" b="1" u="sng" dirty="0"/>
-            </a:br>
-            <a:br>
-              <a:rPr lang="en-US" altLang="ja-JP" sz="1800" dirty="0"/>
-            </a:br>
-            <a:r>
-              <a:rPr lang="ja-JP" altLang="en-US" dirty="0"/>
-              <a:t>メンバ型名のところをテンプレート機能を使って、別の文字に置き換えて関数を定義することで</a:t>
-            </a:r>
-            <a:br>
-              <a:rPr lang="en-US" altLang="ja-JP" dirty="0"/>
-            </a:br>
-            <a:r>
-              <a:rPr lang="ja-JP" altLang="en-US" dirty="0"/>
-              <a:t>ひとつにまとめることが可能な仕組み</a:t>
-            </a:r>
-            <a:br>
-              <a:rPr lang="en-US" altLang="ja-JP" dirty="0"/>
-            </a:br>
-            <a:endParaRPr lang="en-US" altLang="ja-JP" sz="3200" dirty="0"/>
-          </a:p>
-        </p:txBody>
-      </p:sp>
-      <p:sp>
-        <p:nvSpPr>
-          <p:cNvPr id="4" name="テキスト ボックス 3">
-            <a:extLst>
-              <a:ext uri="{FF2B5EF4-FFF2-40B4-BE49-F238E27FC236}">
-                <a16:creationId xmlns:a16="http://schemas.microsoft.com/office/drawing/2014/main" id="{13D7D604-E293-095C-3CE4-9C5587FC1A86}"/>
-              </a:ext>
-            </a:extLst>
-          </p:cNvPr>
-          <p:cNvSpPr txBox="1"/>
-          <p:nvPr/>
-        </p:nvSpPr>
-        <p:spPr>
-          <a:xfrm>
-            <a:off x="366494" y="3922079"/>
-            <a:ext cx="5009069" cy="2339102"/>
-          </a:xfrm>
-          <a:prstGeom prst="rect">
-            <a:avLst/>
-          </a:prstGeom>
-          <a:solidFill>
-            <a:schemeClr val="bg1"/>
-          </a:solidFill>
-          <a:ln>
-            <a:solidFill>
-              <a:schemeClr val="tx1"/>
-            </a:solidFill>
-          </a:ln>
-          <a:effectLst>
-            <a:outerShdw blurRad="50800" dist="38100" dir="2700000" algn="tl" rotWithShape="0">
-              <a:prstClr val="black">
-                <a:alpha val="40000"/>
-              </a:prstClr>
-            </a:outerShdw>
-          </a:effectLst>
-        </p:spPr>
-        <p:txBody>
-          <a:bodyPr wrap="square" rtlCol="0">
-            <a:spAutoFit/>
-          </a:bodyPr>
-          <a:lstStyle/>
-          <a:p>
-            <a:r>
-              <a:rPr kumimoji="1" lang="en-US" altLang="ja-JP" sz="1600" b="1" dirty="0">
-                <a:solidFill>
-                  <a:srgbClr val="00B0F0"/>
-                </a:solidFill>
-              </a:rPr>
-              <a:t>double</a:t>
-            </a:r>
-            <a:r>
-              <a:rPr kumimoji="1" lang="en-US" altLang="ja-JP" sz="1600" dirty="0"/>
-              <a:t> Calc::add(</a:t>
-            </a:r>
-            <a:r>
-              <a:rPr kumimoji="1" lang="en-US" altLang="ja-JP" sz="1600" dirty="0">
-                <a:solidFill>
-                  <a:srgbClr val="00B0F0"/>
-                </a:solidFill>
-              </a:rPr>
-              <a:t>double </a:t>
-            </a:r>
-            <a:r>
-              <a:rPr kumimoji="1" lang="en-US" altLang="ja-JP" sz="1600" dirty="0" err="1"/>
-              <a:t>a,</a:t>
-            </a:r>
-            <a:r>
-              <a:rPr kumimoji="1" lang="en-US" altLang="ja-JP" sz="1600" dirty="0" err="1">
-                <a:solidFill>
-                  <a:srgbClr val="00B0F0"/>
-                </a:solidFill>
-              </a:rPr>
-              <a:t>double</a:t>
-            </a:r>
-            <a:r>
-              <a:rPr kumimoji="1" lang="en-US" altLang="ja-JP" sz="1600" dirty="0">
-                <a:solidFill>
-                  <a:srgbClr val="00B0F0"/>
-                </a:solidFill>
-              </a:rPr>
-              <a:t> </a:t>
-            </a:r>
-            <a:r>
-              <a:rPr kumimoji="1" lang="en-US" altLang="ja-JP" sz="1600" dirty="0"/>
-              <a:t>b)</a:t>
-            </a:r>
-            <a:r>
-              <a:rPr kumimoji="1" lang="en-US" altLang="ja-JP" sz="1600" dirty="0">
-                <a:solidFill>
-                  <a:srgbClr val="00B0F0"/>
-                </a:solidFill>
-              </a:rPr>
-              <a:t> </a:t>
-            </a:r>
-            <a:r>
-              <a:rPr kumimoji="1" lang="en-US" altLang="ja-JP" sz="1600" dirty="0"/>
-              <a:t>{</a:t>
-            </a:r>
-          </a:p>
-          <a:p>
-            <a:r>
-              <a:rPr kumimoji="1" lang="en-US" altLang="ja-JP" sz="1600" dirty="0"/>
-              <a:t>	return a + b;</a:t>
-            </a:r>
-          </a:p>
-          <a:p>
-            <a:r>
-              <a:rPr kumimoji="1" lang="en-US" altLang="ja-JP" sz="1600" dirty="0"/>
-              <a:t>}</a:t>
-            </a:r>
-          </a:p>
-          <a:p>
-            <a:r>
-              <a:rPr kumimoji="1" lang="en-US" altLang="ja-JP" sz="1600" b="1" dirty="0">
-                <a:solidFill>
-                  <a:srgbClr val="FF0000"/>
-                </a:solidFill>
-              </a:rPr>
-              <a:t>int</a:t>
-            </a:r>
-            <a:r>
-              <a:rPr kumimoji="1" lang="en-US" altLang="ja-JP" sz="1600" dirty="0"/>
-              <a:t> Calc::add(</a:t>
-            </a:r>
-            <a:r>
-              <a:rPr kumimoji="1" lang="en-US" altLang="ja-JP" sz="1600" dirty="0">
-                <a:solidFill>
-                  <a:srgbClr val="FF0000"/>
-                </a:solidFill>
-              </a:rPr>
-              <a:t>int </a:t>
-            </a:r>
-            <a:r>
-              <a:rPr kumimoji="1" lang="en-US" altLang="ja-JP" sz="1600" dirty="0"/>
-              <a:t>a,</a:t>
-            </a:r>
-            <a:r>
-              <a:rPr kumimoji="1" lang="en-US" altLang="ja-JP" sz="1600" dirty="0">
-                <a:solidFill>
-                  <a:srgbClr val="FF0000"/>
-                </a:solidFill>
-              </a:rPr>
-              <a:t> int </a:t>
-            </a:r>
-            <a:r>
-              <a:rPr kumimoji="1" lang="en-US" altLang="ja-JP" sz="1600" dirty="0"/>
-              <a:t>b)</a:t>
-            </a:r>
-            <a:r>
-              <a:rPr kumimoji="1" lang="en-US" altLang="ja-JP" sz="1600" dirty="0">
-                <a:solidFill>
-                  <a:srgbClr val="FF0000"/>
-                </a:solidFill>
-              </a:rPr>
-              <a:t> </a:t>
-            </a:r>
-            <a:r>
-              <a:rPr kumimoji="1" lang="en-US" altLang="ja-JP" sz="1600" dirty="0"/>
-              <a:t>{</a:t>
-            </a:r>
-          </a:p>
-          <a:p>
-            <a:r>
-              <a:rPr kumimoji="1" lang="en-US" altLang="ja-JP" sz="1600" dirty="0"/>
-              <a:t>	return a + b;</a:t>
-            </a:r>
-          </a:p>
-          <a:p>
-            <a:r>
-              <a:rPr kumimoji="1" lang="en-US" altLang="ja-JP" sz="1600" dirty="0"/>
-              <a:t>}</a:t>
-            </a:r>
-            <a:br>
-              <a:rPr kumimoji="1" lang="en-US" altLang="ja-JP" sz="1600" dirty="0"/>
-            </a:br>
-            <a:r>
-              <a:rPr kumimoji="1" lang="en-US" altLang="ja-JP" sz="1600" b="1" dirty="0">
-                <a:solidFill>
-                  <a:srgbClr val="00B050"/>
-                </a:solidFill>
-              </a:rPr>
-              <a:t>string</a:t>
-            </a:r>
-            <a:r>
-              <a:rPr kumimoji="1" lang="en-US" altLang="ja-JP" sz="1600" dirty="0"/>
-              <a:t> Calc::add(</a:t>
-            </a:r>
-            <a:r>
-              <a:rPr kumimoji="1" lang="en-US" altLang="ja-JP" sz="1600" dirty="0">
-                <a:solidFill>
-                  <a:srgbClr val="00B050"/>
-                </a:solidFill>
-              </a:rPr>
-              <a:t>string </a:t>
-            </a:r>
-            <a:r>
-              <a:rPr kumimoji="1" lang="en-US" altLang="ja-JP" sz="1600" dirty="0"/>
-              <a:t>a,</a:t>
-            </a:r>
-            <a:r>
-              <a:rPr kumimoji="1" lang="en-US" altLang="ja-JP" sz="1600" dirty="0">
-                <a:solidFill>
-                  <a:srgbClr val="00B050"/>
-                </a:solidFill>
-              </a:rPr>
-              <a:t> string </a:t>
-            </a:r>
-            <a:r>
-              <a:rPr kumimoji="1" lang="en-US" altLang="ja-JP" sz="1600" dirty="0"/>
-              <a:t>b) {</a:t>
-            </a:r>
-          </a:p>
-          <a:p>
-            <a:r>
-              <a:rPr kumimoji="1" lang="en-US" altLang="ja-JP" sz="1600" dirty="0"/>
-              <a:t>  return a + b;</a:t>
-            </a:r>
-          </a:p>
-          <a:p>
-            <a:r>
-              <a:rPr kumimoji="1" lang="en-US" altLang="ja-JP" sz="1600" dirty="0"/>
-              <a:t>}</a:t>
-            </a:r>
-            <a:endParaRPr kumimoji="1" lang="ja-JP" altLang="en-US" sz="1600" dirty="0"/>
-          </a:p>
-        </p:txBody>
-      </p:sp>
-      <p:sp>
-        <p:nvSpPr>
-          <p:cNvPr id="5" name="テキスト ボックス 4">
-            <a:extLst>
-              <a:ext uri="{FF2B5EF4-FFF2-40B4-BE49-F238E27FC236}">
-                <a16:creationId xmlns:a16="http://schemas.microsoft.com/office/drawing/2014/main" id="{F4C36944-7C12-A9B5-143B-DD53B781E29C}"/>
-              </a:ext>
-            </a:extLst>
-          </p:cNvPr>
-          <p:cNvSpPr txBox="1"/>
-          <p:nvPr/>
-        </p:nvSpPr>
-        <p:spPr>
-          <a:xfrm>
-            <a:off x="5811329" y="4143752"/>
-            <a:ext cx="6228271" cy="2062103"/>
-          </a:xfrm>
-          <a:prstGeom prst="rect">
-            <a:avLst/>
-          </a:prstGeom>
-          <a:solidFill>
-            <a:schemeClr val="bg1"/>
-          </a:solidFill>
-          <a:ln>
-            <a:solidFill>
-              <a:schemeClr val="tx1"/>
-            </a:solidFill>
-          </a:ln>
-          <a:effectLst>
-            <a:outerShdw blurRad="50800" dist="38100" dir="2700000" algn="tl" rotWithShape="0">
-              <a:prstClr val="black">
-                <a:alpha val="40000"/>
-              </a:prstClr>
-            </a:outerShdw>
-          </a:effectLst>
-        </p:spPr>
-        <p:txBody>
-          <a:bodyPr wrap="square" rtlCol="0">
-            <a:spAutoFit/>
-          </a:bodyPr>
-          <a:lstStyle/>
-          <a:p>
-            <a:r>
-              <a:rPr kumimoji="1" lang="en-US" altLang="ja-JP" sz="3200" dirty="0">
-                <a:solidFill>
-                  <a:srgbClr val="00B050"/>
-                </a:solidFill>
-              </a:rPr>
-              <a:t>template &lt;</a:t>
-            </a:r>
-            <a:r>
-              <a:rPr kumimoji="1" lang="en-US" altLang="ja-JP" sz="3200" dirty="0" err="1">
-                <a:solidFill>
-                  <a:srgbClr val="00B050"/>
-                </a:solidFill>
-              </a:rPr>
-              <a:t>typename</a:t>
-            </a:r>
-            <a:r>
-              <a:rPr kumimoji="1" lang="en-US" altLang="ja-JP" sz="3200" dirty="0"/>
-              <a:t> </a:t>
-            </a:r>
-            <a:r>
-              <a:rPr kumimoji="1" lang="en-US" altLang="ja-JP" sz="3200" dirty="0">
-                <a:solidFill>
-                  <a:srgbClr val="FF0000"/>
-                </a:solidFill>
-              </a:rPr>
-              <a:t>T</a:t>
-            </a:r>
-            <a:r>
-              <a:rPr kumimoji="1" lang="en-US" altLang="ja-JP" sz="3200" dirty="0">
-                <a:solidFill>
-                  <a:srgbClr val="00B050"/>
-                </a:solidFill>
-              </a:rPr>
-              <a:t>&gt;</a:t>
-            </a:r>
-          </a:p>
-          <a:p>
-            <a:r>
-              <a:rPr kumimoji="1" lang="en-US" altLang="ja-JP" sz="3200" b="1" dirty="0">
-                <a:solidFill>
-                  <a:srgbClr val="FF0000"/>
-                </a:solidFill>
-              </a:rPr>
-              <a:t>T</a:t>
-            </a:r>
-            <a:r>
-              <a:rPr kumimoji="1" lang="en-US" altLang="ja-JP" sz="3200" dirty="0"/>
-              <a:t> Calc::add(</a:t>
-            </a:r>
-            <a:r>
-              <a:rPr kumimoji="1" lang="en-US" altLang="ja-JP" sz="3200" dirty="0">
-                <a:solidFill>
-                  <a:srgbClr val="FF0000"/>
-                </a:solidFill>
-              </a:rPr>
-              <a:t>T </a:t>
-            </a:r>
-            <a:r>
-              <a:rPr kumimoji="1" lang="en-US" altLang="ja-JP" sz="3200" dirty="0"/>
-              <a:t>a,</a:t>
-            </a:r>
-            <a:r>
-              <a:rPr kumimoji="1" lang="en-US" altLang="ja-JP" sz="3200" dirty="0">
-                <a:solidFill>
-                  <a:srgbClr val="FF0000"/>
-                </a:solidFill>
-              </a:rPr>
-              <a:t> T </a:t>
-            </a:r>
-            <a:r>
-              <a:rPr kumimoji="1" lang="en-US" altLang="ja-JP" sz="3200" dirty="0"/>
-              <a:t>b)</a:t>
-            </a:r>
-            <a:r>
-              <a:rPr kumimoji="1" lang="en-US" altLang="ja-JP" sz="3200" dirty="0">
-                <a:solidFill>
-                  <a:srgbClr val="FF0000"/>
-                </a:solidFill>
-              </a:rPr>
-              <a:t> </a:t>
-            </a:r>
-            <a:r>
-              <a:rPr kumimoji="1" lang="en-US" altLang="ja-JP" sz="3200" dirty="0"/>
-              <a:t>{</a:t>
-            </a:r>
-          </a:p>
-          <a:p>
-            <a:r>
-              <a:rPr kumimoji="1" lang="en-US" altLang="ja-JP" sz="3200" dirty="0"/>
-              <a:t>	return a + b;</a:t>
-            </a:r>
-          </a:p>
-          <a:p>
-            <a:r>
-              <a:rPr kumimoji="1" lang="en-US" altLang="ja-JP" sz="3200" dirty="0"/>
-              <a:t>}</a:t>
-            </a:r>
-            <a:endParaRPr kumimoji="1" lang="ja-JP" altLang="en-US" sz="3200" dirty="0"/>
-          </a:p>
-        </p:txBody>
-      </p:sp>
-      <p:sp>
-        <p:nvSpPr>
-          <p:cNvPr id="7" name="矢印: 右 6">
-            <a:extLst>
-              <a:ext uri="{FF2B5EF4-FFF2-40B4-BE49-F238E27FC236}">
-                <a16:creationId xmlns:a16="http://schemas.microsoft.com/office/drawing/2014/main" id="{E30CD400-6522-537C-7B43-8BCD61923C2C}"/>
-              </a:ext>
-            </a:extLst>
-          </p:cNvPr>
-          <p:cNvSpPr/>
-          <p:nvPr/>
-        </p:nvSpPr>
-        <p:spPr>
-          <a:xfrm>
-            <a:off x="5195454" y="4876800"/>
-            <a:ext cx="554182" cy="401782"/>
-          </a:xfrm>
-          <a:prstGeom prst="rightArrow">
-            <a:avLst/>
-          </a:prstGeom>
-        </p:spPr>
-        <p:style>
-          <a:lnRef idx="2">
-            <a:schemeClr val="accent1">
-              <a:shade val="15000"/>
-            </a:schemeClr>
-          </a:lnRef>
-          <a:fillRef idx="1">
-            <a:schemeClr val="accent1"/>
-          </a:fillRef>
-          <a:effectRef idx="0">
-            <a:schemeClr val="accent1"/>
-          </a:effectRef>
-          <a:fontRef idx="minor">
-            <a:schemeClr val="lt1"/>
-          </a:fontRef>
-        </p:style>
-        <p:txBody>
-          <a:bodyPr rtlCol="0" anchor="ctr"/>
-          <a:lstStyle/>
-          <a:p>
-            <a:pPr algn="ctr"/>
-            <a:endParaRPr kumimoji="1" lang="ja-JP" altLang="en-US"/>
-          </a:p>
-        </p:txBody>
-      </p:sp>
-    </p:spTree>
-    <p:extLst>
-      <p:ext uri="{BB962C8B-B14F-4D97-AF65-F5344CB8AC3E}">
-        <p14:creationId xmlns:p14="http://schemas.microsoft.com/office/powerpoint/2010/main" val="1331575307"/>
-      </p:ext>
-    </p:extLst>
-  </p:cSld>
-  <p:clrMapOvr>
-    <a:masterClrMapping/>
-  </p:clrMapOvr>
-</p:sld>
-</file>
-
-<file path=ppt/slides/slide44.xml><?xml version="1.0" encoding="utf-8"?>
-<p:sld xmlns:a="http://schemas.openxmlformats.org/drawingml/2006/main" xmlns:r="http://schemas.openxmlformats.org/officeDocument/2006/relationships" xmlns:p="http://schemas.openxmlformats.org/presentationml/2006/main">
-  <p:cSld>
-    <p:spTree>
-      <p:nvGrpSpPr>
-        <p:cNvPr id="1" name=""/>
-        <p:cNvGrpSpPr/>
-        <p:nvPr/>
-      </p:nvGrpSpPr>
-      <p:grpSpPr>
-        <a:xfrm>
-          <a:off x="0" y="0"/>
-          <a:ext cx="0" cy="0"/>
-          <a:chOff x="0" y="0"/>
-          <a:chExt cx="0" cy="0"/>
-        </a:xfrm>
-      </p:grpSpPr>
-      <p:sp>
-        <p:nvSpPr>
-          <p:cNvPr id="2" name="タイトル 1">
-            <a:extLst>
-              <a:ext uri="{FF2B5EF4-FFF2-40B4-BE49-F238E27FC236}">
-                <a16:creationId xmlns:a16="http://schemas.microsoft.com/office/drawing/2014/main" id="{9F789731-37C4-49DD-AEE8-78E5514E279E}"/>
-              </a:ext>
-            </a:extLst>
-          </p:cNvPr>
-          <p:cNvSpPr>
-            <a:spLocks noGrp="1"/>
-          </p:cNvSpPr>
-          <p:nvPr>
-            <p:ph type="title"/>
-          </p:nvPr>
-        </p:nvSpPr>
-        <p:spPr/>
-        <p:txBody>
-          <a:bodyPr/>
-          <a:lstStyle/>
-          <a:p>
-            <a:r>
-              <a:rPr kumimoji="1" lang="ja-JP" altLang="en-US" dirty="0"/>
-              <a:t>ポリモーフィズム</a:t>
-            </a:r>
-          </a:p>
-        </p:txBody>
-      </p:sp>
-      <p:sp>
-        <p:nvSpPr>
-          <p:cNvPr id="3" name="コンテンツ プレースホルダー 2">
-            <a:extLst>
-              <a:ext uri="{FF2B5EF4-FFF2-40B4-BE49-F238E27FC236}">
-                <a16:creationId xmlns:a16="http://schemas.microsoft.com/office/drawing/2014/main" id="{39562F0E-6033-40BD-BCB8-F015661306FD}"/>
-              </a:ext>
-            </a:extLst>
-          </p:cNvPr>
-          <p:cNvSpPr>
-            <a:spLocks noGrp="1"/>
-          </p:cNvSpPr>
-          <p:nvPr>
-            <p:ph idx="1"/>
-          </p:nvPr>
-        </p:nvSpPr>
-        <p:spPr>
-          <a:xfrm>
-            <a:off x="838200" y="1376038"/>
-            <a:ext cx="10515600" cy="5374958"/>
-          </a:xfrm>
-        </p:spPr>
-        <p:txBody>
-          <a:bodyPr>
-            <a:normAutofit/>
-          </a:bodyPr>
-          <a:lstStyle/>
-          <a:p>
-            <a:r>
-              <a:rPr lang="ja-JP" altLang="en-US" sz="4400" b="1" u="sng" dirty="0"/>
-              <a:t>テンプレート</a:t>
-            </a:r>
-            <a:endParaRPr lang="en-US" altLang="ja-JP" sz="4400" dirty="0"/>
-          </a:p>
-          <a:p>
-            <a:r>
-              <a:rPr lang="en-US" altLang="ja-JP" dirty="0"/>
-              <a:t>C++</a:t>
-            </a:r>
-            <a:r>
-              <a:rPr lang="ja-JP" altLang="en-US" dirty="0"/>
-              <a:t>作業フォルダ内の</a:t>
-            </a:r>
-            <a:r>
-              <a:rPr lang="en-US" altLang="ja-JP" b="1" dirty="0"/>
-              <a:t>Sample503</a:t>
-            </a:r>
-            <a:r>
-              <a:rPr lang="ja-JP" altLang="en-US" dirty="0"/>
-              <a:t>フォルダを</a:t>
-            </a:r>
-            <a:r>
-              <a:rPr lang="en-US" altLang="ja-JP" b="1" dirty="0"/>
-              <a:t>Sample503t</a:t>
-            </a:r>
-            <a:r>
-              <a:rPr lang="ja-JP" altLang="en-US" dirty="0"/>
-              <a:t>フォルダとしてコピー</a:t>
-            </a:r>
-            <a:br>
-              <a:rPr lang="en-US" altLang="ja-JP" dirty="0"/>
-            </a:br>
-            <a:br>
-              <a:rPr lang="en-US" altLang="ja-JP" dirty="0">
-                <a:solidFill>
-                  <a:srgbClr val="00B0F0"/>
-                </a:solidFill>
-              </a:rPr>
-            </a:br>
-            <a:r>
-              <a:rPr lang="en-US" altLang="ja-JP" dirty="0">
-                <a:solidFill>
-                  <a:srgbClr val="00B0F0"/>
-                </a:solidFill>
-              </a:rPr>
-              <a:t>robocopy Sample503 Sample503t</a:t>
-            </a:r>
-            <a:br>
-              <a:rPr lang="en-US" altLang="ja-JP" dirty="0"/>
-            </a:br>
-            <a:r>
-              <a:rPr lang="en-US" altLang="ja-JP" dirty="0">
-                <a:solidFill>
-                  <a:srgbClr val="00B0F0"/>
-                </a:solidFill>
-              </a:rPr>
-              <a:t>cd Sample503t</a:t>
-            </a:r>
-            <a:br>
-              <a:rPr lang="en-US" altLang="ja-JP" dirty="0"/>
-            </a:br>
-            <a:endParaRPr lang="en-US" altLang="ja-JP" dirty="0"/>
-          </a:p>
-          <a:p>
-            <a:r>
-              <a:rPr lang="en-US" altLang="ja-JP" dirty="0" err="1"/>
-              <a:t>calc.h</a:t>
-            </a:r>
-            <a:r>
-              <a:rPr lang="ja-JP" altLang="en-US" dirty="0"/>
-              <a:t>， </a:t>
-            </a:r>
-            <a:r>
-              <a:rPr lang="en-US" altLang="ja-JP" dirty="0"/>
-              <a:t>calc.cpp</a:t>
-            </a:r>
-            <a:r>
-              <a:rPr lang="ja-JP" altLang="en-US" dirty="0" err="1"/>
-              <a:t>，</a:t>
-            </a:r>
-            <a:r>
-              <a:rPr lang="ja-JP" altLang="en-US" dirty="0"/>
-              <a:t> </a:t>
-            </a:r>
-            <a:r>
-              <a:rPr lang="en-US" altLang="ja-JP" dirty="0"/>
-              <a:t>main.cpp</a:t>
-            </a:r>
-            <a:r>
-              <a:rPr lang="ja-JP" altLang="en-US" dirty="0"/>
-              <a:t>を変更</a:t>
-            </a:r>
-            <a:br>
-              <a:rPr lang="en-US" altLang="ja-JP" dirty="0"/>
-            </a:br>
-            <a:endParaRPr lang="en-US" altLang="ja-JP" sz="3200" dirty="0"/>
-          </a:p>
-        </p:txBody>
-      </p:sp>
-    </p:spTree>
-    <p:extLst>
-      <p:ext uri="{BB962C8B-B14F-4D97-AF65-F5344CB8AC3E}">
-        <p14:creationId xmlns:p14="http://schemas.microsoft.com/office/powerpoint/2010/main" val="1946997171"/>
-      </p:ext>
-    </p:extLst>
-  </p:cSld>
-  <p:clrMapOvr>
-    <a:masterClrMapping/>
-  </p:clrMapOvr>
-</p:sld>
-</file>
-
-<file path=ppt/slides/slide45.xml><?xml version="1.0" encoding="utf-8"?>
-<p:sld xmlns:a="http://schemas.openxmlformats.org/drawingml/2006/main" xmlns:r="http://schemas.openxmlformats.org/officeDocument/2006/relationships" xmlns:p="http://schemas.openxmlformats.org/presentationml/2006/main">
-  <p:cSld>
-    <p:spTree>
-      <p:nvGrpSpPr>
-        <p:cNvPr id="1" name=""/>
-        <p:cNvGrpSpPr/>
-        <p:nvPr/>
-      </p:nvGrpSpPr>
-      <p:grpSpPr>
-        <a:xfrm>
-          <a:off x="0" y="0"/>
-          <a:ext cx="0" cy="0"/>
-          <a:chOff x="0" y="0"/>
-          <a:chExt cx="0" cy="0"/>
-        </a:xfrm>
-      </p:grpSpPr>
-      <p:sp>
-        <p:nvSpPr>
-          <p:cNvPr id="2" name="タイトル 1">
-            <a:extLst>
-              <a:ext uri="{FF2B5EF4-FFF2-40B4-BE49-F238E27FC236}">
-                <a16:creationId xmlns:a16="http://schemas.microsoft.com/office/drawing/2014/main" id="{F11F3668-F205-48C5-AC01-19611EFE561B}"/>
-              </a:ext>
-            </a:extLst>
-          </p:cNvPr>
-          <p:cNvSpPr>
-            <a:spLocks noGrp="1"/>
-          </p:cNvSpPr>
-          <p:nvPr>
-            <p:ph type="title"/>
-          </p:nvPr>
-        </p:nvSpPr>
-        <p:spPr/>
-        <p:txBody>
-          <a:bodyPr/>
-          <a:lstStyle/>
-          <a:p>
-            <a:r>
-              <a:rPr kumimoji="1" lang="ja-JP" altLang="en-US" dirty="0"/>
-              <a:t>ポリモーフィズム（</a:t>
-            </a:r>
-            <a:r>
-              <a:rPr lang="ja-JP" altLang="en-US" dirty="0"/>
-              <a:t>テンプレート</a:t>
-            </a:r>
-            <a:r>
-              <a:rPr kumimoji="1" lang="ja-JP" altLang="en-US" dirty="0"/>
-              <a:t>）</a:t>
-            </a:r>
-          </a:p>
-        </p:txBody>
-      </p:sp>
-      <p:sp>
-        <p:nvSpPr>
-          <p:cNvPr id="3" name="コンテンツ プレースホルダー 2">
-            <a:extLst>
-              <a:ext uri="{FF2B5EF4-FFF2-40B4-BE49-F238E27FC236}">
-                <a16:creationId xmlns:a16="http://schemas.microsoft.com/office/drawing/2014/main" id="{64DBE417-57E9-44A6-BB52-B2F9986BB7B2}"/>
-              </a:ext>
-            </a:extLst>
-          </p:cNvPr>
-          <p:cNvSpPr>
-            <a:spLocks noGrp="1"/>
-          </p:cNvSpPr>
-          <p:nvPr>
-            <p:ph idx="1"/>
-          </p:nvPr>
-        </p:nvSpPr>
-        <p:spPr>
-          <a:xfrm>
-            <a:off x="838200" y="1162976"/>
-            <a:ext cx="10515600" cy="5193373"/>
-          </a:xfrm>
-        </p:spPr>
-        <p:txBody>
-          <a:bodyPr>
-            <a:normAutofit/>
-          </a:bodyPr>
-          <a:lstStyle/>
-          <a:p>
-            <a:r>
-              <a:rPr kumimoji="1" lang="en-US" altLang="ja-JP" dirty="0" err="1"/>
-              <a:t>calc.h</a:t>
-            </a:r>
-            <a:r>
-              <a:rPr kumimoji="1" lang="ja-JP" altLang="en-US" dirty="0"/>
-              <a:t>　</a:t>
-            </a:r>
-            <a:r>
-              <a:rPr kumimoji="1" lang="en-US" altLang="ja-JP" dirty="0"/>
-              <a:t>(Sample503t)</a:t>
-            </a:r>
-            <a:br>
-              <a:rPr lang="en-US" altLang="ja-JP" dirty="0"/>
-            </a:br>
-            <a:endParaRPr lang="en-US" altLang="ja-JP" dirty="0"/>
-          </a:p>
-          <a:p>
-            <a:pPr marL="0" indent="0">
-              <a:buNone/>
-            </a:pPr>
-            <a:br>
-              <a:rPr lang="en-US" altLang="ja-JP" dirty="0"/>
-            </a:br>
-            <a:br>
-              <a:rPr lang="en-US" altLang="ja-JP" dirty="0"/>
-            </a:br>
-            <a:br>
-              <a:rPr lang="en-US" altLang="ja-JP" dirty="0"/>
-            </a:br>
-            <a:br>
-              <a:rPr lang="en-US" altLang="ja-JP" sz="2400" dirty="0"/>
-            </a:br>
-            <a:br>
-              <a:rPr lang="en-US" altLang="ja-JP" sz="2400" dirty="0"/>
-            </a:br>
-            <a:endParaRPr lang="en-US" altLang="ja-JP" sz="2400" dirty="0"/>
-          </a:p>
-          <a:p>
-            <a:pPr marL="0" indent="0">
-              <a:buNone/>
-            </a:pPr>
-            <a:br>
-              <a:rPr lang="en-US" altLang="ja-JP" sz="2400" dirty="0"/>
-            </a:br>
-            <a:endParaRPr lang="en-US" altLang="ja-JP" dirty="0">
-              <a:solidFill>
-                <a:srgbClr val="FF0000"/>
-              </a:solidFill>
-            </a:endParaRPr>
-          </a:p>
-        </p:txBody>
-      </p:sp>
-      <p:sp>
-        <p:nvSpPr>
-          <p:cNvPr id="5" name="テキスト ボックス 4">
-            <a:extLst>
-              <a:ext uri="{FF2B5EF4-FFF2-40B4-BE49-F238E27FC236}">
-                <a16:creationId xmlns:a16="http://schemas.microsoft.com/office/drawing/2014/main" id="{9E32883C-0E37-4F07-9861-27609819CE8C}"/>
-              </a:ext>
-            </a:extLst>
-          </p:cNvPr>
-          <p:cNvSpPr txBox="1"/>
-          <p:nvPr/>
-        </p:nvSpPr>
-        <p:spPr>
-          <a:xfrm>
-            <a:off x="1048255" y="1942532"/>
-            <a:ext cx="10688220" cy="4893647"/>
-          </a:xfrm>
-          <a:prstGeom prst="rect">
-            <a:avLst/>
-          </a:prstGeom>
-          <a:noFill/>
-          <a:ln>
-            <a:solidFill>
-              <a:schemeClr val="tx1"/>
-            </a:solidFill>
-          </a:ln>
-        </p:spPr>
-        <p:txBody>
-          <a:bodyPr wrap="square" rtlCol="0">
-            <a:spAutoFit/>
-          </a:bodyPr>
-          <a:lstStyle/>
-          <a:p>
-            <a:r>
-              <a:rPr kumimoji="1" lang="en-US" altLang="ja-JP" sz="2400" dirty="0"/>
-              <a:t>#pragma once</a:t>
-            </a:r>
-          </a:p>
-          <a:p>
-            <a:r>
-              <a:rPr kumimoji="1" lang="en-US" altLang="ja-JP" sz="2400" dirty="0"/>
-              <a:t>class Calc {</a:t>
-            </a:r>
-          </a:p>
-          <a:p>
-            <a:r>
-              <a:rPr kumimoji="1" lang="en-US" altLang="ja-JP" sz="2400" dirty="0"/>
-              <a:t>private:</a:t>
-            </a:r>
-          </a:p>
-          <a:p>
-            <a:r>
-              <a:rPr kumimoji="1" lang="ja-JP" altLang="en-US" sz="2400" dirty="0"/>
-              <a:t>　　   （略）</a:t>
-            </a:r>
-            <a:endParaRPr kumimoji="1" lang="en-US" altLang="ja-JP" sz="2400" dirty="0"/>
-          </a:p>
-          <a:p>
-            <a:r>
-              <a:rPr kumimoji="1" lang="en-US" altLang="ja-JP" sz="2400" dirty="0"/>
-              <a:t>public:</a:t>
-            </a:r>
-          </a:p>
-          <a:p>
-            <a:r>
-              <a:rPr kumimoji="1" lang="en-US" altLang="ja-JP" sz="2400" dirty="0"/>
-              <a:t>	int add();</a:t>
-            </a:r>
-          </a:p>
-          <a:p>
-            <a:r>
-              <a:rPr kumimoji="1" lang="en-US" altLang="ja-JP" sz="2400" dirty="0"/>
-              <a:t>	</a:t>
-            </a:r>
-            <a:r>
-              <a:rPr kumimoji="1" lang="en-US" altLang="ja-JP" sz="2400" dirty="0">
-                <a:solidFill>
-                  <a:srgbClr val="FF0000"/>
-                </a:solidFill>
-              </a:rPr>
-              <a:t>template &lt;</a:t>
-            </a:r>
-            <a:r>
-              <a:rPr kumimoji="1" lang="en-US" altLang="ja-JP" sz="2400" dirty="0" err="1">
-                <a:solidFill>
-                  <a:srgbClr val="FF0000"/>
-                </a:solidFill>
-              </a:rPr>
-              <a:t>typename</a:t>
-            </a:r>
-            <a:r>
-              <a:rPr kumimoji="1" lang="en-US" altLang="ja-JP" sz="2400" dirty="0">
-                <a:solidFill>
-                  <a:srgbClr val="FF0000"/>
-                </a:solidFill>
-              </a:rPr>
-              <a:t> T&gt;</a:t>
-            </a:r>
-          </a:p>
-          <a:p>
-            <a:r>
-              <a:rPr kumimoji="1" lang="en-US" altLang="ja-JP" sz="2400" dirty="0">
-                <a:solidFill>
-                  <a:srgbClr val="FF0000"/>
-                </a:solidFill>
-              </a:rPr>
-              <a:t>	inline T add(T a, T b) {</a:t>
-            </a:r>
-            <a:br>
-              <a:rPr kumimoji="1" lang="en-US" altLang="ja-JP" sz="2400" dirty="0">
-                <a:solidFill>
-                  <a:srgbClr val="FF0000"/>
-                </a:solidFill>
-              </a:rPr>
-            </a:br>
-            <a:r>
-              <a:rPr kumimoji="1" lang="en-US" altLang="ja-JP" sz="2400" dirty="0">
-                <a:solidFill>
-                  <a:srgbClr val="FF0000"/>
-                </a:solidFill>
-              </a:rPr>
-              <a:t>		return a + b;</a:t>
-            </a:r>
-          </a:p>
-          <a:p>
-            <a:r>
-              <a:rPr kumimoji="1" lang="en-US" altLang="ja-JP" sz="2400" dirty="0">
-                <a:solidFill>
-                  <a:srgbClr val="FF0000"/>
-                </a:solidFill>
-              </a:rPr>
-              <a:t>	};</a:t>
-            </a:r>
-            <a:br>
-              <a:rPr kumimoji="1" lang="en-US" altLang="ja-JP" sz="2400" dirty="0">
-                <a:solidFill>
-                  <a:srgbClr val="FF0000"/>
-                </a:solidFill>
-              </a:rPr>
-            </a:br>
-            <a:r>
-              <a:rPr kumimoji="1" lang="en-US" altLang="ja-JP" sz="2400" dirty="0"/>
-              <a:t>	</a:t>
-            </a:r>
-            <a:r>
-              <a:rPr kumimoji="1" lang="en-US" altLang="ja-JP" sz="2400" dirty="0" err="1"/>
-              <a:t>setValue</a:t>
-            </a:r>
-            <a:r>
-              <a:rPr kumimoji="1" lang="en-US" altLang="ja-JP" sz="2400" dirty="0"/>
-              <a:t>…</a:t>
-            </a:r>
-            <a:br>
-              <a:rPr kumimoji="1" lang="en-US" altLang="ja-JP" sz="2400" dirty="0"/>
-            </a:br>
-            <a:r>
-              <a:rPr kumimoji="1" lang="en-US" altLang="ja-JP" sz="2400" dirty="0">
-                <a:solidFill>
-                  <a:srgbClr val="FF0000"/>
-                </a:solidFill>
-              </a:rPr>
-              <a:t>	</a:t>
-            </a:r>
-            <a:r>
-              <a:rPr kumimoji="1" lang="ja-JP" altLang="en-US" sz="2400" dirty="0"/>
-              <a:t>　　（略）</a:t>
-            </a:r>
-            <a:endParaRPr kumimoji="1" lang="en-US" altLang="ja-JP" sz="2400" dirty="0"/>
-          </a:p>
-          <a:p>
-            <a:r>
-              <a:rPr kumimoji="1" lang="en-US" altLang="ja-JP" sz="2400" dirty="0"/>
-              <a:t>};</a:t>
-            </a:r>
-            <a:endParaRPr kumimoji="1" lang="ja-JP" altLang="en-US" sz="2400" dirty="0"/>
-          </a:p>
-        </p:txBody>
-      </p:sp>
-      <p:sp>
-        <p:nvSpPr>
-          <p:cNvPr id="4" name="テキスト ボックス 3">
-            <a:extLst>
-              <a:ext uri="{FF2B5EF4-FFF2-40B4-BE49-F238E27FC236}">
-                <a16:creationId xmlns:a16="http://schemas.microsoft.com/office/drawing/2014/main" id="{66CE7F4B-75FF-4B35-95DF-A25B059D18CF}"/>
-              </a:ext>
-            </a:extLst>
-          </p:cNvPr>
-          <p:cNvSpPr txBox="1"/>
-          <p:nvPr/>
-        </p:nvSpPr>
-        <p:spPr>
-          <a:xfrm>
-            <a:off x="5861949" y="2459181"/>
-            <a:ext cx="5338321" cy="954107"/>
-          </a:xfrm>
-          <a:prstGeom prst="rect">
-            <a:avLst/>
-          </a:prstGeom>
-          <a:solidFill>
-            <a:schemeClr val="bg1"/>
-          </a:solidFill>
-          <a:ln>
-            <a:solidFill>
-              <a:schemeClr val="tx1"/>
-            </a:solidFill>
-          </a:ln>
-          <a:effectLst>
-            <a:outerShdw blurRad="50800" dist="38100" dir="2700000" algn="tl" rotWithShape="0">
-              <a:prstClr val="black">
-                <a:alpha val="40000"/>
-              </a:prstClr>
-            </a:outerShdw>
-          </a:effectLst>
-        </p:spPr>
-        <p:txBody>
-          <a:bodyPr wrap="none" rtlCol="0">
-            <a:spAutoFit/>
-          </a:bodyPr>
-          <a:lstStyle/>
-          <a:p>
-            <a:r>
-              <a:rPr kumimoji="1" lang="en-US" altLang="ja-JP" sz="2800" b="1" dirty="0">
-                <a:solidFill>
-                  <a:srgbClr val="FF0000"/>
-                </a:solidFill>
-              </a:rPr>
-              <a:t>add</a:t>
-            </a:r>
-            <a:r>
-              <a:rPr kumimoji="1" lang="ja-JP" altLang="en-US" sz="2800" b="1" dirty="0">
-                <a:solidFill>
-                  <a:srgbClr val="FF0000"/>
-                </a:solidFill>
-              </a:rPr>
-              <a:t>関数</a:t>
-            </a:r>
-            <a:r>
-              <a:rPr kumimoji="1" lang="ja-JP" altLang="en-US" sz="2800" dirty="0"/>
-              <a:t>をテンプレートを用いて</a:t>
-            </a:r>
-            <a:endParaRPr kumimoji="1" lang="en-US" altLang="ja-JP" sz="2800" dirty="0"/>
-          </a:p>
-          <a:p>
-            <a:r>
-              <a:rPr kumimoji="1" lang="ja-JP" altLang="en-US" sz="2800" dirty="0"/>
-              <a:t>書き換える</a:t>
-            </a:r>
-            <a:endParaRPr kumimoji="1" lang="en-US" altLang="ja-JP" sz="2800" dirty="0"/>
-          </a:p>
-        </p:txBody>
-      </p:sp>
-    </p:spTree>
-    <p:extLst>
-      <p:ext uri="{BB962C8B-B14F-4D97-AF65-F5344CB8AC3E}">
-        <p14:creationId xmlns:p14="http://schemas.microsoft.com/office/powerpoint/2010/main" val="534155200"/>
-      </p:ext>
-    </p:extLst>
-  </p:cSld>
-  <p:clrMapOvr>
-    <a:masterClrMapping/>
-  </p:clrMapOvr>
-</p:sld>
-</file>
-
-<file path=ppt/slides/slide46.xml><?xml version="1.0" encoding="utf-8"?>
-<p:sld xmlns:a="http://schemas.openxmlformats.org/drawingml/2006/main" xmlns:r="http://schemas.openxmlformats.org/officeDocument/2006/relationships" xmlns:p="http://schemas.openxmlformats.org/presentationml/2006/main">
-  <p:cSld>
-    <p:spTree>
-      <p:nvGrpSpPr>
-        <p:cNvPr id="1" name=""/>
-        <p:cNvGrpSpPr/>
-        <p:nvPr/>
-      </p:nvGrpSpPr>
-      <p:grpSpPr>
-        <a:xfrm>
-          <a:off x="0" y="0"/>
-          <a:ext cx="0" cy="0"/>
-          <a:chOff x="0" y="0"/>
-          <a:chExt cx="0" cy="0"/>
-        </a:xfrm>
-      </p:grpSpPr>
-      <p:sp>
-        <p:nvSpPr>
-          <p:cNvPr id="2" name="タイトル 1">
-            <a:extLst>
-              <a:ext uri="{FF2B5EF4-FFF2-40B4-BE49-F238E27FC236}">
-                <a16:creationId xmlns:a16="http://schemas.microsoft.com/office/drawing/2014/main" id="{F11F3668-F205-48C5-AC01-19611EFE561B}"/>
-              </a:ext>
-            </a:extLst>
-          </p:cNvPr>
-          <p:cNvSpPr>
-            <a:spLocks noGrp="1"/>
-          </p:cNvSpPr>
-          <p:nvPr>
-            <p:ph type="title"/>
-          </p:nvPr>
-        </p:nvSpPr>
-        <p:spPr/>
-        <p:txBody>
-          <a:bodyPr/>
-          <a:lstStyle/>
-          <a:p>
-            <a:r>
-              <a:rPr kumimoji="1" lang="ja-JP" altLang="en-US" dirty="0"/>
-              <a:t>ポリモーフィズム（</a:t>
-            </a:r>
-            <a:r>
-              <a:rPr lang="ja-JP" altLang="en-US" dirty="0"/>
-              <a:t>テンプレート</a:t>
-            </a:r>
-            <a:r>
-              <a:rPr kumimoji="1" lang="ja-JP" altLang="en-US" dirty="0"/>
-              <a:t>）</a:t>
-            </a:r>
-          </a:p>
-        </p:txBody>
-      </p:sp>
-      <p:sp>
-        <p:nvSpPr>
-          <p:cNvPr id="3" name="コンテンツ プレースホルダー 2">
-            <a:extLst>
-              <a:ext uri="{FF2B5EF4-FFF2-40B4-BE49-F238E27FC236}">
-                <a16:creationId xmlns:a16="http://schemas.microsoft.com/office/drawing/2014/main" id="{64DBE417-57E9-44A6-BB52-B2F9986BB7B2}"/>
-              </a:ext>
-            </a:extLst>
-          </p:cNvPr>
-          <p:cNvSpPr>
-            <a:spLocks noGrp="1"/>
-          </p:cNvSpPr>
-          <p:nvPr>
-            <p:ph idx="1"/>
-          </p:nvPr>
-        </p:nvSpPr>
-        <p:spPr>
-          <a:xfrm>
-            <a:off x="838200" y="1162976"/>
-            <a:ext cx="10515600" cy="5193373"/>
-          </a:xfrm>
-        </p:spPr>
-        <p:txBody>
-          <a:bodyPr>
-            <a:normAutofit/>
-          </a:bodyPr>
-          <a:lstStyle/>
-          <a:p>
-            <a:r>
-              <a:rPr kumimoji="1" lang="en-US" altLang="ja-JP" dirty="0"/>
-              <a:t>calc.</a:t>
-            </a:r>
-            <a:r>
-              <a:rPr lang="en-US" altLang="ja-JP" dirty="0"/>
-              <a:t>cpp</a:t>
-            </a:r>
-            <a:r>
-              <a:rPr kumimoji="1" lang="ja-JP" altLang="en-US" dirty="0"/>
-              <a:t>　</a:t>
-            </a:r>
-            <a:r>
-              <a:rPr kumimoji="1" lang="en-US" altLang="ja-JP" dirty="0"/>
-              <a:t>(Sample503t)</a:t>
-            </a:r>
-            <a:br>
-              <a:rPr lang="en-US" altLang="ja-JP" dirty="0"/>
-            </a:br>
-            <a:endParaRPr lang="en-US" altLang="ja-JP" dirty="0"/>
-          </a:p>
-          <a:p>
-            <a:pPr marL="0" indent="0">
-              <a:buNone/>
-            </a:pPr>
-            <a:br>
-              <a:rPr lang="en-US" altLang="ja-JP" dirty="0"/>
-            </a:br>
-            <a:br>
-              <a:rPr lang="en-US" altLang="ja-JP" dirty="0"/>
-            </a:br>
-            <a:br>
-              <a:rPr lang="en-US" altLang="ja-JP" dirty="0"/>
-            </a:br>
-            <a:br>
-              <a:rPr lang="en-US" altLang="ja-JP" sz="2400" dirty="0"/>
-            </a:br>
-            <a:br>
-              <a:rPr lang="en-US" altLang="ja-JP" sz="2400" dirty="0"/>
-            </a:br>
-            <a:endParaRPr lang="en-US" altLang="ja-JP" sz="2400" dirty="0"/>
-          </a:p>
-          <a:p>
-            <a:pPr marL="0" indent="0">
-              <a:buNone/>
-            </a:pPr>
-            <a:br>
-              <a:rPr lang="en-US" altLang="ja-JP" sz="2400" dirty="0"/>
-            </a:br>
-            <a:endParaRPr lang="en-US" altLang="ja-JP" dirty="0">
-              <a:solidFill>
-                <a:srgbClr val="FF0000"/>
-              </a:solidFill>
-            </a:endParaRPr>
-          </a:p>
-        </p:txBody>
-      </p:sp>
-      <p:sp>
-        <p:nvSpPr>
-          <p:cNvPr id="5" name="テキスト ボックス 4">
-            <a:extLst>
-              <a:ext uri="{FF2B5EF4-FFF2-40B4-BE49-F238E27FC236}">
-                <a16:creationId xmlns:a16="http://schemas.microsoft.com/office/drawing/2014/main" id="{9E32883C-0E37-4F07-9861-27609819CE8C}"/>
-              </a:ext>
-            </a:extLst>
-          </p:cNvPr>
-          <p:cNvSpPr txBox="1"/>
-          <p:nvPr/>
-        </p:nvSpPr>
-        <p:spPr>
-          <a:xfrm>
-            <a:off x="1048255" y="1864708"/>
-            <a:ext cx="10688220" cy="4893647"/>
-          </a:xfrm>
-          <a:prstGeom prst="rect">
-            <a:avLst/>
-          </a:prstGeom>
-          <a:noFill/>
-          <a:ln>
-            <a:solidFill>
-              <a:schemeClr val="tx1"/>
-            </a:solidFill>
-          </a:ln>
-        </p:spPr>
-        <p:txBody>
-          <a:bodyPr wrap="square" rtlCol="0">
-            <a:spAutoFit/>
-          </a:bodyPr>
-          <a:lstStyle/>
-          <a:p>
-            <a:r>
-              <a:rPr kumimoji="1" lang="en-US" altLang="ja-JP" sz="2400" dirty="0"/>
-              <a:t>#include "</a:t>
-            </a:r>
-            <a:r>
-              <a:rPr kumimoji="1" lang="en-US" altLang="ja-JP" sz="2400" dirty="0" err="1"/>
-              <a:t>calc.h</a:t>
-            </a:r>
-            <a:r>
-              <a:rPr kumimoji="1" lang="en-US" altLang="ja-JP" sz="2400" dirty="0"/>
-              <a:t>"</a:t>
-            </a:r>
-          </a:p>
-          <a:p>
-            <a:r>
-              <a:rPr kumimoji="1" lang="en-US" altLang="ja-JP" sz="2400" dirty="0"/>
-              <a:t>Calc::Calc() : </a:t>
-            </a:r>
-            <a:r>
-              <a:rPr kumimoji="1" lang="en-US" altLang="ja-JP" sz="2400" dirty="0" err="1"/>
-              <a:t>m_a</a:t>
-            </a:r>
-            <a:r>
-              <a:rPr kumimoji="1" lang="en-US" altLang="ja-JP" sz="2400" dirty="0"/>
-              <a:t>(0), </a:t>
-            </a:r>
-            <a:r>
-              <a:rPr kumimoji="1" lang="en-US" altLang="ja-JP" sz="2400" dirty="0" err="1"/>
-              <a:t>m_b</a:t>
-            </a:r>
-            <a:r>
-              <a:rPr kumimoji="1" lang="en-US" altLang="ja-JP" sz="2400" dirty="0"/>
-              <a:t>(0) {}</a:t>
-            </a:r>
-          </a:p>
-          <a:p>
-            <a:r>
-              <a:rPr kumimoji="1" lang="en-US" altLang="ja-JP" sz="2400" dirty="0"/>
-              <a:t>Calc::Calc(int a, int b) : </a:t>
-            </a:r>
-            <a:r>
-              <a:rPr kumimoji="1" lang="en-US" altLang="ja-JP" sz="2400" dirty="0" err="1"/>
-              <a:t>m_a</a:t>
-            </a:r>
-            <a:r>
-              <a:rPr kumimoji="1" lang="en-US" altLang="ja-JP" sz="2400" dirty="0"/>
-              <a:t>(a), </a:t>
-            </a:r>
-            <a:r>
-              <a:rPr kumimoji="1" lang="en-US" altLang="ja-JP" sz="2400" dirty="0" err="1"/>
-              <a:t>m_b</a:t>
-            </a:r>
-            <a:r>
-              <a:rPr kumimoji="1" lang="en-US" altLang="ja-JP" sz="2400" dirty="0"/>
-              <a:t>(b) {}</a:t>
-            </a:r>
-          </a:p>
-          <a:p>
-            <a:r>
-              <a:rPr kumimoji="1" lang="en-US" altLang="ja-JP" sz="2400" dirty="0"/>
-              <a:t>int Calc::add() {</a:t>
-            </a:r>
-          </a:p>
-          <a:p>
-            <a:r>
-              <a:rPr kumimoji="1" lang="en-US" altLang="ja-JP" sz="2400" dirty="0"/>
-              <a:t>	return </a:t>
-            </a:r>
-            <a:r>
-              <a:rPr kumimoji="1" lang="en-US" altLang="ja-JP" sz="2400" dirty="0" err="1"/>
-              <a:t>m_a</a:t>
-            </a:r>
-            <a:r>
-              <a:rPr kumimoji="1" lang="en-US" altLang="ja-JP" sz="2400" dirty="0"/>
-              <a:t> + </a:t>
-            </a:r>
-            <a:r>
-              <a:rPr kumimoji="1" lang="en-US" altLang="ja-JP" sz="2400" dirty="0" err="1"/>
-              <a:t>m_b</a:t>
-            </a:r>
-            <a:r>
-              <a:rPr kumimoji="1" lang="en-US" altLang="ja-JP" sz="2400" dirty="0"/>
-              <a:t>;</a:t>
-            </a:r>
-          </a:p>
-          <a:p>
-            <a:r>
-              <a:rPr kumimoji="1" lang="en-US" altLang="ja-JP" sz="2400" dirty="0"/>
-              <a:t>}</a:t>
-            </a:r>
-          </a:p>
-          <a:p>
-            <a:r>
-              <a:rPr kumimoji="1" lang="en-US" altLang="ja-JP" sz="2400" strike="dblStrike" dirty="0">
-                <a:solidFill>
-                  <a:srgbClr val="FF0000"/>
-                </a:solidFill>
-              </a:rPr>
-              <a:t>int Calc::add(int a, int b) {</a:t>
-            </a:r>
-          </a:p>
-          <a:p>
-            <a:r>
-              <a:rPr kumimoji="1" lang="en-US" altLang="ja-JP" sz="2400" strike="dblStrike" dirty="0">
-                <a:solidFill>
-                  <a:srgbClr val="FF0000"/>
-                </a:solidFill>
-              </a:rPr>
-              <a:t>	return a + b;</a:t>
-            </a:r>
-          </a:p>
-          <a:p>
-            <a:r>
-              <a:rPr kumimoji="1" lang="en-US" altLang="ja-JP" sz="2400" strike="dblStrike" dirty="0">
-                <a:solidFill>
-                  <a:srgbClr val="FF0000"/>
-                </a:solidFill>
-              </a:rPr>
-              <a:t>}</a:t>
-            </a:r>
-          </a:p>
-          <a:p>
-            <a:r>
-              <a:rPr kumimoji="1" lang="en-US" altLang="ja-JP" sz="2400" dirty="0"/>
-              <a:t>void Calc::</a:t>
-            </a:r>
-            <a:r>
-              <a:rPr kumimoji="1" lang="en-US" altLang="ja-JP" sz="2400" dirty="0" err="1"/>
-              <a:t>setValue</a:t>
-            </a:r>
-            <a:r>
-              <a:rPr kumimoji="1" lang="en-US" altLang="ja-JP" sz="2400" dirty="0"/>
-              <a:t>(int a, int b) {</a:t>
-            </a:r>
-          </a:p>
-          <a:p>
-            <a:r>
-              <a:rPr kumimoji="1" lang="en-US" altLang="ja-JP" sz="2400" dirty="0"/>
-              <a:t>	</a:t>
-            </a:r>
-            <a:r>
-              <a:rPr kumimoji="1" lang="en-US" altLang="ja-JP" sz="2400" dirty="0" err="1"/>
-              <a:t>m_a</a:t>
-            </a:r>
-            <a:r>
-              <a:rPr kumimoji="1" lang="en-US" altLang="ja-JP" sz="2400" dirty="0"/>
-              <a:t> = a;</a:t>
-            </a:r>
-          </a:p>
-          <a:p>
-            <a:r>
-              <a:rPr kumimoji="1" lang="en-US" altLang="ja-JP" sz="2400" dirty="0"/>
-              <a:t>	</a:t>
-            </a:r>
-            <a:r>
-              <a:rPr kumimoji="1" lang="en-US" altLang="ja-JP" sz="2400" dirty="0" err="1"/>
-              <a:t>m_b</a:t>
-            </a:r>
-            <a:r>
-              <a:rPr kumimoji="1" lang="en-US" altLang="ja-JP" sz="2400" dirty="0"/>
-              <a:t> = b;</a:t>
-            </a:r>
-          </a:p>
-          <a:p>
-            <a:r>
-              <a:rPr kumimoji="1" lang="en-US" altLang="ja-JP" sz="2400" dirty="0"/>
-              <a:t>}</a:t>
-            </a:r>
-          </a:p>
-        </p:txBody>
-      </p:sp>
-      <p:sp>
-        <p:nvSpPr>
-          <p:cNvPr id="6" name="テキスト ボックス 5">
-            <a:extLst>
-              <a:ext uri="{FF2B5EF4-FFF2-40B4-BE49-F238E27FC236}">
-                <a16:creationId xmlns:a16="http://schemas.microsoft.com/office/drawing/2014/main" id="{8AA40FB2-F2C9-5F87-35DA-2EF09700F491}"/>
-              </a:ext>
-            </a:extLst>
-          </p:cNvPr>
-          <p:cNvSpPr txBox="1"/>
-          <p:nvPr/>
-        </p:nvSpPr>
-        <p:spPr>
-          <a:xfrm>
-            <a:off x="7979976" y="4080699"/>
-            <a:ext cx="3756499" cy="2677656"/>
-          </a:xfrm>
-          <a:prstGeom prst="rect">
-            <a:avLst/>
-          </a:prstGeom>
-          <a:noFill/>
-          <a:ln>
-            <a:solidFill>
-              <a:schemeClr val="tx1"/>
-            </a:solidFill>
-          </a:ln>
-        </p:spPr>
-        <p:txBody>
-          <a:bodyPr wrap="square" rtlCol="0">
-            <a:spAutoFit/>
-          </a:bodyPr>
-          <a:lstStyle/>
-          <a:p>
-            <a:r>
-              <a:rPr kumimoji="1" lang="ja-JP" altLang="en-US" sz="2400" dirty="0"/>
-              <a:t>（続き）</a:t>
-            </a:r>
-            <a:endParaRPr kumimoji="1" lang="en-US" altLang="ja-JP" sz="2400" dirty="0"/>
-          </a:p>
-          <a:p>
-            <a:r>
-              <a:rPr kumimoji="1" lang="en-US" altLang="ja-JP" sz="2400" dirty="0"/>
-              <a:t>int Calc::</a:t>
-            </a:r>
-            <a:r>
-              <a:rPr kumimoji="1" lang="en-US" altLang="ja-JP" sz="2400" dirty="0" err="1"/>
-              <a:t>getA</a:t>
-            </a:r>
-            <a:r>
-              <a:rPr kumimoji="1" lang="en-US" altLang="ja-JP" sz="2400" dirty="0"/>
-              <a:t>() {</a:t>
-            </a:r>
-          </a:p>
-          <a:p>
-            <a:r>
-              <a:rPr kumimoji="1" lang="en-US" altLang="ja-JP" sz="2400" dirty="0"/>
-              <a:t>	return </a:t>
-            </a:r>
-            <a:r>
-              <a:rPr kumimoji="1" lang="en-US" altLang="ja-JP" sz="2400" dirty="0" err="1"/>
-              <a:t>m_a</a:t>
-            </a:r>
-            <a:r>
-              <a:rPr kumimoji="1" lang="en-US" altLang="ja-JP" sz="2400" dirty="0"/>
-              <a:t>;</a:t>
-            </a:r>
-          </a:p>
-          <a:p>
-            <a:r>
-              <a:rPr kumimoji="1" lang="en-US" altLang="ja-JP" sz="2400" dirty="0"/>
-              <a:t>}</a:t>
-            </a:r>
-          </a:p>
-          <a:p>
-            <a:r>
-              <a:rPr kumimoji="1" lang="en-US" altLang="ja-JP" sz="2400" dirty="0"/>
-              <a:t>int Calc::</a:t>
-            </a:r>
-            <a:r>
-              <a:rPr kumimoji="1" lang="en-US" altLang="ja-JP" sz="2400" dirty="0" err="1"/>
-              <a:t>getB</a:t>
-            </a:r>
-            <a:r>
-              <a:rPr kumimoji="1" lang="en-US" altLang="ja-JP" sz="2400" dirty="0"/>
-              <a:t>() {</a:t>
-            </a:r>
-          </a:p>
-          <a:p>
-            <a:r>
-              <a:rPr kumimoji="1" lang="en-US" altLang="ja-JP" sz="2400" dirty="0"/>
-              <a:t>	return </a:t>
-            </a:r>
-            <a:r>
-              <a:rPr kumimoji="1" lang="en-US" altLang="ja-JP" sz="2400" dirty="0" err="1"/>
-              <a:t>m_b</a:t>
-            </a:r>
-            <a:r>
-              <a:rPr kumimoji="1" lang="en-US" altLang="ja-JP" sz="2400" dirty="0"/>
-              <a:t>;</a:t>
-            </a:r>
-          </a:p>
-          <a:p>
-            <a:r>
-              <a:rPr kumimoji="1" lang="en-US" altLang="ja-JP" sz="2400" dirty="0"/>
-              <a:t>}</a:t>
-            </a:r>
-            <a:endParaRPr kumimoji="1" lang="ja-JP" altLang="en-US" sz="2400" dirty="0"/>
-          </a:p>
-        </p:txBody>
-      </p:sp>
-      <p:sp>
-        <p:nvSpPr>
-          <p:cNvPr id="4" name="テキスト ボックス 3">
-            <a:extLst>
-              <a:ext uri="{FF2B5EF4-FFF2-40B4-BE49-F238E27FC236}">
-                <a16:creationId xmlns:a16="http://schemas.microsoft.com/office/drawing/2014/main" id="{66CE7F4B-75FF-4B35-95DF-A25B059D18CF}"/>
-              </a:ext>
-            </a:extLst>
-          </p:cNvPr>
-          <p:cNvSpPr txBox="1"/>
-          <p:nvPr/>
-        </p:nvSpPr>
-        <p:spPr>
-          <a:xfrm>
-            <a:off x="5222874" y="3081362"/>
-            <a:ext cx="5642891" cy="954107"/>
-          </a:xfrm>
-          <a:prstGeom prst="rect">
-            <a:avLst/>
-          </a:prstGeom>
-          <a:solidFill>
-            <a:schemeClr val="bg1"/>
-          </a:solidFill>
-          <a:ln>
-            <a:solidFill>
-              <a:schemeClr val="tx1"/>
-            </a:solidFill>
-          </a:ln>
-          <a:effectLst>
-            <a:outerShdw blurRad="50800" dist="38100" dir="2700000" algn="tl" rotWithShape="0">
-              <a:prstClr val="black">
-                <a:alpha val="40000"/>
-              </a:prstClr>
-            </a:outerShdw>
-          </a:effectLst>
-        </p:spPr>
-        <p:txBody>
-          <a:bodyPr wrap="none" rtlCol="0">
-            <a:spAutoFit/>
-          </a:bodyPr>
-          <a:lstStyle/>
-          <a:p>
-            <a:r>
-              <a:rPr kumimoji="1" lang="ja-JP" altLang="en-US" sz="2800" dirty="0"/>
-              <a:t>テンプレートで処理を記述したので</a:t>
-            </a:r>
-            <a:endParaRPr kumimoji="1" lang="en-US" altLang="ja-JP" sz="2800" dirty="0"/>
-          </a:p>
-          <a:p>
-            <a:r>
-              <a:rPr kumimoji="1" lang="ja-JP" altLang="en-US" sz="2800" dirty="0"/>
-              <a:t>従来の関数処理を削除</a:t>
-            </a:r>
-            <a:endParaRPr kumimoji="1" lang="en-US" altLang="ja-JP" sz="2800" dirty="0"/>
-          </a:p>
-        </p:txBody>
-      </p:sp>
-    </p:spTree>
-    <p:extLst>
-      <p:ext uri="{BB962C8B-B14F-4D97-AF65-F5344CB8AC3E}">
-        <p14:creationId xmlns:p14="http://schemas.microsoft.com/office/powerpoint/2010/main" val="3803394863"/>
-      </p:ext>
-    </p:extLst>
-  </p:cSld>
-  <p:clrMapOvr>
-    <a:masterClrMapping/>
-  </p:clrMapOvr>
-</p:sld>
-</file>
-
-<file path=ppt/slides/slide47.xml><?xml version="1.0" encoding="utf-8"?>
-<p:sld xmlns:a="http://schemas.openxmlformats.org/drawingml/2006/main" xmlns:r="http://schemas.openxmlformats.org/officeDocument/2006/relationships" xmlns:p="http://schemas.openxmlformats.org/presentationml/2006/main">
-  <p:cSld>
-    <p:spTree>
-      <p:nvGrpSpPr>
-        <p:cNvPr id="1" name=""/>
-        <p:cNvGrpSpPr/>
-        <p:nvPr/>
-      </p:nvGrpSpPr>
-      <p:grpSpPr>
-        <a:xfrm>
-          <a:off x="0" y="0"/>
-          <a:ext cx="0" cy="0"/>
-          <a:chOff x="0" y="0"/>
-          <a:chExt cx="0" cy="0"/>
-        </a:xfrm>
-      </p:grpSpPr>
-      <p:sp>
-        <p:nvSpPr>
-          <p:cNvPr id="2" name="タイトル 1">
-            <a:extLst>
-              <a:ext uri="{FF2B5EF4-FFF2-40B4-BE49-F238E27FC236}">
-                <a16:creationId xmlns:a16="http://schemas.microsoft.com/office/drawing/2014/main" id="{F11F3668-F205-48C5-AC01-19611EFE561B}"/>
-              </a:ext>
-            </a:extLst>
-          </p:cNvPr>
-          <p:cNvSpPr>
-            <a:spLocks noGrp="1"/>
-          </p:cNvSpPr>
-          <p:nvPr>
-            <p:ph type="title"/>
-          </p:nvPr>
-        </p:nvSpPr>
-        <p:spPr/>
-        <p:txBody>
-          <a:bodyPr/>
-          <a:lstStyle/>
-          <a:p>
-            <a:r>
-              <a:rPr kumimoji="1" lang="ja-JP" altLang="en-US" dirty="0"/>
-              <a:t>ポリモーフィズム（</a:t>
-            </a:r>
-            <a:r>
-              <a:rPr lang="ja-JP" altLang="en-US" dirty="0"/>
-              <a:t>テンプレート</a:t>
-            </a:r>
-            <a:r>
-              <a:rPr kumimoji="1" lang="ja-JP" altLang="en-US" dirty="0"/>
-              <a:t>）</a:t>
-            </a:r>
-          </a:p>
-        </p:txBody>
-      </p:sp>
-      <p:sp>
-        <p:nvSpPr>
-          <p:cNvPr id="3" name="コンテンツ プレースホルダー 2">
-            <a:extLst>
-              <a:ext uri="{FF2B5EF4-FFF2-40B4-BE49-F238E27FC236}">
-                <a16:creationId xmlns:a16="http://schemas.microsoft.com/office/drawing/2014/main" id="{64DBE417-57E9-44A6-BB52-B2F9986BB7B2}"/>
-              </a:ext>
-            </a:extLst>
-          </p:cNvPr>
-          <p:cNvSpPr>
-            <a:spLocks noGrp="1"/>
-          </p:cNvSpPr>
-          <p:nvPr>
-            <p:ph idx="1"/>
-          </p:nvPr>
-        </p:nvSpPr>
-        <p:spPr>
-          <a:xfrm>
-            <a:off x="838200" y="1162976"/>
-            <a:ext cx="10515600" cy="5193373"/>
-          </a:xfrm>
-        </p:spPr>
-        <p:txBody>
-          <a:bodyPr>
-            <a:normAutofit/>
-          </a:bodyPr>
-          <a:lstStyle/>
-          <a:p>
-            <a:r>
-              <a:rPr kumimoji="1" lang="en-US" altLang="ja-JP" dirty="0"/>
-              <a:t>main.</a:t>
-            </a:r>
-            <a:r>
-              <a:rPr lang="en-US" altLang="ja-JP" dirty="0"/>
-              <a:t>cpp</a:t>
-            </a:r>
-            <a:r>
-              <a:rPr kumimoji="1" lang="ja-JP" altLang="en-US" dirty="0"/>
-              <a:t>　</a:t>
-            </a:r>
-            <a:r>
-              <a:rPr kumimoji="1" lang="en-US" altLang="ja-JP" dirty="0"/>
-              <a:t>(Sample503t)</a:t>
-            </a:r>
-            <a:br>
-              <a:rPr lang="en-US" altLang="ja-JP" dirty="0"/>
-            </a:br>
-            <a:endParaRPr lang="en-US" altLang="ja-JP" dirty="0"/>
-          </a:p>
-          <a:p>
-            <a:pPr marL="0" indent="0">
-              <a:buNone/>
-            </a:pPr>
-            <a:br>
-              <a:rPr lang="en-US" altLang="ja-JP" dirty="0"/>
-            </a:br>
-            <a:br>
-              <a:rPr lang="en-US" altLang="ja-JP" dirty="0"/>
-            </a:br>
-            <a:br>
-              <a:rPr lang="en-US" altLang="ja-JP" dirty="0"/>
-            </a:br>
-            <a:br>
-              <a:rPr lang="en-US" altLang="ja-JP" sz="2400" dirty="0"/>
-            </a:br>
-            <a:br>
-              <a:rPr lang="en-US" altLang="ja-JP" sz="2400" dirty="0"/>
-            </a:br>
-            <a:endParaRPr lang="en-US" altLang="ja-JP" sz="2400" dirty="0"/>
-          </a:p>
-          <a:p>
-            <a:pPr marL="0" indent="0">
-              <a:buNone/>
-            </a:pPr>
-            <a:br>
-              <a:rPr lang="en-US" altLang="ja-JP" sz="2400" dirty="0"/>
-            </a:br>
-            <a:endParaRPr lang="en-US" altLang="ja-JP" dirty="0">
-              <a:solidFill>
-                <a:srgbClr val="FF0000"/>
-              </a:solidFill>
-            </a:endParaRPr>
-          </a:p>
-        </p:txBody>
-      </p:sp>
-      <p:sp>
-        <p:nvSpPr>
-          <p:cNvPr id="5" name="テキスト ボックス 4">
-            <a:extLst>
-              <a:ext uri="{FF2B5EF4-FFF2-40B4-BE49-F238E27FC236}">
-                <a16:creationId xmlns:a16="http://schemas.microsoft.com/office/drawing/2014/main" id="{9E32883C-0E37-4F07-9861-27609819CE8C}"/>
-              </a:ext>
-            </a:extLst>
-          </p:cNvPr>
-          <p:cNvSpPr txBox="1"/>
-          <p:nvPr/>
-        </p:nvSpPr>
-        <p:spPr>
-          <a:xfrm>
-            <a:off x="1048254" y="1709060"/>
-            <a:ext cx="11072409" cy="5078313"/>
-          </a:xfrm>
-          <a:prstGeom prst="rect">
-            <a:avLst/>
-          </a:prstGeom>
-          <a:noFill/>
-          <a:ln>
-            <a:solidFill>
-              <a:schemeClr val="tx1"/>
-            </a:solidFill>
-          </a:ln>
-        </p:spPr>
-        <p:txBody>
-          <a:bodyPr wrap="square" rtlCol="0">
-            <a:spAutoFit/>
-          </a:bodyPr>
-          <a:lstStyle/>
-          <a:p>
-            <a:r>
-              <a:rPr kumimoji="1" lang="ja-JP" altLang="en-US" sz="2400" dirty="0"/>
-              <a:t>　　　　（略）</a:t>
-            </a:r>
-            <a:endParaRPr kumimoji="1" lang="en-US" altLang="ja-JP" sz="2400" dirty="0"/>
-          </a:p>
-          <a:p>
-            <a:r>
-              <a:rPr kumimoji="1" lang="en-US" altLang="ja-JP" sz="2000" dirty="0"/>
-              <a:t>int main() {</a:t>
-            </a:r>
-          </a:p>
-          <a:p>
-            <a:r>
-              <a:rPr kumimoji="1" lang="en-US" altLang="ja-JP" sz="2000" dirty="0"/>
-              <a:t>	Calc* pC1, * pC2;</a:t>
-            </a:r>
-          </a:p>
-          <a:p>
-            <a:r>
-              <a:rPr kumimoji="1" lang="en-US" altLang="ja-JP" sz="2000" dirty="0"/>
-              <a:t>	pC1 = new Calc();</a:t>
-            </a:r>
-          </a:p>
-          <a:p>
-            <a:r>
-              <a:rPr kumimoji="1" lang="en-US" altLang="ja-JP" sz="2000" dirty="0"/>
-              <a:t>	pC2 = new Calc(1, 2);</a:t>
-            </a:r>
-          </a:p>
-          <a:p>
-            <a:r>
-              <a:rPr kumimoji="1" lang="en-US" altLang="ja-JP" sz="2000" dirty="0"/>
-              <a:t>	</a:t>
-            </a:r>
-            <a:r>
-              <a:rPr kumimoji="1" lang="en-US" altLang="ja-JP" sz="2000" dirty="0" err="1"/>
-              <a:t>cout</a:t>
-            </a:r>
-            <a:r>
-              <a:rPr kumimoji="1" lang="en-US" altLang="ja-JP" sz="2000" dirty="0"/>
-              <a:t> &lt;&lt; 3 &lt;&lt; "+" &lt;&lt; 4 &lt;&lt; "="	&lt;&lt; pC1-&gt;add</a:t>
-            </a:r>
-            <a:r>
-              <a:rPr kumimoji="1" lang="en-US" altLang="ja-JP" sz="2000" dirty="0">
-                <a:solidFill>
-                  <a:srgbClr val="FF0000"/>
-                </a:solidFill>
-              </a:rPr>
-              <a:t>&lt;int&gt;</a:t>
-            </a:r>
-            <a:r>
-              <a:rPr kumimoji="1" lang="en-US" altLang="ja-JP" sz="2000" dirty="0"/>
-              <a:t>(3, 4) &lt;&lt; </a:t>
-            </a:r>
-            <a:r>
-              <a:rPr kumimoji="1" lang="en-US" altLang="ja-JP" sz="2000" dirty="0" err="1"/>
-              <a:t>endl</a:t>
-            </a:r>
-            <a:r>
-              <a:rPr kumimoji="1" lang="en-US" altLang="ja-JP" sz="2000" dirty="0"/>
-              <a:t>;</a:t>
-            </a:r>
-          </a:p>
-          <a:p>
-            <a:r>
-              <a:rPr kumimoji="1" lang="en-US" altLang="ja-JP" sz="2000" dirty="0"/>
-              <a:t>	</a:t>
-            </a:r>
-            <a:r>
-              <a:rPr kumimoji="1" lang="en-US" altLang="ja-JP" sz="2000" dirty="0" err="1"/>
-              <a:t>cout</a:t>
-            </a:r>
-            <a:r>
-              <a:rPr kumimoji="1" lang="en-US" altLang="ja-JP" sz="2000" dirty="0"/>
-              <a:t> &lt;&lt; pC2-&gt;</a:t>
-            </a:r>
-            <a:r>
-              <a:rPr kumimoji="1" lang="en-US" altLang="ja-JP" sz="2000" dirty="0" err="1"/>
-              <a:t>getA</a:t>
-            </a:r>
-            <a:r>
-              <a:rPr kumimoji="1" lang="en-US" altLang="ja-JP" sz="2000" dirty="0"/>
-              <a:t>() &lt;&lt; “+”	&lt;&lt; pC2-&gt;</a:t>
-            </a:r>
-            <a:r>
-              <a:rPr kumimoji="1" lang="en-US" altLang="ja-JP" sz="2000" dirty="0" err="1"/>
-              <a:t>getB</a:t>
-            </a:r>
-            <a:r>
-              <a:rPr kumimoji="1" lang="en-US" altLang="ja-JP" sz="2000" dirty="0"/>
-              <a:t>() </a:t>
-            </a:r>
-            <a:br>
-              <a:rPr kumimoji="1" lang="en-US" altLang="ja-JP" sz="2000" dirty="0"/>
-            </a:br>
-            <a:r>
-              <a:rPr kumimoji="1" lang="ja-JP" altLang="en-US" sz="2000" dirty="0"/>
-              <a:t>     </a:t>
-            </a:r>
-            <a:r>
-              <a:rPr kumimoji="1" lang="en-US" altLang="ja-JP" sz="2000" dirty="0"/>
-              <a:t>&lt;&lt; "=“ &lt;&lt; pC2-&gt;add() &lt;&lt; </a:t>
-            </a:r>
-            <a:r>
-              <a:rPr kumimoji="1" lang="en-US" altLang="ja-JP" sz="2000" dirty="0" err="1"/>
-              <a:t>endl</a:t>
-            </a:r>
-            <a:r>
-              <a:rPr kumimoji="1" lang="en-US" altLang="ja-JP" sz="2000" dirty="0"/>
-              <a:t>;</a:t>
-            </a:r>
-          </a:p>
-          <a:p>
-            <a:r>
-              <a:rPr kumimoji="1" lang="en-US" altLang="ja-JP" sz="2000" dirty="0"/>
-              <a:t>	</a:t>
-            </a:r>
-            <a:r>
-              <a:rPr kumimoji="1" lang="en-US" altLang="ja-JP" sz="2000" dirty="0" err="1">
-                <a:solidFill>
-                  <a:srgbClr val="FF0000"/>
-                </a:solidFill>
-              </a:rPr>
-              <a:t>cout</a:t>
-            </a:r>
-            <a:r>
-              <a:rPr kumimoji="1" lang="en-US" altLang="ja-JP" sz="2000" dirty="0">
-                <a:solidFill>
-                  <a:srgbClr val="FF0000"/>
-                </a:solidFill>
-              </a:rPr>
-              <a:t> &lt;&lt; 1.1 &lt;&lt; “+” &lt;&lt; 2.5 &lt;&lt; “=“ &lt;&lt; pC1-&gt;add&lt;double&gt;(1.1, 2.5) </a:t>
-            </a:r>
-            <a:br>
-              <a:rPr kumimoji="1" lang="en-US" altLang="ja-JP" sz="2000" dirty="0">
-                <a:solidFill>
-                  <a:srgbClr val="FF0000"/>
-                </a:solidFill>
-              </a:rPr>
-            </a:br>
-            <a:r>
-              <a:rPr kumimoji="1" lang="en-US" altLang="ja-JP" sz="2000" dirty="0">
-                <a:solidFill>
-                  <a:srgbClr val="FF0000"/>
-                </a:solidFill>
-              </a:rPr>
-              <a:t>			&lt;&lt; </a:t>
-            </a:r>
-            <a:r>
-              <a:rPr kumimoji="1" lang="en-US" altLang="ja-JP" sz="2000" dirty="0" err="1">
-                <a:solidFill>
-                  <a:srgbClr val="FF0000"/>
-                </a:solidFill>
-              </a:rPr>
-              <a:t>endl</a:t>
-            </a:r>
-            <a:r>
-              <a:rPr kumimoji="1" lang="en-US" altLang="ja-JP" sz="2000" dirty="0">
-                <a:solidFill>
-                  <a:srgbClr val="FF0000"/>
-                </a:solidFill>
-              </a:rPr>
-              <a:t>;</a:t>
-            </a:r>
-          </a:p>
-          <a:p>
-            <a:r>
-              <a:rPr kumimoji="1" lang="en-US" altLang="ja-JP" sz="2000" dirty="0">
-                <a:solidFill>
-                  <a:srgbClr val="FF0000"/>
-                </a:solidFill>
-              </a:rPr>
-              <a:t>	</a:t>
-            </a:r>
-            <a:r>
-              <a:rPr kumimoji="1" lang="en-US" altLang="ja-JP" sz="2000" dirty="0" err="1">
-                <a:solidFill>
-                  <a:srgbClr val="FF0000"/>
-                </a:solidFill>
-              </a:rPr>
-              <a:t>cout</a:t>
-            </a:r>
-            <a:r>
-              <a:rPr kumimoji="1" lang="en-US" altLang="ja-JP" sz="2000" dirty="0">
-                <a:solidFill>
-                  <a:srgbClr val="FF0000"/>
-                </a:solidFill>
-              </a:rPr>
-              <a:t> &lt;&lt; “ABC” &lt;&lt; “+” &lt;&lt; “DEF” &lt;&lt; “=“ </a:t>
-            </a:r>
-          </a:p>
-          <a:p>
-            <a:r>
-              <a:rPr kumimoji="1" lang="en-US" altLang="ja-JP" sz="2000" dirty="0">
-                <a:solidFill>
-                  <a:srgbClr val="FF0000"/>
-                </a:solidFill>
-              </a:rPr>
-              <a:t>			&lt;&lt; pC1-&gt;add&lt;string&gt;(“ABC”, “DEF”) &lt;&lt; </a:t>
-            </a:r>
-            <a:r>
-              <a:rPr kumimoji="1" lang="en-US" altLang="ja-JP" sz="2000" dirty="0" err="1">
-                <a:solidFill>
-                  <a:srgbClr val="FF0000"/>
-                </a:solidFill>
-              </a:rPr>
-              <a:t>endl</a:t>
-            </a:r>
-            <a:r>
-              <a:rPr kumimoji="1" lang="en-US" altLang="ja-JP" sz="2000" dirty="0">
-                <a:solidFill>
-                  <a:srgbClr val="FF0000"/>
-                </a:solidFill>
-              </a:rPr>
-              <a:t>;</a:t>
-            </a:r>
-          </a:p>
-          <a:p>
-            <a:r>
-              <a:rPr kumimoji="1" lang="en-US" altLang="ja-JP" sz="2000" dirty="0"/>
-              <a:t>	delete pC1;</a:t>
-            </a:r>
-          </a:p>
-          <a:p>
-            <a:r>
-              <a:rPr kumimoji="1" lang="en-US" altLang="ja-JP" sz="2000" dirty="0"/>
-              <a:t>	delete pC2;</a:t>
-            </a:r>
-          </a:p>
-          <a:p>
-            <a:r>
-              <a:rPr kumimoji="1" lang="en-US" altLang="ja-JP" sz="2000" dirty="0"/>
-              <a:t>	return 0;</a:t>
-            </a:r>
-          </a:p>
-          <a:p>
-            <a:r>
-              <a:rPr kumimoji="1" lang="en-US" altLang="ja-JP" sz="2000" dirty="0"/>
-              <a:t>}</a:t>
-            </a:r>
-          </a:p>
-        </p:txBody>
-      </p:sp>
-    </p:spTree>
-    <p:extLst>
-      <p:ext uri="{BB962C8B-B14F-4D97-AF65-F5344CB8AC3E}">
-        <p14:creationId xmlns:p14="http://schemas.microsoft.com/office/powerpoint/2010/main" val="1493828005"/>
-      </p:ext>
-    </p:extLst>
-  </p:cSld>
-  <p:clrMapOvr>
-    <a:masterClrMapping/>
-  </p:clrMapOvr>
-</p:sld>
-</file>
-
-<file path=ppt/slides/slide48.xml><?xml version="1.0" encoding="utf-8"?>
-<p:sld xmlns:a="http://schemas.openxmlformats.org/drawingml/2006/main" xmlns:r="http://schemas.openxmlformats.org/officeDocument/2006/relationships" xmlns:p="http://schemas.openxmlformats.org/presentationml/2006/main">
-  <p:cSld>
-    <p:spTree>
-      <p:nvGrpSpPr>
-        <p:cNvPr id="1" name=""/>
-        <p:cNvGrpSpPr/>
-        <p:nvPr/>
-      </p:nvGrpSpPr>
-      <p:grpSpPr>
-        <a:xfrm>
-          <a:off x="0" y="0"/>
-          <a:ext cx="0" cy="0"/>
-          <a:chOff x="0" y="0"/>
-          <a:chExt cx="0" cy="0"/>
-        </a:xfrm>
-      </p:grpSpPr>
-      <p:sp>
-        <p:nvSpPr>
-          <p:cNvPr id="2" name="タイトル 1">
-            <a:extLst>
-              <a:ext uri="{FF2B5EF4-FFF2-40B4-BE49-F238E27FC236}">
-                <a16:creationId xmlns:a16="http://schemas.microsoft.com/office/drawing/2014/main" id="{9F789731-37C4-49DD-AEE8-78E5514E279E}"/>
-              </a:ext>
-            </a:extLst>
-          </p:cNvPr>
-          <p:cNvSpPr>
-            <a:spLocks noGrp="1"/>
-          </p:cNvSpPr>
-          <p:nvPr>
-            <p:ph type="title"/>
-          </p:nvPr>
-        </p:nvSpPr>
-        <p:spPr/>
-        <p:txBody>
-          <a:bodyPr/>
-          <a:lstStyle/>
-          <a:p>
-            <a:r>
-              <a:rPr kumimoji="1" lang="ja-JP" altLang="en-US" dirty="0"/>
-              <a:t>ポリモーフィズム</a:t>
-            </a:r>
-          </a:p>
-        </p:txBody>
-      </p:sp>
-      <p:sp>
-        <p:nvSpPr>
-          <p:cNvPr id="3" name="コンテンツ プレースホルダー 2">
-            <a:extLst>
-              <a:ext uri="{FF2B5EF4-FFF2-40B4-BE49-F238E27FC236}">
-                <a16:creationId xmlns:a16="http://schemas.microsoft.com/office/drawing/2014/main" id="{39562F0E-6033-40BD-BCB8-F015661306FD}"/>
-              </a:ext>
-            </a:extLst>
-          </p:cNvPr>
-          <p:cNvSpPr>
-            <a:spLocks noGrp="1"/>
-          </p:cNvSpPr>
-          <p:nvPr>
-            <p:ph idx="1"/>
-          </p:nvPr>
-        </p:nvSpPr>
-        <p:spPr>
-          <a:xfrm>
-            <a:off x="838200" y="1376038"/>
-            <a:ext cx="10515600" cy="5374958"/>
-          </a:xfrm>
-        </p:spPr>
-        <p:txBody>
-          <a:bodyPr>
-            <a:normAutofit/>
-          </a:bodyPr>
-          <a:lstStyle/>
-          <a:p>
-            <a:r>
-              <a:rPr lang="ja-JP" altLang="en-US" sz="4400" b="1" u="sng" dirty="0"/>
-              <a:t>テンプレート</a:t>
-            </a:r>
-            <a:endParaRPr lang="en-US" altLang="ja-JP" sz="4400" dirty="0"/>
-          </a:p>
-          <a:p>
-            <a:r>
-              <a:rPr lang="ja-JP" altLang="en-US" dirty="0"/>
-              <a:t>テンプレートを用いることで、引数の数が同じだが引数の戻り値や型だけが異なる関数の記述をまとめることができる</a:t>
-            </a:r>
-            <a:br>
-              <a:rPr lang="en-US" altLang="ja-JP" dirty="0"/>
-            </a:br>
-            <a:r>
-              <a:rPr lang="en-US" altLang="ja-JP" dirty="0"/>
-              <a:t>【</a:t>
-            </a:r>
-            <a:r>
-              <a:rPr lang="ja-JP" altLang="en-US" dirty="0"/>
-              <a:t>宣言方法</a:t>
-            </a:r>
-            <a:r>
-              <a:rPr lang="en-US" altLang="ja-JP" dirty="0"/>
-              <a:t>】</a:t>
-            </a:r>
-            <a:br>
-              <a:rPr lang="en-US" altLang="ja-JP" dirty="0"/>
-            </a:br>
-            <a:r>
-              <a:rPr lang="en-US" altLang="ja-JP" dirty="0"/>
-              <a:t>template &lt;</a:t>
-            </a:r>
-            <a:r>
-              <a:rPr lang="en-US" altLang="ja-JP" dirty="0" err="1"/>
-              <a:t>typename</a:t>
-            </a:r>
-            <a:r>
-              <a:rPr lang="en-US" altLang="ja-JP" dirty="0"/>
-              <a:t> T&gt;</a:t>
-            </a:r>
-            <a:br>
-              <a:rPr lang="en-US" altLang="ja-JP" dirty="0"/>
-            </a:br>
-            <a:r>
-              <a:rPr lang="en-US" altLang="ja-JP" dirty="0"/>
-              <a:t>T </a:t>
-            </a:r>
-            <a:r>
-              <a:rPr lang="ja-JP" altLang="en-US" dirty="0"/>
-              <a:t>関数名</a:t>
-            </a:r>
-            <a:r>
-              <a:rPr lang="en-US" altLang="ja-JP" dirty="0"/>
-              <a:t>(T </a:t>
-            </a:r>
-            <a:r>
-              <a:rPr lang="ja-JP" altLang="en-US" dirty="0"/>
-              <a:t>引数</a:t>
-            </a:r>
-            <a:r>
-              <a:rPr lang="en-US" altLang="ja-JP" dirty="0"/>
-              <a:t>1, T </a:t>
-            </a:r>
-            <a:r>
-              <a:rPr lang="ja-JP" altLang="en-US" dirty="0"/>
-              <a:t>引数</a:t>
-            </a:r>
-            <a:r>
-              <a:rPr lang="en-US" altLang="ja-JP" dirty="0"/>
-              <a:t>2,</a:t>
-            </a:r>
-            <a:r>
-              <a:rPr lang="ja-JP" altLang="en-US" dirty="0"/>
-              <a:t>・・・</a:t>
-            </a:r>
-            <a:r>
-              <a:rPr lang="en-US" altLang="ja-JP" dirty="0"/>
-              <a:t>)</a:t>
-            </a:r>
-            <a:br>
-              <a:rPr lang="en-US" altLang="ja-JP" dirty="0"/>
-            </a:br>
-            <a:br>
-              <a:rPr lang="en-US" altLang="ja-JP" dirty="0"/>
-            </a:br>
-            <a:r>
-              <a:rPr lang="en-US" altLang="ja-JP" dirty="0"/>
-              <a:t>【</a:t>
-            </a:r>
-            <a:r>
-              <a:rPr lang="ja-JP" altLang="en-US" dirty="0"/>
-              <a:t>実行方法</a:t>
-            </a:r>
-            <a:r>
-              <a:rPr lang="en-US" altLang="ja-JP" dirty="0"/>
-              <a:t>】</a:t>
-            </a:r>
-            <a:br>
-              <a:rPr lang="en-US" altLang="ja-JP" dirty="0"/>
-            </a:br>
-            <a:r>
-              <a:rPr lang="ja-JP" altLang="en-US" dirty="0"/>
-              <a:t>関数名</a:t>
-            </a:r>
-            <a:r>
-              <a:rPr lang="en-US" altLang="ja-JP" dirty="0"/>
-              <a:t>&lt;</a:t>
-            </a:r>
-            <a:r>
-              <a:rPr lang="ja-JP" altLang="en-US" dirty="0"/>
-              <a:t>型名</a:t>
-            </a:r>
-            <a:r>
-              <a:rPr lang="en-US" altLang="ja-JP" dirty="0"/>
-              <a:t>&gt;(</a:t>
-            </a:r>
-            <a:r>
-              <a:rPr lang="ja-JP" altLang="en-US" dirty="0"/>
-              <a:t>引数</a:t>
-            </a:r>
-            <a:r>
-              <a:rPr lang="en-US" altLang="ja-JP" dirty="0"/>
-              <a:t>1, </a:t>
-            </a:r>
-            <a:r>
-              <a:rPr lang="ja-JP" altLang="en-US" dirty="0"/>
-              <a:t>引数</a:t>
-            </a:r>
-            <a:r>
-              <a:rPr lang="en-US" altLang="ja-JP" dirty="0"/>
-              <a:t>2,</a:t>
-            </a:r>
-            <a:r>
-              <a:rPr lang="ja-JP" altLang="en-US" dirty="0"/>
-              <a:t>・・・</a:t>
-            </a:r>
-            <a:r>
-              <a:rPr lang="en-US" altLang="ja-JP"/>
-              <a:t>)</a:t>
-            </a:r>
-            <a:endParaRPr lang="en-US" altLang="ja-JP" sz="3200" dirty="0"/>
-          </a:p>
-        </p:txBody>
-      </p:sp>
-    </p:spTree>
-    <p:extLst>
-      <p:ext uri="{BB962C8B-B14F-4D97-AF65-F5344CB8AC3E}">
-        <p14:creationId xmlns:p14="http://schemas.microsoft.com/office/powerpoint/2010/main" val="4247757912"/>
-      </p:ext>
-    </p:extLst>
-  </p:cSld>
-  <p:clrMapOvr>
-    <a:masterClrMapping/>
-  </p:clrMapOvr>
-</p:sld>
-</file>
-
-<file path=ppt/slides/slide49.xml><?xml version="1.0" encoding="utf-8"?>
-<p:sld xmlns:a="http://schemas.openxmlformats.org/drawingml/2006/main" xmlns:r="http://schemas.openxmlformats.org/officeDocument/2006/relationships" xmlns:p="http://schemas.openxmlformats.org/presentationml/2006/main">
-  <p:cSld>
-    <p:spTree>
-      <p:nvGrpSpPr>
-        <p:cNvPr id="1" name=""/>
-        <p:cNvGrpSpPr/>
-        <p:nvPr/>
-      </p:nvGrpSpPr>
-      <p:grpSpPr>
-        <a:xfrm>
-          <a:off x="0" y="0"/>
-          <a:ext cx="0" cy="0"/>
-          <a:chOff x="0" y="0"/>
-          <a:chExt cx="0" cy="0"/>
-        </a:xfrm>
-      </p:grpSpPr>
-      <p:sp>
-        <p:nvSpPr>
-          <p:cNvPr id="2" name="タイトル 1">
-            <a:extLst>
-              <a:ext uri="{FF2B5EF4-FFF2-40B4-BE49-F238E27FC236}">
-                <a16:creationId xmlns:a16="http://schemas.microsoft.com/office/drawing/2014/main" id="{EC1D9B36-FFC2-4D52-A2A6-FEEE7804F5FA}"/>
-              </a:ext>
-            </a:extLst>
-          </p:cNvPr>
-          <p:cNvSpPr>
-            <a:spLocks noGrp="1"/>
-          </p:cNvSpPr>
-          <p:nvPr>
-            <p:ph type="title"/>
-          </p:nvPr>
-        </p:nvSpPr>
-        <p:spPr/>
-        <p:txBody>
-          <a:bodyPr>
-            <a:normAutofit/>
-          </a:bodyPr>
-          <a:lstStyle/>
-          <a:p>
-            <a:r>
-              <a:rPr kumimoji="1" lang="ja-JP" altLang="en-US" dirty="0"/>
-              <a:t>継承</a:t>
-            </a:r>
-            <a:r>
-              <a:rPr lang="ja-JP" altLang="en-US" dirty="0"/>
-              <a:t>を使った演習問題</a:t>
-            </a:r>
-            <a:endParaRPr kumimoji="1" lang="ja-JP" altLang="en-US" dirty="0"/>
-          </a:p>
-        </p:txBody>
-      </p:sp>
-      <p:sp>
-        <p:nvSpPr>
-          <p:cNvPr id="3" name="コンテンツ プレースホルダー 2">
-            <a:extLst>
-              <a:ext uri="{FF2B5EF4-FFF2-40B4-BE49-F238E27FC236}">
-                <a16:creationId xmlns:a16="http://schemas.microsoft.com/office/drawing/2014/main" id="{534285BC-9209-40FB-8017-B7672579046F}"/>
-              </a:ext>
-            </a:extLst>
-          </p:cNvPr>
-          <p:cNvSpPr>
-            <a:spLocks noGrp="1"/>
-          </p:cNvSpPr>
-          <p:nvPr>
-            <p:ph idx="1"/>
-          </p:nvPr>
-        </p:nvSpPr>
-        <p:spPr>
-          <a:xfrm>
-            <a:off x="430306" y="1376038"/>
-            <a:ext cx="11654118" cy="5329562"/>
-          </a:xfrm>
-        </p:spPr>
-        <p:txBody>
-          <a:bodyPr>
-            <a:normAutofit/>
-          </a:bodyPr>
-          <a:lstStyle/>
-          <a:p>
-            <a:r>
-              <a:rPr lang="en-US" altLang="ja-JP" dirty="0"/>
-              <a:t>C++</a:t>
-            </a:r>
-            <a:r>
-              <a:rPr lang="ja-JP" altLang="en-US" dirty="0"/>
-              <a:t>作業フォルダ内に</a:t>
-            </a:r>
-            <a:r>
-              <a:rPr lang="en-US" altLang="ja-JP" b="1" dirty="0" err="1"/>
-              <a:t>SampleRPG</a:t>
-            </a:r>
-            <a:r>
-              <a:rPr lang="ja-JP" altLang="en-US" dirty="0"/>
-              <a:t>フォルダを作成</a:t>
-            </a:r>
-            <a:br>
-              <a:rPr lang="en-US" altLang="ja-JP" dirty="0"/>
-            </a:br>
-            <a:r>
-              <a:rPr lang="en-US" altLang="ja-JP" dirty="0">
-                <a:solidFill>
-                  <a:srgbClr val="0070C0"/>
-                </a:solidFill>
-              </a:rPr>
-              <a:t>cd ..</a:t>
-            </a:r>
-            <a:br>
-              <a:rPr lang="en-US" altLang="ja-JP" dirty="0">
-                <a:solidFill>
-                  <a:srgbClr val="0070C0"/>
-                </a:solidFill>
-              </a:rPr>
-            </a:br>
-            <a:r>
-              <a:rPr lang="en-US" altLang="ja-JP" dirty="0" err="1">
-                <a:solidFill>
-                  <a:srgbClr val="0070C0"/>
-                </a:solidFill>
-              </a:rPr>
-              <a:t>mkdir</a:t>
-            </a:r>
-            <a:r>
-              <a:rPr lang="en-US" altLang="ja-JP" dirty="0">
-                <a:solidFill>
-                  <a:srgbClr val="0070C0"/>
-                </a:solidFill>
-              </a:rPr>
-              <a:t> </a:t>
-            </a:r>
-            <a:r>
-              <a:rPr lang="en-US" altLang="ja-JP" dirty="0" err="1">
-                <a:solidFill>
-                  <a:srgbClr val="0070C0"/>
-                </a:solidFill>
-              </a:rPr>
-              <a:t>SampleRPG</a:t>
-            </a:r>
-            <a:br>
-              <a:rPr lang="en-US" altLang="ja-JP" dirty="0">
-                <a:solidFill>
-                  <a:srgbClr val="0070C0"/>
-                </a:solidFill>
-              </a:rPr>
-            </a:br>
-            <a:r>
-              <a:rPr lang="en-US" altLang="ja-JP" dirty="0">
-                <a:solidFill>
-                  <a:srgbClr val="0070C0"/>
-                </a:solidFill>
-              </a:rPr>
-              <a:t>cd </a:t>
-            </a:r>
-            <a:r>
-              <a:rPr lang="en-US" altLang="ja-JP" dirty="0" err="1">
-                <a:solidFill>
-                  <a:srgbClr val="0070C0"/>
-                </a:solidFill>
-              </a:rPr>
-              <a:t>SampleRPG</a:t>
-            </a:r>
-            <a:endParaRPr lang="en-US" altLang="ja-JP" dirty="0">
-              <a:solidFill>
-                <a:srgbClr val="0070C0"/>
-              </a:solidFill>
-            </a:endParaRPr>
-          </a:p>
-          <a:p>
-            <a:r>
-              <a:rPr kumimoji="1" lang="en-US" altLang="ja-JP" b="1" dirty="0" err="1"/>
-              <a:t>SampleRPG</a:t>
-            </a:r>
-            <a:r>
-              <a:rPr kumimoji="1" lang="ja-JP" altLang="en-US" dirty="0"/>
-              <a:t>フォルダ内に </a:t>
-            </a:r>
-            <a:r>
-              <a:rPr kumimoji="1" lang="en-US" altLang="ja-JP" dirty="0" err="1"/>
-              <a:t>chara.h</a:t>
-            </a:r>
-            <a:r>
-              <a:rPr lang="en-US" altLang="ja-JP" dirty="0"/>
-              <a:t>, chara.cpp,</a:t>
-            </a:r>
-            <a:r>
-              <a:rPr lang="ja-JP" altLang="en-US" dirty="0"/>
-              <a:t> </a:t>
-            </a:r>
-            <a:r>
-              <a:rPr lang="en-US" altLang="ja-JP" dirty="0" err="1"/>
-              <a:t>player.h</a:t>
-            </a:r>
-            <a:r>
-              <a:rPr lang="en-US" altLang="ja-JP" dirty="0"/>
-              <a:t>, player.cpp, main.cpp </a:t>
-            </a:r>
-            <a:r>
-              <a:rPr lang="ja-JP" altLang="en-US" dirty="0"/>
-              <a:t>の</a:t>
-            </a:r>
-            <a:r>
-              <a:rPr lang="en-US" altLang="ja-JP" dirty="0"/>
-              <a:t>7</a:t>
-            </a:r>
-            <a:r>
-              <a:rPr lang="ja-JP" altLang="en-US" dirty="0"/>
-              <a:t>つの</a:t>
-            </a:r>
-            <a:br>
-              <a:rPr lang="en-US" altLang="ja-JP" dirty="0"/>
-            </a:br>
-            <a:r>
-              <a:rPr lang="ja-JP" altLang="en-US" dirty="0"/>
-              <a:t>ファイルを作成する</a:t>
-            </a:r>
-            <a:br>
-              <a:rPr lang="en-US" altLang="ja-JP" dirty="0"/>
-            </a:br>
-            <a:r>
-              <a:rPr lang="en-US" altLang="ja-JP" dirty="0">
-                <a:solidFill>
-                  <a:srgbClr val="0070C0"/>
-                </a:solidFill>
-              </a:rPr>
-              <a:t>copy </a:t>
-            </a:r>
-            <a:r>
-              <a:rPr lang="en-US" altLang="ja-JP" dirty="0" err="1">
-                <a:solidFill>
-                  <a:srgbClr val="0070C0"/>
-                </a:solidFill>
-              </a:rPr>
-              <a:t>nul</a:t>
-            </a:r>
-            <a:r>
-              <a:rPr lang="en-US" altLang="ja-JP" dirty="0">
-                <a:solidFill>
-                  <a:srgbClr val="0070C0"/>
-                </a:solidFill>
-              </a:rPr>
-              <a:t> </a:t>
-            </a:r>
-            <a:r>
-              <a:rPr lang="en-US" altLang="ja-JP" dirty="0" err="1">
-                <a:solidFill>
-                  <a:srgbClr val="0070C0"/>
-                </a:solidFill>
-              </a:rPr>
-              <a:t>chara.h</a:t>
-            </a:r>
-            <a:br>
-              <a:rPr lang="en-US" altLang="ja-JP" dirty="0">
-                <a:solidFill>
-                  <a:srgbClr val="0070C0"/>
-                </a:solidFill>
-              </a:rPr>
-            </a:br>
-            <a:r>
-              <a:rPr lang="en-US" altLang="ja-JP" dirty="0">
-                <a:solidFill>
-                  <a:srgbClr val="0070C0"/>
-                </a:solidFill>
-              </a:rPr>
-              <a:t>copy </a:t>
-            </a:r>
-            <a:r>
-              <a:rPr lang="en-US" altLang="ja-JP" dirty="0" err="1">
-                <a:solidFill>
-                  <a:srgbClr val="0070C0"/>
-                </a:solidFill>
-              </a:rPr>
-              <a:t>nul</a:t>
-            </a:r>
-            <a:r>
-              <a:rPr lang="en-US" altLang="ja-JP" dirty="0">
-                <a:solidFill>
-                  <a:srgbClr val="0070C0"/>
-                </a:solidFill>
-              </a:rPr>
-              <a:t> chara.cpp</a:t>
-            </a:r>
-            <a:br>
-              <a:rPr lang="en-US" altLang="ja-JP" dirty="0">
-                <a:solidFill>
-                  <a:srgbClr val="0070C0"/>
-                </a:solidFill>
-              </a:rPr>
-            </a:br>
-            <a:r>
-              <a:rPr lang="ja-JP" altLang="en-US" dirty="0">
-                <a:solidFill>
-                  <a:srgbClr val="0070C0"/>
-                </a:solidFill>
-              </a:rPr>
-              <a:t>（略）</a:t>
-            </a:r>
-            <a:endParaRPr kumimoji="1" lang="ja-JP" altLang="en-US" dirty="0">
-              <a:solidFill>
-                <a:srgbClr val="0070C0"/>
-              </a:solidFill>
-            </a:endParaRPr>
-          </a:p>
-        </p:txBody>
-      </p:sp>
-    </p:spTree>
-    <p:extLst>
-      <p:ext uri="{BB962C8B-B14F-4D97-AF65-F5344CB8AC3E}">
-        <p14:creationId xmlns:p14="http://schemas.microsoft.com/office/powerpoint/2010/main" val="3237867755"/>
-      </p:ext>
-    </p:extLst>
-  </p:cSld>
-  <p:clrMapOvr>
-    <a:masterClrMapping/>
-  </p:clrMapOvr>
-</p:sld>
-</file>
-
 <file path=ppt/slides/slide5.xml><?xml version="1.0" encoding="utf-8"?>
 <p:sld xmlns:a="http://schemas.openxmlformats.org/drawingml/2006/main" xmlns:r="http://schemas.openxmlformats.org/officeDocument/2006/relationships" xmlns:p="http://schemas.openxmlformats.org/presentationml/2006/main">
   <p:cSld>
@@ -22003,1909 +18977,6 @@
     <p:extLst>
       <p:ext uri="{BB962C8B-B14F-4D97-AF65-F5344CB8AC3E}">
         <p14:creationId xmlns:p14="http://schemas.microsoft.com/office/powerpoint/2010/main" val="4131804743"/>
-      </p:ext>
-    </p:extLst>
-  </p:cSld>
-  <p:clrMapOvr>
-    <a:masterClrMapping/>
-  </p:clrMapOvr>
-</p:sld>
-</file>
-
-<file path=ppt/slides/slide50.xml><?xml version="1.0" encoding="utf-8"?>
-<p:sld xmlns:a="http://schemas.openxmlformats.org/drawingml/2006/main" xmlns:r="http://schemas.openxmlformats.org/officeDocument/2006/relationships" xmlns:p="http://schemas.openxmlformats.org/presentationml/2006/main">
-  <p:cSld>
-    <p:spTree>
-      <p:nvGrpSpPr>
-        <p:cNvPr id="1" name=""/>
-        <p:cNvGrpSpPr/>
-        <p:nvPr/>
-      </p:nvGrpSpPr>
-      <p:grpSpPr>
-        <a:xfrm>
-          <a:off x="0" y="0"/>
-          <a:ext cx="0" cy="0"/>
-          <a:chOff x="0" y="0"/>
-          <a:chExt cx="0" cy="0"/>
-        </a:xfrm>
-      </p:grpSpPr>
-      <p:sp>
-        <p:nvSpPr>
-          <p:cNvPr id="2" name="タイトル 1">
-            <a:extLst>
-              <a:ext uri="{FF2B5EF4-FFF2-40B4-BE49-F238E27FC236}">
-                <a16:creationId xmlns:a16="http://schemas.microsoft.com/office/drawing/2014/main" id="{EC1D9B36-FFC2-4D52-A2A6-FEEE7804F5FA}"/>
-              </a:ext>
-            </a:extLst>
-          </p:cNvPr>
-          <p:cNvSpPr>
-            <a:spLocks noGrp="1"/>
-          </p:cNvSpPr>
-          <p:nvPr>
-            <p:ph type="title"/>
-          </p:nvPr>
-        </p:nvSpPr>
-        <p:spPr/>
-        <p:txBody>
-          <a:bodyPr>
-            <a:normAutofit/>
-          </a:bodyPr>
-          <a:lstStyle/>
-          <a:p>
-            <a:r>
-              <a:rPr kumimoji="1" lang="ja-JP" altLang="en-US" dirty="0"/>
-              <a:t>継承</a:t>
-            </a:r>
-            <a:r>
-              <a:rPr lang="ja-JP" altLang="en-US" dirty="0"/>
-              <a:t>を使った演習問題</a:t>
-            </a:r>
-            <a:endParaRPr kumimoji="1" lang="ja-JP" altLang="en-US" dirty="0"/>
-          </a:p>
-        </p:txBody>
-      </p:sp>
-      <p:sp>
-        <p:nvSpPr>
-          <p:cNvPr id="3" name="コンテンツ プレースホルダー 2">
-            <a:extLst>
-              <a:ext uri="{FF2B5EF4-FFF2-40B4-BE49-F238E27FC236}">
-                <a16:creationId xmlns:a16="http://schemas.microsoft.com/office/drawing/2014/main" id="{534285BC-9209-40FB-8017-B7672579046F}"/>
-              </a:ext>
-            </a:extLst>
-          </p:cNvPr>
-          <p:cNvSpPr>
-            <a:spLocks noGrp="1"/>
-          </p:cNvSpPr>
-          <p:nvPr>
-            <p:ph idx="1"/>
-          </p:nvPr>
-        </p:nvSpPr>
-        <p:spPr>
-          <a:xfrm>
-            <a:off x="430306" y="1376038"/>
-            <a:ext cx="11654118" cy="5329562"/>
-          </a:xfrm>
-        </p:spPr>
-        <p:txBody>
-          <a:bodyPr>
-            <a:normAutofit/>
-          </a:bodyPr>
-          <a:lstStyle/>
-          <a:p>
-            <a:r>
-              <a:rPr lang="en-US" altLang="ja-JP" dirty="0" err="1">
-                <a:solidFill>
-                  <a:srgbClr val="00B050"/>
-                </a:solidFill>
-              </a:rPr>
-              <a:t>chara.h</a:t>
-            </a:r>
-            <a:r>
-              <a:rPr lang="ja-JP" altLang="en-US" dirty="0"/>
-              <a:t>に</a:t>
-            </a:r>
-            <a:r>
-              <a:rPr lang="en-US" altLang="ja-JP" dirty="0">
-                <a:solidFill>
-                  <a:srgbClr val="0070C0"/>
-                </a:solidFill>
-              </a:rPr>
-              <a:t>Chara</a:t>
-            </a:r>
-            <a:r>
-              <a:rPr lang="ja-JP" altLang="en-US" dirty="0">
-                <a:solidFill>
-                  <a:srgbClr val="0070C0"/>
-                </a:solidFill>
-              </a:rPr>
-              <a:t>クラス</a:t>
-            </a:r>
-            <a:r>
-              <a:rPr lang="ja-JP" altLang="en-US" dirty="0"/>
-              <a:t>を定義する</a:t>
-            </a:r>
-            <a:endParaRPr lang="en-US" altLang="ja-JP" dirty="0"/>
-          </a:p>
-          <a:p>
-            <a:r>
-              <a:rPr lang="en-US" altLang="ja-JP" dirty="0">
-                <a:solidFill>
-                  <a:srgbClr val="FF0000"/>
-                </a:solidFill>
-              </a:rPr>
-              <a:t>protected</a:t>
-            </a:r>
-            <a:r>
-              <a:rPr lang="ja-JP" altLang="en-US" dirty="0"/>
-              <a:t>なメンバ変数（すべて</a:t>
-            </a:r>
-            <a:r>
-              <a:rPr lang="en-US" altLang="ja-JP" dirty="0">
-                <a:solidFill>
-                  <a:srgbClr val="FF0000"/>
-                </a:solidFill>
-              </a:rPr>
-              <a:t>int</a:t>
-            </a:r>
-            <a:r>
-              <a:rPr lang="ja-JP" altLang="en-US" dirty="0"/>
-              <a:t>型）</a:t>
-            </a:r>
-          </a:p>
-          <a:p>
-            <a:pPr marL="0" indent="0">
-              <a:buNone/>
-            </a:pPr>
-            <a:r>
-              <a:rPr lang="ja-JP" altLang="en-US" dirty="0"/>
-              <a:t> </a:t>
-            </a:r>
-            <a:r>
-              <a:rPr lang="en-US" altLang="ja-JP" dirty="0" err="1">
-                <a:solidFill>
-                  <a:srgbClr val="FF00FF"/>
-                </a:solidFill>
-              </a:rPr>
-              <a:t>m_Hp</a:t>
-            </a:r>
-            <a:r>
-              <a:rPr lang="en-US" altLang="ja-JP" dirty="0"/>
-              <a:t>,</a:t>
-            </a:r>
-            <a:r>
-              <a:rPr lang="en-US" altLang="ja-JP" dirty="0">
-                <a:solidFill>
-                  <a:srgbClr val="FF00FF"/>
-                </a:solidFill>
-              </a:rPr>
-              <a:t> </a:t>
-            </a:r>
-            <a:r>
-              <a:rPr lang="en-US" altLang="ja-JP" dirty="0" err="1">
-                <a:solidFill>
-                  <a:srgbClr val="FF00FF"/>
-                </a:solidFill>
-              </a:rPr>
-              <a:t>m_Atk</a:t>
-            </a:r>
-            <a:r>
-              <a:rPr lang="en-US" altLang="ja-JP" dirty="0"/>
-              <a:t>,</a:t>
-            </a:r>
-            <a:r>
-              <a:rPr lang="en-US" altLang="ja-JP" dirty="0">
-                <a:solidFill>
-                  <a:srgbClr val="FF00FF"/>
-                </a:solidFill>
-              </a:rPr>
-              <a:t> </a:t>
-            </a:r>
-            <a:r>
-              <a:rPr lang="en-US" altLang="ja-JP" dirty="0" err="1">
-                <a:solidFill>
-                  <a:srgbClr val="FF00FF"/>
-                </a:solidFill>
-              </a:rPr>
-              <a:t>m_Def</a:t>
-            </a:r>
-            <a:r>
-              <a:rPr lang="en-US" altLang="ja-JP" dirty="0">
-                <a:solidFill>
-                  <a:srgbClr val="FF00FF"/>
-                </a:solidFill>
-              </a:rPr>
-              <a:t> </a:t>
-            </a:r>
-            <a:r>
-              <a:rPr lang="ja-JP" altLang="en-US" dirty="0"/>
-              <a:t>を定義する</a:t>
-            </a:r>
-            <a:endParaRPr lang="en-US" altLang="ja-JP" dirty="0"/>
-          </a:p>
-          <a:p>
-            <a:r>
-              <a:rPr lang="ja-JP" altLang="en-US" dirty="0"/>
-              <a:t>各メンバ変数に対して、</a:t>
-            </a:r>
-            <a:r>
-              <a:rPr lang="en-US" altLang="ja-JP" dirty="0">
-                <a:solidFill>
-                  <a:srgbClr val="FF0000"/>
-                </a:solidFill>
-              </a:rPr>
-              <a:t>public</a:t>
-            </a:r>
-            <a:r>
-              <a:rPr lang="ja-JP" altLang="en-US" dirty="0"/>
-              <a:t>な</a:t>
-            </a:r>
-            <a:r>
-              <a:rPr lang="ja-JP" altLang="en-US" dirty="0">
-                <a:solidFill>
-                  <a:srgbClr val="0070C0"/>
-                </a:solidFill>
-              </a:rPr>
-              <a:t>ゲッターを定義</a:t>
-            </a:r>
-            <a:r>
-              <a:rPr lang="ja-JP" altLang="en-US" dirty="0"/>
-              <a:t>する（</a:t>
-            </a:r>
-            <a:r>
-              <a:rPr lang="en-US" altLang="ja-JP" dirty="0"/>
-              <a:t>※</a:t>
-            </a:r>
-            <a:r>
-              <a:rPr lang="ja-JP" altLang="en-US" dirty="0"/>
-              <a:t>セッターは不要）。</a:t>
-            </a:r>
-          </a:p>
-          <a:p>
-            <a:r>
-              <a:rPr lang="ja-JP" altLang="en-US" dirty="0"/>
-              <a:t>コンストラクタは</a:t>
-            </a:r>
-            <a:r>
-              <a:rPr lang="en-US" altLang="ja-JP" dirty="0"/>
-              <a:t>3</a:t>
-            </a:r>
-            <a:r>
-              <a:rPr lang="ja-JP" altLang="en-US" dirty="0"/>
-              <a:t>つの引数（</a:t>
-            </a:r>
-            <a:r>
-              <a:rPr lang="en-US" altLang="ja-JP" dirty="0" err="1"/>
-              <a:t>m_Hp</a:t>
-            </a:r>
-            <a:r>
-              <a:rPr lang="en-US" altLang="ja-JP" dirty="0"/>
-              <a:t>, </a:t>
-            </a:r>
-            <a:r>
-              <a:rPr lang="en-US" altLang="ja-JP" dirty="0" err="1"/>
-              <a:t>m_Atk</a:t>
-            </a:r>
-            <a:r>
-              <a:rPr lang="en-US" altLang="ja-JP" dirty="0"/>
-              <a:t>, </a:t>
-            </a:r>
-            <a:r>
-              <a:rPr lang="en-US" altLang="ja-JP" dirty="0" err="1"/>
-              <a:t>m_Def</a:t>
-            </a:r>
-            <a:r>
-              <a:rPr lang="ja-JP" altLang="en-US" dirty="0"/>
-              <a:t>）をもち、引数の値をメンバ変数の初期値にする</a:t>
-            </a:r>
-          </a:p>
-          <a:p>
-            <a:r>
-              <a:rPr lang="ja-JP" altLang="en-US" dirty="0"/>
-              <a:t>デフォルトコンストラクタではメンバ変数を</a:t>
-            </a:r>
-            <a:r>
-              <a:rPr lang="en-US" altLang="ja-JP" dirty="0"/>
-              <a:t>0</a:t>
-            </a:r>
-            <a:r>
-              <a:rPr lang="ja-JP" altLang="en-US" dirty="0"/>
-              <a:t>にする</a:t>
-            </a:r>
-          </a:p>
-          <a:p>
-            <a:r>
-              <a:rPr lang="ja-JP" altLang="en-US" dirty="0"/>
-              <a:t>各関数の内容は</a:t>
-            </a:r>
-            <a:r>
-              <a:rPr lang="en-US" altLang="ja-JP" dirty="0">
-                <a:solidFill>
-                  <a:srgbClr val="00B050"/>
-                </a:solidFill>
-              </a:rPr>
-              <a:t>chara.cpp</a:t>
-            </a:r>
-            <a:r>
-              <a:rPr lang="ja-JP" altLang="en-US" dirty="0"/>
-              <a:t>に記述する</a:t>
-            </a:r>
-            <a:endParaRPr kumimoji="1" lang="ja-JP" altLang="en-US" dirty="0">
-              <a:solidFill>
-                <a:srgbClr val="0070C0"/>
-              </a:solidFill>
-            </a:endParaRPr>
-          </a:p>
-        </p:txBody>
-      </p:sp>
-    </p:spTree>
-    <p:extLst>
-      <p:ext uri="{BB962C8B-B14F-4D97-AF65-F5344CB8AC3E}">
-        <p14:creationId xmlns:p14="http://schemas.microsoft.com/office/powerpoint/2010/main" val="4229817525"/>
-      </p:ext>
-    </p:extLst>
-  </p:cSld>
-  <p:clrMapOvr>
-    <a:masterClrMapping/>
-  </p:clrMapOvr>
-</p:sld>
-</file>
-
-<file path=ppt/slides/slide51.xml><?xml version="1.0" encoding="utf-8"?>
-<p:sld xmlns:a="http://schemas.openxmlformats.org/drawingml/2006/main" xmlns:r="http://schemas.openxmlformats.org/officeDocument/2006/relationships" xmlns:p="http://schemas.openxmlformats.org/presentationml/2006/main">
-  <p:cSld>
-    <p:spTree>
-      <p:nvGrpSpPr>
-        <p:cNvPr id="1" name=""/>
-        <p:cNvGrpSpPr/>
-        <p:nvPr/>
-      </p:nvGrpSpPr>
-      <p:grpSpPr>
-        <a:xfrm>
-          <a:off x="0" y="0"/>
-          <a:ext cx="0" cy="0"/>
-          <a:chOff x="0" y="0"/>
-          <a:chExt cx="0" cy="0"/>
-        </a:xfrm>
-      </p:grpSpPr>
-      <p:sp>
-        <p:nvSpPr>
-          <p:cNvPr id="2" name="タイトル 1">
-            <a:extLst>
-              <a:ext uri="{FF2B5EF4-FFF2-40B4-BE49-F238E27FC236}">
-                <a16:creationId xmlns:a16="http://schemas.microsoft.com/office/drawing/2014/main" id="{EC1D9B36-FFC2-4D52-A2A6-FEEE7804F5FA}"/>
-              </a:ext>
-            </a:extLst>
-          </p:cNvPr>
-          <p:cNvSpPr>
-            <a:spLocks noGrp="1"/>
-          </p:cNvSpPr>
-          <p:nvPr>
-            <p:ph type="title"/>
-          </p:nvPr>
-        </p:nvSpPr>
-        <p:spPr/>
-        <p:txBody>
-          <a:bodyPr>
-            <a:normAutofit/>
-          </a:bodyPr>
-          <a:lstStyle/>
-          <a:p>
-            <a:r>
-              <a:rPr kumimoji="1" lang="ja-JP" altLang="en-US" dirty="0"/>
-              <a:t>継承</a:t>
-            </a:r>
-            <a:r>
-              <a:rPr lang="ja-JP" altLang="en-US" dirty="0"/>
-              <a:t>を使った演習問題</a:t>
-            </a:r>
-            <a:endParaRPr kumimoji="1" lang="ja-JP" altLang="en-US" dirty="0"/>
-          </a:p>
-        </p:txBody>
-      </p:sp>
-      <p:sp>
-        <p:nvSpPr>
-          <p:cNvPr id="3" name="コンテンツ プレースホルダー 2">
-            <a:extLst>
-              <a:ext uri="{FF2B5EF4-FFF2-40B4-BE49-F238E27FC236}">
-                <a16:creationId xmlns:a16="http://schemas.microsoft.com/office/drawing/2014/main" id="{534285BC-9209-40FB-8017-B7672579046F}"/>
-              </a:ext>
-            </a:extLst>
-          </p:cNvPr>
-          <p:cNvSpPr>
-            <a:spLocks noGrp="1"/>
-          </p:cNvSpPr>
-          <p:nvPr>
-            <p:ph idx="1"/>
-          </p:nvPr>
-        </p:nvSpPr>
-        <p:spPr>
-          <a:xfrm>
-            <a:off x="430306" y="1376038"/>
-            <a:ext cx="11654118" cy="5329562"/>
-          </a:xfrm>
-        </p:spPr>
-        <p:txBody>
-          <a:bodyPr>
-            <a:normAutofit/>
-          </a:bodyPr>
-          <a:lstStyle/>
-          <a:p>
-            <a:r>
-              <a:rPr lang="en-US" altLang="ja-JP" dirty="0" err="1">
-                <a:solidFill>
-                  <a:srgbClr val="00B050"/>
-                </a:solidFill>
-              </a:rPr>
-              <a:t>player.h</a:t>
-            </a:r>
-            <a:r>
-              <a:rPr lang="ja-JP" altLang="en-US" dirty="0"/>
-              <a:t>に</a:t>
-            </a:r>
-            <a:r>
-              <a:rPr lang="en-US" altLang="ja-JP" dirty="0">
-                <a:solidFill>
-                  <a:srgbClr val="0070C0"/>
-                </a:solidFill>
-              </a:rPr>
-              <a:t>Chara</a:t>
-            </a:r>
-            <a:r>
-              <a:rPr lang="ja-JP" altLang="en-US" dirty="0">
-                <a:solidFill>
-                  <a:srgbClr val="0070C0"/>
-                </a:solidFill>
-              </a:rPr>
-              <a:t>クラス</a:t>
-            </a:r>
-            <a:r>
-              <a:rPr lang="ja-JP" altLang="en-US" dirty="0"/>
-              <a:t>を継承した</a:t>
-            </a:r>
-            <a:r>
-              <a:rPr lang="en-US" altLang="ja-JP" dirty="0">
-                <a:solidFill>
-                  <a:srgbClr val="0070C0"/>
-                </a:solidFill>
-              </a:rPr>
-              <a:t>Player</a:t>
-            </a:r>
-            <a:r>
-              <a:rPr lang="ja-JP" altLang="en-US" dirty="0">
-                <a:solidFill>
-                  <a:srgbClr val="0070C0"/>
-                </a:solidFill>
-              </a:rPr>
-              <a:t>クラス</a:t>
-            </a:r>
-            <a:r>
-              <a:rPr lang="ja-JP" altLang="en-US" dirty="0"/>
-              <a:t>を定義する</a:t>
-            </a:r>
-          </a:p>
-          <a:p>
-            <a:r>
-              <a:rPr lang="en-US" altLang="ja-JP" dirty="0">
-                <a:solidFill>
-                  <a:srgbClr val="FF0000"/>
-                </a:solidFill>
-              </a:rPr>
-              <a:t>private</a:t>
-            </a:r>
-            <a:r>
-              <a:rPr lang="ja-JP" altLang="en-US" dirty="0"/>
-              <a:t>なメンバ変数　</a:t>
-            </a:r>
-            <a:r>
-              <a:rPr lang="en-US" altLang="ja-JP" dirty="0" err="1">
-                <a:solidFill>
-                  <a:srgbClr val="FF00FF"/>
-                </a:solidFill>
-              </a:rPr>
-              <a:t>m_Sp</a:t>
-            </a:r>
-            <a:r>
-              <a:rPr lang="ja-JP" altLang="en-US" dirty="0"/>
-              <a:t>（</a:t>
-            </a:r>
-            <a:r>
-              <a:rPr lang="en-US" altLang="ja-JP" dirty="0">
-                <a:solidFill>
-                  <a:srgbClr val="FF0000"/>
-                </a:solidFill>
-              </a:rPr>
-              <a:t>int</a:t>
-            </a:r>
-            <a:r>
-              <a:rPr lang="ja-JP" altLang="en-US" dirty="0"/>
-              <a:t>型）　を追加で定義</a:t>
-            </a:r>
-            <a:endParaRPr lang="en-US" altLang="ja-JP" dirty="0"/>
-          </a:p>
-          <a:p>
-            <a:r>
-              <a:rPr lang="en-US" altLang="ja-JP" dirty="0"/>
-              <a:t>public</a:t>
-            </a:r>
-            <a:r>
-              <a:rPr lang="ja-JP" altLang="en-US" dirty="0"/>
-              <a:t>なゲッターも併せて定義する（</a:t>
-            </a:r>
-            <a:r>
-              <a:rPr lang="en-US" altLang="ja-JP" dirty="0"/>
-              <a:t>※</a:t>
-            </a:r>
-            <a:r>
-              <a:rPr lang="ja-JP" altLang="en-US" dirty="0"/>
-              <a:t>セッター不要）</a:t>
-            </a:r>
-          </a:p>
-          <a:p>
-            <a:r>
-              <a:rPr lang="ja-JP" altLang="en-US" dirty="0"/>
-              <a:t>コンストラクタは、</a:t>
-            </a:r>
-            <a:r>
-              <a:rPr lang="en-US" altLang="ja-JP" dirty="0"/>
-              <a:t>4</a:t>
-            </a:r>
-            <a:r>
-              <a:rPr lang="ja-JP" altLang="en-US" dirty="0"/>
-              <a:t>つの引数（</a:t>
-            </a:r>
-            <a:r>
-              <a:rPr lang="en-US" altLang="ja-JP" dirty="0" err="1"/>
-              <a:t>m_Hp</a:t>
-            </a:r>
-            <a:r>
-              <a:rPr lang="en-US" altLang="ja-JP" dirty="0"/>
-              <a:t>, </a:t>
-            </a:r>
-            <a:r>
-              <a:rPr lang="en-US" altLang="ja-JP" dirty="0" err="1"/>
-              <a:t>m_Atk</a:t>
-            </a:r>
-            <a:r>
-              <a:rPr lang="en-US" altLang="ja-JP" dirty="0"/>
-              <a:t>, </a:t>
-            </a:r>
-            <a:r>
-              <a:rPr lang="en-US" altLang="ja-JP" dirty="0" err="1"/>
-              <a:t>m_Def</a:t>
-            </a:r>
-            <a:r>
-              <a:rPr lang="en-US" altLang="ja-JP" dirty="0"/>
-              <a:t>, </a:t>
-            </a:r>
-            <a:r>
-              <a:rPr lang="en-US" altLang="ja-JP" dirty="0" err="1"/>
-              <a:t>m_Sp</a:t>
-            </a:r>
-            <a:r>
-              <a:rPr lang="ja-JP" altLang="en-US" dirty="0"/>
-              <a:t>）をもち、引数の値をメンバ変数の初期値にする</a:t>
-            </a:r>
-            <a:endParaRPr lang="en-US" altLang="ja-JP" dirty="0"/>
-          </a:p>
-          <a:p>
-            <a:r>
-              <a:rPr lang="ja-JP" altLang="en-US" dirty="0"/>
-              <a:t>デフォルトコンストラクタはメンバ変数を</a:t>
-            </a:r>
-            <a:r>
-              <a:rPr lang="en-US" altLang="ja-JP" dirty="0"/>
-              <a:t>0</a:t>
-            </a:r>
-            <a:r>
-              <a:rPr lang="ja-JP" altLang="en-US" dirty="0"/>
-              <a:t>にする</a:t>
-            </a:r>
-          </a:p>
-          <a:p>
-            <a:r>
-              <a:rPr lang="ja-JP" altLang="en-US" dirty="0"/>
-              <a:t>各関数の内容は</a:t>
-            </a:r>
-            <a:r>
-              <a:rPr lang="en-US" altLang="ja-JP" dirty="0">
-                <a:solidFill>
-                  <a:srgbClr val="00B050"/>
-                </a:solidFill>
-              </a:rPr>
-              <a:t>player.cpp</a:t>
-            </a:r>
-            <a:r>
-              <a:rPr lang="ja-JP" altLang="en-US" dirty="0"/>
-              <a:t>に記述する。</a:t>
-            </a:r>
-            <a:endParaRPr lang="ja-JP" altLang="en-US" dirty="0">
-              <a:solidFill>
-                <a:srgbClr val="00B050"/>
-              </a:solidFill>
-            </a:endParaRPr>
-          </a:p>
-          <a:p>
-            <a:endParaRPr lang="ja-JP" altLang="en-US" dirty="0" err="1">
-              <a:solidFill>
-                <a:srgbClr val="00B050"/>
-              </a:solidFill>
-            </a:endParaRPr>
-          </a:p>
-        </p:txBody>
-      </p:sp>
-    </p:spTree>
-    <p:extLst>
-      <p:ext uri="{BB962C8B-B14F-4D97-AF65-F5344CB8AC3E}">
-        <p14:creationId xmlns:p14="http://schemas.microsoft.com/office/powerpoint/2010/main" val="793040426"/>
-      </p:ext>
-    </p:extLst>
-  </p:cSld>
-  <p:clrMapOvr>
-    <a:masterClrMapping/>
-  </p:clrMapOvr>
-</p:sld>
-</file>
-
-<file path=ppt/slides/slide52.xml><?xml version="1.0" encoding="utf-8"?>
-<p:sld xmlns:a="http://schemas.openxmlformats.org/drawingml/2006/main" xmlns:r="http://schemas.openxmlformats.org/officeDocument/2006/relationships" xmlns:p="http://schemas.openxmlformats.org/presentationml/2006/main">
-  <p:cSld>
-    <p:spTree>
-      <p:nvGrpSpPr>
-        <p:cNvPr id="1" name=""/>
-        <p:cNvGrpSpPr/>
-        <p:nvPr/>
-      </p:nvGrpSpPr>
-      <p:grpSpPr>
-        <a:xfrm>
-          <a:off x="0" y="0"/>
-          <a:ext cx="0" cy="0"/>
-          <a:chOff x="0" y="0"/>
-          <a:chExt cx="0" cy="0"/>
-        </a:xfrm>
-      </p:grpSpPr>
-      <p:sp>
-        <p:nvSpPr>
-          <p:cNvPr id="2" name="タイトル 1">
-            <a:extLst>
-              <a:ext uri="{FF2B5EF4-FFF2-40B4-BE49-F238E27FC236}">
-                <a16:creationId xmlns:a16="http://schemas.microsoft.com/office/drawing/2014/main" id="{F11F3668-F205-48C5-AC01-19611EFE561B}"/>
-              </a:ext>
-            </a:extLst>
-          </p:cNvPr>
-          <p:cNvSpPr>
-            <a:spLocks noGrp="1"/>
-          </p:cNvSpPr>
-          <p:nvPr>
-            <p:ph type="title"/>
-          </p:nvPr>
-        </p:nvSpPr>
-        <p:spPr/>
-        <p:txBody>
-          <a:bodyPr/>
-          <a:lstStyle/>
-          <a:p>
-            <a:r>
-              <a:rPr kumimoji="1" lang="ja-JP" altLang="en-US" dirty="0"/>
-              <a:t>継承</a:t>
-            </a:r>
-            <a:r>
-              <a:rPr lang="ja-JP" altLang="en-US" dirty="0"/>
-              <a:t>を使った演習問題</a:t>
-            </a:r>
-            <a:endParaRPr kumimoji="1" lang="ja-JP" altLang="en-US" dirty="0"/>
-          </a:p>
-        </p:txBody>
-      </p:sp>
-      <p:sp>
-        <p:nvSpPr>
-          <p:cNvPr id="3" name="コンテンツ プレースホルダー 2">
-            <a:extLst>
-              <a:ext uri="{FF2B5EF4-FFF2-40B4-BE49-F238E27FC236}">
-                <a16:creationId xmlns:a16="http://schemas.microsoft.com/office/drawing/2014/main" id="{64DBE417-57E9-44A6-BB52-B2F9986BB7B2}"/>
-              </a:ext>
-            </a:extLst>
-          </p:cNvPr>
-          <p:cNvSpPr>
-            <a:spLocks noGrp="1"/>
-          </p:cNvSpPr>
-          <p:nvPr>
-            <p:ph idx="1"/>
-          </p:nvPr>
-        </p:nvSpPr>
-        <p:spPr>
-          <a:xfrm>
-            <a:off x="838200" y="1121412"/>
-            <a:ext cx="10515600" cy="5193373"/>
-          </a:xfrm>
-        </p:spPr>
-        <p:txBody>
-          <a:bodyPr>
-            <a:normAutofit/>
-          </a:bodyPr>
-          <a:lstStyle/>
-          <a:p>
-            <a:r>
-              <a:rPr kumimoji="1" lang="en-US" altLang="ja-JP" dirty="0"/>
-              <a:t>main.</a:t>
-            </a:r>
-            <a:r>
-              <a:rPr lang="en-US" altLang="ja-JP" dirty="0"/>
-              <a:t>cpp</a:t>
-            </a:r>
-            <a:r>
-              <a:rPr kumimoji="1" lang="ja-JP" altLang="en-US" dirty="0"/>
-              <a:t>　</a:t>
-            </a:r>
-            <a:r>
-              <a:rPr kumimoji="1" lang="en-US" altLang="ja-JP" dirty="0"/>
-              <a:t>(</a:t>
-            </a:r>
-            <a:r>
-              <a:rPr kumimoji="1" lang="en-US" altLang="ja-JP" dirty="0" err="1"/>
-              <a:t>SampleRPG</a:t>
-            </a:r>
-            <a:r>
-              <a:rPr kumimoji="1" lang="en-US" altLang="ja-JP" dirty="0"/>
-              <a:t>)</a:t>
-            </a:r>
-            <a:br>
-              <a:rPr lang="en-US" altLang="ja-JP" dirty="0"/>
-            </a:br>
-            <a:endParaRPr lang="en-US" altLang="ja-JP" dirty="0"/>
-          </a:p>
-          <a:p>
-            <a:pPr marL="0" indent="0">
-              <a:buNone/>
-            </a:pPr>
-            <a:br>
-              <a:rPr lang="en-US" altLang="ja-JP" dirty="0"/>
-            </a:br>
-            <a:br>
-              <a:rPr lang="en-US" altLang="ja-JP" dirty="0"/>
-            </a:br>
-            <a:br>
-              <a:rPr lang="en-US" altLang="ja-JP" dirty="0"/>
-            </a:br>
-            <a:br>
-              <a:rPr lang="en-US" altLang="ja-JP" sz="2400" dirty="0"/>
-            </a:br>
-            <a:br>
-              <a:rPr lang="en-US" altLang="ja-JP" sz="2400" dirty="0"/>
-            </a:br>
-            <a:endParaRPr lang="en-US" altLang="ja-JP" sz="2400" dirty="0"/>
-          </a:p>
-          <a:p>
-            <a:pPr marL="0" indent="0">
-              <a:buNone/>
-            </a:pPr>
-            <a:br>
-              <a:rPr lang="en-US" altLang="ja-JP" sz="2400" dirty="0"/>
-            </a:br>
-            <a:endParaRPr lang="en-US" altLang="ja-JP" dirty="0">
-              <a:solidFill>
-                <a:srgbClr val="FF0000"/>
-              </a:solidFill>
-            </a:endParaRPr>
-          </a:p>
-        </p:txBody>
-      </p:sp>
-      <p:sp>
-        <p:nvSpPr>
-          <p:cNvPr id="5" name="テキスト ボックス 4">
-            <a:extLst>
-              <a:ext uri="{FF2B5EF4-FFF2-40B4-BE49-F238E27FC236}">
-                <a16:creationId xmlns:a16="http://schemas.microsoft.com/office/drawing/2014/main" id="{9E32883C-0E37-4F07-9861-27609819CE8C}"/>
-              </a:ext>
-            </a:extLst>
-          </p:cNvPr>
-          <p:cNvSpPr txBox="1"/>
-          <p:nvPr/>
-        </p:nvSpPr>
-        <p:spPr>
-          <a:xfrm>
-            <a:off x="1048254" y="1709060"/>
-            <a:ext cx="11072409" cy="5016758"/>
-          </a:xfrm>
-          <a:prstGeom prst="rect">
-            <a:avLst/>
-          </a:prstGeom>
-          <a:noFill/>
-          <a:ln>
-            <a:solidFill>
-              <a:schemeClr val="tx1"/>
-            </a:solidFill>
-          </a:ln>
-        </p:spPr>
-        <p:txBody>
-          <a:bodyPr wrap="square" rtlCol="0">
-            <a:spAutoFit/>
-          </a:bodyPr>
-          <a:lstStyle/>
-          <a:p>
-            <a:r>
-              <a:rPr lang="en-US" altLang="ja-JP" sz="2000" dirty="0">
-                <a:solidFill>
-                  <a:schemeClr val="tx1">
-                    <a:lumMod val="75000"/>
-                    <a:lumOff val="25000"/>
-                  </a:schemeClr>
-                </a:solidFill>
-                <a:latin typeface="+mj-lt"/>
-                <a:ea typeface="ＭＳ ゴシック" panose="020B0609070205080204" pitchFamily="49" charset="-128"/>
-              </a:rPr>
-              <a:t>#include </a:t>
-            </a:r>
-            <a:r>
-              <a:rPr lang="en-US" altLang="ja-JP" sz="2000" dirty="0">
-                <a:solidFill>
-                  <a:srgbClr val="A31515"/>
-                </a:solidFill>
-                <a:latin typeface="+mj-lt"/>
-                <a:ea typeface="ＭＳ ゴシック" panose="020B0609070205080204" pitchFamily="49" charset="-128"/>
-              </a:rPr>
-              <a:t>"</a:t>
-            </a:r>
-            <a:r>
-              <a:rPr lang="en-US" altLang="ja-JP" sz="2000" dirty="0" err="1">
-                <a:solidFill>
-                  <a:srgbClr val="A31515"/>
-                </a:solidFill>
-                <a:latin typeface="+mj-lt"/>
-                <a:ea typeface="ＭＳ ゴシック" panose="020B0609070205080204" pitchFamily="49" charset="-128"/>
-              </a:rPr>
-              <a:t>chara.h</a:t>
-            </a:r>
-            <a:r>
-              <a:rPr lang="en-US" altLang="ja-JP" sz="2000" dirty="0">
-                <a:solidFill>
-                  <a:srgbClr val="A31515"/>
-                </a:solidFill>
-                <a:latin typeface="+mj-lt"/>
-                <a:ea typeface="ＭＳ ゴシック" panose="020B0609070205080204" pitchFamily="49" charset="-128"/>
-              </a:rPr>
-              <a:t>"</a:t>
-            </a:r>
-            <a:endParaRPr lang="en-US" altLang="ja-JP" sz="2000" dirty="0">
-              <a:solidFill>
-                <a:srgbClr val="000000"/>
-              </a:solidFill>
-              <a:latin typeface="+mj-lt"/>
-              <a:ea typeface="ＭＳ ゴシック" panose="020B0609070205080204" pitchFamily="49" charset="-128"/>
-            </a:endParaRPr>
-          </a:p>
-          <a:p>
-            <a:r>
-              <a:rPr lang="en-US" altLang="ja-JP" sz="2000" dirty="0">
-                <a:solidFill>
-                  <a:schemeClr val="tx1">
-                    <a:lumMod val="75000"/>
-                    <a:lumOff val="25000"/>
-                  </a:schemeClr>
-                </a:solidFill>
-                <a:latin typeface="+mj-lt"/>
-                <a:ea typeface="ＭＳ ゴシック" panose="020B0609070205080204" pitchFamily="49" charset="-128"/>
-              </a:rPr>
-              <a:t>#include </a:t>
-            </a:r>
-            <a:r>
-              <a:rPr lang="en-US" altLang="ja-JP" sz="2000" dirty="0">
-                <a:solidFill>
-                  <a:srgbClr val="A31515"/>
-                </a:solidFill>
-                <a:latin typeface="+mj-lt"/>
-                <a:ea typeface="ＭＳ ゴシック" panose="020B0609070205080204" pitchFamily="49" charset="-128"/>
-              </a:rPr>
-              <a:t>"</a:t>
-            </a:r>
-            <a:r>
-              <a:rPr lang="en-US" altLang="ja-JP" sz="2000" dirty="0" err="1">
-                <a:solidFill>
-                  <a:srgbClr val="A31515"/>
-                </a:solidFill>
-                <a:latin typeface="+mj-lt"/>
-                <a:ea typeface="ＭＳ ゴシック" panose="020B0609070205080204" pitchFamily="49" charset="-128"/>
-              </a:rPr>
-              <a:t>player.h</a:t>
-            </a:r>
-            <a:r>
-              <a:rPr lang="en-US" altLang="ja-JP" sz="2000" dirty="0">
-                <a:solidFill>
-                  <a:srgbClr val="A31515"/>
-                </a:solidFill>
-                <a:latin typeface="+mj-lt"/>
-                <a:ea typeface="ＭＳ ゴシック" panose="020B0609070205080204" pitchFamily="49" charset="-128"/>
-              </a:rPr>
-              <a:t>"</a:t>
-            </a:r>
-            <a:endParaRPr lang="en-US" altLang="ja-JP" sz="2000" dirty="0">
-              <a:solidFill>
-                <a:srgbClr val="000000"/>
-              </a:solidFill>
-              <a:latin typeface="+mj-lt"/>
-              <a:ea typeface="ＭＳ ゴシック" panose="020B0609070205080204" pitchFamily="49" charset="-128"/>
-            </a:endParaRPr>
-          </a:p>
-          <a:p>
-            <a:r>
-              <a:rPr lang="en-US" altLang="ja-JP" sz="2000" dirty="0">
-                <a:solidFill>
-                  <a:schemeClr val="tx1">
-                    <a:lumMod val="75000"/>
-                    <a:lumOff val="25000"/>
-                  </a:schemeClr>
-                </a:solidFill>
-                <a:latin typeface="+mj-lt"/>
-                <a:ea typeface="ＭＳ ゴシック" panose="020B0609070205080204" pitchFamily="49" charset="-128"/>
-              </a:rPr>
-              <a:t>#include </a:t>
-            </a:r>
-            <a:r>
-              <a:rPr lang="en-US" altLang="ja-JP" sz="2000" dirty="0">
-                <a:solidFill>
-                  <a:srgbClr val="A31515"/>
-                </a:solidFill>
-                <a:latin typeface="+mj-lt"/>
-                <a:ea typeface="ＭＳ ゴシック" panose="020B0609070205080204" pitchFamily="49" charset="-128"/>
-              </a:rPr>
-              <a:t>&lt;iostream&gt;</a:t>
-            </a:r>
-            <a:endParaRPr lang="en-US" altLang="ja-JP" sz="2000" dirty="0">
-              <a:solidFill>
-                <a:srgbClr val="000000"/>
-              </a:solidFill>
-              <a:latin typeface="+mj-lt"/>
-              <a:ea typeface="ＭＳ ゴシック" panose="020B0609070205080204" pitchFamily="49" charset="-128"/>
-            </a:endParaRPr>
-          </a:p>
-          <a:p>
-            <a:r>
-              <a:rPr lang="en-US" altLang="ja-JP" sz="2000" dirty="0">
-                <a:solidFill>
-                  <a:srgbClr val="0000FF"/>
-                </a:solidFill>
-                <a:latin typeface="+mj-lt"/>
-                <a:ea typeface="ＭＳ ゴシック" panose="020B0609070205080204" pitchFamily="49" charset="-128"/>
-              </a:rPr>
-              <a:t>using</a:t>
-            </a:r>
-            <a:r>
-              <a:rPr lang="en-US" altLang="ja-JP" sz="2000" dirty="0">
-                <a:solidFill>
-                  <a:srgbClr val="000000"/>
-                </a:solidFill>
-                <a:latin typeface="+mj-lt"/>
-                <a:ea typeface="ＭＳ ゴシック" panose="020B0609070205080204" pitchFamily="49" charset="-128"/>
-              </a:rPr>
-              <a:t> </a:t>
-            </a:r>
-            <a:r>
-              <a:rPr lang="en-US" altLang="ja-JP" sz="2000" dirty="0">
-                <a:solidFill>
-                  <a:srgbClr val="0000FF"/>
-                </a:solidFill>
-                <a:latin typeface="+mj-lt"/>
-                <a:ea typeface="ＭＳ ゴシック" panose="020B0609070205080204" pitchFamily="49" charset="-128"/>
-              </a:rPr>
-              <a:t>namespace</a:t>
-            </a:r>
-            <a:r>
-              <a:rPr lang="en-US" altLang="ja-JP" sz="2000" dirty="0">
-                <a:solidFill>
-                  <a:srgbClr val="000000"/>
-                </a:solidFill>
-                <a:latin typeface="+mj-lt"/>
-                <a:ea typeface="ＭＳ ゴシック" panose="020B0609070205080204" pitchFamily="49" charset="-128"/>
-              </a:rPr>
-              <a:t> std;</a:t>
-            </a:r>
-          </a:p>
-          <a:p>
-            <a:r>
-              <a:rPr lang="en-US" altLang="ja-JP" sz="2400" dirty="0">
-                <a:solidFill>
-                  <a:srgbClr val="0000FF"/>
-                </a:solidFill>
-                <a:latin typeface="+mj-lt"/>
-                <a:ea typeface="ＭＳ ゴシック" panose="020B0609070205080204" pitchFamily="49" charset="-128"/>
-              </a:rPr>
-              <a:t>int</a:t>
-            </a:r>
-            <a:r>
-              <a:rPr lang="en-US" altLang="ja-JP" sz="2400" dirty="0">
-                <a:solidFill>
-                  <a:srgbClr val="000000"/>
-                </a:solidFill>
-                <a:latin typeface="+mj-lt"/>
-                <a:ea typeface="ＭＳ ゴシック" panose="020B0609070205080204" pitchFamily="49" charset="-128"/>
-              </a:rPr>
-              <a:t> main() {</a:t>
-            </a:r>
-          </a:p>
-          <a:p>
-            <a:r>
-              <a:rPr lang="en-US" altLang="ja-JP" sz="2400" dirty="0">
-                <a:solidFill>
-                  <a:srgbClr val="2B91AF"/>
-                </a:solidFill>
-                <a:latin typeface="+mj-lt"/>
-                <a:ea typeface="ＭＳ ゴシック" panose="020B0609070205080204" pitchFamily="49" charset="-128"/>
-              </a:rPr>
-              <a:t>	Player</a:t>
-            </a:r>
-            <a:r>
-              <a:rPr lang="en-US" altLang="ja-JP" sz="2400" dirty="0">
-                <a:solidFill>
-                  <a:srgbClr val="000000"/>
-                </a:solidFill>
-                <a:latin typeface="+mj-lt"/>
-                <a:ea typeface="ＭＳ ゴシック" panose="020B0609070205080204" pitchFamily="49" charset="-128"/>
-              </a:rPr>
-              <a:t>* </a:t>
-            </a:r>
-            <a:r>
-              <a:rPr lang="en-US" altLang="ja-JP" sz="2400" dirty="0" err="1">
-                <a:solidFill>
-                  <a:srgbClr val="000000"/>
-                </a:solidFill>
-                <a:latin typeface="+mj-lt"/>
-                <a:ea typeface="ＭＳ ゴシック" panose="020B0609070205080204" pitchFamily="49" charset="-128"/>
-              </a:rPr>
-              <a:t>pPlayer</a:t>
-            </a:r>
-            <a:r>
-              <a:rPr lang="en-US" altLang="ja-JP" sz="2400" dirty="0">
-                <a:solidFill>
-                  <a:srgbClr val="000000"/>
-                </a:solidFill>
-                <a:latin typeface="+mj-lt"/>
-                <a:ea typeface="ＭＳ ゴシック" panose="020B0609070205080204" pitchFamily="49" charset="-128"/>
-              </a:rPr>
-              <a:t> = </a:t>
-            </a:r>
-            <a:r>
-              <a:rPr lang="en-US" altLang="ja-JP" sz="2400" dirty="0">
-                <a:solidFill>
-                  <a:srgbClr val="0000FF"/>
-                </a:solidFill>
-                <a:latin typeface="+mj-lt"/>
-                <a:ea typeface="ＭＳ ゴシック" panose="020B0609070205080204" pitchFamily="49" charset="-128"/>
-              </a:rPr>
-              <a:t>new</a:t>
-            </a:r>
-            <a:r>
-              <a:rPr lang="en-US" altLang="ja-JP" sz="2400" dirty="0">
-                <a:solidFill>
-                  <a:srgbClr val="000000"/>
-                </a:solidFill>
-                <a:latin typeface="+mj-lt"/>
-                <a:ea typeface="ＭＳ ゴシック" panose="020B0609070205080204" pitchFamily="49" charset="-128"/>
-              </a:rPr>
-              <a:t> </a:t>
-            </a:r>
-            <a:r>
-              <a:rPr lang="en-US" altLang="ja-JP" sz="2400" dirty="0">
-                <a:solidFill>
-                  <a:srgbClr val="2B91AF"/>
-                </a:solidFill>
-                <a:latin typeface="+mj-lt"/>
-                <a:ea typeface="ＭＳ ゴシック" panose="020B0609070205080204" pitchFamily="49" charset="-128"/>
-              </a:rPr>
-              <a:t>Player</a:t>
-            </a:r>
-            <a:r>
-              <a:rPr lang="en-US" altLang="ja-JP" sz="2400" dirty="0">
-                <a:solidFill>
-                  <a:srgbClr val="000000"/>
-                </a:solidFill>
-                <a:latin typeface="+mj-lt"/>
-                <a:ea typeface="ＭＳ ゴシック" panose="020B0609070205080204" pitchFamily="49" charset="-128"/>
-              </a:rPr>
-              <a:t>(100, 50, 20, 30);</a:t>
-            </a:r>
-          </a:p>
-          <a:p>
-            <a:r>
-              <a:rPr lang="en-US" altLang="ja-JP" sz="2400" dirty="0">
-                <a:solidFill>
-                  <a:srgbClr val="000000"/>
-                </a:solidFill>
-                <a:latin typeface="+mj-lt"/>
-                <a:ea typeface="ＭＳ ゴシック" panose="020B0609070205080204" pitchFamily="49" charset="-128"/>
-              </a:rPr>
-              <a:t>	</a:t>
-            </a:r>
-            <a:r>
-              <a:rPr lang="en-US" altLang="ja-JP" sz="2400" dirty="0" err="1">
-                <a:solidFill>
-                  <a:srgbClr val="000000"/>
-                </a:solidFill>
-                <a:latin typeface="+mj-lt"/>
-                <a:ea typeface="ＭＳ ゴシック" panose="020B0609070205080204" pitchFamily="49" charset="-128"/>
-              </a:rPr>
-              <a:t>cout</a:t>
-            </a:r>
-            <a:r>
-              <a:rPr lang="en-US" altLang="ja-JP" sz="2400" dirty="0">
-                <a:solidFill>
-                  <a:srgbClr val="000000"/>
-                </a:solidFill>
-                <a:latin typeface="+mj-lt"/>
-                <a:ea typeface="ＭＳ ゴシック" panose="020B0609070205080204" pitchFamily="49" charset="-128"/>
-              </a:rPr>
-              <a:t> </a:t>
-            </a:r>
-            <a:r>
-              <a:rPr lang="en-US" altLang="ja-JP" sz="2400" dirty="0">
-                <a:solidFill>
-                  <a:srgbClr val="008080"/>
-                </a:solidFill>
-                <a:latin typeface="+mj-lt"/>
-                <a:ea typeface="ＭＳ ゴシック" panose="020B0609070205080204" pitchFamily="49" charset="-128"/>
-              </a:rPr>
-              <a:t>&lt;&lt;</a:t>
-            </a:r>
-            <a:r>
-              <a:rPr lang="en-US" altLang="ja-JP" sz="2400" dirty="0">
-                <a:solidFill>
-                  <a:srgbClr val="000000"/>
-                </a:solidFill>
-                <a:latin typeface="+mj-lt"/>
-                <a:ea typeface="ＭＳ ゴシック" panose="020B0609070205080204" pitchFamily="49" charset="-128"/>
-              </a:rPr>
-              <a:t> </a:t>
-            </a:r>
-            <a:r>
-              <a:rPr lang="en-US" altLang="ja-JP" sz="2400" dirty="0">
-                <a:solidFill>
-                  <a:srgbClr val="A31515"/>
-                </a:solidFill>
-                <a:latin typeface="+mj-lt"/>
-                <a:ea typeface="ＭＳ ゴシック" panose="020B0609070205080204" pitchFamily="49" charset="-128"/>
-              </a:rPr>
-              <a:t>“Player</a:t>
-            </a:r>
-            <a:r>
-              <a:rPr lang="ja-JP" altLang="en-US" sz="2400" dirty="0">
-                <a:solidFill>
-                  <a:srgbClr val="A31515"/>
-                </a:solidFill>
-                <a:latin typeface="+mn-ea"/>
-              </a:rPr>
-              <a:t>の状態</a:t>
-            </a:r>
-            <a:r>
-              <a:rPr lang="en-US" altLang="ja-JP" sz="2400" dirty="0">
-                <a:solidFill>
-                  <a:srgbClr val="A31515"/>
-                </a:solidFill>
-                <a:latin typeface="+mn-ea"/>
-              </a:rPr>
-              <a:t>” </a:t>
-            </a:r>
-            <a:r>
-              <a:rPr lang="en-US" altLang="ja-JP" sz="2400" dirty="0">
-                <a:solidFill>
-                  <a:srgbClr val="008080"/>
-                </a:solidFill>
-                <a:latin typeface="+mj-lt"/>
-                <a:ea typeface="ＭＳ ゴシック" panose="020B0609070205080204" pitchFamily="49" charset="-128"/>
-              </a:rPr>
-              <a:t>&lt;&lt;</a:t>
-            </a:r>
-            <a:r>
-              <a:rPr lang="en-US" altLang="ja-JP" sz="2400" dirty="0">
-                <a:solidFill>
-                  <a:srgbClr val="000000"/>
-                </a:solidFill>
-                <a:latin typeface="+mj-lt"/>
-                <a:ea typeface="ＭＳ ゴシック" panose="020B0609070205080204" pitchFamily="49" charset="-128"/>
-              </a:rPr>
-              <a:t> </a:t>
-            </a:r>
-            <a:r>
-              <a:rPr lang="en-US" altLang="ja-JP" sz="2400" dirty="0" err="1">
-                <a:solidFill>
-                  <a:srgbClr val="000000"/>
-                </a:solidFill>
-                <a:latin typeface="+mj-lt"/>
-                <a:ea typeface="ＭＳ ゴシック" panose="020B0609070205080204" pitchFamily="49" charset="-128"/>
-              </a:rPr>
-              <a:t>endl</a:t>
-            </a:r>
-            <a:r>
-              <a:rPr lang="ja-JP" altLang="en-US" sz="2400" dirty="0">
-                <a:solidFill>
-                  <a:srgbClr val="A31515"/>
-                </a:solidFill>
-                <a:latin typeface="+mn-ea"/>
-              </a:rPr>
-              <a:t> </a:t>
-            </a:r>
-            <a:endParaRPr lang="en-US" altLang="ja-JP" sz="2400" dirty="0">
-              <a:solidFill>
-                <a:srgbClr val="A31515"/>
-              </a:solidFill>
-              <a:latin typeface="+mn-ea"/>
-            </a:endParaRPr>
-          </a:p>
-          <a:p>
-            <a:r>
-              <a:rPr lang="en-US" altLang="ja-JP" sz="2400" dirty="0">
-                <a:solidFill>
-                  <a:srgbClr val="A31515"/>
-                </a:solidFill>
-                <a:latin typeface="+mn-ea"/>
-                <a:ea typeface="ＭＳ ゴシック" panose="020B0609070205080204" pitchFamily="49" charset="-128"/>
-              </a:rPr>
-              <a:t>			</a:t>
-            </a:r>
-            <a:r>
-              <a:rPr lang="en-US" altLang="ja-JP" sz="2400" dirty="0">
-                <a:solidFill>
-                  <a:srgbClr val="008080"/>
-                </a:solidFill>
-                <a:latin typeface="+mj-lt"/>
-                <a:ea typeface="ＭＳ ゴシック" panose="020B0609070205080204" pitchFamily="49" charset="-128"/>
-              </a:rPr>
-              <a:t>&lt;&lt;</a:t>
-            </a:r>
-            <a:r>
-              <a:rPr lang="en-US" altLang="ja-JP" sz="2400" dirty="0">
-                <a:solidFill>
-                  <a:srgbClr val="000000"/>
-                </a:solidFill>
-                <a:latin typeface="+mj-lt"/>
-                <a:ea typeface="ＭＳ ゴシック" panose="020B0609070205080204" pitchFamily="49" charset="-128"/>
-              </a:rPr>
-              <a:t> </a:t>
-            </a:r>
-            <a:r>
-              <a:rPr lang="en-US" altLang="ja-JP" sz="2400" dirty="0">
-                <a:solidFill>
-                  <a:srgbClr val="A31515"/>
-                </a:solidFill>
-                <a:latin typeface="+mj-lt"/>
-                <a:ea typeface="ＭＳ ゴシック" panose="020B0609070205080204" pitchFamily="49" charset="-128"/>
-              </a:rPr>
-              <a:t>" HP:”</a:t>
-            </a:r>
-            <a:r>
-              <a:rPr lang="en-US" altLang="ja-JP" sz="2400" dirty="0">
-                <a:solidFill>
-                  <a:srgbClr val="000000"/>
-                </a:solidFill>
-                <a:latin typeface="+mj-lt"/>
-                <a:ea typeface="ＭＳ ゴシック" panose="020B0609070205080204" pitchFamily="49" charset="-128"/>
-              </a:rPr>
-              <a:t> </a:t>
-            </a:r>
-            <a:r>
-              <a:rPr lang="en-US" altLang="ja-JP" sz="2400" dirty="0">
-                <a:solidFill>
-                  <a:srgbClr val="008080"/>
-                </a:solidFill>
-                <a:latin typeface="+mj-lt"/>
-                <a:ea typeface="ＭＳ ゴシック" panose="020B0609070205080204" pitchFamily="49" charset="-128"/>
-              </a:rPr>
-              <a:t>&lt;&lt;</a:t>
-            </a:r>
-            <a:r>
-              <a:rPr lang="en-US" altLang="ja-JP" sz="2400" dirty="0">
-                <a:solidFill>
-                  <a:srgbClr val="000000"/>
-                </a:solidFill>
-                <a:latin typeface="+mj-lt"/>
-                <a:ea typeface="ＭＳ ゴシック" panose="020B0609070205080204" pitchFamily="49" charset="-128"/>
-              </a:rPr>
-              <a:t> </a:t>
-            </a:r>
-            <a:r>
-              <a:rPr lang="en-US" altLang="ja-JP" sz="2400" dirty="0" err="1">
-                <a:solidFill>
-                  <a:srgbClr val="000000"/>
-                </a:solidFill>
-                <a:latin typeface="+mj-lt"/>
-                <a:ea typeface="ＭＳ ゴシック" panose="020B0609070205080204" pitchFamily="49" charset="-128"/>
-              </a:rPr>
-              <a:t>pPlayer</a:t>
-            </a:r>
-            <a:r>
-              <a:rPr lang="en-US" altLang="ja-JP" sz="2400" dirty="0">
-                <a:solidFill>
-                  <a:srgbClr val="000000"/>
-                </a:solidFill>
-                <a:latin typeface="+mj-lt"/>
-                <a:ea typeface="ＭＳ ゴシック" panose="020B0609070205080204" pitchFamily="49" charset="-128"/>
-              </a:rPr>
-              <a:t>-&gt;</a:t>
-            </a:r>
-            <a:r>
-              <a:rPr lang="en-US" altLang="ja-JP" sz="2400" dirty="0" err="1">
-                <a:solidFill>
-                  <a:srgbClr val="000000"/>
-                </a:solidFill>
-                <a:latin typeface="+mj-lt"/>
-                <a:ea typeface="ＭＳ ゴシック" panose="020B0609070205080204" pitchFamily="49" charset="-128"/>
-              </a:rPr>
-              <a:t>getHp</a:t>
-            </a:r>
-            <a:r>
-              <a:rPr lang="en-US" altLang="ja-JP" sz="2400" dirty="0">
-                <a:solidFill>
-                  <a:srgbClr val="000000"/>
-                </a:solidFill>
-                <a:latin typeface="+mj-lt"/>
-                <a:ea typeface="ＭＳ ゴシック" panose="020B0609070205080204" pitchFamily="49" charset="-128"/>
-              </a:rPr>
-              <a:t>()</a:t>
-            </a:r>
-            <a:r>
-              <a:rPr lang="ja-JP" altLang="en-US" sz="2400" dirty="0">
-                <a:solidFill>
-                  <a:srgbClr val="000000"/>
-                </a:solidFill>
-                <a:latin typeface="+mj-lt"/>
-                <a:ea typeface="ＭＳ ゴシック" panose="020B0609070205080204" pitchFamily="49" charset="-128"/>
-              </a:rPr>
-              <a:t> </a:t>
-            </a:r>
-            <a:r>
-              <a:rPr lang="en-US" altLang="ja-JP" sz="2400" dirty="0">
-                <a:solidFill>
-                  <a:srgbClr val="008080"/>
-                </a:solidFill>
-                <a:latin typeface="+mj-lt"/>
-                <a:ea typeface="ＭＳ ゴシック" panose="020B0609070205080204" pitchFamily="49" charset="-128"/>
-              </a:rPr>
-              <a:t>&lt;&lt;</a:t>
-            </a:r>
-            <a:r>
-              <a:rPr lang="en-US" altLang="ja-JP" sz="2400" dirty="0">
-                <a:solidFill>
-                  <a:srgbClr val="000000"/>
-                </a:solidFill>
-                <a:latin typeface="+mj-lt"/>
-                <a:ea typeface="ＭＳ ゴシック" panose="020B0609070205080204" pitchFamily="49" charset="-128"/>
-              </a:rPr>
-              <a:t> </a:t>
-            </a:r>
-            <a:r>
-              <a:rPr lang="en-US" altLang="ja-JP" sz="2400" dirty="0" err="1">
-                <a:solidFill>
-                  <a:srgbClr val="000000"/>
-                </a:solidFill>
-                <a:latin typeface="+mj-lt"/>
-                <a:ea typeface="ＭＳ ゴシック" panose="020B0609070205080204" pitchFamily="49" charset="-128"/>
-              </a:rPr>
-              <a:t>endl</a:t>
-            </a:r>
-            <a:endParaRPr lang="en-US" altLang="ja-JP" sz="2400" dirty="0">
-              <a:solidFill>
-                <a:srgbClr val="000000"/>
-              </a:solidFill>
-              <a:latin typeface="+mj-lt"/>
-              <a:ea typeface="ＭＳ ゴシック" panose="020B0609070205080204" pitchFamily="49" charset="-128"/>
-            </a:endParaRPr>
-          </a:p>
-          <a:p>
-            <a:r>
-              <a:rPr lang="en-US" altLang="ja-JP" sz="2400" dirty="0">
-                <a:solidFill>
-                  <a:srgbClr val="008080"/>
-                </a:solidFill>
-                <a:latin typeface="+mj-lt"/>
-                <a:ea typeface="ＭＳ ゴシック" panose="020B0609070205080204" pitchFamily="49" charset="-128"/>
-              </a:rPr>
-              <a:t>			&lt;&lt;</a:t>
-            </a:r>
-            <a:r>
-              <a:rPr lang="en-US" altLang="ja-JP" sz="2400" dirty="0">
-                <a:solidFill>
-                  <a:srgbClr val="000000"/>
-                </a:solidFill>
-                <a:latin typeface="+mj-lt"/>
-                <a:ea typeface="ＭＳ ゴシック" panose="020B0609070205080204" pitchFamily="49" charset="-128"/>
-              </a:rPr>
-              <a:t> </a:t>
-            </a:r>
-            <a:r>
-              <a:rPr lang="en-US" altLang="ja-JP" sz="2400" dirty="0">
-                <a:solidFill>
-                  <a:srgbClr val="A31515"/>
-                </a:solidFill>
-                <a:latin typeface="+mj-lt"/>
-                <a:ea typeface="ＭＳ ゴシック" panose="020B0609070205080204" pitchFamily="49" charset="-128"/>
-              </a:rPr>
-              <a:t>" SP:"</a:t>
-            </a:r>
-            <a:r>
-              <a:rPr lang="en-US" altLang="ja-JP" sz="2400" dirty="0">
-                <a:solidFill>
-                  <a:srgbClr val="000000"/>
-                </a:solidFill>
-                <a:latin typeface="+mj-lt"/>
-                <a:ea typeface="ＭＳ ゴシック" panose="020B0609070205080204" pitchFamily="49" charset="-128"/>
-              </a:rPr>
-              <a:t> </a:t>
-            </a:r>
-            <a:r>
-              <a:rPr lang="en-US" altLang="ja-JP" sz="2400" dirty="0">
-                <a:solidFill>
-                  <a:srgbClr val="008080"/>
-                </a:solidFill>
-                <a:latin typeface="+mj-lt"/>
-                <a:ea typeface="ＭＳ ゴシック" panose="020B0609070205080204" pitchFamily="49" charset="-128"/>
-              </a:rPr>
-              <a:t>&lt;&lt;</a:t>
-            </a:r>
-            <a:r>
-              <a:rPr lang="en-US" altLang="ja-JP" sz="2400" dirty="0">
-                <a:solidFill>
-                  <a:srgbClr val="000000"/>
-                </a:solidFill>
-                <a:latin typeface="+mj-lt"/>
-                <a:ea typeface="ＭＳ ゴシック" panose="020B0609070205080204" pitchFamily="49" charset="-128"/>
-              </a:rPr>
-              <a:t> </a:t>
-            </a:r>
-            <a:r>
-              <a:rPr lang="en-US" altLang="ja-JP" sz="2400" dirty="0" err="1">
-                <a:solidFill>
-                  <a:srgbClr val="000000"/>
-                </a:solidFill>
-                <a:latin typeface="+mj-lt"/>
-                <a:ea typeface="ＭＳ ゴシック" panose="020B0609070205080204" pitchFamily="49" charset="-128"/>
-              </a:rPr>
-              <a:t>pPlayer</a:t>
-            </a:r>
-            <a:r>
-              <a:rPr lang="en-US" altLang="ja-JP" sz="2400" dirty="0">
-                <a:solidFill>
-                  <a:srgbClr val="000000"/>
-                </a:solidFill>
-                <a:latin typeface="+mj-lt"/>
-                <a:ea typeface="ＭＳ ゴシック" panose="020B0609070205080204" pitchFamily="49" charset="-128"/>
-              </a:rPr>
-              <a:t>-&gt;</a:t>
-            </a:r>
-            <a:r>
-              <a:rPr lang="en-US" altLang="ja-JP" sz="2400" dirty="0" err="1">
-                <a:solidFill>
-                  <a:srgbClr val="000000"/>
-                </a:solidFill>
-                <a:latin typeface="+mj-lt"/>
-                <a:ea typeface="ＭＳ ゴシック" panose="020B0609070205080204" pitchFamily="49" charset="-128"/>
-              </a:rPr>
-              <a:t>getSp</a:t>
-            </a:r>
-            <a:r>
-              <a:rPr lang="en-US" altLang="ja-JP" sz="2400" dirty="0">
-                <a:solidFill>
-                  <a:srgbClr val="000000"/>
-                </a:solidFill>
-                <a:latin typeface="+mj-lt"/>
-                <a:ea typeface="ＭＳ ゴシック" panose="020B0609070205080204" pitchFamily="49" charset="-128"/>
-              </a:rPr>
-              <a:t>() </a:t>
-            </a:r>
-            <a:r>
-              <a:rPr lang="en-US" altLang="ja-JP" sz="2400" dirty="0">
-                <a:solidFill>
-                  <a:srgbClr val="008080"/>
-                </a:solidFill>
-                <a:latin typeface="+mj-lt"/>
-                <a:ea typeface="ＭＳ ゴシック" panose="020B0609070205080204" pitchFamily="49" charset="-128"/>
-              </a:rPr>
-              <a:t>&lt;&lt;</a:t>
-            </a:r>
-            <a:r>
-              <a:rPr lang="en-US" altLang="ja-JP" sz="2400" dirty="0">
-                <a:solidFill>
-                  <a:srgbClr val="000000"/>
-                </a:solidFill>
-                <a:latin typeface="+mj-lt"/>
-                <a:ea typeface="ＭＳ ゴシック" panose="020B0609070205080204" pitchFamily="49" charset="-128"/>
-              </a:rPr>
-              <a:t> </a:t>
-            </a:r>
-            <a:r>
-              <a:rPr lang="en-US" altLang="ja-JP" sz="2400" dirty="0" err="1">
-                <a:solidFill>
-                  <a:srgbClr val="000000"/>
-                </a:solidFill>
-                <a:latin typeface="+mj-lt"/>
-                <a:ea typeface="ＭＳ ゴシック" panose="020B0609070205080204" pitchFamily="49" charset="-128"/>
-              </a:rPr>
-              <a:t>endl</a:t>
-            </a:r>
-            <a:endParaRPr lang="en-US" altLang="ja-JP" sz="2400" dirty="0">
-              <a:solidFill>
-                <a:srgbClr val="000000"/>
-              </a:solidFill>
-              <a:latin typeface="+mj-lt"/>
-              <a:ea typeface="ＭＳ ゴシック" panose="020B0609070205080204" pitchFamily="49" charset="-128"/>
-            </a:endParaRPr>
-          </a:p>
-          <a:p>
-            <a:r>
-              <a:rPr lang="en-US" altLang="ja-JP" sz="2400" dirty="0">
-                <a:solidFill>
-                  <a:srgbClr val="008080"/>
-                </a:solidFill>
-                <a:latin typeface="+mj-lt"/>
-                <a:ea typeface="ＭＳ ゴシック" panose="020B0609070205080204" pitchFamily="49" charset="-128"/>
-              </a:rPr>
-              <a:t>			&lt;&lt;</a:t>
-            </a:r>
-            <a:r>
-              <a:rPr lang="en-US" altLang="ja-JP" sz="2400" dirty="0">
-                <a:solidFill>
-                  <a:srgbClr val="000000"/>
-                </a:solidFill>
-                <a:latin typeface="+mj-lt"/>
-                <a:ea typeface="ＭＳ ゴシック" panose="020B0609070205080204" pitchFamily="49" charset="-128"/>
-              </a:rPr>
-              <a:t> </a:t>
-            </a:r>
-            <a:r>
-              <a:rPr lang="en-US" altLang="ja-JP" sz="2400" dirty="0">
-                <a:solidFill>
-                  <a:srgbClr val="A31515"/>
-                </a:solidFill>
-                <a:latin typeface="+mj-lt"/>
-                <a:ea typeface="ＭＳ ゴシック" panose="020B0609070205080204" pitchFamily="49" charset="-128"/>
-              </a:rPr>
-              <a:t>" </a:t>
-            </a:r>
-            <a:r>
-              <a:rPr lang="en-US" altLang="ja-JP" sz="2400" dirty="0" err="1">
-                <a:solidFill>
-                  <a:srgbClr val="A31515"/>
-                </a:solidFill>
-                <a:latin typeface="+mj-lt"/>
-                <a:ea typeface="ＭＳ ゴシック" panose="020B0609070205080204" pitchFamily="49" charset="-128"/>
-              </a:rPr>
-              <a:t>Atk</a:t>
-            </a:r>
-            <a:r>
-              <a:rPr lang="en-US" altLang="ja-JP" sz="2400" dirty="0">
-                <a:solidFill>
-                  <a:srgbClr val="A31515"/>
-                </a:solidFill>
-                <a:latin typeface="+mj-lt"/>
-                <a:ea typeface="ＭＳ ゴシック" panose="020B0609070205080204" pitchFamily="49" charset="-128"/>
-              </a:rPr>
-              <a:t>:"</a:t>
-            </a:r>
-            <a:r>
-              <a:rPr lang="en-US" altLang="ja-JP" sz="2400" dirty="0">
-                <a:solidFill>
-                  <a:srgbClr val="000000"/>
-                </a:solidFill>
-                <a:latin typeface="+mj-lt"/>
-                <a:ea typeface="ＭＳ ゴシック" panose="020B0609070205080204" pitchFamily="49" charset="-128"/>
-              </a:rPr>
-              <a:t> </a:t>
-            </a:r>
-            <a:r>
-              <a:rPr lang="en-US" altLang="ja-JP" sz="2400" dirty="0">
-                <a:solidFill>
-                  <a:srgbClr val="008080"/>
-                </a:solidFill>
-                <a:latin typeface="+mj-lt"/>
-                <a:ea typeface="ＭＳ ゴシック" panose="020B0609070205080204" pitchFamily="49" charset="-128"/>
-              </a:rPr>
-              <a:t>&lt;&lt;</a:t>
-            </a:r>
-            <a:r>
-              <a:rPr lang="en-US" altLang="ja-JP" sz="2400" dirty="0">
-                <a:solidFill>
-                  <a:srgbClr val="000000"/>
-                </a:solidFill>
-                <a:latin typeface="+mj-lt"/>
-                <a:ea typeface="ＭＳ ゴシック" panose="020B0609070205080204" pitchFamily="49" charset="-128"/>
-              </a:rPr>
-              <a:t> </a:t>
-            </a:r>
-            <a:r>
-              <a:rPr lang="en-US" altLang="ja-JP" sz="2400" dirty="0" err="1">
-                <a:solidFill>
-                  <a:srgbClr val="000000"/>
-                </a:solidFill>
-                <a:latin typeface="+mj-lt"/>
-                <a:ea typeface="ＭＳ ゴシック" panose="020B0609070205080204" pitchFamily="49" charset="-128"/>
-              </a:rPr>
-              <a:t>pPlayer</a:t>
-            </a:r>
-            <a:r>
-              <a:rPr lang="en-US" altLang="ja-JP" sz="2400" dirty="0">
-                <a:solidFill>
-                  <a:srgbClr val="000000"/>
-                </a:solidFill>
-                <a:latin typeface="+mj-lt"/>
-                <a:ea typeface="ＭＳ ゴシック" panose="020B0609070205080204" pitchFamily="49" charset="-128"/>
-              </a:rPr>
-              <a:t>-&gt;</a:t>
-            </a:r>
-            <a:r>
-              <a:rPr lang="en-US" altLang="ja-JP" sz="2400" dirty="0" err="1">
-                <a:solidFill>
-                  <a:srgbClr val="000000"/>
-                </a:solidFill>
-                <a:latin typeface="+mj-lt"/>
-                <a:ea typeface="ＭＳ ゴシック" panose="020B0609070205080204" pitchFamily="49" charset="-128"/>
-              </a:rPr>
-              <a:t>getAtk</a:t>
-            </a:r>
-            <a:r>
-              <a:rPr lang="en-US" altLang="ja-JP" sz="2400" dirty="0">
-                <a:solidFill>
-                  <a:srgbClr val="000000"/>
-                </a:solidFill>
-                <a:latin typeface="+mj-lt"/>
-                <a:ea typeface="ＭＳ ゴシック" panose="020B0609070205080204" pitchFamily="49" charset="-128"/>
-              </a:rPr>
-              <a:t>() </a:t>
-            </a:r>
-            <a:r>
-              <a:rPr lang="en-US" altLang="ja-JP" sz="2400" dirty="0">
-                <a:solidFill>
-                  <a:srgbClr val="008080"/>
-                </a:solidFill>
-                <a:latin typeface="+mj-lt"/>
-                <a:ea typeface="ＭＳ ゴシック" panose="020B0609070205080204" pitchFamily="49" charset="-128"/>
-              </a:rPr>
-              <a:t>&lt;&lt;</a:t>
-            </a:r>
-            <a:r>
-              <a:rPr lang="en-US" altLang="ja-JP" sz="2400" dirty="0">
-                <a:solidFill>
-                  <a:srgbClr val="000000"/>
-                </a:solidFill>
-                <a:latin typeface="+mj-lt"/>
-                <a:ea typeface="ＭＳ ゴシック" panose="020B0609070205080204" pitchFamily="49" charset="-128"/>
-              </a:rPr>
-              <a:t> </a:t>
-            </a:r>
-            <a:r>
-              <a:rPr lang="en-US" altLang="ja-JP" sz="2400" dirty="0" err="1">
-                <a:solidFill>
-                  <a:srgbClr val="000000"/>
-                </a:solidFill>
-                <a:latin typeface="+mj-lt"/>
-                <a:ea typeface="ＭＳ ゴシック" panose="020B0609070205080204" pitchFamily="49" charset="-128"/>
-              </a:rPr>
-              <a:t>endl</a:t>
-            </a:r>
-            <a:endParaRPr lang="en-US" altLang="ja-JP" sz="2400" dirty="0">
-              <a:solidFill>
-                <a:srgbClr val="000000"/>
-              </a:solidFill>
-              <a:latin typeface="+mj-lt"/>
-              <a:ea typeface="ＭＳ ゴシック" panose="020B0609070205080204" pitchFamily="49" charset="-128"/>
-            </a:endParaRPr>
-          </a:p>
-          <a:p>
-            <a:r>
-              <a:rPr lang="en-US" altLang="ja-JP" sz="2400" dirty="0">
-                <a:solidFill>
-                  <a:srgbClr val="008080"/>
-                </a:solidFill>
-                <a:latin typeface="+mj-lt"/>
-                <a:ea typeface="ＭＳ ゴシック" panose="020B0609070205080204" pitchFamily="49" charset="-128"/>
-              </a:rPr>
-              <a:t>			&lt;&lt;</a:t>
-            </a:r>
-            <a:r>
-              <a:rPr lang="en-US" altLang="ja-JP" sz="2400" dirty="0">
-                <a:solidFill>
-                  <a:srgbClr val="000000"/>
-                </a:solidFill>
-                <a:latin typeface="+mj-lt"/>
-                <a:ea typeface="ＭＳ ゴシック" panose="020B0609070205080204" pitchFamily="49" charset="-128"/>
-              </a:rPr>
-              <a:t> </a:t>
-            </a:r>
-            <a:r>
-              <a:rPr lang="en-US" altLang="ja-JP" sz="2400" dirty="0">
-                <a:solidFill>
-                  <a:srgbClr val="A31515"/>
-                </a:solidFill>
-                <a:latin typeface="+mj-lt"/>
-                <a:ea typeface="ＭＳ ゴシック" panose="020B0609070205080204" pitchFamily="49" charset="-128"/>
-              </a:rPr>
-              <a:t>" Def:"</a:t>
-            </a:r>
-            <a:r>
-              <a:rPr lang="en-US" altLang="ja-JP" sz="2400" dirty="0">
-                <a:solidFill>
-                  <a:srgbClr val="000000"/>
-                </a:solidFill>
-                <a:latin typeface="+mj-lt"/>
-                <a:ea typeface="ＭＳ ゴシック" panose="020B0609070205080204" pitchFamily="49" charset="-128"/>
-              </a:rPr>
-              <a:t> </a:t>
-            </a:r>
-            <a:r>
-              <a:rPr lang="en-US" altLang="ja-JP" sz="2400" dirty="0">
-                <a:solidFill>
-                  <a:srgbClr val="008080"/>
-                </a:solidFill>
-                <a:latin typeface="+mj-lt"/>
-                <a:ea typeface="ＭＳ ゴシック" panose="020B0609070205080204" pitchFamily="49" charset="-128"/>
-              </a:rPr>
-              <a:t>&lt;&lt;</a:t>
-            </a:r>
-            <a:r>
-              <a:rPr lang="en-US" altLang="ja-JP" sz="2400" dirty="0">
-                <a:solidFill>
-                  <a:srgbClr val="000000"/>
-                </a:solidFill>
-                <a:latin typeface="+mj-lt"/>
-                <a:ea typeface="ＭＳ ゴシック" panose="020B0609070205080204" pitchFamily="49" charset="-128"/>
-              </a:rPr>
-              <a:t> </a:t>
-            </a:r>
-            <a:r>
-              <a:rPr lang="en-US" altLang="ja-JP" sz="2400" dirty="0" err="1">
-                <a:solidFill>
-                  <a:srgbClr val="000000"/>
-                </a:solidFill>
-                <a:latin typeface="+mj-lt"/>
-                <a:ea typeface="ＭＳ ゴシック" panose="020B0609070205080204" pitchFamily="49" charset="-128"/>
-              </a:rPr>
-              <a:t>pPlayer</a:t>
-            </a:r>
-            <a:r>
-              <a:rPr lang="en-US" altLang="ja-JP" sz="2400" dirty="0">
-                <a:solidFill>
-                  <a:srgbClr val="000000"/>
-                </a:solidFill>
-                <a:latin typeface="+mj-lt"/>
-                <a:ea typeface="ＭＳ ゴシック" panose="020B0609070205080204" pitchFamily="49" charset="-128"/>
-              </a:rPr>
-              <a:t>-&gt;</a:t>
-            </a:r>
-            <a:r>
-              <a:rPr lang="en-US" altLang="ja-JP" sz="2400" dirty="0" err="1">
-                <a:solidFill>
-                  <a:srgbClr val="000000"/>
-                </a:solidFill>
-                <a:latin typeface="+mj-lt"/>
-                <a:ea typeface="ＭＳ ゴシック" panose="020B0609070205080204" pitchFamily="49" charset="-128"/>
-              </a:rPr>
-              <a:t>getDef</a:t>
-            </a:r>
-            <a:r>
-              <a:rPr lang="en-US" altLang="ja-JP" sz="2400" dirty="0">
-                <a:solidFill>
-                  <a:srgbClr val="000000"/>
-                </a:solidFill>
-                <a:latin typeface="+mj-lt"/>
-                <a:ea typeface="ＭＳ ゴシック" panose="020B0609070205080204" pitchFamily="49" charset="-128"/>
-              </a:rPr>
-              <a:t>() </a:t>
-            </a:r>
-            <a:r>
-              <a:rPr lang="en-US" altLang="ja-JP" sz="2400" dirty="0">
-                <a:solidFill>
-                  <a:srgbClr val="008080"/>
-                </a:solidFill>
-                <a:latin typeface="+mj-lt"/>
-                <a:ea typeface="ＭＳ ゴシック" panose="020B0609070205080204" pitchFamily="49" charset="-128"/>
-              </a:rPr>
-              <a:t>&lt;&lt;</a:t>
-            </a:r>
-            <a:r>
-              <a:rPr lang="en-US" altLang="ja-JP" sz="2400" dirty="0">
-                <a:solidFill>
-                  <a:srgbClr val="000000"/>
-                </a:solidFill>
-                <a:latin typeface="+mj-lt"/>
-                <a:ea typeface="ＭＳ ゴシック" panose="020B0609070205080204" pitchFamily="49" charset="-128"/>
-              </a:rPr>
-              <a:t> </a:t>
-            </a:r>
-            <a:r>
-              <a:rPr lang="en-US" altLang="ja-JP" sz="2400" dirty="0" err="1">
-                <a:solidFill>
-                  <a:srgbClr val="000000"/>
-                </a:solidFill>
-                <a:latin typeface="+mj-lt"/>
-                <a:ea typeface="ＭＳ ゴシック" panose="020B0609070205080204" pitchFamily="49" charset="-128"/>
-              </a:rPr>
-              <a:t>endl</a:t>
-            </a:r>
-            <a:r>
-              <a:rPr lang="en-US" altLang="ja-JP" sz="2400" dirty="0">
-                <a:solidFill>
-                  <a:srgbClr val="000000"/>
-                </a:solidFill>
-                <a:latin typeface="+mj-lt"/>
-                <a:ea typeface="ＭＳ ゴシック" panose="020B0609070205080204" pitchFamily="49" charset="-128"/>
-              </a:rPr>
-              <a:t>;</a:t>
-            </a:r>
-            <a:br>
-              <a:rPr lang="en-US" altLang="ja-JP" sz="2400" dirty="0">
-                <a:solidFill>
-                  <a:srgbClr val="000000"/>
-                </a:solidFill>
-                <a:latin typeface="+mj-lt"/>
-                <a:ea typeface="ＭＳ ゴシック" panose="020B0609070205080204" pitchFamily="49" charset="-128"/>
-              </a:rPr>
-            </a:br>
-            <a:r>
-              <a:rPr lang="en-US" altLang="ja-JP" sz="2400" dirty="0">
-                <a:solidFill>
-                  <a:srgbClr val="000000"/>
-                </a:solidFill>
-                <a:latin typeface="+mj-lt"/>
-                <a:ea typeface="ＭＳ ゴシック" panose="020B0609070205080204" pitchFamily="49" charset="-128"/>
-              </a:rPr>
-              <a:t>	delete </a:t>
-            </a:r>
-            <a:r>
-              <a:rPr lang="en-US" altLang="ja-JP" sz="2400" dirty="0" err="1">
-                <a:solidFill>
-                  <a:srgbClr val="000000"/>
-                </a:solidFill>
-                <a:latin typeface="+mj-lt"/>
-                <a:ea typeface="ＭＳ ゴシック" panose="020B0609070205080204" pitchFamily="49" charset="-128"/>
-              </a:rPr>
-              <a:t>pPlayer</a:t>
-            </a:r>
-            <a:r>
-              <a:rPr lang="en-US" altLang="ja-JP" sz="2400" dirty="0">
-                <a:solidFill>
-                  <a:srgbClr val="000000"/>
-                </a:solidFill>
-                <a:latin typeface="+mj-lt"/>
-                <a:ea typeface="ＭＳ ゴシック" panose="020B0609070205080204" pitchFamily="49" charset="-128"/>
-              </a:rPr>
-              <a:t>;</a:t>
-            </a:r>
-          </a:p>
-          <a:p>
-            <a:r>
-              <a:rPr lang="en-US" altLang="ja-JP" sz="2400" dirty="0">
-                <a:solidFill>
-                  <a:srgbClr val="0000FF"/>
-                </a:solidFill>
-                <a:latin typeface="+mj-lt"/>
-                <a:ea typeface="ＭＳ ゴシック" panose="020B0609070205080204" pitchFamily="49" charset="-128"/>
-              </a:rPr>
-              <a:t>	return</a:t>
-            </a:r>
-            <a:r>
-              <a:rPr lang="en-US" altLang="ja-JP" sz="2400" dirty="0">
-                <a:solidFill>
-                  <a:srgbClr val="000000"/>
-                </a:solidFill>
-                <a:latin typeface="+mj-lt"/>
-                <a:ea typeface="ＭＳ ゴシック" panose="020B0609070205080204" pitchFamily="49" charset="-128"/>
-              </a:rPr>
-              <a:t> 0;</a:t>
-            </a:r>
-          </a:p>
-          <a:p>
-            <a:r>
-              <a:rPr lang="en-US" altLang="ja-JP" sz="2400" dirty="0">
-                <a:solidFill>
-                  <a:srgbClr val="000000"/>
-                </a:solidFill>
-                <a:latin typeface="+mj-lt"/>
-                <a:ea typeface="ＭＳ ゴシック" panose="020B0609070205080204" pitchFamily="49" charset="-128"/>
-              </a:rPr>
-              <a:t>}</a:t>
-            </a:r>
-          </a:p>
-        </p:txBody>
-      </p:sp>
-    </p:spTree>
-    <p:extLst>
-      <p:ext uri="{BB962C8B-B14F-4D97-AF65-F5344CB8AC3E}">
-        <p14:creationId xmlns:p14="http://schemas.microsoft.com/office/powerpoint/2010/main" val="3505689088"/>
       </p:ext>
     </p:extLst>
   </p:cSld>

--- a/授業資料/講義資料：継承とポリモーフィズム.pptx
+++ b/授業資料/講義資料：継承とポリモーフィズム.pptx
@@ -39,13 +39,14 @@
     <p:sldId id="349" r:id="rId33"/>
     <p:sldId id="350" r:id="rId34"/>
     <p:sldId id="351" r:id="rId35"/>
-    <p:sldId id="352" r:id="rId36"/>
-    <p:sldId id="353" r:id="rId37"/>
-    <p:sldId id="354" r:id="rId38"/>
-    <p:sldId id="355" r:id="rId39"/>
-    <p:sldId id="356" r:id="rId40"/>
-    <p:sldId id="357" r:id="rId41"/>
-    <p:sldId id="358" r:id="rId42"/>
+    <p:sldId id="359" r:id="rId36"/>
+    <p:sldId id="352" r:id="rId37"/>
+    <p:sldId id="353" r:id="rId38"/>
+    <p:sldId id="354" r:id="rId39"/>
+    <p:sldId id="355" r:id="rId40"/>
+    <p:sldId id="356" r:id="rId41"/>
+    <p:sldId id="357" r:id="rId42"/>
+    <p:sldId id="358" r:id="rId43"/>
   </p:sldIdLst>
   <p:sldSz cx="12192000" cy="6858000"/>
   <p:notesSz cx="6858000" cy="9144000"/>
@@ -283,7 +284,7 @@
           <a:p>
             <a:fld id="{5B96D3F8-CD2E-4A0D-AC38-517181EABB18}" type="datetimeFigureOut">
               <a:rPr kumimoji="1" lang="ja-JP" altLang="en-US" smtClean="0"/>
-              <a:t>2024/9/24</a:t>
+              <a:t>2024/9/25</a:t>
             </a:fld>
             <a:endParaRPr kumimoji="1" lang="ja-JP" altLang="en-US"/>
           </a:p>
@@ -485,7 +486,7 @@
           <a:p>
             <a:fld id="{5B96D3F8-CD2E-4A0D-AC38-517181EABB18}" type="datetimeFigureOut">
               <a:rPr kumimoji="1" lang="ja-JP" altLang="en-US" smtClean="0"/>
-              <a:t>2024/9/24</a:t>
+              <a:t>2024/9/25</a:t>
             </a:fld>
             <a:endParaRPr kumimoji="1" lang="ja-JP" altLang="en-US"/>
           </a:p>
@@ -697,7 +698,7 @@
           <a:p>
             <a:fld id="{5B96D3F8-CD2E-4A0D-AC38-517181EABB18}" type="datetimeFigureOut">
               <a:rPr kumimoji="1" lang="ja-JP" altLang="en-US" smtClean="0"/>
-              <a:t>2024/9/24</a:t>
+              <a:t>2024/9/25</a:t>
             </a:fld>
             <a:endParaRPr kumimoji="1" lang="ja-JP" altLang="en-US"/>
           </a:p>
@@ -899,7 +900,7 @@
           <a:p>
             <a:fld id="{5B96D3F8-CD2E-4A0D-AC38-517181EABB18}" type="datetimeFigureOut">
               <a:rPr kumimoji="1" lang="ja-JP" altLang="en-US" smtClean="0"/>
-              <a:t>2024/9/24</a:t>
+              <a:t>2024/9/25</a:t>
             </a:fld>
             <a:endParaRPr kumimoji="1" lang="ja-JP" altLang="en-US"/>
           </a:p>
@@ -1145,7 +1146,7 @@
           <a:p>
             <a:fld id="{5B96D3F8-CD2E-4A0D-AC38-517181EABB18}" type="datetimeFigureOut">
               <a:rPr kumimoji="1" lang="ja-JP" altLang="en-US" smtClean="0"/>
-              <a:t>2024/9/24</a:t>
+              <a:t>2024/9/25</a:t>
             </a:fld>
             <a:endParaRPr kumimoji="1" lang="ja-JP" altLang="en-US"/>
           </a:p>
@@ -1441,7 +1442,7 @@
           <a:p>
             <a:fld id="{5B96D3F8-CD2E-4A0D-AC38-517181EABB18}" type="datetimeFigureOut">
               <a:rPr kumimoji="1" lang="ja-JP" altLang="en-US" smtClean="0"/>
-              <a:t>2024/9/24</a:t>
+              <a:t>2024/9/25</a:t>
             </a:fld>
             <a:endParaRPr kumimoji="1" lang="ja-JP" altLang="en-US"/>
           </a:p>
@@ -1872,7 +1873,7 @@
           <a:p>
             <a:fld id="{5B96D3F8-CD2E-4A0D-AC38-517181EABB18}" type="datetimeFigureOut">
               <a:rPr kumimoji="1" lang="ja-JP" altLang="en-US" smtClean="0"/>
-              <a:t>2024/9/24</a:t>
+              <a:t>2024/9/25</a:t>
             </a:fld>
             <a:endParaRPr kumimoji="1" lang="ja-JP" altLang="en-US"/>
           </a:p>
@@ -1990,7 +1991,7 @@
           <a:p>
             <a:fld id="{5B96D3F8-CD2E-4A0D-AC38-517181EABB18}" type="datetimeFigureOut">
               <a:rPr kumimoji="1" lang="ja-JP" altLang="en-US" smtClean="0"/>
-              <a:t>2024/9/24</a:t>
+              <a:t>2024/9/25</a:t>
             </a:fld>
             <a:endParaRPr kumimoji="1" lang="ja-JP" altLang="en-US"/>
           </a:p>
@@ -2085,7 +2086,7 @@
           <a:p>
             <a:fld id="{5B96D3F8-CD2E-4A0D-AC38-517181EABB18}" type="datetimeFigureOut">
               <a:rPr kumimoji="1" lang="ja-JP" altLang="en-US" smtClean="0"/>
-              <a:t>2024/9/24</a:t>
+              <a:t>2024/9/25</a:t>
             </a:fld>
             <a:endParaRPr kumimoji="1" lang="ja-JP" altLang="en-US"/>
           </a:p>
@@ -2394,7 +2395,7 @@
           <a:p>
             <a:fld id="{5B96D3F8-CD2E-4A0D-AC38-517181EABB18}" type="datetimeFigureOut">
               <a:rPr kumimoji="1" lang="ja-JP" altLang="en-US" smtClean="0"/>
-              <a:t>2024/9/24</a:t>
+              <a:t>2024/9/25</a:t>
             </a:fld>
             <a:endParaRPr kumimoji="1" lang="ja-JP" altLang="en-US"/>
           </a:p>
@@ -2651,7 +2652,7 @@
           <a:p>
             <a:fld id="{5B96D3F8-CD2E-4A0D-AC38-517181EABB18}" type="datetimeFigureOut">
               <a:rPr kumimoji="1" lang="ja-JP" altLang="en-US" smtClean="0"/>
-              <a:t>2024/9/24</a:t>
+              <a:t>2024/9/25</a:t>
             </a:fld>
             <a:endParaRPr kumimoji="1" lang="ja-JP" altLang="en-US"/>
           </a:p>
@@ -2896,7 +2897,7 @@
           <a:p>
             <a:fld id="{5B96D3F8-CD2E-4A0D-AC38-517181EABB18}" type="datetimeFigureOut">
               <a:rPr kumimoji="1" lang="ja-JP" altLang="en-US" smtClean="0"/>
-              <a:t>2024/9/24</a:t>
+              <a:t>2024/9/25</a:t>
             </a:fld>
             <a:endParaRPr kumimoji="1" lang="ja-JP" altLang="en-US"/>
           </a:p>
@@ -14974,120 +14975,441 @@
           <a:lstStyle/>
           <a:p>
             <a:r>
-              <a:rPr kumimoji="1" lang="en-US" altLang="ja-JP" b="1" dirty="0">
+              <a:rPr lang="ja-JP" altLang="en-US" dirty="0"/>
+              <a:t>実行結果</a:t>
+            </a:r>
+            <a:endParaRPr kumimoji="1" lang="ja-JP" altLang="en-US" dirty="0"/>
+          </a:p>
+        </p:txBody>
+      </p:sp>
+      <p:sp>
+        <p:nvSpPr>
+          <p:cNvPr id="4" name="テキスト ボックス 3">
+            <a:extLst>
+              <a:ext uri="{FF2B5EF4-FFF2-40B4-BE49-F238E27FC236}">
+                <a16:creationId xmlns:a16="http://schemas.microsoft.com/office/drawing/2014/main" id="{5A4E4659-8DC1-4A6C-BB5E-5F24B8BB2784}"/>
+              </a:ext>
+            </a:extLst>
+          </p:cNvPr>
+          <p:cNvSpPr txBox="1"/>
+          <p:nvPr/>
+        </p:nvSpPr>
+        <p:spPr>
+          <a:xfrm>
+            <a:off x="1272988" y="2244087"/>
+            <a:ext cx="4240306" cy="3046988"/>
+          </a:xfrm>
+          <a:prstGeom prst="rect">
+            <a:avLst/>
+          </a:prstGeom>
+          <a:solidFill>
+            <a:schemeClr val="tx1"/>
+          </a:solidFill>
+        </p:spPr>
+        <p:txBody>
+          <a:bodyPr wrap="square" rtlCol="0">
+            <a:spAutoFit/>
+          </a:bodyPr>
+          <a:lstStyle/>
+          <a:p>
+            <a:r>
+              <a:rPr kumimoji="1" lang="ja-JP" altLang="en-US" sz="4800" dirty="0">
+                <a:solidFill>
+                  <a:schemeClr val="bg1"/>
+                </a:solidFill>
+              </a:rPr>
+              <a:t>鳥が飛ぶ</a:t>
+            </a:r>
+            <a:endParaRPr kumimoji="1" lang="en-US" altLang="ja-JP" sz="4800" dirty="0">
+              <a:solidFill>
+                <a:schemeClr val="bg1"/>
+              </a:solidFill>
+            </a:endParaRPr>
+          </a:p>
+          <a:p>
+            <a:r>
+              <a:rPr kumimoji="1" lang="ja-JP" altLang="en-US" sz="4800" dirty="0">
+                <a:solidFill>
+                  <a:schemeClr val="bg1"/>
+                </a:solidFill>
+              </a:rPr>
+              <a:t>鳥が飛ぶ</a:t>
+            </a:r>
+            <a:endParaRPr kumimoji="1" lang="en-US" altLang="ja-JP" sz="4800" dirty="0">
+              <a:solidFill>
+                <a:schemeClr val="bg1"/>
+              </a:solidFill>
+            </a:endParaRPr>
+          </a:p>
+          <a:p>
+            <a:r>
+              <a:rPr kumimoji="1" lang="ja-JP" altLang="en-US" sz="4800" dirty="0">
+                <a:solidFill>
+                  <a:schemeClr val="bg1"/>
+                </a:solidFill>
+              </a:rPr>
+              <a:t>カーカー</a:t>
+            </a:r>
+            <a:endParaRPr kumimoji="1" lang="en-US" altLang="ja-JP" sz="4800" dirty="0">
+              <a:solidFill>
+                <a:schemeClr val="bg1"/>
+              </a:solidFill>
+            </a:endParaRPr>
+          </a:p>
+          <a:p>
+            <a:r>
+              <a:rPr kumimoji="1" lang="ja-JP" altLang="en-US" sz="4800" dirty="0">
+                <a:solidFill>
+                  <a:schemeClr val="bg1"/>
+                </a:solidFill>
+              </a:rPr>
+              <a:t>コケコッコー</a:t>
+            </a:r>
+          </a:p>
+        </p:txBody>
+      </p:sp>
+      <p:sp>
+        <p:nvSpPr>
+          <p:cNvPr id="5" name="テキスト ボックス 4">
+            <a:extLst>
+              <a:ext uri="{FF2B5EF4-FFF2-40B4-BE49-F238E27FC236}">
+                <a16:creationId xmlns:a16="http://schemas.microsoft.com/office/drawing/2014/main" id="{2632E8B8-5085-4F6D-9550-3C38240641C1}"/>
+              </a:ext>
+            </a:extLst>
+          </p:cNvPr>
+          <p:cNvSpPr txBox="1"/>
+          <p:nvPr/>
+        </p:nvSpPr>
+        <p:spPr>
+          <a:xfrm>
+            <a:off x="5755342" y="2163405"/>
+            <a:ext cx="6329082" cy="3046988"/>
+          </a:xfrm>
+          <a:prstGeom prst="rect">
+            <a:avLst/>
+          </a:prstGeom>
+          <a:solidFill>
+            <a:schemeClr val="bg1"/>
+          </a:solidFill>
+        </p:spPr>
+        <p:txBody>
+          <a:bodyPr wrap="square" rtlCol="0">
+            <a:spAutoFit/>
+          </a:bodyPr>
+          <a:lstStyle/>
+          <a:p>
+            <a:r>
+              <a:rPr kumimoji="1" lang="en-US" altLang="ja-JP" sz="4800" dirty="0"/>
+              <a:t>pBird1-&gt;</a:t>
+            </a:r>
+            <a:r>
+              <a:rPr kumimoji="1" lang="en-US" altLang="ja-JP" sz="4800" dirty="0">
                 <a:solidFill>
                   <a:srgbClr val="FF0000"/>
                 </a:solidFill>
               </a:rPr>
-              <a:t>virtual</a:t>
-            </a:r>
-            <a:r>
-              <a:rPr kumimoji="1" lang="ja-JP" altLang="en-US" dirty="0"/>
-              <a:t>修飾子</a:t>
-            </a:r>
-            <a:br>
-              <a:rPr kumimoji="1" lang="en-US" altLang="ja-JP" dirty="0"/>
-            </a:br>
-            <a:endParaRPr lang="en-US" altLang="ja-JP" dirty="0"/>
-          </a:p>
-          <a:p>
-            <a:pPr lvl="1"/>
-            <a:r>
-              <a:rPr kumimoji="1" lang="en-US" altLang="ja-JP" sz="3600" dirty="0"/>
+              <a:t>fly()</a:t>
+            </a:r>
+          </a:p>
+          <a:p>
+            <a:r>
+              <a:rPr kumimoji="1" lang="en-US" altLang="ja-JP" sz="4800" dirty="0"/>
+              <a:t>pBird2-&gt;</a:t>
+            </a:r>
+            <a:r>
+              <a:rPr kumimoji="1" lang="en-US" altLang="ja-JP" sz="4800" dirty="0">
+                <a:solidFill>
+                  <a:srgbClr val="FF0000"/>
+                </a:solidFill>
+              </a:rPr>
+              <a:t>fly()</a:t>
+            </a:r>
+          </a:p>
+          <a:p>
+            <a:r>
+              <a:rPr kumimoji="1" lang="en-US" altLang="ja-JP" sz="4800" dirty="0"/>
+              <a:t>pBird1-&gt;</a:t>
+            </a:r>
+            <a:r>
+              <a:rPr kumimoji="1" lang="en-US" altLang="ja-JP" sz="4800" dirty="0">
+                <a:solidFill>
+                  <a:srgbClr val="00B0F0"/>
+                </a:solidFill>
+              </a:rPr>
               <a:t>sing()</a:t>
             </a:r>
-            <a:r>
-              <a:rPr kumimoji="1" lang="ja-JP" altLang="en-US" sz="3600" dirty="0"/>
-              <a:t>がオーバーライドできたのは</a:t>
-            </a:r>
-            <a:br>
-              <a:rPr kumimoji="1" lang="en-US" altLang="ja-JP" sz="3600" dirty="0"/>
-            </a:br>
-            <a:r>
-              <a:rPr kumimoji="1" lang="ja-JP" altLang="en-US" sz="3600" dirty="0"/>
-              <a:t>親クラスの</a:t>
-            </a:r>
-            <a:r>
-              <a:rPr kumimoji="1" lang="en-US" altLang="ja-JP" sz="3600" dirty="0"/>
-              <a:t>Bird</a:t>
-            </a:r>
-            <a:r>
-              <a:rPr kumimoji="1" lang="ja-JP" altLang="en-US" sz="3600" dirty="0"/>
-              <a:t>クラスの</a:t>
-            </a:r>
-            <a:r>
-              <a:rPr kumimoji="1" lang="en-US" altLang="ja-JP" sz="3600" dirty="0"/>
+          </a:p>
+          <a:p>
+            <a:r>
+              <a:rPr kumimoji="1" lang="en-US" altLang="ja-JP" sz="4800"/>
+              <a:t>pBird2-</a:t>
+            </a:r>
+            <a:r>
+              <a:rPr kumimoji="1" lang="en-US" altLang="ja-JP" sz="4800" dirty="0"/>
+              <a:t>&gt;</a:t>
+            </a:r>
+            <a:r>
+              <a:rPr kumimoji="1" lang="en-US" altLang="ja-JP" sz="4800" dirty="0">
+                <a:solidFill>
+                  <a:srgbClr val="00B0F0"/>
+                </a:solidFill>
+              </a:rPr>
               <a:t>sing()</a:t>
             </a:r>
-            <a:r>
-              <a:rPr kumimoji="1" lang="ja-JP" altLang="en-US" sz="3600" dirty="0"/>
-              <a:t>に</a:t>
-            </a:r>
-            <a:r>
-              <a:rPr lang="en-US" altLang="ja-JP" sz="3600" b="1" dirty="0">
+            <a:endParaRPr kumimoji="1" lang="ja-JP" altLang="en-US" sz="4800" dirty="0">
+              <a:solidFill>
+                <a:srgbClr val="00B0F0"/>
+              </a:solidFill>
+            </a:endParaRPr>
+          </a:p>
+        </p:txBody>
+      </p:sp>
+      <p:sp>
+        <p:nvSpPr>
+          <p:cNvPr id="6" name="矢印: 右 5">
+            <a:extLst>
+              <a:ext uri="{FF2B5EF4-FFF2-40B4-BE49-F238E27FC236}">
+                <a16:creationId xmlns:a16="http://schemas.microsoft.com/office/drawing/2014/main" id="{8CF1257B-AD93-4643-B2D5-6A95AADF7A3F}"/>
+              </a:ext>
+            </a:extLst>
+          </p:cNvPr>
+          <p:cNvSpPr/>
+          <p:nvPr/>
+        </p:nvSpPr>
+        <p:spPr>
+          <a:xfrm flipH="1">
+            <a:off x="4043082" y="2420471"/>
+            <a:ext cx="1712260" cy="398885"/>
+          </a:xfrm>
+          <a:prstGeom prst="rightArrow">
+            <a:avLst/>
+          </a:prstGeom>
+        </p:spPr>
+        <p:style>
+          <a:lnRef idx="2">
+            <a:schemeClr val="accent4">
+              <a:shade val="50000"/>
+            </a:schemeClr>
+          </a:lnRef>
+          <a:fillRef idx="1">
+            <a:schemeClr val="accent4"/>
+          </a:fillRef>
+          <a:effectRef idx="0">
+            <a:schemeClr val="accent4"/>
+          </a:effectRef>
+          <a:fontRef idx="minor">
+            <a:schemeClr val="lt1"/>
+          </a:fontRef>
+        </p:style>
+        <p:txBody>
+          <a:bodyPr rtlCol="0" anchor="ctr"/>
+          <a:lstStyle/>
+          <a:p>
+            <a:pPr algn="ctr"/>
+            <a:endParaRPr kumimoji="1" lang="ja-JP" altLang="en-US"/>
+          </a:p>
+        </p:txBody>
+      </p:sp>
+      <p:sp>
+        <p:nvSpPr>
+          <p:cNvPr id="7" name="矢印: 右 6">
+            <a:extLst>
+              <a:ext uri="{FF2B5EF4-FFF2-40B4-BE49-F238E27FC236}">
+                <a16:creationId xmlns:a16="http://schemas.microsoft.com/office/drawing/2014/main" id="{7501D165-97D6-4C1F-9540-DF97F360E3AE}"/>
+              </a:ext>
+            </a:extLst>
+          </p:cNvPr>
+          <p:cNvSpPr/>
+          <p:nvPr/>
+        </p:nvSpPr>
+        <p:spPr>
+          <a:xfrm flipH="1">
+            <a:off x="4043078" y="3863789"/>
+            <a:ext cx="1712263" cy="398885"/>
+          </a:xfrm>
+          <a:prstGeom prst="rightArrow">
+            <a:avLst/>
+          </a:prstGeom>
+        </p:spPr>
+        <p:style>
+          <a:lnRef idx="2">
+            <a:schemeClr val="accent4">
+              <a:shade val="50000"/>
+            </a:schemeClr>
+          </a:lnRef>
+          <a:fillRef idx="1">
+            <a:schemeClr val="accent4"/>
+          </a:fillRef>
+          <a:effectRef idx="0">
+            <a:schemeClr val="accent4"/>
+          </a:effectRef>
+          <a:fontRef idx="minor">
+            <a:schemeClr val="lt1"/>
+          </a:fontRef>
+        </p:style>
+        <p:txBody>
+          <a:bodyPr rtlCol="0" anchor="ctr"/>
+          <a:lstStyle/>
+          <a:p>
+            <a:pPr algn="ctr"/>
+            <a:endParaRPr kumimoji="1" lang="ja-JP" altLang="en-US"/>
+          </a:p>
+        </p:txBody>
+      </p:sp>
+      <p:sp>
+        <p:nvSpPr>
+          <p:cNvPr id="8" name="矢印: 右 7">
+            <a:extLst>
+              <a:ext uri="{FF2B5EF4-FFF2-40B4-BE49-F238E27FC236}">
+                <a16:creationId xmlns:a16="http://schemas.microsoft.com/office/drawing/2014/main" id="{4C9C5F76-C2D7-4786-A916-158478E4BD5E}"/>
+              </a:ext>
+            </a:extLst>
+          </p:cNvPr>
+          <p:cNvSpPr/>
+          <p:nvPr/>
+        </p:nvSpPr>
+        <p:spPr>
+          <a:xfrm flipH="1">
+            <a:off x="4043079" y="3134114"/>
+            <a:ext cx="1712261" cy="398885"/>
+          </a:xfrm>
+          <a:prstGeom prst="rightArrow">
+            <a:avLst/>
+          </a:prstGeom>
+        </p:spPr>
+        <p:style>
+          <a:lnRef idx="2">
+            <a:schemeClr val="accent6">
+              <a:shade val="50000"/>
+            </a:schemeClr>
+          </a:lnRef>
+          <a:fillRef idx="1">
+            <a:schemeClr val="accent6"/>
+          </a:fillRef>
+          <a:effectRef idx="0">
+            <a:schemeClr val="accent6"/>
+          </a:effectRef>
+          <a:fontRef idx="minor">
+            <a:schemeClr val="lt1"/>
+          </a:fontRef>
+        </p:style>
+        <p:txBody>
+          <a:bodyPr rtlCol="0" anchor="ctr"/>
+          <a:lstStyle/>
+          <a:p>
+            <a:pPr algn="ctr"/>
+            <a:endParaRPr kumimoji="1" lang="ja-JP" altLang="en-US"/>
+          </a:p>
+        </p:txBody>
+      </p:sp>
+      <p:sp>
+        <p:nvSpPr>
+          <p:cNvPr id="9" name="矢印: 右 8">
+            <a:extLst>
+              <a:ext uri="{FF2B5EF4-FFF2-40B4-BE49-F238E27FC236}">
+                <a16:creationId xmlns:a16="http://schemas.microsoft.com/office/drawing/2014/main" id="{D1CB806A-F14D-4F9F-A2AF-8245974F2BDB}"/>
+              </a:ext>
+            </a:extLst>
+          </p:cNvPr>
+          <p:cNvSpPr/>
+          <p:nvPr/>
+        </p:nvSpPr>
+        <p:spPr>
+          <a:xfrm flipH="1">
+            <a:off x="4679577" y="4636209"/>
+            <a:ext cx="1075764" cy="398885"/>
+          </a:xfrm>
+          <a:prstGeom prst="rightArrow">
+            <a:avLst/>
+          </a:prstGeom>
+        </p:spPr>
+        <p:style>
+          <a:lnRef idx="2">
+            <a:schemeClr val="accent6">
+              <a:shade val="50000"/>
+            </a:schemeClr>
+          </a:lnRef>
+          <a:fillRef idx="1">
+            <a:schemeClr val="accent6"/>
+          </a:fillRef>
+          <a:effectRef idx="0">
+            <a:schemeClr val="accent6"/>
+          </a:effectRef>
+          <a:fontRef idx="minor">
+            <a:schemeClr val="lt1"/>
+          </a:fontRef>
+        </p:style>
+        <p:txBody>
+          <a:bodyPr rtlCol="0" anchor="ctr"/>
+          <a:lstStyle/>
+          <a:p>
+            <a:pPr algn="ctr"/>
+            <a:endParaRPr kumimoji="1" lang="ja-JP" altLang="en-US"/>
+          </a:p>
+        </p:txBody>
+      </p:sp>
+      <p:sp>
+        <p:nvSpPr>
+          <p:cNvPr id="10" name="テキスト ボックス 9">
+            <a:extLst>
+              <a:ext uri="{FF2B5EF4-FFF2-40B4-BE49-F238E27FC236}">
+                <a16:creationId xmlns:a16="http://schemas.microsoft.com/office/drawing/2014/main" id="{B0499F67-BA9A-498C-A652-A32F1FEE305D}"/>
+              </a:ext>
+            </a:extLst>
+          </p:cNvPr>
+          <p:cNvSpPr txBox="1"/>
+          <p:nvPr/>
+        </p:nvSpPr>
+        <p:spPr>
+          <a:xfrm>
+            <a:off x="2904564" y="5621865"/>
+            <a:ext cx="7409401" cy="1077218"/>
+          </a:xfrm>
+          <a:prstGeom prst="rect">
+            <a:avLst/>
+          </a:prstGeom>
+          <a:noFill/>
+        </p:spPr>
+        <p:txBody>
+          <a:bodyPr wrap="none" rtlCol="0">
+            <a:spAutoFit/>
+          </a:bodyPr>
+          <a:lstStyle/>
+          <a:p>
+            <a:r>
+              <a:rPr kumimoji="1" lang="en-US" altLang="ja-JP" sz="3200" dirty="0">
+                <a:solidFill>
+                  <a:srgbClr val="00B0F0"/>
+                </a:solidFill>
+              </a:rPr>
+              <a:t>sing()</a:t>
+            </a:r>
+            <a:r>
+              <a:rPr kumimoji="1" lang="ja-JP" altLang="en-US" sz="3200" dirty="0"/>
+              <a:t>はオーバーライドできているが、</a:t>
+            </a:r>
+            <a:endParaRPr kumimoji="1" lang="en-US" altLang="ja-JP" sz="3200" dirty="0"/>
+          </a:p>
+          <a:p>
+            <a:r>
+              <a:rPr kumimoji="1" lang="en-US" altLang="ja-JP" sz="3200" dirty="0">
                 <a:solidFill>
                   <a:srgbClr val="FF0000"/>
                 </a:solidFill>
               </a:rPr>
-              <a:t>virtual</a:t>
-            </a:r>
-            <a:r>
-              <a:rPr lang="ja-JP" altLang="en-US" sz="3600" dirty="0"/>
-              <a:t>が</a:t>
-            </a:r>
-            <a:br>
-              <a:rPr lang="en-US" altLang="ja-JP" sz="3600" dirty="0"/>
-            </a:br>
-            <a:r>
-              <a:rPr lang="ja-JP" altLang="en-US" sz="3600" dirty="0"/>
-              <a:t>ついているから！</a:t>
-            </a:r>
-            <a:br>
-              <a:rPr lang="en-US" altLang="ja-JP" sz="3600" dirty="0"/>
-            </a:br>
-            <a:endParaRPr lang="en-US" altLang="ja-JP" sz="3600" dirty="0"/>
-          </a:p>
-          <a:p>
-            <a:pPr lvl="1"/>
-            <a:r>
-              <a:rPr kumimoji="1" lang="en-US" altLang="ja-JP" sz="3600" dirty="0"/>
-              <a:t>virtual</a:t>
-            </a:r>
-            <a:r>
-              <a:rPr lang="ja-JP" altLang="en-US" sz="3600" dirty="0" err="1"/>
-              <a:t>がつ</a:t>
-            </a:r>
-            <a:r>
-              <a:rPr lang="ja-JP" altLang="en-US" sz="3600" dirty="0"/>
-              <a:t>いた関数は</a:t>
-            </a:r>
-            <a:r>
-              <a:rPr lang="ja-JP" altLang="en-US" sz="3600" b="1" dirty="0">
-                <a:solidFill>
-                  <a:srgbClr val="00B050"/>
-                </a:solidFill>
-              </a:rPr>
-              <a:t>仮想関数</a:t>
-            </a:r>
-            <a:r>
-              <a:rPr lang="ja-JP" altLang="en-US" sz="3600" dirty="0"/>
-              <a:t>となり子クラスの</a:t>
-            </a:r>
-            <a:br>
-              <a:rPr lang="en-US" altLang="ja-JP" sz="3600" dirty="0"/>
-            </a:br>
-            <a:r>
-              <a:rPr lang="ja-JP" altLang="en-US" sz="3600" dirty="0"/>
-              <a:t>同名の関数の方が実行される</a:t>
-            </a:r>
-            <a:endParaRPr kumimoji="1" lang="en-US" altLang="ja-JP" sz="3600" dirty="0"/>
+              <a:t>fly()</a:t>
+            </a:r>
+            <a:r>
+              <a:rPr kumimoji="1" lang="ja-JP" altLang="en-US" sz="3200" dirty="0"/>
+              <a:t>はオーバーライドできていない</a:t>
+            </a:r>
           </a:p>
         </p:txBody>
       </p:sp>
     </p:spTree>
     <p:extLst>
       <p:ext uri="{BB962C8B-B14F-4D97-AF65-F5344CB8AC3E}">
-        <p14:creationId xmlns:p14="http://schemas.microsoft.com/office/powerpoint/2010/main" val="1008095705"/>
+        <p14:creationId xmlns:p14="http://schemas.microsoft.com/office/powerpoint/2010/main" val="2085707045"/>
       </p:ext>
     </p:extLst>
   </p:cSld>
@@ -15119,7 +15441,7 @@
           <p:cNvPr id="2" name="タイトル 1">
             <a:extLst>
               <a:ext uri="{FF2B5EF4-FFF2-40B4-BE49-F238E27FC236}">
-                <a16:creationId xmlns:a16="http://schemas.microsoft.com/office/drawing/2014/main" id="{9F789731-37C4-49DD-AEE8-78E5514E279E}"/>
+                <a16:creationId xmlns:a16="http://schemas.microsoft.com/office/drawing/2014/main" id="{EC1D9B36-FFC2-4D52-A2A6-FEEE7804F5FA}"/>
               </a:ext>
             </a:extLst>
           </p:cNvPr>
@@ -15136,9 +15458,10 @@
           <a:lstStyle/>
           <a:p>
             <a:r>
-              <a:rPr kumimoji="1" lang="ja-JP" altLang="en-US" dirty="0"/>
+              <a:rPr lang="ja-JP" altLang="en-US" dirty="0"/>
               <a:t>ポリモーフィズム</a:t>
             </a:r>
+            <a:endParaRPr kumimoji="1" lang="ja-JP" altLang="en-US" dirty="0"/>
           </a:p>
         </p:txBody>
       </p:sp>
@@ -15147,7 +15470,7 @@
           <p:cNvPr id="3" name="コンテンツ プレースホルダー 2">
             <a:extLst>
               <a:ext uri="{FF2B5EF4-FFF2-40B4-BE49-F238E27FC236}">
-                <a16:creationId xmlns:a16="http://schemas.microsoft.com/office/drawing/2014/main" id="{39562F0E-6033-40BD-BCB8-F015661306FD}"/>
+                <a16:creationId xmlns:a16="http://schemas.microsoft.com/office/drawing/2014/main" id="{534285BC-9209-40FB-8017-B7672579046F}"/>
               </a:ext>
             </a:extLst>
           </p:cNvPr>
@@ -15160,8 +15483,8 @@
         </p:nvSpPr>
         <p:spPr>
           <a:xfrm>
-            <a:off x="838200" y="1376038"/>
-            <a:ext cx="10515600" cy="5374958"/>
+            <a:off x="430306" y="1376038"/>
+            <a:ext cx="11654118" cy="4980311"/>
           </a:xfrm>
         </p:spPr>
         <p:txBody>
@@ -15171,140 +15494,120 @@
           <a:lstStyle/>
           <a:p>
             <a:r>
-              <a:rPr lang="ja-JP" altLang="en-US" b="1" u="sng" dirty="0"/>
-              <a:t>純粋仮想関数と抽象クラス</a:t>
-            </a:r>
-            <a:br>
-              <a:rPr lang="en-US" altLang="ja-JP" sz="1800" b="1" u="sng" dirty="0"/>
-            </a:br>
-            <a:br>
-              <a:rPr lang="en-US" altLang="ja-JP" sz="1800" dirty="0"/>
-            </a:br>
-            <a:r>
-              <a:rPr lang="ja-JP" altLang="en-US" dirty="0"/>
-              <a:t>教科書</a:t>
-            </a:r>
-            <a:r>
-              <a:rPr lang="en-US" altLang="ja-JP" dirty="0"/>
-              <a:t>P208~209 </a:t>
-            </a:r>
-            <a:r>
-              <a:rPr lang="en-US" altLang="ja-JP" b="1" dirty="0"/>
-              <a:t>Sample507</a:t>
-            </a:r>
+              <a:rPr kumimoji="1" lang="en-US" altLang="ja-JP" b="1" dirty="0">
+                <a:solidFill>
+                  <a:srgbClr val="FF0000"/>
+                </a:solidFill>
+              </a:rPr>
+              <a:t>virtual</a:t>
+            </a:r>
+            <a:r>
+              <a:rPr kumimoji="1" lang="ja-JP" altLang="en-US" dirty="0"/>
+              <a:t>修飾子</a:t>
+            </a:r>
+            <a:br>
+              <a:rPr kumimoji="1" lang="en-US" altLang="ja-JP" dirty="0"/>
+            </a:br>
             <a:endParaRPr lang="en-US" altLang="ja-JP" dirty="0"/>
           </a:p>
           <a:p>
-            <a:r>
-              <a:rPr lang="en-US" altLang="ja-JP" dirty="0"/>
-              <a:t>C++</a:t>
-            </a:r>
-            <a:r>
-              <a:rPr lang="ja-JP" altLang="en-US" dirty="0"/>
-              <a:t>作業フォルダ内に</a:t>
-            </a:r>
-            <a:r>
-              <a:rPr lang="en-US" altLang="ja-JP" b="1" dirty="0"/>
-              <a:t>Sample507</a:t>
-            </a:r>
-            <a:r>
-              <a:rPr lang="ja-JP" altLang="en-US" dirty="0"/>
-              <a:t>フォルダを作成</a:t>
-            </a:r>
-            <a:br>
-              <a:rPr lang="en-US" altLang="ja-JP"/>
-            </a:br>
-            <a:r>
-              <a:rPr lang="en-US" altLang="ja-JP">
-                <a:solidFill>
-                  <a:srgbClr val="00B0F0"/>
-                </a:solidFill>
-              </a:rPr>
-              <a:t>cd </a:t>
-            </a:r>
-            <a:r>
-              <a:rPr lang="en-US" altLang="ja-JP" dirty="0">
-                <a:solidFill>
-                  <a:srgbClr val="00B0F0"/>
-                </a:solidFill>
-              </a:rPr>
-              <a:t>..</a:t>
-            </a:r>
-            <a:br>
-              <a:rPr lang="en-US" altLang="ja-JP" dirty="0">
-                <a:solidFill>
-                  <a:srgbClr val="00B0F0"/>
-                </a:solidFill>
-              </a:rPr>
-            </a:br>
-            <a:r>
-              <a:rPr lang="en-US" altLang="ja-JP" dirty="0">
-                <a:solidFill>
-                  <a:srgbClr val="00B0F0"/>
-                </a:solidFill>
-              </a:rPr>
-              <a:t>robocopy Sample506 Sample507</a:t>
-            </a:r>
-            <a:br>
-              <a:rPr lang="en-US" altLang="ja-JP" dirty="0"/>
-            </a:br>
-            <a:r>
-              <a:rPr lang="en-US" altLang="ja-JP" dirty="0">
-                <a:solidFill>
-                  <a:srgbClr val="00B0F0"/>
-                </a:solidFill>
-              </a:rPr>
-              <a:t>cd Sample507</a:t>
-            </a:r>
-            <a:br>
-              <a:rPr lang="en-US" altLang="ja-JP" dirty="0"/>
-            </a:br>
-            <a:endParaRPr lang="en-US" altLang="ja-JP" dirty="0"/>
-          </a:p>
-          <a:p>
-            <a:r>
-              <a:rPr lang="en-US" altLang="ja-JP" dirty="0" err="1"/>
-              <a:t>bird.h</a:t>
-            </a:r>
-            <a:r>
-              <a:rPr lang="ja-JP" altLang="en-US" dirty="0" err="1"/>
-              <a:t>，</a:t>
-            </a:r>
-            <a:r>
-              <a:rPr lang="ja-JP" altLang="en-US" dirty="0"/>
-              <a:t> </a:t>
-            </a:r>
-            <a:r>
-              <a:rPr lang="en-US" altLang="ja-JP" dirty="0"/>
-              <a:t>bird.cpp</a:t>
-            </a:r>
-            <a:r>
-              <a:rPr lang="ja-JP" altLang="en-US" dirty="0" err="1"/>
-              <a:t>，</a:t>
-            </a:r>
-            <a:r>
-              <a:rPr lang="ja-JP" altLang="en-US" dirty="0"/>
-              <a:t> </a:t>
-            </a:r>
-            <a:r>
-              <a:rPr lang="en-US" altLang="ja-JP" dirty="0"/>
-              <a:t>main.cpp</a:t>
-            </a:r>
-            <a:r>
-              <a:rPr lang="ja-JP" altLang="en-US" dirty="0"/>
-              <a:t>を変更</a:t>
-            </a:r>
-            <a:br>
-              <a:rPr lang="en-US" altLang="ja-JP" dirty="0"/>
-            </a:br>
-            <a:endParaRPr lang="en-US" altLang="ja-JP" sz="3200" dirty="0"/>
+            <a:pPr lvl="1"/>
+            <a:r>
+              <a:rPr kumimoji="1" lang="en-US" altLang="ja-JP" sz="3600" dirty="0"/>
+              <a:t>sing()</a:t>
+            </a:r>
+            <a:r>
+              <a:rPr kumimoji="1" lang="ja-JP" altLang="en-US" sz="3600" dirty="0"/>
+              <a:t>がオーバーライドできたのは</a:t>
+            </a:r>
+            <a:br>
+              <a:rPr kumimoji="1" lang="en-US" altLang="ja-JP" sz="3600" dirty="0"/>
+            </a:br>
+            <a:r>
+              <a:rPr kumimoji="1" lang="ja-JP" altLang="en-US" sz="3600" dirty="0"/>
+              <a:t>親クラスの</a:t>
+            </a:r>
+            <a:r>
+              <a:rPr kumimoji="1" lang="en-US" altLang="ja-JP" sz="3600" dirty="0"/>
+              <a:t>Bird</a:t>
+            </a:r>
+            <a:r>
+              <a:rPr kumimoji="1" lang="ja-JP" altLang="en-US" sz="3600" dirty="0"/>
+              <a:t>クラスの</a:t>
+            </a:r>
+            <a:r>
+              <a:rPr kumimoji="1" lang="en-US" altLang="ja-JP" sz="3600" dirty="0"/>
+              <a:t>sing()</a:t>
+            </a:r>
+            <a:r>
+              <a:rPr kumimoji="1" lang="ja-JP" altLang="en-US" sz="3600" dirty="0"/>
+              <a:t>に</a:t>
+            </a:r>
+            <a:r>
+              <a:rPr lang="en-US" altLang="ja-JP" sz="3600" b="1" dirty="0">
+                <a:solidFill>
+                  <a:srgbClr val="FF0000"/>
+                </a:solidFill>
+              </a:rPr>
+              <a:t>virtual</a:t>
+            </a:r>
+            <a:r>
+              <a:rPr lang="ja-JP" altLang="en-US" sz="3600" dirty="0"/>
+              <a:t>が</a:t>
+            </a:r>
+            <a:br>
+              <a:rPr lang="en-US" altLang="ja-JP" sz="3600" dirty="0"/>
+            </a:br>
+            <a:r>
+              <a:rPr lang="ja-JP" altLang="en-US" sz="3600" dirty="0"/>
+              <a:t>ついているから！</a:t>
+            </a:r>
+            <a:br>
+              <a:rPr lang="en-US" altLang="ja-JP" sz="3600" dirty="0"/>
+            </a:br>
+            <a:endParaRPr lang="en-US" altLang="ja-JP" sz="3600" dirty="0"/>
+          </a:p>
+          <a:p>
+            <a:pPr lvl="1"/>
+            <a:r>
+              <a:rPr kumimoji="1" lang="en-US" altLang="ja-JP" sz="3600" dirty="0"/>
+              <a:t>virtual</a:t>
+            </a:r>
+            <a:r>
+              <a:rPr lang="ja-JP" altLang="en-US" sz="3600" dirty="0" err="1"/>
+              <a:t>がつ</a:t>
+            </a:r>
+            <a:r>
+              <a:rPr lang="ja-JP" altLang="en-US" sz="3600" dirty="0"/>
+              <a:t>いた関数は</a:t>
+            </a:r>
+            <a:r>
+              <a:rPr lang="ja-JP" altLang="en-US" sz="3600" b="1" dirty="0">
+                <a:solidFill>
+                  <a:srgbClr val="00B050"/>
+                </a:solidFill>
+              </a:rPr>
+              <a:t>仮想関数</a:t>
+            </a:r>
+            <a:r>
+              <a:rPr lang="ja-JP" altLang="en-US" sz="3600" dirty="0"/>
+              <a:t>となり子クラスの</a:t>
+            </a:r>
+            <a:br>
+              <a:rPr lang="en-US" altLang="ja-JP" sz="3600" dirty="0"/>
+            </a:br>
+            <a:r>
+              <a:rPr lang="ja-JP" altLang="en-US" sz="3600" dirty="0"/>
+              <a:t>同名の関数の方が実行される</a:t>
+            </a:r>
+            <a:endParaRPr kumimoji="1" lang="en-US" altLang="ja-JP" sz="3600" dirty="0"/>
           </a:p>
         </p:txBody>
       </p:sp>
     </p:spTree>
     <p:extLst>
       <p:ext uri="{BB962C8B-B14F-4D97-AF65-F5344CB8AC3E}">
-        <p14:creationId xmlns:p14="http://schemas.microsoft.com/office/powerpoint/2010/main" val="1644896685"/>
+        <p14:creationId xmlns:p14="http://schemas.microsoft.com/office/powerpoint/2010/main" val="1008095705"/>
       </p:ext>
     </p:extLst>
   </p:cSld>
@@ -15336,7 +15639,7 @@
           <p:cNvPr id="2" name="タイトル 1">
             <a:extLst>
               <a:ext uri="{FF2B5EF4-FFF2-40B4-BE49-F238E27FC236}">
-                <a16:creationId xmlns:a16="http://schemas.microsoft.com/office/drawing/2014/main" id="{F11F3668-F205-48C5-AC01-19611EFE561B}"/>
+                <a16:creationId xmlns:a16="http://schemas.microsoft.com/office/drawing/2014/main" id="{9F789731-37C4-49DD-AEE8-78E5514E279E}"/>
               </a:ext>
             </a:extLst>
           </p:cNvPr>
@@ -15364,7 +15667,7 @@
           <p:cNvPr id="3" name="コンテンツ プレースホルダー 2">
             <a:extLst>
               <a:ext uri="{FF2B5EF4-FFF2-40B4-BE49-F238E27FC236}">
-                <a16:creationId xmlns:a16="http://schemas.microsoft.com/office/drawing/2014/main" id="{64DBE417-57E9-44A6-BB52-B2F9986BB7B2}"/>
+                <a16:creationId xmlns:a16="http://schemas.microsoft.com/office/drawing/2014/main" id="{39562F0E-6033-40BD-BCB8-F015661306FD}"/>
               </a:ext>
             </a:extLst>
           </p:cNvPr>
@@ -15377,8 +15680,8 @@
         </p:nvSpPr>
         <p:spPr>
           <a:xfrm>
-            <a:off x="838200" y="1162976"/>
-            <a:ext cx="10515600" cy="5193373"/>
+            <a:off x="838200" y="1376038"/>
+            <a:ext cx="10515600" cy="5374958"/>
           </a:xfrm>
         </p:spPr>
         <p:txBody>
@@ -15388,524 +15691,140 @@
           <a:lstStyle/>
           <a:p>
             <a:r>
-              <a:rPr kumimoji="1" lang="en-US" altLang="ja-JP" dirty="0" err="1"/>
+              <a:rPr lang="ja-JP" altLang="en-US" b="1" u="sng" dirty="0"/>
+              <a:t>純粋仮想関数と抽象クラス</a:t>
+            </a:r>
+            <a:br>
+              <a:rPr lang="en-US" altLang="ja-JP" sz="1800" b="1" u="sng" dirty="0"/>
+            </a:br>
+            <a:br>
+              <a:rPr lang="en-US" altLang="ja-JP" sz="1800" dirty="0"/>
+            </a:br>
+            <a:r>
+              <a:rPr lang="ja-JP" altLang="en-US" dirty="0"/>
+              <a:t>教科書</a:t>
+            </a:r>
+            <a:r>
+              <a:rPr lang="en-US" altLang="ja-JP" dirty="0"/>
+              <a:t>P208~209 </a:t>
+            </a:r>
+            <a:r>
+              <a:rPr lang="en-US" altLang="ja-JP" b="1" dirty="0"/>
+              <a:t>Sample507</a:t>
+            </a:r>
+            <a:endParaRPr lang="en-US" altLang="ja-JP" dirty="0"/>
+          </a:p>
+          <a:p>
+            <a:r>
+              <a:rPr lang="en-US" altLang="ja-JP" dirty="0"/>
+              <a:t>C++</a:t>
+            </a:r>
+            <a:r>
+              <a:rPr lang="ja-JP" altLang="en-US" dirty="0"/>
+              <a:t>作業フォルダ内に</a:t>
+            </a:r>
+            <a:r>
+              <a:rPr lang="en-US" altLang="ja-JP" b="1" dirty="0"/>
+              <a:t>Sample507</a:t>
+            </a:r>
+            <a:r>
+              <a:rPr lang="ja-JP" altLang="en-US" dirty="0"/>
+              <a:t>フォルダを作成</a:t>
+            </a:r>
+            <a:br>
+              <a:rPr lang="en-US" altLang="ja-JP"/>
+            </a:br>
+            <a:r>
+              <a:rPr lang="en-US" altLang="ja-JP">
+                <a:solidFill>
+                  <a:srgbClr val="00B0F0"/>
+                </a:solidFill>
+              </a:rPr>
+              <a:t>cd </a:t>
+            </a:r>
+            <a:r>
+              <a:rPr lang="en-US" altLang="ja-JP" dirty="0">
+                <a:solidFill>
+                  <a:srgbClr val="00B0F0"/>
+                </a:solidFill>
+              </a:rPr>
+              <a:t>..</a:t>
+            </a:r>
+            <a:br>
+              <a:rPr lang="en-US" altLang="ja-JP" dirty="0">
+                <a:solidFill>
+                  <a:srgbClr val="00B0F0"/>
+                </a:solidFill>
+              </a:rPr>
+            </a:br>
+            <a:r>
+              <a:rPr lang="en-US" altLang="ja-JP" dirty="0">
+                <a:solidFill>
+                  <a:srgbClr val="00B0F0"/>
+                </a:solidFill>
+              </a:rPr>
+              <a:t>robocopy Sample506 Sample507</a:t>
+            </a:r>
+            <a:br>
+              <a:rPr lang="en-US" altLang="ja-JP" dirty="0"/>
+            </a:br>
+            <a:r>
+              <a:rPr lang="en-US" altLang="ja-JP" dirty="0">
+                <a:solidFill>
+                  <a:srgbClr val="00B0F0"/>
+                </a:solidFill>
+              </a:rPr>
+              <a:t>cd Sample507</a:t>
+            </a:r>
+            <a:br>
+              <a:rPr lang="en-US" altLang="ja-JP" dirty="0"/>
+            </a:br>
+            <a:endParaRPr lang="en-US" altLang="ja-JP" dirty="0"/>
+          </a:p>
+          <a:p>
+            <a:r>
+              <a:rPr lang="en-US" altLang="ja-JP" dirty="0" err="1"/>
               <a:t>bird.h</a:t>
             </a:r>
             <a:r>
-              <a:rPr kumimoji="1" lang="ja-JP" altLang="en-US" dirty="0"/>
-              <a:t>　</a:t>
-            </a:r>
-            <a:r>
-              <a:rPr kumimoji="1" lang="en-US" altLang="ja-JP" dirty="0"/>
-              <a:t>(Sample507)</a:t>
-            </a:r>
-            <a:br>
+              <a:rPr lang="ja-JP" altLang="en-US" dirty="0" err="1"/>
+              <a:t>，</a:t>
+            </a:r>
+            <a:r>
+              <a:rPr lang="ja-JP" altLang="en-US" dirty="0"/>
+              <a:t> </a:t>
+            </a:r>
+            <a:r>
               <a:rPr lang="en-US" altLang="ja-JP" dirty="0"/>
-            </a:br>
-            <a:endParaRPr lang="en-US" altLang="ja-JP" dirty="0"/>
-          </a:p>
-          <a:p>
-            <a:pPr marL="0" indent="0">
-              <a:buNone/>
-            </a:pPr>
-            <a:br>
+              <a:t>bird.cpp</a:t>
+            </a:r>
+            <a:r>
+              <a:rPr lang="ja-JP" altLang="en-US" dirty="0" err="1"/>
+              <a:t>，</a:t>
+            </a:r>
+            <a:r>
+              <a:rPr lang="ja-JP" altLang="en-US" dirty="0"/>
+              <a:t> </a:t>
+            </a:r>
+            <a:r>
               <a:rPr lang="en-US" altLang="ja-JP" dirty="0"/>
-            </a:br>
+              <a:t>main.cpp</a:t>
+            </a:r>
+            <a:r>
+              <a:rPr lang="ja-JP" altLang="en-US" dirty="0"/>
+              <a:t>を変更</a:t>
+            </a:r>
             <a:br>
               <a:rPr lang="en-US" altLang="ja-JP" dirty="0"/>
             </a:br>
-            <a:br>
-              <a:rPr lang="en-US" altLang="ja-JP" dirty="0"/>
-            </a:br>
-            <a:br>
-              <a:rPr lang="en-US" altLang="ja-JP" sz="2400" dirty="0"/>
-            </a:br>
-            <a:br>
-              <a:rPr lang="en-US" altLang="ja-JP" sz="2400" dirty="0"/>
-            </a:br>
-            <a:endParaRPr lang="en-US" altLang="ja-JP" sz="2400" dirty="0"/>
-          </a:p>
-          <a:p>
-            <a:pPr marL="0" indent="0">
-              <a:buNone/>
-            </a:pPr>
-            <a:br>
-              <a:rPr lang="en-US" altLang="ja-JP" sz="2400" dirty="0"/>
-            </a:br>
-            <a:endParaRPr lang="en-US" altLang="ja-JP" dirty="0">
-              <a:solidFill>
-                <a:srgbClr val="FF0000"/>
-              </a:solidFill>
-            </a:endParaRPr>
-          </a:p>
-        </p:txBody>
-      </p:sp>
-      <p:sp>
-        <p:nvSpPr>
-          <p:cNvPr id="5" name="テキスト ボックス 4">
-            <a:extLst>
-              <a:ext uri="{FF2B5EF4-FFF2-40B4-BE49-F238E27FC236}">
-                <a16:creationId xmlns:a16="http://schemas.microsoft.com/office/drawing/2014/main" id="{9E32883C-0E37-4F07-9861-27609819CE8C}"/>
-              </a:ext>
-            </a:extLst>
-          </p:cNvPr>
-          <p:cNvSpPr txBox="1"/>
-          <p:nvPr/>
-        </p:nvSpPr>
-        <p:spPr>
-          <a:xfrm>
-            <a:off x="1048255" y="1942532"/>
-            <a:ext cx="10688220" cy="4524315"/>
-          </a:xfrm>
-          <a:prstGeom prst="rect">
-            <a:avLst/>
-          </a:prstGeom>
-          <a:noFill/>
-          <a:ln>
-            <a:solidFill>
-              <a:schemeClr val="tx1"/>
-            </a:solidFill>
-          </a:ln>
-        </p:spPr>
-        <p:txBody>
-          <a:bodyPr wrap="square" rtlCol="0">
-            <a:spAutoFit/>
-          </a:bodyPr>
-          <a:lstStyle/>
-          <a:p>
-            <a:r>
-              <a:rPr lang="en-US" altLang="ja-JP" sz="3200" dirty="0">
-                <a:solidFill>
-                  <a:srgbClr val="808080"/>
-                </a:solidFill>
-                <a:latin typeface="+mj-lt"/>
-                <a:ea typeface="ＭＳ ゴシック" panose="020B0609070205080204" pitchFamily="49" charset="-128"/>
-              </a:rPr>
-              <a:t>#pragma</a:t>
-            </a:r>
-            <a:r>
-              <a:rPr lang="en-US" altLang="ja-JP" sz="3200" dirty="0">
-                <a:solidFill>
-                  <a:srgbClr val="000000"/>
-                </a:solidFill>
-                <a:latin typeface="+mj-lt"/>
-                <a:ea typeface="ＭＳ ゴシック" panose="020B0609070205080204" pitchFamily="49" charset="-128"/>
-              </a:rPr>
-              <a:t> </a:t>
-            </a:r>
-            <a:r>
-              <a:rPr lang="en-US" altLang="ja-JP" sz="3200" dirty="0">
-                <a:solidFill>
-                  <a:srgbClr val="808080"/>
-                </a:solidFill>
-                <a:latin typeface="+mj-lt"/>
-                <a:ea typeface="ＭＳ ゴシック" panose="020B0609070205080204" pitchFamily="49" charset="-128"/>
-              </a:rPr>
-              <a:t>once</a:t>
-            </a:r>
-            <a:endParaRPr lang="en-US" altLang="ja-JP" sz="3200" dirty="0">
-              <a:solidFill>
-                <a:srgbClr val="000000"/>
-              </a:solidFill>
-              <a:latin typeface="+mj-lt"/>
-              <a:ea typeface="ＭＳ ゴシック" panose="020B0609070205080204" pitchFamily="49" charset="-128"/>
-            </a:endParaRPr>
-          </a:p>
-          <a:p>
-            <a:r>
-              <a:rPr lang="en-US" altLang="ja-JP" sz="3200" dirty="0">
-                <a:solidFill>
-                  <a:srgbClr val="808080"/>
-                </a:solidFill>
-                <a:latin typeface="+mj-lt"/>
-                <a:ea typeface="ＭＳ ゴシック" panose="020B0609070205080204" pitchFamily="49" charset="-128"/>
-              </a:rPr>
-              <a:t>#include</a:t>
-            </a:r>
-            <a:r>
-              <a:rPr lang="en-US" altLang="ja-JP" sz="3200" dirty="0">
-                <a:solidFill>
-                  <a:srgbClr val="A31515"/>
-                </a:solidFill>
-                <a:latin typeface="+mj-lt"/>
-                <a:ea typeface="ＭＳ ゴシック" panose="020B0609070205080204" pitchFamily="49" charset="-128"/>
-              </a:rPr>
-              <a:t>&lt;iostream&gt;</a:t>
-            </a:r>
-            <a:endParaRPr lang="en-US" altLang="ja-JP" sz="3200" dirty="0">
-              <a:solidFill>
-                <a:srgbClr val="000000"/>
-              </a:solidFill>
-              <a:latin typeface="+mj-lt"/>
-              <a:ea typeface="ＭＳ ゴシック" panose="020B0609070205080204" pitchFamily="49" charset="-128"/>
-            </a:endParaRPr>
-          </a:p>
-          <a:p>
-            <a:r>
-              <a:rPr lang="en-US" altLang="ja-JP" sz="3200" dirty="0">
-                <a:solidFill>
-                  <a:srgbClr val="0000FF"/>
-                </a:solidFill>
-                <a:latin typeface="+mj-lt"/>
-                <a:ea typeface="ＭＳ ゴシック" panose="020B0609070205080204" pitchFamily="49" charset="-128"/>
-              </a:rPr>
-              <a:t>using</a:t>
-            </a:r>
-            <a:r>
-              <a:rPr lang="en-US" altLang="ja-JP" sz="3200" dirty="0">
-                <a:solidFill>
-                  <a:srgbClr val="000000"/>
-                </a:solidFill>
-                <a:latin typeface="+mj-lt"/>
-                <a:ea typeface="ＭＳ ゴシック" panose="020B0609070205080204" pitchFamily="49" charset="-128"/>
-              </a:rPr>
-              <a:t> </a:t>
-            </a:r>
-            <a:r>
-              <a:rPr lang="en-US" altLang="ja-JP" sz="3200" dirty="0">
-                <a:solidFill>
-                  <a:srgbClr val="0000FF"/>
-                </a:solidFill>
-                <a:latin typeface="+mj-lt"/>
-                <a:ea typeface="ＭＳ ゴシック" panose="020B0609070205080204" pitchFamily="49" charset="-128"/>
-              </a:rPr>
-              <a:t>namespace</a:t>
-            </a:r>
-            <a:r>
-              <a:rPr lang="en-US" altLang="ja-JP" sz="3200" dirty="0">
-                <a:solidFill>
-                  <a:srgbClr val="000000"/>
-                </a:solidFill>
-                <a:latin typeface="+mj-lt"/>
-                <a:ea typeface="ＭＳ ゴシック" panose="020B0609070205080204" pitchFamily="49" charset="-128"/>
-              </a:rPr>
-              <a:t> std;</a:t>
-            </a:r>
-          </a:p>
-          <a:p>
-            <a:endParaRPr lang="ja-JP" altLang="en-US" sz="3200" dirty="0">
-              <a:solidFill>
-                <a:srgbClr val="000000"/>
-              </a:solidFill>
-              <a:latin typeface="+mj-lt"/>
-              <a:ea typeface="ＭＳ ゴシック" panose="020B0609070205080204" pitchFamily="49" charset="-128"/>
-            </a:endParaRPr>
-          </a:p>
-          <a:p>
-            <a:r>
-              <a:rPr lang="en-US" altLang="ja-JP" sz="3200" dirty="0">
-                <a:solidFill>
-                  <a:srgbClr val="0000FF"/>
-                </a:solidFill>
-                <a:latin typeface="+mj-lt"/>
-                <a:ea typeface="ＭＳ ゴシック" panose="020B0609070205080204" pitchFamily="49" charset="-128"/>
-              </a:rPr>
-              <a:t>class</a:t>
-            </a:r>
-            <a:r>
-              <a:rPr lang="en-US" altLang="ja-JP" sz="3200" dirty="0">
-                <a:solidFill>
-                  <a:srgbClr val="000000"/>
-                </a:solidFill>
-                <a:latin typeface="+mj-lt"/>
-                <a:ea typeface="ＭＳ ゴシック" panose="020B0609070205080204" pitchFamily="49" charset="-128"/>
-              </a:rPr>
-              <a:t> </a:t>
-            </a:r>
-            <a:r>
-              <a:rPr lang="en-US" altLang="ja-JP" sz="3200" dirty="0">
-                <a:solidFill>
-                  <a:srgbClr val="2B91AF"/>
-                </a:solidFill>
-                <a:latin typeface="+mj-lt"/>
-                <a:ea typeface="ＭＳ ゴシック" panose="020B0609070205080204" pitchFamily="49" charset="-128"/>
-              </a:rPr>
-              <a:t>Bird</a:t>
-            </a:r>
-            <a:r>
-              <a:rPr lang="en-US" altLang="ja-JP" sz="3200" dirty="0">
-                <a:solidFill>
-                  <a:srgbClr val="000000"/>
-                </a:solidFill>
-                <a:latin typeface="+mj-lt"/>
-                <a:ea typeface="ＭＳ ゴシック" panose="020B0609070205080204" pitchFamily="49" charset="-128"/>
-              </a:rPr>
-              <a:t> {</a:t>
-            </a:r>
-          </a:p>
-          <a:p>
-            <a:r>
-              <a:rPr lang="en-US" altLang="ja-JP" sz="3200" dirty="0">
-                <a:solidFill>
-                  <a:srgbClr val="0000FF"/>
-                </a:solidFill>
-                <a:latin typeface="+mj-lt"/>
-                <a:ea typeface="ＭＳ ゴシック" panose="020B0609070205080204" pitchFamily="49" charset="-128"/>
-              </a:rPr>
-              <a:t>public</a:t>
-            </a:r>
-            <a:r>
-              <a:rPr lang="en-US" altLang="ja-JP" sz="3200" dirty="0">
-                <a:solidFill>
-                  <a:srgbClr val="000000"/>
-                </a:solidFill>
-                <a:latin typeface="+mj-lt"/>
-                <a:ea typeface="ＭＳ ゴシック" panose="020B0609070205080204" pitchFamily="49" charset="-128"/>
-              </a:rPr>
-              <a:t>:</a:t>
-            </a:r>
-          </a:p>
-          <a:p>
-            <a:r>
-              <a:rPr lang="en-US" altLang="ja-JP" sz="3200" dirty="0">
-                <a:solidFill>
-                  <a:srgbClr val="0000FF"/>
-                </a:solidFill>
-                <a:latin typeface="+mj-lt"/>
-                <a:ea typeface="ＭＳ ゴシック" panose="020B0609070205080204" pitchFamily="49" charset="-128"/>
-              </a:rPr>
-              <a:t>  virtual</a:t>
-            </a:r>
-            <a:r>
-              <a:rPr lang="en-US" altLang="ja-JP" sz="3200" dirty="0">
-                <a:solidFill>
-                  <a:srgbClr val="000000"/>
-                </a:solidFill>
-                <a:latin typeface="+mj-lt"/>
-                <a:ea typeface="ＭＳ ゴシック" panose="020B0609070205080204" pitchFamily="49" charset="-128"/>
-              </a:rPr>
-              <a:t> </a:t>
-            </a:r>
-            <a:r>
-              <a:rPr lang="en-US" altLang="ja-JP" sz="3200" dirty="0">
-                <a:solidFill>
-                  <a:srgbClr val="0000FF"/>
-                </a:solidFill>
-                <a:latin typeface="+mj-lt"/>
-                <a:ea typeface="ＭＳ ゴシック" panose="020B0609070205080204" pitchFamily="49" charset="-128"/>
-              </a:rPr>
-              <a:t>void</a:t>
-            </a:r>
-            <a:r>
-              <a:rPr lang="en-US" altLang="ja-JP" sz="3200" dirty="0">
-                <a:solidFill>
-                  <a:srgbClr val="000000"/>
-                </a:solidFill>
-                <a:latin typeface="+mj-lt"/>
-                <a:ea typeface="ＭＳ ゴシック" panose="020B0609070205080204" pitchFamily="49" charset="-128"/>
-              </a:rPr>
-              <a:t> sing()</a:t>
-            </a:r>
-            <a:r>
-              <a:rPr lang="en-US" altLang="ja-JP" sz="3200" b="1" dirty="0">
-                <a:solidFill>
-                  <a:srgbClr val="FF0000"/>
-                </a:solidFill>
-                <a:latin typeface="+mj-lt"/>
-                <a:ea typeface="ＭＳ ゴシック" panose="020B0609070205080204" pitchFamily="49" charset="-128"/>
-              </a:rPr>
-              <a:t> = 0</a:t>
-            </a:r>
-            <a:r>
-              <a:rPr lang="en-US" altLang="ja-JP" sz="3200" dirty="0">
-                <a:solidFill>
-                  <a:srgbClr val="000000"/>
-                </a:solidFill>
-                <a:latin typeface="+mj-lt"/>
-                <a:ea typeface="ＭＳ ゴシック" panose="020B0609070205080204" pitchFamily="49" charset="-128"/>
-              </a:rPr>
-              <a:t>;</a:t>
-            </a:r>
-          </a:p>
-          <a:p>
-            <a:r>
-              <a:rPr lang="en-US" altLang="ja-JP" sz="3200" dirty="0">
-                <a:solidFill>
-                  <a:srgbClr val="0000FF"/>
-                </a:solidFill>
-                <a:latin typeface="+mj-lt"/>
-                <a:ea typeface="ＭＳ ゴシック" panose="020B0609070205080204" pitchFamily="49" charset="-128"/>
-              </a:rPr>
-              <a:t>  void</a:t>
-            </a:r>
-            <a:r>
-              <a:rPr lang="en-US" altLang="ja-JP" sz="3200" dirty="0">
-                <a:solidFill>
-                  <a:srgbClr val="000000"/>
-                </a:solidFill>
-                <a:latin typeface="+mj-lt"/>
-                <a:ea typeface="ＭＳ ゴシック" panose="020B0609070205080204" pitchFamily="49" charset="-128"/>
-              </a:rPr>
-              <a:t> fly();</a:t>
-            </a:r>
-          </a:p>
-          <a:p>
-            <a:r>
-              <a:rPr lang="en-US" altLang="ja-JP" sz="3200" dirty="0">
-                <a:solidFill>
-                  <a:srgbClr val="000000"/>
-                </a:solidFill>
-                <a:latin typeface="+mj-lt"/>
-                <a:ea typeface="ＭＳ ゴシック" panose="020B0609070205080204" pitchFamily="49" charset="-128"/>
-              </a:rPr>
-              <a:t>};</a:t>
-            </a:r>
-            <a:endParaRPr kumimoji="1" lang="ja-JP" altLang="en-US" sz="4000" dirty="0">
-              <a:latin typeface="+mj-lt"/>
-            </a:endParaRPr>
-          </a:p>
-        </p:txBody>
-      </p:sp>
-      <p:sp>
-        <p:nvSpPr>
-          <p:cNvPr id="4" name="テキスト ボックス 3">
-            <a:extLst>
-              <a:ext uri="{FF2B5EF4-FFF2-40B4-BE49-F238E27FC236}">
-                <a16:creationId xmlns:a16="http://schemas.microsoft.com/office/drawing/2014/main" id="{66CE7F4B-75FF-4B35-95DF-A25B059D18CF}"/>
-              </a:ext>
-            </a:extLst>
-          </p:cNvPr>
-          <p:cNvSpPr txBox="1"/>
-          <p:nvPr/>
-        </p:nvSpPr>
-        <p:spPr>
-          <a:xfrm>
-            <a:off x="6525302" y="3817949"/>
-            <a:ext cx="4942379" cy="954107"/>
-          </a:xfrm>
-          <a:prstGeom prst="rect">
-            <a:avLst/>
-          </a:prstGeom>
-          <a:solidFill>
-            <a:schemeClr val="bg1"/>
-          </a:solidFill>
-          <a:ln>
-            <a:solidFill>
-              <a:schemeClr val="tx1"/>
-            </a:solidFill>
-          </a:ln>
-          <a:effectLst>
-            <a:outerShdw blurRad="50800" dist="38100" dir="2700000" algn="tl" rotWithShape="0">
-              <a:prstClr val="black">
-                <a:alpha val="40000"/>
-              </a:prstClr>
-            </a:outerShdw>
-          </a:effectLst>
-        </p:spPr>
-        <p:txBody>
-          <a:bodyPr wrap="none" rtlCol="0">
-            <a:spAutoFit/>
-          </a:bodyPr>
-          <a:lstStyle/>
-          <a:p>
-            <a:r>
-              <a:rPr kumimoji="1" lang="en-US" altLang="ja-JP" sz="2800" b="1" dirty="0"/>
-              <a:t>sing() = 0</a:t>
-            </a:r>
-            <a:r>
-              <a:rPr kumimoji="1" lang="ja-JP" altLang="en-US" sz="2800" b="1" dirty="0"/>
-              <a:t>　</a:t>
-            </a:r>
-            <a:r>
-              <a:rPr kumimoji="1" lang="ja-JP" altLang="en-US" sz="2800" dirty="0"/>
-              <a:t>とすることで、</a:t>
-            </a:r>
-            <a:endParaRPr kumimoji="1" lang="en-US" altLang="ja-JP" sz="2800" dirty="0"/>
-          </a:p>
-          <a:p>
-            <a:r>
-              <a:rPr kumimoji="1" lang="ja-JP" altLang="en-US" sz="2800" b="1" dirty="0">
-                <a:solidFill>
-                  <a:srgbClr val="FF0000"/>
-                </a:solidFill>
-              </a:rPr>
-              <a:t>純粋仮想関数</a:t>
-            </a:r>
-            <a:r>
-              <a:rPr kumimoji="1" lang="ja-JP" altLang="en-US" sz="2800" dirty="0"/>
-              <a:t>となる</a:t>
-            </a:r>
-            <a:endParaRPr kumimoji="1" lang="en-US" altLang="ja-JP" sz="2800" dirty="0"/>
-          </a:p>
-        </p:txBody>
-      </p:sp>
-      <p:sp>
-        <p:nvSpPr>
-          <p:cNvPr id="6" name="テキスト ボックス 5">
-            <a:extLst>
-              <a:ext uri="{FF2B5EF4-FFF2-40B4-BE49-F238E27FC236}">
-                <a16:creationId xmlns:a16="http://schemas.microsoft.com/office/drawing/2014/main" id="{3433EA0D-C73F-084D-D47D-7FFB652C5258}"/>
-              </a:ext>
-            </a:extLst>
-          </p:cNvPr>
-          <p:cNvSpPr txBox="1"/>
-          <p:nvPr/>
-        </p:nvSpPr>
-        <p:spPr>
-          <a:xfrm>
-            <a:off x="6197916" y="5638887"/>
-            <a:ext cx="5766322" cy="954107"/>
-          </a:xfrm>
-          <a:prstGeom prst="rect">
-            <a:avLst/>
-          </a:prstGeom>
-          <a:solidFill>
-            <a:schemeClr val="bg1"/>
-          </a:solidFill>
-          <a:ln>
-            <a:solidFill>
-              <a:schemeClr val="tx1"/>
-            </a:solidFill>
-          </a:ln>
-          <a:effectLst>
-            <a:outerShdw blurRad="50800" dist="38100" dir="2700000" algn="tl" rotWithShape="0">
-              <a:prstClr val="black">
-                <a:alpha val="40000"/>
-              </a:prstClr>
-            </a:outerShdw>
-          </a:effectLst>
-        </p:spPr>
-        <p:txBody>
-          <a:bodyPr wrap="none" rtlCol="0">
-            <a:spAutoFit/>
-          </a:bodyPr>
-          <a:lstStyle/>
-          <a:p>
-            <a:r>
-              <a:rPr kumimoji="1" lang="en-US" altLang="ja-JP" sz="2800" dirty="0"/>
-              <a:t>Bird</a:t>
-            </a:r>
-            <a:r>
-              <a:rPr kumimoji="1" lang="ja-JP" altLang="en-US" sz="2800" dirty="0"/>
-              <a:t>クラスは</a:t>
-            </a:r>
-            <a:r>
-              <a:rPr kumimoji="1" lang="ja-JP" altLang="en-US" sz="2800" b="1" dirty="0">
-                <a:solidFill>
-                  <a:srgbClr val="0070C0"/>
-                </a:solidFill>
-              </a:rPr>
-              <a:t>抽象クラス</a:t>
-            </a:r>
-            <a:r>
-              <a:rPr kumimoji="1" lang="ja-JP" altLang="en-US" sz="2800" dirty="0"/>
-              <a:t>と</a:t>
-            </a:r>
-            <a:endParaRPr kumimoji="1" lang="en-US" altLang="ja-JP" sz="2800" dirty="0"/>
-          </a:p>
-          <a:p>
-            <a:r>
-              <a:rPr kumimoji="1" lang="ja-JP" altLang="en-US" sz="2800" dirty="0"/>
-              <a:t>なり、インスタンス化ができなくなる</a:t>
-            </a:r>
-            <a:endParaRPr kumimoji="1" lang="en-US" altLang="ja-JP" sz="2800" dirty="0"/>
+            <a:endParaRPr lang="en-US" altLang="ja-JP" sz="3200" dirty="0"/>
           </a:p>
         </p:txBody>
       </p:sp>
     </p:spTree>
     <p:extLst>
       <p:ext uri="{BB962C8B-B14F-4D97-AF65-F5344CB8AC3E}">
-        <p14:creationId xmlns:p14="http://schemas.microsoft.com/office/powerpoint/2010/main" val="4003265605"/>
+        <p14:creationId xmlns:p14="http://schemas.microsoft.com/office/powerpoint/2010/main" val="1644896685"/>
       </p:ext>
     </p:extLst>
   </p:cSld>
@@ -15989,8 +15908,8 @@
           <a:lstStyle/>
           <a:p>
             <a:r>
-              <a:rPr kumimoji="1" lang="en-US" altLang="ja-JP" dirty="0"/>
-              <a:t>bird.cpp</a:t>
+              <a:rPr kumimoji="1" lang="en-US" altLang="ja-JP" dirty="0" err="1"/>
+              <a:t>bird.h</a:t>
             </a:r>
             <a:r>
               <a:rPr kumimoji="1" lang="ja-JP" altLang="en-US" dirty="0"/>
@@ -16056,7 +15975,7 @@
         <p:spPr>
           <a:xfrm>
             <a:off x="1048255" y="1942532"/>
-            <a:ext cx="10688220" cy="4031873"/>
+            <a:ext cx="10688220" cy="4524315"/>
           </a:xfrm>
           <a:prstGeom prst="rect">
             <a:avLst/>
@@ -16082,7 +16001,7 @@
                 <a:latin typeface="+mj-lt"/>
                 <a:ea typeface="ＭＳ ゴシック" panose="020B0609070205080204" pitchFamily="49" charset="-128"/>
               </a:rPr>
-              <a:t>#include</a:t>
+              <a:t>#pragma</a:t>
             </a:r>
             <a:r>
               <a:rPr lang="en-US" altLang="ja-JP" sz="3200" dirty="0">
@@ -16097,32 +16016,12 @@
             <a:r>
               <a:rPr lang="en-US" altLang="ja-JP" sz="3200" dirty="0">
                 <a:solidFill>
-                  <a:srgbClr val="A31515"/>
+                  <a:srgbClr val="808080"/>
                 </a:solidFill>
                 <a:latin typeface="+mj-lt"/>
                 <a:ea typeface="ＭＳ ゴシック" panose="020B0609070205080204" pitchFamily="49" charset="-128"/>
               </a:rPr>
-              <a:t>"</a:t>
-            </a:r>
-            <a:r>
-              <a:rPr lang="en-US" altLang="ja-JP" sz="3200" dirty="0" err="1">
-                <a:solidFill>
-                  <a:srgbClr val="A31515"/>
-                </a:solidFill>
-                <a:latin typeface="+mj-lt"/>
-                <a:ea typeface="ＭＳ ゴシック" panose="020B0609070205080204" pitchFamily="49" charset="-128"/>
-              </a:rPr>
-              <a:t>bird.h</a:t>
-            </a:r>
-            <a:r>
-              <a:rPr lang="en-US" altLang="ja-JP" sz="3200" dirty="0">
-                <a:solidFill>
-                  <a:srgbClr val="A31515"/>
-                </a:solidFill>
-                <a:latin typeface="+mj-lt"/>
-                <a:ea typeface="ＭＳ ゴシック" panose="020B0609070205080204" pitchFamily="49" charset="-128"/>
-              </a:rPr>
-              <a:t>"</a:t>
+              <a:t>once</a:t>
             </a:r>
             <a:endParaRPr lang="en-US" altLang="ja-JP" sz="3200" dirty="0">
               <a:solidFill>
@@ -16133,6 +16032,77 @@
             </a:endParaRPr>
           </a:p>
           <a:p>
+            <a:r>
+              <a:rPr lang="en-US" altLang="ja-JP" sz="3200" dirty="0">
+                <a:solidFill>
+                  <a:srgbClr val="808080"/>
+                </a:solidFill>
+                <a:latin typeface="+mj-lt"/>
+                <a:ea typeface="ＭＳ ゴシック" panose="020B0609070205080204" pitchFamily="49" charset="-128"/>
+              </a:rPr>
+              <a:t>#include</a:t>
+            </a:r>
+            <a:r>
+              <a:rPr lang="en-US" altLang="ja-JP" sz="3200" dirty="0">
+                <a:solidFill>
+                  <a:srgbClr val="A31515"/>
+                </a:solidFill>
+                <a:latin typeface="+mj-lt"/>
+                <a:ea typeface="ＭＳ ゴシック" panose="020B0609070205080204" pitchFamily="49" charset="-128"/>
+              </a:rPr>
+              <a:t>&lt;iostream&gt;</a:t>
+            </a:r>
+            <a:endParaRPr lang="en-US" altLang="ja-JP" sz="3200" dirty="0">
+              <a:solidFill>
+                <a:srgbClr val="000000"/>
+              </a:solidFill>
+              <a:latin typeface="+mj-lt"/>
+              <a:ea typeface="ＭＳ ゴシック" panose="020B0609070205080204" pitchFamily="49" charset="-128"/>
+            </a:endParaRPr>
+          </a:p>
+          <a:p>
+            <a:r>
+              <a:rPr lang="en-US" altLang="ja-JP" sz="3200" dirty="0">
+                <a:solidFill>
+                  <a:srgbClr val="0000FF"/>
+                </a:solidFill>
+                <a:latin typeface="+mj-lt"/>
+                <a:ea typeface="ＭＳ ゴシック" panose="020B0609070205080204" pitchFamily="49" charset="-128"/>
+              </a:rPr>
+              <a:t>using</a:t>
+            </a:r>
+            <a:r>
+              <a:rPr lang="en-US" altLang="ja-JP" sz="3200" dirty="0">
+                <a:solidFill>
+                  <a:srgbClr val="000000"/>
+                </a:solidFill>
+                <a:latin typeface="+mj-lt"/>
+                <a:ea typeface="ＭＳ ゴシック" panose="020B0609070205080204" pitchFamily="49" charset="-128"/>
+              </a:rPr>
+              <a:t> </a:t>
+            </a:r>
+            <a:r>
+              <a:rPr lang="en-US" altLang="ja-JP" sz="3200" dirty="0">
+                <a:solidFill>
+                  <a:srgbClr val="0000FF"/>
+                </a:solidFill>
+                <a:latin typeface="+mj-lt"/>
+                <a:ea typeface="ＭＳ ゴシック" panose="020B0609070205080204" pitchFamily="49" charset="-128"/>
+              </a:rPr>
+              <a:t>namespace</a:t>
+            </a:r>
+            <a:r>
+              <a:rPr lang="en-US" altLang="ja-JP" sz="3200" dirty="0">
+                <a:solidFill>
+                  <a:srgbClr val="000000"/>
+                </a:solidFill>
+                <a:latin typeface="+mj-lt"/>
+                <a:ea typeface="ＭＳ ゴシック" panose="020B0609070205080204" pitchFamily="49" charset="-128"/>
+              </a:rPr>
+              <a:t> std;</a:t>
+            </a:r>
+          </a:p>
+          <a:p>
             <a:endParaRPr lang="ja-JP" altLang="en-US" sz="3200" dirty="0">
               <a:solidFill>
                 <a:srgbClr val="000000"/>
@@ -16143,17 +16113,17 @@
           </a:p>
           <a:p>
             <a:r>
-              <a:rPr lang="en-US" altLang="ja-JP" sz="3200" strike="dblStrike" dirty="0">
+              <a:rPr lang="en-US" altLang="ja-JP" sz="3200" dirty="0">
                 <a:solidFill>
                   <a:srgbClr val="0000FF"/>
                 </a:solidFill>
                 <a:latin typeface="+mj-lt"/>
                 <a:ea typeface="ＭＳ ゴシック" panose="020B0609070205080204" pitchFamily="49" charset="-128"/>
               </a:rPr>
-              <a:t>void</a:t>
-            </a:r>
-            <a:r>
-              <a:rPr lang="en-US" altLang="ja-JP" sz="3200" strike="dblStrike" dirty="0">
+              <a:t>class</a:t>
+            </a:r>
+            <a:r>
+              <a:rPr lang="en-US" altLang="ja-JP" sz="3200" dirty="0">
                 <a:solidFill>
                   <a:srgbClr val="000000"/>
                 </a:solidFill>
@@ -16163,7 +16133,7 @@
               <a:t> </a:t>
             </a:r>
             <a:r>
-              <a:rPr lang="en-US" altLang="ja-JP" sz="3200" strike="dblStrike" dirty="0">
+              <a:rPr lang="en-US" altLang="ja-JP" sz="3200" dirty="0">
                 <a:solidFill>
                   <a:srgbClr val="2B91AF"/>
                 </a:solidFill>
@@ -16173,346 +16143,134 @@
               <a:t>Bird</a:t>
             </a:r>
             <a:r>
-              <a:rPr lang="en-US" altLang="ja-JP" sz="3200" strike="dblStrike" dirty="0">
+              <a:rPr lang="en-US" altLang="ja-JP" sz="3200" dirty="0">
                 <a:solidFill>
                   <a:srgbClr val="000000"/>
                 </a:solidFill>
                 <a:latin typeface="+mj-lt"/>
                 <a:ea typeface="ＭＳ ゴシック" panose="020B0609070205080204" pitchFamily="49" charset="-128"/>
               </a:rPr>
-              <a:t>::sing() {</a:t>
-            </a:r>
-          </a:p>
-          <a:p>
-            <a:r>
-              <a:rPr lang="en-US" altLang="ja-JP" sz="3200" strike="dblStrike" dirty="0">
-                <a:solidFill>
-                  <a:srgbClr val="000000"/>
+              <a:t> {</a:t>
+            </a:r>
+          </a:p>
+          <a:p>
+            <a:r>
+              <a:rPr lang="en-US" altLang="ja-JP" sz="3200" dirty="0">
+                <a:solidFill>
+                  <a:srgbClr val="0000FF"/>
                 </a:solidFill>
                 <a:latin typeface="+mj-lt"/>
                 <a:ea typeface="ＭＳ ゴシック" panose="020B0609070205080204" pitchFamily="49" charset="-128"/>
               </a:rPr>
-              <a:t>  </a:t>
-            </a:r>
-            <a:r>
-              <a:rPr lang="en-US" altLang="ja-JP" sz="3200" strike="dblStrike" dirty="0" err="1">
+              <a:t>public</a:t>
+            </a:r>
+            <a:r>
+              <a:rPr lang="en-US" altLang="ja-JP" sz="3200" dirty="0">
                 <a:solidFill>
                   <a:srgbClr val="000000"/>
                 </a:solidFill>
                 <a:latin typeface="+mj-lt"/>
                 <a:ea typeface="ＭＳ ゴシック" panose="020B0609070205080204" pitchFamily="49" charset="-128"/>
               </a:rPr>
-              <a:t>cout</a:t>
-            </a:r>
-            <a:r>
-              <a:rPr lang="en-US" altLang="ja-JP" sz="3200" strike="dblStrike" dirty="0">
-                <a:solidFill>
-                  <a:srgbClr val="000000"/>
+              <a:t>:</a:t>
+            </a:r>
+          </a:p>
+          <a:p>
+            <a:r>
+              <a:rPr lang="en-US" altLang="ja-JP" sz="3200" dirty="0">
+                <a:solidFill>
+                  <a:srgbClr val="0000FF"/>
                 </a:solidFill>
                 <a:latin typeface="+mj-lt"/>
                 <a:ea typeface="ＭＳ ゴシック" panose="020B0609070205080204" pitchFamily="49" charset="-128"/>
               </a:rPr>
-              <a:t> </a:t>
-            </a:r>
-            <a:r>
-              <a:rPr lang="en-US" altLang="ja-JP" sz="3200" strike="dblStrike" dirty="0">
-                <a:solidFill>
-                  <a:srgbClr val="008080"/>
+              <a:t>  virtual</a:t>
+            </a:r>
+            <a:r>
+              <a:rPr lang="en-US" altLang="ja-JP" sz="3200" dirty="0">
+                <a:solidFill>
+                  <a:srgbClr val="000000"/>
                 </a:solidFill>
                 <a:latin typeface="+mj-lt"/>
                 <a:ea typeface="ＭＳ ゴシック" panose="020B0609070205080204" pitchFamily="49" charset="-128"/>
               </a:rPr>
-              <a:t>&lt;&lt;</a:t>
-            </a:r>
-            <a:r>
-              <a:rPr lang="en-US" altLang="ja-JP" sz="3200" strike="dblStrike" dirty="0">
-                <a:solidFill>
-                  <a:srgbClr val="000000"/>
+              <a:t> </a:t>
+            </a:r>
+            <a:r>
+              <a:rPr lang="en-US" altLang="ja-JP" sz="3200" dirty="0">
+                <a:solidFill>
+                  <a:srgbClr val="0000FF"/>
                 </a:solidFill>
                 <a:latin typeface="+mj-lt"/>
                 <a:ea typeface="ＭＳ ゴシック" panose="020B0609070205080204" pitchFamily="49" charset="-128"/>
               </a:rPr>
-              <a:t> </a:t>
-            </a:r>
-            <a:r>
-              <a:rPr lang="en-US" altLang="ja-JP" sz="3200" strike="dblStrike" dirty="0">
-                <a:solidFill>
-                  <a:srgbClr val="A31515"/>
+              <a:t>void</a:t>
+            </a:r>
+            <a:r>
+              <a:rPr lang="en-US" altLang="ja-JP" sz="3200" dirty="0">
+                <a:solidFill>
+                  <a:srgbClr val="000000"/>
                 </a:solidFill>
                 <a:latin typeface="+mj-lt"/>
                 <a:ea typeface="ＭＳ ゴシック" panose="020B0609070205080204" pitchFamily="49" charset="-128"/>
               </a:rPr>
-              <a:t>"</a:t>
-            </a:r>
-            <a:r>
-              <a:rPr lang="ja-JP" altLang="en-US" sz="3200" strike="dblStrike" dirty="0">
-                <a:solidFill>
-                  <a:srgbClr val="A31515"/>
+              <a:t> sing()</a:t>
+            </a:r>
+            <a:r>
+              <a:rPr lang="en-US" altLang="ja-JP" sz="3200" b="1" dirty="0">
+                <a:solidFill>
+                  <a:srgbClr val="FF0000"/>
                 </a:solidFill>
                 <a:latin typeface="+mj-lt"/>
                 <a:ea typeface="ＭＳ ゴシック" panose="020B0609070205080204" pitchFamily="49" charset="-128"/>
               </a:rPr>
-              <a:t>鳥が鳴く</a:t>
-            </a:r>
-            <a:r>
-              <a:rPr lang="en-US" altLang="ja-JP" sz="3200" strike="dblStrike" dirty="0">
-                <a:solidFill>
-                  <a:srgbClr val="A31515"/>
+              <a:t> = 0</a:t>
+            </a:r>
+            <a:r>
+              <a:rPr lang="en-US" altLang="ja-JP" sz="3200" dirty="0">
+                <a:solidFill>
+                  <a:srgbClr val="000000"/>
                 </a:solidFill>
                 <a:latin typeface="+mj-lt"/>
                 <a:ea typeface="ＭＳ ゴシック" panose="020B0609070205080204" pitchFamily="49" charset="-128"/>
               </a:rPr>
-              <a:t>"</a:t>
-            </a:r>
-            <a:r>
-              <a:rPr lang="ja-JP" altLang="en-US" sz="3200" strike="dblStrike" dirty="0">
-                <a:solidFill>
-                  <a:srgbClr val="000000"/>
+              <a:t>;</a:t>
+            </a:r>
+          </a:p>
+          <a:p>
+            <a:r>
+              <a:rPr lang="en-US" altLang="ja-JP" sz="3200" dirty="0">
+                <a:solidFill>
+                  <a:srgbClr val="0000FF"/>
                 </a:solidFill>
                 <a:latin typeface="+mj-lt"/>
                 <a:ea typeface="ＭＳ ゴシック" panose="020B0609070205080204" pitchFamily="49" charset="-128"/>
               </a:rPr>
-              <a:t> </a:t>
-            </a:r>
-            <a:r>
-              <a:rPr lang="en-US" altLang="ja-JP" sz="3200" strike="dblStrike" dirty="0">
-                <a:solidFill>
-                  <a:srgbClr val="008080"/>
+              <a:t>  void</a:t>
+            </a:r>
+            <a:r>
+              <a:rPr lang="en-US" altLang="ja-JP" sz="3200" dirty="0">
+                <a:solidFill>
+                  <a:srgbClr val="000000"/>
                 </a:solidFill>
                 <a:latin typeface="+mj-lt"/>
                 <a:ea typeface="ＭＳ ゴシック" panose="020B0609070205080204" pitchFamily="49" charset="-128"/>
               </a:rPr>
-              <a:t>&lt;&lt;</a:t>
-            </a:r>
-            <a:r>
-              <a:rPr lang="ja-JP" altLang="en-US" sz="3200" strike="dblStrike" dirty="0">
+              <a:t> fly();</a:t>
+            </a:r>
+          </a:p>
+          <a:p>
+            <a:r>
+              <a:rPr lang="en-US" altLang="ja-JP" sz="3200" dirty="0">
                 <a:solidFill>
                   <a:srgbClr val="000000"/>
                 </a:solidFill>
                 <a:latin typeface="+mj-lt"/>
                 <a:ea typeface="ＭＳ ゴシック" panose="020B0609070205080204" pitchFamily="49" charset="-128"/>
               </a:rPr>
-              <a:t> </a:t>
-            </a:r>
-            <a:r>
-              <a:rPr lang="en-US" altLang="ja-JP" sz="3200" strike="dblStrike" dirty="0" err="1">
-                <a:solidFill>
-                  <a:srgbClr val="000000"/>
-                </a:solidFill>
-                <a:latin typeface="+mj-lt"/>
-                <a:ea typeface="ＭＳ ゴシック" panose="020B0609070205080204" pitchFamily="49" charset="-128"/>
-              </a:rPr>
-              <a:t>endl</a:t>
-            </a:r>
-            <a:r>
-              <a:rPr lang="en-US" altLang="ja-JP" sz="3200" strike="dblStrike" dirty="0">
-                <a:solidFill>
-                  <a:srgbClr val="000000"/>
-                </a:solidFill>
-                <a:latin typeface="+mj-lt"/>
-                <a:ea typeface="ＭＳ ゴシック" panose="020B0609070205080204" pitchFamily="49" charset="-128"/>
-              </a:rPr>
-              <a:t>;</a:t>
-            </a:r>
-          </a:p>
-          <a:p>
-            <a:r>
-              <a:rPr lang="en-US" altLang="ja-JP" sz="3200" strike="dblStrike" dirty="0">
-                <a:solidFill>
-                  <a:srgbClr val="000000"/>
-                </a:solidFill>
-                <a:latin typeface="+mj-lt"/>
-                <a:ea typeface="ＭＳ ゴシック" panose="020B0609070205080204" pitchFamily="49" charset="-128"/>
-              </a:rPr>
-              <a:t>}</a:t>
-            </a:r>
-          </a:p>
-          <a:p>
-            <a:r>
-              <a:rPr lang="en-US" altLang="ja-JP" sz="3200" dirty="0">
-                <a:solidFill>
-                  <a:srgbClr val="0000FF"/>
-                </a:solidFill>
-                <a:latin typeface="+mj-lt"/>
-                <a:ea typeface="ＭＳ ゴシック" panose="020B0609070205080204" pitchFamily="49" charset="-128"/>
-              </a:rPr>
-              <a:t>void</a:t>
-            </a:r>
-            <a:r>
-              <a:rPr lang="en-US" altLang="ja-JP" sz="3200" dirty="0">
-                <a:solidFill>
-                  <a:srgbClr val="000000"/>
-                </a:solidFill>
-                <a:latin typeface="+mj-lt"/>
-                <a:ea typeface="ＭＳ ゴシック" panose="020B0609070205080204" pitchFamily="49" charset="-128"/>
-              </a:rPr>
-              <a:t> </a:t>
-            </a:r>
-            <a:r>
-              <a:rPr lang="en-US" altLang="ja-JP" sz="3200" dirty="0">
-                <a:solidFill>
-                  <a:srgbClr val="2B91AF"/>
-                </a:solidFill>
-                <a:latin typeface="+mj-lt"/>
-                <a:ea typeface="ＭＳ ゴシック" panose="020B0609070205080204" pitchFamily="49" charset="-128"/>
-              </a:rPr>
-              <a:t>Bird</a:t>
-            </a:r>
-            <a:r>
-              <a:rPr lang="en-US" altLang="ja-JP" sz="3200" dirty="0">
-                <a:solidFill>
-                  <a:srgbClr val="000000"/>
-                </a:solidFill>
-                <a:latin typeface="+mj-lt"/>
-                <a:ea typeface="ＭＳ ゴシック" panose="020B0609070205080204" pitchFamily="49" charset="-128"/>
-              </a:rPr>
-              <a:t>::fly() {</a:t>
-            </a:r>
-          </a:p>
-          <a:p>
-            <a:r>
-              <a:rPr lang="en-US" altLang="ja-JP" sz="3200" dirty="0">
-                <a:solidFill>
-                  <a:srgbClr val="000000"/>
-                </a:solidFill>
-                <a:latin typeface="+mj-lt"/>
-                <a:ea typeface="ＭＳ ゴシック" panose="020B0609070205080204" pitchFamily="49" charset="-128"/>
-              </a:rPr>
-              <a:t>  </a:t>
-            </a:r>
-            <a:r>
-              <a:rPr lang="en-US" altLang="ja-JP" sz="3200" dirty="0" err="1">
-                <a:solidFill>
-                  <a:srgbClr val="000000"/>
-                </a:solidFill>
-                <a:latin typeface="+mj-lt"/>
-                <a:ea typeface="ＭＳ ゴシック" panose="020B0609070205080204" pitchFamily="49" charset="-128"/>
-              </a:rPr>
-              <a:t>cout</a:t>
-            </a:r>
-            <a:r>
-              <a:rPr lang="en-US" altLang="ja-JP" sz="3200" dirty="0">
-                <a:solidFill>
-                  <a:srgbClr val="000000"/>
-                </a:solidFill>
-                <a:latin typeface="+mj-lt"/>
-                <a:ea typeface="ＭＳ ゴシック" panose="020B0609070205080204" pitchFamily="49" charset="-128"/>
-              </a:rPr>
-              <a:t> </a:t>
-            </a:r>
-            <a:r>
-              <a:rPr lang="en-US" altLang="ja-JP" sz="3200" dirty="0">
-                <a:solidFill>
-                  <a:srgbClr val="008080"/>
-                </a:solidFill>
-                <a:latin typeface="+mj-lt"/>
-                <a:ea typeface="ＭＳ ゴシック" panose="020B0609070205080204" pitchFamily="49" charset="-128"/>
-              </a:rPr>
-              <a:t>&lt;&lt;</a:t>
-            </a:r>
-            <a:r>
-              <a:rPr lang="en-US" altLang="ja-JP" sz="3200" dirty="0">
-                <a:solidFill>
-                  <a:srgbClr val="000000"/>
-                </a:solidFill>
-                <a:latin typeface="+mj-lt"/>
-                <a:ea typeface="ＭＳ ゴシック" panose="020B0609070205080204" pitchFamily="49" charset="-128"/>
-              </a:rPr>
-              <a:t> </a:t>
-            </a:r>
-            <a:r>
-              <a:rPr lang="en-US" altLang="ja-JP" sz="3200" dirty="0">
-                <a:solidFill>
-                  <a:srgbClr val="A31515"/>
-                </a:solidFill>
-                <a:latin typeface="+mj-lt"/>
-                <a:ea typeface="ＭＳ ゴシック" panose="020B0609070205080204" pitchFamily="49" charset="-128"/>
-              </a:rPr>
-              <a:t>"</a:t>
-            </a:r>
-            <a:r>
-              <a:rPr lang="ja-JP" altLang="en-US" sz="3200" dirty="0">
-                <a:solidFill>
-                  <a:srgbClr val="A31515"/>
-                </a:solidFill>
-                <a:latin typeface="+mj-lt"/>
-                <a:ea typeface="ＭＳ ゴシック" panose="020B0609070205080204" pitchFamily="49" charset="-128"/>
-              </a:rPr>
-              <a:t>鳥が飛ぶ</a:t>
-            </a:r>
-            <a:r>
-              <a:rPr lang="en-US" altLang="ja-JP" sz="3200" dirty="0">
-                <a:solidFill>
-                  <a:srgbClr val="A31515"/>
-                </a:solidFill>
-                <a:latin typeface="+mj-lt"/>
-                <a:ea typeface="ＭＳ ゴシック" panose="020B0609070205080204" pitchFamily="49" charset="-128"/>
-              </a:rPr>
-              <a:t>"</a:t>
-            </a:r>
-            <a:r>
-              <a:rPr lang="ja-JP" altLang="en-US" sz="3200" dirty="0">
-                <a:solidFill>
-                  <a:srgbClr val="000000"/>
-                </a:solidFill>
-                <a:latin typeface="+mj-lt"/>
-                <a:ea typeface="ＭＳ ゴシック" panose="020B0609070205080204" pitchFamily="49" charset="-128"/>
-              </a:rPr>
-              <a:t> </a:t>
-            </a:r>
-            <a:r>
-              <a:rPr lang="en-US" altLang="ja-JP" sz="3200" dirty="0">
-                <a:solidFill>
-                  <a:srgbClr val="008080"/>
-                </a:solidFill>
-                <a:latin typeface="+mj-lt"/>
-                <a:ea typeface="ＭＳ ゴシック" panose="020B0609070205080204" pitchFamily="49" charset="-128"/>
-              </a:rPr>
-              <a:t>&lt;&lt;</a:t>
-            </a:r>
-            <a:r>
-              <a:rPr lang="ja-JP" altLang="en-US" sz="3200" dirty="0">
-                <a:solidFill>
-                  <a:srgbClr val="000000"/>
-                </a:solidFill>
-                <a:latin typeface="+mj-lt"/>
-                <a:ea typeface="ＭＳ ゴシック" panose="020B0609070205080204" pitchFamily="49" charset="-128"/>
-              </a:rPr>
-              <a:t> </a:t>
-            </a:r>
-            <a:r>
-              <a:rPr lang="en-US" altLang="ja-JP" sz="3200" dirty="0" err="1">
-                <a:solidFill>
-                  <a:srgbClr val="000000"/>
-                </a:solidFill>
-                <a:latin typeface="+mj-lt"/>
-                <a:ea typeface="ＭＳ ゴシック" panose="020B0609070205080204" pitchFamily="49" charset="-128"/>
-              </a:rPr>
-              <a:t>endl</a:t>
-            </a:r>
-            <a:r>
-              <a:rPr lang="en-US" altLang="ja-JP" sz="3200" dirty="0">
-                <a:solidFill>
-                  <a:srgbClr val="000000"/>
-                </a:solidFill>
-                <a:latin typeface="+mj-lt"/>
-                <a:ea typeface="ＭＳ ゴシック" panose="020B0609070205080204" pitchFamily="49" charset="-128"/>
-              </a:rPr>
-              <a:t>;</a:t>
-            </a:r>
-          </a:p>
-          <a:p>
-            <a:r>
-              <a:rPr lang="en-US" altLang="ja-JP" sz="3200" dirty="0">
-                <a:solidFill>
-                  <a:srgbClr val="000000"/>
-                </a:solidFill>
-                <a:latin typeface="+mj-lt"/>
-                <a:ea typeface="ＭＳ ゴシック" panose="020B0609070205080204" pitchFamily="49" charset="-128"/>
-              </a:rPr>
-              <a:t>}</a:t>
-            </a:r>
-            <a:endParaRPr kumimoji="1" lang="ja-JP" altLang="en-US" sz="6000" dirty="0">
+              <a:t>};</a:t>
+            </a:r>
+            <a:endParaRPr kumimoji="1" lang="ja-JP" altLang="en-US" sz="4000" dirty="0">
               <a:latin typeface="+mj-lt"/>
             </a:endParaRPr>
           </a:p>
@@ -16532,8 +16290,8 @@
         </p:nvSpPr>
         <p:spPr>
           <a:xfrm>
-            <a:off x="6197916" y="2363096"/>
-            <a:ext cx="4783682" cy="954107"/>
+            <a:off x="6525302" y="3817949"/>
+            <a:ext cx="4942379" cy="954107"/>
           </a:xfrm>
           <a:prstGeom prst="rect">
             <a:avLst/>
@@ -16561,6 +16319,21 @@
           <a:lstStyle/>
           <a:p>
             <a:r>
+              <a:rPr kumimoji="1" lang="en-US" altLang="ja-JP" sz="2800" b="1" dirty="0"/>
+              <a:t>sing() = 0</a:t>
+            </a:r>
+            <a:r>
+              <a:rPr kumimoji="1" lang="ja-JP" altLang="en-US" sz="2800" b="1" dirty="0"/>
+              <a:t>　</a:t>
+            </a:r>
+            <a:r>
+              <a:rPr kumimoji="1" lang="ja-JP" altLang="en-US" sz="2800" dirty="0"/>
+              <a:t>とすることで、</a:t>
+            </a:r>
+            <a:endParaRPr kumimoji="1" lang="en-US" altLang="ja-JP" sz="2800" dirty="0"/>
+          </a:p>
+          <a:p>
+            <a:r>
               <a:rPr kumimoji="1" lang="ja-JP" altLang="en-US" sz="2800" b="1" dirty="0">
                 <a:solidFill>
                   <a:srgbClr val="FF0000"/>
@@ -16570,14 +16343,80 @@
             </a:r>
             <a:r>
               <a:rPr kumimoji="1" lang="ja-JP" altLang="en-US" sz="2800" dirty="0"/>
-              <a:t>となった関数の</a:t>
+              <a:t>となる</a:t>
             </a:r>
             <a:endParaRPr kumimoji="1" lang="en-US" altLang="ja-JP" sz="2800" dirty="0"/>
           </a:p>
-          <a:p>
+        </p:txBody>
+      </p:sp>
+      <p:sp>
+        <p:nvSpPr>
+          <p:cNvPr id="6" name="テキスト ボックス 5">
+            <a:extLst>
+              <a:ext uri="{FF2B5EF4-FFF2-40B4-BE49-F238E27FC236}">
+                <a16:creationId xmlns:a16="http://schemas.microsoft.com/office/drawing/2014/main" id="{3433EA0D-C73F-084D-D47D-7FFB652C5258}"/>
+              </a:ext>
+            </a:extLst>
+          </p:cNvPr>
+          <p:cNvSpPr txBox="1"/>
+          <p:nvPr/>
+        </p:nvSpPr>
+        <p:spPr>
+          <a:xfrm>
+            <a:off x="6197916" y="5638887"/>
+            <a:ext cx="5766322" cy="954107"/>
+          </a:xfrm>
+          <a:prstGeom prst="rect">
+            <a:avLst/>
+          </a:prstGeom>
+          <a:solidFill>
+            <a:schemeClr val="bg1"/>
+          </a:solidFill>
+          <a:ln>
+            <a:solidFill>
+              <a:schemeClr val="tx1"/>
+            </a:solidFill>
+          </a:ln>
+          <a:effectLst>
+            <a:outerShdw blurRad="50800" dist="38100" dir="2700000" algn="tl" rotWithShape="0">
+              <a:prstClr val="black">
+                <a:alpha val="40000"/>
+              </a:prstClr>
+            </a:outerShdw>
+          </a:effectLst>
+        </p:spPr>
+        <p:txBody>
+          <a:bodyPr wrap="none" rtlCol="0">
+            <a:spAutoFit/>
+          </a:bodyPr>
+          <a:lstStyle/>
+          <a:p>
+            <a:r>
+              <a:rPr kumimoji="1" lang="en-US" altLang="ja-JP" sz="2800" dirty="0"/>
+              <a:t>Bird</a:t>
+            </a:r>
             <a:r>
               <a:rPr kumimoji="1" lang="ja-JP" altLang="en-US" sz="2800" dirty="0"/>
-              <a:t>定義は不要</a:t>
+              <a:t>クラスは</a:t>
+            </a:r>
+            <a:r>
+              <a:rPr kumimoji="1" lang="ja-JP" altLang="en-US" sz="2800" b="1" dirty="0">
+                <a:solidFill>
+                  <a:srgbClr val="0070C0"/>
+                </a:solidFill>
+              </a:rPr>
+              <a:t>抽象クラス</a:t>
+            </a:r>
+            <a:r>
+              <a:rPr kumimoji="1" lang="ja-JP" altLang="en-US" sz="2800" dirty="0"/>
+              <a:t>と</a:t>
+            </a:r>
+            <a:endParaRPr kumimoji="1" lang="en-US" altLang="ja-JP" sz="2800" dirty="0"/>
+          </a:p>
+          <a:p>
+            <a:r>
+              <a:rPr kumimoji="1" lang="ja-JP" altLang="en-US" sz="2800" dirty="0"/>
+              <a:t>なり、インスタンス化ができなくなる</a:t>
             </a:r>
             <a:endParaRPr kumimoji="1" lang="en-US" altLang="ja-JP" sz="2800" dirty="0"/>
           </a:p>
@@ -16586,7 +16425,7 @@
     </p:spTree>
     <p:extLst>
       <p:ext uri="{BB962C8B-B14F-4D97-AF65-F5344CB8AC3E}">
-        <p14:creationId xmlns:p14="http://schemas.microsoft.com/office/powerpoint/2010/main" val="1526706075"/>
+        <p14:creationId xmlns:p14="http://schemas.microsoft.com/office/powerpoint/2010/main" val="4003265605"/>
       </p:ext>
     </p:extLst>
   </p:cSld>
@@ -16671,7 +16510,7 @@
           <a:p>
             <a:r>
               <a:rPr kumimoji="1" lang="en-US" altLang="ja-JP" dirty="0"/>
-              <a:t>main.cpp</a:t>
+              <a:t>bird.cpp</a:t>
             </a:r>
             <a:r>
               <a:rPr kumimoji="1" lang="ja-JP" altLang="en-US" dirty="0"/>
@@ -16737,7 +16576,7 @@
         <p:spPr>
           <a:xfrm>
             <a:off x="1048255" y="1942532"/>
-            <a:ext cx="10688220" cy="4524315"/>
+            <a:ext cx="10688220" cy="4031873"/>
           </a:xfrm>
           <a:prstGeom prst="rect">
             <a:avLst/>
@@ -16756,508 +16595,444 @@
           <a:lstStyle/>
           <a:p>
             <a:r>
-              <a:rPr lang="en-US" altLang="ja-JP" sz="2400" dirty="0">
-                <a:solidFill>
-                  <a:srgbClr val="0000FF"/>
+              <a:rPr lang="en-US" altLang="ja-JP" sz="3200" dirty="0">
+                <a:solidFill>
+                  <a:srgbClr val="808080"/>
                 </a:solidFill>
                 <a:latin typeface="+mj-lt"/>
                 <a:ea typeface="ＭＳ ゴシック" panose="020B0609070205080204" pitchFamily="49" charset="-128"/>
               </a:rPr>
-              <a:t>int</a:t>
-            </a:r>
-            <a:r>
-              <a:rPr lang="en-US" altLang="ja-JP" sz="2400" dirty="0">
+              <a:t>#include</a:t>
+            </a:r>
+            <a:r>
+              <a:rPr lang="en-US" altLang="ja-JP" sz="3200" dirty="0">
                 <a:solidFill>
                   <a:srgbClr val="000000"/>
                 </a:solidFill>
                 <a:latin typeface="+mj-lt"/>
                 <a:ea typeface="ＭＳ ゴシック" panose="020B0609070205080204" pitchFamily="49" charset="-128"/>
               </a:rPr>
-              <a:t> main()</a:t>
-            </a:r>
-          </a:p>
-          <a:p>
-            <a:r>
-              <a:rPr lang="en-US" altLang="ja-JP" sz="2400" dirty="0">
-                <a:solidFill>
-                  <a:srgbClr val="000000"/>
+              <a:t> </a:t>
+            </a:r>
+            <a:r>
+              <a:rPr lang="en-US" altLang="ja-JP" sz="3200" dirty="0">
+                <a:solidFill>
+                  <a:srgbClr val="A31515"/>
                 </a:solidFill>
                 <a:latin typeface="+mj-lt"/>
                 <a:ea typeface="ＭＳ ゴシック" panose="020B0609070205080204" pitchFamily="49" charset="-128"/>
               </a:rPr>
-              <a:t>{</a:t>
-            </a:r>
-          </a:p>
-          <a:p>
-            <a:r>
-              <a:rPr lang="en-US" altLang="ja-JP" sz="2400" dirty="0">
-                <a:solidFill>
-                  <a:srgbClr val="2B91AF"/>
+              <a:t>"</a:t>
+            </a:r>
+            <a:r>
+              <a:rPr lang="en-US" altLang="ja-JP" sz="3200" dirty="0" err="1">
+                <a:solidFill>
+                  <a:srgbClr val="A31515"/>
                 </a:solidFill>
                 <a:latin typeface="+mj-lt"/>
                 <a:ea typeface="ＭＳ ゴシック" panose="020B0609070205080204" pitchFamily="49" charset="-128"/>
               </a:rPr>
-              <a:t>  Bird</a:t>
-            </a:r>
-            <a:r>
-              <a:rPr lang="en-US" altLang="ja-JP" sz="2400" dirty="0">
-                <a:solidFill>
-                  <a:srgbClr val="000000"/>
+              <a:t>bird.h</a:t>
+            </a:r>
+            <a:r>
+              <a:rPr lang="en-US" altLang="ja-JP" sz="3200" dirty="0">
+                <a:solidFill>
+                  <a:srgbClr val="A31515"/>
                 </a:solidFill>
                 <a:latin typeface="+mj-lt"/>
                 <a:ea typeface="ＭＳ ゴシック" panose="020B0609070205080204" pitchFamily="49" charset="-128"/>
               </a:rPr>
-              <a:t>* </a:t>
-            </a:r>
-            <a:r>
-              <a:rPr lang="en-US" altLang="ja-JP" sz="2400" dirty="0" err="1">
-                <a:solidFill>
-                  <a:srgbClr val="000000"/>
+              <a:t>"</a:t>
+            </a:r>
+            <a:endParaRPr lang="en-US" altLang="ja-JP" sz="3200" dirty="0">
+              <a:solidFill>
+                <a:srgbClr val="000000"/>
+              </a:solidFill>
+              <a:latin typeface="+mj-lt"/>
+              <a:ea typeface="ＭＳ ゴシック" panose="020B0609070205080204" pitchFamily="49" charset="-128"/>
+            </a:endParaRPr>
+          </a:p>
+          <a:p>
+            <a:endParaRPr lang="ja-JP" altLang="en-US" sz="3200" dirty="0">
+              <a:solidFill>
+                <a:srgbClr val="000000"/>
+              </a:solidFill>
+              <a:latin typeface="+mj-lt"/>
+              <a:ea typeface="ＭＳ ゴシック" panose="020B0609070205080204" pitchFamily="49" charset="-128"/>
+            </a:endParaRPr>
+          </a:p>
+          <a:p>
+            <a:r>
+              <a:rPr lang="en-US" altLang="ja-JP" sz="3200" strike="dblStrike" dirty="0">
+                <a:solidFill>
+                  <a:srgbClr val="0000FF"/>
                 </a:solidFill>
                 <a:latin typeface="+mj-lt"/>
                 <a:ea typeface="ＭＳ ゴシック" panose="020B0609070205080204" pitchFamily="49" charset="-128"/>
               </a:rPr>
-              <a:t>pCrow</a:t>
-            </a:r>
-            <a:r>
-              <a:rPr lang="en-US" altLang="ja-JP" sz="2400" dirty="0">
+              <a:t>void</a:t>
+            </a:r>
+            <a:r>
+              <a:rPr lang="en-US" altLang="ja-JP" sz="3200" strike="dblStrike" dirty="0">
                 <a:solidFill>
                   <a:srgbClr val="000000"/>
                 </a:solidFill>
                 <a:latin typeface="+mj-lt"/>
                 <a:ea typeface="ＭＳ ゴシック" panose="020B0609070205080204" pitchFamily="49" charset="-128"/>
               </a:rPr>
-              <a:t>{}, * </a:t>
-            </a:r>
-            <a:r>
-              <a:rPr lang="en-US" altLang="ja-JP" sz="2400" dirty="0" err="1">
-                <a:solidFill>
-                  <a:srgbClr val="000000"/>
+              <a:t> </a:t>
+            </a:r>
+            <a:r>
+              <a:rPr lang="en-US" altLang="ja-JP" sz="3200" strike="dblStrike" dirty="0">
+                <a:solidFill>
+                  <a:srgbClr val="2B91AF"/>
                 </a:solidFill>
                 <a:latin typeface="+mj-lt"/>
                 <a:ea typeface="ＭＳ ゴシック" panose="020B0609070205080204" pitchFamily="49" charset="-128"/>
               </a:rPr>
-              <a:t>pChicken</a:t>
-            </a:r>
-            <a:r>
-              <a:rPr lang="en-US" altLang="ja-JP" sz="2400" dirty="0">
+              <a:t>Bird</a:t>
+            </a:r>
+            <a:r>
+              <a:rPr lang="en-US" altLang="ja-JP" sz="3200" strike="dblStrike" dirty="0">
                 <a:solidFill>
                   <a:srgbClr val="000000"/>
                 </a:solidFill>
                 <a:latin typeface="+mj-lt"/>
                 <a:ea typeface="ＭＳ ゴシック" panose="020B0609070205080204" pitchFamily="49" charset="-128"/>
               </a:rPr>
-              <a:t>{}, * </a:t>
-            </a:r>
-            <a:r>
-              <a:rPr lang="en-US" altLang="ja-JP" sz="2400" dirty="0" err="1">
+              <a:t>::sing() {</a:t>
+            </a:r>
+          </a:p>
+          <a:p>
+            <a:r>
+              <a:rPr lang="en-US" altLang="ja-JP" sz="3200" strike="dblStrike" dirty="0">
                 <a:solidFill>
                   <a:srgbClr val="000000"/>
                 </a:solidFill>
                 <a:latin typeface="+mj-lt"/>
                 <a:ea typeface="ＭＳ ゴシック" panose="020B0609070205080204" pitchFamily="49" charset="-128"/>
               </a:rPr>
-              <a:t>pBird</a:t>
-            </a:r>
-            <a:r>
-              <a:rPr lang="en-US" altLang="ja-JP" sz="2400" dirty="0">
+              <a:t>  </a:t>
+            </a:r>
+            <a:r>
+              <a:rPr lang="en-US" altLang="ja-JP" sz="3200" strike="dblStrike" dirty="0" err="1">
                 <a:solidFill>
                   <a:srgbClr val="000000"/>
                 </a:solidFill>
                 <a:latin typeface="+mj-lt"/>
                 <a:ea typeface="ＭＳ ゴシック" panose="020B0609070205080204" pitchFamily="49" charset="-128"/>
               </a:rPr>
-              <a:t>{};</a:t>
-            </a:r>
-          </a:p>
-          <a:p>
-            <a:r>
-              <a:rPr lang="en-US" altLang="ja-JP" sz="2400" dirty="0">
+              <a:t>cout</a:t>
+            </a:r>
+            <a:r>
+              <a:rPr lang="en-US" altLang="ja-JP" sz="3200" strike="dblStrike" dirty="0">
                 <a:solidFill>
                   <a:srgbClr val="000000"/>
                 </a:solidFill>
                 <a:latin typeface="+mj-lt"/>
                 <a:ea typeface="ＭＳ ゴシック" panose="020B0609070205080204" pitchFamily="49" charset="-128"/>
               </a:rPr>
-              <a:t>  </a:t>
-            </a:r>
-            <a:r>
-              <a:rPr lang="en-US" altLang="ja-JP" sz="2400" dirty="0" err="1">
-                <a:solidFill>
-                  <a:srgbClr val="000000"/>
+              <a:t> </a:t>
+            </a:r>
+            <a:r>
+              <a:rPr lang="en-US" altLang="ja-JP" sz="3200" strike="dblStrike" dirty="0">
+                <a:solidFill>
+                  <a:srgbClr val="008080"/>
                 </a:solidFill>
                 <a:latin typeface="+mj-lt"/>
                 <a:ea typeface="ＭＳ ゴシック" panose="020B0609070205080204" pitchFamily="49" charset="-128"/>
               </a:rPr>
-              <a:t>pCrow</a:t>
-            </a:r>
-            <a:r>
-              <a:rPr lang="en-US" altLang="ja-JP" sz="2400" dirty="0">
+              <a:t>&lt;&lt;</a:t>
+            </a:r>
+            <a:r>
+              <a:rPr lang="en-US" altLang="ja-JP" sz="3200" strike="dblStrike" dirty="0">
                 <a:solidFill>
                   <a:srgbClr val="000000"/>
                 </a:solidFill>
                 <a:latin typeface="+mj-lt"/>
                 <a:ea typeface="ＭＳ ゴシック" panose="020B0609070205080204" pitchFamily="49" charset="-128"/>
               </a:rPr>
-              <a:t> = </a:t>
-            </a:r>
-            <a:r>
-              <a:rPr lang="en-US" altLang="ja-JP" sz="2400" dirty="0">
-                <a:solidFill>
-                  <a:srgbClr val="0000FF"/>
+              <a:t> </a:t>
+            </a:r>
+            <a:r>
+              <a:rPr lang="en-US" altLang="ja-JP" sz="3200" strike="dblStrike" dirty="0">
+                <a:solidFill>
+                  <a:srgbClr val="A31515"/>
                 </a:solidFill>
                 <a:latin typeface="+mj-lt"/>
                 <a:ea typeface="ＭＳ ゴシック" panose="020B0609070205080204" pitchFamily="49" charset="-128"/>
               </a:rPr>
-              <a:t>new</a:t>
-            </a:r>
-            <a:r>
-              <a:rPr lang="en-US" altLang="ja-JP" sz="2400" dirty="0">
-                <a:solidFill>
-                  <a:srgbClr val="000000"/>
+              <a:t>"</a:t>
+            </a:r>
+            <a:r>
+              <a:rPr lang="ja-JP" altLang="en-US" sz="3200" strike="dblStrike" dirty="0">
+                <a:solidFill>
+                  <a:srgbClr val="A31515"/>
                 </a:solidFill>
                 <a:latin typeface="+mj-lt"/>
                 <a:ea typeface="ＭＳ ゴシック" panose="020B0609070205080204" pitchFamily="49" charset="-128"/>
               </a:rPr>
-              <a:t> </a:t>
-            </a:r>
-            <a:r>
-              <a:rPr lang="en-US" altLang="ja-JP" sz="2400" dirty="0">
-                <a:solidFill>
-                  <a:srgbClr val="2B91AF"/>
+              <a:t>鳥が鳴く</a:t>
+            </a:r>
+            <a:r>
+              <a:rPr lang="en-US" altLang="ja-JP" sz="3200" strike="dblStrike" dirty="0">
+                <a:solidFill>
+                  <a:srgbClr val="A31515"/>
                 </a:solidFill>
                 <a:latin typeface="+mj-lt"/>
                 <a:ea typeface="ＭＳ ゴシック" panose="020B0609070205080204" pitchFamily="49" charset="-128"/>
               </a:rPr>
-              <a:t>Crow</a:t>
-            </a:r>
-            <a:r>
-              <a:rPr lang="en-US" altLang="ja-JP" sz="2400" dirty="0">
+              <a:t>"</a:t>
+            </a:r>
+            <a:r>
+              <a:rPr lang="ja-JP" altLang="en-US" sz="3200" strike="dblStrike" dirty="0">
                 <a:solidFill>
                   <a:srgbClr val="000000"/>
                 </a:solidFill>
                 <a:latin typeface="+mj-lt"/>
                 <a:ea typeface="ＭＳ ゴシック" panose="020B0609070205080204" pitchFamily="49" charset="-128"/>
               </a:rPr>
-              <a:t>();</a:t>
-            </a:r>
-          </a:p>
-          <a:p>
-            <a:r>
-              <a:rPr lang="en-US" altLang="ja-JP" sz="2400" dirty="0">
-                <a:solidFill>
-                  <a:srgbClr val="000000"/>
+              <a:t> </a:t>
+            </a:r>
+            <a:r>
+              <a:rPr lang="en-US" altLang="ja-JP" sz="3200" strike="dblStrike" dirty="0">
+                <a:solidFill>
+                  <a:srgbClr val="008080"/>
                 </a:solidFill>
                 <a:latin typeface="+mj-lt"/>
                 <a:ea typeface="ＭＳ ゴシック" panose="020B0609070205080204" pitchFamily="49" charset="-128"/>
               </a:rPr>
-              <a:t>  </a:t>
-            </a:r>
-            <a:r>
-              <a:rPr lang="en-US" altLang="ja-JP" sz="2400" dirty="0" err="1">
+              <a:t>&lt;&lt;</a:t>
+            </a:r>
+            <a:r>
+              <a:rPr lang="ja-JP" altLang="en-US" sz="3200" strike="dblStrike" dirty="0">
                 <a:solidFill>
                   <a:srgbClr val="000000"/>
                 </a:solidFill>
                 <a:latin typeface="+mj-lt"/>
                 <a:ea typeface="ＭＳ ゴシック" panose="020B0609070205080204" pitchFamily="49" charset="-128"/>
               </a:rPr>
-              <a:t>pChicken</a:t>
-            </a:r>
-            <a:r>
-              <a:rPr lang="en-US" altLang="ja-JP" sz="2400" dirty="0">
+              <a:t> </a:t>
+            </a:r>
+            <a:r>
+              <a:rPr lang="en-US" altLang="ja-JP" sz="3200" strike="dblStrike" dirty="0" err="1">
                 <a:solidFill>
                   <a:srgbClr val="000000"/>
                 </a:solidFill>
                 <a:latin typeface="+mj-lt"/>
                 <a:ea typeface="ＭＳ ゴシック" panose="020B0609070205080204" pitchFamily="49" charset="-128"/>
               </a:rPr>
-              <a:t> = </a:t>
-            </a:r>
-            <a:r>
-              <a:rPr lang="en-US" altLang="ja-JP" sz="2400" dirty="0">
-                <a:solidFill>
-                  <a:srgbClr val="0000FF"/>
+              <a:t>endl</a:t>
+            </a:r>
+            <a:r>
+              <a:rPr lang="en-US" altLang="ja-JP" sz="3200" strike="dblStrike" dirty="0">
+                <a:solidFill>
+                  <a:srgbClr val="000000"/>
                 </a:solidFill>
                 <a:latin typeface="+mj-lt"/>
                 <a:ea typeface="ＭＳ ゴシック" panose="020B0609070205080204" pitchFamily="49" charset="-128"/>
               </a:rPr>
-              <a:t>new</a:t>
-            </a:r>
-            <a:r>
-              <a:rPr lang="en-US" altLang="ja-JP" sz="2400" dirty="0">
+              <a:t>;</a:t>
+            </a:r>
+          </a:p>
+          <a:p>
+            <a:r>
+              <a:rPr lang="en-US" altLang="ja-JP" sz="3200" strike="dblStrike" dirty="0">
                 <a:solidFill>
                   <a:srgbClr val="000000"/>
                 </a:solidFill>
                 <a:latin typeface="+mj-lt"/>
                 <a:ea typeface="ＭＳ ゴシック" panose="020B0609070205080204" pitchFamily="49" charset="-128"/>
               </a:rPr>
-              <a:t> </a:t>
-            </a:r>
-            <a:r>
-              <a:rPr lang="en-US" altLang="ja-JP" sz="2400" dirty="0">
-                <a:solidFill>
-                  <a:srgbClr val="2B91AF"/>
+              <a:t>}</a:t>
+            </a:r>
+          </a:p>
+          <a:p>
+            <a:r>
+              <a:rPr lang="en-US" altLang="ja-JP" sz="3200" dirty="0">
+                <a:solidFill>
+                  <a:srgbClr val="0000FF"/>
                 </a:solidFill>
                 <a:latin typeface="+mj-lt"/>
                 <a:ea typeface="ＭＳ ゴシック" panose="020B0609070205080204" pitchFamily="49" charset="-128"/>
               </a:rPr>
-              <a:t>Chicken</a:t>
-            </a:r>
-            <a:r>
-              <a:rPr lang="en-US" altLang="ja-JP" sz="2400" dirty="0">
+              <a:t>void</a:t>
+            </a:r>
+            <a:r>
+              <a:rPr lang="en-US" altLang="ja-JP" sz="3200" dirty="0">
                 <a:solidFill>
                   <a:srgbClr val="000000"/>
                 </a:solidFill>
                 <a:latin typeface="+mj-lt"/>
                 <a:ea typeface="ＭＳ ゴシック" panose="020B0609070205080204" pitchFamily="49" charset="-128"/>
               </a:rPr>
-              <a:t>();</a:t>
-            </a:r>
-          </a:p>
-          <a:p>
-            <a:r>
-              <a:rPr lang="en-US" altLang="ja-JP" sz="2400" dirty="0">
-                <a:solidFill>
-                  <a:srgbClr val="000000"/>
+              <a:t> </a:t>
+            </a:r>
+            <a:r>
+              <a:rPr lang="en-US" altLang="ja-JP" sz="3200" dirty="0">
+                <a:solidFill>
+                  <a:srgbClr val="2B91AF"/>
                 </a:solidFill>
                 <a:latin typeface="+mj-lt"/>
                 <a:ea typeface="ＭＳ ゴシック" panose="020B0609070205080204" pitchFamily="49" charset="-128"/>
               </a:rPr>
-              <a:t>  </a:t>
-            </a:r>
-            <a:r>
-              <a:rPr lang="en-US" altLang="ja-JP" sz="2400" dirty="0" err="1">
-                <a:solidFill>
-                  <a:srgbClr val="FF0000"/>
+              <a:t>Bird</a:t>
+            </a:r>
+            <a:r>
+              <a:rPr lang="en-US" altLang="ja-JP" sz="3200" dirty="0">
+                <a:solidFill>
+                  <a:srgbClr val="000000"/>
                 </a:solidFill>
                 <a:latin typeface="+mj-lt"/>
                 <a:ea typeface="ＭＳ ゴシック" panose="020B0609070205080204" pitchFamily="49" charset="-128"/>
               </a:rPr>
-              <a:t>pBird</a:t>
-            </a:r>
-            <a:r>
-              <a:rPr lang="en-US" altLang="ja-JP" sz="2400" dirty="0">
-                <a:solidFill>
-                  <a:srgbClr val="FF0000"/>
+              <a:t>::fly() {</a:t>
+            </a:r>
+          </a:p>
+          <a:p>
+            <a:r>
+              <a:rPr lang="en-US" altLang="ja-JP" sz="3200" dirty="0">
+                <a:solidFill>
+                  <a:srgbClr val="000000"/>
                 </a:solidFill>
                 <a:latin typeface="+mj-lt"/>
                 <a:ea typeface="ＭＳ ゴシック" panose="020B0609070205080204" pitchFamily="49" charset="-128"/>
               </a:rPr>
-              <a:t> = new Bird();</a:t>
-            </a:r>
-          </a:p>
-          <a:p>
-            <a:r>
-              <a:rPr lang="en-US" altLang="ja-JP" sz="2400" dirty="0">
+              <a:t>  </a:t>
+            </a:r>
+            <a:r>
+              <a:rPr lang="en-US" altLang="ja-JP" sz="3200" dirty="0" err="1">
                 <a:solidFill>
                   <a:srgbClr val="000000"/>
                 </a:solidFill>
                 <a:latin typeface="+mj-lt"/>
                 <a:ea typeface="ＭＳ ゴシック" panose="020B0609070205080204" pitchFamily="49" charset="-128"/>
               </a:rPr>
-              <a:t>  </a:t>
-            </a:r>
-            <a:r>
-              <a:rPr lang="en-US" altLang="ja-JP" sz="2400" dirty="0" err="1">
+              <a:t>cout</a:t>
+            </a:r>
+            <a:r>
+              <a:rPr lang="en-US" altLang="ja-JP" sz="3200" dirty="0">
                 <a:solidFill>
                   <a:srgbClr val="000000"/>
                 </a:solidFill>
                 <a:latin typeface="+mj-lt"/>
                 <a:ea typeface="ＭＳ ゴシック" panose="020B0609070205080204" pitchFamily="49" charset="-128"/>
               </a:rPr>
-              <a:t>pCrow</a:t>
-            </a:r>
-            <a:r>
-              <a:rPr lang="en-US" altLang="ja-JP" sz="2400" dirty="0">
-                <a:solidFill>
-                  <a:srgbClr val="000000"/>
+              <a:t> </a:t>
+            </a:r>
+            <a:r>
+              <a:rPr lang="en-US" altLang="ja-JP" sz="3200" dirty="0">
+                <a:solidFill>
+                  <a:srgbClr val="008080"/>
                 </a:solidFill>
                 <a:latin typeface="+mj-lt"/>
                 <a:ea typeface="ＭＳ ゴシック" panose="020B0609070205080204" pitchFamily="49" charset="-128"/>
               </a:rPr>
-              <a:t>-&gt;fly();</a:t>
-            </a:r>
-          </a:p>
-          <a:p>
-            <a:r>
-              <a:rPr lang="en-US" altLang="ja-JP" sz="2400" dirty="0">
+              <a:t>&lt;&lt;</a:t>
+            </a:r>
+            <a:r>
+              <a:rPr lang="en-US" altLang="ja-JP" sz="3200" dirty="0">
                 <a:solidFill>
                   <a:srgbClr val="000000"/>
                 </a:solidFill>
                 <a:latin typeface="+mj-lt"/>
                 <a:ea typeface="ＭＳ ゴシック" panose="020B0609070205080204" pitchFamily="49" charset="-128"/>
               </a:rPr>
-              <a:t>  </a:t>
-            </a:r>
-            <a:r>
-              <a:rPr lang="en-US" altLang="ja-JP" sz="2400" dirty="0" err="1">
-                <a:solidFill>
-                  <a:srgbClr val="000000"/>
+              <a:t> </a:t>
+            </a:r>
+            <a:r>
+              <a:rPr lang="en-US" altLang="ja-JP" sz="3200" dirty="0">
+                <a:solidFill>
+                  <a:srgbClr val="A31515"/>
                 </a:solidFill>
                 <a:latin typeface="+mj-lt"/>
                 <a:ea typeface="ＭＳ ゴシック" panose="020B0609070205080204" pitchFamily="49" charset="-128"/>
               </a:rPr>
-              <a:t>pChicken</a:t>
-            </a:r>
-            <a:r>
-              <a:rPr lang="en-US" altLang="ja-JP" sz="2400" dirty="0">
-                <a:solidFill>
-                  <a:srgbClr val="000000"/>
+              <a:t>"</a:t>
+            </a:r>
+            <a:r>
+              <a:rPr lang="ja-JP" altLang="en-US" sz="3200" dirty="0">
+                <a:solidFill>
+                  <a:srgbClr val="A31515"/>
                 </a:solidFill>
                 <a:latin typeface="+mj-lt"/>
                 <a:ea typeface="ＭＳ ゴシック" panose="020B0609070205080204" pitchFamily="49" charset="-128"/>
               </a:rPr>
-              <a:t>-&gt;fly();</a:t>
-            </a:r>
-          </a:p>
-          <a:p>
-            <a:r>
-              <a:rPr lang="en-US" altLang="ja-JP" sz="2400" dirty="0">
-                <a:solidFill>
-                  <a:srgbClr val="000000"/>
+              <a:t>鳥が飛ぶ</a:t>
+            </a:r>
+            <a:r>
+              <a:rPr lang="en-US" altLang="ja-JP" sz="3200" dirty="0">
+                <a:solidFill>
+                  <a:srgbClr val="A31515"/>
                 </a:solidFill>
                 <a:latin typeface="+mj-lt"/>
                 <a:ea typeface="ＭＳ ゴシック" panose="020B0609070205080204" pitchFamily="49" charset="-128"/>
               </a:rPr>
-              <a:t>  </a:t>
-            </a:r>
-            <a:r>
-              <a:rPr lang="en-US" altLang="ja-JP" sz="2400" dirty="0" err="1">
+              <a:t>"</a:t>
+            </a:r>
+            <a:r>
+              <a:rPr lang="ja-JP" altLang="en-US" sz="3200" dirty="0">
                 <a:solidFill>
                   <a:srgbClr val="000000"/>
                 </a:solidFill>
                 <a:latin typeface="+mj-lt"/>
                 <a:ea typeface="ＭＳ ゴシック" panose="020B0609070205080204" pitchFamily="49" charset="-128"/>
               </a:rPr>
-              <a:t>pCrow</a:t>
-            </a:r>
-            <a:r>
-              <a:rPr lang="en-US" altLang="ja-JP" sz="2400" dirty="0">
-                <a:solidFill>
-                  <a:srgbClr val="000000"/>
+              <a:t> </a:t>
+            </a:r>
+            <a:r>
+              <a:rPr lang="en-US" altLang="ja-JP" sz="3200" dirty="0">
+                <a:solidFill>
+                  <a:srgbClr val="008080"/>
                 </a:solidFill>
                 <a:latin typeface="+mj-lt"/>
                 <a:ea typeface="ＭＳ ゴシック" panose="020B0609070205080204" pitchFamily="49" charset="-128"/>
               </a:rPr>
-              <a:t>-&gt;sing();</a:t>
-            </a:r>
-          </a:p>
-          <a:p>
-            <a:r>
-              <a:rPr lang="en-US" altLang="ja-JP" sz="2400" dirty="0">
+              <a:t>&lt;&lt;</a:t>
+            </a:r>
+            <a:r>
+              <a:rPr lang="ja-JP" altLang="en-US" sz="3200" dirty="0">
                 <a:solidFill>
                   <a:srgbClr val="000000"/>
                 </a:solidFill>
                 <a:latin typeface="+mj-lt"/>
                 <a:ea typeface="ＭＳ ゴシック" panose="020B0609070205080204" pitchFamily="49" charset="-128"/>
               </a:rPr>
-              <a:t>  </a:t>
-            </a:r>
-            <a:r>
-              <a:rPr lang="en-US" altLang="ja-JP" sz="2400" dirty="0" err="1">
+              <a:t> </a:t>
+            </a:r>
+            <a:r>
+              <a:rPr lang="en-US" altLang="ja-JP" sz="3200" dirty="0" err="1">
                 <a:solidFill>
                   <a:srgbClr val="000000"/>
                 </a:solidFill>
                 <a:latin typeface="+mj-lt"/>
                 <a:ea typeface="ＭＳ ゴシック" panose="020B0609070205080204" pitchFamily="49" charset="-128"/>
               </a:rPr>
-              <a:t>pChicken</a:t>
-            </a:r>
-            <a:r>
-              <a:rPr lang="en-US" altLang="ja-JP" sz="2400" dirty="0">
+              <a:t>endl</a:t>
+            </a:r>
+            <a:r>
+              <a:rPr lang="en-US" altLang="ja-JP" sz="3200" dirty="0">
                 <a:solidFill>
                   <a:srgbClr val="000000"/>
                 </a:solidFill>
                 <a:latin typeface="+mj-lt"/>
                 <a:ea typeface="ＭＳ ゴシック" panose="020B0609070205080204" pitchFamily="49" charset="-128"/>
               </a:rPr>
-              <a:t>-&gt;sing();</a:t>
-            </a:r>
-          </a:p>
-          <a:p>
-            <a:r>
-              <a:rPr lang="en-US" altLang="ja-JP" sz="2400" dirty="0">
-                <a:solidFill>
-                  <a:srgbClr val="0000FF"/>
+              <a:t>;</a:t>
+            </a:r>
+          </a:p>
+          <a:p>
+            <a:r>
+              <a:rPr lang="en-US" altLang="ja-JP" sz="3200" dirty="0">
+                <a:solidFill>
+                  <a:srgbClr val="000000"/>
                 </a:solidFill>
                 <a:latin typeface="+mj-lt"/>
                 <a:ea typeface="ＭＳ ゴシック" panose="020B0609070205080204" pitchFamily="49" charset="-128"/>
               </a:rPr>
-              <a:t>  delete</a:t>
-            </a:r>
-            <a:r>
-              <a:rPr lang="en-US" altLang="ja-JP" sz="2400" dirty="0">
-                <a:solidFill>
-                  <a:srgbClr val="000000"/>
-                </a:solidFill>
-                <a:latin typeface="+mj-lt"/>
-                <a:ea typeface="ＭＳ ゴシック" panose="020B0609070205080204" pitchFamily="49" charset="-128"/>
-              </a:rPr>
-              <a:t> </a:t>
-            </a:r>
-            <a:r>
-              <a:rPr lang="en-US" altLang="ja-JP" sz="2400" dirty="0" err="1">
-                <a:solidFill>
-                  <a:srgbClr val="000000"/>
-                </a:solidFill>
-                <a:latin typeface="+mj-lt"/>
-                <a:ea typeface="ＭＳ ゴシック" panose="020B0609070205080204" pitchFamily="49" charset="-128"/>
-              </a:rPr>
-              <a:t>pCrow</a:t>
-            </a:r>
-            <a:r>
-              <a:rPr lang="en-US" altLang="ja-JP" sz="2400" dirty="0">
-                <a:solidFill>
-                  <a:srgbClr val="000000"/>
-                </a:solidFill>
-                <a:latin typeface="+mj-lt"/>
-                <a:ea typeface="ＭＳ ゴシック" panose="020B0609070205080204" pitchFamily="49" charset="-128"/>
-              </a:rPr>
-              <a:t>;</a:t>
-            </a:r>
-          </a:p>
-          <a:p>
-            <a:r>
-              <a:rPr lang="en-US" altLang="ja-JP" sz="2400" dirty="0">
-                <a:solidFill>
-                  <a:srgbClr val="0000FF"/>
-                </a:solidFill>
-                <a:latin typeface="+mj-lt"/>
-                <a:ea typeface="ＭＳ ゴシック" panose="020B0609070205080204" pitchFamily="49" charset="-128"/>
-              </a:rPr>
-              <a:t>  delete</a:t>
-            </a:r>
-            <a:r>
-              <a:rPr lang="en-US" altLang="ja-JP" sz="2400" dirty="0">
-                <a:solidFill>
-                  <a:srgbClr val="000000"/>
-                </a:solidFill>
-                <a:latin typeface="+mj-lt"/>
-                <a:ea typeface="ＭＳ ゴシック" panose="020B0609070205080204" pitchFamily="49" charset="-128"/>
-              </a:rPr>
-              <a:t> </a:t>
-            </a:r>
-            <a:r>
-              <a:rPr lang="en-US" altLang="ja-JP" sz="2400" dirty="0" err="1">
-                <a:solidFill>
-                  <a:srgbClr val="000000"/>
-                </a:solidFill>
-                <a:latin typeface="+mj-lt"/>
-                <a:ea typeface="ＭＳ ゴシック" panose="020B0609070205080204" pitchFamily="49" charset="-128"/>
-              </a:rPr>
-              <a:t>pChicken</a:t>
-            </a:r>
-            <a:r>
-              <a:rPr lang="en-US" altLang="ja-JP" sz="2400" dirty="0">
-                <a:solidFill>
-                  <a:srgbClr val="000000"/>
-                </a:solidFill>
-                <a:latin typeface="+mj-lt"/>
-                <a:ea typeface="ＭＳ ゴシック" panose="020B0609070205080204" pitchFamily="49" charset="-128"/>
-              </a:rPr>
-              <a:t>;</a:t>
-            </a:r>
-            <a:endParaRPr kumimoji="1" lang="ja-JP" altLang="en-US" sz="7200" dirty="0">
+              <a:t>}</a:t>
+            </a:r>
+            <a:endParaRPr kumimoji="1" lang="ja-JP" altLang="en-US" sz="6000" dirty="0">
               <a:latin typeface="+mj-lt"/>
             </a:endParaRPr>
           </a:p>
@@ -17265,10 +17040,10 @@
       </p:sp>
       <p:sp>
         <p:nvSpPr>
-          <p:cNvPr id="6" name="テキスト ボックス 5">
+          <p:cNvPr id="4" name="テキスト ボックス 3">
             <a:extLst>
               <a:ext uri="{FF2B5EF4-FFF2-40B4-BE49-F238E27FC236}">
-                <a16:creationId xmlns:a16="http://schemas.microsoft.com/office/drawing/2014/main" id="{068CDAF3-C1EB-9C4D-0857-C709FB8C9593}"/>
+                <a16:creationId xmlns:a16="http://schemas.microsoft.com/office/drawing/2014/main" id="{66CE7F4B-75FF-4B35-95DF-A25B059D18CF}"/>
               </a:ext>
             </a:extLst>
           </p:cNvPr>
@@ -17277,8 +17052,8 @@
         </p:nvSpPr>
         <p:spPr>
           <a:xfrm>
-            <a:off x="6460312" y="3762088"/>
-            <a:ext cx="2831224" cy="523220"/>
+            <a:off x="6197916" y="2363096"/>
+            <a:ext cx="4783682" cy="954107"/>
           </a:xfrm>
           <a:prstGeom prst="rect">
             <a:avLst/>
@@ -17306,144 +17081,32 @@
           <a:lstStyle/>
           <a:p>
             <a:r>
-              <a:rPr kumimoji="1" lang="ja-JP" altLang="en-US" sz="2800" dirty="0">
+              <a:rPr kumimoji="1" lang="ja-JP" altLang="en-US" sz="2800" b="1" dirty="0">
                 <a:solidFill>
                   <a:srgbClr val="FF0000"/>
                 </a:solidFill>
               </a:rPr>
-              <a:t>コンパイルエラー</a:t>
-            </a:r>
-            <a:endParaRPr kumimoji="1" lang="en-US" altLang="ja-JP" sz="2800" dirty="0">
-              <a:solidFill>
-                <a:srgbClr val="FF0000"/>
-              </a:solidFill>
-            </a:endParaRPr>
-          </a:p>
-        </p:txBody>
-      </p:sp>
-      <p:sp>
-        <p:nvSpPr>
-          <p:cNvPr id="7" name="矢印: 右 6">
-            <a:extLst>
-              <a:ext uri="{FF2B5EF4-FFF2-40B4-BE49-F238E27FC236}">
-                <a16:creationId xmlns:a16="http://schemas.microsoft.com/office/drawing/2014/main" id="{E6ECEF79-F89A-D713-6513-87B6944982BD}"/>
-              </a:ext>
-            </a:extLst>
-          </p:cNvPr>
-          <p:cNvSpPr/>
-          <p:nvPr/>
-        </p:nvSpPr>
-        <p:spPr>
-          <a:xfrm>
-            <a:off x="5145932" y="3842425"/>
-            <a:ext cx="1050587" cy="369651"/>
-          </a:xfrm>
-          <a:prstGeom prst="rightArrow">
-            <a:avLst/>
-          </a:prstGeom>
-        </p:spPr>
-        <p:style>
-          <a:lnRef idx="2">
-            <a:schemeClr val="accent1">
-              <a:shade val="15000"/>
-            </a:schemeClr>
-          </a:lnRef>
-          <a:fillRef idx="1">
-            <a:schemeClr val="accent1"/>
-          </a:fillRef>
-          <a:effectRef idx="0">
-            <a:schemeClr val="accent1"/>
-          </a:effectRef>
-          <a:fontRef idx="minor">
-            <a:schemeClr val="lt1"/>
-          </a:fontRef>
-        </p:style>
-        <p:txBody>
-          <a:bodyPr rtlCol="0" anchor="ctr"/>
-          <a:lstStyle/>
-          <a:p>
-            <a:pPr algn="ctr"/>
-            <a:endParaRPr kumimoji="1" lang="ja-JP" altLang="en-US"/>
-          </a:p>
-        </p:txBody>
-      </p:sp>
-      <p:sp>
-        <p:nvSpPr>
-          <p:cNvPr id="8" name="テキスト ボックス 7">
-            <a:extLst>
-              <a:ext uri="{FF2B5EF4-FFF2-40B4-BE49-F238E27FC236}">
-                <a16:creationId xmlns:a16="http://schemas.microsoft.com/office/drawing/2014/main" id="{9914B94D-085E-3B48-8D84-9751A92E1DC9}"/>
-              </a:ext>
-            </a:extLst>
-          </p:cNvPr>
-          <p:cNvSpPr txBox="1"/>
-          <p:nvPr/>
-        </p:nvSpPr>
-        <p:spPr>
-          <a:xfrm>
-            <a:off x="6460312" y="4621450"/>
-            <a:ext cx="5133136" cy="1077218"/>
-          </a:xfrm>
-          <a:prstGeom prst="rect">
-            <a:avLst/>
-          </a:prstGeom>
-          <a:solidFill>
-            <a:schemeClr val="bg1"/>
-          </a:solidFill>
-          <a:ln>
-            <a:solidFill>
-              <a:schemeClr val="tx1"/>
-            </a:solidFill>
-          </a:ln>
-          <a:effectLst>
-            <a:outerShdw blurRad="50800" dist="38100" dir="2700000" algn="tl" rotWithShape="0">
-              <a:prstClr val="black">
-                <a:alpha val="40000"/>
-              </a:prstClr>
-            </a:outerShdw>
-          </a:effectLst>
-        </p:spPr>
-        <p:txBody>
-          <a:bodyPr wrap="none" rtlCol="0">
-            <a:spAutoFit/>
-          </a:bodyPr>
-          <a:lstStyle/>
-          <a:p>
-            <a:r>
-              <a:rPr kumimoji="1" lang="ja-JP" altLang="en-US" sz="3200" dirty="0">
-                <a:solidFill>
-                  <a:srgbClr val="00B050"/>
-                </a:solidFill>
-              </a:rPr>
-              <a:t>抽象クラスのインスタンスを</a:t>
-            </a:r>
-            <a:endParaRPr kumimoji="1" lang="en-US" altLang="ja-JP" sz="3200" dirty="0">
-              <a:solidFill>
-                <a:srgbClr val="00B050"/>
-              </a:solidFill>
-            </a:endParaRPr>
-          </a:p>
-          <a:p>
-            <a:r>
-              <a:rPr kumimoji="1" lang="ja-JP" altLang="en-US" sz="3200" dirty="0">
-                <a:solidFill>
-                  <a:srgbClr val="00B050"/>
-                </a:solidFill>
-              </a:rPr>
-              <a:t>生成することはできない！</a:t>
-            </a:r>
-            <a:endParaRPr kumimoji="1" lang="en-US" altLang="ja-JP" sz="3200" dirty="0">
-              <a:solidFill>
-                <a:srgbClr val="00B050"/>
-              </a:solidFill>
-            </a:endParaRPr>
+              <a:t>純粋仮想関数</a:t>
+            </a:r>
+            <a:r>
+              <a:rPr kumimoji="1" lang="ja-JP" altLang="en-US" sz="2800" dirty="0"/>
+              <a:t>となった関数の</a:t>
+            </a:r>
+            <a:endParaRPr kumimoji="1" lang="en-US" altLang="ja-JP" sz="2800" dirty="0"/>
+          </a:p>
+          <a:p>
+            <a:r>
+              <a:rPr kumimoji="1" lang="ja-JP" altLang="en-US" sz="2800" dirty="0"/>
+              <a:t>定義は不要</a:t>
+            </a:r>
+            <a:endParaRPr kumimoji="1" lang="en-US" altLang="ja-JP" sz="2800" dirty="0"/>
           </a:p>
         </p:txBody>
       </p:sp>
     </p:spTree>
     <p:extLst>
       <p:ext uri="{BB962C8B-B14F-4D97-AF65-F5344CB8AC3E}">
-        <p14:creationId xmlns:p14="http://schemas.microsoft.com/office/powerpoint/2010/main" val="2023642681"/>
+        <p14:creationId xmlns:p14="http://schemas.microsoft.com/office/powerpoint/2010/main" val="1526706075"/>
       </p:ext>
     </p:extLst>
   </p:cSld>
@@ -17687,6 +17350,863 @@
           <p:cNvPr id="2" name="タイトル 1">
             <a:extLst>
               <a:ext uri="{FF2B5EF4-FFF2-40B4-BE49-F238E27FC236}">
+                <a16:creationId xmlns:a16="http://schemas.microsoft.com/office/drawing/2014/main" id="{F11F3668-F205-48C5-AC01-19611EFE561B}"/>
+              </a:ext>
+            </a:extLst>
+          </p:cNvPr>
+          <p:cNvSpPr>
+            <a:spLocks noGrp="1"/>
+          </p:cNvSpPr>
+          <p:nvPr>
+            <p:ph type="title"/>
+          </p:nvPr>
+        </p:nvSpPr>
+        <p:spPr/>
+        <p:txBody>
+          <a:bodyPr/>
+          <a:lstStyle/>
+          <a:p>
+            <a:r>
+              <a:rPr kumimoji="1" lang="ja-JP" altLang="en-US" dirty="0"/>
+              <a:t>ポリモーフィズム</a:t>
+            </a:r>
+          </a:p>
+        </p:txBody>
+      </p:sp>
+      <p:sp>
+        <p:nvSpPr>
+          <p:cNvPr id="3" name="コンテンツ プレースホルダー 2">
+            <a:extLst>
+              <a:ext uri="{FF2B5EF4-FFF2-40B4-BE49-F238E27FC236}">
+                <a16:creationId xmlns:a16="http://schemas.microsoft.com/office/drawing/2014/main" id="{64DBE417-57E9-44A6-BB52-B2F9986BB7B2}"/>
+              </a:ext>
+            </a:extLst>
+          </p:cNvPr>
+          <p:cNvSpPr>
+            <a:spLocks noGrp="1"/>
+          </p:cNvSpPr>
+          <p:nvPr>
+            <p:ph idx="1"/>
+          </p:nvPr>
+        </p:nvSpPr>
+        <p:spPr>
+          <a:xfrm>
+            <a:off x="838200" y="1162976"/>
+            <a:ext cx="10515600" cy="5193373"/>
+          </a:xfrm>
+        </p:spPr>
+        <p:txBody>
+          <a:bodyPr>
+            <a:normAutofit/>
+          </a:bodyPr>
+          <a:lstStyle/>
+          <a:p>
+            <a:r>
+              <a:rPr kumimoji="1" lang="en-US" altLang="ja-JP" dirty="0"/>
+              <a:t>main.cpp</a:t>
+            </a:r>
+            <a:r>
+              <a:rPr kumimoji="1" lang="ja-JP" altLang="en-US" dirty="0"/>
+              <a:t>　</a:t>
+            </a:r>
+            <a:r>
+              <a:rPr kumimoji="1" lang="en-US" altLang="ja-JP" dirty="0"/>
+              <a:t>(Sample507)</a:t>
+            </a:r>
+            <a:br>
+              <a:rPr lang="en-US" altLang="ja-JP" dirty="0"/>
+            </a:br>
+            <a:endParaRPr lang="en-US" altLang="ja-JP" dirty="0"/>
+          </a:p>
+          <a:p>
+            <a:pPr marL="0" indent="0">
+              <a:buNone/>
+            </a:pPr>
+            <a:br>
+              <a:rPr lang="en-US" altLang="ja-JP" dirty="0"/>
+            </a:br>
+            <a:br>
+              <a:rPr lang="en-US" altLang="ja-JP" dirty="0"/>
+            </a:br>
+            <a:br>
+              <a:rPr lang="en-US" altLang="ja-JP" dirty="0"/>
+            </a:br>
+            <a:br>
+              <a:rPr lang="en-US" altLang="ja-JP" sz="2400" dirty="0"/>
+            </a:br>
+            <a:br>
+              <a:rPr lang="en-US" altLang="ja-JP" sz="2400" dirty="0"/>
+            </a:br>
+            <a:endParaRPr lang="en-US" altLang="ja-JP" sz="2400" dirty="0"/>
+          </a:p>
+          <a:p>
+            <a:pPr marL="0" indent="0">
+              <a:buNone/>
+            </a:pPr>
+            <a:br>
+              <a:rPr lang="en-US" altLang="ja-JP" sz="2400" dirty="0"/>
+            </a:br>
+            <a:endParaRPr lang="en-US" altLang="ja-JP" dirty="0">
+              <a:solidFill>
+                <a:srgbClr val="FF0000"/>
+              </a:solidFill>
+            </a:endParaRPr>
+          </a:p>
+        </p:txBody>
+      </p:sp>
+      <p:sp>
+        <p:nvSpPr>
+          <p:cNvPr id="5" name="テキスト ボックス 4">
+            <a:extLst>
+              <a:ext uri="{FF2B5EF4-FFF2-40B4-BE49-F238E27FC236}">
+                <a16:creationId xmlns:a16="http://schemas.microsoft.com/office/drawing/2014/main" id="{9E32883C-0E37-4F07-9861-27609819CE8C}"/>
+              </a:ext>
+            </a:extLst>
+          </p:cNvPr>
+          <p:cNvSpPr txBox="1"/>
+          <p:nvPr/>
+        </p:nvSpPr>
+        <p:spPr>
+          <a:xfrm>
+            <a:off x="1048255" y="1942532"/>
+            <a:ext cx="10688220" cy="4524315"/>
+          </a:xfrm>
+          <a:prstGeom prst="rect">
+            <a:avLst/>
+          </a:prstGeom>
+          <a:noFill/>
+          <a:ln>
+            <a:solidFill>
+              <a:schemeClr val="tx1"/>
+            </a:solidFill>
+          </a:ln>
+        </p:spPr>
+        <p:txBody>
+          <a:bodyPr wrap="square" rtlCol="0">
+            <a:spAutoFit/>
+          </a:bodyPr>
+          <a:lstStyle/>
+          <a:p>
+            <a:r>
+              <a:rPr lang="en-US" altLang="ja-JP" sz="2400" dirty="0">
+                <a:solidFill>
+                  <a:srgbClr val="0000FF"/>
+                </a:solidFill>
+                <a:latin typeface="+mj-lt"/>
+                <a:ea typeface="ＭＳ ゴシック" panose="020B0609070205080204" pitchFamily="49" charset="-128"/>
+              </a:rPr>
+              <a:t>int</a:t>
+            </a:r>
+            <a:r>
+              <a:rPr lang="en-US" altLang="ja-JP" sz="2400" dirty="0">
+                <a:solidFill>
+                  <a:srgbClr val="000000"/>
+                </a:solidFill>
+                <a:latin typeface="+mj-lt"/>
+                <a:ea typeface="ＭＳ ゴシック" panose="020B0609070205080204" pitchFamily="49" charset="-128"/>
+              </a:rPr>
+              <a:t> main()</a:t>
+            </a:r>
+          </a:p>
+          <a:p>
+            <a:r>
+              <a:rPr lang="en-US" altLang="ja-JP" sz="2400" dirty="0">
+                <a:solidFill>
+                  <a:srgbClr val="000000"/>
+                </a:solidFill>
+                <a:latin typeface="+mj-lt"/>
+                <a:ea typeface="ＭＳ ゴシック" panose="020B0609070205080204" pitchFamily="49" charset="-128"/>
+              </a:rPr>
+              <a:t>{</a:t>
+            </a:r>
+          </a:p>
+          <a:p>
+            <a:r>
+              <a:rPr lang="en-US" altLang="ja-JP" sz="2400" dirty="0">
+                <a:solidFill>
+                  <a:srgbClr val="2B91AF"/>
+                </a:solidFill>
+                <a:latin typeface="+mj-lt"/>
+                <a:ea typeface="ＭＳ ゴシック" panose="020B0609070205080204" pitchFamily="49" charset="-128"/>
+              </a:rPr>
+              <a:t>  Bird</a:t>
+            </a:r>
+            <a:r>
+              <a:rPr lang="en-US" altLang="ja-JP" sz="2400" dirty="0">
+                <a:solidFill>
+                  <a:srgbClr val="000000"/>
+                </a:solidFill>
+                <a:latin typeface="+mj-lt"/>
+                <a:ea typeface="ＭＳ ゴシック" panose="020B0609070205080204" pitchFamily="49" charset="-128"/>
+              </a:rPr>
+              <a:t>* </a:t>
+            </a:r>
+            <a:r>
+              <a:rPr lang="en-US" altLang="ja-JP" sz="2400" dirty="0" err="1">
+                <a:solidFill>
+                  <a:srgbClr val="000000"/>
+                </a:solidFill>
+                <a:latin typeface="+mj-lt"/>
+                <a:ea typeface="ＭＳ ゴシック" panose="020B0609070205080204" pitchFamily="49" charset="-128"/>
+              </a:rPr>
+              <a:t>pCrow</a:t>
+            </a:r>
+            <a:r>
+              <a:rPr lang="en-US" altLang="ja-JP" sz="2400" dirty="0">
+                <a:solidFill>
+                  <a:srgbClr val="000000"/>
+                </a:solidFill>
+                <a:latin typeface="+mj-lt"/>
+                <a:ea typeface="ＭＳ ゴシック" panose="020B0609070205080204" pitchFamily="49" charset="-128"/>
+              </a:rPr>
+              <a:t>{}, * </a:t>
+            </a:r>
+            <a:r>
+              <a:rPr lang="en-US" altLang="ja-JP" sz="2400" dirty="0" err="1">
+                <a:solidFill>
+                  <a:srgbClr val="000000"/>
+                </a:solidFill>
+                <a:latin typeface="+mj-lt"/>
+                <a:ea typeface="ＭＳ ゴシック" panose="020B0609070205080204" pitchFamily="49" charset="-128"/>
+              </a:rPr>
+              <a:t>pChicken</a:t>
+            </a:r>
+            <a:r>
+              <a:rPr lang="en-US" altLang="ja-JP" sz="2400" dirty="0">
+                <a:solidFill>
+                  <a:srgbClr val="000000"/>
+                </a:solidFill>
+                <a:latin typeface="+mj-lt"/>
+                <a:ea typeface="ＭＳ ゴシック" panose="020B0609070205080204" pitchFamily="49" charset="-128"/>
+              </a:rPr>
+              <a:t>{}, * </a:t>
+            </a:r>
+            <a:r>
+              <a:rPr lang="en-US" altLang="ja-JP" sz="2400" dirty="0" err="1">
+                <a:solidFill>
+                  <a:srgbClr val="000000"/>
+                </a:solidFill>
+                <a:latin typeface="+mj-lt"/>
+                <a:ea typeface="ＭＳ ゴシック" panose="020B0609070205080204" pitchFamily="49" charset="-128"/>
+              </a:rPr>
+              <a:t>pBird</a:t>
+            </a:r>
+            <a:r>
+              <a:rPr lang="en-US" altLang="ja-JP" sz="2400" dirty="0">
+                <a:solidFill>
+                  <a:srgbClr val="000000"/>
+                </a:solidFill>
+                <a:latin typeface="+mj-lt"/>
+                <a:ea typeface="ＭＳ ゴシック" panose="020B0609070205080204" pitchFamily="49" charset="-128"/>
+              </a:rPr>
+              <a:t>{};</a:t>
+            </a:r>
+          </a:p>
+          <a:p>
+            <a:r>
+              <a:rPr lang="en-US" altLang="ja-JP" sz="2400" dirty="0">
+                <a:solidFill>
+                  <a:srgbClr val="000000"/>
+                </a:solidFill>
+                <a:latin typeface="+mj-lt"/>
+                <a:ea typeface="ＭＳ ゴシック" panose="020B0609070205080204" pitchFamily="49" charset="-128"/>
+              </a:rPr>
+              <a:t>  </a:t>
+            </a:r>
+            <a:r>
+              <a:rPr lang="en-US" altLang="ja-JP" sz="2400" dirty="0" err="1">
+                <a:solidFill>
+                  <a:srgbClr val="000000"/>
+                </a:solidFill>
+                <a:latin typeface="+mj-lt"/>
+                <a:ea typeface="ＭＳ ゴシック" panose="020B0609070205080204" pitchFamily="49" charset="-128"/>
+              </a:rPr>
+              <a:t>pCrow</a:t>
+            </a:r>
+            <a:r>
+              <a:rPr lang="en-US" altLang="ja-JP" sz="2400" dirty="0">
+                <a:solidFill>
+                  <a:srgbClr val="000000"/>
+                </a:solidFill>
+                <a:latin typeface="+mj-lt"/>
+                <a:ea typeface="ＭＳ ゴシック" panose="020B0609070205080204" pitchFamily="49" charset="-128"/>
+              </a:rPr>
+              <a:t> = </a:t>
+            </a:r>
+            <a:r>
+              <a:rPr lang="en-US" altLang="ja-JP" sz="2400" dirty="0">
+                <a:solidFill>
+                  <a:srgbClr val="0000FF"/>
+                </a:solidFill>
+                <a:latin typeface="+mj-lt"/>
+                <a:ea typeface="ＭＳ ゴシック" panose="020B0609070205080204" pitchFamily="49" charset="-128"/>
+              </a:rPr>
+              <a:t>new</a:t>
+            </a:r>
+            <a:r>
+              <a:rPr lang="en-US" altLang="ja-JP" sz="2400" dirty="0">
+                <a:solidFill>
+                  <a:srgbClr val="000000"/>
+                </a:solidFill>
+                <a:latin typeface="+mj-lt"/>
+                <a:ea typeface="ＭＳ ゴシック" panose="020B0609070205080204" pitchFamily="49" charset="-128"/>
+              </a:rPr>
+              <a:t> </a:t>
+            </a:r>
+            <a:r>
+              <a:rPr lang="en-US" altLang="ja-JP" sz="2400" dirty="0">
+                <a:solidFill>
+                  <a:srgbClr val="2B91AF"/>
+                </a:solidFill>
+                <a:latin typeface="+mj-lt"/>
+                <a:ea typeface="ＭＳ ゴシック" panose="020B0609070205080204" pitchFamily="49" charset="-128"/>
+              </a:rPr>
+              <a:t>Crow</a:t>
+            </a:r>
+            <a:r>
+              <a:rPr lang="en-US" altLang="ja-JP" sz="2400" dirty="0">
+                <a:solidFill>
+                  <a:srgbClr val="000000"/>
+                </a:solidFill>
+                <a:latin typeface="+mj-lt"/>
+                <a:ea typeface="ＭＳ ゴシック" panose="020B0609070205080204" pitchFamily="49" charset="-128"/>
+              </a:rPr>
+              <a:t>();</a:t>
+            </a:r>
+          </a:p>
+          <a:p>
+            <a:r>
+              <a:rPr lang="en-US" altLang="ja-JP" sz="2400" dirty="0">
+                <a:solidFill>
+                  <a:srgbClr val="000000"/>
+                </a:solidFill>
+                <a:latin typeface="+mj-lt"/>
+                <a:ea typeface="ＭＳ ゴシック" panose="020B0609070205080204" pitchFamily="49" charset="-128"/>
+              </a:rPr>
+              <a:t>  </a:t>
+            </a:r>
+            <a:r>
+              <a:rPr lang="en-US" altLang="ja-JP" sz="2400" dirty="0" err="1">
+                <a:solidFill>
+                  <a:srgbClr val="000000"/>
+                </a:solidFill>
+                <a:latin typeface="+mj-lt"/>
+                <a:ea typeface="ＭＳ ゴシック" panose="020B0609070205080204" pitchFamily="49" charset="-128"/>
+              </a:rPr>
+              <a:t>pChicken</a:t>
+            </a:r>
+            <a:r>
+              <a:rPr lang="en-US" altLang="ja-JP" sz="2400" dirty="0">
+                <a:solidFill>
+                  <a:srgbClr val="000000"/>
+                </a:solidFill>
+                <a:latin typeface="+mj-lt"/>
+                <a:ea typeface="ＭＳ ゴシック" panose="020B0609070205080204" pitchFamily="49" charset="-128"/>
+              </a:rPr>
+              <a:t> = </a:t>
+            </a:r>
+            <a:r>
+              <a:rPr lang="en-US" altLang="ja-JP" sz="2400" dirty="0">
+                <a:solidFill>
+                  <a:srgbClr val="0000FF"/>
+                </a:solidFill>
+                <a:latin typeface="+mj-lt"/>
+                <a:ea typeface="ＭＳ ゴシック" panose="020B0609070205080204" pitchFamily="49" charset="-128"/>
+              </a:rPr>
+              <a:t>new</a:t>
+            </a:r>
+            <a:r>
+              <a:rPr lang="en-US" altLang="ja-JP" sz="2400" dirty="0">
+                <a:solidFill>
+                  <a:srgbClr val="000000"/>
+                </a:solidFill>
+                <a:latin typeface="+mj-lt"/>
+                <a:ea typeface="ＭＳ ゴシック" panose="020B0609070205080204" pitchFamily="49" charset="-128"/>
+              </a:rPr>
+              <a:t> </a:t>
+            </a:r>
+            <a:r>
+              <a:rPr lang="en-US" altLang="ja-JP" sz="2400" dirty="0">
+                <a:solidFill>
+                  <a:srgbClr val="2B91AF"/>
+                </a:solidFill>
+                <a:latin typeface="+mj-lt"/>
+                <a:ea typeface="ＭＳ ゴシック" panose="020B0609070205080204" pitchFamily="49" charset="-128"/>
+              </a:rPr>
+              <a:t>Chicken</a:t>
+            </a:r>
+            <a:r>
+              <a:rPr lang="en-US" altLang="ja-JP" sz="2400" dirty="0">
+                <a:solidFill>
+                  <a:srgbClr val="000000"/>
+                </a:solidFill>
+                <a:latin typeface="+mj-lt"/>
+                <a:ea typeface="ＭＳ ゴシック" panose="020B0609070205080204" pitchFamily="49" charset="-128"/>
+              </a:rPr>
+              <a:t>();</a:t>
+            </a:r>
+          </a:p>
+          <a:p>
+            <a:r>
+              <a:rPr lang="en-US" altLang="ja-JP" sz="2400" dirty="0">
+                <a:solidFill>
+                  <a:srgbClr val="000000"/>
+                </a:solidFill>
+                <a:latin typeface="+mj-lt"/>
+                <a:ea typeface="ＭＳ ゴシック" panose="020B0609070205080204" pitchFamily="49" charset="-128"/>
+              </a:rPr>
+              <a:t>  </a:t>
+            </a:r>
+            <a:r>
+              <a:rPr lang="en-US" altLang="ja-JP" sz="2400" dirty="0" err="1">
+                <a:solidFill>
+                  <a:srgbClr val="FF0000"/>
+                </a:solidFill>
+                <a:latin typeface="+mj-lt"/>
+                <a:ea typeface="ＭＳ ゴシック" panose="020B0609070205080204" pitchFamily="49" charset="-128"/>
+              </a:rPr>
+              <a:t>pBird</a:t>
+            </a:r>
+            <a:r>
+              <a:rPr lang="en-US" altLang="ja-JP" sz="2400" dirty="0">
+                <a:solidFill>
+                  <a:srgbClr val="FF0000"/>
+                </a:solidFill>
+                <a:latin typeface="+mj-lt"/>
+                <a:ea typeface="ＭＳ ゴシック" panose="020B0609070205080204" pitchFamily="49" charset="-128"/>
+              </a:rPr>
+              <a:t> = new Bird();</a:t>
+            </a:r>
+          </a:p>
+          <a:p>
+            <a:r>
+              <a:rPr lang="en-US" altLang="ja-JP" sz="2400" dirty="0">
+                <a:solidFill>
+                  <a:srgbClr val="000000"/>
+                </a:solidFill>
+                <a:latin typeface="+mj-lt"/>
+                <a:ea typeface="ＭＳ ゴシック" panose="020B0609070205080204" pitchFamily="49" charset="-128"/>
+              </a:rPr>
+              <a:t>  </a:t>
+            </a:r>
+            <a:r>
+              <a:rPr lang="en-US" altLang="ja-JP" sz="2400" dirty="0" err="1">
+                <a:solidFill>
+                  <a:srgbClr val="000000"/>
+                </a:solidFill>
+                <a:latin typeface="+mj-lt"/>
+                <a:ea typeface="ＭＳ ゴシック" panose="020B0609070205080204" pitchFamily="49" charset="-128"/>
+              </a:rPr>
+              <a:t>pCrow</a:t>
+            </a:r>
+            <a:r>
+              <a:rPr lang="en-US" altLang="ja-JP" sz="2400" dirty="0">
+                <a:solidFill>
+                  <a:srgbClr val="000000"/>
+                </a:solidFill>
+                <a:latin typeface="+mj-lt"/>
+                <a:ea typeface="ＭＳ ゴシック" panose="020B0609070205080204" pitchFamily="49" charset="-128"/>
+              </a:rPr>
+              <a:t>-&gt;fly();</a:t>
+            </a:r>
+          </a:p>
+          <a:p>
+            <a:r>
+              <a:rPr lang="en-US" altLang="ja-JP" sz="2400" dirty="0">
+                <a:solidFill>
+                  <a:srgbClr val="000000"/>
+                </a:solidFill>
+                <a:latin typeface="+mj-lt"/>
+                <a:ea typeface="ＭＳ ゴシック" panose="020B0609070205080204" pitchFamily="49" charset="-128"/>
+              </a:rPr>
+              <a:t>  </a:t>
+            </a:r>
+            <a:r>
+              <a:rPr lang="en-US" altLang="ja-JP" sz="2400" dirty="0" err="1">
+                <a:solidFill>
+                  <a:srgbClr val="000000"/>
+                </a:solidFill>
+                <a:latin typeface="+mj-lt"/>
+                <a:ea typeface="ＭＳ ゴシック" panose="020B0609070205080204" pitchFamily="49" charset="-128"/>
+              </a:rPr>
+              <a:t>pChicken</a:t>
+            </a:r>
+            <a:r>
+              <a:rPr lang="en-US" altLang="ja-JP" sz="2400" dirty="0">
+                <a:solidFill>
+                  <a:srgbClr val="000000"/>
+                </a:solidFill>
+                <a:latin typeface="+mj-lt"/>
+                <a:ea typeface="ＭＳ ゴシック" panose="020B0609070205080204" pitchFamily="49" charset="-128"/>
+              </a:rPr>
+              <a:t>-&gt;fly();</a:t>
+            </a:r>
+          </a:p>
+          <a:p>
+            <a:r>
+              <a:rPr lang="en-US" altLang="ja-JP" sz="2400" dirty="0">
+                <a:solidFill>
+                  <a:srgbClr val="000000"/>
+                </a:solidFill>
+                <a:latin typeface="+mj-lt"/>
+                <a:ea typeface="ＭＳ ゴシック" panose="020B0609070205080204" pitchFamily="49" charset="-128"/>
+              </a:rPr>
+              <a:t>  </a:t>
+            </a:r>
+            <a:r>
+              <a:rPr lang="en-US" altLang="ja-JP" sz="2400" dirty="0" err="1">
+                <a:solidFill>
+                  <a:srgbClr val="000000"/>
+                </a:solidFill>
+                <a:latin typeface="+mj-lt"/>
+                <a:ea typeface="ＭＳ ゴシック" panose="020B0609070205080204" pitchFamily="49" charset="-128"/>
+              </a:rPr>
+              <a:t>pCrow</a:t>
+            </a:r>
+            <a:r>
+              <a:rPr lang="en-US" altLang="ja-JP" sz="2400" dirty="0">
+                <a:solidFill>
+                  <a:srgbClr val="000000"/>
+                </a:solidFill>
+                <a:latin typeface="+mj-lt"/>
+                <a:ea typeface="ＭＳ ゴシック" panose="020B0609070205080204" pitchFamily="49" charset="-128"/>
+              </a:rPr>
+              <a:t>-&gt;sing();</a:t>
+            </a:r>
+          </a:p>
+          <a:p>
+            <a:r>
+              <a:rPr lang="en-US" altLang="ja-JP" sz="2400" dirty="0">
+                <a:solidFill>
+                  <a:srgbClr val="000000"/>
+                </a:solidFill>
+                <a:latin typeface="+mj-lt"/>
+                <a:ea typeface="ＭＳ ゴシック" panose="020B0609070205080204" pitchFamily="49" charset="-128"/>
+              </a:rPr>
+              <a:t>  </a:t>
+            </a:r>
+            <a:r>
+              <a:rPr lang="en-US" altLang="ja-JP" sz="2400" dirty="0" err="1">
+                <a:solidFill>
+                  <a:srgbClr val="000000"/>
+                </a:solidFill>
+                <a:latin typeface="+mj-lt"/>
+                <a:ea typeface="ＭＳ ゴシック" panose="020B0609070205080204" pitchFamily="49" charset="-128"/>
+              </a:rPr>
+              <a:t>pChicken</a:t>
+            </a:r>
+            <a:r>
+              <a:rPr lang="en-US" altLang="ja-JP" sz="2400" dirty="0">
+                <a:solidFill>
+                  <a:srgbClr val="000000"/>
+                </a:solidFill>
+                <a:latin typeface="+mj-lt"/>
+                <a:ea typeface="ＭＳ ゴシック" panose="020B0609070205080204" pitchFamily="49" charset="-128"/>
+              </a:rPr>
+              <a:t>-&gt;sing();</a:t>
+            </a:r>
+          </a:p>
+          <a:p>
+            <a:r>
+              <a:rPr lang="en-US" altLang="ja-JP" sz="2400" dirty="0">
+                <a:solidFill>
+                  <a:srgbClr val="0000FF"/>
+                </a:solidFill>
+                <a:latin typeface="+mj-lt"/>
+                <a:ea typeface="ＭＳ ゴシック" panose="020B0609070205080204" pitchFamily="49" charset="-128"/>
+              </a:rPr>
+              <a:t>  delete</a:t>
+            </a:r>
+            <a:r>
+              <a:rPr lang="en-US" altLang="ja-JP" sz="2400" dirty="0">
+                <a:solidFill>
+                  <a:srgbClr val="000000"/>
+                </a:solidFill>
+                <a:latin typeface="+mj-lt"/>
+                <a:ea typeface="ＭＳ ゴシック" panose="020B0609070205080204" pitchFamily="49" charset="-128"/>
+              </a:rPr>
+              <a:t> </a:t>
+            </a:r>
+            <a:r>
+              <a:rPr lang="en-US" altLang="ja-JP" sz="2400" dirty="0" err="1">
+                <a:solidFill>
+                  <a:srgbClr val="000000"/>
+                </a:solidFill>
+                <a:latin typeface="+mj-lt"/>
+                <a:ea typeface="ＭＳ ゴシック" panose="020B0609070205080204" pitchFamily="49" charset="-128"/>
+              </a:rPr>
+              <a:t>pCrow</a:t>
+            </a:r>
+            <a:r>
+              <a:rPr lang="en-US" altLang="ja-JP" sz="2400" dirty="0">
+                <a:solidFill>
+                  <a:srgbClr val="000000"/>
+                </a:solidFill>
+                <a:latin typeface="+mj-lt"/>
+                <a:ea typeface="ＭＳ ゴシック" panose="020B0609070205080204" pitchFamily="49" charset="-128"/>
+              </a:rPr>
+              <a:t>;</a:t>
+            </a:r>
+          </a:p>
+          <a:p>
+            <a:r>
+              <a:rPr lang="en-US" altLang="ja-JP" sz="2400" dirty="0">
+                <a:solidFill>
+                  <a:srgbClr val="0000FF"/>
+                </a:solidFill>
+                <a:latin typeface="+mj-lt"/>
+                <a:ea typeface="ＭＳ ゴシック" panose="020B0609070205080204" pitchFamily="49" charset="-128"/>
+              </a:rPr>
+              <a:t>  delete</a:t>
+            </a:r>
+            <a:r>
+              <a:rPr lang="en-US" altLang="ja-JP" sz="2400" dirty="0">
+                <a:solidFill>
+                  <a:srgbClr val="000000"/>
+                </a:solidFill>
+                <a:latin typeface="+mj-lt"/>
+                <a:ea typeface="ＭＳ ゴシック" panose="020B0609070205080204" pitchFamily="49" charset="-128"/>
+              </a:rPr>
+              <a:t> </a:t>
+            </a:r>
+            <a:r>
+              <a:rPr lang="en-US" altLang="ja-JP" sz="2400" dirty="0" err="1">
+                <a:solidFill>
+                  <a:srgbClr val="000000"/>
+                </a:solidFill>
+                <a:latin typeface="+mj-lt"/>
+                <a:ea typeface="ＭＳ ゴシック" panose="020B0609070205080204" pitchFamily="49" charset="-128"/>
+              </a:rPr>
+              <a:t>pChicken</a:t>
+            </a:r>
+            <a:r>
+              <a:rPr lang="en-US" altLang="ja-JP" sz="2400" dirty="0">
+                <a:solidFill>
+                  <a:srgbClr val="000000"/>
+                </a:solidFill>
+                <a:latin typeface="+mj-lt"/>
+                <a:ea typeface="ＭＳ ゴシック" panose="020B0609070205080204" pitchFamily="49" charset="-128"/>
+              </a:rPr>
+              <a:t>;</a:t>
+            </a:r>
+            <a:endParaRPr kumimoji="1" lang="ja-JP" altLang="en-US" sz="7200" dirty="0">
+              <a:latin typeface="+mj-lt"/>
+            </a:endParaRPr>
+          </a:p>
+        </p:txBody>
+      </p:sp>
+      <p:sp>
+        <p:nvSpPr>
+          <p:cNvPr id="6" name="テキスト ボックス 5">
+            <a:extLst>
+              <a:ext uri="{FF2B5EF4-FFF2-40B4-BE49-F238E27FC236}">
+                <a16:creationId xmlns:a16="http://schemas.microsoft.com/office/drawing/2014/main" id="{068CDAF3-C1EB-9C4D-0857-C709FB8C9593}"/>
+              </a:ext>
+            </a:extLst>
+          </p:cNvPr>
+          <p:cNvSpPr txBox="1"/>
+          <p:nvPr/>
+        </p:nvSpPr>
+        <p:spPr>
+          <a:xfrm>
+            <a:off x="6460312" y="3762088"/>
+            <a:ext cx="2831224" cy="523220"/>
+          </a:xfrm>
+          <a:prstGeom prst="rect">
+            <a:avLst/>
+          </a:prstGeom>
+          <a:solidFill>
+            <a:schemeClr val="bg1"/>
+          </a:solidFill>
+          <a:ln>
+            <a:solidFill>
+              <a:schemeClr val="tx1"/>
+            </a:solidFill>
+          </a:ln>
+          <a:effectLst>
+            <a:outerShdw blurRad="50800" dist="38100" dir="2700000" algn="tl" rotWithShape="0">
+              <a:prstClr val="black">
+                <a:alpha val="40000"/>
+              </a:prstClr>
+            </a:outerShdw>
+          </a:effectLst>
+        </p:spPr>
+        <p:txBody>
+          <a:bodyPr wrap="none" rtlCol="0">
+            <a:spAutoFit/>
+          </a:bodyPr>
+          <a:lstStyle/>
+          <a:p>
+            <a:r>
+              <a:rPr kumimoji="1" lang="ja-JP" altLang="en-US" sz="2800" dirty="0">
+                <a:solidFill>
+                  <a:srgbClr val="FF0000"/>
+                </a:solidFill>
+              </a:rPr>
+              <a:t>コンパイルエラー</a:t>
+            </a:r>
+            <a:endParaRPr kumimoji="1" lang="en-US" altLang="ja-JP" sz="2800" dirty="0">
+              <a:solidFill>
+                <a:srgbClr val="FF0000"/>
+              </a:solidFill>
+            </a:endParaRPr>
+          </a:p>
+        </p:txBody>
+      </p:sp>
+      <p:sp>
+        <p:nvSpPr>
+          <p:cNvPr id="7" name="矢印: 右 6">
+            <a:extLst>
+              <a:ext uri="{FF2B5EF4-FFF2-40B4-BE49-F238E27FC236}">
+                <a16:creationId xmlns:a16="http://schemas.microsoft.com/office/drawing/2014/main" id="{E6ECEF79-F89A-D713-6513-87B6944982BD}"/>
+              </a:ext>
+            </a:extLst>
+          </p:cNvPr>
+          <p:cNvSpPr/>
+          <p:nvPr/>
+        </p:nvSpPr>
+        <p:spPr>
+          <a:xfrm>
+            <a:off x="5145932" y="3842425"/>
+            <a:ext cx="1050587" cy="369651"/>
+          </a:xfrm>
+          <a:prstGeom prst="rightArrow">
+            <a:avLst/>
+          </a:prstGeom>
+        </p:spPr>
+        <p:style>
+          <a:lnRef idx="2">
+            <a:schemeClr val="accent1">
+              <a:shade val="15000"/>
+            </a:schemeClr>
+          </a:lnRef>
+          <a:fillRef idx="1">
+            <a:schemeClr val="accent1"/>
+          </a:fillRef>
+          <a:effectRef idx="0">
+            <a:schemeClr val="accent1"/>
+          </a:effectRef>
+          <a:fontRef idx="minor">
+            <a:schemeClr val="lt1"/>
+          </a:fontRef>
+        </p:style>
+        <p:txBody>
+          <a:bodyPr rtlCol="0" anchor="ctr"/>
+          <a:lstStyle/>
+          <a:p>
+            <a:pPr algn="ctr"/>
+            <a:endParaRPr kumimoji="1" lang="ja-JP" altLang="en-US"/>
+          </a:p>
+        </p:txBody>
+      </p:sp>
+      <p:sp>
+        <p:nvSpPr>
+          <p:cNvPr id="8" name="テキスト ボックス 7">
+            <a:extLst>
+              <a:ext uri="{FF2B5EF4-FFF2-40B4-BE49-F238E27FC236}">
+                <a16:creationId xmlns:a16="http://schemas.microsoft.com/office/drawing/2014/main" id="{9914B94D-085E-3B48-8D84-9751A92E1DC9}"/>
+              </a:ext>
+            </a:extLst>
+          </p:cNvPr>
+          <p:cNvSpPr txBox="1"/>
+          <p:nvPr/>
+        </p:nvSpPr>
+        <p:spPr>
+          <a:xfrm>
+            <a:off x="6460312" y="4621450"/>
+            <a:ext cx="5133136" cy="1077218"/>
+          </a:xfrm>
+          <a:prstGeom prst="rect">
+            <a:avLst/>
+          </a:prstGeom>
+          <a:solidFill>
+            <a:schemeClr val="bg1"/>
+          </a:solidFill>
+          <a:ln>
+            <a:solidFill>
+              <a:schemeClr val="tx1"/>
+            </a:solidFill>
+          </a:ln>
+          <a:effectLst>
+            <a:outerShdw blurRad="50800" dist="38100" dir="2700000" algn="tl" rotWithShape="0">
+              <a:prstClr val="black">
+                <a:alpha val="40000"/>
+              </a:prstClr>
+            </a:outerShdw>
+          </a:effectLst>
+        </p:spPr>
+        <p:txBody>
+          <a:bodyPr wrap="none" rtlCol="0">
+            <a:spAutoFit/>
+          </a:bodyPr>
+          <a:lstStyle/>
+          <a:p>
+            <a:r>
+              <a:rPr kumimoji="1" lang="ja-JP" altLang="en-US" sz="3200" dirty="0">
+                <a:solidFill>
+                  <a:srgbClr val="00B050"/>
+                </a:solidFill>
+              </a:rPr>
+              <a:t>抽象クラスのインスタンスを</a:t>
+            </a:r>
+            <a:endParaRPr kumimoji="1" lang="en-US" altLang="ja-JP" sz="3200" dirty="0">
+              <a:solidFill>
+                <a:srgbClr val="00B050"/>
+              </a:solidFill>
+            </a:endParaRPr>
+          </a:p>
+          <a:p>
+            <a:r>
+              <a:rPr kumimoji="1" lang="ja-JP" altLang="en-US" sz="3200" dirty="0">
+                <a:solidFill>
+                  <a:srgbClr val="00B050"/>
+                </a:solidFill>
+              </a:rPr>
+              <a:t>生成することはできない！</a:t>
+            </a:r>
+            <a:endParaRPr kumimoji="1" lang="en-US" altLang="ja-JP" sz="3200" dirty="0">
+              <a:solidFill>
+                <a:srgbClr val="00B050"/>
+              </a:solidFill>
+            </a:endParaRPr>
+          </a:p>
+        </p:txBody>
+      </p:sp>
+    </p:spTree>
+    <p:extLst>
+      <p:ext uri="{BB962C8B-B14F-4D97-AF65-F5344CB8AC3E}">
+        <p14:creationId xmlns:p14="http://schemas.microsoft.com/office/powerpoint/2010/main" val="2023642681"/>
+      </p:ext>
+    </p:extLst>
+  </p:cSld>
+  <p:clrMapOvr>
+    <a:masterClrMapping/>
+  </p:clrMapOvr>
+</p:sld>
+</file>
+
+<file path=ppt/slides/slide41.xml><?xml version="1.0" encoding="utf-8"?>
+<p:sld xmlns:a="http://schemas.openxmlformats.org/drawingml/2006/main" xmlns:r="http://schemas.openxmlformats.org/officeDocument/2006/relationships" xmlns:p="http://schemas.openxmlformats.org/presentationml/2006/main">
+  <p:cSld>
+    <p:spTree>
+      <p:nvGrpSpPr>
+        <p:cNvPr id="1" name=""/>
+        <p:cNvGrpSpPr/>
+        <p:nvPr/>
+      </p:nvGrpSpPr>
+      <p:grpSpPr>
+        <a:xfrm>
+          <a:off x="0" y="0"/>
+          <a:ext cx="0" cy="0"/>
+          <a:chOff x="0" y="0"/>
+          <a:chExt cx="0" cy="0"/>
+        </a:xfrm>
+      </p:grpSpPr>
+      <p:sp>
+        <p:nvSpPr>
+          <p:cNvPr id="2" name="タイトル 1">
+            <a:extLst>
+              <a:ext uri="{FF2B5EF4-FFF2-40B4-BE49-F238E27FC236}">
                 <a16:creationId xmlns:a16="http://schemas.microsoft.com/office/drawing/2014/main" id="{9F789731-37C4-49DD-AEE8-78E5514E279E}"/>
               </a:ext>
             </a:extLst>
@@ -17834,7 +18354,7 @@
 </p:sld>
 </file>
 
-<file path=ppt/slides/slide41.xml><?xml version="1.0" encoding="utf-8"?>
+<file path=ppt/slides/slide42.xml><?xml version="1.0" encoding="utf-8"?>
 <p:sld xmlns:a="http://schemas.openxmlformats.org/drawingml/2006/main" xmlns:r="http://schemas.openxmlformats.org/officeDocument/2006/relationships" xmlns:p="http://schemas.openxmlformats.org/presentationml/2006/main">
   <p:cSld>
     <p:spTree>

--- a/授業資料/講義資料：継承とポリモーフィズム.pptx
+++ b/授業資料/講義資料：継承とポリモーフィズム.pptx
@@ -284,7 +284,7 @@
           <a:p>
             <a:fld id="{5B96D3F8-CD2E-4A0D-AC38-517181EABB18}" type="datetimeFigureOut">
               <a:rPr kumimoji="1" lang="ja-JP" altLang="en-US" smtClean="0"/>
-              <a:t>2024/9/25</a:t>
+              <a:t>2024/10/7</a:t>
             </a:fld>
             <a:endParaRPr kumimoji="1" lang="ja-JP" altLang="en-US"/>
           </a:p>
@@ -486,7 +486,7 @@
           <a:p>
             <a:fld id="{5B96D3F8-CD2E-4A0D-AC38-517181EABB18}" type="datetimeFigureOut">
               <a:rPr kumimoji="1" lang="ja-JP" altLang="en-US" smtClean="0"/>
-              <a:t>2024/9/25</a:t>
+              <a:t>2024/10/7</a:t>
             </a:fld>
             <a:endParaRPr kumimoji="1" lang="ja-JP" altLang="en-US"/>
           </a:p>
@@ -698,7 +698,7 @@
           <a:p>
             <a:fld id="{5B96D3F8-CD2E-4A0D-AC38-517181EABB18}" type="datetimeFigureOut">
               <a:rPr kumimoji="1" lang="ja-JP" altLang="en-US" smtClean="0"/>
-              <a:t>2024/9/25</a:t>
+              <a:t>2024/10/7</a:t>
             </a:fld>
             <a:endParaRPr kumimoji="1" lang="ja-JP" altLang="en-US"/>
           </a:p>
@@ -900,7 +900,7 @@
           <a:p>
             <a:fld id="{5B96D3F8-CD2E-4A0D-AC38-517181EABB18}" type="datetimeFigureOut">
               <a:rPr kumimoji="1" lang="ja-JP" altLang="en-US" smtClean="0"/>
-              <a:t>2024/9/25</a:t>
+              <a:t>2024/10/7</a:t>
             </a:fld>
             <a:endParaRPr kumimoji="1" lang="ja-JP" altLang="en-US"/>
           </a:p>
@@ -1146,7 +1146,7 @@
           <a:p>
             <a:fld id="{5B96D3F8-CD2E-4A0D-AC38-517181EABB18}" type="datetimeFigureOut">
               <a:rPr kumimoji="1" lang="ja-JP" altLang="en-US" smtClean="0"/>
-              <a:t>2024/9/25</a:t>
+              <a:t>2024/10/7</a:t>
             </a:fld>
             <a:endParaRPr kumimoji="1" lang="ja-JP" altLang="en-US"/>
           </a:p>
@@ -1442,7 +1442,7 @@
           <a:p>
             <a:fld id="{5B96D3F8-CD2E-4A0D-AC38-517181EABB18}" type="datetimeFigureOut">
               <a:rPr kumimoji="1" lang="ja-JP" altLang="en-US" smtClean="0"/>
-              <a:t>2024/9/25</a:t>
+              <a:t>2024/10/7</a:t>
             </a:fld>
             <a:endParaRPr kumimoji="1" lang="ja-JP" altLang="en-US"/>
           </a:p>
@@ -1873,7 +1873,7 @@
           <a:p>
             <a:fld id="{5B96D3F8-CD2E-4A0D-AC38-517181EABB18}" type="datetimeFigureOut">
               <a:rPr kumimoji="1" lang="ja-JP" altLang="en-US" smtClean="0"/>
-              <a:t>2024/9/25</a:t>
+              <a:t>2024/10/7</a:t>
             </a:fld>
             <a:endParaRPr kumimoji="1" lang="ja-JP" altLang="en-US"/>
           </a:p>
@@ -1991,7 +1991,7 @@
           <a:p>
             <a:fld id="{5B96D3F8-CD2E-4A0D-AC38-517181EABB18}" type="datetimeFigureOut">
               <a:rPr kumimoji="1" lang="ja-JP" altLang="en-US" smtClean="0"/>
-              <a:t>2024/9/25</a:t>
+              <a:t>2024/10/7</a:t>
             </a:fld>
             <a:endParaRPr kumimoji="1" lang="ja-JP" altLang="en-US"/>
           </a:p>
@@ -2086,7 +2086,7 @@
           <a:p>
             <a:fld id="{5B96D3F8-CD2E-4A0D-AC38-517181EABB18}" type="datetimeFigureOut">
               <a:rPr kumimoji="1" lang="ja-JP" altLang="en-US" smtClean="0"/>
-              <a:t>2024/9/25</a:t>
+              <a:t>2024/10/7</a:t>
             </a:fld>
             <a:endParaRPr kumimoji="1" lang="ja-JP" altLang="en-US"/>
           </a:p>
@@ -2395,7 +2395,7 @@
           <a:p>
             <a:fld id="{5B96D3F8-CD2E-4A0D-AC38-517181EABB18}" type="datetimeFigureOut">
               <a:rPr kumimoji="1" lang="ja-JP" altLang="en-US" smtClean="0"/>
-              <a:t>2024/9/25</a:t>
+              <a:t>2024/10/7</a:t>
             </a:fld>
             <a:endParaRPr kumimoji="1" lang="ja-JP" altLang="en-US"/>
           </a:p>
@@ -2652,7 +2652,7 @@
           <a:p>
             <a:fld id="{5B96D3F8-CD2E-4A0D-AC38-517181EABB18}" type="datetimeFigureOut">
               <a:rPr kumimoji="1" lang="ja-JP" altLang="en-US" smtClean="0"/>
-              <a:t>2024/9/25</a:t>
+              <a:t>2024/10/7</a:t>
             </a:fld>
             <a:endParaRPr kumimoji="1" lang="ja-JP" altLang="en-US"/>
           </a:p>
@@ -2897,7 +2897,7 @@
           <a:p>
             <a:fld id="{5B96D3F8-CD2E-4A0D-AC38-517181EABB18}" type="datetimeFigureOut">
               <a:rPr kumimoji="1" lang="ja-JP" altLang="en-US" smtClean="0"/>
-              <a:t>2024/9/25</a:t>
+              <a:t>2024/10/7</a:t>
             </a:fld>
             <a:endParaRPr kumimoji="1" lang="ja-JP" altLang="en-US"/>
           </a:p>
@@ -14134,20 +14134,36 @@
               </a:rPr>
             </a:br>
             <a:r>
-              <a:rPr lang="ja-JP" altLang="en-US" dirty="0">
+              <a:rPr lang="en-US" altLang="ja-JP" dirty="0">
                 <a:solidFill>
                   <a:srgbClr val="00B0F0"/>
                 </a:solidFill>
               </a:rPr>
-              <a:t>　　　　　</a:t>
-            </a:r>
-            <a:r>
-              <a:rPr lang="ja-JP" altLang="en-US" sz="3000" dirty="0">
+              <a:t>copy </a:t>
+            </a:r>
+            <a:r>
+              <a:rPr lang="en-US" altLang="ja-JP" dirty="0" err="1">
                 <a:solidFill>
                   <a:srgbClr val="00B0F0"/>
                 </a:solidFill>
               </a:rPr>
-              <a:t>（以下略）</a:t>
+              <a:t>nul</a:t>
+            </a:r>
+            <a:r>
+              <a:rPr lang="en-US" altLang="ja-JP" dirty="0">
+                <a:solidFill>
+                  <a:srgbClr val="00B0F0"/>
+                </a:solidFill>
+              </a:rPr>
+              <a:t> main.cpp </a:t>
+            </a:r>
+            <a:r>
+              <a:rPr lang="ja-JP" altLang="en-US">
+                <a:solidFill>
+                  <a:srgbClr val="00B0F0"/>
+                </a:solidFill>
+              </a:rPr>
+              <a:t>の３ファイルを作成</a:t>
             </a:r>
             <a:endParaRPr lang="en-US" altLang="ja-JP" sz="3200" dirty="0"/>
           </a:p>

--- a/授業資料/講義資料：継承とポリモーフィズム.pptx
+++ b/授業資料/講義資料：継承とポリモーフィズム.pptx
@@ -284,7 +284,7 @@
           <a:p>
             <a:fld id="{5B96D3F8-CD2E-4A0D-AC38-517181EABB18}" type="datetimeFigureOut">
               <a:rPr kumimoji="1" lang="ja-JP" altLang="en-US" smtClean="0"/>
-              <a:t>2024/10/7</a:t>
+              <a:t>2024/10/8</a:t>
             </a:fld>
             <a:endParaRPr kumimoji="1" lang="ja-JP" altLang="en-US"/>
           </a:p>
@@ -486,7 +486,7 @@
           <a:p>
             <a:fld id="{5B96D3F8-CD2E-4A0D-AC38-517181EABB18}" type="datetimeFigureOut">
               <a:rPr kumimoji="1" lang="ja-JP" altLang="en-US" smtClean="0"/>
-              <a:t>2024/10/7</a:t>
+              <a:t>2024/10/8</a:t>
             </a:fld>
             <a:endParaRPr kumimoji="1" lang="ja-JP" altLang="en-US"/>
           </a:p>
@@ -698,7 +698,7 @@
           <a:p>
             <a:fld id="{5B96D3F8-CD2E-4A0D-AC38-517181EABB18}" type="datetimeFigureOut">
               <a:rPr kumimoji="1" lang="ja-JP" altLang="en-US" smtClean="0"/>
-              <a:t>2024/10/7</a:t>
+              <a:t>2024/10/8</a:t>
             </a:fld>
             <a:endParaRPr kumimoji="1" lang="ja-JP" altLang="en-US"/>
           </a:p>
@@ -900,7 +900,7 @@
           <a:p>
             <a:fld id="{5B96D3F8-CD2E-4A0D-AC38-517181EABB18}" type="datetimeFigureOut">
               <a:rPr kumimoji="1" lang="ja-JP" altLang="en-US" smtClean="0"/>
-              <a:t>2024/10/7</a:t>
+              <a:t>2024/10/8</a:t>
             </a:fld>
             <a:endParaRPr kumimoji="1" lang="ja-JP" altLang="en-US"/>
           </a:p>
@@ -1146,7 +1146,7 @@
           <a:p>
             <a:fld id="{5B96D3F8-CD2E-4A0D-AC38-517181EABB18}" type="datetimeFigureOut">
               <a:rPr kumimoji="1" lang="ja-JP" altLang="en-US" smtClean="0"/>
-              <a:t>2024/10/7</a:t>
+              <a:t>2024/10/8</a:t>
             </a:fld>
             <a:endParaRPr kumimoji="1" lang="ja-JP" altLang="en-US"/>
           </a:p>
@@ -1442,7 +1442,7 @@
           <a:p>
             <a:fld id="{5B96D3F8-CD2E-4A0D-AC38-517181EABB18}" type="datetimeFigureOut">
               <a:rPr kumimoji="1" lang="ja-JP" altLang="en-US" smtClean="0"/>
-              <a:t>2024/10/7</a:t>
+              <a:t>2024/10/8</a:t>
             </a:fld>
             <a:endParaRPr kumimoji="1" lang="ja-JP" altLang="en-US"/>
           </a:p>
@@ -1873,7 +1873,7 @@
           <a:p>
             <a:fld id="{5B96D3F8-CD2E-4A0D-AC38-517181EABB18}" type="datetimeFigureOut">
               <a:rPr kumimoji="1" lang="ja-JP" altLang="en-US" smtClean="0"/>
-              <a:t>2024/10/7</a:t>
+              <a:t>2024/10/8</a:t>
             </a:fld>
             <a:endParaRPr kumimoji="1" lang="ja-JP" altLang="en-US"/>
           </a:p>
@@ -1991,7 +1991,7 @@
           <a:p>
             <a:fld id="{5B96D3F8-CD2E-4A0D-AC38-517181EABB18}" type="datetimeFigureOut">
               <a:rPr kumimoji="1" lang="ja-JP" altLang="en-US" smtClean="0"/>
-              <a:t>2024/10/7</a:t>
+              <a:t>2024/10/8</a:t>
             </a:fld>
             <a:endParaRPr kumimoji="1" lang="ja-JP" altLang="en-US"/>
           </a:p>
@@ -2086,7 +2086,7 @@
           <a:p>
             <a:fld id="{5B96D3F8-CD2E-4A0D-AC38-517181EABB18}" type="datetimeFigureOut">
               <a:rPr kumimoji="1" lang="ja-JP" altLang="en-US" smtClean="0"/>
-              <a:t>2024/10/7</a:t>
+              <a:t>2024/10/8</a:t>
             </a:fld>
             <a:endParaRPr kumimoji="1" lang="ja-JP" altLang="en-US"/>
           </a:p>
@@ -2395,7 +2395,7 @@
           <a:p>
             <a:fld id="{5B96D3F8-CD2E-4A0D-AC38-517181EABB18}" type="datetimeFigureOut">
               <a:rPr kumimoji="1" lang="ja-JP" altLang="en-US" smtClean="0"/>
-              <a:t>2024/10/7</a:t>
+              <a:t>2024/10/8</a:t>
             </a:fld>
             <a:endParaRPr kumimoji="1" lang="ja-JP" altLang="en-US"/>
           </a:p>
@@ -2652,7 +2652,7 @@
           <a:p>
             <a:fld id="{5B96D3F8-CD2E-4A0D-AC38-517181EABB18}" type="datetimeFigureOut">
               <a:rPr kumimoji="1" lang="ja-JP" altLang="en-US" smtClean="0"/>
-              <a:t>2024/10/7</a:t>
+              <a:t>2024/10/8</a:t>
             </a:fld>
             <a:endParaRPr kumimoji="1" lang="ja-JP" altLang="en-US"/>
           </a:p>
@@ -2897,7 +2897,7 @@
           <a:p>
             <a:fld id="{5B96D3F8-CD2E-4A0D-AC38-517181EABB18}" type="datetimeFigureOut">
               <a:rPr kumimoji="1" lang="ja-JP" altLang="en-US" smtClean="0"/>
-              <a:t>2024/10/7</a:t>
+              <a:t>2024/10/8</a:t>
             </a:fld>
             <a:endParaRPr kumimoji="1" lang="ja-JP" altLang="en-US"/>
           </a:p>
@@ -14386,7 +14386,7 @@
 </file>
 
 <file path=ppt/slides/slide34.xml><?xml version="1.0" encoding="utf-8"?>
-<p:sld xmlns:a="http://schemas.openxmlformats.org/drawingml/2006/main" xmlns:r="http://schemas.openxmlformats.org/officeDocument/2006/relationships" xmlns:p="http://schemas.openxmlformats.org/presentationml/2006/main">
+<p:sld xmlns:a="http://schemas.openxmlformats.org/drawingml/2006/main" xmlns:r="http://schemas.openxmlformats.org/officeDocument/2006/relationships" xmlns:p="http://schemas.openxmlformats.org/presentationml/2006/main" show="0">
   <p:cSld>
     <p:spTree>
       <p:nvGrpSpPr>
@@ -17555,7 +17555,7 @@
                 <a:latin typeface="+mj-lt"/>
                 <a:ea typeface="ＭＳ ゴシック" panose="020B0609070205080204" pitchFamily="49" charset="-128"/>
               </a:rPr>
-              <a:t>* </a:t>
+              <a:t>* pBird1{}, * pBird2{}, * </a:t>
             </a:r>
             <a:r>
               <a:rPr lang="en-US" altLang="ja-JP" sz="2400" dirty="0" err="1">
@@ -17565,7 +17565,7 @@
                 <a:latin typeface="+mj-lt"/>
                 <a:ea typeface="ＭＳ ゴシック" panose="020B0609070205080204" pitchFamily="49" charset="-128"/>
               </a:rPr>
-              <a:t>pCrow</a:t>
+              <a:t>pBird</a:t>
             </a:r>
             <a:r>
               <a:rPr lang="en-US" altLang="ja-JP" sz="2400" dirty="0">
@@ -17575,50 +17575,50 @@
                 <a:latin typeface="+mj-lt"/>
                 <a:ea typeface="ＭＳ ゴシック" panose="020B0609070205080204" pitchFamily="49" charset="-128"/>
               </a:rPr>
-              <a:t>{}, * </a:t>
-            </a:r>
-            <a:r>
-              <a:rPr lang="en-US" altLang="ja-JP" sz="2400" dirty="0" err="1">
+              <a:t>{};</a:t>
+            </a:r>
+          </a:p>
+          <a:p>
+            <a:r>
+              <a:rPr lang="en-US" altLang="ja-JP" sz="2400" dirty="0">
                 <a:solidFill>
                   <a:srgbClr val="000000"/>
                 </a:solidFill>
                 <a:latin typeface="+mj-lt"/>
                 <a:ea typeface="ＭＳ ゴシック" panose="020B0609070205080204" pitchFamily="49" charset="-128"/>
               </a:rPr>
-              <a:t>pChicken</a:t>
+              <a:t>  pBird1 = </a:t>
             </a:r>
             <a:r>
               <a:rPr lang="en-US" altLang="ja-JP" sz="2400" dirty="0">
                 <a:solidFill>
-                  <a:srgbClr val="000000"/>
+                  <a:srgbClr val="0000FF"/>
                 </a:solidFill>
                 <a:latin typeface="+mj-lt"/>
                 <a:ea typeface="ＭＳ ゴシック" panose="020B0609070205080204" pitchFamily="49" charset="-128"/>
               </a:rPr>
-              <a:t>{}, * </a:t>
-            </a:r>
-            <a:r>
-              <a:rPr lang="en-US" altLang="ja-JP" sz="2400" dirty="0" err="1">
+              <a:t>new</a:t>
+            </a:r>
+            <a:r>
+              <a:rPr lang="en-US" altLang="ja-JP" sz="2400" dirty="0">
                 <a:solidFill>
                   <a:srgbClr val="000000"/>
                 </a:solidFill>
                 <a:latin typeface="+mj-lt"/>
                 <a:ea typeface="ＭＳ ゴシック" panose="020B0609070205080204" pitchFamily="49" charset="-128"/>
               </a:rPr>
-              <a:t>pBird</a:t>
+              <a:t> </a:t>
             </a:r>
             <a:r>
               <a:rPr lang="en-US" altLang="ja-JP" sz="2400" dirty="0">
                 <a:solidFill>
-                  <a:srgbClr val="000000"/>
+                  <a:srgbClr val="2B91AF"/>
                 </a:solidFill>
                 <a:latin typeface="+mj-lt"/>
                 <a:ea typeface="ＭＳ ゴシック" panose="020B0609070205080204" pitchFamily="49" charset="-128"/>
               </a:rPr>
-              <a:t>{};</a:t>
-            </a:r>
-          </a:p>
-          <a:p>
+              <a:t>Crow</a:t>
+            </a:r>
             <a:r>
               <a:rPr lang="en-US" altLang="ja-JP" sz="2400" dirty="0">
                 <a:solidFill>
@@ -17627,58 +17627,62 @@
                 <a:latin typeface="+mj-lt"/>
                 <a:ea typeface="ＭＳ ゴシック" panose="020B0609070205080204" pitchFamily="49" charset="-128"/>
               </a:rPr>
-              <a:t>  </a:t>
-            </a:r>
-            <a:r>
-              <a:rPr lang="en-US" altLang="ja-JP" sz="2400" dirty="0" err="1">
+              <a:t>();</a:t>
+            </a:r>
+          </a:p>
+          <a:p>
+            <a:r>
+              <a:rPr lang="en-US" altLang="ja-JP" sz="2400" dirty="0">
                 <a:solidFill>
                   <a:srgbClr val="000000"/>
                 </a:solidFill>
                 <a:latin typeface="+mj-lt"/>
                 <a:ea typeface="ＭＳ ゴシック" panose="020B0609070205080204" pitchFamily="49" charset="-128"/>
               </a:rPr>
-              <a:t>pCrow</a:t>
+              <a:t>  pBird2 = </a:t>
             </a:r>
             <a:r>
               <a:rPr lang="en-US" altLang="ja-JP" sz="2400" dirty="0">
                 <a:solidFill>
-                  <a:srgbClr val="000000"/>
+                  <a:srgbClr val="0000FF"/>
                 </a:solidFill>
                 <a:latin typeface="+mj-lt"/>
                 <a:ea typeface="ＭＳ ゴシック" panose="020B0609070205080204" pitchFamily="49" charset="-128"/>
               </a:rPr>
-              <a:t> = </a:t>
+              <a:t>new</a:t>
             </a:r>
             <a:r>
               <a:rPr lang="en-US" altLang="ja-JP" sz="2400" dirty="0">
                 <a:solidFill>
-                  <a:srgbClr val="0000FF"/>
+                  <a:srgbClr val="000000"/>
                 </a:solidFill>
                 <a:latin typeface="+mj-lt"/>
                 <a:ea typeface="ＭＳ ゴシック" panose="020B0609070205080204" pitchFamily="49" charset="-128"/>
               </a:rPr>
-              <a:t>new</a:t>
+              <a:t> </a:t>
             </a:r>
             <a:r>
               <a:rPr lang="en-US" altLang="ja-JP" sz="2400" dirty="0">
                 <a:solidFill>
-                  <a:srgbClr val="000000"/>
+                  <a:srgbClr val="2B91AF"/>
                 </a:solidFill>
                 <a:latin typeface="+mj-lt"/>
                 <a:ea typeface="ＭＳ ゴシック" panose="020B0609070205080204" pitchFamily="49" charset="-128"/>
               </a:rPr>
-              <a:t> </a:t>
+              <a:t>Chicken</a:t>
             </a:r>
             <a:r>
               <a:rPr lang="en-US" altLang="ja-JP" sz="2400" dirty="0">
                 <a:solidFill>
-                  <a:srgbClr val="2B91AF"/>
+                  <a:srgbClr val="000000"/>
                 </a:solidFill>
                 <a:latin typeface="+mj-lt"/>
                 <a:ea typeface="ＭＳ ゴシック" panose="020B0609070205080204" pitchFamily="49" charset="-128"/>
               </a:rPr>
-              <a:t>Crow</a:t>
-            </a:r>
+              <a:t>();</a:t>
+            </a:r>
+          </a:p>
+          <a:p>
             <a:r>
               <a:rPr lang="en-US" altLang="ja-JP" sz="2400" dirty="0">
                 <a:solidFill>
@@ -17687,30 +17691,30 @@
                 <a:latin typeface="+mj-lt"/>
                 <a:ea typeface="ＭＳ ゴシック" panose="020B0609070205080204" pitchFamily="49" charset="-128"/>
               </a:rPr>
-              <a:t>();</a:t>
-            </a:r>
-          </a:p>
-          <a:p>
-            <a:r>
-              <a:rPr lang="en-US" altLang="ja-JP" sz="2400" dirty="0">
-                <a:solidFill>
-                  <a:srgbClr val="000000"/>
+              <a:t>  </a:t>
+            </a:r>
+            <a:r>
+              <a:rPr lang="en-US" altLang="ja-JP" sz="2400" dirty="0" err="1">
+                <a:solidFill>
+                  <a:srgbClr val="FF0000"/>
                 </a:solidFill>
                 <a:latin typeface="+mj-lt"/>
                 <a:ea typeface="ＭＳ ゴシック" panose="020B0609070205080204" pitchFamily="49" charset="-128"/>
               </a:rPr>
-              <a:t>  </a:t>
-            </a:r>
-            <a:r>
-              <a:rPr lang="en-US" altLang="ja-JP" sz="2400" dirty="0" err="1">
-                <a:solidFill>
-                  <a:srgbClr val="000000"/>
+              <a:t>pBird</a:t>
+            </a:r>
+            <a:r>
+              <a:rPr lang="en-US" altLang="ja-JP" sz="2400" dirty="0">
+                <a:solidFill>
+                  <a:srgbClr val="FF0000"/>
                 </a:solidFill>
                 <a:latin typeface="+mj-lt"/>
                 <a:ea typeface="ＭＳ ゴシック" panose="020B0609070205080204" pitchFamily="49" charset="-128"/>
               </a:rPr>
-              <a:t>pChicken</a:t>
-            </a:r>
+              <a:t> = new Bird();</a:t>
+            </a:r>
+          </a:p>
+          <a:p>
             <a:r>
               <a:rPr lang="en-US" altLang="ja-JP" sz="2400" dirty="0">
                 <a:solidFill>
@@ -17719,17 +17723,28 @@
                 <a:latin typeface="+mj-lt"/>
                 <a:ea typeface="ＭＳ ゴシック" panose="020B0609070205080204" pitchFamily="49" charset="-128"/>
               </a:rPr>
-              <a:t> = </a:t>
-            </a:r>
+              <a:t>  pBird1-&gt;fly();</a:t>
+            </a:r>
+          </a:p>
+          <a:p>
             <a:r>
               <a:rPr lang="en-US" altLang="ja-JP" sz="2400" dirty="0">
                 <a:solidFill>
-                  <a:srgbClr val="0000FF"/>
+                  <a:srgbClr val="000000"/>
                 </a:solidFill>
                 <a:latin typeface="+mj-lt"/>
                 <a:ea typeface="ＭＳ ゴシック" panose="020B0609070205080204" pitchFamily="49" charset="-128"/>
               </a:rPr>
-              <a:t>new</a:t>
+              <a:t>  p</a:t>
+            </a:r>
+            <a:r>
+              <a:rPr lang="en-US" altLang="ja-JP" sz="2400" dirty="0">
+                <a:solidFill>
+                  <a:srgbClr val="000000"/>
+                </a:solidFill>
+                <a:ea typeface="ＭＳ ゴシック" panose="020B0609070205080204" pitchFamily="49" charset="-128"/>
+              </a:rPr>
+              <a:t>Bird2</a:t>
             </a:r>
             <a:r>
               <a:rPr lang="en-US" altLang="ja-JP" sz="2400" dirty="0">
@@ -17739,17 +17754,28 @@
                 <a:latin typeface="+mj-lt"/>
                 <a:ea typeface="ＭＳ ゴシック" panose="020B0609070205080204" pitchFamily="49" charset="-128"/>
               </a:rPr>
-              <a:t> </a:t>
-            </a:r>
+              <a:t>-&gt;fly();</a:t>
+            </a:r>
+          </a:p>
+          <a:p>
             <a:r>
               <a:rPr lang="en-US" altLang="ja-JP" sz="2400" dirty="0">
                 <a:solidFill>
-                  <a:srgbClr val="2B91AF"/>
+                  <a:srgbClr val="000000"/>
                 </a:solidFill>
                 <a:latin typeface="+mj-lt"/>
                 <a:ea typeface="ＭＳ ゴシック" panose="020B0609070205080204" pitchFamily="49" charset="-128"/>
               </a:rPr>
-              <a:t>Chicken</a:t>
+              <a:t>  p</a:t>
+            </a:r>
+            <a:r>
+              <a:rPr lang="en-US" altLang="ja-JP" sz="2400" dirty="0">
+                <a:solidFill>
+                  <a:srgbClr val="000000"/>
+                </a:solidFill>
+                <a:ea typeface="ＭＳ ゴシック" panose="020B0609070205080204" pitchFamily="49" charset="-128"/>
+              </a:rPr>
+              <a:t>Bird1</a:t>
             </a:r>
             <a:r>
               <a:rPr lang="en-US" altLang="ja-JP" sz="2400" dirty="0">
@@ -17759,7 +17785,7 @@
                 <a:latin typeface="+mj-lt"/>
                 <a:ea typeface="ＭＳ ゴシック" panose="020B0609070205080204" pitchFamily="49" charset="-128"/>
               </a:rPr>
-              <a:t>();</a:t>
+              <a:t>-&gt;sing();</a:t>
             </a:r>
           </a:p>
           <a:p>
@@ -17771,30 +17797,39 @@
                 <a:latin typeface="+mj-lt"/>
                 <a:ea typeface="ＭＳ ゴシック" panose="020B0609070205080204" pitchFamily="49" charset="-128"/>
               </a:rPr>
-              <a:t>  </a:t>
-            </a:r>
-            <a:r>
-              <a:rPr lang="en-US" altLang="ja-JP" sz="2400" dirty="0" err="1">
-                <a:solidFill>
-                  <a:srgbClr val="FF0000"/>
+              <a:t>  p</a:t>
+            </a:r>
+            <a:r>
+              <a:rPr lang="en-US" altLang="ja-JP" sz="2400" dirty="0">
+                <a:solidFill>
+                  <a:srgbClr val="000000"/>
+                </a:solidFill>
+                <a:ea typeface="ＭＳ ゴシック" panose="020B0609070205080204" pitchFamily="49" charset="-128"/>
+              </a:rPr>
+              <a:t>Bird2</a:t>
+            </a:r>
+            <a:r>
+              <a:rPr lang="en-US" altLang="ja-JP" sz="2400" dirty="0">
+                <a:solidFill>
+                  <a:srgbClr val="000000"/>
                 </a:solidFill>
                 <a:latin typeface="+mj-lt"/>
                 <a:ea typeface="ＭＳ ゴシック" panose="020B0609070205080204" pitchFamily="49" charset="-128"/>
               </a:rPr>
-              <a:t>pBird</a:t>
-            </a:r>
+              <a:t>-&gt;sing();</a:t>
+            </a:r>
+          </a:p>
+          <a:p>
             <a:r>
               <a:rPr lang="en-US" altLang="ja-JP" sz="2400" dirty="0">
                 <a:solidFill>
-                  <a:srgbClr val="FF0000"/>
+                  <a:srgbClr val="0000FF"/>
                 </a:solidFill>
                 <a:latin typeface="+mj-lt"/>
                 <a:ea typeface="ＭＳ ゴシック" panose="020B0609070205080204" pitchFamily="49" charset="-128"/>
               </a:rPr>
-              <a:t> = new Bird();</a:t>
-            </a:r>
-          </a:p>
-          <a:p>
+              <a:t>  delete</a:t>
+            </a:r>
             <a:r>
               <a:rPr lang="en-US" altLang="ja-JP" sz="2400" dirty="0">
                 <a:solidFill>
@@ -17803,30 +17838,39 @@
                 <a:latin typeface="+mj-lt"/>
                 <a:ea typeface="ＭＳ ゴシック" panose="020B0609070205080204" pitchFamily="49" charset="-128"/>
               </a:rPr>
-              <a:t>  </a:t>
-            </a:r>
-            <a:r>
-              <a:rPr lang="en-US" altLang="ja-JP" sz="2400" dirty="0" err="1">
+              <a:t> p</a:t>
+            </a:r>
+            <a:r>
+              <a:rPr lang="en-US" altLang="ja-JP" sz="2400" dirty="0">
+                <a:solidFill>
+                  <a:srgbClr val="000000"/>
+                </a:solidFill>
+                <a:ea typeface="ＭＳ ゴシック" panose="020B0609070205080204" pitchFamily="49" charset="-128"/>
+              </a:rPr>
+              <a:t>Bird1</a:t>
+            </a:r>
+            <a:r>
+              <a:rPr lang="en-US" altLang="ja-JP" sz="2400" dirty="0">
                 <a:solidFill>
                   <a:srgbClr val="000000"/>
                 </a:solidFill>
                 <a:latin typeface="+mj-lt"/>
                 <a:ea typeface="ＭＳ ゴシック" panose="020B0609070205080204" pitchFamily="49" charset="-128"/>
               </a:rPr>
-              <a:t>pCrow</a:t>
-            </a:r>
+              <a:t>;</a:t>
+            </a:r>
+          </a:p>
+          <a:p>
             <a:r>
               <a:rPr lang="en-US" altLang="ja-JP" sz="2400" dirty="0">
                 <a:solidFill>
-                  <a:srgbClr val="000000"/>
+                  <a:srgbClr val="0000FF"/>
                 </a:solidFill>
                 <a:latin typeface="+mj-lt"/>
                 <a:ea typeface="ＭＳ ゴシック" panose="020B0609070205080204" pitchFamily="49" charset="-128"/>
               </a:rPr>
-              <a:t>-&gt;fly();</a:t>
-            </a:r>
-          </a:p>
-          <a:p>
+              <a:t>  delete</a:t>
+            </a:r>
             <a:r>
               <a:rPr lang="en-US" altLang="ja-JP" sz="2400" dirty="0">
                 <a:solidFill>
@@ -17835,165 +17879,16 @@
                 <a:latin typeface="+mj-lt"/>
                 <a:ea typeface="ＭＳ ゴシック" panose="020B0609070205080204" pitchFamily="49" charset="-128"/>
               </a:rPr>
-              <a:t>  </a:t>
-            </a:r>
-            <a:r>
-              <a:rPr lang="en-US" altLang="ja-JP" sz="2400" dirty="0" err="1">
+              <a:t> p</a:t>
+            </a:r>
+            <a:r>
+              <a:rPr lang="en-US" altLang="ja-JP" sz="2400" dirty="0">
                 <a:solidFill>
                   <a:srgbClr val="000000"/>
                 </a:solidFill>
-                <a:latin typeface="+mj-lt"/>
                 <a:ea typeface="ＭＳ ゴシック" panose="020B0609070205080204" pitchFamily="49" charset="-128"/>
               </a:rPr>
-              <a:t>pChicken</a:t>
-            </a:r>
-            <a:r>
-              <a:rPr lang="en-US" altLang="ja-JP" sz="2400" dirty="0">
-                <a:solidFill>
-                  <a:srgbClr val="000000"/>
-                </a:solidFill>
-                <a:latin typeface="+mj-lt"/>
-                <a:ea typeface="ＭＳ ゴシック" panose="020B0609070205080204" pitchFamily="49" charset="-128"/>
-              </a:rPr>
-              <a:t>-&gt;fly();</a:t>
-            </a:r>
-          </a:p>
-          <a:p>
-            <a:r>
-              <a:rPr lang="en-US" altLang="ja-JP" sz="2400" dirty="0">
-                <a:solidFill>
-                  <a:srgbClr val="000000"/>
-                </a:solidFill>
-                <a:latin typeface="+mj-lt"/>
-                <a:ea typeface="ＭＳ ゴシック" panose="020B0609070205080204" pitchFamily="49" charset="-128"/>
-              </a:rPr>
-              <a:t>  </a:t>
-            </a:r>
-            <a:r>
-              <a:rPr lang="en-US" altLang="ja-JP" sz="2400" dirty="0" err="1">
-                <a:solidFill>
-                  <a:srgbClr val="000000"/>
-                </a:solidFill>
-                <a:latin typeface="+mj-lt"/>
-                <a:ea typeface="ＭＳ ゴシック" panose="020B0609070205080204" pitchFamily="49" charset="-128"/>
-              </a:rPr>
-              <a:t>pCrow</a:t>
-            </a:r>
-            <a:r>
-              <a:rPr lang="en-US" altLang="ja-JP" sz="2400" dirty="0">
-                <a:solidFill>
-                  <a:srgbClr val="000000"/>
-                </a:solidFill>
-                <a:latin typeface="+mj-lt"/>
-                <a:ea typeface="ＭＳ ゴシック" panose="020B0609070205080204" pitchFamily="49" charset="-128"/>
-              </a:rPr>
-              <a:t>-&gt;sing();</a:t>
-            </a:r>
-          </a:p>
-          <a:p>
-            <a:r>
-              <a:rPr lang="en-US" altLang="ja-JP" sz="2400" dirty="0">
-                <a:solidFill>
-                  <a:srgbClr val="000000"/>
-                </a:solidFill>
-                <a:latin typeface="+mj-lt"/>
-                <a:ea typeface="ＭＳ ゴシック" panose="020B0609070205080204" pitchFamily="49" charset="-128"/>
-              </a:rPr>
-              <a:t>  </a:t>
-            </a:r>
-            <a:r>
-              <a:rPr lang="en-US" altLang="ja-JP" sz="2400" dirty="0" err="1">
-                <a:solidFill>
-                  <a:srgbClr val="000000"/>
-                </a:solidFill>
-                <a:latin typeface="+mj-lt"/>
-                <a:ea typeface="ＭＳ ゴシック" panose="020B0609070205080204" pitchFamily="49" charset="-128"/>
-              </a:rPr>
-              <a:t>pChicken</a:t>
-            </a:r>
-            <a:r>
-              <a:rPr lang="en-US" altLang="ja-JP" sz="2400" dirty="0">
-                <a:solidFill>
-                  <a:srgbClr val="000000"/>
-                </a:solidFill>
-                <a:latin typeface="+mj-lt"/>
-                <a:ea typeface="ＭＳ ゴシック" panose="020B0609070205080204" pitchFamily="49" charset="-128"/>
-              </a:rPr>
-              <a:t>-&gt;sing();</a:t>
-            </a:r>
-          </a:p>
-          <a:p>
-            <a:r>
-              <a:rPr lang="en-US" altLang="ja-JP" sz="2400" dirty="0">
-                <a:solidFill>
-                  <a:srgbClr val="0000FF"/>
-                </a:solidFill>
-                <a:latin typeface="+mj-lt"/>
-                <a:ea typeface="ＭＳ ゴシック" panose="020B0609070205080204" pitchFamily="49" charset="-128"/>
-              </a:rPr>
-              <a:t>  delete</a:t>
-            </a:r>
-            <a:r>
-              <a:rPr lang="en-US" altLang="ja-JP" sz="2400" dirty="0">
-                <a:solidFill>
-                  <a:srgbClr val="000000"/>
-                </a:solidFill>
-                <a:latin typeface="+mj-lt"/>
-                <a:ea typeface="ＭＳ ゴシック" panose="020B0609070205080204" pitchFamily="49" charset="-128"/>
-              </a:rPr>
-              <a:t> </a:t>
-            </a:r>
-            <a:r>
-              <a:rPr lang="en-US" altLang="ja-JP" sz="2400" dirty="0" err="1">
-                <a:solidFill>
-                  <a:srgbClr val="000000"/>
-                </a:solidFill>
-                <a:latin typeface="+mj-lt"/>
-                <a:ea typeface="ＭＳ ゴシック" panose="020B0609070205080204" pitchFamily="49" charset="-128"/>
-              </a:rPr>
-              <a:t>pCrow</a:t>
-            </a:r>
-            <a:r>
-              <a:rPr lang="en-US" altLang="ja-JP" sz="2400" dirty="0">
-                <a:solidFill>
-                  <a:srgbClr val="000000"/>
-                </a:solidFill>
-                <a:latin typeface="+mj-lt"/>
-                <a:ea typeface="ＭＳ ゴシック" panose="020B0609070205080204" pitchFamily="49" charset="-128"/>
-              </a:rPr>
-              <a:t>;</a:t>
-            </a:r>
-          </a:p>
-          <a:p>
-            <a:r>
-              <a:rPr lang="en-US" altLang="ja-JP" sz="2400" dirty="0">
-                <a:solidFill>
-                  <a:srgbClr val="0000FF"/>
-                </a:solidFill>
-                <a:latin typeface="+mj-lt"/>
-                <a:ea typeface="ＭＳ ゴシック" panose="020B0609070205080204" pitchFamily="49" charset="-128"/>
-              </a:rPr>
-              <a:t>  delete</a:t>
-            </a:r>
-            <a:r>
-              <a:rPr lang="en-US" altLang="ja-JP" sz="2400" dirty="0">
-                <a:solidFill>
-                  <a:srgbClr val="000000"/>
-                </a:solidFill>
-                <a:latin typeface="+mj-lt"/>
-                <a:ea typeface="ＭＳ ゴシック" panose="020B0609070205080204" pitchFamily="49" charset="-128"/>
-              </a:rPr>
-              <a:t> </a:t>
-            </a:r>
-            <a:r>
-              <a:rPr lang="en-US" altLang="ja-JP" sz="2400" dirty="0" err="1">
-                <a:solidFill>
-                  <a:srgbClr val="000000"/>
-                </a:solidFill>
-                <a:latin typeface="+mj-lt"/>
-                <a:ea typeface="ＭＳ ゴシック" panose="020B0609070205080204" pitchFamily="49" charset="-128"/>
-              </a:rPr>
-              <a:t>pChicken</a:t>
+              <a:t>Bird2</a:t>
             </a:r>
             <a:r>
               <a:rPr lang="en-US" altLang="ja-JP" sz="2400" dirty="0">
@@ -18316,14 +18211,21 @@
             </a:br>
             <a:r>
               <a:rPr lang="ja-JP" altLang="en-US" u="sng" dirty="0"/>
-              <a:t>子クラスのデストラクタ実行後に</a:t>
-            </a:r>
+              <a:t>親クラスのデストラクタが実行された後</a:t>
+            </a:r>
+            <a:r>
+              <a:rPr lang="ja-JP" altLang="en-US" dirty="0"/>
+              <a:t>に</a:t>
+            </a:r>
+            <a:br>
+              <a:rPr lang="en-US" altLang="ja-JP" dirty="0"/>
+            </a:br>
             <a:br>
               <a:rPr lang="en-US" altLang="ja-JP" u="sng" dirty="0"/>
             </a:br>
             <a:r>
               <a:rPr lang="ja-JP" altLang="en-US" u="sng" dirty="0"/>
-              <a:t>親クラスのデストラクタが実行される</a:t>
+              <a:t>子クラスのデストラクタが実行される</a:t>
             </a:r>
             <a:r>
               <a:rPr lang="ja-JP" altLang="en-US" dirty="0"/>
@@ -18337,21 +18239,21 @@
             </a:br>
             <a:r>
               <a:rPr lang="ja-JP" altLang="en-US" dirty="0"/>
-              <a:t>子クラスのデストラクタで終了時処理に処理漏れ</a:t>
+              <a:t>デストラクタの処理を二重に行うことで終了時</a:t>
             </a:r>
             <a:br>
               <a:rPr lang="en-US" altLang="ja-JP" dirty="0"/>
             </a:br>
             <a:r>
               <a:rPr lang="ja-JP" altLang="en-US" dirty="0"/>
-              <a:t>があった際、親クラスのデストラクタでカバーが</a:t>
+              <a:t>処理に処理漏れがあった際、両方のデストラクタで</a:t>
             </a:r>
             <a:br>
               <a:rPr lang="en-US" altLang="ja-JP" dirty="0"/>
             </a:br>
             <a:r>
               <a:rPr lang="ja-JP" altLang="en-US" dirty="0"/>
-              <a:t>できる利点がある</a:t>
+              <a:t>カバーできる</a:t>
             </a:r>
             <a:endParaRPr lang="en-US" altLang="ja-JP" sz="3200" dirty="0"/>
           </a:p>
@@ -18501,7 +18403,7 @@
             <a:pPr algn="ctr"/>
             <a:r>
               <a:rPr kumimoji="1" lang="en-US" altLang="ja-JP" sz="2400" b="1" dirty="0"/>
-              <a:t>Father</a:t>
+              <a:t>Bird</a:t>
             </a:r>
             <a:r>
               <a:rPr kumimoji="1" lang="ja-JP" altLang="en-US" sz="2400" dirty="0"/>
@@ -18516,14 +18418,14 @@
             </a:br>
             <a:r>
               <a:rPr kumimoji="1" lang="en-US" altLang="ja-JP" sz="2400" dirty="0"/>
-              <a:t>Father()</a:t>
+              <a:t>Bird()</a:t>
             </a:r>
           </a:p>
           <a:p>
             <a:pPr algn="ctr"/>
             <a:r>
               <a:rPr kumimoji="1" lang="en-US" altLang="ja-JP" sz="2400" dirty="0"/>
-              <a:t>~Father()</a:t>
+              <a:t>~Bird()</a:t>
             </a:r>
             <a:endParaRPr kumimoji="1" lang="ja-JP" altLang="en-US" sz="2400" dirty="0"/>
           </a:p>
@@ -18576,7 +18478,7 @@
             <a:pPr algn="ctr"/>
             <a:r>
               <a:rPr kumimoji="1" lang="en-US" altLang="ja-JP" sz="2400" b="1" dirty="0"/>
-              <a:t>Mother</a:t>
+              <a:t>Bird</a:t>
             </a:r>
             <a:r>
               <a:rPr kumimoji="1" lang="ja-JP" altLang="en-US" sz="2400" dirty="0"/>
@@ -18591,7 +18493,7 @@
             </a:br>
             <a:r>
               <a:rPr kumimoji="1" lang="en-US" altLang="ja-JP" sz="2400" dirty="0"/>
-              <a:t>Mother()</a:t>
+              <a:t>Bird()</a:t>
             </a:r>
           </a:p>
           <a:p>
@@ -18606,7 +18508,7 @@
             </a:r>
             <a:r>
               <a:rPr kumimoji="1" lang="en-US" altLang="ja-JP" sz="2400" dirty="0"/>
-              <a:t> ~Mother()</a:t>
+              <a:t> ~Bird()</a:t>
             </a:r>
             <a:endParaRPr kumimoji="1" lang="ja-JP" altLang="en-US" sz="2400" dirty="0"/>
           </a:p>
@@ -18659,7 +18561,7 @@
             <a:pPr algn="ctr"/>
             <a:r>
               <a:rPr kumimoji="1" lang="en-US" altLang="ja-JP" sz="2400" b="1" dirty="0"/>
-              <a:t>Son</a:t>
+              <a:t>Crow</a:t>
             </a:r>
             <a:r>
               <a:rPr kumimoji="1" lang="ja-JP" altLang="en-US" sz="2400" dirty="0"/>
@@ -18674,14 +18576,14 @@
             </a:br>
             <a:r>
               <a:rPr kumimoji="1" lang="en-US" altLang="ja-JP" sz="2400" dirty="0"/>
-              <a:t>Son()</a:t>
+              <a:t>Crow()</a:t>
             </a:r>
           </a:p>
           <a:p>
             <a:pPr algn="ctr"/>
             <a:r>
               <a:rPr kumimoji="1" lang="en-US" altLang="ja-JP" sz="2400" dirty="0"/>
-              <a:t>~Son()</a:t>
+              <a:t>~Crow()</a:t>
             </a:r>
             <a:endParaRPr kumimoji="1" lang="ja-JP" altLang="en-US" sz="2400" dirty="0"/>
           </a:p>
@@ -18734,7 +18636,7 @@
             <a:pPr algn="ctr"/>
             <a:r>
               <a:rPr kumimoji="1" lang="en-US" altLang="ja-JP" sz="2400" b="1" dirty="0"/>
-              <a:t>Daughter</a:t>
+              <a:t>Chicken</a:t>
             </a:r>
             <a:r>
               <a:rPr kumimoji="1" lang="ja-JP" altLang="en-US" sz="2400" dirty="0"/>
@@ -18749,14 +18651,14 @@
             </a:br>
             <a:r>
               <a:rPr kumimoji="1" lang="en-US" altLang="ja-JP" sz="2400" dirty="0"/>
-              <a:t>Daughter()</a:t>
+              <a:t>Chicken()</a:t>
             </a:r>
           </a:p>
           <a:p>
             <a:pPr algn="ctr"/>
             <a:r>
               <a:rPr kumimoji="1" lang="en-US" altLang="ja-JP" sz="2400" dirty="0"/>
-              <a:t>~Daughter ()</a:t>
+              <a:t>~Chicken()</a:t>
             </a:r>
             <a:endParaRPr kumimoji="1" lang="ja-JP" altLang="en-US" sz="2400" dirty="0"/>
           </a:p>
@@ -18975,7 +18877,7 @@
         <p:spPr>
           <a:xfrm>
             <a:off x="9286945" y="2840635"/>
-            <a:ext cx="2233304" cy="954107"/>
+            <a:ext cx="2456122" cy="954107"/>
           </a:xfrm>
           <a:prstGeom prst="rect">
             <a:avLst/>
@@ -18990,7 +18892,7 @@
           <a:p>
             <a:r>
               <a:rPr kumimoji="1" lang="en-US" altLang="ja-JP" sz="2800" dirty="0"/>
-              <a:t>~Son()</a:t>
+              <a:t>~Bird()</a:t>
             </a:r>
             <a:r>
               <a:rPr kumimoji="1" lang="ja-JP" altLang="en-US" sz="2800" dirty="0"/>
@@ -19036,7 +18938,7 @@
           <a:p>
             <a:r>
               <a:rPr kumimoji="1" lang="en-US" altLang="ja-JP" sz="2800" dirty="0"/>
-              <a:t>~Daughter()</a:t>
+              <a:t>~Bird()</a:t>
             </a:r>
             <a:br>
               <a:rPr kumimoji="1" lang="en-US" altLang="ja-JP" sz="2800" dirty="0"/>
@@ -19049,8 +18951,8 @@
           </a:p>
           <a:p>
             <a:r>
-              <a:rPr kumimoji="1" lang="en-US" altLang="ja-JP" sz="2800" dirty="0"/>
-              <a:t>~Mother()</a:t>
+              <a:rPr kumimoji="1" lang="en-US" altLang="ja-JP" sz="2800"/>
+              <a:t>~Chicken()</a:t>
             </a:r>
             <a:br>
               <a:rPr kumimoji="1" lang="en-US" altLang="ja-JP" sz="2800" dirty="0"/>

--- a/授業資料/講義資料：継承とポリモーフィズム.pptx
+++ b/授業資料/講義資料：継承とポリモーフィズム.pptx
@@ -284,7 +284,7 @@
           <a:p>
             <a:fld id="{5B96D3F8-CD2E-4A0D-AC38-517181EABB18}" type="datetimeFigureOut">
               <a:rPr kumimoji="1" lang="ja-JP" altLang="en-US" smtClean="0"/>
-              <a:t>2024/10/8</a:t>
+              <a:t>2024/10/11</a:t>
             </a:fld>
             <a:endParaRPr kumimoji="1" lang="ja-JP" altLang="en-US"/>
           </a:p>
@@ -486,7 +486,7 @@
           <a:p>
             <a:fld id="{5B96D3F8-CD2E-4A0D-AC38-517181EABB18}" type="datetimeFigureOut">
               <a:rPr kumimoji="1" lang="ja-JP" altLang="en-US" smtClean="0"/>
-              <a:t>2024/10/8</a:t>
+              <a:t>2024/10/11</a:t>
             </a:fld>
             <a:endParaRPr kumimoji="1" lang="ja-JP" altLang="en-US"/>
           </a:p>
@@ -698,7 +698,7 @@
           <a:p>
             <a:fld id="{5B96D3F8-CD2E-4A0D-AC38-517181EABB18}" type="datetimeFigureOut">
               <a:rPr kumimoji="1" lang="ja-JP" altLang="en-US" smtClean="0"/>
-              <a:t>2024/10/8</a:t>
+              <a:t>2024/10/11</a:t>
             </a:fld>
             <a:endParaRPr kumimoji="1" lang="ja-JP" altLang="en-US"/>
           </a:p>
@@ -900,7 +900,7 @@
           <a:p>
             <a:fld id="{5B96D3F8-CD2E-4A0D-AC38-517181EABB18}" type="datetimeFigureOut">
               <a:rPr kumimoji="1" lang="ja-JP" altLang="en-US" smtClean="0"/>
-              <a:t>2024/10/8</a:t>
+              <a:t>2024/10/11</a:t>
             </a:fld>
             <a:endParaRPr kumimoji="1" lang="ja-JP" altLang="en-US"/>
           </a:p>
@@ -1146,7 +1146,7 @@
           <a:p>
             <a:fld id="{5B96D3F8-CD2E-4A0D-AC38-517181EABB18}" type="datetimeFigureOut">
               <a:rPr kumimoji="1" lang="ja-JP" altLang="en-US" smtClean="0"/>
-              <a:t>2024/10/8</a:t>
+              <a:t>2024/10/11</a:t>
             </a:fld>
             <a:endParaRPr kumimoji="1" lang="ja-JP" altLang="en-US"/>
           </a:p>
@@ -1442,7 +1442,7 @@
           <a:p>
             <a:fld id="{5B96D3F8-CD2E-4A0D-AC38-517181EABB18}" type="datetimeFigureOut">
               <a:rPr kumimoji="1" lang="ja-JP" altLang="en-US" smtClean="0"/>
-              <a:t>2024/10/8</a:t>
+              <a:t>2024/10/11</a:t>
             </a:fld>
             <a:endParaRPr kumimoji="1" lang="ja-JP" altLang="en-US"/>
           </a:p>
@@ -1873,7 +1873,7 @@
           <a:p>
             <a:fld id="{5B96D3F8-CD2E-4A0D-AC38-517181EABB18}" type="datetimeFigureOut">
               <a:rPr kumimoji="1" lang="ja-JP" altLang="en-US" smtClean="0"/>
-              <a:t>2024/10/8</a:t>
+              <a:t>2024/10/11</a:t>
             </a:fld>
             <a:endParaRPr kumimoji="1" lang="ja-JP" altLang="en-US"/>
           </a:p>
@@ -1991,7 +1991,7 @@
           <a:p>
             <a:fld id="{5B96D3F8-CD2E-4A0D-AC38-517181EABB18}" type="datetimeFigureOut">
               <a:rPr kumimoji="1" lang="ja-JP" altLang="en-US" smtClean="0"/>
-              <a:t>2024/10/8</a:t>
+              <a:t>2024/10/11</a:t>
             </a:fld>
             <a:endParaRPr kumimoji="1" lang="ja-JP" altLang="en-US"/>
           </a:p>
@@ -2086,7 +2086,7 @@
           <a:p>
             <a:fld id="{5B96D3F8-CD2E-4A0D-AC38-517181EABB18}" type="datetimeFigureOut">
               <a:rPr kumimoji="1" lang="ja-JP" altLang="en-US" smtClean="0"/>
-              <a:t>2024/10/8</a:t>
+              <a:t>2024/10/11</a:t>
             </a:fld>
             <a:endParaRPr kumimoji="1" lang="ja-JP" altLang="en-US"/>
           </a:p>
@@ -2395,7 +2395,7 @@
           <a:p>
             <a:fld id="{5B96D3F8-CD2E-4A0D-AC38-517181EABB18}" type="datetimeFigureOut">
               <a:rPr kumimoji="1" lang="ja-JP" altLang="en-US" smtClean="0"/>
-              <a:t>2024/10/8</a:t>
+              <a:t>2024/10/11</a:t>
             </a:fld>
             <a:endParaRPr kumimoji="1" lang="ja-JP" altLang="en-US"/>
           </a:p>
@@ -2652,7 +2652,7 @@
           <a:p>
             <a:fld id="{5B96D3F8-CD2E-4A0D-AC38-517181EABB18}" type="datetimeFigureOut">
               <a:rPr kumimoji="1" lang="ja-JP" altLang="en-US" smtClean="0"/>
-              <a:t>2024/10/8</a:t>
+              <a:t>2024/10/11</a:t>
             </a:fld>
             <a:endParaRPr kumimoji="1" lang="ja-JP" altLang="en-US"/>
           </a:p>
@@ -2897,7 +2897,7 @@
           <a:p>
             <a:fld id="{5B96D3F8-CD2E-4A0D-AC38-517181EABB18}" type="datetimeFigureOut">
               <a:rPr kumimoji="1" lang="ja-JP" altLang="en-US" smtClean="0"/>
-              <a:t>2024/10/8</a:t>
+              <a:t>2024/10/11</a:t>
             </a:fld>
             <a:endParaRPr kumimoji="1" lang="ja-JP" altLang="en-US"/>
           </a:p>
@@ -18211,7 +18211,7 @@
             </a:br>
             <a:r>
               <a:rPr lang="ja-JP" altLang="en-US" u="sng" dirty="0"/>
-              <a:t>親クラスのデストラクタが実行された後</a:t>
+              <a:t>親クラスのデストラクタが実行される前</a:t>
             </a:r>
             <a:r>
               <a:rPr lang="ja-JP" altLang="en-US" dirty="0"/>

--- a/授業資料/講義資料：継承とポリモーフィズム.pptx
+++ b/授業資料/講義資料：継承とポリモーフィズム.pptx
@@ -284,7 +284,7 @@
           <a:p>
             <a:fld id="{5B96D3F8-CD2E-4A0D-AC38-517181EABB18}" type="datetimeFigureOut">
               <a:rPr kumimoji="1" lang="ja-JP" altLang="en-US" smtClean="0"/>
-              <a:t>2024/10/11</a:t>
+              <a:t>2025/2/27</a:t>
             </a:fld>
             <a:endParaRPr kumimoji="1" lang="ja-JP" altLang="en-US"/>
           </a:p>
@@ -486,7 +486,7 @@
           <a:p>
             <a:fld id="{5B96D3F8-CD2E-4A0D-AC38-517181EABB18}" type="datetimeFigureOut">
               <a:rPr kumimoji="1" lang="ja-JP" altLang="en-US" smtClean="0"/>
-              <a:t>2024/10/11</a:t>
+              <a:t>2025/2/27</a:t>
             </a:fld>
             <a:endParaRPr kumimoji="1" lang="ja-JP" altLang="en-US"/>
           </a:p>
@@ -698,7 +698,7 @@
           <a:p>
             <a:fld id="{5B96D3F8-CD2E-4A0D-AC38-517181EABB18}" type="datetimeFigureOut">
               <a:rPr kumimoji="1" lang="ja-JP" altLang="en-US" smtClean="0"/>
-              <a:t>2024/10/11</a:t>
+              <a:t>2025/2/27</a:t>
             </a:fld>
             <a:endParaRPr kumimoji="1" lang="ja-JP" altLang="en-US"/>
           </a:p>
@@ -900,7 +900,7 @@
           <a:p>
             <a:fld id="{5B96D3F8-CD2E-4A0D-AC38-517181EABB18}" type="datetimeFigureOut">
               <a:rPr kumimoji="1" lang="ja-JP" altLang="en-US" smtClean="0"/>
-              <a:t>2024/10/11</a:t>
+              <a:t>2025/2/27</a:t>
             </a:fld>
             <a:endParaRPr kumimoji="1" lang="ja-JP" altLang="en-US"/>
           </a:p>
@@ -1146,7 +1146,7 @@
           <a:p>
             <a:fld id="{5B96D3F8-CD2E-4A0D-AC38-517181EABB18}" type="datetimeFigureOut">
               <a:rPr kumimoji="1" lang="ja-JP" altLang="en-US" smtClean="0"/>
-              <a:t>2024/10/11</a:t>
+              <a:t>2025/2/27</a:t>
             </a:fld>
             <a:endParaRPr kumimoji="1" lang="ja-JP" altLang="en-US"/>
           </a:p>
@@ -1442,7 +1442,7 @@
           <a:p>
             <a:fld id="{5B96D3F8-CD2E-4A0D-AC38-517181EABB18}" type="datetimeFigureOut">
               <a:rPr kumimoji="1" lang="ja-JP" altLang="en-US" smtClean="0"/>
-              <a:t>2024/10/11</a:t>
+              <a:t>2025/2/27</a:t>
             </a:fld>
             <a:endParaRPr kumimoji="1" lang="ja-JP" altLang="en-US"/>
           </a:p>
@@ -1873,7 +1873,7 @@
           <a:p>
             <a:fld id="{5B96D3F8-CD2E-4A0D-AC38-517181EABB18}" type="datetimeFigureOut">
               <a:rPr kumimoji="1" lang="ja-JP" altLang="en-US" smtClean="0"/>
-              <a:t>2024/10/11</a:t>
+              <a:t>2025/2/27</a:t>
             </a:fld>
             <a:endParaRPr kumimoji="1" lang="ja-JP" altLang="en-US"/>
           </a:p>
@@ -1991,7 +1991,7 @@
           <a:p>
             <a:fld id="{5B96D3F8-CD2E-4A0D-AC38-517181EABB18}" type="datetimeFigureOut">
               <a:rPr kumimoji="1" lang="ja-JP" altLang="en-US" smtClean="0"/>
-              <a:t>2024/10/11</a:t>
+              <a:t>2025/2/27</a:t>
             </a:fld>
             <a:endParaRPr kumimoji="1" lang="ja-JP" altLang="en-US"/>
           </a:p>
@@ -2086,7 +2086,7 @@
           <a:p>
             <a:fld id="{5B96D3F8-CD2E-4A0D-AC38-517181EABB18}" type="datetimeFigureOut">
               <a:rPr kumimoji="1" lang="ja-JP" altLang="en-US" smtClean="0"/>
-              <a:t>2024/10/11</a:t>
+              <a:t>2025/2/27</a:t>
             </a:fld>
             <a:endParaRPr kumimoji="1" lang="ja-JP" altLang="en-US"/>
           </a:p>
@@ -2395,7 +2395,7 @@
           <a:p>
             <a:fld id="{5B96D3F8-CD2E-4A0D-AC38-517181EABB18}" type="datetimeFigureOut">
               <a:rPr kumimoji="1" lang="ja-JP" altLang="en-US" smtClean="0"/>
-              <a:t>2024/10/11</a:t>
+              <a:t>2025/2/27</a:t>
             </a:fld>
             <a:endParaRPr kumimoji="1" lang="ja-JP" altLang="en-US"/>
           </a:p>
@@ -2652,7 +2652,7 @@
           <a:p>
             <a:fld id="{5B96D3F8-CD2E-4A0D-AC38-517181EABB18}" type="datetimeFigureOut">
               <a:rPr kumimoji="1" lang="ja-JP" altLang="en-US" smtClean="0"/>
-              <a:t>2024/10/11</a:t>
+              <a:t>2025/2/27</a:t>
             </a:fld>
             <a:endParaRPr kumimoji="1" lang="ja-JP" altLang="en-US"/>
           </a:p>
@@ -2897,7 +2897,7 @@
           <a:p>
             <a:fld id="{5B96D3F8-CD2E-4A0D-AC38-517181EABB18}" type="datetimeFigureOut">
               <a:rPr kumimoji="1" lang="ja-JP" altLang="en-US" smtClean="0"/>
-              <a:t>2024/10/11</a:t>
+              <a:t>2025/2/27</a:t>
             </a:fld>
             <a:endParaRPr kumimoji="1" lang="ja-JP" altLang="en-US"/>
           </a:p>
@@ -19306,7 +19306,7 @@
               <a:t>car.h</a:t>
             </a:r>
             <a:r>
-              <a:rPr kumimoji="1" lang="en-US" altLang="ja-JP" sz="2400"/>
+              <a:rPr kumimoji="1" lang="en-US" altLang="ja-JP" sz="2400" dirty="0"/>
               <a:t>”</a:t>
             </a:r>
             <a:r>
@@ -19322,7 +19322,39 @@
                   <a:srgbClr val="FF0000"/>
                 </a:solidFill>
               </a:rPr>
-              <a:t>class Ambulance: public Car {</a:t>
+              <a:t>class </a:t>
+            </a:r>
+            <a:r>
+              <a:rPr kumimoji="1" lang="en-US" altLang="ja-JP" sz="2400" dirty="0">
+                <a:solidFill>
+                  <a:srgbClr val="00B050"/>
+                </a:solidFill>
+              </a:rPr>
+              <a:t>Ambulance</a:t>
+            </a:r>
+            <a:r>
+              <a:rPr kumimoji="1" lang="en-US" altLang="ja-JP" sz="2400" dirty="0">
+                <a:solidFill>
+                  <a:srgbClr val="FF0000"/>
+                </a:solidFill>
+              </a:rPr>
+              <a:t>: public </a:t>
+            </a:r>
+            <a:r>
+              <a:rPr kumimoji="1" lang="en-US" altLang="ja-JP" sz="2400" dirty="0">
+                <a:solidFill>
+                  <a:srgbClr val="00B0F0"/>
+                </a:solidFill>
+              </a:rPr>
+              <a:t>Car</a:t>
+            </a:r>
+            <a:r>
+              <a:rPr kumimoji="1" lang="en-US" altLang="ja-JP" sz="2400" dirty="0">
+                <a:solidFill>
+                  <a:srgbClr val="FF0000"/>
+                </a:solidFill>
+              </a:rPr>
+              <a:t> {</a:t>
             </a:r>
           </a:p>
           <a:p>
